--- a/技术分享.pptx
+++ b/技术分享.pptx
@@ -5,24 +5,28 @@
     <p:sldMasterId id="2147483840" r:id="rId2"/>
   </p:sldMasterIdLst>
   <p:notesMasterIdLst>
-    <p:notesMasterId r:id="rId15"/>
+    <p:notesMasterId r:id="rId19"/>
   </p:notesMasterIdLst>
   <p:handoutMasterIdLst>
-    <p:handoutMasterId r:id="rId16"/>
+    <p:handoutMasterId r:id="rId20"/>
   </p:handoutMasterIdLst>
   <p:sldIdLst>
     <p:sldId id="256" r:id="rId3"/>
     <p:sldId id="267" r:id="rId4"/>
     <p:sldId id="257" r:id="rId5"/>
-    <p:sldId id="258" r:id="rId6"/>
-    <p:sldId id="266" r:id="rId7"/>
-    <p:sldId id="260" r:id="rId8"/>
-    <p:sldId id="259" r:id="rId9"/>
-    <p:sldId id="261" r:id="rId10"/>
-    <p:sldId id="262" r:id="rId11"/>
-    <p:sldId id="263" r:id="rId12"/>
-    <p:sldId id="264" r:id="rId13"/>
-    <p:sldId id="265" r:id="rId14"/>
+    <p:sldId id="268" r:id="rId6"/>
+    <p:sldId id="270" r:id="rId7"/>
+    <p:sldId id="269" r:id="rId8"/>
+    <p:sldId id="271" r:id="rId9"/>
+    <p:sldId id="258" r:id="rId10"/>
+    <p:sldId id="266" r:id="rId11"/>
+    <p:sldId id="260" r:id="rId12"/>
+    <p:sldId id="259" r:id="rId13"/>
+    <p:sldId id="261" r:id="rId14"/>
+    <p:sldId id="262" r:id="rId15"/>
+    <p:sldId id="263" r:id="rId16"/>
+    <p:sldId id="264" r:id="rId17"/>
+    <p:sldId id="265" r:id="rId18"/>
   </p:sldIdLst>
   <p:sldSz cx="12192000" cy="6858000"/>
   <p:notesSz cx="6858000" cy="9144000"/>
@@ -562,6 +566,7 @@
     </c:plotArea>
     <c:legend>
       <c:legendPos val="b"/>
+      <c:layout/>
       <c:overlay val="0"/>
       <c:spPr>
         <a:noFill/>
@@ -4391,7 +4396,7 @@
           <a:p>
             <a:fld id="{DE71268B-8AC2-4239-8FAF-7C144C210720}" type="datetimeFigureOut">
               <a:rPr lang="en-US" altLang="zh-CN"/>
-              <a:t>2/4/2017</a:t>
+              <a:t>2/12/2017</a:t>
             </a:fld>
             <a:endParaRPr lang="zh-CN"/>
           </a:p>
@@ -4555,7 +4560,7 @@
           </a:lstStyle>
           <a:p>
             <a:fld id="{F5AD8362-6D63-40AC-BAA9-90C3AE6D5875}" type="datetimeFigureOut">
-              <a:t>2017/2/4</a:t>
+              <a:t>2017/2/12</a:t>
             </a:fld>
             <a:endParaRPr lang="zh-CN"/>
           </a:p>
@@ -5347,7 +5352,7 @@
           <a:lstStyle/>
           <a:p>
             <a:fld id="{5F4E5243-F52A-4D37-9694-EB26C6C31910}" type="datetime1">
-              <a:t>2017/2/4</a:t>
+              <a:t>2017/2/12</a:t>
             </a:fld>
             <a:endParaRPr lang="zh-CN"/>
           </a:p>
@@ -5544,7 +5549,7 @@
           <a:lstStyle/>
           <a:p>
             <a:fld id="{3A77B6E1-634A-48DC-9E8B-D894023267EF}" type="datetime1">
-              <a:t>2017/2/4</a:t>
+              <a:t>2017/2/12</a:t>
             </a:fld>
             <a:endParaRPr lang="zh-CN"/>
           </a:p>
@@ -5735,7 +5740,7 @@
           <a:lstStyle/>
           <a:p>
             <a:fld id="{7B2D3E9E-A95C-48F2-B4BF-A71542E0BE9A}" type="datetime1">
-              <a:t>2017/2/4</a:t>
+              <a:t>2017/2/12</a:t>
             </a:fld>
             <a:endParaRPr lang="zh-CN"/>
           </a:p>
@@ -6067,7 +6072,7 @@
           <a:lstStyle/>
           <a:p>
             <a:fld id="{A50F84E2-2D7A-43CF-AC90-352A289A783A}" type="datetime1">
-              <a:t>2017/2/4</a:t>
+              <a:t>2017/2/12</a:t>
             </a:fld>
             <a:endParaRPr lang="zh-CN"/>
           </a:p>
@@ -6376,7 +6381,7 @@
           <a:lstStyle/>
           <a:p>
             <a:fld id="{F12952B5-7A2F-4CC8-B7CE-9234E21C2837}" type="datetime1">
-              <a:t>2017/2/4</a:t>
+              <a:t>2017/2/12</a:t>
             </a:fld>
             <a:endParaRPr lang="zh-CN"/>
           </a:p>
@@ -6802,7 +6807,7 @@
           <a:lstStyle/>
           <a:p>
             <a:fld id="{CE1DA07A-9201-4B4B-BAF2-015AFA30F520}" type="datetime1">
-              <a:t>2017/2/4</a:t>
+              <a:t>2017/2/12</a:t>
             </a:fld>
             <a:endParaRPr lang="zh-CN"/>
           </a:p>
@@ -6937,7 +6942,7 @@
           <a:lstStyle/>
           <a:p>
             <a:fld id="{73D7E00A-486F-4252-8B1D-E32645521F49}" type="datetime1">
-              <a:t>2017/2/4</a:t>
+              <a:t>2017/2/12</a:t>
             </a:fld>
             <a:endParaRPr lang="zh-CN"/>
           </a:p>
@@ -7134,7 +7139,7 @@
           <a:lstStyle/>
           <a:p>
             <a:fld id="{8DDF5F92-E675-4B36-9A60-69A962A68675}" type="datetime1">
-              <a:t>2017/2/4</a:t>
+              <a:t>2017/2/12</a:t>
             </a:fld>
             <a:endParaRPr lang="zh-CN"/>
           </a:p>
@@ -7440,7 +7445,7 @@
           <a:lstStyle/>
           <a:p>
             <a:fld id="{AF6E2C9B-5FA2-460D-9BE7-B0812FC2A6FF}" type="datetime1">
-              <a:t>2017/2/4</a:t>
+              <a:t>2017/2/12</a:t>
             </a:fld>
             <a:endParaRPr lang="zh-CN"/>
           </a:p>
@@ -7731,7 +7736,7 @@
           <a:lstStyle/>
           <a:p>
             <a:fld id="{1D374940-A916-4C8B-9648-02A2D3898F9E}" type="datetime1">
-              <a:t>2017/2/4</a:t>
+              <a:t>2017/2/12</a:t>
             </a:fld>
             <a:endParaRPr lang="zh-CN"/>
           </a:p>
@@ -8170,7 +8175,7 @@
             <a:fld id="{5586B75A-687E-405C-8A0B-8D00578BA2C3}" type="datetime1">
               <a:rPr lang="en-US" altLang="zh-CN" smtClean="0"/>
               <a:pPr/>
-              <a:t>2/4/2017</a:t>
+              <a:t>2/12/2017</a:t>
             </a:fld>
             <a:endParaRPr lang="zh-CN" altLang="en-US"/>
           </a:p>
@@ -8680,6 +8685,10 @@
               <a:rPr lang="en-US" altLang="zh-CN" dirty="0" smtClean="0"/>
               <a:t>Binder</a:t>
             </a:r>
+            <a:r>
+              <a:rPr lang="zh-CN" altLang="en-US" dirty="0" smtClean="0"/>
+              <a:t>通信机制</a:t>
+            </a:r>
             <a:endParaRPr lang="zh-CN" dirty="0"/>
           </a:p>
         </p:txBody>
@@ -8752,668 +8761,6 @@
 </file>
 
 <file path=ppt/slides/slide10.xml><?xml version="1.0" encoding="utf-8"?>
-<p:sld xmlns:a="http://schemas.openxmlformats.org/drawingml/2006/main" xmlns:r="http://schemas.openxmlformats.org/officeDocument/2006/relationships" xmlns:p="http://schemas.openxmlformats.org/presentationml/2006/main">
-  <p:cSld>
-    <p:spTree>
-      <p:nvGrpSpPr>
-        <p:cNvPr id="1" name=""/>
-        <p:cNvGrpSpPr/>
-        <p:nvPr/>
-      </p:nvGrpSpPr>
-      <p:grpSpPr>
-        <a:xfrm>
-          <a:off x="0" y="0"/>
-          <a:ext cx="0" cy="0"/>
-          <a:chOff x="0" y="0"/>
-          <a:chExt cx="0" cy="0"/>
-        </a:xfrm>
-      </p:grpSpPr>
-      <p:sp>
-        <p:nvSpPr>
-          <p:cNvPr id="2" name="标题 1"/>
-          <p:cNvSpPr>
-            <a:spLocks noGrp="1"/>
-          </p:cNvSpPr>
-          <p:nvPr>
-            <p:ph type="title"/>
-          </p:nvPr>
-        </p:nvSpPr>
-        <p:spPr/>
-        <p:txBody>
-          <a:bodyPr/>
-          <a:lstStyle/>
-          <a:p>
-            <a:endParaRPr lang="zh-CN" dirty="0"/>
-          </a:p>
-        </p:txBody>
-      </p:sp>
-    </p:spTree>
-    <p:extLst>
-      <p:ext uri="{BB962C8B-B14F-4D97-AF65-F5344CB8AC3E}">
-        <p14:creationId xmlns:p14="http://schemas.microsoft.com/office/powerpoint/2010/main" val="1689357796"/>
-      </p:ext>
-    </p:extLst>
-  </p:cSld>
-  <p:clrMapOvr>
-    <a:masterClrMapping/>
-  </p:clrMapOvr>
-  <mc:AlternateContent xmlns:mc="http://schemas.openxmlformats.org/markup-compatibility/2006" xmlns:p14="http://schemas.microsoft.com/office/powerpoint/2010/main">
-    <mc:Choice Requires="p14">
-      <p:transition spd="med" p14:dur="700">
-        <p:fade/>
-      </p:transition>
-    </mc:Choice>
-    <mc:Fallback xmlns="">
-      <p:transition spd="med">
-        <p:fade/>
-      </p:transition>
-    </mc:Fallback>
-  </mc:AlternateContent>
-  <p:timing>
-    <p:tnLst>
-      <p:par>
-        <p:cTn id="1" dur="indefinite" restart="never" nodeType="tmRoot"/>
-      </p:par>
-    </p:tnLst>
-  </p:timing>
-</p:sld>
-</file>
-
-<file path=ppt/slides/slide11.xml><?xml version="1.0" encoding="utf-8"?>
-<p:sld xmlns:a="http://schemas.openxmlformats.org/drawingml/2006/main" xmlns:r="http://schemas.openxmlformats.org/officeDocument/2006/relationships" xmlns:p="http://schemas.openxmlformats.org/presentationml/2006/main">
-  <p:cSld>
-    <p:spTree>
-      <p:nvGrpSpPr>
-        <p:cNvPr id="1" name=""/>
-        <p:cNvGrpSpPr/>
-        <p:nvPr/>
-      </p:nvGrpSpPr>
-      <p:grpSpPr>
-        <a:xfrm>
-          <a:off x="0" y="0"/>
-          <a:ext cx="0" cy="0"/>
-          <a:chOff x="0" y="0"/>
-          <a:chExt cx="0" cy="0"/>
-        </a:xfrm>
-      </p:grpSpPr>
-    </p:spTree>
-    <p:extLst>
-      <p:ext uri="{BB962C8B-B14F-4D97-AF65-F5344CB8AC3E}">
-        <p14:creationId xmlns:p14="http://schemas.microsoft.com/office/powerpoint/2010/main" val="428241947"/>
-      </p:ext>
-    </p:extLst>
-  </p:cSld>
-  <p:clrMapOvr>
-    <a:masterClrMapping/>
-  </p:clrMapOvr>
-  <mc:AlternateContent xmlns:mc="http://schemas.openxmlformats.org/markup-compatibility/2006" xmlns:p14="http://schemas.microsoft.com/office/powerpoint/2010/main">
-    <mc:Choice Requires="p14">
-      <p:transition spd="med" p14:dur="700">
-        <p:fade/>
-      </p:transition>
-    </mc:Choice>
-    <mc:Fallback xmlns="">
-      <p:transition spd="med">
-        <p:fade/>
-      </p:transition>
-    </mc:Fallback>
-  </mc:AlternateContent>
-  <p:timing>
-    <p:tnLst>
-      <p:par>
-        <p:cTn id="1" dur="indefinite" restart="never" nodeType="tmRoot"/>
-      </p:par>
-    </p:tnLst>
-  </p:timing>
-</p:sld>
-</file>
-
-<file path=ppt/slides/slide12.xml><?xml version="1.0" encoding="utf-8"?>
-<p:sld xmlns:a="http://schemas.openxmlformats.org/drawingml/2006/main" xmlns:r="http://schemas.openxmlformats.org/officeDocument/2006/relationships" xmlns:p="http://schemas.openxmlformats.org/presentationml/2006/main">
-  <p:cSld>
-    <p:spTree>
-      <p:nvGrpSpPr>
-        <p:cNvPr id="1" name=""/>
-        <p:cNvGrpSpPr/>
-        <p:nvPr/>
-      </p:nvGrpSpPr>
-      <p:grpSpPr>
-        <a:xfrm>
-          <a:off x="0" y="0"/>
-          <a:ext cx="0" cy="0"/>
-          <a:chOff x="0" y="0"/>
-          <a:chExt cx="0" cy="0"/>
-        </a:xfrm>
-      </p:grpSpPr>
-      <p:sp>
-        <p:nvSpPr>
-          <p:cNvPr id="2" name="标题 1"/>
-          <p:cNvSpPr>
-            <a:spLocks noGrp="1"/>
-          </p:cNvSpPr>
-          <p:nvPr>
-            <p:ph type="title"/>
-          </p:nvPr>
-        </p:nvSpPr>
-        <p:spPr/>
-        <p:txBody>
-          <a:bodyPr/>
-          <a:lstStyle/>
-          <a:p>
-            <a:endParaRPr lang="zh-CN" dirty="0"/>
-          </a:p>
-        </p:txBody>
-      </p:sp>
-      <p:sp>
-        <p:nvSpPr>
-          <p:cNvPr id="3" name="内容占位符 2"/>
-          <p:cNvSpPr>
-            <a:spLocks noGrp="1"/>
-          </p:cNvSpPr>
-          <p:nvPr>
-            <p:ph idx="1"/>
-          </p:nvPr>
-        </p:nvSpPr>
-        <p:spPr/>
-        <p:txBody>
-          <a:bodyPr/>
-          <a:lstStyle/>
-          <a:p>
-            <a:endParaRPr lang="zh-CN"/>
-          </a:p>
-        </p:txBody>
-      </p:sp>
-      <p:sp>
-        <p:nvSpPr>
-          <p:cNvPr id="4" name="文本占位符 3"/>
-          <p:cNvSpPr>
-            <a:spLocks noGrp="1"/>
-          </p:cNvSpPr>
-          <p:nvPr>
-            <p:ph type="body" sz="half" idx="2"/>
-          </p:nvPr>
-        </p:nvSpPr>
-        <p:spPr/>
-        <p:txBody>
-          <a:bodyPr/>
-          <a:lstStyle/>
-          <a:p>
-            <a:endParaRPr lang="zh-CN"/>
-          </a:p>
-        </p:txBody>
-      </p:sp>
-    </p:spTree>
-    <p:extLst>
-      <p:ext uri="{BB962C8B-B14F-4D97-AF65-F5344CB8AC3E}">
-        <p14:creationId xmlns:p14="http://schemas.microsoft.com/office/powerpoint/2010/main" val="161801657"/>
-      </p:ext>
-    </p:extLst>
-  </p:cSld>
-  <p:clrMapOvr>
-    <a:masterClrMapping/>
-  </p:clrMapOvr>
-  <mc:AlternateContent xmlns:mc="http://schemas.openxmlformats.org/markup-compatibility/2006" xmlns:p14="http://schemas.microsoft.com/office/powerpoint/2010/main">
-    <mc:Choice Requires="p14">
-      <p:transition spd="med" p14:dur="700">
-        <p:fade/>
-      </p:transition>
-    </mc:Choice>
-    <mc:Fallback xmlns="">
-      <p:transition spd="med">
-        <p:fade/>
-      </p:transition>
-    </mc:Fallback>
-  </mc:AlternateContent>
-  <p:timing>
-    <p:tnLst>
-      <p:par>
-        <p:cTn id="1" dur="indefinite" restart="never" nodeType="tmRoot"/>
-      </p:par>
-    </p:tnLst>
-  </p:timing>
-</p:sld>
-</file>
-
-<file path=ppt/slides/slide2.xml><?xml version="1.0" encoding="utf-8"?>
-<p:sld xmlns:a="http://schemas.openxmlformats.org/drawingml/2006/main" xmlns:r="http://schemas.openxmlformats.org/officeDocument/2006/relationships" xmlns:p="http://schemas.openxmlformats.org/presentationml/2006/main">
-  <p:cSld>
-    <p:spTree>
-      <p:nvGrpSpPr>
-        <p:cNvPr id="1" name=""/>
-        <p:cNvGrpSpPr/>
-        <p:nvPr/>
-      </p:nvGrpSpPr>
-      <p:grpSpPr>
-        <a:xfrm>
-          <a:off x="0" y="0"/>
-          <a:ext cx="0" cy="0"/>
-          <a:chOff x="0" y="0"/>
-          <a:chExt cx="0" cy="0"/>
-        </a:xfrm>
-      </p:grpSpPr>
-      <p:sp>
-        <p:nvSpPr>
-          <p:cNvPr id="2" name="标题 1"/>
-          <p:cNvSpPr>
-            <a:spLocks noGrp="1"/>
-          </p:cNvSpPr>
-          <p:nvPr>
-            <p:ph type="title"/>
-          </p:nvPr>
-        </p:nvSpPr>
-        <p:spPr/>
-        <p:txBody>
-          <a:bodyPr/>
-          <a:lstStyle/>
-          <a:p>
-            <a:r>
-              <a:rPr lang="zh-CN" altLang="en-US" dirty="0" smtClean="0"/>
-              <a:t>进程通信基本原理</a:t>
-            </a:r>
-            <a:endParaRPr lang="zh-CN" altLang="en-US" dirty="0"/>
-          </a:p>
-        </p:txBody>
-      </p:sp>
-      <p:sp>
-        <p:nvSpPr>
-          <p:cNvPr id="3" name="内容占位符 2"/>
-          <p:cNvSpPr>
-            <a:spLocks noGrp="1"/>
-          </p:cNvSpPr>
-          <p:nvPr>
-            <p:ph idx="1"/>
-          </p:nvPr>
-        </p:nvSpPr>
-        <p:spPr/>
-        <p:txBody>
-          <a:bodyPr/>
-          <a:lstStyle/>
-          <a:p>
-            <a:r>
-              <a:rPr lang="zh-CN" altLang="en-US" dirty="0" smtClean="0"/>
-              <a:t>进程沙箱</a:t>
-            </a:r>
-            <a:endParaRPr lang="en-US" altLang="zh-CN" dirty="0" smtClean="0"/>
-          </a:p>
-          <a:p>
-            <a:r>
-              <a:rPr lang="zh-CN" altLang="en-US" dirty="0" smtClean="0"/>
-              <a:t>用户空间和内核空间</a:t>
-            </a:r>
-            <a:endParaRPr lang="en-US" altLang="zh-CN" dirty="0" smtClean="0"/>
-          </a:p>
-          <a:p>
-            <a:r>
-              <a:rPr lang="zh-CN" altLang="en-US" dirty="0" smtClean="0"/>
-              <a:t>进程间数据传输 </a:t>
-            </a:r>
-            <a:endParaRPr lang="en-US" altLang="zh-CN" dirty="0" smtClean="0"/>
-          </a:p>
-          <a:p>
-            <a:r>
-              <a:rPr lang="zh-CN" altLang="en-US" dirty="0" smtClean="0"/>
-              <a:t>进程间通知机制</a:t>
-            </a:r>
-            <a:r>
-              <a:rPr lang="en-US" altLang="zh-CN" dirty="0" smtClean="0"/>
-              <a:t>—</a:t>
-            </a:r>
-            <a:r>
-              <a:rPr lang="zh-CN" altLang="en-US" dirty="0" smtClean="0"/>
-              <a:t>阻塞队列</a:t>
-            </a:r>
-            <a:endParaRPr lang="en-US" altLang="zh-CN" dirty="0" smtClean="0"/>
-          </a:p>
-          <a:p>
-            <a:endParaRPr lang="zh-CN" altLang="en-US" dirty="0"/>
-          </a:p>
-        </p:txBody>
-      </p:sp>
-    </p:spTree>
-    <p:extLst>
-      <p:ext uri="{BB962C8B-B14F-4D97-AF65-F5344CB8AC3E}">
-        <p14:creationId xmlns:p14="http://schemas.microsoft.com/office/powerpoint/2010/main" val="2024148821"/>
-      </p:ext>
-    </p:extLst>
-  </p:cSld>
-  <p:clrMapOvr>
-    <a:masterClrMapping/>
-  </p:clrMapOvr>
-  <mc:AlternateContent xmlns:mc="http://schemas.openxmlformats.org/markup-compatibility/2006" xmlns:p14="http://schemas.microsoft.com/office/powerpoint/2010/main">
-    <mc:Choice Requires="p14">
-      <p:transition spd="med" p14:dur="700">
-        <p:fade/>
-      </p:transition>
-    </mc:Choice>
-    <mc:Fallback xmlns="">
-      <p:transition spd="med">
-        <p:fade/>
-      </p:transition>
-    </mc:Fallback>
-  </mc:AlternateContent>
-</p:sld>
-</file>
-
-<file path=ppt/slides/slide3.xml><?xml version="1.0" encoding="utf-8"?>
-<p:sld xmlns:a="http://schemas.openxmlformats.org/drawingml/2006/main" xmlns:r="http://schemas.openxmlformats.org/officeDocument/2006/relationships" xmlns:p="http://schemas.openxmlformats.org/presentationml/2006/main">
-  <p:cSld>
-    <p:spTree>
-      <p:nvGrpSpPr>
-        <p:cNvPr id="1" name=""/>
-        <p:cNvGrpSpPr/>
-        <p:nvPr/>
-      </p:nvGrpSpPr>
-      <p:grpSpPr>
-        <a:xfrm>
-          <a:off x="0" y="0"/>
-          <a:ext cx="0" cy="0"/>
-          <a:chOff x="0" y="0"/>
-          <a:chExt cx="0" cy="0"/>
-        </a:xfrm>
-      </p:grpSpPr>
-      <p:sp>
-        <p:nvSpPr>
-          <p:cNvPr id="2" name="标题 1"/>
-          <p:cNvSpPr>
-            <a:spLocks noGrp="1"/>
-          </p:cNvSpPr>
-          <p:nvPr>
-            <p:ph type="title"/>
-          </p:nvPr>
-        </p:nvSpPr>
-        <p:spPr/>
-        <p:txBody>
-          <a:bodyPr/>
-          <a:lstStyle/>
-          <a:p>
-            <a:r>
-              <a:rPr lang="zh-CN" dirty="0"/>
-              <a:t>标题和内容版式与列表</a:t>
-            </a:r>
-          </a:p>
-        </p:txBody>
-      </p:sp>
-      <p:sp>
-        <p:nvSpPr>
-          <p:cNvPr id="3" name="内容占位符 2"/>
-          <p:cNvSpPr>
-            <a:spLocks noGrp="1"/>
-          </p:cNvSpPr>
-          <p:nvPr>
-            <p:ph idx="1"/>
-          </p:nvPr>
-        </p:nvSpPr>
-        <p:spPr/>
-        <p:txBody>
-          <a:bodyPr/>
-          <a:lstStyle/>
-          <a:p>
-            <a:r>
-              <a:rPr lang="zh-CN" dirty="0"/>
-              <a:t>在此处添加第一个要点</a:t>
-            </a:r>
-          </a:p>
-          <a:p>
-            <a:r>
-              <a:rPr lang="zh-CN" dirty="0"/>
-              <a:t>在此处添加第二个要点</a:t>
-            </a:r>
-          </a:p>
-          <a:p>
-            <a:r>
-              <a:rPr lang="zh-CN" dirty="0"/>
-              <a:t>在此处添加第三个要点</a:t>
-            </a:r>
-          </a:p>
-        </p:txBody>
-      </p:sp>
-    </p:spTree>
-    <p:extLst>
-      <p:ext uri="{BB962C8B-B14F-4D97-AF65-F5344CB8AC3E}">
-        <p14:creationId xmlns:p14="http://schemas.microsoft.com/office/powerpoint/2010/main" val="3327456264"/>
-      </p:ext>
-    </p:extLst>
-  </p:cSld>
-  <p:clrMapOvr>
-    <a:masterClrMapping/>
-  </p:clrMapOvr>
-  <mc:AlternateContent xmlns:mc="http://schemas.openxmlformats.org/markup-compatibility/2006" xmlns:p14="http://schemas.microsoft.com/office/powerpoint/2010/main">
-    <mc:Choice Requires="p14">
-      <p:transition spd="med" p14:dur="700">
-        <p:fade/>
-      </p:transition>
-    </mc:Choice>
-    <mc:Fallback xmlns="">
-      <p:transition spd="med">
-        <p:fade/>
-      </p:transition>
-    </mc:Fallback>
-  </mc:AlternateContent>
-  <p:timing>
-    <p:tnLst>
-      <p:par>
-        <p:cTn id="1" dur="indefinite" restart="never" nodeType="tmRoot"/>
-      </p:par>
-    </p:tnLst>
-  </p:timing>
-</p:sld>
-</file>
-
-<file path=ppt/slides/slide4.xml><?xml version="1.0" encoding="utf-8"?>
-<p:sld xmlns:a="http://schemas.openxmlformats.org/drawingml/2006/main" xmlns:r="http://schemas.openxmlformats.org/officeDocument/2006/relationships" xmlns:p="http://schemas.openxmlformats.org/presentationml/2006/main">
-  <p:cSld>
-    <p:spTree>
-      <p:nvGrpSpPr>
-        <p:cNvPr id="1" name=""/>
-        <p:cNvGrpSpPr/>
-        <p:nvPr/>
-      </p:nvGrpSpPr>
-      <p:grpSpPr>
-        <a:xfrm>
-          <a:off x="0" y="0"/>
-          <a:ext cx="0" cy="0"/>
-          <a:chOff x="0" y="0"/>
-          <a:chExt cx="0" cy="0"/>
-        </a:xfrm>
-      </p:grpSpPr>
-      <p:sp>
-        <p:nvSpPr>
-          <p:cNvPr id="2" name="标题 1"/>
-          <p:cNvSpPr>
-            <a:spLocks noGrp="1"/>
-          </p:cNvSpPr>
-          <p:nvPr>
-            <p:ph type="title"/>
-          </p:nvPr>
-        </p:nvSpPr>
-        <p:spPr/>
-        <p:txBody>
-          <a:bodyPr/>
-          <a:lstStyle/>
-          <a:p>
-            <a:r>
-              <a:rPr lang="zh-CN"/>
-              <a:t>标题和内容版式与图表</a:t>
-            </a:r>
-          </a:p>
-        </p:txBody>
-      </p:sp>
-      <p:graphicFrame>
-        <p:nvGraphicFramePr>
-          <p:cNvPr id="6" name="内容占位符 5"/>
-          <p:cNvGraphicFramePr>
-            <a:graphicFrameLocks noGrp="1"/>
-          </p:cNvGraphicFramePr>
-          <p:nvPr>
-            <p:ph idx="1"/>
-            <p:extLst>
-              <p:ext uri="{D42A27DB-BD31-4B8C-83A1-F6EECF244321}">
-                <p14:modId xmlns:p14="http://schemas.microsoft.com/office/powerpoint/2010/main" val="1698860746"/>
-              </p:ext>
-            </p:extLst>
-          </p:nvPr>
-        </p:nvGraphicFramePr>
-        <p:xfrm>
-          <a:off x="1341438" y="1573213"/>
-          <a:ext cx="9510712" cy="4141787"/>
-        </p:xfrm>
-        <a:graphic>
-          <a:graphicData uri="http://schemas.openxmlformats.org/drawingml/2006/chart">
-            <c:chart xmlns:c="http://schemas.openxmlformats.org/drawingml/2006/chart" xmlns:r="http://schemas.openxmlformats.org/officeDocument/2006/relationships" r:id="rId2"/>
-          </a:graphicData>
-        </a:graphic>
-      </p:graphicFrame>
-    </p:spTree>
-    <p:extLst>
-      <p:ext uri="{BB962C8B-B14F-4D97-AF65-F5344CB8AC3E}">
-        <p14:creationId xmlns:p14="http://schemas.microsoft.com/office/powerpoint/2010/main" val="2578687163"/>
-      </p:ext>
-    </p:extLst>
-  </p:cSld>
-  <p:clrMapOvr>
-    <a:masterClrMapping/>
-  </p:clrMapOvr>
-  <mc:AlternateContent xmlns:mc="http://schemas.openxmlformats.org/markup-compatibility/2006" xmlns:p14="http://schemas.microsoft.com/office/powerpoint/2010/main">
-    <mc:Choice Requires="p14">
-      <p:transition spd="med" p14:dur="700">
-        <p:fade/>
-      </p:transition>
-    </mc:Choice>
-    <mc:Fallback xmlns="">
-      <p:transition spd="med">
-        <p:fade/>
-      </p:transition>
-    </mc:Fallback>
-  </mc:AlternateContent>
-  <p:timing>
-    <p:tnLst>
-      <p:par>
-        <p:cTn id="1" dur="indefinite" restart="never" nodeType="tmRoot"/>
-      </p:par>
-    </p:tnLst>
-  </p:timing>
-</p:sld>
-</file>
-
-<file path=ppt/slides/slide5.xml><?xml version="1.0" encoding="utf-8"?>
-<p:sld xmlns:a="http://schemas.openxmlformats.org/drawingml/2006/main" xmlns:r="http://schemas.openxmlformats.org/officeDocument/2006/relationships" xmlns:p="http://schemas.openxmlformats.org/presentationml/2006/main">
-  <p:cSld>
-    <p:spTree>
-      <p:nvGrpSpPr>
-        <p:cNvPr id="1" name=""/>
-        <p:cNvGrpSpPr/>
-        <p:nvPr/>
-      </p:nvGrpSpPr>
-      <p:grpSpPr>
-        <a:xfrm>
-          <a:off x="0" y="0"/>
-          <a:ext cx="0" cy="0"/>
-          <a:chOff x="0" y="0"/>
-          <a:chExt cx="0" cy="0"/>
-        </a:xfrm>
-      </p:grpSpPr>
-      <p:sp>
-        <p:nvSpPr>
-          <p:cNvPr id="2" name="标题 1"/>
-          <p:cNvSpPr>
-            <a:spLocks noGrp="1"/>
-          </p:cNvSpPr>
-          <p:nvPr>
-            <p:ph type="title"/>
-          </p:nvPr>
-        </p:nvSpPr>
-        <p:spPr/>
-        <p:txBody>
-          <a:bodyPr/>
-          <a:lstStyle/>
-          <a:p>
-            <a:r>
-              <a:rPr lang="zh-CN"/>
-              <a:t>图片与标题版式</a:t>
-            </a:r>
-          </a:p>
-        </p:txBody>
-      </p:sp>
-      <p:sp>
-        <p:nvSpPr>
-          <p:cNvPr id="4" name="文本占位符 3"/>
-          <p:cNvSpPr>
-            <a:spLocks noGrp="1"/>
-          </p:cNvSpPr>
-          <p:nvPr>
-            <p:ph type="body" sz="half" idx="2"/>
-          </p:nvPr>
-        </p:nvSpPr>
-        <p:spPr/>
-        <p:txBody>
-          <a:bodyPr/>
-          <a:lstStyle/>
-          <a:p>
-            <a:r>
-              <a:rPr lang="zh-CN"/>
-              <a:t>标题</a:t>
-            </a:r>
-          </a:p>
-        </p:txBody>
-      </p:sp>
-      <p:pic>
-        <p:nvPicPr>
-          <p:cNvPr id="7" name="图片占位符 6" descr="白色沙滩上的花朵、海星和贝壳的特写" title="Beach photo"/>
-          <p:cNvPicPr>
-            <a:picLocks noGrp="1" noChangeAspect="1"/>
-          </p:cNvPicPr>
-          <p:nvPr>
-            <p:ph type="pic" idx="1"/>
-          </p:nvPr>
-        </p:nvPicPr>
-        <p:blipFill>
-          <a:blip r:embed="rId2" cstate="print">
-            <a:extLst>
-              <a:ext uri="{28A0092B-C50C-407E-A947-70E740481C1C}">
-                <a14:useLocalDpi xmlns:a14="http://schemas.microsoft.com/office/drawing/2010/main" val="0"/>
-              </a:ext>
-            </a:extLst>
-          </a:blip>
-          <a:srcRect/>
-          <a:stretch>
-            <a:fillRect/>
-          </a:stretch>
-        </p:blipFill>
-        <p:spPr/>
-      </p:pic>
-    </p:spTree>
-    <p:extLst>
-      <p:ext uri="{BB962C8B-B14F-4D97-AF65-F5344CB8AC3E}">
-        <p14:creationId xmlns:p14="http://schemas.microsoft.com/office/powerpoint/2010/main" val="361883921"/>
-      </p:ext>
-    </p:extLst>
-  </p:cSld>
-  <p:clrMapOvr>
-    <a:masterClrMapping/>
-  </p:clrMapOvr>
-  <mc:AlternateContent xmlns:mc="http://schemas.openxmlformats.org/markup-compatibility/2006" xmlns:p14="http://schemas.microsoft.com/office/powerpoint/2010/main">
-    <mc:Choice Requires="p14">
-      <p:transition spd="med" p14:dur="700">
-        <p:fade/>
-      </p:transition>
-    </mc:Choice>
-    <mc:Fallback xmlns="">
-      <p:transition spd="med">
-        <p:fade/>
-      </p:transition>
-    </mc:Fallback>
-  </mc:AlternateContent>
-  <p:timing>
-    <p:tnLst>
-      <p:par>
-        <p:cTn id="1" dur="indefinite" restart="never" nodeType="tmRoot"/>
-      </p:par>
-    </p:tnLst>
-  </p:timing>
-</p:sld>
-</file>
-
-<file path=ppt/slides/slide6.xml><?xml version="1.0" encoding="utf-8"?>
 <p:sld xmlns:a="http://schemas.openxmlformats.org/drawingml/2006/main" xmlns:r="http://schemas.openxmlformats.org/officeDocument/2006/relationships" xmlns:p="http://schemas.openxmlformats.org/presentationml/2006/main">
   <p:cSld>
     <p:spTree>
@@ -9795,7 +9142,7 @@
 </p:sld>
 </file>
 
-<file path=ppt/slides/slide7.xml><?xml version="1.0" encoding="utf-8"?>
+<file path=ppt/slides/slide11.xml><?xml version="1.0" encoding="utf-8"?>
 <p:sld xmlns:a="http://schemas.openxmlformats.org/drawingml/2006/main" xmlns:r="http://schemas.openxmlformats.org/officeDocument/2006/relationships" xmlns:p="http://schemas.openxmlformats.org/presentationml/2006/main">
   <p:cSld>
     <p:spTree>
@@ -9925,6 +9272,1196 @@
 </p:sld>
 </file>
 
+<file path=ppt/slides/slide12.xml><?xml version="1.0" encoding="utf-8"?>
+<p:sld xmlns:a="http://schemas.openxmlformats.org/drawingml/2006/main" xmlns:r="http://schemas.openxmlformats.org/officeDocument/2006/relationships" xmlns:p="http://schemas.openxmlformats.org/presentationml/2006/main">
+  <p:cSld>
+    <p:spTree>
+      <p:nvGrpSpPr>
+        <p:cNvPr id="1" name=""/>
+        <p:cNvGrpSpPr/>
+        <p:nvPr/>
+      </p:nvGrpSpPr>
+      <p:grpSpPr>
+        <a:xfrm>
+          <a:off x="0" y="0"/>
+          <a:ext cx="0" cy="0"/>
+          <a:chOff x="0" y="0"/>
+          <a:chExt cx="0" cy="0"/>
+        </a:xfrm>
+      </p:grpSpPr>
+      <p:sp>
+        <p:nvSpPr>
+          <p:cNvPr id="2" name="标题 1"/>
+          <p:cNvSpPr>
+            <a:spLocks noGrp="1"/>
+          </p:cNvSpPr>
+          <p:nvPr>
+            <p:ph type="title"/>
+          </p:nvPr>
+        </p:nvSpPr>
+        <p:spPr/>
+        <p:txBody>
+          <a:bodyPr/>
+          <a:lstStyle/>
+          <a:p>
+            <a:endParaRPr lang="zh-CN" dirty="0"/>
+          </a:p>
+        </p:txBody>
+      </p:sp>
+      <p:sp>
+        <p:nvSpPr>
+          <p:cNvPr id="3" name="文本占位符 2"/>
+          <p:cNvSpPr>
+            <a:spLocks noGrp="1"/>
+          </p:cNvSpPr>
+          <p:nvPr>
+            <p:ph type="body" idx="1"/>
+          </p:nvPr>
+        </p:nvSpPr>
+        <p:spPr/>
+        <p:txBody>
+          <a:bodyPr/>
+          <a:lstStyle/>
+          <a:p>
+            <a:endParaRPr lang="zh-CN" dirty="0"/>
+          </a:p>
+        </p:txBody>
+      </p:sp>
+    </p:spTree>
+    <p:extLst>
+      <p:ext uri="{BB962C8B-B14F-4D97-AF65-F5344CB8AC3E}">
+        <p14:creationId xmlns:p14="http://schemas.microsoft.com/office/powerpoint/2010/main" val="2255057593"/>
+      </p:ext>
+    </p:extLst>
+  </p:cSld>
+  <p:clrMapOvr>
+    <a:masterClrMapping/>
+  </p:clrMapOvr>
+  <mc:AlternateContent xmlns:mc="http://schemas.openxmlformats.org/markup-compatibility/2006" xmlns:p14="http://schemas.microsoft.com/office/powerpoint/2010/main">
+    <mc:Choice Requires="p14">
+      <p:transition spd="med" p14:dur="700">
+        <p:fade/>
+      </p:transition>
+    </mc:Choice>
+    <mc:Fallback xmlns="">
+      <p:transition spd="med">
+        <p:fade/>
+      </p:transition>
+    </mc:Fallback>
+  </mc:AlternateContent>
+  <p:timing>
+    <p:tnLst>
+      <p:par>
+        <p:cTn id="1" dur="indefinite" restart="never" nodeType="tmRoot"/>
+      </p:par>
+    </p:tnLst>
+  </p:timing>
+</p:sld>
+</file>
+
+<file path=ppt/slides/slide13.xml><?xml version="1.0" encoding="utf-8"?>
+<p:sld xmlns:a="http://schemas.openxmlformats.org/drawingml/2006/main" xmlns:r="http://schemas.openxmlformats.org/officeDocument/2006/relationships" xmlns:p="http://schemas.openxmlformats.org/presentationml/2006/main">
+  <p:cSld>
+    <p:spTree>
+      <p:nvGrpSpPr>
+        <p:cNvPr id="1" name=""/>
+        <p:cNvGrpSpPr/>
+        <p:nvPr/>
+      </p:nvGrpSpPr>
+      <p:grpSpPr>
+        <a:xfrm>
+          <a:off x="0" y="0"/>
+          <a:ext cx="0" cy="0"/>
+          <a:chOff x="0" y="0"/>
+          <a:chExt cx="0" cy="0"/>
+        </a:xfrm>
+      </p:grpSpPr>
+      <p:sp>
+        <p:nvSpPr>
+          <p:cNvPr id="2" name="文本占位符 1"/>
+          <p:cNvSpPr>
+            <a:spLocks noGrp="1"/>
+          </p:cNvSpPr>
+          <p:nvPr>
+            <p:ph type="body" idx="1"/>
+          </p:nvPr>
+        </p:nvSpPr>
+        <p:spPr/>
+        <p:txBody>
+          <a:bodyPr/>
+          <a:lstStyle/>
+          <a:p>
+            <a:endParaRPr lang="zh-CN"/>
+          </a:p>
+        </p:txBody>
+      </p:sp>
+      <p:sp>
+        <p:nvSpPr>
+          <p:cNvPr id="3" name="内容占位符 2"/>
+          <p:cNvSpPr>
+            <a:spLocks noGrp="1"/>
+          </p:cNvSpPr>
+          <p:nvPr>
+            <p:ph sz="half" idx="2"/>
+          </p:nvPr>
+        </p:nvSpPr>
+        <p:spPr/>
+        <p:txBody>
+          <a:bodyPr/>
+          <a:lstStyle/>
+          <a:p>
+            <a:endParaRPr lang="zh-CN"/>
+          </a:p>
+        </p:txBody>
+      </p:sp>
+      <p:sp>
+        <p:nvSpPr>
+          <p:cNvPr id="4" name="文本占位符 3"/>
+          <p:cNvSpPr>
+            <a:spLocks noGrp="1"/>
+          </p:cNvSpPr>
+          <p:nvPr>
+            <p:ph type="body" sz="quarter" idx="3"/>
+          </p:nvPr>
+        </p:nvSpPr>
+        <p:spPr/>
+        <p:txBody>
+          <a:bodyPr/>
+          <a:lstStyle/>
+          <a:p>
+            <a:endParaRPr lang="zh-CN"/>
+          </a:p>
+        </p:txBody>
+      </p:sp>
+      <p:sp>
+        <p:nvSpPr>
+          <p:cNvPr id="5" name="内容占位符 4"/>
+          <p:cNvSpPr>
+            <a:spLocks noGrp="1"/>
+          </p:cNvSpPr>
+          <p:nvPr>
+            <p:ph sz="quarter" idx="4"/>
+          </p:nvPr>
+        </p:nvSpPr>
+        <p:spPr/>
+        <p:txBody>
+          <a:bodyPr/>
+          <a:lstStyle/>
+          <a:p>
+            <a:endParaRPr lang="zh-CN"/>
+          </a:p>
+        </p:txBody>
+      </p:sp>
+      <p:sp>
+        <p:nvSpPr>
+          <p:cNvPr id="6" name="标题 5"/>
+          <p:cNvSpPr>
+            <a:spLocks noGrp="1"/>
+          </p:cNvSpPr>
+          <p:nvPr>
+            <p:ph type="title"/>
+          </p:nvPr>
+        </p:nvSpPr>
+        <p:spPr/>
+        <p:txBody>
+          <a:bodyPr/>
+          <a:lstStyle/>
+          <a:p>
+            <a:endParaRPr lang="zh-CN" dirty="0"/>
+          </a:p>
+        </p:txBody>
+      </p:sp>
+    </p:spTree>
+    <p:extLst>
+      <p:ext uri="{BB962C8B-B14F-4D97-AF65-F5344CB8AC3E}">
+        <p14:creationId xmlns:p14="http://schemas.microsoft.com/office/powerpoint/2010/main" val="212726890"/>
+      </p:ext>
+    </p:extLst>
+  </p:cSld>
+  <p:clrMapOvr>
+    <a:masterClrMapping/>
+  </p:clrMapOvr>
+  <mc:AlternateContent xmlns:mc="http://schemas.openxmlformats.org/markup-compatibility/2006" xmlns:p14="http://schemas.microsoft.com/office/powerpoint/2010/main">
+    <mc:Choice Requires="p14">
+      <p:transition spd="med" p14:dur="700">
+        <p:fade/>
+      </p:transition>
+    </mc:Choice>
+    <mc:Fallback xmlns="">
+      <p:transition spd="med">
+        <p:fade/>
+      </p:transition>
+    </mc:Fallback>
+  </mc:AlternateContent>
+  <p:timing>
+    <p:tnLst>
+      <p:par>
+        <p:cTn id="1" dur="indefinite" restart="never" nodeType="tmRoot"/>
+      </p:par>
+    </p:tnLst>
+  </p:timing>
+</p:sld>
+</file>
+
+<file path=ppt/slides/slide14.xml><?xml version="1.0" encoding="utf-8"?>
+<p:sld xmlns:a="http://schemas.openxmlformats.org/drawingml/2006/main" xmlns:r="http://schemas.openxmlformats.org/officeDocument/2006/relationships" xmlns:p="http://schemas.openxmlformats.org/presentationml/2006/main">
+  <p:cSld>
+    <p:spTree>
+      <p:nvGrpSpPr>
+        <p:cNvPr id="1" name=""/>
+        <p:cNvGrpSpPr/>
+        <p:nvPr/>
+      </p:nvGrpSpPr>
+      <p:grpSpPr>
+        <a:xfrm>
+          <a:off x="0" y="0"/>
+          <a:ext cx="0" cy="0"/>
+          <a:chOff x="0" y="0"/>
+          <a:chExt cx="0" cy="0"/>
+        </a:xfrm>
+      </p:grpSpPr>
+      <p:sp>
+        <p:nvSpPr>
+          <p:cNvPr id="2" name="标题 1"/>
+          <p:cNvSpPr>
+            <a:spLocks noGrp="1"/>
+          </p:cNvSpPr>
+          <p:nvPr>
+            <p:ph type="title"/>
+          </p:nvPr>
+        </p:nvSpPr>
+        <p:spPr/>
+        <p:txBody>
+          <a:bodyPr/>
+          <a:lstStyle/>
+          <a:p>
+            <a:endParaRPr lang="zh-CN" dirty="0"/>
+          </a:p>
+        </p:txBody>
+      </p:sp>
+    </p:spTree>
+    <p:extLst>
+      <p:ext uri="{BB962C8B-B14F-4D97-AF65-F5344CB8AC3E}">
+        <p14:creationId xmlns:p14="http://schemas.microsoft.com/office/powerpoint/2010/main" val="1689357796"/>
+      </p:ext>
+    </p:extLst>
+  </p:cSld>
+  <p:clrMapOvr>
+    <a:masterClrMapping/>
+  </p:clrMapOvr>
+  <mc:AlternateContent xmlns:mc="http://schemas.openxmlformats.org/markup-compatibility/2006" xmlns:p14="http://schemas.microsoft.com/office/powerpoint/2010/main">
+    <mc:Choice Requires="p14">
+      <p:transition spd="med" p14:dur="700">
+        <p:fade/>
+      </p:transition>
+    </mc:Choice>
+    <mc:Fallback xmlns="">
+      <p:transition spd="med">
+        <p:fade/>
+      </p:transition>
+    </mc:Fallback>
+  </mc:AlternateContent>
+  <p:timing>
+    <p:tnLst>
+      <p:par>
+        <p:cTn id="1" dur="indefinite" restart="never" nodeType="tmRoot"/>
+      </p:par>
+    </p:tnLst>
+  </p:timing>
+</p:sld>
+</file>
+
+<file path=ppt/slides/slide15.xml><?xml version="1.0" encoding="utf-8"?>
+<p:sld xmlns:a="http://schemas.openxmlformats.org/drawingml/2006/main" xmlns:r="http://schemas.openxmlformats.org/officeDocument/2006/relationships" xmlns:p="http://schemas.openxmlformats.org/presentationml/2006/main">
+  <p:cSld>
+    <p:spTree>
+      <p:nvGrpSpPr>
+        <p:cNvPr id="1" name=""/>
+        <p:cNvGrpSpPr/>
+        <p:nvPr/>
+      </p:nvGrpSpPr>
+      <p:grpSpPr>
+        <a:xfrm>
+          <a:off x="0" y="0"/>
+          <a:ext cx="0" cy="0"/>
+          <a:chOff x="0" y="0"/>
+          <a:chExt cx="0" cy="0"/>
+        </a:xfrm>
+      </p:grpSpPr>
+    </p:spTree>
+    <p:extLst>
+      <p:ext uri="{BB962C8B-B14F-4D97-AF65-F5344CB8AC3E}">
+        <p14:creationId xmlns:p14="http://schemas.microsoft.com/office/powerpoint/2010/main" val="428241947"/>
+      </p:ext>
+    </p:extLst>
+  </p:cSld>
+  <p:clrMapOvr>
+    <a:masterClrMapping/>
+  </p:clrMapOvr>
+  <mc:AlternateContent xmlns:mc="http://schemas.openxmlformats.org/markup-compatibility/2006" xmlns:p14="http://schemas.microsoft.com/office/powerpoint/2010/main">
+    <mc:Choice Requires="p14">
+      <p:transition spd="med" p14:dur="700">
+        <p:fade/>
+      </p:transition>
+    </mc:Choice>
+    <mc:Fallback xmlns="">
+      <p:transition spd="med">
+        <p:fade/>
+      </p:transition>
+    </mc:Fallback>
+  </mc:AlternateContent>
+  <p:timing>
+    <p:tnLst>
+      <p:par>
+        <p:cTn id="1" dur="indefinite" restart="never" nodeType="tmRoot"/>
+      </p:par>
+    </p:tnLst>
+  </p:timing>
+</p:sld>
+</file>
+
+<file path=ppt/slides/slide16.xml><?xml version="1.0" encoding="utf-8"?>
+<p:sld xmlns:a="http://schemas.openxmlformats.org/drawingml/2006/main" xmlns:r="http://schemas.openxmlformats.org/officeDocument/2006/relationships" xmlns:p="http://schemas.openxmlformats.org/presentationml/2006/main">
+  <p:cSld>
+    <p:spTree>
+      <p:nvGrpSpPr>
+        <p:cNvPr id="1" name=""/>
+        <p:cNvGrpSpPr/>
+        <p:nvPr/>
+      </p:nvGrpSpPr>
+      <p:grpSpPr>
+        <a:xfrm>
+          <a:off x="0" y="0"/>
+          <a:ext cx="0" cy="0"/>
+          <a:chOff x="0" y="0"/>
+          <a:chExt cx="0" cy="0"/>
+        </a:xfrm>
+      </p:grpSpPr>
+      <p:sp>
+        <p:nvSpPr>
+          <p:cNvPr id="2" name="标题 1"/>
+          <p:cNvSpPr>
+            <a:spLocks noGrp="1"/>
+          </p:cNvSpPr>
+          <p:nvPr>
+            <p:ph type="title"/>
+          </p:nvPr>
+        </p:nvSpPr>
+        <p:spPr/>
+        <p:txBody>
+          <a:bodyPr/>
+          <a:lstStyle/>
+          <a:p>
+            <a:endParaRPr lang="zh-CN" dirty="0"/>
+          </a:p>
+        </p:txBody>
+      </p:sp>
+      <p:sp>
+        <p:nvSpPr>
+          <p:cNvPr id="3" name="内容占位符 2"/>
+          <p:cNvSpPr>
+            <a:spLocks noGrp="1"/>
+          </p:cNvSpPr>
+          <p:nvPr>
+            <p:ph idx="1"/>
+          </p:nvPr>
+        </p:nvSpPr>
+        <p:spPr/>
+        <p:txBody>
+          <a:bodyPr/>
+          <a:lstStyle/>
+          <a:p>
+            <a:endParaRPr lang="zh-CN"/>
+          </a:p>
+        </p:txBody>
+      </p:sp>
+      <p:sp>
+        <p:nvSpPr>
+          <p:cNvPr id="4" name="文本占位符 3"/>
+          <p:cNvSpPr>
+            <a:spLocks noGrp="1"/>
+          </p:cNvSpPr>
+          <p:nvPr>
+            <p:ph type="body" sz="half" idx="2"/>
+          </p:nvPr>
+        </p:nvSpPr>
+        <p:spPr/>
+        <p:txBody>
+          <a:bodyPr/>
+          <a:lstStyle/>
+          <a:p>
+            <a:endParaRPr lang="zh-CN"/>
+          </a:p>
+        </p:txBody>
+      </p:sp>
+    </p:spTree>
+    <p:extLst>
+      <p:ext uri="{BB962C8B-B14F-4D97-AF65-F5344CB8AC3E}">
+        <p14:creationId xmlns:p14="http://schemas.microsoft.com/office/powerpoint/2010/main" val="161801657"/>
+      </p:ext>
+    </p:extLst>
+  </p:cSld>
+  <p:clrMapOvr>
+    <a:masterClrMapping/>
+  </p:clrMapOvr>
+  <mc:AlternateContent xmlns:mc="http://schemas.openxmlformats.org/markup-compatibility/2006" xmlns:p14="http://schemas.microsoft.com/office/powerpoint/2010/main">
+    <mc:Choice Requires="p14">
+      <p:transition spd="med" p14:dur="700">
+        <p:fade/>
+      </p:transition>
+    </mc:Choice>
+    <mc:Fallback xmlns="">
+      <p:transition spd="med">
+        <p:fade/>
+      </p:transition>
+    </mc:Fallback>
+  </mc:AlternateContent>
+  <p:timing>
+    <p:tnLst>
+      <p:par>
+        <p:cTn id="1" dur="indefinite" restart="never" nodeType="tmRoot"/>
+      </p:par>
+    </p:tnLst>
+  </p:timing>
+</p:sld>
+</file>
+
+<file path=ppt/slides/slide2.xml><?xml version="1.0" encoding="utf-8"?>
+<p:sld xmlns:a="http://schemas.openxmlformats.org/drawingml/2006/main" xmlns:r="http://schemas.openxmlformats.org/officeDocument/2006/relationships" xmlns:p="http://schemas.openxmlformats.org/presentationml/2006/main">
+  <p:cSld>
+    <p:spTree>
+      <p:nvGrpSpPr>
+        <p:cNvPr id="1" name=""/>
+        <p:cNvGrpSpPr/>
+        <p:nvPr/>
+      </p:nvGrpSpPr>
+      <p:grpSpPr>
+        <a:xfrm>
+          <a:off x="0" y="0"/>
+          <a:ext cx="0" cy="0"/>
+          <a:chOff x="0" y="0"/>
+          <a:chExt cx="0" cy="0"/>
+        </a:xfrm>
+      </p:grpSpPr>
+      <p:sp>
+        <p:nvSpPr>
+          <p:cNvPr id="2" name="标题 1"/>
+          <p:cNvSpPr>
+            <a:spLocks noGrp="1"/>
+          </p:cNvSpPr>
+          <p:nvPr>
+            <p:ph type="title"/>
+          </p:nvPr>
+        </p:nvSpPr>
+        <p:spPr/>
+        <p:txBody>
+          <a:bodyPr/>
+          <a:lstStyle/>
+          <a:p>
+            <a:r>
+              <a:rPr lang="zh-CN" altLang="en-US" dirty="0" smtClean="0"/>
+              <a:t>进程通信基本原理</a:t>
+            </a:r>
+            <a:endParaRPr lang="zh-CN" altLang="en-US" dirty="0"/>
+          </a:p>
+        </p:txBody>
+      </p:sp>
+      <p:sp>
+        <p:nvSpPr>
+          <p:cNvPr id="3" name="内容占位符 2"/>
+          <p:cNvSpPr>
+            <a:spLocks noGrp="1"/>
+          </p:cNvSpPr>
+          <p:nvPr>
+            <p:ph idx="1"/>
+          </p:nvPr>
+        </p:nvSpPr>
+        <p:spPr/>
+        <p:txBody>
+          <a:bodyPr/>
+          <a:lstStyle/>
+          <a:p>
+            <a:r>
+              <a:rPr lang="zh-CN" altLang="en-US" dirty="0" smtClean="0"/>
+              <a:t>进程沙箱</a:t>
+            </a:r>
+            <a:endParaRPr lang="en-US" altLang="zh-CN" dirty="0" smtClean="0"/>
+          </a:p>
+          <a:p>
+            <a:r>
+              <a:rPr lang="zh-CN" altLang="en-US" dirty="0" smtClean="0"/>
+              <a:t>用户空间和内核空间</a:t>
+            </a:r>
+            <a:endParaRPr lang="en-US" altLang="zh-CN" dirty="0" smtClean="0"/>
+          </a:p>
+          <a:p>
+            <a:r>
+              <a:rPr lang="zh-CN" altLang="en-US" dirty="0" smtClean="0"/>
+              <a:t>进程间数据传输 </a:t>
+            </a:r>
+            <a:endParaRPr lang="en-US" altLang="zh-CN" dirty="0" smtClean="0"/>
+          </a:p>
+          <a:p>
+            <a:r>
+              <a:rPr lang="zh-CN" altLang="en-US" dirty="0" smtClean="0"/>
+              <a:t>进程间通知机制</a:t>
+            </a:r>
+            <a:r>
+              <a:rPr lang="en-US" altLang="zh-CN" dirty="0" smtClean="0"/>
+              <a:t>—</a:t>
+            </a:r>
+            <a:r>
+              <a:rPr lang="zh-CN" altLang="en-US" dirty="0" smtClean="0"/>
+              <a:t>阻塞队列</a:t>
+            </a:r>
+            <a:endParaRPr lang="en-US" altLang="zh-CN" dirty="0" smtClean="0"/>
+          </a:p>
+          <a:p>
+            <a:endParaRPr lang="zh-CN" altLang="en-US" dirty="0"/>
+          </a:p>
+        </p:txBody>
+      </p:sp>
+    </p:spTree>
+    <p:extLst>
+      <p:ext uri="{BB962C8B-B14F-4D97-AF65-F5344CB8AC3E}">
+        <p14:creationId xmlns:p14="http://schemas.microsoft.com/office/powerpoint/2010/main" val="2024148821"/>
+      </p:ext>
+    </p:extLst>
+  </p:cSld>
+  <p:clrMapOvr>
+    <a:masterClrMapping/>
+  </p:clrMapOvr>
+  <mc:AlternateContent xmlns:mc="http://schemas.openxmlformats.org/markup-compatibility/2006" xmlns:p14="http://schemas.microsoft.com/office/powerpoint/2010/main">
+    <mc:Choice Requires="p14">
+      <p:transition spd="med" p14:dur="700">
+        <p:fade/>
+      </p:transition>
+    </mc:Choice>
+    <mc:Fallback xmlns="">
+      <p:transition spd="med">
+        <p:fade/>
+      </p:transition>
+    </mc:Fallback>
+  </mc:AlternateContent>
+  <p:timing>
+    <p:tnLst>
+      <p:par>
+        <p:cTn id="1" dur="indefinite" restart="never" nodeType="tmRoot"/>
+      </p:par>
+    </p:tnLst>
+  </p:timing>
+</p:sld>
+</file>
+
+<file path=ppt/slides/slide3.xml><?xml version="1.0" encoding="utf-8"?>
+<p:sld xmlns:a="http://schemas.openxmlformats.org/drawingml/2006/main" xmlns:r="http://schemas.openxmlformats.org/officeDocument/2006/relationships" xmlns:p="http://schemas.openxmlformats.org/presentationml/2006/main">
+  <p:cSld>
+    <p:spTree>
+      <p:nvGrpSpPr>
+        <p:cNvPr id="1" name=""/>
+        <p:cNvGrpSpPr/>
+        <p:nvPr/>
+      </p:nvGrpSpPr>
+      <p:grpSpPr>
+        <a:xfrm>
+          <a:off x="0" y="0"/>
+          <a:ext cx="0" cy="0"/>
+          <a:chOff x="0" y="0"/>
+          <a:chExt cx="0" cy="0"/>
+        </a:xfrm>
+      </p:grpSpPr>
+      <p:sp>
+        <p:nvSpPr>
+          <p:cNvPr id="2" name="标题 1"/>
+          <p:cNvSpPr>
+            <a:spLocks noGrp="1"/>
+          </p:cNvSpPr>
+          <p:nvPr>
+            <p:ph type="title"/>
+          </p:nvPr>
+        </p:nvSpPr>
+        <p:spPr/>
+        <p:txBody>
+          <a:bodyPr/>
+          <a:lstStyle/>
+          <a:p>
+            <a:r>
+              <a:rPr lang="en-US" altLang="zh-CN" dirty="0" smtClean="0"/>
+              <a:t>Linux</a:t>
+            </a:r>
+            <a:r>
+              <a:rPr lang="zh-CN" altLang="en-US" dirty="0" smtClean="0"/>
+              <a:t>进程地址空间</a:t>
+            </a:r>
+            <a:endParaRPr lang="zh-CN" dirty="0"/>
+          </a:p>
+        </p:txBody>
+      </p:sp>
+      <p:sp>
+        <p:nvSpPr>
+          <p:cNvPr id="3" name="内容占位符 2"/>
+          <p:cNvSpPr>
+            <a:spLocks noGrp="1"/>
+          </p:cNvSpPr>
+          <p:nvPr>
+            <p:ph idx="1"/>
+          </p:nvPr>
+        </p:nvSpPr>
+        <p:spPr/>
+        <p:txBody>
+          <a:bodyPr/>
+          <a:lstStyle/>
+          <a:p>
+            <a:r>
+              <a:rPr lang="en-US" altLang="zh-CN" dirty="0" smtClean="0"/>
+              <a:t>Linux</a:t>
+            </a:r>
+            <a:r>
+              <a:rPr lang="zh-CN" altLang="en-US" dirty="0" smtClean="0"/>
+              <a:t>的进程地址空间为</a:t>
+            </a:r>
+            <a:r>
+              <a:rPr lang="en-US" altLang="zh-CN" dirty="0" smtClean="0"/>
+              <a:t>0-4G</a:t>
+            </a:r>
+            <a:r>
+              <a:rPr lang="zh-CN" altLang="en-US" dirty="0" smtClean="0"/>
+              <a:t>，其中</a:t>
+            </a:r>
+            <a:r>
+              <a:rPr lang="en-US" altLang="zh-CN" dirty="0" smtClean="0"/>
+              <a:t>0-3G</a:t>
+            </a:r>
+            <a:r>
+              <a:rPr lang="zh-CN" altLang="en-US" dirty="0" smtClean="0"/>
+              <a:t>为用户空间，</a:t>
+            </a:r>
+            <a:r>
+              <a:rPr lang="en-US" altLang="zh-CN" dirty="0" smtClean="0"/>
+              <a:t>3-4G</a:t>
+            </a:r>
+            <a:r>
+              <a:rPr lang="zh-CN" altLang="en-US" dirty="0" smtClean="0"/>
+              <a:t>为内核空间</a:t>
+            </a:r>
+            <a:endParaRPr lang="zh-CN" dirty="0"/>
+          </a:p>
+          <a:p>
+            <a:r>
+              <a:rPr lang="zh-CN" altLang="en-US" dirty="0" smtClean="0"/>
+              <a:t>进程的用户空间是隔离的（</a:t>
+            </a:r>
+            <a:r>
+              <a:rPr lang="zh-CN" altLang="en-US" dirty="0"/>
+              <a:t>沙箱</a:t>
+            </a:r>
+            <a:r>
+              <a:rPr lang="zh-CN" altLang="en-US" dirty="0" smtClean="0"/>
+              <a:t>），内核空间是共享的</a:t>
+            </a:r>
+            <a:endParaRPr lang="zh-CN" dirty="0"/>
+          </a:p>
+          <a:p>
+            <a:r>
+              <a:rPr lang="zh-CN" altLang="en-US" dirty="0"/>
+              <a:t>用户</a:t>
+            </a:r>
+            <a:r>
+              <a:rPr lang="zh-CN" altLang="en-US" dirty="0" smtClean="0"/>
+              <a:t>态下只能访问用户空间，要访问内核空间，必须通过系统调用进入内核态</a:t>
+            </a:r>
+            <a:endParaRPr lang="en-US" altLang="zh-CN" dirty="0" smtClean="0"/>
+          </a:p>
+          <a:p>
+            <a:r>
+              <a:rPr lang="zh-CN" altLang="en-US" dirty="0"/>
+              <a:t>内核</a:t>
+            </a:r>
+            <a:r>
+              <a:rPr lang="zh-CN" altLang="en-US" dirty="0" smtClean="0"/>
+              <a:t>态下可以通过内核函数</a:t>
+            </a:r>
+            <a:r>
+              <a:rPr lang="en-US" altLang="zh-CN" dirty="0" err="1" smtClean="0"/>
+              <a:t>copy_to_user</a:t>
+            </a:r>
+            <a:r>
+              <a:rPr lang="zh-CN" altLang="en-US" dirty="0" smtClean="0"/>
+              <a:t>和</a:t>
+            </a:r>
+            <a:r>
+              <a:rPr lang="en-US" altLang="zh-CN" dirty="0" err="1" smtClean="0"/>
+              <a:t>copy_from_user</a:t>
+            </a:r>
+            <a:r>
+              <a:rPr lang="zh-CN" altLang="en-US" dirty="0" smtClean="0"/>
+              <a:t>与用户空间交互</a:t>
+            </a:r>
+            <a:endParaRPr lang="en-US" altLang="zh-CN" dirty="0" smtClean="0"/>
+          </a:p>
+          <a:p>
+            <a:r>
+              <a:rPr lang="zh-CN" altLang="en-US" dirty="0" smtClean="0"/>
+              <a:t>驱动程序运行在内核态</a:t>
+            </a:r>
+            <a:endParaRPr lang="zh-CN" dirty="0"/>
+          </a:p>
+        </p:txBody>
+      </p:sp>
+    </p:spTree>
+    <p:extLst>
+      <p:ext uri="{BB962C8B-B14F-4D97-AF65-F5344CB8AC3E}">
+        <p14:creationId xmlns:p14="http://schemas.microsoft.com/office/powerpoint/2010/main" val="3327456264"/>
+      </p:ext>
+    </p:extLst>
+  </p:cSld>
+  <p:clrMapOvr>
+    <a:masterClrMapping/>
+  </p:clrMapOvr>
+  <mc:AlternateContent xmlns:mc="http://schemas.openxmlformats.org/markup-compatibility/2006" xmlns:p14="http://schemas.microsoft.com/office/powerpoint/2010/main">
+    <mc:Choice Requires="p14">
+      <p:transition spd="med" p14:dur="700">
+        <p:fade/>
+      </p:transition>
+    </mc:Choice>
+    <mc:Fallback xmlns="">
+      <p:transition spd="med">
+        <p:fade/>
+      </p:transition>
+    </mc:Fallback>
+  </mc:AlternateContent>
+  <p:timing>
+    <p:tnLst>
+      <p:par>
+        <p:cTn id="1" dur="indefinite" restart="never" nodeType="tmRoot"/>
+      </p:par>
+    </p:tnLst>
+  </p:timing>
+</p:sld>
+</file>
+
+<file path=ppt/slides/slide4.xml><?xml version="1.0" encoding="utf-8"?>
+<p:sld xmlns:a="http://schemas.openxmlformats.org/drawingml/2006/main" xmlns:r="http://schemas.openxmlformats.org/officeDocument/2006/relationships" xmlns:p="http://schemas.openxmlformats.org/presentationml/2006/main">
+  <p:cSld>
+    <p:spTree>
+      <p:nvGrpSpPr>
+        <p:cNvPr id="1" name=""/>
+        <p:cNvGrpSpPr/>
+        <p:nvPr/>
+      </p:nvGrpSpPr>
+      <p:grpSpPr>
+        <a:xfrm>
+          <a:off x="0" y="0"/>
+          <a:ext cx="0" cy="0"/>
+          <a:chOff x="0" y="0"/>
+          <a:chExt cx="0" cy="0"/>
+        </a:xfrm>
+      </p:grpSpPr>
+      <p:pic>
+        <p:nvPicPr>
+          <p:cNvPr id="8" name="图片 7"/>
+          <p:cNvPicPr>
+            <a:picLocks noChangeAspect="1"/>
+          </p:cNvPicPr>
+          <p:nvPr/>
+        </p:nvPicPr>
+        <p:blipFill>
+          <a:blip r:embed="rId3"/>
+          <a:stretch>
+            <a:fillRect/>
+          </a:stretch>
+        </p:blipFill>
+        <p:spPr>
+          <a:xfrm>
+            <a:off x="1689946" y="110134"/>
+            <a:ext cx="8812108" cy="6637733"/>
+          </a:xfrm>
+          <a:prstGeom prst="rect">
+            <a:avLst/>
+          </a:prstGeom>
+        </p:spPr>
+      </p:pic>
+    </p:spTree>
+    <p:extLst>
+      <p:ext uri="{BB962C8B-B14F-4D97-AF65-F5344CB8AC3E}">
+        <p14:creationId xmlns:p14="http://schemas.microsoft.com/office/powerpoint/2010/main" val="400386541"/>
+      </p:ext>
+    </p:extLst>
+  </p:cSld>
+  <p:clrMapOvr>
+    <a:masterClrMapping/>
+  </p:clrMapOvr>
+  <mc:AlternateContent xmlns:mc="http://schemas.openxmlformats.org/markup-compatibility/2006" xmlns:p14="http://schemas.microsoft.com/office/powerpoint/2010/main">
+    <mc:Choice Requires="p14">
+      <p:transition spd="med" p14:dur="700">
+        <p:fade/>
+      </p:transition>
+    </mc:Choice>
+    <mc:Fallback xmlns="">
+      <p:transition spd="med">
+        <p:fade/>
+      </p:transition>
+    </mc:Fallback>
+  </mc:AlternateContent>
+  <p:timing>
+    <p:tnLst>
+      <p:par>
+        <p:cTn id="1" dur="indefinite" restart="never" nodeType="tmRoot"/>
+      </p:par>
+    </p:tnLst>
+  </p:timing>
+</p:sld>
+</file>
+
+<file path=ppt/slides/slide5.xml><?xml version="1.0" encoding="utf-8"?>
+<p:sld xmlns:a="http://schemas.openxmlformats.org/drawingml/2006/main" xmlns:r="http://schemas.openxmlformats.org/officeDocument/2006/relationships" xmlns:p="http://schemas.openxmlformats.org/presentationml/2006/main">
+  <p:cSld>
+    <p:spTree>
+      <p:nvGrpSpPr>
+        <p:cNvPr id="1" name=""/>
+        <p:cNvGrpSpPr/>
+        <p:nvPr/>
+      </p:nvGrpSpPr>
+      <p:grpSpPr>
+        <a:xfrm>
+          <a:off x="0" y="0"/>
+          <a:ext cx="0" cy="0"/>
+          <a:chOff x="0" y="0"/>
+          <a:chExt cx="0" cy="0"/>
+        </a:xfrm>
+      </p:grpSpPr>
+      <p:pic>
+        <p:nvPicPr>
+          <p:cNvPr id="5" name="图片 4"/>
+          <p:cNvPicPr>
+            <a:picLocks noChangeAspect="1"/>
+          </p:cNvPicPr>
+          <p:nvPr/>
+        </p:nvPicPr>
+        <p:blipFill>
+          <a:blip r:embed="rId2"/>
+          <a:stretch>
+            <a:fillRect/>
+          </a:stretch>
+        </p:blipFill>
+        <p:spPr>
+          <a:xfrm>
+            <a:off x="2085703" y="117566"/>
+            <a:ext cx="8020595" cy="6682544"/>
+          </a:xfrm>
+          <a:prstGeom prst="rect">
+            <a:avLst/>
+          </a:prstGeom>
+        </p:spPr>
+      </p:pic>
+    </p:spTree>
+    <p:extLst>
+      <p:ext uri="{BB962C8B-B14F-4D97-AF65-F5344CB8AC3E}">
+        <p14:creationId xmlns:p14="http://schemas.microsoft.com/office/powerpoint/2010/main" val="1652966190"/>
+      </p:ext>
+    </p:extLst>
+  </p:cSld>
+  <p:clrMapOvr>
+    <a:masterClrMapping/>
+  </p:clrMapOvr>
+  <mc:AlternateContent xmlns:mc="http://schemas.openxmlformats.org/markup-compatibility/2006" xmlns:p14="http://schemas.microsoft.com/office/powerpoint/2010/main">
+    <mc:Choice Requires="p14">
+      <p:transition spd="med" p14:dur="700">
+        <p:fade/>
+      </p:transition>
+    </mc:Choice>
+    <mc:Fallback xmlns="">
+      <p:transition spd="med">
+        <p:fade/>
+      </p:transition>
+    </mc:Fallback>
+  </mc:AlternateContent>
+</p:sld>
+</file>
+
+<file path=ppt/slides/slide6.xml><?xml version="1.0" encoding="utf-8"?>
+<p:sld xmlns:a="http://schemas.openxmlformats.org/drawingml/2006/main" xmlns:r="http://schemas.openxmlformats.org/officeDocument/2006/relationships" xmlns:p="http://schemas.openxmlformats.org/presentationml/2006/main">
+  <p:cSld>
+    <p:spTree>
+      <p:nvGrpSpPr>
+        <p:cNvPr id="1" name=""/>
+        <p:cNvGrpSpPr/>
+        <p:nvPr/>
+      </p:nvGrpSpPr>
+      <p:grpSpPr>
+        <a:xfrm>
+          <a:off x="0" y="0"/>
+          <a:ext cx="0" cy="0"/>
+          <a:chOff x="0" y="0"/>
+          <a:chExt cx="0" cy="0"/>
+        </a:xfrm>
+      </p:grpSpPr>
+      <p:sp>
+        <p:nvSpPr>
+          <p:cNvPr id="2" name="标题 1"/>
+          <p:cNvSpPr>
+            <a:spLocks noGrp="1"/>
+          </p:cNvSpPr>
+          <p:nvPr>
+            <p:ph type="title"/>
+          </p:nvPr>
+        </p:nvSpPr>
+        <p:spPr/>
+        <p:txBody>
+          <a:bodyPr/>
+          <a:lstStyle/>
+          <a:p>
+            <a:r>
+              <a:rPr lang="zh-CN" altLang="en-US" dirty="0" smtClean="0"/>
+              <a:t>等待队列</a:t>
+            </a:r>
+            <a:endParaRPr lang="zh-CN" dirty="0"/>
+          </a:p>
+        </p:txBody>
+      </p:sp>
+      <p:sp>
+        <p:nvSpPr>
+          <p:cNvPr id="3" name="内容占位符 2"/>
+          <p:cNvSpPr>
+            <a:spLocks noGrp="1"/>
+          </p:cNvSpPr>
+          <p:nvPr>
+            <p:ph idx="1"/>
+          </p:nvPr>
+        </p:nvSpPr>
+        <p:spPr/>
+        <p:txBody>
+          <a:bodyPr/>
+          <a:lstStyle/>
+          <a:p>
+            <a:r>
+              <a:rPr lang="zh-CN" altLang="en-US" dirty="0" smtClean="0"/>
+              <a:t>等待队列：</a:t>
+            </a:r>
+            <a:r>
+              <a:rPr lang="en-US" altLang="zh-CN" dirty="0" smtClean="0"/>
+              <a:t>wait_queue_head_t</a:t>
+            </a:r>
+            <a:endParaRPr lang="zh-CN" dirty="0"/>
+          </a:p>
+          <a:p>
+            <a:r>
+              <a:rPr lang="zh-CN" altLang="en-US" dirty="0" smtClean="0"/>
+              <a:t>阻塞线程：</a:t>
+            </a:r>
+            <a:r>
+              <a:rPr lang="en-US" altLang="zh-CN" dirty="0" err="1" smtClean="0"/>
+              <a:t>wait_event_interruptible</a:t>
+            </a:r>
+            <a:r>
+              <a:rPr lang="en-US" altLang="zh-CN" dirty="0" smtClean="0"/>
+              <a:t>(wait_queue_head_t </a:t>
+            </a:r>
+            <a:r>
+              <a:rPr lang="zh-CN" altLang="en-US" dirty="0" smtClean="0"/>
+              <a:t>*</a:t>
+            </a:r>
+            <a:r>
+              <a:rPr lang="en-US" altLang="zh-CN" dirty="0" smtClean="0"/>
+              <a:t>queue</a:t>
+            </a:r>
+            <a:r>
+              <a:rPr lang="en-US" altLang="zh-CN" dirty="0"/>
+              <a:t>, condition</a:t>
+            </a:r>
+            <a:r>
+              <a:rPr lang="en-US" altLang="zh-CN" dirty="0" smtClean="0"/>
+              <a:t>)</a:t>
+            </a:r>
+          </a:p>
+          <a:p>
+            <a:r>
+              <a:rPr lang="zh-CN" altLang="en-US" dirty="0" smtClean="0"/>
+              <a:t>唤醒线程：</a:t>
+            </a:r>
+            <a:r>
+              <a:rPr lang="en-US" altLang="zh-CN" dirty="0" err="1"/>
+              <a:t>wake_up_interruptible</a:t>
+            </a:r>
+            <a:r>
+              <a:rPr lang="en-US" altLang="zh-CN" dirty="0"/>
+              <a:t>(</a:t>
+            </a:r>
+            <a:r>
+              <a:rPr lang="en-US" altLang="zh-CN" dirty="0" err="1"/>
+              <a:t>wait_queue_head_t</a:t>
+            </a:r>
+            <a:r>
+              <a:rPr lang="en-US" altLang="zh-CN" dirty="0"/>
+              <a:t> *queue</a:t>
+            </a:r>
+            <a:r>
+              <a:rPr lang="en-US" altLang="zh-CN" dirty="0" smtClean="0"/>
+              <a:t>)</a:t>
+            </a:r>
+            <a:endParaRPr lang="zh-CN" dirty="0"/>
+          </a:p>
+          <a:p>
+            <a:endParaRPr lang="en-US" altLang="zh-CN" dirty="0" smtClean="0"/>
+          </a:p>
+          <a:p>
+            <a:r>
+              <a:rPr lang="zh-CN" altLang="en-US" dirty="0" smtClean="0"/>
+              <a:t>可类比</a:t>
+            </a:r>
+            <a:r>
+              <a:rPr lang="en-US" altLang="zh-CN" dirty="0" smtClean="0"/>
+              <a:t>Java</a:t>
+            </a:r>
+            <a:r>
+              <a:rPr lang="zh-CN" altLang="en-US" dirty="0" smtClean="0"/>
+              <a:t>中的</a:t>
+            </a:r>
+            <a:r>
+              <a:rPr lang="en-US" altLang="zh-CN" dirty="0" err="1"/>
+              <a:t>ArrayBlockingQueue</a:t>
+            </a:r>
+            <a:endParaRPr lang="zh-CN" dirty="0"/>
+          </a:p>
+        </p:txBody>
+      </p:sp>
+    </p:spTree>
+    <p:extLst>
+      <p:ext uri="{BB962C8B-B14F-4D97-AF65-F5344CB8AC3E}">
+        <p14:creationId xmlns:p14="http://schemas.microsoft.com/office/powerpoint/2010/main" val="3357774551"/>
+      </p:ext>
+    </p:extLst>
+  </p:cSld>
+  <p:clrMapOvr>
+    <a:masterClrMapping/>
+  </p:clrMapOvr>
+  <mc:AlternateContent xmlns:mc="http://schemas.openxmlformats.org/markup-compatibility/2006" xmlns:p14="http://schemas.microsoft.com/office/powerpoint/2010/main">
+    <mc:Choice Requires="p14">
+      <p:transition spd="med" p14:dur="700">
+        <p:fade/>
+      </p:transition>
+    </mc:Choice>
+    <mc:Fallback xmlns="">
+      <p:transition spd="med">
+        <p:fade/>
+      </p:transition>
+    </mc:Fallback>
+  </mc:AlternateContent>
+  <p:timing>
+    <p:tnLst>
+      <p:par>
+        <p:cTn id="1" dur="indefinite" restart="never" nodeType="tmRoot"/>
+      </p:par>
+    </p:tnLst>
+  </p:timing>
+</p:sld>
+</file>
+
+<file path=ppt/slides/slide7.xml><?xml version="1.0" encoding="utf-8"?>
+<p:sld xmlns:a="http://schemas.openxmlformats.org/drawingml/2006/main" xmlns:r="http://schemas.openxmlformats.org/officeDocument/2006/relationships" xmlns:p="http://schemas.openxmlformats.org/presentationml/2006/main">
+  <p:cSld>
+    <p:spTree>
+      <p:nvGrpSpPr>
+        <p:cNvPr id="1" name=""/>
+        <p:cNvGrpSpPr/>
+        <p:nvPr/>
+      </p:nvGrpSpPr>
+      <p:grpSpPr>
+        <a:xfrm>
+          <a:off x="0" y="0"/>
+          <a:ext cx="0" cy="0"/>
+          <a:chOff x="0" y="0"/>
+          <a:chExt cx="0" cy="0"/>
+        </a:xfrm>
+      </p:grpSpPr>
+      <p:sp>
+        <p:nvSpPr>
+          <p:cNvPr id="2" name="标题 1"/>
+          <p:cNvSpPr>
+            <a:spLocks noGrp="1"/>
+          </p:cNvSpPr>
+          <p:nvPr>
+            <p:ph type="title"/>
+          </p:nvPr>
+        </p:nvSpPr>
+        <p:spPr/>
+        <p:txBody>
+          <a:bodyPr/>
+          <a:lstStyle/>
+          <a:p>
+            <a:r>
+              <a:rPr lang="zh-CN" dirty="0"/>
+              <a:t>标题和内容版式与列表</a:t>
+            </a:r>
+          </a:p>
+        </p:txBody>
+      </p:sp>
+      <p:sp>
+        <p:nvSpPr>
+          <p:cNvPr id="3" name="内容占位符 2"/>
+          <p:cNvSpPr>
+            <a:spLocks noGrp="1"/>
+          </p:cNvSpPr>
+          <p:nvPr>
+            <p:ph idx="1"/>
+          </p:nvPr>
+        </p:nvSpPr>
+        <p:spPr/>
+        <p:txBody>
+          <a:bodyPr/>
+          <a:lstStyle/>
+          <a:p>
+            <a:r>
+              <a:rPr lang="zh-CN" dirty="0"/>
+              <a:t>在此处添加第一个要点</a:t>
+            </a:r>
+          </a:p>
+          <a:p>
+            <a:r>
+              <a:rPr lang="zh-CN" dirty="0"/>
+              <a:t>在此处添加第二个要点</a:t>
+            </a:r>
+          </a:p>
+          <a:p>
+            <a:r>
+              <a:rPr lang="zh-CN" dirty="0"/>
+              <a:t>在此处添加第三个要点</a:t>
+            </a:r>
+          </a:p>
+        </p:txBody>
+      </p:sp>
+    </p:spTree>
+    <p:extLst>
+      <p:ext uri="{BB962C8B-B14F-4D97-AF65-F5344CB8AC3E}">
+        <p14:creationId xmlns:p14="http://schemas.microsoft.com/office/powerpoint/2010/main" val="3374295295"/>
+      </p:ext>
+    </p:extLst>
+  </p:cSld>
+  <p:clrMapOvr>
+    <a:masterClrMapping/>
+  </p:clrMapOvr>
+  <mc:AlternateContent xmlns:mc="http://schemas.openxmlformats.org/markup-compatibility/2006" xmlns:p14="http://schemas.microsoft.com/office/powerpoint/2010/main">
+    <mc:Choice Requires="p14">
+      <p:transition spd="med" p14:dur="700">
+        <p:fade/>
+      </p:transition>
+    </mc:Choice>
+    <mc:Fallback xmlns="">
+      <p:transition spd="med">
+        <p:fade/>
+      </p:transition>
+    </mc:Fallback>
+  </mc:AlternateContent>
+  <p:timing>
+    <p:tnLst>
+      <p:par>
+        <p:cTn id="1" dur="indefinite" restart="never" nodeType="tmRoot"/>
+      </p:par>
+    </p:tnLst>
+  </p:timing>
+</p:sld>
+</file>
+
 <file path=ppt/slides/slide8.xml><?xml version="1.0" encoding="utf-8"?>
 <p:sld xmlns:a="http://schemas.openxmlformats.org/drawingml/2006/main" xmlns:r="http://schemas.openxmlformats.org/officeDocument/2006/relationships" xmlns:p="http://schemas.openxmlformats.org/presentationml/2006/main">
   <p:cSld>
@@ -9957,33 +10494,42 @@
           <a:bodyPr/>
           <a:lstStyle/>
           <a:p>
-            <a:endParaRPr lang="zh-CN" dirty="0"/>
+            <a:r>
+              <a:rPr lang="zh-CN"/>
+              <a:t>标题和内容版式与图表</a:t>
+            </a:r>
           </a:p>
         </p:txBody>
       </p:sp>
-      <p:sp>
-        <p:nvSpPr>
-          <p:cNvPr id="3" name="文本占位符 2"/>
-          <p:cNvSpPr>
-            <a:spLocks noGrp="1"/>
-          </p:cNvSpPr>
+      <p:graphicFrame>
+        <p:nvGraphicFramePr>
+          <p:cNvPr id="6" name="内容占位符 5"/>
+          <p:cNvGraphicFramePr>
+            <a:graphicFrameLocks noGrp="1"/>
+          </p:cNvGraphicFramePr>
           <p:nvPr>
-            <p:ph type="body" idx="1"/>
+            <p:ph idx="1"/>
+            <p:extLst>
+              <p:ext uri="{D42A27DB-BD31-4B8C-83A1-F6EECF244321}">
+                <p14:modId xmlns:p14="http://schemas.microsoft.com/office/powerpoint/2010/main" val="1698860746"/>
+              </p:ext>
+            </p:extLst>
           </p:nvPr>
-        </p:nvSpPr>
-        <p:spPr/>
-        <p:txBody>
-          <a:bodyPr/>
-          <a:lstStyle/>
-          <a:p>
-            <a:endParaRPr lang="zh-CN" dirty="0"/>
-          </a:p>
-        </p:txBody>
-      </p:sp>
+        </p:nvGraphicFramePr>
+        <p:xfrm>
+          <a:off x="1341438" y="1573213"/>
+          <a:ext cx="9510712" cy="4141787"/>
+        </p:xfrm>
+        <a:graphic>
+          <a:graphicData uri="http://schemas.openxmlformats.org/drawingml/2006/chart">
+            <c:chart xmlns:c="http://schemas.openxmlformats.org/drawingml/2006/chart" xmlns:r="http://schemas.openxmlformats.org/officeDocument/2006/relationships" r:id="rId2"/>
+          </a:graphicData>
+        </a:graphic>
+      </p:graphicFrame>
     </p:spTree>
     <p:extLst>
       <p:ext uri="{BB962C8B-B14F-4D97-AF65-F5344CB8AC3E}">
-        <p14:creationId xmlns:p14="http://schemas.microsoft.com/office/powerpoint/2010/main" val="2255057593"/>
+        <p14:creationId xmlns:p14="http://schemas.microsoft.com/office/powerpoint/2010/main" val="2578687163"/>
       </p:ext>
     </p:extLst>
   </p:cSld>
@@ -10031,83 +10577,7 @@
       </p:grpSpPr>
       <p:sp>
         <p:nvSpPr>
-          <p:cNvPr id="2" name="文本占位符 1"/>
-          <p:cNvSpPr>
-            <a:spLocks noGrp="1"/>
-          </p:cNvSpPr>
-          <p:nvPr>
-            <p:ph type="body" idx="1"/>
-          </p:nvPr>
-        </p:nvSpPr>
-        <p:spPr/>
-        <p:txBody>
-          <a:bodyPr/>
-          <a:lstStyle/>
-          <a:p>
-            <a:endParaRPr lang="zh-CN"/>
-          </a:p>
-        </p:txBody>
-      </p:sp>
-      <p:sp>
-        <p:nvSpPr>
-          <p:cNvPr id="3" name="内容占位符 2"/>
-          <p:cNvSpPr>
-            <a:spLocks noGrp="1"/>
-          </p:cNvSpPr>
-          <p:nvPr>
-            <p:ph sz="half" idx="2"/>
-          </p:nvPr>
-        </p:nvSpPr>
-        <p:spPr/>
-        <p:txBody>
-          <a:bodyPr/>
-          <a:lstStyle/>
-          <a:p>
-            <a:endParaRPr lang="zh-CN"/>
-          </a:p>
-        </p:txBody>
-      </p:sp>
-      <p:sp>
-        <p:nvSpPr>
-          <p:cNvPr id="4" name="文本占位符 3"/>
-          <p:cNvSpPr>
-            <a:spLocks noGrp="1"/>
-          </p:cNvSpPr>
-          <p:nvPr>
-            <p:ph type="body" sz="quarter" idx="3"/>
-          </p:nvPr>
-        </p:nvSpPr>
-        <p:spPr/>
-        <p:txBody>
-          <a:bodyPr/>
-          <a:lstStyle/>
-          <a:p>
-            <a:endParaRPr lang="zh-CN"/>
-          </a:p>
-        </p:txBody>
-      </p:sp>
-      <p:sp>
-        <p:nvSpPr>
-          <p:cNvPr id="5" name="内容占位符 4"/>
-          <p:cNvSpPr>
-            <a:spLocks noGrp="1"/>
-          </p:cNvSpPr>
-          <p:nvPr>
-            <p:ph sz="quarter" idx="4"/>
-          </p:nvPr>
-        </p:nvSpPr>
-        <p:spPr/>
-        <p:txBody>
-          <a:bodyPr/>
-          <a:lstStyle/>
-          <a:p>
-            <a:endParaRPr lang="zh-CN"/>
-          </a:p>
-        </p:txBody>
-      </p:sp>
-      <p:sp>
-        <p:nvSpPr>
-          <p:cNvPr id="6" name="标题 5"/>
+          <p:cNvPr id="2" name="标题 1"/>
           <p:cNvSpPr>
             <a:spLocks noGrp="1"/>
           </p:cNvSpPr>
@@ -10120,14 +10590,64 @@
           <a:bodyPr/>
           <a:lstStyle/>
           <a:p>
-            <a:endParaRPr lang="zh-CN" dirty="0"/>
+            <a:r>
+              <a:rPr lang="zh-CN" dirty="0"/>
+              <a:t>图片与标题版式</a:t>
+            </a:r>
           </a:p>
         </p:txBody>
       </p:sp>
+      <p:sp>
+        <p:nvSpPr>
+          <p:cNvPr id="4" name="文本占位符 3"/>
+          <p:cNvSpPr>
+            <a:spLocks noGrp="1"/>
+          </p:cNvSpPr>
+          <p:nvPr>
+            <p:ph type="body" sz="half" idx="2"/>
+          </p:nvPr>
+        </p:nvSpPr>
+        <p:spPr/>
+        <p:txBody>
+          <a:bodyPr/>
+          <a:lstStyle/>
+          <a:p>
+            <a:r>
+              <a:rPr lang="zh-CN"/>
+              <a:t>标题</a:t>
+            </a:r>
+          </a:p>
+        </p:txBody>
+      </p:sp>
+      <p:pic>
+        <p:nvPicPr>
+          <p:cNvPr id="7" name="图片占位符 6" descr="白色沙滩上的花朵、海星和贝壳的特写" title="Beach photo"/>
+          <p:cNvPicPr>
+            <a:picLocks noGrp="1" noChangeAspect="1"/>
+          </p:cNvPicPr>
+          <p:nvPr>
+            <p:ph type="pic" idx="1"/>
+          </p:nvPr>
+        </p:nvPicPr>
+        <p:blipFill>
+          <a:blip r:embed="rId2" cstate="print">
+            <a:extLst>
+              <a:ext uri="{28A0092B-C50C-407E-A947-70E740481C1C}">
+                <a14:useLocalDpi xmlns:a14="http://schemas.microsoft.com/office/drawing/2010/main" val="0"/>
+              </a:ext>
+            </a:extLst>
+          </a:blip>
+          <a:srcRect/>
+          <a:stretch>
+            <a:fillRect/>
+          </a:stretch>
+        </p:blipFill>
+        <p:spPr/>
+      </p:pic>
     </p:spTree>
     <p:extLst>
       <p:ext uri="{BB962C8B-B14F-4D97-AF65-F5344CB8AC3E}">
-        <p14:creationId xmlns:p14="http://schemas.microsoft.com/office/powerpoint/2010/main" val="212726890"/>
+        <p14:creationId xmlns:p14="http://schemas.microsoft.com/office/powerpoint/2010/main" val="361883921"/>
       </p:ext>
     </p:extLst>
   </p:cSld>

--- a/技术分享.pptx
+++ b/技术分享.pptx
@@ -5,28 +5,30 @@
     <p:sldMasterId id="2147483840" r:id="rId2"/>
   </p:sldMasterIdLst>
   <p:notesMasterIdLst>
-    <p:notesMasterId r:id="rId19"/>
+    <p:notesMasterId r:id="rId21"/>
   </p:notesMasterIdLst>
   <p:handoutMasterIdLst>
-    <p:handoutMasterId r:id="rId20"/>
+    <p:handoutMasterId r:id="rId22"/>
   </p:handoutMasterIdLst>
   <p:sldIdLst>
     <p:sldId id="256" r:id="rId3"/>
-    <p:sldId id="267" r:id="rId4"/>
-    <p:sldId id="257" r:id="rId5"/>
-    <p:sldId id="268" r:id="rId6"/>
-    <p:sldId id="270" r:id="rId7"/>
-    <p:sldId id="269" r:id="rId8"/>
-    <p:sldId id="271" r:id="rId9"/>
-    <p:sldId id="258" r:id="rId10"/>
-    <p:sldId id="266" r:id="rId11"/>
-    <p:sldId id="260" r:id="rId12"/>
-    <p:sldId id="259" r:id="rId13"/>
-    <p:sldId id="261" r:id="rId14"/>
-    <p:sldId id="262" r:id="rId15"/>
-    <p:sldId id="263" r:id="rId16"/>
-    <p:sldId id="264" r:id="rId17"/>
-    <p:sldId id="265" r:id="rId18"/>
+    <p:sldId id="272" r:id="rId4"/>
+    <p:sldId id="273" r:id="rId5"/>
+    <p:sldId id="267" r:id="rId6"/>
+    <p:sldId id="257" r:id="rId7"/>
+    <p:sldId id="268" r:id="rId8"/>
+    <p:sldId id="270" r:id="rId9"/>
+    <p:sldId id="269" r:id="rId10"/>
+    <p:sldId id="271" r:id="rId11"/>
+    <p:sldId id="258" r:id="rId12"/>
+    <p:sldId id="266" r:id="rId13"/>
+    <p:sldId id="260" r:id="rId14"/>
+    <p:sldId id="259" r:id="rId15"/>
+    <p:sldId id="261" r:id="rId16"/>
+    <p:sldId id="262" r:id="rId17"/>
+    <p:sldId id="263" r:id="rId18"/>
+    <p:sldId id="264" r:id="rId19"/>
+    <p:sldId id="265" r:id="rId20"/>
   </p:sldIdLst>
   <p:sldSz cx="12192000" cy="6858000"/>
   <p:notesSz cx="6858000" cy="9144000"/>
@@ -8793,6 +8795,220 @@
           <a:lstStyle/>
           <a:p>
             <a:r>
+              <a:rPr lang="zh-CN"/>
+              <a:t>标题和内容版式与图表</a:t>
+            </a:r>
+          </a:p>
+        </p:txBody>
+      </p:sp>
+      <p:graphicFrame>
+        <p:nvGraphicFramePr>
+          <p:cNvPr id="6" name="内容占位符 5"/>
+          <p:cNvGraphicFramePr>
+            <a:graphicFrameLocks noGrp="1"/>
+          </p:cNvGraphicFramePr>
+          <p:nvPr>
+            <p:ph idx="1"/>
+            <p:extLst>
+              <p:ext uri="{D42A27DB-BD31-4B8C-83A1-F6EECF244321}">
+                <p14:modId xmlns:p14="http://schemas.microsoft.com/office/powerpoint/2010/main" val="1698860746"/>
+              </p:ext>
+            </p:extLst>
+          </p:nvPr>
+        </p:nvGraphicFramePr>
+        <p:xfrm>
+          <a:off x="1341438" y="1573213"/>
+          <a:ext cx="9510712" cy="4141787"/>
+        </p:xfrm>
+        <a:graphic>
+          <a:graphicData uri="http://schemas.openxmlformats.org/drawingml/2006/chart">
+            <c:chart xmlns:c="http://schemas.openxmlformats.org/drawingml/2006/chart" xmlns:r="http://schemas.openxmlformats.org/officeDocument/2006/relationships" r:id="rId2"/>
+          </a:graphicData>
+        </a:graphic>
+      </p:graphicFrame>
+    </p:spTree>
+    <p:extLst>
+      <p:ext uri="{BB962C8B-B14F-4D97-AF65-F5344CB8AC3E}">
+        <p14:creationId xmlns:p14="http://schemas.microsoft.com/office/powerpoint/2010/main" val="2578687163"/>
+      </p:ext>
+    </p:extLst>
+  </p:cSld>
+  <p:clrMapOvr>
+    <a:masterClrMapping/>
+  </p:clrMapOvr>
+  <mc:AlternateContent xmlns:mc="http://schemas.openxmlformats.org/markup-compatibility/2006" xmlns:p14="http://schemas.microsoft.com/office/powerpoint/2010/main">
+    <mc:Choice Requires="p14">
+      <p:transition spd="med" p14:dur="700">
+        <p:fade/>
+      </p:transition>
+    </mc:Choice>
+    <mc:Fallback xmlns="">
+      <p:transition spd="med">
+        <p:fade/>
+      </p:transition>
+    </mc:Fallback>
+  </mc:AlternateContent>
+  <p:timing>
+    <p:tnLst>
+      <p:par>
+        <p:cTn id="1" dur="indefinite" restart="never" nodeType="tmRoot"/>
+      </p:par>
+    </p:tnLst>
+  </p:timing>
+</p:sld>
+</file>
+
+<file path=ppt/slides/slide11.xml><?xml version="1.0" encoding="utf-8"?>
+<p:sld xmlns:a="http://schemas.openxmlformats.org/drawingml/2006/main" xmlns:r="http://schemas.openxmlformats.org/officeDocument/2006/relationships" xmlns:p="http://schemas.openxmlformats.org/presentationml/2006/main">
+  <p:cSld>
+    <p:spTree>
+      <p:nvGrpSpPr>
+        <p:cNvPr id="1" name=""/>
+        <p:cNvGrpSpPr/>
+        <p:nvPr/>
+      </p:nvGrpSpPr>
+      <p:grpSpPr>
+        <a:xfrm>
+          <a:off x="0" y="0"/>
+          <a:ext cx="0" cy="0"/>
+          <a:chOff x="0" y="0"/>
+          <a:chExt cx="0" cy="0"/>
+        </a:xfrm>
+      </p:grpSpPr>
+      <p:sp>
+        <p:nvSpPr>
+          <p:cNvPr id="2" name="标题 1"/>
+          <p:cNvSpPr>
+            <a:spLocks noGrp="1"/>
+          </p:cNvSpPr>
+          <p:nvPr>
+            <p:ph type="title"/>
+          </p:nvPr>
+        </p:nvSpPr>
+        <p:spPr/>
+        <p:txBody>
+          <a:bodyPr/>
+          <a:lstStyle/>
+          <a:p>
+            <a:r>
+              <a:rPr lang="zh-CN" dirty="0"/>
+              <a:t>图片与标题版式</a:t>
+            </a:r>
+          </a:p>
+        </p:txBody>
+      </p:sp>
+      <p:sp>
+        <p:nvSpPr>
+          <p:cNvPr id="4" name="文本占位符 3"/>
+          <p:cNvSpPr>
+            <a:spLocks noGrp="1"/>
+          </p:cNvSpPr>
+          <p:nvPr>
+            <p:ph type="body" sz="half" idx="2"/>
+          </p:nvPr>
+        </p:nvSpPr>
+        <p:spPr/>
+        <p:txBody>
+          <a:bodyPr/>
+          <a:lstStyle/>
+          <a:p>
+            <a:r>
+              <a:rPr lang="zh-CN"/>
+              <a:t>标题</a:t>
+            </a:r>
+          </a:p>
+        </p:txBody>
+      </p:sp>
+      <p:pic>
+        <p:nvPicPr>
+          <p:cNvPr id="7" name="图片占位符 6" descr="白色沙滩上的花朵、海星和贝壳的特写" title="Beach photo"/>
+          <p:cNvPicPr>
+            <a:picLocks noGrp="1" noChangeAspect="1"/>
+          </p:cNvPicPr>
+          <p:nvPr>
+            <p:ph type="pic" idx="1"/>
+          </p:nvPr>
+        </p:nvPicPr>
+        <p:blipFill>
+          <a:blip r:embed="rId2" cstate="print">
+            <a:extLst>
+              <a:ext uri="{28A0092B-C50C-407E-A947-70E740481C1C}">
+                <a14:useLocalDpi xmlns:a14="http://schemas.microsoft.com/office/drawing/2010/main" val="0"/>
+              </a:ext>
+            </a:extLst>
+          </a:blip>
+          <a:srcRect/>
+          <a:stretch>
+            <a:fillRect/>
+          </a:stretch>
+        </p:blipFill>
+        <p:spPr/>
+      </p:pic>
+    </p:spTree>
+    <p:extLst>
+      <p:ext uri="{BB962C8B-B14F-4D97-AF65-F5344CB8AC3E}">
+        <p14:creationId xmlns:p14="http://schemas.microsoft.com/office/powerpoint/2010/main" val="361883921"/>
+      </p:ext>
+    </p:extLst>
+  </p:cSld>
+  <p:clrMapOvr>
+    <a:masterClrMapping/>
+  </p:clrMapOvr>
+  <mc:AlternateContent xmlns:mc="http://schemas.openxmlformats.org/markup-compatibility/2006" xmlns:p14="http://schemas.microsoft.com/office/powerpoint/2010/main">
+    <mc:Choice Requires="p14">
+      <p:transition spd="med" p14:dur="700">
+        <p:fade/>
+      </p:transition>
+    </mc:Choice>
+    <mc:Fallback xmlns="">
+      <p:transition spd="med">
+        <p:fade/>
+      </p:transition>
+    </mc:Fallback>
+  </mc:AlternateContent>
+  <p:timing>
+    <p:tnLst>
+      <p:par>
+        <p:cTn id="1" dur="indefinite" restart="never" nodeType="tmRoot"/>
+      </p:par>
+    </p:tnLst>
+  </p:timing>
+</p:sld>
+</file>
+
+<file path=ppt/slides/slide12.xml><?xml version="1.0" encoding="utf-8"?>
+<p:sld xmlns:a="http://schemas.openxmlformats.org/drawingml/2006/main" xmlns:r="http://schemas.openxmlformats.org/officeDocument/2006/relationships" xmlns:p="http://schemas.openxmlformats.org/presentationml/2006/main">
+  <p:cSld>
+    <p:spTree>
+      <p:nvGrpSpPr>
+        <p:cNvPr id="1" name=""/>
+        <p:cNvGrpSpPr/>
+        <p:nvPr/>
+      </p:nvGrpSpPr>
+      <p:grpSpPr>
+        <a:xfrm>
+          <a:off x="0" y="0"/>
+          <a:ext cx="0" cy="0"/>
+          <a:chOff x="0" y="0"/>
+          <a:chExt cx="0" cy="0"/>
+        </a:xfrm>
+      </p:grpSpPr>
+      <p:sp>
+        <p:nvSpPr>
+          <p:cNvPr id="2" name="标题 1"/>
+          <p:cNvSpPr>
+            <a:spLocks noGrp="1"/>
+          </p:cNvSpPr>
+          <p:nvPr>
+            <p:ph type="title"/>
+          </p:nvPr>
+        </p:nvSpPr>
+        <p:spPr/>
+        <p:txBody>
+          <a:bodyPr/>
+          <a:lstStyle/>
+          <a:p>
+            <a:r>
               <a:rPr lang="zh-CN" dirty="0"/>
               <a:t>两栏内容版式与表格</a:t>
             </a:r>
@@ -9142,7 +9358,7 @@
 </p:sld>
 </file>
 
-<file path=ppt/slides/slide11.xml><?xml version="1.0" encoding="utf-8"?>
+<file path=ppt/slides/slide13.xml><?xml version="1.0" encoding="utf-8"?>
 <p:sld xmlns:a="http://schemas.openxmlformats.org/drawingml/2006/main" xmlns:r="http://schemas.openxmlformats.org/officeDocument/2006/relationships" xmlns:p="http://schemas.openxmlformats.org/presentationml/2006/main">
   <p:cSld>
     <p:spTree>
@@ -9272,7 +9488,7 @@
 </p:sld>
 </file>
 
-<file path=ppt/slides/slide12.xml><?xml version="1.0" encoding="utf-8"?>
+<file path=ppt/slides/slide14.xml><?xml version="1.0" encoding="utf-8"?>
 <p:sld xmlns:a="http://schemas.openxmlformats.org/drawingml/2006/main" xmlns:r="http://schemas.openxmlformats.org/officeDocument/2006/relationships" xmlns:p="http://schemas.openxmlformats.org/presentationml/2006/main">
   <p:cSld>
     <p:spTree>
@@ -9359,7 +9575,7 @@
 </p:sld>
 </file>
 
-<file path=ppt/slides/slide13.xml><?xml version="1.0" encoding="utf-8"?>
+<file path=ppt/slides/slide15.xml><?xml version="1.0" encoding="utf-8"?>
 <p:sld xmlns:a="http://schemas.openxmlformats.org/drawingml/2006/main" xmlns:r="http://schemas.openxmlformats.org/officeDocument/2006/relationships" xmlns:p="http://schemas.openxmlformats.org/presentationml/2006/main">
   <p:cSld>
     <p:spTree>
@@ -9503,7 +9719,7 @@
 </p:sld>
 </file>
 
-<file path=ppt/slides/slide14.xml><?xml version="1.0" encoding="utf-8"?>
+<file path=ppt/slides/slide16.xml><?xml version="1.0" encoding="utf-8"?>
 <p:sld xmlns:a="http://schemas.openxmlformats.org/drawingml/2006/main" xmlns:r="http://schemas.openxmlformats.org/officeDocument/2006/relationships" xmlns:p="http://schemas.openxmlformats.org/presentationml/2006/main">
   <p:cSld>
     <p:spTree>
@@ -9571,7 +9787,7 @@
 </p:sld>
 </file>
 
-<file path=ppt/slides/slide15.xml><?xml version="1.0" encoding="utf-8"?>
+<file path=ppt/slides/slide17.xml><?xml version="1.0" encoding="utf-8"?>
 <p:sld xmlns:a="http://schemas.openxmlformats.org/drawingml/2006/main" xmlns:r="http://schemas.openxmlformats.org/officeDocument/2006/relationships" xmlns:p="http://schemas.openxmlformats.org/presentationml/2006/main">
   <p:cSld>
     <p:spTree>
@@ -9620,7 +9836,7 @@
 </p:sld>
 </file>
 
-<file path=ppt/slides/slide16.xml><?xml version="1.0" encoding="utf-8"?>
+<file path=ppt/slides/slide18.xml><?xml version="1.0" encoding="utf-8"?>
 <p:sld xmlns:a="http://schemas.openxmlformats.org/drawingml/2006/main" xmlns:r="http://schemas.openxmlformats.org/officeDocument/2006/relationships" xmlns:p="http://schemas.openxmlformats.org/presentationml/2006/main">
   <p:cSld>
     <p:spTree>
@@ -9759,6 +9975,232 @@
           <a:lstStyle/>
           <a:p>
             <a:r>
+              <a:rPr lang="en-US" altLang="zh-CN" dirty="0" smtClean="0"/>
+              <a:t>Binder</a:t>
+            </a:r>
+            <a:r>
+              <a:rPr lang="zh-CN" altLang="en-US" dirty="0" smtClean="0"/>
+              <a:t>通信机制特点</a:t>
+            </a:r>
+            <a:endParaRPr lang="zh-CN" altLang="en-US" dirty="0"/>
+          </a:p>
+        </p:txBody>
+      </p:sp>
+      <p:sp>
+        <p:nvSpPr>
+          <p:cNvPr id="3" name="内容占位符 2"/>
+          <p:cNvSpPr>
+            <a:spLocks noGrp="1"/>
+          </p:cNvSpPr>
+          <p:nvPr>
+            <p:ph idx="1"/>
+          </p:nvPr>
+        </p:nvSpPr>
+        <p:spPr/>
+        <p:txBody>
+          <a:bodyPr/>
+          <a:lstStyle/>
+          <a:p>
+            <a:r>
+              <a:rPr lang="zh-CN" altLang="en-US" dirty="0" smtClean="0"/>
+              <a:t>高效。进程直接的数据传输只需一次内存拷贝</a:t>
+            </a:r>
+            <a:endParaRPr lang="en-US" altLang="zh-CN" dirty="0" smtClean="0"/>
+          </a:p>
+          <a:p>
+            <a:r>
+              <a:rPr lang="zh-CN" altLang="en-US" dirty="0" smtClean="0"/>
+              <a:t>安全。通信数据携带</a:t>
+            </a:r>
+            <a:r>
+              <a:rPr lang="en-US" altLang="zh-CN" dirty="0" err="1" smtClean="0"/>
+              <a:t>pid</a:t>
+            </a:r>
+            <a:r>
+              <a:rPr lang="zh-CN" altLang="en-US" dirty="0" smtClean="0"/>
+              <a:t>和</a:t>
+            </a:r>
+            <a:r>
+              <a:rPr lang="en-US" altLang="zh-CN" dirty="0" err="1" smtClean="0"/>
+              <a:t>uid</a:t>
+            </a:r>
+            <a:r>
+              <a:rPr lang="zh-CN" altLang="en-US" dirty="0" smtClean="0"/>
+              <a:t>，方便接收进程做权限控制</a:t>
+            </a:r>
+            <a:endParaRPr lang="en-US" altLang="zh-CN" dirty="0" smtClean="0"/>
+          </a:p>
+          <a:p>
+            <a:r>
+              <a:rPr lang="zh-CN" altLang="en-US" dirty="0" smtClean="0"/>
+              <a:t>面向对象。提供了一种进程间</a:t>
+            </a:r>
+            <a:r>
+              <a:rPr lang="en-US" altLang="zh-CN" dirty="0" smtClean="0"/>
+              <a:t>RPC</a:t>
+            </a:r>
+            <a:r>
+              <a:rPr lang="zh-CN" altLang="en-US" dirty="0" smtClean="0"/>
+              <a:t>（</a:t>
+            </a:r>
+            <a:r>
+              <a:rPr lang="en-US" altLang="zh-CN" dirty="0" smtClean="0"/>
+              <a:t>Remote </a:t>
+            </a:r>
+            <a:r>
+              <a:rPr lang="en-US" altLang="zh-CN" dirty="0"/>
+              <a:t>Procedure </a:t>
+            </a:r>
+            <a:r>
+              <a:rPr lang="en-US" altLang="zh-CN" dirty="0" smtClean="0"/>
+              <a:t>Call</a:t>
+            </a:r>
+            <a:r>
+              <a:rPr lang="zh-CN" altLang="en-US" dirty="0" smtClean="0"/>
+              <a:t>）机制</a:t>
+            </a:r>
+            <a:endParaRPr lang="zh-CN" altLang="en-US" dirty="0"/>
+          </a:p>
+        </p:txBody>
+      </p:sp>
+    </p:spTree>
+    <p:extLst>
+      <p:ext uri="{BB962C8B-B14F-4D97-AF65-F5344CB8AC3E}">
+        <p14:creationId xmlns:p14="http://schemas.microsoft.com/office/powerpoint/2010/main" val="1943903244"/>
+      </p:ext>
+    </p:extLst>
+  </p:cSld>
+  <p:clrMapOvr>
+    <a:masterClrMapping/>
+  </p:clrMapOvr>
+  <mc:AlternateContent xmlns:mc="http://schemas.openxmlformats.org/markup-compatibility/2006" xmlns:p14="http://schemas.microsoft.com/office/powerpoint/2010/main">
+    <mc:Choice Requires="p14">
+      <p:transition spd="med" p14:dur="700">
+        <p:fade/>
+      </p:transition>
+    </mc:Choice>
+    <mc:Fallback xmlns="">
+      <p:transition spd="med">
+        <p:fade/>
+      </p:transition>
+    </mc:Fallback>
+  </mc:AlternateContent>
+</p:sld>
+</file>
+
+<file path=ppt/slides/slide3.xml><?xml version="1.0" encoding="utf-8"?>
+<p:sld xmlns:a="http://schemas.openxmlformats.org/drawingml/2006/main" xmlns:r="http://schemas.openxmlformats.org/officeDocument/2006/relationships" xmlns:p="http://schemas.openxmlformats.org/presentationml/2006/main">
+  <p:cSld>
+    <p:spTree>
+      <p:nvGrpSpPr>
+        <p:cNvPr id="1" name=""/>
+        <p:cNvGrpSpPr/>
+        <p:nvPr/>
+      </p:nvGrpSpPr>
+      <p:grpSpPr>
+        <a:xfrm>
+          <a:off x="0" y="0"/>
+          <a:ext cx="0" cy="0"/>
+          <a:chOff x="0" y="0"/>
+          <a:chExt cx="0" cy="0"/>
+        </a:xfrm>
+      </p:grpSpPr>
+      <p:sp>
+        <p:nvSpPr>
+          <p:cNvPr id="2" name="标题 1"/>
+          <p:cNvSpPr>
+            <a:spLocks noGrp="1"/>
+          </p:cNvSpPr>
+          <p:nvPr>
+            <p:ph type="title"/>
+          </p:nvPr>
+        </p:nvSpPr>
+        <p:spPr/>
+        <p:txBody>
+          <a:bodyPr/>
+          <a:lstStyle/>
+          <a:p>
+            <a:endParaRPr lang="zh-CN" altLang="en-US"/>
+          </a:p>
+        </p:txBody>
+      </p:sp>
+      <p:sp>
+        <p:nvSpPr>
+          <p:cNvPr id="3" name="内容占位符 2"/>
+          <p:cNvSpPr>
+            <a:spLocks noGrp="1"/>
+          </p:cNvSpPr>
+          <p:nvPr>
+            <p:ph idx="1"/>
+          </p:nvPr>
+        </p:nvSpPr>
+        <p:spPr/>
+        <p:txBody>
+          <a:bodyPr/>
+          <a:lstStyle/>
+          <a:p>
+            <a:endParaRPr lang="zh-CN" altLang="en-US"/>
+          </a:p>
+        </p:txBody>
+      </p:sp>
+    </p:spTree>
+    <p:extLst>
+      <p:ext uri="{BB962C8B-B14F-4D97-AF65-F5344CB8AC3E}">
+        <p14:creationId xmlns:p14="http://schemas.microsoft.com/office/powerpoint/2010/main" val="3972204760"/>
+      </p:ext>
+    </p:extLst>
+  </p:cSld>
+  <p:clrMapOvr>
+    <a:masterClrMapping/>
+  </p:clrMapOvr>
+  <mc:AlternateContent xmlns:mc="http://schemas.openxmlformats.org/markup-compatibility/2006" xmlns:p14="http://schemas.microsoft.com/office/powerpoint/2010/main">
+    <mc:Choice Requires="p14">
+      <p:transition spd="med" p14:dur="700">
+        <p:fade/>
+      </p:transition>
+    </mc:Choice>
+    <mc:Fallback xmlns="">
+      <p:transition spd="med">
+        <p:fade/>
+      </p:transition>
+    </mc:Fallback>
+  </mc:AlternateContent>
+</p:sld>
+</file>
+
+<file path=ppt/slides/slide4.xml><?xml version="1.0" encoding="utf-8"?>
+<p:sld xmlns:a="http://schemas.openxmlformats.org/drawingml/2006/main" xmlns:r="http://schemas.openxmlformats.org/officeDocument/2006/relationships" xmlns:p="http://schemas.openxmlformats.org/presentationml/2006/main">
+  <p:cSld>
+    <p:spTree>
+      <p:nvGrpSpPr>
+        <p:cNvPr id="1" name=""/>
+        <p:cNvGrpSpPr/>
+        <p:nvPr/>
+      </p:nvGrpSpPr>
+      <p:grpSpPr>
+        <a:xfrm>
+          <a:off x="0" y="0"/>
+          <a:ext cx="0" cy="0"/>
+          <a:chOff x="0" y="0"/>
+          <a:chExt cx="0" cy="0"/>
+        </a:xfrm>
+      </p:grpSpPr>
+      <p:sp>
+        <p:nvSpPr>
+          <p:cNvPr id="2" name="标题 1"/>
+          <p:cNvSpPr>
+            <a:spLocks noGrp="1"/>
+          </p:cNvSpPr>
+          <p:nvPr>
+            <p:ph type="title"/>
+          </p:nvPr>
+        </p:nvSpPr>
+        <p:spPr/>
+        <p:txBody>
+          <a:bodyPr/>
+          <a:lstStyle/>
+          <a:p>
+            <a:r>
               <a:rPr lang="zh-CN" altLang="en-US" dirty="0" smtClean="0"/>
               <a:t>进程通信基本原理</a:t>
             </a:r>
@@ -9853,7 +10295,7 @@
 </p:sld>
 </file>
 
-<file path=ppt/slides/slide3.xml><?xml version="1.0" encoding="utf-8"?>
+<file path=ppt/slides/slide5.xml><?xml version="1.0" encoding="utf-8"?>
 <p:sld xmlns:a="http://schemas.openxmlformats.org/drawingml/2006/main" xmlns:r="http://schemas.openxmlformats.org/officeDocument/2006/relationships" xmlns:p="http://schemas.openxmlformats.org/presentationml/2006/main">
   <p:cSld>
     <p:spTree>
@@ -10040,7 +10482,7 @@
 </p:sld>
 </file>
 
-<file path=ppt/slides/slide4.xml><?xml version="1.0" encoding="utf-8"?>
+<file path=ppt/slides/slide6.xml><?xml version="1.0" encoding="utf-8"?>
 <p:sld xmlns:a="http://schemas.openxmlformats.org/drawingml/2006/main" xmlns:r="http://schemas.openxmlformats.org/officeDocument/2006/relationships" xmlns:p="http://schemas.openxmlformats.org/presentationml/2006/main">
   <p:cSld>
     <p:spTree>
@@ -10113,7 +10555,7 @@
 </p:sld>
 </file>
 
-<file path=ppt/slides/slide5.xml><?xml version="1.0" encoding="utf-8"?>
+<file path=ppt/slides/slide7.xml><?xml version="1.0" encoding="utf-8"?>
 <p:sld xmlns:a="http://schemas.openxmlformats.org/drawingml/2006/main" xmlns:r="http://schemas.openxmlformats.org/officeDocument/2006/relationships" xmlns:p="http://schemas.openxmlformats.org/presentationml/2006/main">
   <p:cSld>
     <p:spTree>
@@ -10179,289 +10621,6 @@
 </p:sld>
 </file>
 
-<file path=ppt/slides/slide6.xml><?xml version="1.0" encoding="utf-8"?>
-<p:sld xmlns:a="http://schemas.openxmlformats.org/drawingml/2006/main" xmlns:r="http://schemas.openxmlformats.org/officeDocument/2006/relationships" xmlns:p="http://schemas.openxmlformats.org/presentationml/2006/main">
-  <p:cSld>
-    <p:spTree>
-      <p:nvGrpSpPr>
-        <p:cNvPr id="1" name=""/>
-        <p:cNvGrpSpPr/>
-        <p:nvPr/>
-      </p:nvGrpSpPr>
-      <p:grpSpPr>
-        <a:xfrm>
-          <a:off x="0" y="0"/>
-          <a:ext cx="0" cy="0"/>
-          <a:chOff x="0" y="0"/>
-          <a:chExt cx="0" cy="0"/>
-        </a:xfrm>
-      </p:grpSpPr>
-      <p:sp>
-        <p:nvSpPr>
-          <p:cNvPr id="2" name="标题 1"/>
-          <p:cNvSpPr>
-            <a:spLocks noGrp="1"/>
-          </p:cNvSpPr>
-          <p:nvPr>
-            <p:ph type="title"/>
-          </p:nvPr>
-        </p:nvSpPr>
-        <p:spPr/>
-        <p:txBody>
-          <a:bodyPr/>
-          <a:lstStyle/>
-          <a:p>
-            <a:r>
-              <a:rPr lang="zh-CN" altLang="en-US" dirty="0" smtClean="0"/>
-              <a:t>等待队列</a:t>
-            </a:r>
-            <a:endParaRPr lang="zh-CN" dirty="0"/>
-          </a:p>
-        </p:txBody>
-      </p:sp>
-      <p:sp>
-        <p:nvSpPr>
-          <p:cNvPr id="3" name="内容占位符 2"/>
-          <p:cNvSpPr>
-            <a:spLocks noGrp="1"/>
-          </p:cNvSpPr>
-          <p:nvPr>
-            <p:ph idx="1"/>
-          </p:nvPr>
-        </p:nvSpPr>
-        <p:spPr/>
-        <p:txBody>
-          <a:bodyPr/>
-          <a:lstStyle/>
-          <a:p>
-            <a:r>
-              <a:rPr lang="zh-CN" altLang="en-US" dirty="0" smtClean="0"/>
-              <a:t>等待队列：</a:t>
-            </a:r>
-            <a:r>
-              <a:rPr lang="en-US" altLang="zh-CN" dirty="0" smtClean="0"/>
-              <a:t>wait_queue_head_t</a:t>
-            </a:r>
-            <a:endParaRPr lang="zh-CN" dirty="0"/>
-          </a:p>
-          <a:p>
-            <a:r>
-              <a:rPr lang="zh-CN" altLang="en-US" dirty="0" smtClean="0"/>
-              <a:t>阻塞线程：</a:t>
-            </a:r>
-            <a:r>
-              <a:rPr lang="en-US" altLang="zh-CN" dirty="0" err="1" smtClean="0"/>
-              <a:t>wait_event_interruptible</a:t>
-            </a:r>
-            <a:r>
-              <a:rPr lang="en-US" altLang="zh-CN" dirty="0" smtClean="0"/>
-              <a:t>(wait_queue_head_t </a:t>
-            </a:r>
-            <a:r>
-              <a:rPr lang="zh-CN" altLang="en-US" dirty="0" smtClean="0"/>
-              <a:t>*</a:t>
-            </a:r>
-            <a:r>
-              <a:rPr lang="en-US" altLang="zh-CN" dirty="0" smtClean="0"/>
-              <a:t>queue</a:t>
-            </a:r>
-            <a:r>
-              <a:rPr lang="en-US" altLang="zh-CN" dirty="0"/>
-              <a:t>, condition</a:t>
-            </a:r>
-            <a:r>
-              <a:rPr lang="en-US" altLang="zh-CN" dirty="0" smtClean="0"/>
-              <a:t>)</a:t>
-            </a:r>
-          </a:p>
-          <a:p>
-            <a:r>
-              <a:rPr lang="zh-CN" altLang="en-US" dirty="0" smtClean="0"/>
-              <a:t>唤醒线程：</a:t>
-            </a:r>
-            <a:r>
-              <a:rPr lang="en-US" altLang="zh-CN" dirty="0" err="1"/>
-              <a:t>wake_up_interruptible</a:t>
-            </a:r>
-            <a:r>
-              <a:rPr lang="en-US" altLang="zh-CN" dirty="0"/>
-              <a:t>(</a:t>
-            </a:r>
-            <a:r>
-              <a:rPr lang="en-US" altLang="zh-CN" dirty="0" err="1"/>
-              <a:t>wait_queue_head_t</a:t>
-            </a:r>
-            <a:r>
-              <a:rPr lang="en-US" altLang="zh-CN" dirty="0"/>
-              <a:t> *queue</a:t>
-            </a:r>
-            <a:r>
-              <a:rPr lang="en-US" altLang="zh-CN" dirty="0" smtClean="0"/>
-              <a:t>)</a:t>
-            </a:r>
-            <a:endParaRPr lang="zh-CN" dirty="0"/>
-          </a:p>
-          <a:p>
-            <a:endParaRPr lang="en-US" altLang="zh-CN" dirty="0" smtClean="0"/>
-          </a:p>
-          <a:p>
-            <a:r>
-              <a:rPr lang="zh-CN" altLang="en-US" dirty="0" smtClean="0"/>
-              <a:t>可类比</a:t>
-            </a:r>
-            <a:r>
-              <a:rPr lang="en-US" altLang="zh-CN" dirty="0" smtClean="0"/>
-              <a:t>Java</a:t>
-            </a:r>
-            <a:r>
-              <a:rPr lang="zh-CN" altLang="en-US" dirty="0" smtClean="0"/>
-              <a:t>中的</a:t>
-            </a:r>
-            <a:r>
-              <a:rPr lang="en-US" altLang="zh-CN" dirty="0" err="1"/>
-              <a:t>ArrayBlockingQueue</a:t>
-            </a:r>
-            <a:endParaRPr lang="zh-CN" dirty="0"/>
-          </a:p>
-        </p:txBody>
-      </p:sp>
-    </p:spTree>
-    <p:extLst>
-      <p:ext uri="{BB962C8B-B14F-4D97-AF65-F5344CB8AC3E}">
-        <p14:creationId xmlns:p14="http://schemas.microsoft.com/office/powerpoint/2010/main" val="3357774551"/>
-      </p:ext>
-    </p:extLst>
-  </p:cSld>
-  <p:clrMapOvr>
-    <a:masterClrMapping/>
-  </p:clrMapOvr>
-  <mc:AlternateContent xmlns:mc="http://schemas.openxmlformats.org/markup-compatibility/2006" xmlns:p14="http://schemas.microsoft.com/office/powerpoint/2010/main">
-    <mc:Choice Requires="p14">
-      <p:transition spd="med" p14:dur="700">
-        <p:fade/>
-      </p:transition>
-    </mc:Choice>
-    <mc:Fallback xmlns="">
-      <p:transition spd="med">
-        <p:fade/>
-      </p:transition>
-    </mc:Fallback>
-  </mc:AlternateContent>
-  <p:timing>
-    <p:tnLst>
-      <p:par>
-        <p:cTn id="1" dur="indefinite" restart="never" nodeType="tmRoot"/>
-      </p:par>
-    </p:tnLst>
-  </p:timing>
-</p:sld>
-</file>
-
-<file path=ppt/slides/slide7.xml><?xml version="1.0" encoding="utf-8"?>
-<p:sld xmlns:a="http://schemas.openxmlformats.org/drawingml/2006/main" xmlns:r="http://schemas.openxmlformats.org/officeDocument/2006/relationships" xmlns:p="http://schemas.openxmlformats.org/presentationml/2006/main">
-  <p:cSld>
-    <p:spTree>
-      <p:nvGrpSpPr>
-        <p:cNvPr id="1" name=""/>
-        <p:cNvGrpSpPr/>
-        <p:nvPr/>
-      </p:nvGrpSpPr>
-      <p:grpSpPr>
-        <a:xfrm>
-          <a:off x="0" y="0"/>
-          <a:ext cx="0" cy="0"/>
-          <a:chOff x="0" y="0"/>
-          <a:chExt cx="0" cy="0"/>
-        </a:xfrm>
-      </p:grpSpPr>
-      <p:sp>
-        <p:nvSpPr>
-          <p:cNvPr id="2" name="标题 1"/>
-          <p:cNvSpPr>
-            <a:spLocks noGrp="1"/>
-          </p:cNvSpPr>
-          <p:nvPr>
-            <p:ph type="title"/>
-          </p:nvPr>
-        </p:nvSpPr>
-        <p:spPr/>
-        <p:txBody>
-          <a:bodyPr/>
-          <a:lstStyle/>
-          <a:p>
-            <a:r>
-              <a:rPr lang="zh-CN" dirty="0"/>
-              <a:t>标题和内容版式与列表</a:t>
-            </a:r>
-          </a:p>
-        </p:txBody>
-      </p:sp>
-      <p:sp>
-        <p:nvSpPr>
-          <p:cNvPr id="3" name="内容占位符 2"/>
-          <p:cNvSpPr>
-            <a:spLocks noGrp="1"/>
-          </p:cNvSpPr>
-          <p:nvPr>
-            <p:ph idx="1"/>
-          </p:nvPr>
-        </p:nvSpPr>
-        <p:spPr/>
-        <p:txBody>
-          <a:bodyPr/>
-          <a:lstStyle/>
-          <a:p>
-            <a:r>
-              <a:rPr lang="zh-CN" dirty="0"/>
-              <a:t>在此处添加第一个要点</a:t>
-            </a:r>
-          </a:p>
-          <a:p>
-            <a:r>
-              <a:rPr lang="zh-CN" dirty="0"/>
-              <a:t>在此处添加第二个要点</a:t>
-            </a:r>
-          </a:p>
-          <a:p>
-            <a:r>
-              <a:rPr lang="zh-CN" dirty="0"/>
-              <a:t>在此处添加第三个要点</a:t>
-            </a:r>
-          </a:p>
-        </p:txBody>
-      </p:sp>
-    </p:spTree>
-    <p:extLst>
-      <p:ext uri="{BB962C8B-B14F-4D97-AF65-F5344CB8AC3E}">
-        <p14:creationId xmlns:p14="http://schemas.microsoft.com/office/powerpoint/2010/main" val="3374295295"/>
-      </p:ext>
-    </p:extLst>
-  </p:cSld>
-  <p:clrMapOvr>
-    <a:masterClrMapping/>
-  </p:clrMapOvr>
-  <mc:AlternateContent xmlns:mc="http://schemas.openxmlformats.org/markup-compatibility/2006" xmlns:p14="http://schemas.microsoft.com/office/powerpoint/2010/main">
-    <mc:Choice Requires="p14">
-      <p:transition spd="med" p14:dur="700">
-        <p:fade/>
-      </p:transition>
-    </mc:Choice>
-    <mc:Fallback xmlns="">
-      <p:transition spd="med">
-        <p:fade/>
-      </p:transition>
-    </mc:Fallback>
-  </mc:AlternateContent>
-  <p:timing>
-    <p:tnLst>
-      <p:par>
-        <p:cTn id="1" dur="indefinite" restart="never" nodeType="tmRoot"/>
-      </p:par>
-    </p:tnLst>
-  </p:timing>
-</p:sld>
-</file>
-
 <file path=ppt/slides/slide8.xml><?xml version="1.0" encoding="utf-8"?>
 <p:sld xmlns:a="http://schemas.openxmlformats.org/drawingml/2006/main" xmlns:r="http://schemas.openxmlformats.org/officeDocument/2006/relationships" xmlns:p="http://schemas.openxmlformats.org/presentationml/2006/main">
   <p:cSld>
@@ -10495,41 +10654,123 @@
           <a:lstStyle/>
           <a:p>
             <a:r>
-              <a:rPr lang="zh-CN"/>
-              <a:t>标题和内容版式与图表</a:t>
-            </a:r>
+              <a:rPr lang="zh-CN" altLang="en-US" dirty="0" smtClean="0"/>
+              <a:t>等待队列</a:t>
+            </a:r>
+            <a:endParaRPr lang="zh-CN" dirty="0"/>
           </a:p>
         </p:txBody>
       </p:sp>
-      <p:graphicFrame>
-        <p:nvGraphicFramePr>
-          <p:cNvPr id="6" name="内容占位符 5"/>
-          <p:cNvGraphicFramePr>
-            <a:graphicFrameLocks noGrp="1"/>
-          </p:cNvGraphicFramePr>
+      <p:sp>
+        <p:nvSpPr>
+          <p:cNvPr id="3" name="内容占位符 2"/>
+          <p:cNvSpPr>
+            <a:spLocks noGrp="1"/>
+          </p:cNvSpPr>
           <p:nvPr>
             <p:ph idx="1"/>
-            <p:extLst>
-              <p:ext uri="{D42A27DB-BD31-4B8C-83A1-F6EECF244321}">
-                <p14:modId xmlns:p14="http://schemas.microsoft.com/office/powerpoint/2010/main" val="1698860746"/>
-              </p:ext>
-            </p:extLst>
           </p:nvPr>
-        </p:nvGraphicFramePr>
-        <p:xfrm>
-          <a:off x="1341438" y="1573213"/>
-          <a:ext cx="9510712" cy="4141787"/>
-        </p:xfrm>
-        <a:graphic>
-          <a:graphicData uri="http://schemas.openxmlformats.org/drawingml/2006/chart">
-            <c:chart xmlns:c="http://schemas.openxmlformats.org/drawingml/2006/chart" xmlns:r="http://schemas.openxmlformats.org/officeDocument/2006/relationships" r:id="rId2"/>
-          </a:graphicData>
-        </a:graphic>
-      </p:graphicFrame>
+        </p:nvSpPr>
+        <p:spPr/>
+        <p:txBody>
+          <a:bodyPr/>
+          <a:lstStyle/>
+          <a:p>
+            <a:r>
+              <a:rPr lang="zh-CN" altLang="en-US" dirty="0" smtClean="0"/>
+              <a:t>等待队列：</a:t>
+            </a:r>
+            <a:r>
+              <a:rPr lang="en-US" altLang="zh-CN" dirty="0" smtClean="0"/>
+              <a:t>wait_queue_head_t</a:t>
+            </a:r>
+            <a:endParaRPr lang="zh-CN" dirty="0"/>
+          </a:p>
+          <a:p>
+            <a:r>
+              <a:rPr lang="zh-CN" altLang="en-US" dirty="0" smtClean="0"/>
+              <a:t>阻塞线程：</a:t>
+            </a:r>
+            <a:r>
+              <a:rPr lang="en-US" altLang="zh-CN" dirty="0" err="1" smtClean="0"/>
+              <a:t>wait_event_interruptible</a:t>
+            </a:r>
+            <a:r>
+              <a:rPr lang="en-US" altLang="zh-CN" dirty="0" smtClean="0"/>
+              <a:t>(wait_queue_head_t </a:t>
+            </a:r>
+            <a:r>
+              <a:rPr lang="zh-CN" altLang="en-US" dirty="0" smtClean="0"/>
+              <a:t>*</a:t>
+            </a:r>
+            <a:r>
+              <a:rPr lang="en-US" altLang="zh-CN" dirty="0" smtClean="0"/>
+              <a:t>queue</a:t>
+            </a:r>
+            <a:r>
+              <a:rPr lang="en-US" altLang="zh-CN" dirty="0"/>
+              <a:t>, condition</a:t>
+            </a:r>
+            <a:r>
+              <a:rPr lang="en-US" altLang="zh-CN" dirty="0" smtClean="0"/>
+              <a:t>)</a:t>
+            </a:r>
+          </a:p>
+          <a:p>
+            <a:r>
+              <a:rPr lang="zh-CN" altLang="en-US" dirty="0" smtClean="0"/>
+              <a:t>唤醒线程：</a:t>
+            </a:r>
+            <a:r>
+              <a:rPr lang="en-US" altLang="zh-CN" dirty="0" err="1"/>
+              <a:t>wake_up_interruptible</a:t>
+            </a:r>
+            <a:r>
+              <a:rPr lang="en-US" altLang="zh-CN" dirty="0"/>
+              <a:t>(</a:t>
+            </a:r>
+            <a:r>
+              <a:rPr lang="en-US" altLang="zh-CN" dirty="0" err="1"/>
+              <a:t>wait_queue_head_t</a:t>
+            </a:r>
+            <a:r>
+              <a:rPr lang="en-US" altLang="zh-CN" dirty="0"/>
+              <a:t> *queue</a:t>
+            </a:r>
+            <a:r>
+              <a:rPr lang="en-US" altLang="zh-CN" dirty="0" smtClean="0"/>
+              <a:t>)</a:t>
+            </a:r>
+            <a:endParaRPr lang="zh-CN" dirty="0"/>
+          </a:p>
+          <a:p>
+            <a:endParaRPr lang="en-US" altLang="zh-CN" dirty="0" smtClean="0"/>
+          </a:p>
+          <a:p>
+            <a:r>
+              <a:rPr lang="zh-CN" altLang="en-US" dirty="0" smtClean="0"/>
+              <a:t>可类比</a:t>
+            </a:r>
+            <a:r>
+              <a:rPr lang="en-US" altLang="zh-CN" dirty="0" smtClean="0"/>
+              <a:t>Java</a:t>
+            </a:r>
+            <a:r>
+              <a:rPr lang="zh-CN" altLang="en-US" dirty="0" smtClean="0"/>
+              <a:t>中的</a:t>
+            </a:r>
+            <a:r>
+              <a:rPr lang="en-US" altLang="zh-CN" dirty="0" err="1"/>
+              <a:t>ArrayBlockingQueue</a:t>
+            </a:r>
+            <a:endParaRPr lang="zh-CN" dirty="0"/>
+          </a:p>
+        </p:txBody>
+      </p:sp>
     </p:spTree>
     <p:extLst>
       <p:ext uri="{BB962C8B-B14F-4D97-AF65-F5344CB8AC3E}">
-        <p14:creationId xmlns:p14="http://schemas.microsoft.com/office/powerpoint/2010/main" val="2578687163"/>
+        <p14:creationId xmlns:p14="http://schemas.microsoft.com/office/powerpoint/2010/main" val="3357774551"/>
       </p:ext>
     </p:extLst>
   </p:cSld>
@@ -10592,19 +10833,19 @@
           <a:p>
             <a:r>
               <a:rPr lang="zh-CN" dirty="0"/>
-              <a:t>图片与标题版式</a:t>
+              <a:t>标题和内容版式与列表</a:t>
             </a:r>
           </a:p>
         </p:txBody>
       </p:sp>
       <p:sp>
         <p:nvSpPr>
-          <p:cNvPr id="4" name="文本占位符 3"/>
+          <p:cNvPr id="3" name="内容占位符 2"/>
           <p:cNvSpPr>
             <a:spLocks noGrp="1"/>
           </p:cNvSpPr>
           <p:nvPr>
-            <p:ph type="body" sz="half" idx="2"/>
+            <p:ph idx="1"/>
           </p:nvPr>
         </p:nvSpPr>
         <p:spPr/>
@@ -10613,41 +10854,28 @@
           <a:lstStyle/>
           <a:p>
             <a:r>
-              <a:rPr lang="zh-CN"/>
-              <a:t>标题</a:t>
+              <a:rPr lang="zh-CN" dirty="0"/>
+              <a:t>在此处添加第一个要点</a:t>
+            </a:r>
+          </a:p>
+          <a:p>
+            <a:r>
+              <a:rPr lang="zh-CN" dirty="0"/>
+              <a:t>在此处添加第二个要点</a:t>
+            </a:r>
+          </a:p>
+          <a:p>
+            <a:r>
+              <a:rPr lang="zh-CN" dirty="0"/>
+              <a:t>在此处添加第三个要点</a:t>
             </a:r>
           </a:p>
         </p:txBody>
       </p:sp>
-      <p:pic>
-        <p:nvPicPr>
-          <p:cNvPr id="7" name="图片占位符 6" descr="白色沙滩上的花朵、海星和贝壳的特写" title="Beach photo"/>
-          <p:cNvPicPr>
-            <a:picLocks noGrp="1" noChangeAspect="1"/>
-          </p:cNvPicPr>
-          <p:nvPr>
-            <p:ph type="pic" idx="1"/>
-          </p:nvPr>
-        </p:nvPicPr>
-        <p:blipFill>
-          <a:blip r:embed="rId2" cstate="print">
-            <a:extLst>
-              <a:ext uri="{28A0092B-C50C-407E-A947-70E740481C1C}">
-                <a14:useLocalDpi xmlns:a14="http://schemas.microsoft.com/office/drawing/2010/main" val="0"/>
-              </a:ext>
-            </a:extLst>
-          </a:blip>
-          <a:srcRect/>
-          <a:stretch>
-            <a:fillRect/>
-          </a:stretch>
-        </p:blipFill>
-        <p:spPr/>
-      </p:pic>
     </p:spTree>
     <p:extLst>
       <p:ext uri="{BB962C8B-B14F-4D97-AF65-F5344CB8AC3E}">
-        <p14:creationId xmlns:p14="http://schemas.microsoft.com/office/powerpoint/2010/main" val="361883921"/>
+        <p14:creationId xmlns:p14="http://schemas.microsoft.com/office/powerpoint/2010/main" val="3374295295"/>
       </p:ext>
     </p:extLst>
   </p:cSld>

--- a/技术分享.pptx
+++ b/技术分享.pptx
@@ -5,30 +5,37 @@
     <p:sldMasterId id="2147483840" r:id="rId2"/>
   </p:sldMasterIdLst>
   <p:notesMasterIdLst>
-    <p:notesMasterId r:id="rId21"/>
+    <p:notesMasterId r:id="rId28"/>
   </p:notesMasterIdLst>
   <p:handoutMasterIdLst>
-    <p:handoutMasterId r:id="rId22"/>
+    <p:handoutMasterId r:id="rId29"/>
   </p:handoutMasterIdLst>
   <p:sldIdLst>
     <p:sldId id="256" r:id="rId3"/>
     <p:sldId id="272" r:id="rId4"/>
     <p:sldId id="273" r:id="rId5"/>
-    <p:sldId id="267" r:id="rId6"/>
-    <p:sldId id="257" r:id="rId7"/>
-    <p:sldId id="268" r:id="rId8"/>
-    <p:sldId id="270" r:id="rId9"/>
-    <p:sldId id="269" r:id="rId10"/>
-    <p:sldId id="271" r:id="rId11"/>
-    <p:sldId id="258" r:id="rId12"/>
-    <p:sldId id="266" r:id="rId13"/>
-    <p:sldId id="260" r:id="rId14"/>
-    <p:sldId id="259" r:id="rId15"/>
-    <p:sldId id="261" r:id="rId16"/>
-    <p:sldId id="262" r:id="rId17"/>
-    <p:sldId id="263" r:id="rId18"/>
-    <p:sldId id="264" r:id="rId19"/>
-    <p:sldId id="265" r:id="rId20"/>
+    <p:sldId id="277" r:id="rId6"/>
+    <p:sldId id="267" r:id="rId7"/>
+    <p:sldId id="257" r:id="rId8"/>
+    <p:sldId id="268" r:id="rId9"/>
+    <p:sldId id="270" r:id="rId10"/>
+    <p:sldId id="274" r:id="rId11"/>
+    <p:sldId id="275" r:id="rId12"/>
+    <p:sldId id="276" r:id="rId13"/>
+    <p:sldId id="269" r:id="rId14"/>
+    <p:sldId id="280" r:id="rId15"/>
+    <p:sldId id="278" r:id="rId16"/>
+    <p:sldId id="279" r:id="rId17"/>
+    <p:sldId id="271" r:id="rId18"/>
+    <p:sldId id="258" r:id="rId19"/>
+    <p:sldId id="266" r:id="rId20"/>
+    <p:sldId id="260" r:id="rId21"/>
+    <p:sldId id="259" r:id="rId22"/>
+    <p:sldId id="261" r:id="rId23"/>
+    <p:sldId id="262" r:id="rId24"/>
+    <p:sldId id="263" r:id="rId25"/>
+    <p:sldId id="264" r:id="rId26"/>
+    <p:sldId id="265" r:id="rId27"/>
   </p:sldIdLst>
   <p:sldSz cx="12192000" cy="6858000"/>
   <p:notesSz cx="6858000" cy="9144000"/>
@@ -4398,7 +4405,7 @@
           <a:p>
             <a:fld id="{DE71268B-8AC2-4239-8FAF-7C144C210720}" type="datetimeFigureOut">
               <a:rPr lang="en-US" altLang="zh-CN"/>
-              <a:t>2/12/2017</a:t>
+              <a:t>2/19/2017</a:t>
             </a:fld>
             <a:endParaRPr lang="zh-CN"/>
           </a:p>
@@ -4562,7 +4569,7 @@
           </a:lstStyle>
           <a:p>
             <a:fld id="{F5AD8362-6D63-40AC-BAA9-90C3AE6D5875}" type="datetimeFigureOut">
-              <a:t>2017/2/12</a:t>
+              <a:t>2017/2/19</a:t>
             </a:fld>
             <a:endParaRPr lang="zh-CN"/>
           </a:p>
@@ -5354,7 +5361,7 @@
           <a:lstStyle/>
           <a:p>
             <a:fld id="{5F4E5243-F52A-4D37-9694-EB26C6C31910}" type="datetime1">
-              <a:t>2017/2/12</a:t>
+              <a:t>2017/2/19</a:t>
             </a:fld>
             <a:endParaRPr lang="zh-CN"/>
           </a:p>
@@ -5551,7 +5558,7 @@
           <a:lstStyle/>
           <a:p>
             <a:fld id="{3A77B6E1-634A-48DC-9E8B-D894023267EF}" type="datetime1">
-              <a:t>2017/2/12</a:t>
+              <a:t>2017/2/19</a:t>
             </a:fld>
             <a:endParaRPr lang="zh-CN"/>
           </a:p>
@@ -5742,7 +5749,7 @@
           <a:lstStyle/>
           <a:p>
             <a:fld id="{7B2D3E9E-A95C-48F2-B4BF-A71542E0BE9A}" type="datetime1">
-              <a:t>2017/2/12</a:t>
+              <a:t>2017/2/19</a:t>
             </a:fld>
             <a:endParaRPr lang="zh-CN"/>
           </a:p>
@@ -6074,7 +6081,7 @@
           <a:lstStyle/>
           <a:p>
             <a:fld id="{A50F84E2-2D7A-43CF-AC90-352A289A783A}" type="datetime1">
-              <a:t>2017/2/12</a:t>
+              <a:t>2017/2/19</a:t>
             </a:fld>
             <a:endParaRPr lang="zh-CN"/>
           </a:p>
@@ -6383,7 +6390,7 @@
           <a:lstStyle/>
           <a:p>
             <a:fld id="{F12952B5-7A2F-4CC8-B7CE-9234E21C2837}" type="datetime1">
-              <a:t>2017/2/12</a:t>
+              <a:t>2017/2/19</a:t>
             </a:fld>
             <a:endParaRPr lang="zh-CN"/>
           </a:p>
@@ -6809,7 +6816,7 @@
           <a:lstStyle/>
           <a:p>
             <a:fld id="{CE1DA07A-9201-4B4B-BAF2-015AFA30F520}" type="datetime1">
-              <a:t>2017/2/12</a:t>
+              <a:t>2017/2/19</a:t>
             </a:fld>
             <a:endParaRPr lang="zh-CN"/>
           </a:p>
@@ -6944,7 +6951,7 @@
           <a:lstStyle/>
           <a:p>
             <a:fld id="{73D7E00A-486F-4252-8B1D-E32645521F49}" type="datetime1">
-              <a:t>2017/2/12</a:t>
+              <a:t>2017/2/19</a:t>
             </a:fld>
             <a:endParaRPr lang="zh-CN"/>
           </a:p>
@@ -7141,7 +7148,7 @@
           <a:lstStyle/>
           <a:p>
             <a:fld id="{8DDF5F92-E675-4B36-9A60-69A962A68675}" type="datetime1">
-              <a:t>2017/2/12</a:t>
+              <a:t>2017/2/19</a:t>
             </a:fld>
             <a:endParaRPr lang="zh-CN"/>
           </a:p>
@@ -7447,7 +7454,7 @@
           <a:lstStyle/>
           <a:p>
             <a:fld id="{AF6E2C9B-5FA2-460D-9BE7-B0812FC2A6FF}" type="datetime1">
-              <a:t>2017/2/12</a:t>
+              <a:t>2017/2/19</a:t>
             </a:fld>
             <a:endParaRPr lang="zh-CN"/>
           </a:p>
@@ -7738,7 +7745,7 @@
           <a:lstStyle/>
           <a:p>
             <a:fld id="{1D374940-A916-4C8B-9648-02A2D3898F9E}" type="datetime1">
-              <a:t>2017/2/12</a:t>
+              <a:t>2017/2/19</a:t>
             </a:fld>
             <a:endParaRPr lang="zh-CN"/>
           </a:p>
@@ -8177,7 +8184,7 @@
             <a:fld id="{5586B75A-687E-405C-8A0B-8D00578BA2C3}" type="datetime1">
               <a:rPr lang="en-US" altLang="zh-CN" smtClean="0"/>
               <a:pPr/>
-              <a:t>2/12/2017</a:t>
+              <a:t>2/19/2017</a:t>
             </a:fld>
             <a:endParaRPr lang="zh-CN" altLang="en-US"/>
           </a:p>
@@ -8779,6 +8786,809 @@
           <a:chExt cx="0" cy="0"/>
         </a:xfrm>
       </p:grpSpPr>
+      <p:pic>
+        <p:nvPicPr>
+          <p:cNvPr id="4" name="图片 3"/>
+          <p:cNvPicPr>
+            <a:picLocks noChangeAspect="1"/>
+          </p:cNvPicPr>
+          <p:nvPr/>
+        </p:nvPicPr>
+        <p:blipFill>
+          <a:blip r:embed="rId2"/>
+          <a:stretch>
+            <a:fillRect/>
+          </a:stretch>
+        </p:blipFill>
+        <p:spPr>
+          <a:xfrm>
+            <a:off x="1586168" y="52252"/>
+            <a:ext cx="9019664" cy="6753497"/>
+          </a:xfrm>
+          <a:prstGeom prst="rect">
+            <a:avLst/>
+          </a:prstGeom>
+        </p:spPr>
+      </p:pic>
+    </p:spTree>
+    <p:extLst>
+      <p:ext uri="{BB962C8B-B14F-4D97-AF65-F5344CB8AC3E}">
+        <p14:creationId xmlns:p14="http://schemas.microsoft.com/office/powerpoint/2010/main" val="4202588182"/>
+      </p:ext>
+    </p:extLst>
+  </p:cSld>
+  <p:clrMapOvr>
+    <a:masterClrMapping/>
+  </p:clrMapOvr>
+  <mc:AlternateContent xmlns:mc="http://schemas.openxmlformats.org/markup-compatibility/2006" xmlns:p14="http://schemas.microsoft.com/office/powerpoint/2010/main">
+    <mc:Choice Requires="p14">
+      <p:transition spd="med" p14:dur="700">
+        <p:fade/>
+      </p:transition>
+    </mc:Choice>
+    <mc:Fallback xmlns="">
+      <p:transition spd="med">
+        <p:fade/>
+      </p:transition>
+    </mc:Fallback>
+  </mc:AlternateContent>
+  <p:timing>
+    <p:tnLst>
+      <p:par>
+        <p:cTn id="1" dur="indefinite" restart="never" nodeType="tmRoot"/>
+      </p:par>
+    </p:tnLst>
+  </p:timing>
+</p:sld>
+</file>
+
+<file path=ppt/slides/slide11.xml><?xml version="1.0" encoding="utf-8"?>
+<p:sld xmlns:a="http://schemas.openxmlformats.org/drawingml/2006/main" xmlns:r="http://schemas.openxmlformats.org/officeDocument/2006/relationships" xmlns:p="http://schemas.openxmlformats.org/presentationml/2006/main">
+  <p:cSld>
+    <p:spTree>
+      <p:nvGrpSpPr>
+        <p:cNvPr id="1" name=""/>
+        <p:cNvGrpSpPr/>
+        <p:nvPr/>
+      </p:nvGrpSpPr>
+      <p:grpSpPr>
+        <a:xfrm>
+          <a:off x="0" y="0"/>
+          <a:ext cx="0" cy="0"/>
+          <a:chOff x="0" y="0"/>
+          <a:chExt cx="0" cy="0"/>
+        </a:xfrm>
+      </p:grpSpPr>
+      <p:pic>
+        <p:nvPicPr>
+          <p:cNvPr id="3" name="图片 2"/>
+          <p:cNvPicPr>
+            <a:picLocks noChangeAspect="1"/>
+          </p:cNvPicPr>
+          <p:nvPr/>
+        </p:nvPicPr>
+        <p:blipFill>
+          <a:blip r:embed="rId2"/>
+          <a:stretch>
+            <a:fillRect/>
+          </a:stretch>
+        </p:blipFill>
+        <p:spPr>
+          <a:xfrm>
+            <a:off x="431928" y="342560"/>
+            <a:ext cx="11328144" cy="6172880"/>
+          </a:xfrm>
+          <a:prstGeom prst="rect">
+            <a:avLst/>
+          </a:prstGeom>
+        </p:spPr>
+      </p:pic>
+    </p:spTree>
+    <p:extLst>
+      <p:ext uri="{BB962C8B-B14F-4D97-AF65-F5344CB8AC3E}">
+        <p14:creationId xmlns:p14="http://schemas.microsoft.com/office/powerpoint/2010/main" val="555609853"/>
+      </p:ext>
+    </p:extLst>
+  </p:cSld>
+  <p:clrMapOvr>
+    <a:masterClrMapping/>
+  </p:clrMapOvr>
+  <mc:AlternateContent xmlns:mc="http://schemas.openxmlformats.org/markup-compatibility/2006" xmlns:p14="http://schemas.microsoft.com/office/powerpoint/2010/main">
+    <mc:Choice Requires="p14">
+      <p:transition spd="med" p14:dur="700">
+        <p:fade/>
+      </p:transition>
+    </mc:Choice>
+    <mc:Fallback xmlns="">
+      <p:transition spd="med">
+        <p:fade/>
+      </p:transition>
+    </mc:Fallback>
+  </mc:AlternateContent>
+  <p:timing>
+    <p:tnLst>
+      <p:par>
+        <p:cTn id="1" dur="indefinite" restart="never" nodeType="tmRoot"/>
+      </p:par>
+    </p:tnLst>
+  </p:timing>
+</p:sld>
+</file>
+
+<file path=ppt/slides/slide12.xml><?xml version="1.0" encoding="utf-8"?>
+<p:sld xmlns:a="http://schemas.openxmlformats.org/drawingml/2006/main" xmlns:r="http://schemas.openxmlformats.org/officeDocument/2006/relationships" xmlns:p="http://schemas.openxmlformats.org/presentationml/2006/main">
+  <p:cSld>
+    <p:spTree>
+      <p:nvGrpSpPr>
+        <p:cNvPr id="1" name=""/>
+        <p:cNvGrpSpPr/>
+        <p:nvPr/>
+      </p:nvGrpSpPr>
+      <p:grpSpPr>
+        <a:xfrm>
+          <a:off x="0" y="0"/>
+          <a:ext cx="0" cy="0"/>
+          <a:chOff x="0" y="0"/>
+          <a:chExt cx="0" cy="0"/>
+        </a:xfrm>
+      </p:grpSpPr>
+      <p:sp>
+        <p:nvSpPr>
+          <p:cNvPr id="2" name="标题 1"/>
+          <p:cNvSpPr>
+            <a:spLocks noGrp="1"/>
+          </p:cNvSpPr>
+          <p:nvPr>
+            <p:ph type="title"/>
+          </p:nvPr>
+        </p:nvSpPr>
+        <p:spPr/>
+        <p:txBody>
+          <a:bodyPr/>
+          <a:lstStyle/>
+          <a:p>
+            <a:r>
+              <a:rPr lang="zh-CN" altLang="en-US" dirty="0" smtClean="0"/>
+              <a:t>等待队列</a:t>
+            </a:r>
+            <a:endParaRPr lang="zh-CN" dirty="0"/>
+          </a:p>
+        </p:txBody>
+      </p:sp>
+      <p:sp>
+        <p:nvSpPr>
+          <p:cNvPr id="3" name="内容占位符 2"/>
+          <p:cNvSpPr>
+            <a:spLocks noGrp="1"/>
+          </p:cNvSpPr>
+          <p:nvPr>
+            <p:ph idx="1"/>
+          </p:nvPr>
+        </p:nvSpPr>
+        <p:spPr/>
+        <p:txBody>
+          <a:bodyPr/>
+          <a:lstStyle/>
+          <a:p>
+            <a:r>
+              <a:rPr lang="zh-CN" altLang="en-US" dirty="0" smtClean="0"/>
+              <a:t>等待队列：</a:t>
+            </a:r>
+            <a:r>
+              <a:rPr lang="en-US" altLang="zh-CN" dirty="0" smtClean="0"/>
+              <a:t>wait_queue_head_t</a:t>
+            </a:r>
+            <a:endParaRPr lang="zh-CN" dirty="0"/>
+          </a:p>
+          <a:p>
+            <a:r>
+              <a:rPr lang="zh-CN" altLang="en-US" dirty="0" smtClean="0"/>
+              <a:t>阻塞线程：</a:t>
+            </a:r>
+            <a:r>
+              <a:rPr lang="en-US" altLang="zh-CN" dirty="0" err="1" smtClean="0"/>
+              <a:t>wait_event_interruptible</a:t>
+            </a:r>
+            <a:r>
+              <a:rPr lang="en-US" altLang="zh-CN" dirty="0" smtClean="0"/>
+              <a:t>(wait_queue_head_t </a:t>
+            </a:r>
+            <a:r>
+              <a:rPr lang="zh-CN" altLang="en-US" dirty="0" smtClean="0"/>
+              <a:t>*</a:t>
+            </a:r>
+            <a:r>
+              <a:rPr lang="en-US" altLang="zh-CN" dirty="0" smtClean="0"/>
+              <a:t>queue</a:t>
+            </a:r>
+            <a:r>
+              <a:rPr lang="en-US" altLang="zh-CN" dirty="0"/>
+              <a:t>, condition</a:t>
+            </a:r>
+            <a:r>
+              <a:rPr lang="en-US" altLang="zh-CN" dirty="0" smtClean="0"/>
+              <a:t>)</a:t>
+            </a:r>
+          </a:p>
+          <a:p>
+            <a:r>
+              <a:rPr lang="zh-CN" altLang="en-US" dirty="0" smtClean="0"/>
+              <a:t>唤醒线程：</a:t>
+            </a:r>
+            <a:r>
+              <a:rPr lang="en-US" altLang="zh-CN" dirty="0" err="1"/>
+              <a:t>wake_up_interruptible</a:t>
+            </a:r>
+            <a:r>
+              <a:rPr lang="en-US" altLang="zh-CN" dirty="0"/>
+              <a:t>(</a:t>
+            </a:r>
+            <a:r>
+              <a:rPr lang="en-US" altLang="zh-CN" dirty="0" err="1"/>
+              <a:t>wait_queue_head_t</a:t>
+            </a:r>
+            <a:r>
+              <a:rPr lang="en-US" altLang="zh-CN" dirty="0"/>
+              <a:t> *queue</a:t>
+            </a:r>
+            <a:r>
+              <a:rPr lang="en-US" altLang="zh-CN" dirty="0" smtClean="0"/>
+              <a:t>)</a:t>
+            </a:r>
+            <a:endParaRPr lang="zh-CN" dirty="0"/>
+          </a:p>
+          <a:p>
+            <a:endParaRPr lang="en-US" altLang="zh-CN" dirty="0" smtClean="0"/>
+          </a:p>
+          <a:p>
+            <a:r>
+              <a:rPr lang="zh-CN" altLang="en-US" dirty="0" smtClean="0"/>
+              <a:t>可类比</a:t>
+            </a:r>
+            <a:r>
+              <a:rPr lang="en-US" altLang="zh-CN" dirty="0" smtClean="0"/>
+              <a:t>Java</a:t>
+            </a:r>
+            <a:r>
+              <a:rPr lang="zh-CN" altLang="en-US" dirty="0" smtClean="0"/>
+              <a:t>中的</a:t>
+            </a:r>
+            <a:r>
+              <a:rPr lang="en-US" altLang="zh-CN" dirty="0" err="1"/>
+              <a:t>ArrayBlockingQueue</a:t>
+            </a:r>
+            <a:endParaRPr lang="zh-CN" dirty="0"/>
+          </a:p>
+        </p:txBody>
+      </p:sp>
+    </p:spTree>
+    <p:extLst>
+      <p:ext uri="{BB962C8B-B14F-4D97-AF65-F5344CB8AC3E}">
+        <p14:creationId xmlns:p14="http://schemas.microsoft.com/office/powerpoint/2010/main" val="3357774551"/>
+      </p:ext>
+    </p:extLst>
+  </p:cSld>
+  <p:clrMapOvr>
+    <a:masterClrMapping/>
+  </p:clrMapOvr>
+  <mc:AlternateContent xmlns:mc="http://schemas.openxmlformats.org/markup-compatibility/2006" xmlns:p14="http://schemas.microsoft.com/office/powerpoint/2010/main">
+    <mc:Choice Requires="p14">
+      <p:transition spd="med" p14:dur="700">
+        <p:fade/>
+      </p:transition>
+    </mc:Choice>
+    <mc:Fallback xmlns="">
+      <p:transition spd="med">
+        <p:fade/>
+      </p:transition>
+    </mc:Fallback>
+  </mc:AlternateContent>
+  <p:timing>
+    <p:tnLst>
+      <p:par>
+        <p:cTn id="1" dur="indefinite" restart="never" nodeType="tmRoot"/>
+      </p:par>
+    </p:tnLst>
+  </p:timing>
+</p:sld>
+</file>
+
+<file path=ppt/slides/slide13.xml><?xml version="1.0" encoding="utf-8"?>
+<p:sld xmlns:a="http://schemas.openxmlformats.org/drawingml/2006/main" xmlns:r="http://schemas.openxmlformats.org/officeDocument/2006/relationships" xmlns:p="http://schemas.openxmlformats.org/presentationml/2006/main">
+  <p:cSld>
+    <p:spTree>
+      <p:nvGrpSpPr>
+        <p:cNvPr id="1" name=""/>
+        <p:cNvGrpSpPr/>
+        <p:nvPr/>
+      </p:nvGrpSpPr>
+      <p:grpSpPr>
+        <a:xfrm>
+          <a:off x="0" y="0"/>
+          <a:ext cx="0" cy="0"/>
+          <a:chOff x="0" y="0"/>
+          <a:chExt cx="0" cy="0"/>
+        </a:xfrm>
+      </p:grpSpPr>
+      <p:sp>
+        <p:nvSpPr>
+          <p:cNvPr id="2" name="标题 1"/>
+          <p:cNvSpPr>
+            <a:spLocks noGrp="1"/>
+          </p:cNvSpPr>
+          <p:nvPr>
+            <p:ph type="title"/>
+          </p:nvPr>
+        </p:nvSpPr>
+        <p:spPr/>
+        <p:txBody>
+          <a:bodyPr/>
+          <a:lstStyle/>
+          <a:p>
+            <a:r>
+              <a:rPr lang="en-US" altLang="zh-CN" dirty="0" smtClean="0"/>
+              <a:t>Binder</a:t>
+            </a:r>
+            <a:r>
+              <a:rPr lang="zh-CN" altLang="en-US" dirty="0" smtClean="0"/>
+              <a:t>驱动接口</a:t>
+            </a:r>
+            <a:endParaRPr lang="zh-CN" altLang="en-US" dirty="0"/>
+          </a:p>
+        </p:txBody>
+      </p:sp>
+      <p:sp>
+        <p:nvSpPr>
+          <p:cNvPr id="3" name="内容占位符 2"/>
+          <p:cNvSpPr>
+            <a:spLocks noGrp="1"/>
+          </p:cNvSpPr>
+          <p:nvPr>
+            <p:ph idx="1"/>
+          </p:nvPr>
+        </p:nvSpPr>
+        <p:spPr/>
+        <p:txBody>
+          <a:bodyPr/>
+          <a:lstStyle/>
+          <a:p>
+            <a:r>
+              <a:rPr lang="zh-CN" altLang="en-US" dirty="0" smtClean="0"/>
+              <a:t>应用程序通过标准的</a:t>
+            </a:r>
+            <a:r>
+              <a:rPr lang="en-US" altLang="zh-CN" dirty="0" smtClean="0"/>
+              <a:t>Linux</a:t>
+            </a:r>
+            <a:r>
+              <a:rPr lang="zh-CN" altLang="en-US" dirty="0" smtClean="0"/>
+              <a:t>文件系统接口与</a:t>
+            </a:r>
+            <a:r>
+              <a:rPr lang="en-US" altLang="zh-CN" dirty="0" smtClean="0"/>
+              <a:t>binder</a:t>
+            </a:r>
+            <a:r>
+              <a:rPr lang="zh-CN" altLang="en-US" dirty="0" smtClean="0"/>
+              <a:t>驱动交互</a:t>
+            </a:r>
+            <a:endParaRPr lang="en-US" altLang="zh-CN" dirty="0" smtClean="0"/>
+          </a:p>
+          <a:p>
+            <a:r>
+              <a:rPr lang="zh-CN" altLang="en-US" dirty="0" smtClean="0"/>
+              <a:t>文件系统接口：</a:t>
+            </a:r>
+            <a:endParaRPr lang="en-US" altLang="zh-CN" dirty="0" smtClean="0"/>
+          </a:p>
+          <a:p>
+            <a:pPr marL="502920" indent="-457200">
+              <a:buFont typeface="+mj-lt"/>
+              <a:buAutoNum type="arabicPeriod"/>
+            </a:pPr>
+            <a:r>
+              <a:rPr lang="en-US" altLang="zh-CN" dirty="0" smtClean="0"/>
+              <a:t>open() – </a:t>
+            </a:r>
+            <a:r>
+              <a:rPr lang="zh-CN" altLang="en-US" dirty="0" smtClean="0"/>
+              <a:t>打开</a:t>
+            </a:r>
+            <a:r>
+              <a:rPr lang="en-US" altLang="zh-CN" dirty="0" smtClean="0"/>
+              <a:t>binder</a:t>
+            </a:r>
+            <a:r>
+              <a:rPr lang="zh-CN" altLang="en-US" dirty="0" smtClean="0"/>
+              <a:t>驱动</a:t>
+            </a:r>
+            <a:endParaRPr lang="en-US" altLang="zh-CN" dirty="0" smtClean="0"/>
+          </a:p>
+          <a:p>
+            <a:pPr marL="502920" indent="-457200">
+              <a:buFont typeface="+mj-lt"/>
+              <a:buAutoNum type="arabicPeriod"/>
+            </a:pPr>
+            <a:r>
+              <a:rPr lang="en-US" altLang="zh-CN" dirty="0" err="1" smtClean="0"/>
+              <a:t>mmap</a:t>
+            </a:r>
+            <a:r>
+              <a:rPr lang="en-US" altLang="zh-CN" dirty="0" smtClean="0"/>
+              <a:t>() – </a:t>
+            </a:r>
+            <a:r>
+              <a:rPr lang="zh-CN" altLang="en-US" dirty="0" smtClean="0"/>
+              <a:t>分配内核缓存区，并进行内存映射</a:t>
+            </a:r>
+            <a:endParaRPr lang="en-US" altLang="zh-CN" dirty="0" smtClean="0"/>
+          </a:p>
+          <a:p>
+            <a:pPr marL="502920" indent="-457200">
+              <a:buFont typeface="+mj-lt"/>
+              <a:buAutoNum type="arabicPeriod"/>
+            </a:pPr>
+            <a:r>
+              <a:rPr lang="en-US" altLang="zh-CN" dirty="0" err="1" smtClean="0"/>
+              <a:t>ioctl</a:t>
+            </a:r>
+            <a:r>
+              <a:rPr lang="en-US" altLang="zh-CN" dirty="0" smtClean="0"/>
+              <a:t>() – </a:t>
+            </a:r>
+            <a:r>
+              <a:rPr lang="zh-CN" altLang="en-US" dirty="0" smtClean="0"/>
+              <a:t>进行数据读写</a:t>
+            </a:r>
+            <a:endParaRPr lang="en-US" altLang="zh-CN" dirty="0" smtClean="0"/>
+          </a:p>
+          <a:p>
+            <a:pPr marL="502920" indent="-457200">
+              <a:buFont typeface="+mj-lt"/>
+              <a:buAutoNum type="arabicPeriod"/>
+            </a:pPr>
+            <a:r>
+              <a:rPr lang="en-US" altLang="zh-CN" dirty="0" smtClean="0">
+                <a:solidFill>
+                  <a:schemeClr val="bg1">
+                    <a:lumMod val="50000"/>
+                  </a:schemeClr>
+                </a:solidFill>
+              </a:rPr>
+              <a:t>read() – </a:t>
+            </a:r>
+            <a:r>
+              <a:rPr lang="zh-CN" altLang="en-US" dirty="0" smtClean="0">
+                <a:solidFill>
+                  <a:schemeClr val="bg1">
+                    <a:lumMod val="50000"/>
+                  </a:schemeClr>
+                </a:solidFill>
+              </a:rPr>
+              <a:t>读数据</a:t>
+            </a:r>
+            <a:endParaRPr lang="en-US" altLang="zh-CN" dirty="0" smtClean="0">
+              <a:solidFill>
+                <a:schemeClr val="bg1">
+                  <a:lumMod val="50000"/>
+                </a:schemeClr>
+              </a:solidFill>
+            </a:endParaRPr>
+          </a:p>
+          <a:p>
+            <a:pPr marL="502920" indent="-457200">
+              <a:buFont typeface="+mj-lt"/>
+              <a:buAutoNum type="arabicPeriod"/>
+            </a:pPr>
+            <a:r>
+              <a:rPr lang="en-US" altLang="zh-CN" dirty="0" smtClean="0">
+                <a:solidFill>
+                  <a:schemeClr val="bg1">
+                    <a:lumMod val="50000"/>
+                  </a:schemeClr>
+                </a:solidFill>
+              </a:rPr>
+              <a:t>write() – </a:t>
+            </a:r>
+            <a:r>
+              <a:rPr lang="zh-CN" altLang="en-US" dirty="0" smtClean="0">
+                <a:solidFill>
+                  <a:schemeClr val="bg1">
+                    <a:lumMod val="50000"/>
+                  </a:schemeClr>
+                </a:solidFill>
+              </a:rPr>
+              <a:t>写数据</a:t>
+            </a:r>
+            <a:endParaRPr lang="zh-CN" altLang="en-US" dirty="0">
+              <a:solidFill>
+                <a:schemeClr val="bg1">
+                  <a:lumMod val="50000"/>
+                </a:schemeClr>
+              </a:solidFill>
+            </a:endParaRPr>
+          </a:p>
+        </p:txBody>
+      </p:sp>
+    </p:spTree>
+    <p:extLst>
+      <p:ext uri="{BB962C8B-B14F-4D97-AF65-F5344CB8AC3E}">
+        <p14:creationId xmlns:p14="http://schemas.microsoft.com/office/powerpoint/2010/main" val="7259544"/>
+      </p:ext>
+    </p:extLst>
+  </p:cSld>
+  <p:clrMapOvr>
+    <a:masterClrMapping/>
+  </p:clrMapOvr>
+  <mc:AlternateContent xmlns:mc="http://schemas.openxmlformats.org/markup-compatibility/2006" xmlns:p14="http://schemas.microsoft.com/office/powerpoint/2010/main">
+    <mc:Choice Requires="p14">
+      <p:transition spd="med" p14:dur="700">
+        <p:fade/>
+      </p:transition>
+    </mc:Choice>
+    <mc:Fallback xmlns="">
+      <p:transition spd="med">
+        <p:fade/>
+      </p:transition>
+    </mc:Fallback>
+  </mc:AlternateContent>
+</p:sld>
+</file>
+
+<file path=ppt/slides/slide14.xml><?xml version="1.0" encoding="utf-8"?>
+<p:sld xmlns:a="http://schemas.openxmlformats.org/drawingml/2006/main" xmlns:r="http://schemas.openxmlformats.org/officeDocument/2006/relationships" xmlns:p="http://schemas.openxmlformats.org/presentationml/2006/main">
+  <p:cSld>
+    <p:spTree>
+      <p:nvGrpSpPr>
+        <p:cNvPr id="1" name=""/>
+        <p:cNvGrpSpPr/>
+        <p:nvPr/>
+      </p:nvGrpSpPr>
+      <p:grpSpPr>
+        <a:xfrm>
+          <a:off x="0" y="0"/>
+          <a:ext cx="0" cy="0"/>
+          <a:chOff x="0" y="0"/>
+          <a:chExt cx="0" cy="0"/>
+        </a:xfrm>
+      </p:grpSpPr>
+      <p:pic>
+        <p:nvPicPr>
+          <p:cNvPr id="5" name="图片 4"/>
+          <p:cNvPicPr>
+            <a:picLocks noChangeAspect="1"/>
+          </p:cNvPicPr>
+          <p:nvPr/>
+        </p:nvPicPr>
+        <p:blipFill>
+          <a:blip r:embed="rId2"/>
+          <a:stretch>
+            <a:fillRect/>
+          </a:stretch>
+        </p:blipFill>
+        <p:spPr>
+          <a:xfrm>
+            <a:off x="2166425" y="282895"/>
+            <a:ext cx="7920110" cy="6341015"/>
+          </a:xfrm>
+          <a:prstGeom prst="rect">
+            <a:avLst/>
+          </a:prstGeom>
+        </p:spPr>
+      </p:pic>
+    </p:spTree>
+    <p:extLst>
+      <p:ext uri="{BB962C8B-B14F-4D97-AF65-F5344CB8AC3E}">
+        <p14:creationId xmlns:p14="http://schemas.microsoft.com/office/powerpoint/2010/main" val="2743847717"/>
+      </p:ext>
+    </p:extLst>
+  </p:cSld>
+  <p:clrMapOvr>
+    <a:masterClrMapping/>
+  </p:clrMapOvr>
+  <mc:AlternateContent xmlns:mc="http://schemas.openxmlformats.org/markup-compatibility/2006" xmlns:p14="http://schemas.microsoft.com/office/powerpoint/2010/main">
+    <mc:Choice Requires="p14">
+      <p:transition spd="med" p14:dur="700">
+        <p:fade/>
+      </p:transition>
+    </mc:Choice>
+    <mc:Fallback xmlns="">
+      <p:transition spd="med">
+        <p:fade/>
+      </p:transition>
+    </mc:Fallback>
+  </mc:AlternateContent>
+</p:sld>
+</file>
+
+<file path=ppt/slides/slide15.xml><?xml version="1.0" encoding="utf-8"?>
+<p:sld xmlns:a="http://schemas.openxmlformats.org/drawingml/2006/main" xmlns:r="http://schemas.openxmlformats.org/officeDocument/2006/relationships" xmlns:p="http://schemas.openxmlformats.org/presentationml/2006/main">
+  <p:cSld>
+    <p:spTree>
+      <p:nvGrpSpPr>
+        <p:cNvPr id="1" name=""/>
+        <p:cNvGrpSpPr/>
+        <p:nvPr/>
+      </p:nvGrpSpPr>
+      <p:grpSpPr>
+        <a:xfrm>
+          <a:off x="0" y="0"/>
+          <a:ext cx="0" cy="0"/>
+          <a:chOff x="0" y="0"/>
+          <a:chExt cx="0" cy="0"/>
+        </a:xfrm>
+      </p:grpSpPr>
+      <p:pic>
+        <p:nvPicPr>
+          <p:cNvPr id="10" name="图片 9"/>
+          <p:cNvPicPr>
+            <a:picLocks noChangeAspect="1"/>
+          </p:cNvPicPr>
+          <p:nvPr/>
+        </p:nvPicPr>
+        <p:blipFill>
+          <a:blip r:embed="rId2"/>
+          <a:stretch>
+            <a:fillRect/>
+          </a:stretch>
+        </p:blipFill>
+        <p:spPr>
+          <a:xfrm>
+            <a:off x="1364926" y="196948"/>
+            <a:ext cx="9462149" cy="5618129"/>
+          </a:xfrm>
+          <a:prstGeom prst="rect">
+            <a:avLst/>
+          </a:prstGeom>
+        </p:spPr>
+      </p:pic>
+    </p:spTree>
+    <p:extLst>
+      <p:ext uri="{BB962C8B-B14F-4D97-AF65-F5344CB8AC3E}">
+        <p14:creationId xmlns:p14="http://schemas.microsoft.com/office/powerpoint/2010/main" val="843667706"/>
+      </p:ext>
+    </p:extLst>
+  </p:cSld>
+  <p:clrMapOvr>
+    <a:masterClrMapping/>
+  </p:clrMapOvr>
+  <mc:AlternateContent xmlns:mc="http://schemas.openxmlformats.org/markup-compatibility/2006" xmlns:p14="http://schemas.microsoft.com/office/powerpoint/2010/main">
+    <mc:Choice Requires="p14">
+      <p:transition spd="med" p14:dur="700">
+        <p:fade/>
+      </p:transition>
+    </mc:Choice>
+    <mc:Fallback xmlns="">
+      <p:transition spd="med">
+        <p:fade/>
+      </p:transition>
+    </mc:Fallback>
+  </mc:AlternateContent>
+</p:sld>
+</file>
+
+<file path=ppt/slides/slide16.xml><?xml version="1.0" encoding="utf-8"?>
+<p:sld xmlns:a="http://schemas.openxmlformats.org/drawingml/2006/main" xmlns:r="http://schemas.openxmlformats.org/officeDocument/2006/relationships" xmlns:p="http://schemas.openxmlformats.org/presentationml/2006/main">
+  <p:cSld>
+    <p:spTree>
+      <p:nvGrpSpPr>
+        <p:cNvPr id="1" name=""/>
+        <p:cNvGrpSpPr/>
+        <p:nvPr/>
+      </p:nvGrpSpPr>
+      <p:grpSpPr>
+        <a:xfrm>
+          <a:off x="0" y="0"/>
+          <a:ext cx="0" cy="0"/>
+          <a:chOff x="0" y="0"/>
+          <a:chExt cx="0" cy="0"/>
+        </a:xfrm>
+      </p:grpSpPr>
+      <p:sp>
+        <p:nvSpPr>
+          <p:cNvPr id="2" name="标题 1"/>
+          <p:cNvSpPr>
+            <a:spLocks noGrp="1"/>
+          </p:cNvSpPr>
+          <p:nvPr>
+            <p:ph type="title"/>
+          </p:nvPr>
+        </p:nvSpPr>
+        <p:spPr/>
+        <p:txBody>
+          <a:bodyPr/>
+          <a:lstStyle/>
+          <a:p>
+            <a:r>
+              <a:rPr lang="zh-CN" dirty="0"/>
+              <a:t>标题和内容版式与列表</a:t>
+            </a:r>
+          </a:p>
+        </p:txBody>
+      </p:sp>
+      <p:sp>
+        <p:nvSpPr>
+          <p:cNvPr id="3" name="内容占位符 2"/>
+          <p:cNvSpPr>
+            <a:spLocks noGrp="1"/>
+          </p:cNvSpPr>
+          <p:nvPr>
+            <p:ph idx="1"/>
+          </p:nvPr>
+        </p:nvSpPr>
+        <p:spPr/>
+        <p:txBody>
+          <a:bodyPr/>
+          <a:lstStyle/>
+          <a:p>
+            <a:r>
+              <a:rPr lang="zh-CN" dirty="0"/>
+              <a:t>在此处添加第一个要点</a:t>
+            </a:r>
+          </a:p>
+          <a:p>
+            <a:r>
+              <a:rPr lang="zh-CN" dirty="0"/>
+              <a:t>在此处添加第二个要点</a:t>
+            </a:r>
+          </a:p>
+          <a:p>
+            <a:r>
+              <a:rPr lang="zh-CN" dirty="0"/>
+              <a:t>在此处添加第三个要点</a:t>
+            </a:r>
+          </a:p>
+        </p:txBody>
+      </p:sp>
+    </p:spTree>
+    <p:extLst>
+      <p:ext uri="{BB962C8B-B14F-4D97-AF65-F5344CB8AC3E}">
+        <p14:creationId xmlns:p14="http://schemas.microsoft.com/office/powerpoint/2010/main" val="3374295295"/>
+      </p:ext>
+    </p:extLst>
+  </p:cSld>
+  <p:clrMapOvr>
+    <a:masterClrMapping/>
+  </p:clrMapOvr>
+  <mc:AlternateContent xmlns:mc="http://schemas.openxmlformats.org/markup-compatibility/2006" xmlns:p14="http://schemas.microsoft.com/office/powerpoint/2010/main">
+    <mc:Choice Requires="p14">
+      <p:transition spd="med" p14:dur="700">
+        <p:fade/>
+      </p:transition>
+    </mc:Choice>
+    <mc:Fallback xmlns="">
+      <p:transition spd="med">
+        <p:fade/>
+      </p:transition>
+    </mc:Fallback>
+  </mc:AlternateContent>
+  <p:timing>
+    <p:tnLst>
+      <p:par>
+        <p:cTn id="1" dur="indefinite" restart="never" nodeType="tmRoot"/>
+      </p:par>
+    </p:tnLst>
+  </p:timing>
+</p:sld>
+</file>
+
+<file path=ppt/slides/slide17.xml><?xml version="1.0" encoding="utf-8"?>
+<p:sld xmlns:a="http://schemas.openxmlformats.org/drawingml/2006/main" xmlns:r="http://schemas.openxmlformats.org/officeDocument/2006/relationships" xmlns:p="http://schemas.openxmlformats.org/presentationml/2006/main">
+  <p:cSld>
+    <p:spTree>
+      <p:nvGrpSpPr>
+        <p:cNvPr id="1" name=""/>
+        <p:cNvGrpSpPr/>
+        <p:nvPr/>
+      </p:nvGrpSpPr>
+      <p:grpSpPr>
+        <a:xfrm>
+          <a:off x="0" y="0"/>
+          <a:ext cx="0" cy="0"/>
+          <a:chOff x="0" y="0"/>
+          <a:chExt cx="0" cy="0"/>
+        </a:xfrm>
+      </p:grpSpPr>
       <p:sp>
         <p:nvSpPr>
           <p:cNvPr id="2" name="标题 1"/>
@@ -8858,7 +9668,7 @@
 </p:sld>
 </file>
 
-<file path=ppt/slides/slide11.xml><?xml version="1.0" encoding="utf-8"?>
+<file path=ppt/slides/slide18.xml><?xml version="1.0" encoding="utf-8"?>
 <p:sld xmlns:a="http://schemas.openxmlformats.org/drawingml/2006/main" xmlns:r="http://schemas.openxmlformats.org/officeDocument/2006/relationships" xmlns:p="http://schemas.openxmlformats.org/presentationml/2006/main">
   <p:cSld>
     <p:spTree>
@@ -8976,7 +9786,7 @@
 </p:sld>
 </file>
 
-<file path=ppt/slides/slide12.xml><?xml version="1.0" encoding="utf-8"?>
+<file path=ppt/slides/slide19.xml><?xml version="1.0" encoding="utf-8"?>
 <p:sld xmlns:a="http://schemas.openxmlformats.org/drawingml/2006/main" xmlns:r="http://schemas.openxmlformats.org/officeDocument/2006/relationships" xmlns:p="http://schemas.openxmlformats.org/presentationml/2006/main">
   <p:cSld>
     <p:spTree>
@@ -9358,7 +10168,160 @@
 </p:sld>
 </file>
 
-<file path=ppt/slides/slide13.xml><?xml version="1.0" encoding="utf-8"?>
+<file path=ppt/slides/slide2.xml><?xml version="1.0" encoding="utf-8"?>
+<p:sld xmlns:a="http://schemas.openxmlformats.org/drawingml/2006/main" xmlns:r="http://schemas.openxmlformats.org/officeDocument/2006/relationships" xmlns:p="http://schemas.openxmlformats.org/presentationml/2006/main">
+  <p:cSld>
+    <p:spTree>
+      <p:nvGrpSpPr>
+        <p:cNvPr id="1" name=""/>
+        <p:cNvGrpSpPr/>
+        <p:nvPr/>
+      </p:nvGrpSpPr>
+      <p:grpSpPr>
+        <a:xfrm>
+          <a:off x="0" y="0"/>
+          <a:ext cx="0" cy="0"/>
+          <a:chOff x="0" y="0"/>
+          <a:chExt cx="0" cy="0"/>
+        </a:xfrm>
+      </p:grpSpPr>
+      <p:sp>
+        <p:nvSpPr>
+          <p:cNvPr id="2" name="标题 1"/>
+          <p:cNvSpPr>
+            <a:spLocks noGrp="1"/>
+          </p:cNvSpPr>
+          <p:nvPr>
+            <p:ph type="title"/>
+          </p:nvPr>
+        </p:nvSpPr>
+        <p:spPr/>
+        <p:txBody>
+          <a:bodyPr/>
+          <a:lstStyle/>
+          <a:p>
+            <a:r>
+              <a:rPr lang="en-US" altLang="zh-CN" dirty="0" smtClean="0"/>
+              <a:t>Binder</a:t>
+            </a:r>
+            <a:r>
+              <a:rPr lang="zh-CN" altLang="en-US" dirty="0" smtClean="0"/>
+              <a:t>通信机制特点</a:t>
+            </a:r>
+            <a:endParaRPr lang="zh-CN" altLang="en-US" dirty="0"/>
+          </a:p>
+        </p:txBody>
+      </p:sp>
+      <p:sp>
+        <p:nvSpPr>
+          <p:cNvPr id="3" name="内容占位符 2"/>
+          <p:cNvSpPr>
+            <a:spLocks noGrp="1"/>
+          </p:cNvSpPr>
+          <p:nvPr>
+            <p:ph idx="1"/>
+          </p:nvPr>
+        </p:nvSpPr>
+        <p:spPr/>
+        <p:txBody>
+          <a:bodyPr/>
+          <a:lstStyle/>
+          <a:p>
+            <a:r>
+              <a:rPr lang="zh-CN" altLang="en-US" dirty="0" smtClean="0"/>
+              <a:t>高效。进程直接的数据传输只需一次内存拷贝</a:t>
+            </a:r>
+            <a:endParaRPr lang="en-US" altLang="zh-CN" dirty="0" smtClean="0"/>
+          </a:p>
+          <a:p>
+            <a:r>
+              <a:rPr lang="zh-CN" altLang="en-US" dirty="0" smtClean="0"/>
+              <a:t>安全。通信数据携带</a:t>
+            </a:r>
+            <a:r>
+              <a:rPr lang="en-US" altLang="zh-CN" dirty="0" err="1" smtClean="0"/>
+              <a:t>pid</a:t>
+            </a:r>
+            <a:r>
+              <a:rPr lang="zh-CN" altLang="en-US" dirty="0" smtClean="0"/>
+              <a:t>和</a:t>
+            </a:r>
+            <a:r>
+              <a:rPr lang="en-US" altLang="zh-CN" dirty="0" err="1" smtClean="0"/>
+              <a:t>uid</a:t>
+            </a:r>
+            <a:r>
+              <a:rPr lang="zh-CN" altLang="en-US" dirty="0" smtClean="0"/>
+              <a:t>，方便接收进程做权限控制</a:t>
+            </a:r>
+            <a:endParaRPr lang="en-US" altLang="zh-CN" dirty="0" smtClean="0"/>
+          </a:p>
+          <a:p>
+            <a:r>
+              <a:rPr lang="zh-CN" altLang="en-US" dirty="0" smtClean="0"/>
+              <a:t>面向对象。提供了一种进程间</a:t>
+            </a:r>
+            <a:r>
+              <a:rPr lang="en-US" altLang="zh-CN" dirty="0" smtClean="0"/>
+              <a:t>RPC</a:t>
+            </a:r>
+            <a:r>
+              <a:rPr lang="zh-CN" altLang="en-US" dirty="0" smtClean="0"/>
+              <a:t>（</a:t>
+            </a:r>
+            <a:r>
+              <a:rPr lang="en-US" altLang="zh-CN" dirty="0" smtClean="0"/>
+              <a:t>Remote </a:t>
+            </a:r>
+            <a:r>
+              <a:rPr lang="en-US" altLang="zh-CN" dirty="0"/>
+              <a:t>Procedure </a:t>
+            </a:r>
+            <a:r>
+              <a:rPr lang="en-US" altLang="zh-CN" dirty="0" smtClean="0"/>
+              <a:t>Call</a:t>
+            </a:r>
+            <a:r>
+              <a:rPr lang="zh-CN" altLang="en-US" dirty="0" smtClean="0"/>
+              <a:t>）机制</a:t>
+            </a:r>
+            <a:endParaRPr lang="zh-CN" altLang="en-US" dirty="0"/>
+          </a:p>
+        </p:txBody>
+      </p:sp>
+    </p:spTree>
+    <p:extLst>
+      <p:ext uri="{BB962C8B-B14F-4D97-AF65-F5344CB8AC3E}">
+        <p14:creationId xmlns:p14="http://schemas.microsoft.com/office/powerpoint/2010/main" val="1943903244"/>
+      </p:ext>
+    </p:extLst>
+  </p:cSld>
+  <p:clrMapOvr>
+    <a:masterClrMapping/>
+  </p:clrMapOvr>
+  <mc:AlternateContent xmlns:mc="http://schemas.openxmlformats.org/markup-compatibility/2006" xmlns:p14="http://schemas.microsoft.com/office/powerpoint/2010/main">
+    <mc:Choice Requires="p14">
+      <p:transition spd="med" p14:dur="700">
+        <p:fade/>
+      </p:transition>
+    </mc:Choice>
+    <mc:Fallback xmlns="">
+      <p:transition spd="med">
+        <p:fade/>
+      </p:transition>
+    </mc:Fallback>
+  </mc:AlternateContent>
+  <p:timing>
+    <p:tnLst>
+      <p:par>
+        <p:cTn id="1" dur="indefinite" restart="never" nodeType="tmRoot"/>
+      </p:par>
+    </p:tnLst>
+  </p:timing>
+</p:sld>
+</file>
+
+<file path=ppt/slides/slide20.xml><?xml version="1.0" encoding="utf-8"?>
 <p:sld xmlns:a="http://schemas.openxmlformats.org/drawingml/2006/main" xmlns:r="http://schemas.openxmlformats.org/officeDocument/2006/relationships" xmlns:p="http://schemas.openxmlformats.org/presentationml/2006/main">
   <p:cSld>
     <p:spTree>
@@ -9488,7 +10451,7 @@
 </p:sld>
 </file>
 
-<file path=ppt/slides/slide14.xml><?xml version="1.0" encoding="utf-8"?>
+<file path=ppt/slides/slide21.xml><?xml version="1.0" encoding="utf-8"?>
 <p:sld xmlns:a="http://schemas.openxmlformats.org/drawingml/2006/main" xmlns:r="http://schemas.openxmlformats.org/officeDocument/2006/relationships" xmlns:p="http://schemas.openxmlformats.org/presentationml/2006/main">
   <p:cSld>
     <p:spTree>
@@ -9575,7 +10538,7 @@
 </p:sld>
 </file>
 
-<file path=ppt/slides/slide15.xml><?xml version="1.0" encoding="utf-8"?>
+<file path=ppt/slides/slide22.xml><?xml version="1.0" encoding="utf-8"?>
 <p:sld xmlns:a="http://schemas.openxmlformats.org/drawingml/2006/main" xmlns:r="http://schemas.openxmlformats.org/officeDocument/2006/relationships" xmlns:p="http://schemas.openxmlformats.org/presentationml/2006/main">
   <p:cSld>
     <p:spTree>
@@ -9719,7 +10682,7 @@
 </p:sld>
 </file>
 
-<file path=ppt/slides/slide16.xml><?xml version="1.0" encoding="utf-8"?>
+<file path=ppt/slides/slide23.xml><?xml version="1.0" encoding="utf-8"?>
 <p:sld xmlns:a="http://schemas.openxmlformats.org/drawingml/2006/main" xmlns:r="http://schemas.openxmlformats.org/officeDocument/2006/relationships" xmlns:p="http://schemas.openxmlformats.org/presentationml/2006/main">
   <p:cSld>
     <p:spTree>
@@ -9787,7 +10750,7 @@
 </p:sld>
 </file>
 
-<file path=ppt/slides/slide17.xml><?xml version="1.0" encoding="utf-8"?>
+<file path=ppt/slides/slide24.xml><?xml version="1.0" encoding="utf-8"?>
 <p:sld xmlns:a="http://schemas.openxmlformats.org/drawingml/2006/main" xmlns:r="http://schemas.openxmlformats.org/officeDocument/2006/relationships" xmlns:p="http://schemas.openxmlformats.org/presentationml/2006/main">
   <p:cSld>
     <p:spTree>
@@ -9836,7 +10799,7 @@
 </p:sld>
 </file>
 
-<file path=ppt/slides/slide18.xml><?xml version="1.0" encoding="utf-8"?>
+<file path=ppt/slides/slide25.xml><?xml version="1.0" encoding="utf-8"?>
 <p:sld xmlns:a="http://schemas.openxmlformats.org/drawingml/2006/main" xmlns:r="http://schemas.openxmlformats.org/officeDocument/2006/relationships" xmlns:p="http://schemas.openxmlformats.org/presentationml/2006/main">
   <p:cSld>
     <p:spTree>
@@ -9942,152 +10905,6 @@
 </p:sld>
 </file>
 
-<file path=ppt/slides/slide2.xml><?xml version="1.0" encoding="utf-8"?>
-<p:sld xmlns:a="http://schemas.openxmlformats.org/drawingml/2006/main" xmlns:r="http://schemas.openxmlformats.org/officeDocument/2006/relationships" xmlns:p="http://schemas.openxmlformats.org/presentationml/2006/main">
-  <p:cSld>
-    <p:spTree>
-      <p:nvGrpSpPr>
-        <p:cNvPr id="1" name=""/>
-        <p:cNvGrpSpPr/>
-        <p:nvPr/>
-      </p:nvGrpSpPr>
-      <p:grpSpPr>
-        <a:xfrm>
-          <a:off x="0" y="0"/>
-          <a:ext cx="0" cy="0"/>
-          <a:chOff x="0" y="0"/>
-          <a:chExt cx="0" cy="0"/>
-        </a:xfrm>
-      </p:grpSpPr>
-      <p:sp>
-        <p:nvSpPr>
-          <p:cNvPr id="2" name="标题 1"/>
-          <p:cNvSpPr>
-            <a:spLocks noGrp="1"/>
-          </p:cNvSpPr>
-          <p:nvPr>
-            <p:ph type="title"/>
-          </p:nvPr>
-        </p:nvSpPr>
-        <p:spPr/>
-        <p:txBody>
-          <a:bodyPr/>
-          <a:lstStyle/>
-          <a:p>
-            <a:r>
-              <a:rPr lang="en-US" altLang="zh-CN" dirty="0" smtClean="0"/>
-              <a:t>Binder</a:t>
-            </a:r>
-            <a:r>
-              <a:rPr lang="zh-CN" altLang="en-US" dirty="0" smtClean="0"/>
-              <a:t>通信机制特点</a:t>
-            </a:r>
-            <a:endParaRPr lang="zh-CN" altLang="en-US" dirty="0"/>
-          </a:p>
-        </p:txBody>
-      </p:sp>
-      <p:sp>
-        <p:nvSpPr>
-          <p:cNvPr id="3" name="内容占位符 2"/>
-          <p:cNvSpPr>
-            <a:spLocks noGrp="1"/>
-          </p:cNvSpPr>
-          <p:nvPr>
-            <p:ph idx="1"/>
-          </p:nvPr>
-        </p:nvSpPr>
-        <p:spPr/>
-        <p:txBody>
-          <a:bodyPr/>
-          <a:lstStyle/>
-          <a:p>
-            <a:r>
-              <a:rPr lang="zh-CN" altLang="en-US" dirty="0" smtClean="0"/>
-              <a:t>高效。进程直接的数据传输只需一次内存拷贝</a:t>
-            </a:r>
-            <a:endParaRPr lang="en-US" altLang="zh-CN" dirty="0" smtClean="0"/>
-          </a:p>
-          <a:p>
-            <a:r>
-              <a:rPr lang="zh-CN" altLang="en-US" dirty="0" smtClean="0"/>
-              <a:t>安全。通信数据携带</a:t>
-            </a:r>
-            <a:r>
-              <a:rPr lang="en-US" altLang="zh-CN" dirty="0" err="1" smtClean="0"/>
-              <a:t>pid</a:t>
-            </a:r>
-            <a:r>
-              <a:rPr lang="zh-CN" altLang="en-US" dirty="0" smtClean="0"/>
-              <a:t>和</a:t>
-            </a:r>
-            <a:r>
-              <a:rPr lang="en-US" altLang="zh-CN" dirty="0" err="1" smtClean="0"/>
-              <a:t>uid</a:t>
-            </a:r>
-            <a:r>
-              <a:rPr lang="zh-CN" altLang="en-US" dirty="0" smtClean="0"/>
-              <a:t>，方便接收进程做权限控制</a:t>
-            </a:r>
-            <a:endParaRPr lang="en-US" altLang="zh-CN" dirty="0" smtClean="0"/>
-          </a:p>
-          <a:p>
-            <a:r>
-              <a:rPr lang="zh-CN" altLang="en-US" dirty="0" smtClean="0"/>
-              <a:t>面向对象。提供了一种进程间</a:t>
-            </a:r>
-            <a:r>
-              <a:rPr lang="en-US" altLang="zh-CN" dirty="0" smtClean="0"/>
-              <a:t>RPC</a:t>
-            </a:r>
-            <a:r>
-              <a:rPr lang="zh-CN" altLang="en-US" dirty="0" smtClean="0"/>
-              <a:t>（</a:t>
-            </a:r>
-            <a:r>
-              <a:rPr lang="en-US" altLang="zh-CN" dirty="0" smtClean="0"/>
-              <a:t>Remote </a:t>
-            </a:r>
-            <a:r>
-              <a:rPr lang="en-US" altLang="zh-CN" dirty="0"/>
-              <a:t>Procedure </a:t>
-            </a:r>
-            <a:r>
-              <a:rPr lang="en-US" altLang="zh-CN" dirty="0" smtClean="0"/>
-              <a:t>Call</a:t>
-            </a:r>
-            <a:r>
-              <a:rPr lang="zh-CN" altLang="en-US" dirty="0" smtClean="0"/>
-              <a:t>）机制</a:t>
-            </a:r>
-            <a:endParaRPr lang="zh-CN" altLang="en-US" dirty="0"/>
-          </a:p>
-        </p:txBody>
-      </p:sp>
-    </p:spTree>
-    <p:extLst>
-      <p:ext uri="{BB962C8B-B14F-4D97-AF65-F5344CB8AC3E}">
-        <p14:creationId xmlns:p14="http://schemas.microsoft.com/office/powerpoint/2010/main" val="1943903244"/>
-      </p:ext>
-    </p:extLst>
-  </p:cSld>
-  <p:clrMapOvr>
-    <a:masterClrMapping/>
-  </p:clrMapOvr>
-  <mc:AlternateContent xmlns:mc="http://schemas.openxmlformats.org/markup-compatibility/2006" xmlns:p14="http://schemas.microsoft.com/office/powerpoint/2010/main">
-    <mc:Choice Requires="p14">
-      <p:transition spd="med" p14:dur="700">
-        <p:fade/>
-      </p:transition>
-    </mc:Choice>
-    <mc:Fallback xmlns="">
-      <p:transition spd="med">
-        <p:fade/>
-      </p:transition>
-    </mc:Fallback>
-  </mc:AlternateContent>
-</p:sld>
-</file>
-
 <file path=ppt/slides/slide3.xml><?xml version="1.0" encoding="utf-8"?>
 <p:sld xmlns:a="http://schemas.openxmlformats.org/drawingml/2006/main" xmlns:r="http://schemas.openxmlformats.org/officeDocument/2006/relationships" xmlns:p="http://schemas.openxmlformats.org/presentationml/2006/main">
   <p:cSld>
@@ -10117,10 +10934,24 @@
         </p:nvSpPr>
         <p:spPr/>
         <p:txBody>
-          <a:bodyPr/>
+          <a:bodyPr>
+            <a:normAutofit fontScale="90000"/>
+          </a:bodyPr>
           <a:lstStyle/>
           <a:p>
-            <a:endParaRPr lang="zh-CN" altLang="en-US"/>
+            <a:r>
+              <a:rPr lang="en-US" altLang="zh-CN" dirty="0"/>
+              <a:t>RPC—Remote Procedure </a:t>
+            </a:r>
+            <a:r>
+              <a:rPr lang="en-US" altLang="zh-CN" dirty="0" smtClean="0"/>
+              <a:t>Call</a:t>
+            </a:r>
+            <a:r>
+              <a:rPr lang="zh-CN" altLang="en-US" dirty="0" smtClean="0"/>
+              <a:t>（远程过程调用）</a:t>
+            </a:r>
+            <a:endParaRPr lang="zh-CN" altLang="en-US" dirty="0"/>
           </a:p>
         </p:txBody>
       </p:sp>
@@ -10139,7 +10970,109 @@
           <a:bodyPr/>
           <a:lstStyle/>
           <a:p>
-            <a:endParaRPr lang="zh-CN" altLang="en-US"/>
+            <a:r>
+              <a:rPr lang="zh-CN" altLang="en-US" dirty="0" smtClean="0"/>
+              <a:t>当前进程调用另外一个进程的方法就像调用自己的方法一样</a:t>
+            </a:r>
+            <a:endParaRPr lang="en-US" altLang="zh-CN" dirty="0" smtClean="0"/>
+          </a:p>
+          <a:p>
+            <a:r>
+              <a:rPr lang="zh-CN" altLang="en-US" dirty="0" smtClean="0"/>
+              <a:t>同一个进程调用：</a:t>
+            </a:r>
+            <a:endParaRPr lang="en-US" altLang="zh-CN" dirty="0" smtClean="0"/>
+          </a:p>
+          <a:p>
+            <a:pPr marL="45720" indent="0">
+              <a:buNone/>
+            </a:pPr>
+            <a:r>
+              <a:rPr lang="en-US" altLang="zh-CN" dirty="0" err="1" smtClean="0">
+                <a:solidFill>
+                  <a:srgbClr val="0070C0"/>
+                </a:solidFill>
+              </a:rPr>
+              <a:t>int</a:t>
+            </a:r>
+            <a:r>
+              <a:rPr lang="en-US" altLang="zh-CN" dirty="0" smtClean="0">
+                <a:solidFill>
+                  <a:srgbClr val="0070C0"/>
+                </a:solidFill>
+              </a:rPr>
+              <a:t> sum = </a:t>
+            </a:r>
+            <a:r>
+              <a:rPr lang="en-US" altLang="zh-CN" dirty="0" err="1" smtClean="0">
+                <a:solidFill>
+                  <a:srgbClr val="0070C0"/>
+                </a:solidFill>
+              </a:rPr>
+              <a:t>someObject.add</a:t>
+            </a:r>
+            <a:r>
+              <a:rPr lang="en-US" altLang="zh-CN" dirty="0" smtClean="0">
+                <a:solidFill>
+                  <a:srgbClr val="0070C0"/>
+                </a:solidFill>
+              </a:rPr>
+              <a:t>( 2, 3)</a:t>
+            </a:r>
+          </a:p>
+          <a:p>
+            <a:pPr marL="45720" indent="0">
+              <a:buNone/>
+            </a:pPr>
+            <a:r>
+              <a:rPr lang="zh-CN" altLang="en-US" dirty="0" smtClean="0"/>
+              <a:t>四个要点：</a:t>
+            </a:r>
+            <a:endParaRPr lang="en-US" altLang="zh-CN" dirty="0"/>
+          </a:p>
+          <a:p>
+            <a:pPr marL="502920" indent="-457200">
+              <a:buFont typeface="+mj-lt"/>
+              <a:buAutoNum type="arabicPeriod"/>
+            </a:pPr>
+            <a:r>
+              <a:rPr lang="zh-CN" altLang="en-US" sz="1800" dirty="0" smtClean="0"/>
+              <a:t>向对象发送消息</a:t>
+            </a:r>
+            <a:endParaRPr lang="en-US" altLang="zh-CN" sz="1800" dirty="0" smtClean="0"/>
+          </a:p>
+          <a:p>
+            <a:pPr marL="502920" indent="-457200">
+              <a:buFont typeface="+mj-lt"/>
+              <a:buAutoNum type="arabicPeriod"/>
+            </a:pPr>
+            <a:r>
+              <a:rPr lang="zh-CN" altLang="en-US" sz="1800" dirty="0" smtClean="0"/>
+              <a:t>传参</a:t>
+            </a:r>
+            <a:endParaRPr lang="en-US" altLang="zh-CN" sz="1800" dirty="0" smtClean="0"/>
+          </a:p>
+          <a:p>
+            <a:pPr marL="502920" indent="-457200">
+              <a:buFont typeface="+mj-lt"/>
+              <a:buAutoNum type="arabicPeriod"/>
+            </a:pPr>
+            <a:r>
+              <a:rPr lang="zh-CN" altLang="en-US" sz="1800" dirty="0" smtClean="0"/>
+              <a:t>等待方法执行完毕</a:t>
+            </a:r>
+            <a:endParaRPr lang="en-US" altLang="zh-CN" sz="1800" dirty="0" smtClean="0"/>
+          </a:p>
+          <a:p>
+            <a:pPr marL="502920" indent="-457200">
+              <a:buFont typeface="+mj-lt"/>
+              <a:buAutoNum type="arabicPeriod"/>
+            </a:pPr>
+            <a:r>
+              <a:rPr lang="zh-CN" altLang="en-US" sz="1800" dirty="0" smtClean="0"/>
+              <a:t>返回结果</a:t>
+            </a:r>
+            <a:endParaRPr lang="en-US" altLang="zh-CN" sz="1800" dirty="0" smtClean="0"/>
           </a:p>
         </p:txBody>
       </p:sp>
@@ -10165,6 +11098,13 @@
       </p:transition>
     </mc:Fallback>
   </mc:AlternateContent>
+  <p:timing>
+    <p:tnLst>
+      <p:par>
+        <p:cTn id="1" dur="indefinite" restart="never" nodeType="tmRoot"/>
+      </p:par>
+    </p:tnLst>
+  </p:timing>
 </p:sld>
 </file>
 
@@ -10185,88 +11125,34 @@
           <a:chExt cx="0" cy="0"/>
         </a:xfrm>
       </p:grpSpPr>
-      <p:sp>
-        <p:nvSpPr>
-          <p:cNvPr id="2" name="标题 1"/>
-          <p:cNvSpPr>
-            <a:spLocks noGrp="1"/>
-          </p:cNvSpPr>
-          <p:nvPr>
-            <p:ph type="title"/>
-          </p:nvPr>
-        </p:nvSpPr>
-        <p:spPr/>
-        <p:txBody>
-          <a:bodyPr/>
-          <a:lstStyle/>
-          <a:p>
-            <a:r>
-              <a:rPr lang="zh-CN" altLang="en-US" dirty="0" smtClean="0"/>
-              <a:t>进程通信基本原理</a:t>
-            </a:r>
-            <a:endParaRPr lang="zh-CN" altLang="en-US" dirty="0"/>
-          </a:p>
-        </p:txBody>
-      </p:sp>
-      <p:sp>
-        <p:nvSpPr>
-          <p:cNvPr id="3" name="内容占位符 2"/>
-          <p:cNvSpPr>
-            <a:spLocks noGrp="1"/>
-          </p:cNvSpPr>
-          <p:nvPr>
-            <p:ph idx="1"/>
-          </p:nvPr>
-        </p:nvSpPr>
-        <p:spPr/>
-        <p:txBody>
-          <a:bodyPr/>
-          <a:lstStyle/>
-          <a:p>
-            <a:r>
-              <a:rPr lang="zh-CN" altLang="en-US" dirty="0" smtClean="0"/>
-              <a:t>进程沙箱</a:t>
-            </a:r>
-            <a:endParaRPr lang="en-US" altLang="zh-CN" dirty="0" smtClean="0"/>
-          </a:p>
-          <a:p>
-            <a:r>
-              <a:rPr lang="zh-CN" altLang="en-US" dirty="0" smtClean="0"/>
-              <a:t>用户空间和内核空间</a:t>
-            </a:r>
-            <a:endParaRPr lang="en-US" altLang="zh-CN" dirty="0" smtClean="0"/>
-          </a:p>
-          <a:p>
-            <a:r>
-              <a:rPr lang="zh-CN" altLang="en-US" dirty="0" smtClean="0"/>
-              <a:t>进程间数据传输 </a:t>
-            </a:r>
-            <a:endParaRPr lang="en-US" altLang="zh-CN" dirty="0" smtClean="0"/>
-          </a:p>
-          <a:p>
-            <a:r>
-              <a:rPr lang="zh-CN" altLang="en-US" dirty="0" smtClean="0"/>
-              <a:t>进程间通知机制</a:t>
-            </a:r>
-            <a:r>
-              <a:rPr lang="en-US" altLang="zh-CN" dirty="0" smtClean="0"/>
-              <a:t>—</a:t>
-            </a:r>
-            <a:r>
-              <a:rPr lang="zh-CN" altLang="en-US" dirty="0" smtClean="0"/>
-              <a:t>阻塞队列</a:t>
-            </a:r>
-            <a:endParaRPr lang="en-US" altLang="zh-CN" dirty="0" smtClean="0"/>
-          </a:p>
-          <a:p>
-            <a:endParaRPr lang="zh-CN" altLang="en-US" dirty="0"/>
-          </a:p>
-        </p:txBody>
-      </p:sp>
+      <p:pic>
+        <p:nvPicPr>
+          <p:cNvPr id="4" name="图片 3"/>
+          <p:cNvPicPr>
+            <a:picLocks noChangeAspect="1"/>
+          </p:cNvPicPr>
+          <p:nvPr/>
+        </p:nvPicPr>
+        <p:blipFill>
+          <a:blip r:embed="rId2"/>
+          <a:stretch>
+            <a:fillRect/>
+          </a:stretch>
+        </p:blipFill>
+        <p:spPr>
+          <a:xfrm>
+            <a:off x="1488447" y="537608"/>
+            <a:ext cx="9215107" cy="6320391"/>
+          </a:xfrm>
+          <a:prstGeom prst="rect">
+            <a:avLst/>
+          </a:prstGeom>
+        </p:spPr>
+      </p:pic>
     </p:spTree>
     <p:extLst>
       <p:ext uri="{BB962C8B-B14F-4D97-AF65-F5344CB8AC3E}">
-        <p14:creationId xmlns:p14="http://schemas.microsoft.com/office/powerpoint/2010/main" val="2024148821"/>
+        <p14:creationId xmlns:p14="http://schemas.microsoft.com/office/powerpoint/2010/main" val="1104379820"/>
       </p:ext>
     </p:extLst>
   </p:cSld>
@@ -10328,14 +11214,10 @@
           <a:lstStyle/>
           <a:p>
             <a:r>
-              <a:rPr lang="en-US" altLang="zh-CN" dirty="0" smtClean="0"/>
-              <a:t>Linux</a:t>
-            </a:r>
-            <a:r>
               <a:rPr lang="zh-CN" altLang="en-US" dirty="0" smtClean="0"/>
-              <a:t>进程地址空间</a:t>
-            </a:r>
-            <a:endParaRPr lang="zh-CN" dirty="0"/>
+              <a:t>进程通信基本原理</a:t>
+            </a:r>
+            <a:endParaRPr lang="zh-CN" altLang="en-US" dirty="0"/>
           </a:p>
         </p:txBody>
       </p:sp>
@@ -10355,105 +11237,49 @@
           <a:lstStyle/>
           <a:p>
             <a:r>
+              <a:rPr lang="zh-CN" altLang="en-US" dirty="0" smtClean="0"/>
+              <a:t>进程沙箱</a:t>
+            </a:r>
+            <a:endParaRPr lang="en-US" altLang="zh-CN" dirty="0" smtClean="0"/>
+          </a:p>
+          <a:p>
+            <a:r>
+              <a:rPr lang="zh-CN" altLang="en-US" dirty="0" smtClean="0"/>
+              <a:t>用户空间和内核空间</a:t>
+            </a:r>
+            <a:endParaRPr lang="en-US" altLang="zh-CN" dirty="0" smtClean="0"/>
+          </a:p>
+          <a:p>
+            <a:r>
+              <a:rPr lang="zh-CN" altLang="en-US" dirty="0" smtClean="0"/>
+              <a:t>进程间数据传输 </a:t>
+            </a:r>
+            <a:endParaRPr lang="en-US" altLang="zh-CN" dirty="0" smtClean="0"/>
+          </a:p>
+          <a:p>
+            <a:r>
+              <a:rPr lang="zh-CN" altLang="en-US" dirty="0" smtClean="0"/>
+              <a:t>进程间通知机制</a:t>
+            </a:r>
+            <a:r>
               <a:rPr lang="en-US" altLang="zh-CN" dirty="0" smtClean="0"/>
-              <a:t>Linux</a:t>
+              <a:t>—</a:t>
             </a:r>
             <a:r>
               <a:rPr lang="zh-CN" altLang="en-US" dirty="0" smtClean="0"/>
-              <a:t>的进程地址空间为</a:t>
-            </a:r>
-            <a:r>
-              <a:rPr lang="en-US" altLang="zh-CN" dirty="0" smtClean="0"/>
-              <a:t>0-4G</a:t>
-            </a:r>
-            <a:r>
-              <a:rPr lang="zh-CN" altLang="en-US" dirty="0" smtClean="0"/>
-              <a:t>，其中</a:t>
-            </a:r>
-            <a:r>
-              <a:rPr lang="en-US" altLang="zh-CN" dirty="0" smtClean="0"/>
-              <a:t>0-3G</a:t>
-            </a:r>
-            <a:r>
-              <a:rPr lang="zh-CN" altLang="en-US" dirty="0" smtClean="0"/>
-              <a:t>为用户空间，</a:t>
-            </a:r>
-            <a:r>
-              <a:rPr lang="en-US" altLang="zh-CN" dirty="0" smtClean="0"/>
-              <a:t>3-4G</a:t>
-            </a:r>
-            <a:r>
-              <a:rPr lang="zh-CN" altLang="en-US" dirty="0" smtClean="0"/>
-              <a:t>为内核空间</a:t>
-            </a:r>
-            <a:endParaRPr lang="zh-CN" dirty="0"/>
-          </a:p>
-          <a:p>
-            <a:r>
-              <a:rPr lang="zh-CN" altLang="en-US" dirty="0" smtClean="0"/>
-              <a:t>进程的用户空间是隔离的（</a:t>
-            </a:r>
-            <a:r>
-              <a:rPr lang="zh-CN" altLang="en-US" dirty="0"/>
-              <a:t>沙箱</a:t>
-            </a:r>
-            <a:r>
-              <a:rPr lang="zh-CN" altLang="en-US" dirty="0" smtClean="0"/>
-              <a:t>），内核空间是共享的</a:t>
-            </a:r>
-            <a:endParaRPr lang="zh-CN" dirty="0"/>
-          </a:p>
-          <a:p>
-            <a:r>
-              <a:rPr lang="zh-CN" altLang="en-US" dirty="0"/>
-              <a:t>用户</a:t>
-            </a:r>
-            <a:r>
-              <a:rPr lang="zh-CN" altLang="en-US" dirty="0" smtClean="0"/>
-              <a:t>态下只能访问用户空间，要访问内核空间，必须通过系统调用进入内核态</a:t>
+              <a:t>阻塞队列</a:t>
             </a:r>
             <a:endParaRPr lang="en-US" altLang="zh-CN" dirty="0" smtClean="0"/>
           </a:p>
           <a:p>
-            <a:r>
-              <a:rPr lang="zh-CN" altLang="en-US" dirty="0"/>
-              <a:t>内核</a:t>
-            </a:r>
-            <a:r>
-              <a:rPr lang="zh-CN" altLang="en-US" dirty="0" smtClean="0"/>
-              <a:t>态下可以通过内核函数</a:t>
-            </a:r>
-            <a:r>
-              <a:rPr lang="en-US" altLang="zh-CN" dirty="0" err="1" smtClean="0"/>
-              <a:t>copy_to_user</a:t>
-            </a:r>
-            <a:r>
-              <a:rPr lang="zh-CN" altLang="en-US" dirty="0" smtClean="0"/>
-              <a:t>和</a:t>
-            </a:r>
-            <a:r>
-              <a:rPr lang="en-US" altLang="zh-CN" dirty="0" err="1" smtClean="0"/>
-              <a:t>copy_from_user</a:t>
-            </a:r>
-            <a:r>
-              <a:rPr lang="zh-CN" altLang="en-US" dirty="0" smtClean="0"/>
-              <a:t>与用户空间交互</a:t>
-            </a:r>
-            <a:endParaRPr lang="en-US" altLang="zh-CN" dirty="0" smtClean="0"/>
-          </a:p>
-          <a:p>
-            <a:r>
-              <a:rPr lang="zh-CN" altLang="en-US" dirty="0" smtClean="0"/>
-              <a:t>驱动程序运行在内核态</a:t>
-            </a:r>
-            <a:endParaRPr lang="zh-CN" dirty="0"/>
+            <a:endParaRPr lang="zh-CN" altLang="en-US" dirty="0"/>
           </a:p>
         </p:txBody>
       </p:sp>
     </p:spTree>
     <p:extLst>
       <p:ext uri="{BB962C8B-B14F-4D97-AF65-F5344CB8AC3E}">
-        <p14:creationId xmlns:p14="http://schemas.microsoft.com/office/powerpoint/2010/main" val="3327456264"/>
+        <p14:creationId xmlns:p14="http://schemas.microsoft.com/office/powerpoint/2010/main" val="2024148821"/>
       </p:ext>
     </p:extLst>
   </p:cSld>
@@ -10499,6 +11325,193 @@
           <a:chExt cx="0" cy="0"/>
         </a:xfrm>
       </p:grpSpPr>
+      <p:sp>
+        <p:nvSpPr>
+          <p:cNvPr id="2" name="标题 1"/>
+          <p:cNvSpPr>
+            <a:spLocks noGrp="1"/>
+          </p:cNvSpPr>
+          <p:nvPr>
+            <p:ph type="title"/>
+          </p:nvPr>
+        </p:nvSpPr>
+        <p:spPr/>
+        <p:txBody>
+          <a:bodyPr/>
+          <a:lstStyle/>
+          <a:p>
+            <a:r>
+              <a:rPr lang="en-US" altLang="zh-CN" dirty="0" smtClean="0"/>
+              <a:t>Linux</a:t>
+            </a:r>
+            <a:r>
+              <a:rPr lang="zh-CN" altLang="en-US" dirty="0" smtClean="0"/>
+              <a:t>进程地址空间</a:t>
+            </a:r>
+            <a:endParaRPr lang="zh-CN" dirty="0"/>
+          </a:p>
+        </p:txBody>
+      </p:sp>
+      <p:sp>
+        <p:nvSpPr>
+          <p:cNvPr id="3" name="内容占位符 2"/>
+          <p:cNvSpPr>
+            <a:spLocks noGrp="1"/>
+          </p:cNvSpPr>
+          <p:nvPr>
+            <p:ph idx="1"/>
+          </p:nvPr>
+        </p:nvSpPr>
+        <p:spPr/>
+        <p:txBody>
+          <a:bodyPr/>
+          <a:lstStyle/>
+          <a:p>
+            <a:r>
+              <a:rPr lang="en-US" altLang="zh-CN" dirty="0" smtClean="0"/>
+              <a:t>Linux</a:t>
+            </a:r>
+            <a:r>
+              <a:rPr lang="zh-CN" altLang="en-US" dirty="0" smtClean="0"/>
+              <a:t>的进程地址空间为</a:t>
+            </a:r>
+            <a:r>
+              <a:rPr lang="en-US" altLang="zh-CN" dirty="0" smtClean="0"/>
+              <a:t>0-4G</a:t>
+            </a:r>
+            <a:r>
+              <a:rPr lang="zh-CN" altLang="en-US" dirty="0" smtClean="0"/>
+              <a:t>，其中</a:t>
+            </a:r>
+            <a:r>
+              <a:rPr lang="en-US" altLang="zh-CN" dirty="0" smtClean="0"/>
+              <a:t>0-3G</a:t>
+            </a:r>
+            <a:r>
+              <a:rPr lang="zh-CN" altLang="en-US" dirty="0" smtClean="0"/>
+              <a:t>为用户空间，</a:t>
+            </a:r>
+            <a:r>
+              <a:rPr lang="en-US" altLang="zh-CN" dirty="0" smtClean="0"/>
+              <a:t>3-4G</a:t>
+            </a:r>
+            <a:r>
+              <a:rPr lang="zh-CN" altLang="en-US" dirty="0" smtClean="0"/>
+              <a:t>为内核空间</a:t>
+            </a:r>
+            <a:endParaRPr lang="zh-CN" dirty="0"/>
+          </a:p>
+          <a:p>
+            <a:r>
+              <a:rPr lang="zh-CN" altLang="en-US" dirty="0" smtClean="0"/>
+              <a:t>进程的用户空间是隔离的（</a:t>
+            </a:r>
+            <a:r>
+              <a:rPr lang="zh-CN" altLang="en-US" dirty="0"/>
+              <a:t>沙箱</a:t>
+            </a:r>
+            <a:r>
+              <a:rPr lang="zh-CN" altLang="en-US" dirty="0" smtClean="0"/>
+              <a:t>），内核空间是共享的</a:t>
+            </a:r>
+            <a:endParaRPr lang="zh-CN" dirty="0"/>
+          </a:p>
+          <a:p>
+            <a:r>
+              <a:rPr lang="zh-CN" altLang="en-US" dirty="0"/>
+              <a:t>用户</a:t>
+            </a:r>
+            <a:r>
+              <a:rPr lang="zh-CN" altLang="en-US" dirty="0" smtClean="0"/>
+              <a:t>态下只能访问用户空间，要访问内核空间，必须通过系统调用进入内核态</a:t>
+            </a:r>
+            <a:endParaRPr lang="en-US" altLang="zh-CN" dirty="0" smtClean="0"/>
+          </a:p>
+          <a:p>
+            <a:r>
+              <a:rPr lang="zh-CN" altLang="en-US" dirty="0"/>
+              <a:t>内核</a:t>
+            </a:r>
+            <a:r>
+              <a:rPr lang="zh-CN" altLang="en-US" dirty="0" smtClean="0"/>
+              <a:t>态下可以通过内核函数</a:t>
+            </a:r>
+            <a:r>
+              <a:rPr lang="en-US" altLang="zh-CN" dirty="0" err="1" smtClean="0"/>
+              <a:t>copy_to_user</a:t>
+            </a:r>
+            <a:r>
+              <a:rPr lang="zh-CN" altLang="en-US" dirty="0" smtClean="0"/>
+              <a:t>和</a:t>
+            </a:r>
+            <a:r>
+              <a:rPr lang="en-US" altLang="zh-CN" dirty="0" err="1" smtClean="0"/>
+              <a:t>copy_from_user</a:t>
+            </a:r>
+            <a:r>
+              <a:rPr lang="zh-CN" altLang="en-US" dirty="0" smtClean="0"/>
+              <a:t>与用户空间交互</a:t>
+            </a:r>
+            <a:endParaRPr lang="en-US" altLang="zh-CN" dirty="0" smtClean="0"/>
+          </a:p>
+          <a:p>
+            <a:r>
+              <a:rPr lang="zh-CN" altLang="en-US" dirty="0" smtClean="0"/>
+              <a:t>驱动程序运行在内核态</a:t>
+            </a:r>
+            <a:endParaRPr lang="zh-CN" dirty="0"/>
+          </a:p>
+        </p:txBody>
+      </p:sp>
+    </p:spTree>
+    <p:extLst>
+      <p:ext uri="{BB962C8B-B14F-4D97-AF65-F5344CB8AC3E}">
+        <p14:creationId xmlns:p14="http://schemas.microsoft.com/office/powerpoint/2010/main" val="3327456264"/>
+      </p:ext>
+    </p:extLst>
+  </p:cSld>
+  <p:clrMapOvr>
+    <a:masterClrMapping/>
+  </p:clrMapOvr>
+  <mc:AlternateContent xmlns:mc="http://schemas.openxmlformats.org/markup-compatibility/2006" xmlns:p14="http://schemas.microsoft.com/office/powerpoint/2010/main">
+    <mc:Choice Requires="p14">
+      <p:transition spd="med" p14:dur="700">
+        <p:fade/>
+      </p:transition>
+    </mc:Choice>
+    <mc:Fallback xmlns="">
+      <p:transition spd="med">
+        <p:fade/>
+      </p:transition>
+    </mc:Fallback>
+  </mc:AlternateContent>
+  <p:timing>
+    <p:tnLst>
+      <p:par>
+        <p:cTn id="1" dur="indefinite" restart="never" nodeType="tmRoot"/>
+      </p:par>
+    </p:tnLst>
+  </p:timing>
+</p:sld>
+</file>
+
+<file path=ppt/slides/slide7.xml><?xml version="1.0" encoding="utf-8"?>
+<p:sld xmlns:a="http://schemas.openxmlformats.org/drawingml/2006/main" xmlns:r="http://schemas.openxmlformats.org/officeDocument/2006/relationships" xmlns:p="http://schemas.openxmlformats.org/presentationml/2006/main">
+  <p:cSld>
+    <p:spTree>
+      <p:nvGrpSpPr>
+        <p:cNvPr id="1" name=""/>
+        <p:cNvGrpSpPr/>
+        <p:nvPr/>
+      </p:nvGrpSpPr>
+      <p:grpSpPr>
+        <a:xfrm>
+          <a:off x="0" y="0"/>
+          <a:ext cx="0" cy="0"/>
+          <a:chOff x="0" y="0"/>
+          <a:chExt cx="0" cy="0"/>
+        </a:xfrm>
+      </p:grpSpPr>
       <p:pic>
         <p:nvPicPr>
           <p:cNvPr id="8" name="图片 7"/>
@@ -10508,7 +11521,7 @@
           <p:nvPr/>
         </p:nvPicPr>
         <p:blipFill>
-          <a:blip r:embed="rId3"/>
+          <a:blip r:embed="rId2"/>
           <a:stretch>
             <a:fillRect/>
           </a:stretch>
@@ -10555,7 +11568,7 @@
 </p:sld>
 </file>
 
-<file path=ppt/slides/slide7.xml><?xml version="1.0" encoding="utf-8"?>
+<file path=ppt/slides/slide8.xml><?xml version="1.0" encoding="utf-8"?>
 <p:sld xmlns:a="http://schemas.openxmlformats.org/drawingml/2006/main" xmlns:r="http://schemas.openxmlformats.org/officeDocument/2006/relationships" xmlns:p="http://schemas.openxmlformats.org/presentationml/2006/main">
   <p:cSld>
     <p:spTree>
@@ -10618,177 +11631,6 @@
       </p:transition>
     </mc:Fallback>
   </mc:AlternateContent>
-</p:sld>
-</file>
-
-<file path=ppt/slides/slide8.xml><?xml version="1.0" encoding="utf-8"?>
-<p:sld xmlns:a="http://schemas.openxmlformats.org/drawingml/2006/main" xmlns:r="http://schemas.openxmlformats.org/officeDocument/2006/relationships" xmlns:p="http://schemas.openxmlformats.org/presentationml/2006/main">
-  <p:cSld>
-    <p:spTree>
-      <p:nvGrpSpPr>
-        <p:cNvPr id="1" name=""/>
-        <p:cNvGrpSpPr/>
-        <p:nvPr/>
-      </p:nvGrpSpPr>
-      <p:grpSpPr>
-        <a:xfrm>
-          <a:off x="0" y="0"/>
-          <a:ext cx="0" cy="0"/>
-          <a:chOff x="0" y="0"/>
-          <a:chExt cx="0" cy="0"/>
-        </a:xfrm>
-      </p:grpSpPr>
-      <p:sp>
-        <p:nvSpPr>
-          <p:cNvPr id="2" name="标题 1"/>
-          <p:cNvSpPr>
-            <a:spLocks noGrp="1"/>
-          </p:cNvSpPr>
-          <p:nvPr>
-            <p:ph type="title"/>
-          </p:nvPr>
-        </p:nvSpPr>
-        <p:spPr/>
-        <p:txBody>
-          <a:bodyPr/>
-          <a:lstStyle/>
-          <a:p>
-            <a:r>
-              <a:rPr lang="zh-CN" altLang="en-US" dirty="0" smtClean="0"/>
-              <a:t>等待队列</a:t>
-            </a:r>
-            <a:endParaRPr lang="zh-CN" dirty="0"/>
-          </a:p>
-        </p:txBody>
-      </p:sp>
-      <p:sp>
-        <p:nvSpPr>
-          <p:cNvPr id="3" name="内容占位符 2"/>
-          <p:cNvSpPr>
-            <a:spLocks noGrp="1"/>
-          </p:cNvSpPr>
-          <p:nvPr>
-            <p:ph idx="1"/>
-          </p:nvPr>
-        </p:nvSpPr>
-        <p:spPr/>
-        <p:txBody>
-          <a:bodyPr/>
-          <a:lstStyle/>
-          <a:p>
-            <a:r>
-              <a:rPr lang="zh-CN" altLang="en-US" dirty="0" smtClean="0"/>
-              <a:t>等待队列：</a:t>
-            </a:r>
-            <a:r>
-              <a:rPr lang="en-US" altLang="zh-CN" dirty="0" smtClean="0"/>
-              <a:t>wait_queue_head_t</a:t>
-            </a:r>
-            <a:endParaRPr lang="zh-CN" dirty="0"/>
-          </a:p>
-          <a:p>
-            <a:r>
-              <a:rPr lang="zh-CN" altLang="en-US" dirty="0" smtClean="0"/>
-              <a:t>阻塞线程：</a:t>
-            </a:r>
-            <a:r>
-              <a:rPr lang="en-US" altLang="zh-CN" dirty="0" err="1" smtClean="0"/>
-              <a:t>wait_event_interruptible</a:t>
-            </a:r>
-            <a:r>
-              <a:rPr lang="en-US" altLang="zh-CN" dirty="0" smtClean="0"/>
-              <a:t>(wait_queue_head_t </a:t>
-            </a:r>
-            <a:r>
-              <a:rPr lang="zh-CN" altLang="en-US" dirty="0" smtClean="0"/>
-              <a:t>*</a:t>
-            </a:r>
-            <a:r>
-              <a:rPr lang="en-US" altLang="zh-CN" dirty="0" smtClean="0"/>
-              <a:t>queue</a:t>
-            </a:r>
-            <a:r>
-              <a:rPr lang="en-US" altLang="zh-CN" dirty="0"/>
-              <a:t>, condition</a:t>
-            </a:r>
-            <a:r>
-              <a:rPr lang="en-US" altLang="zh-CN" dirty="0" smtClean="0"/>
-              <a:t>)</a:t>
-            </a:r>
-          </a:p>
-          <a:p>
-            <a:r>
-              <a:rPr lang="zh-CN" altLang="en-US" dirty="0" smtClean="0"/>
-              <a:t>唤醒线程：</a:t>
-            </a:r>
-            <a:r>
-              <a:rPr lang="en-US" altLang="zh-CN" dirty="0" err="1"/>
-              <a:t>wake_up_interruptible</a:t>
-            </a:r>
-            <a:r>
-              <a:rPr lang="en-US" altLang="zh-CN" dirty="0"/>
-              <a:t>(</a:t>
-            </a:r>
-            <a:r>
-              <a:rPr lang="en-US" altLang="zh-CN" dirty="0" err="1"/>
-              <a:t>wait_queue_head_t</a:t>
-            </a:r>
-            <a:r>
-              <a:rPr lang="en-US" altLang="zh-CN" dirty="0"/>
-              <a:t> *queue</a:t>
-            </a:r>
-            <a:r>
-              <a:rPr lang="en-US" altLang="zh-CN" dirty="0" smtClean="0"/>
-              <a:t>)</a:t>
-            </a:r>
-            <a:endParaRPr lang="zh-CN" dirty="0"/>
-          </a:p>
-          <a:p>
-            <a:endParaRPr lang="en-US" altLang="zh-CN" dirty="0" smtClean="0"/>
-          </a:p>
-          <a:p>
-            <a:r>
-              <a:rPr lang="zh-CN" altLang="en-US" dirty="0" smtClean="0"/>
-              <a:t>可类比</a:t>
-            </a:r>
-            <a:r>
-              <a:rPr lang="en-US" altLang="zh-CN" dirty="0" smtClean="0"/>
-              <a:t>Java</a:t>
-            </a:r>
-            <a:r>
-              <a:rPr lang="zh-CN" altLang="en-US" dirty="0" smtClean="0"/>
-              <a:t>中的</a:t>
-            </a:r>
-            <a:r>
-              <a:rPr lang="en-US" altLang="zh-CN" dirty="0" err="1"/>
-              <a:t>ArrayBlockingQueue</a:t>
-            </a:r>
-            <a:endParaRPr lang="zh-CN" dirty="0"/>
-          </a:p>
-        </p:txBody>
-      </p:sp>
-    </p:spTree>
-    <p:extLst>
-      <p:ext uri="{BB962C8B-B14F-4D97-AF65-F5344CB8AC3E}">
-        <p14:creationId xmlns:p14="http://schemas.microsoft.com/office/powerpoint/2010/main" val="3357774551"/>
-      </p:ext>
-    </p:extLst>
-  </p:cSld>
-  <p:clrMapOvr>
-    <a:masterClrMapping/>
-  </p:clrMapOvr>
-  <mc:AlternateContent xmlns:mc="http://schemas.openxmlformats.org/markup-compatibility/2006" xmlns:p14="http://schemas.microsoft.com/office/powerpoint/2010/main">
-    <mc:Choice Requires="p14">
-      <p:transition spd="med" p14:dur="700">
-        <p:fade/>
-      </p:transition>
-    </mc:Choice>
-    <mc:Fallback xmlns="">
-      <p:transition spd="med">
-        <p:fade/>
-      </p:transition>
-    </mc:Fallback>
-  </mc:AlternateContent>
   <p:timing>
     <p:tnLst>
       <p:par>
@@ -10832,9 +11674,14 @@
           <a:lstStyle/>
           <a:p>
             <a:r>
-              <a:rPr lang="zh-CN" dirty="0"/>
-              <a:t>标题和内容版式与列表</a:t>
-            </a:r>
+              <a:rPr lang="en-US" altLang="zh-CN" dirty="0" smtClean="0"/>
+              <a:t>Binder</a:t>
+            </a:r>
+            <a:r>
+              <a:rPr lang="zh-CN" altLang="en-US" dirty="0" smtClean="0"/>
+              <a:t>对数据拷贝的优化</a:t>
+            </a:r>
+            <a:endParaRPr lang="zh-CN" altLang="en-US" dirty="0"/>
           </a:p>
         </p:txBody>
       </p:sp>
@@ -10854,28 +11701,192 @@
           <a:lstStyle/>
           <a:p>
             <a:r>
-              <a:rPr lang="zh-CN" dirty="0"/>
-              <a:t>在此处添加第一个要点</a:t>
-            </a:r>
-          </a:p>
-          <a:p>
-            <a:r>
-              <a:rPr lang="zh-CN" dirty="0"/>
-              <a:t>在此处添加第二个要点</a:t>
-            </a:r>
-          </a:p>
-          <a:p>
-            <a:r>
-              <a:rPr lang="zh-CN" dirty="0"/>
-              <a:t>在此处添加第三个要点</a:t>
-            </a:r>
+              <a:rPr lang="zh-CN" altLang="en-US" dirty="0" smtClean="0"/>
+              <a:t>数据接收端（</a:t>
+            </a:r>
+            <a:r>
+              <a:rPr lang="en-US" altLang="zh-CN" dirty="0"/>
+              <a:t>Server</a:t>
+            </a:r>
+            <a:r>
+              <a:rPr lang="zh-CN" altLang="en-US" dirty="0" smtClean="0"/>
+              <a:t>）的用户空间与内核空间通过</a:t>
+            </a:r>
+            <a:r>
+              <a:rPr lang="en-US" altLang="zh-CN" dirty="0" err="1" smtClean="0"/>
+              <a:t>mmap</a:t>
+            </a:r>
+            <a:r>
+              <a:rPr lang="en-US" altLang="zh-CN" dirty="0" smtClean="0"/>
+              <a:t>()</a:t>
+            </a:r>
+            <a:r>
+              <a:rPr lang="zh-CN" altLang="en-US" dirty="0" smtClean="0"/>
+              <a:t>映射到同一块物理内存，也即数据接收端与内核共享数据</a:t>
+            </a:r>
+            <a:endParaRPr lang="en-US" altLang="zh-CN" dirty="0"/>
+          </a:p>
+          <a:p>
+            <a:r>
+              <a:rPr lang="zh-CN" altLang="en-US" dirty="0" smtClean="0"/>
+              <a:t>用户空间地址和内核空间地址有一个固定的差值，这个差值被记录下来，即</a:t>
+            </a:r>
+            <a:r>
+              <a:rPr lang="en-US" altLang="zh-CN" dirty="0" err="1" smtClean="0">
+                <a:solidFill>
+                  <a:srgbClr val="FF3300"/>
+                </a:solidFill>
+              </a:rPr>
+              <a:t>user_buffer_offset</a:t>
+            </a:r>
+            <a:r>
+              <a:rPr lang="en-US" altLang="zh-CN" dirty="0" smtClean="0">
+                <a:solidFill>
+                  <a:srgbClr val="FF3300"/>
+                </a:solidFill>
+              </a:rPr>
+              <a:t> </a:t>
+            </a:r>
+            <a:r>
+              <a:rPr lang="en-US" altLang="zh-CN" dirty="0">
+                <a:solidFill>
+                  <a:srgbClr val="FF3300"/>
+                </a:solidFill>
+              </a:rPr>
+              <a:t>= </a:t>
+            </a:r>
+            <a:r>
+              <a:rPr lang="zh-CN" altLang="en-US" dirty="0" smtClean="0">
+                <a:solidFill>
+                  <a:srgbClr val="FF3300"/>
+                </a:solidFill>
+              </a:rPr>
+              <a:t>用户空间地址 </a:t>
+            </a:r>
+            <a:r>
+              <a:rPr lang="en-US" altLang="zh-CN" dirty="0" smtClean="0">
+                <a:solidFill>
+                  <a:srgbClr val="FF3300"/>
+                </a:solidFill>
+              </a:rPr>
+              <a:t>– </a:t>
+            </a:r>
+            <a:r>
+              <a:rPr lang="zh-CN" altLang="en-US" dirty="0" smtClean="0">
+                <a:solidFill>
+                  <a:srgbClr val="FF3300"/>
+                </a:solidFill>
+              </a:rPr>
+              <a:t>内核空间地址</a:t>
+            </a:r>
+            <a:endParaRPr lang="en-US" altLang="zh-CN" dirty="0" smtClean="0">
+              <a:solidFill>
+                <a:srgbClr val="FF3300"/>
+              </a:solidFill>
+            </a:endParaRPr>
+          </a:p>
+          <a:p>
+            <a:r>
+              <a:rPr lang="zh-CN" altLang="en-US" dirty="0" smtClean="0"/>
+              <a:t>数据发送端（</a:t>
+            </a:r>
+            <a:r>
+              <a:rPr lang="en-US" altLang="zh-CN" dirty="0" smtClean="0"/>
+              <a:t>Client</a:t>
+            </a:r>
+            <a:r>
+              <a:rPr lang="zh-CN" altLang="en-US" dirty="0" smtClean="0"/>
+              <a:t>端）通过</a:t>
+            </a:r>
+            <a:r>
+              <a:rPr lang="en-US" altLang="zh-CN" dirty="0" err="1" smtClean="0"/>
+              <a:t>copy_from_user</a:t>
+            </a:r>
+            <a:r>
+              <a:rPr lang="en-US" altLang="zh-CN" dirty="0" smtClean="0"/>
+              <a:t>()</a:t>
+            </a:r>
+            <a:r>
+              <a:rPr lang="zh-CN" altLang="en-US" dirty="0" smtClean="0"/>
+              <a:t>函数将数据拷贝到数据接收端的</a:t>
+            </a:r>
+            <a:r>
+              <a:rPr lang="en-US" altLang="zh-CN" dirty="0" smtClean="0"/>
+              <a:t>binder</a:t>
+            </a:r>
+            <a:r>
+              <a:rPr lang="zh-CN" altLang="en-US" dirty="0" smtClean="0"/>
+              <a:t>内核缓存区</a:t>
+            </a:r>
+            <a:endParaRPr lang="en-US" altLang="zh-CN" dirty="0" smtClean="0"/>
+          </a:p>
+          <a:p>
+            <a:r>
+              <a:rPr lang="zh-CN" altLang="en-US" dirty="0" smtClean="0">
+                <a:solidFill>
+                  <a:srgbClr val="FF3300"/>
+                </a:solidFill>
+              </a:rPr>
+              <a:t>用户空间地址</a:t>
+            </a:r>
+            <a:r>
+              <a:rPr lang="en-US" altLang="zh-CN" dirty="0" smtClean="0">
+                <a:solidFill>
+                  <a:srgbClr val="FF3300"/>
+                </a:solidFill>
+              </a:rPr>
+              <a:t> </a:t>
+            </a:r>
+            <a:r>
+              <a:rPr lang="en-US" altLang="zh-CN" dirty="0">
+                <a:solidFill>
+                  <a:srgbClr val="FF3300"/>
+                </a:solidFill>
+              </a:rPr>
+              <a:t>= </a:t>
+            </a:r>
+            <a:r>
+              <a:rPr lang="zh-CN" altLang="en-US" dirty="0" smtClean="0">
+                <a:solidFill>
+                  <a:srgbClr val="FF3300"/>
+                </a:solidFill>
+              </a:rPr>
+              <a:t>内核空间地址 </a:t>
+            </a:r>
+            <a:r>
+              <a:rPr lang="en-US" altLang="zh-CN" dirty="0" smtClean="0">
+                <a:solidFill>
+                  <a:srgbClr val="FF3300"/>
+                </a:solidFill>
+              </a:rPr>
+              <a:t>+ </a:t>
+            </a:r>
+            <a:r>
+              <a:rPr lang="en-US" altLang="zh-CN" dirty="0" err="1">
+                <a:solidFill>
+                  <a:srgbClr val="FF3300"/>
+                </a:solidFill>
+              </a:rPr>
+              <a:t>user_buffer_offset</a:t>
+            </a:r>
+            <a:endParaRPr lang="en-US" altLang="zh-CN" dirty="0">
+              <a:solidFill>
+                <a:srgbClr val="FF3300"/>
+              </a:solidFill>
+            </a:endParaRPr>
+          </a:p>
+          <a:p>
+            <a:endParaRPr lang="en-US" altLang="zh-CN" dirty="0" smtClean="0"/>
+          </a:p>
+          <a:p>
+            <a:endParaRPr lang="zh-CN" altLang="en-US" dirty="0"/>
           </a:p>
         </p:txBody>
       </p:sp>
     </p:spTree>
     <p:extLst>
       <p:ext uri="{BB962C8B-B14F-4D97-AF65-F5344CB8AC3E}">
-        <p14:creationId xmlns:p14="http://schemas.microsoft.com/office/powerpoint/2010/main" val="3374295295"/>
+        <p14:creationId xmlns:p14="http://schemas.microsoft.com/office/powerpoint/2010/main" val="2917830662"/>
       </p:ext>
     </p:extLst>
   </p:cSld>

--- a/技术分享.pptx
+++ b/技术分享.pptx
@@ -5,10 +5,10 @@
     <p:sldMasterId id="2147483840" r:id="rId2"/>
   </p:sldMasterIdLst>
   <p:notesMasterIdLst>
-    <p:notesMasterId r:id="rId28"/>
+    <p:notesMasterId r:id="rId30"/>
   </p:notesMasterIdLst>
   <p:handoutMasterIdLst>
-    <p:handoutMasterId r:id="rId29"/>
+    <p:handoutMasterId r:id="rId31"/>
   </p:handoutMasterIdLst>
   <p:sldIdLst>
     <p:sldId id="256" r:id="rId3"/>
@@ -26,16 +26,18 @@
     <p:sldId id="280" r:id="rId15"/>
     <p:sldId id="278" r:id="rId16"/>
     <p:sldId id="279" r:id="rId17"/>
-    <p:sldId id="271" r:id="rId18"/>
-    <p:sldId id="258" r:id="rId19"/>
-    <p:sldId id="266" r:id="rId20"/>
-    <p:sldId id="260" r:id="rId21"/>
-    <p:sldId id="259" r:id="rId22"/>
-    <p:sldId id="261" r:id="rId23"/>
-    <p:sldId id="262" r:id="rId24"/>
-    <p:sldId id="263" r:id="rId25"/>
-    <p:sldId id="264" r:id="rId26"/>
-    <p:sldId id="265" r:id="rId27"/>
+    <p:sldId id="281" r:id="rId18"/>
+    <p:sldId id="282" r:id="rId19"/>
+    <p:sldId id="271" r:id="rId20"/>
+    <p:sldId id="258" r:id="rId21"/>
+    <p:sldId id="266" r:id="rId22"/>
+    <p:sldId id="260" r:id="rId23"/>
+    <p:sldId id="259" r:id="rId24"/>
+    <p:sldId id="261" r:id="rId25"/>
+    <p:sldId id="262" r:id="rId26"/>
+    <p:sldId id="263" r:id="rId27"/>
+    <p:sldId id="264" r:id="rId28"/>
+    <p:sldId id="265" r:id="rId29"/>
   </p:sldIdLst>
   <p:sldSz cx="12192000" cy="6858000"/>
   <p:notesSz cx="6858000" cy="9144000"/>
@@ -8265,7 +8267,7 @@
               <a:pPr/>
               <a:t>‹#›</a:t>
             </a:fld>
-            <a:endParaRPr lang="en-US" altLang="zh-CN"/>
+            <a:endParaRPr lang="en-US" altLang="zh-CN" dirty="0"/>
           </a:p>
         </p:txBody>
       </p:sp>
@@ -8986,12 +8988,8 @@
               <a:t>阻塞线程：</a:t>
             </a:r>
             <a:r>
-              <a:rPr lang="en-US" altLang="zh-CN" dirty="0" err="1" smtClean="0"/>
-              <a:t>wait_event_interruptible</a:t>
-            </a:r>
-            <a:r>
               <a:rPr lang="en-US" altLang="zh-CN" dirty="0" smtClean="0"/>
-              <a:t>(wait_queue_head_t </a:t>
+              <a:t>wait_event_interruptible(wait_queue_head_t </a:t>
             </a:r>
             <a:r>
               <a:rPr lang="zh-CN" altLang="en-US" dirty="0" smtClean="0"/>
@@ -9016,20 +9014,8 @@
               <a:t>唤醒线程：</a:t>
             </a:r>
             <a:r>
-              <a:rPr lang="en-US" altLang="zh-CN" dirty="0" err="1"/>
-              <a:t>wake_up_interruptible</a:t>
-            </a:r>
-            <a:r>
               <a:rPr lang="en-US" altLang="zh-CN" dirty="0"/>
-              <a:t>(</a:t>
-            </a:r>
-            <a:r>
-              <a:rPr lang="en-US" altLang="zh-CN" dirty="0" err="1"/>
-              <a:t>wait_queue_head_t</a:t>
-            </a:r>
-            <a:r>
-              <a:rPr lang="en-US" altLang="zh-CN" dirty="0"/>
-              <a:t> *queue</a:t>
+              <a:t>wake_up_interruptible(wait_queue_head_t *queue</a:t>
             </a:r>
             <a:r>
               <a:rPr lang="en-US" altLang="zh-CN" dirty="0" smtClean="0"/>
@@ -9054,7 +9040,7 @@
               <a:t>中的</a:t>
             </a:r>
             <a:r>
-              <a:rPr lang="en-US" altLang="zh-CN" dirty="0" err="1"/>
+              <a:rPr lang="en-US" altLang="zh-CN" dirty="0"/>
               <a:t>ArrayBlockingQueue</a:t>
             </a:r>
             <a:endParaRPr lang="zh-CN" dirty="0"/>
@@ -9187,22 +9173,42 @@
               <a:buAutoNum type="arabicPeriod"/>
             </a:pPr>
             <a:r>
-              <a:rPr lang="en-US" altLang="zh-CN" dirty="0" smtClean="0"/>
+              <a:rPr lang="en-US" altLang="zh-CN" dirty="0" smtClean="0">
+                <a:solidFill>
+                  <a:srgbClr val="FF9900"/>
+                </a:solidFill>
+              </a:rPr>
               <a:t>open() – </a:t>
             </a:r>
             <a:r>
-              <a:rPr lang="zh-CN" altLang="en-US" dirty="0" smtClean="0"/>
+              <a:rPr lang="zh-CN" altLang="en-US" dirty="0" smtClean="0">
+                <a:solidFill>
+                  <a:srgbClr val="FF9900"/>
+                </a:solidFill>
+              </a:rPr>
               <a:t>打开</a:t>
             </a:r>
             <a:r>
-              <a:rPr lang="en-US" altLang="zh-CN" dirty="0" smtClean="0"/>
+              <a:rPr lang="en-US" altLang="zh-CN" dirty="0" smtClean="0">
+                <a:solidFill>
+                  <a:srgbClr val="FF9900"/>
+                </a:solidFill>
+              </a:rPr>
               <a:t>binder</a:t>
             </a:r>
             <a:r>
-              <a:rPr lang="zh-CN" altLang="en-US" dirty="0" smtClean="0"/>
+              <a:rPr lang="zh-CN" altLang="en-US" dirty="0" smtClean="0">
+                <a:solidFill>
+                  <a:srgbClr val="FF9900"/>
+                </a:solidFill>
+              </a:rPr>
               <a:t>驱动</a:t>
             </a:r>
-            <a:endParaRPr lang="en-US" altLang="zh-CN" dirty="0" smtClean="0"/>
+            <a:endParaRPr lang="en-US" altLang="zh-CN" dirty="0" smtClean="0">
+              <a:solidFill>
+                <a:srgbClr val="FF9900"/>
+              </a:solidFill>
+            </a:endParaRPr>
           </a:p>
           <a:p>
             <a:pPr marL="502920" indent="-457200">
@@ -9210,18 +9216,26 @@
               <a:buAutoNum type="arabicPeriod"/>
             </a:pPr>
             <a:r>
-              <a:rPr lang="en-US" altLang="zh-CN" dirty="0" err="1" smtClean="0"/>
-              <a:t>mmap</a:t>
-            </a:r>
-            <a:r>
-              <a:rPr lang="en-US" altLang="zh-CN" dirty="0" smtClean="0"/>
-              <a:t>() – </a:t>
-            </a:r>
-            <a:r>
-              <a:rPr lang="zh-CN" altLang="en-US" dirty="0" smtClean="0"/>
+              <a:rPr lang="en-US" altLang="zh-CN" dirty="0" smtClean="0">
+                <a:solidFill>
+                  <a:srgbClr val="FF9900"/>
+                </a:solidFill>
+              </a:rPr>
+              <a:t>mmap() – </a:t>
+            </a:r>
+            <a:r>
+              <a:rPr lang="zh-CN" altLang="en-US" dirty="0" smtClean="0">
+                <a:solidFill>
+                  <a:srgbClr val="FF9900"/>
+                </a:solidFill>
+              </a:rPr>
               <a:t>分配内核缓存区，并进行内存映射</a:t>
             </a:r>
-            <a:endParaRPr lang="en-US" altLang="zh-CN" dirty="0" smtClean="0"/>
+            <a:endParaRPr lang="en-US" altLang="zh-CN" dirty="0" smtClean="0">
+              <a:solidFill>
+                <a:srgbClr val="FF9900"/>
+              </a:solidFill>
+            </a:endParaRPr>
           </a:p>
           <a:p>
             <a:pPr marL="502920" indent="-457200">
@@ -9229,18 +9243,26 @@
               <a:buAutoNum type="arabicPeriod"/>
             </a:pPr>
             <a:r>
-              <a:rPr lang="en-US" altLang="zh-CN" dirty="0" err="1" smtClean="0"/>
-              <a:t>ioctl</a:t>
-            </a:r>
-            <a:r>
-              <a:rPr lang="en-US" altLang="zh-CN" dirty="0" smtClean="0"/>
-              <a:t>() – </a:t>
-            </a:r>
-            <a:r>
-              <a:rPr lang="zh-CN" altLang="en-US" dirty="0" smtClean="0"/>
+              <a:rPr lang="en-US" altLang="zh-CN" dirty="0" smtClean="0">
+                <a:solidFill>
+                  <a:srgbClr val="FF9900"/>
+                </a:solidFill>
+              </a:rPr>
+              <a:t>ioctl() – </a:t>
+            </a:r>
+            <a:r>
+              <a:rPr lang="zh-CN" altLang="en-US" dirty="0" smtClean="0">
+                <a:solidFill>
+                  <a:srgbClr val="FF9900"/>
+                </a:solidFill>
+              </a:rPr>
               <a:t>进行数据读写</a:t>
             </a:r>
-            <a:endParaRPr lang="en-US" altLang="zh-CN" dirty="0" smtClean="0"/>
+            <a:endParaRPr lang="en-US" altLang="zh-CN" dirty="0" smtClean="0">
+              <a:solidFill>
+                <a:srgbClr val="FF9900"/>
+              </a:solidFill>
+            </a:endParaRPr>
           </a:p>
           <a:p>
             <a:pPr marL="502920" indent="-457200">
@@ -9332,6 +9354,13 @@
       </p:transition>
     </mc:Fallback>
   </mc:AlternateContent>
+  <p:timing>
+    <p:tnLst>
+      <p:par>
+        <p:cTn id="1" dur="indefinite" restart="never" nodeType="tmRoot"/>
+      </p:par>
+    </p:tnLst>
+  </p:timing>
 </p:sld>
 </file>
 
@@ -9398,6 +9427,13 @@
       </p:transition>
     </mc:Fallback>
   </mc:AlternateContent>
+  <p:timing>
+    <p:tnLst>
+      <p:par>
+        <p:cTn id="1" dur="indefinite" restart="never" nodeType="tmRoot"/>
+      </p:par>
+    </p:tnLst>
+  </p:timing>
 </p:sld>
 </file>
 
@@ -9464,6 +9500,13 @@
       </p:transition>
     </mc:Fallback>
   </mc:AlternateContent>
+  <p:timing>
+    <p:tnLst>
+      <p:par>
+        <p:cTn id="1" dur="indefinite" restart="never" nodeType="tmRoot"/>
+      </p:par>
+    </p:tnLst>
+  </p:timing>
 </p:sld>
 </file>
 
@@ -9500,6 +9543,262 @@
           <a:lstStyle/>
           <a:p>
             <a:r>
+              <a:rPr lang="en-US" altLang="zh-CN" dirty="0" smtClean="0"/>
+              <a:t>binder_open()</a:t>
+            </a:r>
+            <a:endParaRPr lang="zh-CN" altLang="en-US" dirty="0"/>
+          </a:p>
+        </p:txBody>
+      </p:sp>
+      <p:sp>
+        <p:nvSpPr>
+          <p:cNvPr id="3" name="内容占位符 2"/>
+          <p:cNvSpPr>
+            <a:spLocks noGrp="1"/>
+          </p:cNvSpPr>
+          <p:nvPr>
+            <p:ph idx="1"/>
+          </p:nvPr>
+        </p:nvSpPr>
+        <p:spPr/>
+        <p:txBody>
+          <a:bodyPr/>
+          <a:lstStyle/>
+          <a:p>
+            <a:r>
+              <a:rPr lang="zh-CN" altLang="en-US" dirty="0" smtClean="0"/>
+              <a:t>做了三件事：</a:t>
+            </a:r>
+            <a:endParaRPr lang="en-US" altLang="zh-CN" dirty="0" smtClean="0"/>
+          </a:p>
+          <a:p>
+            <a:pPr marL="502920" indent="-457200">
+              <a:buFont typeface="+mj-lt"/>
+              <a:buAutoNum type="arabicPeriod"/>
+            </a:pPr>
+            <a:r>
+              <a:rPr lang="zh-CN" altLang="en-US" dirty="0" smtClean="0"/>
+              <a:t>创建</a:t>
+            </a:r>
+            <a:r>
+              <a:rPr lang="en-US" altLang="zh-CN" dirty="0" smtClean="0"/>
+              <a:t>binder_proc</a:t>
+            </a:r>
+            <a:r>
+              <a:rPr lang="zh-CN" altLang="en-US" dirty="0" smtClean="0"/>
+              <a:t>结构体，用于记录进程的相关信息</a:t>
+            </a:r>
+            <a:endParaRPr lang="en-US" altLang="zh-CN" dirty="0" smtClean="0"/>
+          </a:p>
+          <a:p>
+            <a:pPr marL="502920" indent="-457200">
+              <a:buFont typeface="+mj-lt"/>
+              <a:buAutoNum type="arabicPeriod"/>
+            </a:pPr>
+            <a:r>
+              <a:rPr lang="zh-CN" altLang="en-US" dirty="0" smtClean="0"/>
+              <a:t>初始化</a:t>
+            </a:r>
+            <a:r>
+              <a:rPr lang="en-US" altLang="zh-CN" dirty="0" smtClean="0"/>
+              <a:t>binder_proc</a:t>
+            </a:r>
+            <a:r>
+              <a:rPr lang="zh-CN" altLang="en-US" dirty="0" smtClean="0"/>
+              <a:t>的成员变量</a:t>
+            </a:r>
+            <a:endParaRPr lang="en-US" altLang="zh-CN" dirty="0" smtClean="0"/>
+          </a:p>
+          <a:p>
+            <a:pPr marL="502920" indent="-457200">
+              <a:buFont typeface="+mj-lt"/>
+              <a:buAutoNum type="arabicPeriod"/>
+            </a:pPr>
+            <a:r>
+              <a:rPr lang="zh-CN" altLang="en-US" dirty="0" smtClean="0"/>
+              <a:t>将</a:t>
+            </a:r>
+            <a:r>
+              <a:rPr lang="en-US" altLang="zh-CN" dirty="0" smtClean="0"/>
+              <a:t>binder_proc</a:t>
+            </a:r>
+            <a:r>
+              <a:rPr lang="zh-CN" altLang="en-US" dirty="0" smtClean="0"/>
+              <a:t>保存到内核的</a:t>
+            </a:r>
+            <a:r>
+              <a:rPr lang="en-US" altLang="zh-CN" dirty="0"/>
+              <a:t>filp-&gt;</a:t>
+            </a:r>
+            <a:r>
+              <a:rPr lang="en-US" altLang="zh-CN" dirty="0" smtClean="0"/>
+              <a:t>private_data</a:t>
+            </a:r>
+            <a:r>
+              <a:rPr lang="zh-CN" altLang="en-US" dirty="0" smtClean="0"/>
+              <a:t>文件指针当中，以便在</a:t>
+            </a:r>
+            <a:r>
+              <a:rPr lang="en-US" altLang="zh-CN" dirty="0" smtClean="0"/>
+              <a:t>binder_mmap() </a:t>
+            </a:r>
+            <a:r>
+              <a:rPr lang="zh-CN" altLang="en-US" dirty="0" smtClean="0"/>
+              <a:t>和</a:t>
+            </a:r>
+            <a:r>
+              <a:rPr lang="en-US" altLang="zh-CN" dirty="0" smtClean="0"/>
+              <a:t>binder_ioctl()</a:t>
+            </a:r>
+            <a:r>
+              <a:rPr lang="zh-CN" altLang="en-US" dirty="0" smtClean="0"/>
+              <a:t>中取用</a:t>
+            </a:r>
+            <a:endParaRPr lang="en-US" altLang="zh-CN" dirty="0"/>
+          </a:p>
+          <a:p>
+            <a:endParaRPr lang="zh-CN" altLang="en-US" dirty="0"/>
+          </a:p>
+        </p:txBody>
+      </p:sp>
+    </p:spTree>
+    <p:extLst>
+      <p:ext uri="{BB962C8B-B14F-4D97-AF65-F5344CB8AC3E}">
+        <p14:creationId xmlns:p14="http://schemas.microsoft.com/office/powerpoint/2010/main" val="328834235"/>
+      </p:ext>
+    </p:extLst>
+  </p:cSld>
+  <p:clrMapOvr>
+    <a:masterClrMapping/>
+  </p:clrMapOvr>
+  <mc:AlternateContent xmlns:mc="http://schemas.openxmlformats.org/markup-compatibility/2006" xmlns:p14="http://schemas.microsoft.com/office/powerpoint/2010/main">
+    <mc:Choice Requires="p14">
+      <p:transition spd="med" p14:dur="700">
+        <p:fade/>
+      </p:transition>
+    </mc:Choice>
+    <mc:Fallback xmlns="">
+      <p:transition spd="med">
+        <p:fade/>
+      </p:transition>
+    </mc:Fallback>
+  </mc:AlternateContent>
+  <p:timing>
+    <p:tnLst>
+      <p:par>
+        <p:cTn id="1" dur="indefinite" restart="never" nodeType="tmRoot"/>
+      </p:par>
+    </p:tnLst>
+  </p:timing>
+</p:sld>
+</file>
+
+<file path=ppt/slides/slide17.xml><?xml version="1.0" encoding="utf-8"?>
+<p:sld xmlns:a="http://schemas.openxmlformats.org/drawingml/2006/main" xmlns:r="http://schemas.openxmlformats.org/officeDocument/2006/relationships" xmlns:p="http://schemas.openxmlformats.org/presentationml/2006/main">
+  <p:cSld>
+    <p:spTree>
+      <p:nvGrpSpPr>
+        <p:cNvPr id="1" name=""/>
+        <p:cNvGrpSpPr/>
+        <p:nvPr/>
+      </p:nvGrpSpPr>
+      <p:grpSpPr>
+        <a:xfrm>
+          <a:off x="0" y="0"/>
+          <a:ext cx="0" cy="0"/>
+          <a:chOff x="0" y="0"/>
+          <a:chExt cx="0" cy="0"/>
+        </a:xfrm>
+      </p:grpSpPr>
+      <p:pic>
+        <p:nvPicPr>
+          <p:cNvPr id="6" name="图片 5"/>
+          <p:cNvPicPr>
+            <a:picLocks noChangeAspect="1"/>
+          </p:cNvPicPr>
+          <p:nvPr/>
+        </p:nvPicPr>
+        <p:blipFill>
+          <a:blip r:embed="rId2"/>
+          <a:stretch>
+            <a:fillRect/>
+          </a:stretch>
+        </p:blipFill>
+        <p:spPr>
+          <a:xfrm>
+            <a:off x="0" y="-1"/>
+            <a:ext cx="12192000" cy="7064523"/>
+          </a:xfrm>
+          <a:prstGeom prst="rect">
+            <a:avLst/>
+          </a:prstGeom>
+        </p:spPr>
+      </p:pic>
+    </p:spTree>
+    <p:extLst>
+      <p:ext uri="{BB962C8B-B14F-4D97-AF65-F5344CB8AC3E}">
+        <p14:creationId xmlns:p14="http://schemas.microsoft.com/office/powerpoint/2010/main" val="2503198152"/>
+      </p:ext>
+    </p:extLst>
+  </p:cSld>
+  <p:clrMapOvr>
+    <a:masterClrMapping/>
+  </p:clrMapOvr>
+  <mc:AlternateContent xmlns:mc="http://schemas.openxmlformats.org/markup-compatibility/2006" xmlns:p14="http://schemas.microsoft.com/office/powerpoint/2010/main">
+    <mc:Choice Requires="p14">
+      <p:transition spd="med" p14:dur="700">
+        <p:fade/>
+      </p:transition>
+    </mc:Choice>
+    <mc:Fallback xmlns="">
+      <p:transition spd="med">
+        <p:fade/>
+      </p:transition>
+    </mc:Fallback>
+  </mc:AlternateContent>
+  <p:timing>
+    <p:tnLst>
+      <p:par>
+        <p:cTn id="1" dur="indefinite" restart="never" nodeType="tmRoot"/>
+      </p:par>
+    </p:tnLst>
+  </p:timing>
+</p:sld>
+</file>
+
+<file path=ppt/slides/slide18.xml><?xml version="1.0" encoding="utf-8"?>
+<p:sld xmlns:a="http://schemas.openxmlformats.org/drawingml/2006/main" xmlns:r="http://schemas.openxmlformats.org/officeDocument/2006/relationships" xmlns:p="http://schemas.openxmlformats.org/presentationml/2006/main">
+  <p:cSld>
+    <p:spTree>
+      <p:nvGrpSpPr>
+        <p:cNvPr id="1" name=""/>
+        <p:cNvGrpSpPr/>
+        <p:nvPr/>
+      </p:nvGrpSpPr>
+      <p:grpSpPr>
+        <a:xfrm>
+          <a:off x="0" y="0"/>
+          <a:ext cx="0" cy="0"/>
+          <a:chOff x="0" y="0"/>
+          <a:chExt cx="0" cy="0"/>
+        </a:xfrm>
+      </p:grpSpPr>
+      <p:sp>
+        <p:nvSpPr>
+          <p:cNvPr id="2" name="标题 1"/>
+          <p:cNvSpPr>
+            <a:spLocks noGrp="1"/>
+          </p:cNvSpPr>
+          <p:nvPr>
+            <p:ph type="title"/>
+          </p:nvPr>
+        </p:nvSpPr>
+        <p:spPr/>
+        <p:txBody>
+          <a:bodyPr/>
+          <a:lstStyle/>
+          <a:p>
+            <a:r>
               <a:rPr lang="zh-CN" dirty="0"/>
               <a:t>标题和内容版式与列表</a:t>
             </a:r>
@@ -9572,7 +9871,7 @@
 </p:sld>
 </file>
 
-<file path=ppt/slides/slide17.xml><?xml version="1.0" encoding="utf-8"?>
+<file path=ppt/slides/slide19.xml><?xml version="1.0" encoding="utf-8"?>
 <p:sld xmlns:a="http://schemas.openxmlformats.org/drawingml/2006/main" xmlns:r="http://schemas.openxmlformats.org/officeDocument/2006/relationships" xmlns:p="http://schemas.openxmlformats.org/presentationml/2006/main">
   <p:cSld>
     <p:spTree>
@@ -9668,7 +9967,160 @@
 </p:sld>
 </file>
 
-<file path=ppt/slides/slide18.xml><?xml version="1.0" encoding="utf-8"?>
+<file path=ppt/slides/slide2.xml><?xml version="1.0" encoding="utf-8"?>
+<p:sld xmlns:a="http://schemas.openxmlformats.org/drawingml/2006/main" xmlns:r="http://schemas.openxmlformats.org/officeDocument/2006/relationships" xmlns:p="http://schemas.openxmlformats.org/presentationml/2006/main">
+  <p:cSld>
+    <p:spTree>
+      <p:nvGrpSpPr>
+        <p:cNvPr id="1" name=""/>
+        <p:cNvGrpSpPr/>
+        <p:nvPr/>
+      </p:nvGrpSpPr>
+      <p:grpSpPr>
+        <a:xfrm>
+          <a:off x="0" y="0"/>
+          <a:ext cx="0" cy="0"/>
+          <a:chOff x="0" y="0"/>
+          <a:chExt cx="0" cy="0"/>
+        </a:xfrm>
+      </p:grpSpPr>
+      <p:sp>
+        <p:nvSpPr>
+          <p:cNvPr id="2" name="标题 1"/>
+          <p:cNvSpPr>
+            <a:spLocks noGrp="1"/>
+          </p:cNvSpPr>
+          <p:nvPr>
+            <p:ph type="title"/>
+          </p:nvPr>
+        </p:nvSpPr>
+        <p:spPr/>
+        <p:txBody>
+          <a:bodyPr/>
+          <a:lstStyle/>
+          <a:p>
+            <a:r>
+              <a:rPr lang="en-US" altLang="zh-CN" dirty="0" smtClean="0"/>
+              <a:t>Binder</a:t>
+            </a:r>
+            <a:r>
+              <a:rPr lang="zh-CN" altLang="en-US" dirty="0" smtClean="0"/>
+              <a:t>通信机制特点</a:t>
+            </a:r>
+            <a:endParaRPr lang="zh-CN" altLang="en-US" dirty="0"/>
+          </a:p>
+        </p:txBody>
+      </p:sp>
+      <p:sp>
+        <p:nvSpPr>
+          <p:cNvPr id="3" name="内容占位符 2"/>
+          <p:cNvSpPr>
+            <a:spLocks noGrp="1"/>
+          </p:cNvSpPr>
+          <p:nvPr>
+            <p:ph idx="1"/>
+          </p:nvPr>
+        </p:nvSpPr>
+        <p:spPr/>
+        <p:txBody>
+          <a:bodyPr/>
+          <a:lstStyle/>
+          <a:p>
+            <a:r>
+              <a:rPr lang="zh-CN" altLang="en-US" dirty="0" smtClean="0"/>
+              <a:t>高效。进程直接的数据传输只需一次内存拷贝</a:t>
+            </a:r>
+            <a:endParaRPr lang="en-US" altLang="zh-CN" dirty="0" smtClean="0"/>
+          </a:p>
+          <a:p>
+            <a:r>
+              <a:rPr lang="zh-CN" altLang="en-US" dirty="0" smtClean="0"/>
+              <a:t>安全。通信数据携带</a:t>
+            </a:r>
+            <a:r>
+              <a:rPr lang="en-US" altLang="zh-CN" dirty="0" smtClean="0"/>
+              <a:t>pid</a:t>
+            </a:r>
+            <a:r>
+              <a:rPr lang="zh-CN" altLang="en-US" dirty="0" smtClean="0"/>
+              <a:t>和</a:t>
+            </a:r>
+            <a:r>
+              <a:rPr lang="en-US" altLang="zh-CN" dirty="0" smtClean="0"/>
+              <a:t>uid</a:t>
+            </a:r>
+            <a:r>
+              <a:rPr lang="zh-CN" altLang="en-US" dirty="0" smtClean="0"/>
+              <a:t>，方便接收进程做权限控制</a:t>
+            </a:r>
+            <a:endParaRPr lang="en-US" altLang="zh-CN" dirty="0" smtClean="0"/>
+          </a:p>
+          <a:p>
+            <a:r>
+              <a:rPr lang="zh-CN" altLang="en-US" dirty="0" smtClean="0"/>
+              <a:t>面向对象。提供了一种进程间</a:t>
+            </a:r>
+            <a:r>
+              <a:rPr lang="en-US" altLang="zh-CN" dirty="0" smtClean="0"/>
+              <a:t>RPC</a:t>
+            </a:r>
+            <a:r>
+              <a:rPr lang="zh-CN" altLang="en-US" dirty="0" smtClean="0"/>
+              <a:t>（</a:t>
+            </a:r>
+            <a:r>
+              <a:rPr lang="en-US" altLang="zh-CN" dirty="0" smtClean="0"/>
+              <a:t>Remote </a:t>
+            </a:r>
+            <a:r>
+              <a:rPr lang="en-US" altLang="zh-CN" dirty="0"/>
+              <a:t>Procedure </a:t>
+            </a:r>
+            <a:r>
+              <a:rPr lang="en-US" altLang="zh-CN" dirty="0" smtClean="0"/>
+              <a:t>Call</a:t>
+            </a:r>
+            <a:r>
+              <a:rPr lang="zh-CN" altLang="en-US" dirty="0" smtClean="0"/>
+              <a:t>）机制</a:t>
+            </a:r>
+            <a:endParaRPr lang="zh-CN" altLang="en-US" dirty="0"/>
+          </a:p>
+        </p:txBody>
+      </p:sp>
+    </p:spTree>
+    <p:extLst>
+      <p:ext uri="{BB962C8B-B14F-4D97-AF65-F5344CB8AC3E}">
+        <p14:creationId xmlns:p14="http://schemas.microsoft.com/office/powerpoint/2010/main" val="1943903244"/>
+      </p:ext>
+    </p:extLst>
+  </p:cSld>
+  <p:clrMapOvr>
+    <a:masterClrMapping/>
+  </p:clrMapOvr>
+  <mc:AlternateContent xmlns:mc="http://schemas.openxmlformats.org/markup-compatibility/2006" xmlns:p14="http://schemas.microsoft.com/office/powerpoint/2010/main">
+    <mc:Choice Requires="p14">
+      <p:transition spd="med" p14:dur="700">
+        <p:fade/>
+      </p:transition>
+    </mc:Choice>
+    <mc:Fallback xmlns="">
+      <p:transition spd="med">
+        <p:fade/>
+      </p:transition>
+    </mc:Fallback>
+  </mc:AlternateContent>
+  <p:timing>
+    <p:tnLst>
+      <p:par>
+        <p:cTn id="1" dur="indefinite" restart="never" nodeType="tmRoot"/>
+      </p:par>
+    </p:tnLst>
+  </p:timing>
+</p:sld>
+</file>
+
+<file path=ppt/slides/slide20.xml><?xml version="1.0" encoding="utf-8"?>
 <p:sld xmlns:a="http://schemas.openxmlformats.org/drawingml/2006/main" xmlns:r="http://schemas.openxmlformats.org/officeDocument/2006/relationships" xmlns:p="http://schemas.openxmlformats.org/presentationml/2006/main">
   <p:cSld>
     <p:spTree>
@@ -9786,7 +10238,7 @@
 </p:sld>
 </file>
 
-<file path=ppt/slides/slide19.xml><?xml version="1.0" encoding="utf-8"?>
+<file path=ppt/slides/slide21.xml><?xml version="1.0" encoding="utf-8"?>
 <p:sld xmlns:a="http://schemas.openxmlformats.org/drawingml/2006/main" xmlns:r="http://schemas.openxmlformats.org/officeDocument/2006/relationships" xmlns:p="http://schemas.openxmlformats.org/presentationml/2006/main">
   <p:cSld>
     <p:spTree>
@@ -10168,160 +10620,7 @@
 </p:sld>
 </file>
 
-<file path=ppt/slides/slide2.xml><?xml version="1.0" encoding="utf-8"?>
-<p:sld xmlns:a="http://schemas.openxmlformats.org/drawingml/2006/main" xmlns:r="http://schemas.openxmlformats.org/officeDocument/2006/relationships" xmlns:p="http://schemas.openxmlformats.org/presentationml/2006/main">
-  <p:cSld>
-    <p:spTree>
-      <p:nvGrpSpPr>
-        <p:cNvPr id="1" name=""/>
-        <p:cNvGrpSpPr/>
-        <p:nvPr/>
-      </p:nvGrpSpPr>
-      <p:grpSpPr>
-        <a:xfrm>
-          <a:off x="0" y="0"/>
-          <a:ext cx="0" cy="0"/>
-          <a:chOff x="0" y="0"/>
-          <a:chExt cx="0" cy="0"/>
-        </a:xfrm>
-      </p:grpSpPr>
-      <p:sp>
-        <p:nvSpPr>
-          <p:cNvPr id="2" name="标题 1"/>
-          <p:cNvSpPr>
-            <a:spLocks noGrp="1"/>
-          </p:cNvSpPr>
-          <p:nvPr>
-            <p:ph type="title"/>
-          </p:nvPr>
-        </p:nvSpPr>
-        <p:spPr/>
-        <p:txBody>
-          <a:bodyPr/>
-          <a:lstStyle/>
-          <a:p>
-            <a:r>
-              <a:rPr lang="en-US" altLang="zh-CN" dirty="0" smtClean="0"/>
-              <a:t>Binder</a:t>
-            </a:r>
-            <a:r>
-              <a:rPr lang="zh-CN" altLang="en-US" dirty="0" smtClean="0"/>
-              <a:t>通信机制特点</a:t>
-            </a:r>
-            <a:endParaRPr lang="zh-CN" altLang="en-US" dirty="0"/>
-          </a:p>
-        </p:txBody>
-      </p:sp>
-      <p:sp>
-        <p:nvSpPr>
-          <p:cNvPr id="3" name="内容占位符 2"/>
-          <p:cNvSpPr>
-            <a:spLocks noGrp="1"/>
-          </p:cNvSpPr>
-          <p:nvPr>
-            <p:ph idx="1"/>
-          </p:nvPr>
-        </p:nvSpPr>
-        <p:spPr/>
-        <p:txBody>
-          <a:bodyPr/>
-          <a:lstStyle/>
-          <a:p>
-            <a:r>
-              <a:rPr lang="zh-CN" altLang="en-US" dirty="0" smtClean="0"/>
-              <a:t>高效。进程直接的数据传输只需一次内存拷贝</a:t>
-            </a:r>
-            <a:endParaRPr lang="en-US" altLang="zh-CN" dirty="0" smtClean="0"/>
-          </a:p>
-          <a:p>
-            <a:r>
-              <a:rPr lang="zh-CN" altLang="en-US" dirty="0" smtClean="0"/>
-              <a:t>安全。通信数据携带</a:t>
-            </a:r>
-            <a:r>
-              <a:rPr lang="en-US" altLang="zh-CN" dirty="0" err="1" smtClean="0"/>
-              <a:t>pid</a:t>
-            </a:r>
-            <a:r>
-              <a:rPr lang="zh-CN" altLang="en-US" dirty="0" smtClean="0"/>
-              <a:t>和</a:t>
-            </a:r>
-            <a:r>
-              <a:rPr lang="en-US" altLang="zh-CN" dirty="0" err="1" smtClean="0"/>
-              <a:t>uid</a:t>
-            </a:r>
-            <a:r>
-              <a:rPr lang="zh-CN" altLang="en-US" dirty="0" smtClean="0"/>
-              <a:t>，方便接收进程做权限控制</a:t>
-            </a:r>
-            <a:endParaRPr lang="en-US" altLang="zh-CN" dirty="0" smtClean="0"/>
-          </a:p>
-          <a:p>
-            <a:r>
-              <a:rPr lang="zh-CN" altLang="en-US" dirty="0" smtClean="0"/>
-              <a:t>面向对象。提供了一种进程间</a:t>
-            </a:r>
-            <a:r>
-              <a:rPr lang="en-US" altLang="zh-CN" dirty="0" smtClean="0"/>
-              <a:t>RPC</a:t>
-            </a:r>
-            <a:r>
-              <a:rPr lang="zh-CN" altLang="en-US" dirty="0" smtClean="0"/>
-              <a:t>（</a:t>
-            </a:r>
-            <a:r>
-              <a:rPr lang="en-US" altLang="zh-CN" dirty="0" smtClean="0"/>
-              <a:t>Remote </a:t>
-            </a:r>
-            <a:r>
-              <a:rPr lang="en-US" altLang="zh-CN" dirty="0"/>
-              <a:t>Procedure </a:t>
-            </a:r>
-            <a:r>
-              <a:rPr lang="en-US" altLang="zh-CN" dirty="0" smtClean="0"/>
-              <a:t>Call</a:t>
-            </a:r>
-            <a:r>
-              <a:rPr lang="zh-CN" altLang="en-US" dirty="0" smtClean="0"/>
-              <a:t>）机制</a:t>
-            </a:r>
-            <a:endParaRPr lang="zh-CN" altLang="en-US" dirty="0"/>
-          </a:p>
-        </p:txBody>
-      </p:sp>
-    </p:spTree>
-    <p:extLst>
-      <p:ext uri="{BB962C8B-B14F-4D97-AF65-F5344CB8AC3E}">
-        <p14:creationId xmlns:p14="http://schemas.microsoft.com/office/powerpoint/2010/main" val="1943903244"/>
-      </p:ext>
-    </p:extLst>
-  </p:cSld>
-  <p:clrMapOvr>
-    <a:masterClrMapping/>
-  </p:clrMapOvr>
-  <mc:AlternateContent xmlns:mc="http://schemas.openxmlformats.org/markup-compatibility/2006" xmlns:p14="http://schemas.microsoft.com/office/powerpoint/2010/main">
-    <mc:Choice Requires="p14">
-      <p:transition spd="med" p14:dur="700">
-        <p:fade/>
-      </p:transition>
-    </mc:Choice>
-    <mc:Fallback xmlns="">
-      <p:transition spd="med">
-        <p:fade/>
-      </p:transition>
-    </mc:Fallback>
-  </mc:AlternateContent>
-  <p:timing>
-    <p:tnLst>
-      <p:par>
-        <p:cTn id="1" dur="indefinite" restart="never" nodeType="tmRoot"/>
-      </p:par>
-    </p:tnLst>
-  </p:timing>
-</p:sld>
-</file>
-
-<file path=ppt/slides/slide20.xml><?xml version="1.0" encoding="utf-8"?>
+<file path=ppt/slides/slide22.xml><?xml version="1.0" encoding="utf-8"?>
 <p:sld xmlns:a="http://schemas.openxmlformats.org/drawingml/2006/main" xmlns:r="http://schemas.openxmlformats.org/officeDocument/2006/relationships" xmlns:p="http://schemas.openxmlformats.org/presentationml/2006/main">
   <p:cSld>
     <p:spTree>
@@ -10451,7 +10750,7 @@
 </p:sld>
 </file>
 
-<file path=ppt/slides/slide21.xml><?xml version="1.0" encoding="utf-8"?>
+<file path=ppt/slides/slide23.xml><?xml version="1.0" encoding="utf-8"?>
 <p:sld xmlns:a="http://schemas.openxmlformats.org/drawingml/2006/main" xmlns:r="http://schemas.openxmlformats.org/officeDocument/2006/relationships" xmlns:p="http://schemas.openxmlformats.org/presentationml/2006/main">
   <p:cSld>
     <p:spTree>
@@ -10538,7 +10837,7 @@
 </p:sld>
 </file>
 
-<file path=ppt/slides/slide22.xml><?xml version="1.0" encoding="utf-8"?>
+<file path=ppt/slides/slide24.xml><?xml version="1.0" encoding="utf-8"?>
 <p:sld xmlns:a="http://schemas.openxmlformats.org/drawingml/2006/main" xmlns:r="http://schemas.openxmlformats.org/officeDocument/2006/relationships" xmlns:p="http://schemas.openxmlformats.org/presentationml/2006/main">
   <p:cSld>
     <p:spTree>
@@ -10682,7 +10981,7 @@
 </p:sld>
 </file>
 
-<file path=ppt/slides/slide23.xml><?xml version="1.0" encoding="utf-8"?>
+<file path=ppt/slides/slide25.xml><?xml version="1.0" encoding="utf-8"?>
 <p:sld xmlns:a="http://schemas.openxmlformats.org/drawingml/2006/main" xmlns:r="http://schemas.openxmlformats.org/officeDocument/2006/relationships" xmlns:p="http://schemas.openxmlformats.org/presentationml/2006/main">
   <p:cSld>
     <p:spTree>
@@ -10750,7 +11049,7 @@
 </p:sld>
 </file>
 
-<file path=ppt/slides/slide24.xml><?xml version="1.0" encoding="utf-8"?>
+<file path=ppt/slides/slide26.xml><?xml version="1.0" encoding="utf-8"?>
 <p:sld xmlns:a="http://schemas.openxmlformats.org/drawingml/2006/main" xmlns:r="http://schemas.openxmlformats.org/officeDocument/2006/relationships" xmlns:p="http://schemas.openxmlformats.org/presentationml/2006/main">
   <p:cSld>
     <p:spTree>
@@ -10799,7 +11098,7 @@
 </p:sld>
 </file>
 
-<file path=ppt/slides/slide25.xml><?xml version="1.0" encoding="utf-8"?>
+<file path=ppt/slides/slide27.xml><?xml version="1.0" encoding="utf-8"?>
 <p:sld xmlns:a="http://schemas.openxmlformats.org/drawingml/2006/main" xmlns:r="http://schemas.openxmlformats.org/officeDocument/2006/relationships" xmlns:p="http://schemas.openxmlformats.org/presentationml/2006/main">
   <p:cSld>
     <p:spTree>
@@ -10988,28 +11287,12 @@
               <a:buNone/>
             </a:pPr>
             <a:r>
-              <a:rPr lang="en-US" altLang="zh-CN" dirty="0" err="1" smtClean="0">
-                <a:solidFill>
-                  <a:srgbClr val="0070C0"/>
-                </a:solidFill>
-              </a:rPr>
-              <a:t>int</a:t>
-            </a:r>
-            <a:r>
               <a:rPr lang="en-US" altLang="zh-CN" dirty="0" smtClean="0">
                 <a:solidFill>
                   <a:srgbClr val="0070C0"/>
                 </a:solidFill>
               </a:rPr>
-              <a:t> sum = </a:t>
-            </a:r>
-            <a:r>
-              <a:rPr lang="en-US" altLang="zh-CN" dirty="0" err="1" smtClean="0">
-                <a:solidFill>
-                  <a:srgbClr val="0070C0"/>
-                </a:solidFill>
-              </a:rPr>
-              <a:t>someObject.add</a:t>
+              <a:t>int sum = someObject.add</a:t>
             </a:r>
             <a:r>
               <a:rPr lang="en-US" altLang="zh-CN" dirty="0" smtClean="0">
@@ -11437,20 +11720,24 @@
               <a:t>态下可以通过内核函数</a:t>
             </a:r>
             <a:r>
-              <a:rPr lang="en-US" altLang="zh-CN" dirty="0" err="1" smtClean="0"/>
-              <a:t>copy_to_user</a:t>
+              <a:rPr lang="en-US" altLang="zh-CN" dirty="0" smtClean="0"/>
+              <a:t>copy_to_user()</a:t>
             </a:r>
             <a:r>
               <a:rPr lang="zh-CN" altLang="en-US" dirty="0" smtClean="0"/>
               <a:t>和</a:t>
             </a:r>
             <a:r>
-              <a:rPr lang="en-US" altLang="zh-CN" dirty="0" err="1" smtClean="0"/>
-              <a:t>copy_from_user</a:t>
+              <a:rPr lang="en-US" altLang="zh-CN" dirty="0" smtClean="0"/>
+              <a:t>copy_from_user()</a:t>
             </a:r>
             <a:r>
               <a:rPr lang="zh-CN" altLang="en-US" dirty="0" smtClean="0"/>
-              <a:t>与用户空间交互</a:t>
+              <a:t>与</a:t>
+            </a:r>
+            <a:r>
+              <a:rPr lang="zh-CN" altLang="en-US" dirty="0" smtClean="0"/>
+              <a:t>用户空间交互</a:t>
             </a:r>
             <a:endParaRPr lang="en-US" altLang="zh-CN" dirty="0" smtClean="0"/>
           </a:p>
@@ -11713,12 +12000,8 @@
               <a:t>）的用户空间与内核空间通过</a:t>
             </a:r>
             <a:r>
-              <a:rPr lang="en-US" altLang="zh-CN" dirty="0" err="1" smtClean="0"/>
-              <a:t>mmap</a:t>
-            </a:r>
-            <a:r>
               <a:rPr lang="en-US" altLang="zh-CN" dirty="0" smtClean="0"/>
-              <a:t>()</a:t>
+              <a:t>mmap()</a:t>
             </a:r>
             <a:r>
               <a:rPr lang="zh-CN" altLang="en-US" dirty="0" smtClean="0"/>
@@ -11732,12 +12015,90 @@
               <a:t>用户空间地址和内核空间地址有一个固定的差值，这个差值被记录下来，即</a:t>
             </a:r>
             <a:r>
-              <a:rPr lang="en-US" altLang="zh-CN" dirty="0" err="1" smtClean="0">
+              <a:rPr lang="en-US" altLang="zh-CN" dirty="0" smtClean="0">
                 <a:solidFill>
                   <a:srgbClr val="FF3300"/>
                 </a:solidFill>
               </a:rPr>
-              <a:t>user_buffer_offset</a:t>
+              <a:t>user_buffer_offset </a:t>
+            </a:r>
+            <a:r>
+              <a:rPr lang="en-US" altLang="zh-CN" dirty="0">
+                <a:solidFill>
+                  <a:srgbClr val="FF3300"/>
+                </a:solidFill>
+              </a:rPr>
+              <a:t>= </a:t>
+            </a:r>
+            <a:r>
+              <a:rPr lang="zh-CN" altLang="en-US" dirty="0" smtClean="0">
+                <a:solidFill>
+                  <a:srgbClr val="FF3300"/>
+                </a:solidFill>
+              </a:rPr>
+              <a:t>用户空间地址 </a:t>
+            </a:r>
+            <a:r>
+              <a:rPr lang="en-US" altLang="zh-CN" dirty="0" smtClean="0">
+                <a:solidFill>
+                  <a:srgbClr val="FF3300"/>
+                </a:solidFill>
+              </a:rPr>
+              <a:t>– </a:t>
+            </a:r>
+            <a:r>
+              <a:rPr lang="zh-CN" altLang="en-US" dirty="0" smtClean="0">
+                <a:solidFill>
+                  <a:srgbClr val="FF3300"/>
+                </a:solidFill>
+              </a:rPr>
+              <a:t>内核空间地址</a:t>
+            </a:r>
+            <a:endParaRPr lang="en-US" altLang="zh-CN" dirty="0" smtClean="0">
+              <a:solidFill>
+                <a:srgbClr val="FF3300"/>
+              </a:solidFill>
+            </a:endParaRPr>
+          </a:p>
+          <a:p>
+            <a:r>
+              <a:rPr lang="zh-CN" altLang="en-US" dirty="0" smtClean="0"/>
+              <a:t>数据发送端（</a:t>
+            </a:r>
+            <a:r>
+              <a:rPr lang="en-US" altLang="zh-CN" dirty="0" smtClean="0"/>
+              <a:t>Client</a:t>
+            </a:r>
+            <a:r>
+              <a:rPr lang="zh-CN" altLang="en-US" dirty="0" smtClean="0"/>
+              <a:t>端）通过</a:t>
+            </a:r>
+            <a:r>
+              <a:rPr lang="en-US" altLang="zh-CN" dirty="0" smtClean="0"/>
+              <a:t>copy_from_user()</a:t>
+            </a:r>
+            <a:r>
+              <a:rPr lang="zh-CN" altLang="en-US" dirty="0" smtClean="0"/>
+              <a:t>函数将数据拷贝到数据接收端的</a:t>
+            </a:r>
+            <a:r>
+              <a:rPr lang="en-US" altLang="zh-CN" dirty="0" smtClean="0"/>
+              <a:t>binder</a:t>
+            </a:r>
+            <a:r>
+              <a:rPr lang="zh-CN" altLang="en-US" dirty="0" smtClean="0"/>
+              <a:t>内核缓存区</a:t>
+            </a:r>
+            <a:endParaRPr lang="en-US" altLang="zh-CN" dirty="0" smtClean="0"/>
+          </a:p>
+          <a:p>
+            <a:r>
+              <a:rPr lang="zh-CN" altLang="en-US" dirty="0" smtClean="0">
+                <a:solidFill>
+                  <a:srgbClr val="FF3300"/>
+                </a:solidFill>
+              </a:rPr>
+              <a:t>用户空间地址</a:t>
             </a:r>
             <a:r>
               <a:rPr lang="en-US" altLang="zh-CN" dirty="0" smtClean="0">
@@ -11761,96 +12122,6 @@
                   <a:srgbClr val="FF3300"/>
                 </a:solidFill>
               </a:rPr>
-              <a:t>用户空间地址 </a:t>
-            </a:r>
-            <a:r>
-              <a:rPr lang="en-US" altLang="zh-CN" dirty="0" smtClean="0">
-                <a:solidFill>
-                  <a:srgbClr val="FF3300"/>
-                </a:solidFill>
-              </a:rPr>
-              <a:t>– </a:t>
-            </a:r>
-            <a:r>
-              <a:rPr lang="zh-CN" altLang="en-US" dirty="0" smtClean="0">
-                <a:solidFill>
-                  <a:srgbClr val="FF3300"/>
-                </a:solidFill>
-              </a:rPr>
-              <a:t>内核空间地址</a:t>
-            </a:r>
-            <a:endParaRPr lang="en-US" altLang="zh-CN" dirty="0" smtClean="0">
-              <a:solidFill>
-                <a:srgbClr val="FF3300"/>
-              </a:solidFill>
-            </a:endParaRPr>
-          </a:p>
-          <a:p>
-            <a:r>
-              <a:rPr lang="zh-CN" altLang="en-US" dirty="0" smtClean="0"/>
-              <a:t>数据发送端（</a:t>
-            </a:r>
-            <a:r>
-              <a:rPr lang="en-US" altLang="zh-CN" dirty="0" smtClean="0"/>
-              <a:t>Client</a:t>
-            </a:r>
-            <a:r>
-              <a:rPr lang="zh-CN" altLang="en-US" dirty="0" smtClean="0"/>
-              <a:t>端）通过</a:t>
-            </a:r>
-            <a:r>
-              <a:rPr lang="en-US" altLang="zh-CN" dirty="0" err="1" smtClean="0"/>
-              <a:t>copy_from_user</a:t>
-            </a:r>
-            <a:r>
-              <a:rPr lang="en-US" altLang="zh-CN" dirty="0" smtClean="0"/>
-              <a:t>()</a:t>
-            </a:r>
-            <a:r>
-              <a:rPr lang="zh-CN" altLang="en-US" dirty="0" smtClean="0"/>
-              <a:t>函数将数据拷贝到数据接收端的</a:t>
-            </a:r>
-            <a:r>
-              <a:rPr lang="en-US" altLang="zh-CN" dirty="0" smtClean="0"/>
-              <a:t>binder</a:t>
-            </a:r>
-            <a:r>
-              <a:rPr lang="zh-CN" altLang="en-US" dirty="0" smtClean="0"/>
-              <a:t>内核缓存区</a:t>
-            </a:r>
-            <a:endParaRPr lang="en-US" altLang="zh-CN" dirty="0" smtClean="0"/>
-          </a:p>
-          <a:p>
-            <a:r>
-              <a:rPr lang="zh-CN" altLang="en-US" dirty="0" smtClean="0">
-                <a:solidFill>
-                  <a:srgbClr val="FF3300"/>
-                </a:solidFill>
-              </a:rPr>
-              <a:t>用户空间地址</a:t>
-            </a:r>
-            <a:r>
-              <a:rPr lang="en-US" altLang="zh-CN" dirty="0" smtClean="0">
-                <a:solidFill>
-                  <a:srgbClr val="FF3300"/>
-                </a:solidFill>
-              </a:rPr>
-              <a:t> </a:t>
-            </a:r>
-            <a:r>
-              <a:rPr lang="en-US" altLang="zh-CN" dirty="0">
-                <a:solidFill>
-                  <a:srgbClr val="FF3300"/>
-                </a:solidFill>
-              </a:rPr>
-              <a:t>= </a:t>
-            </a:r>
-            <a:r>
-              <a:rPr lang="zh-CN" altLang="en-US" dirty="0" smtClean="0">
-                <a:solidFill>
-                  <a:srgbClr val="FF3300"/>
-                </a:solidFill>
-              </a:rPr>
               <a:t>内核空间地址 </a:t>
             </a:r>
             <a:r>
@@ -11862,18 +12133,13 @@
               <a:t>+ </a:t>
             </a:r>
             <a:r>
-              <a:rPr lang="en-US" altLang="zh-CN" dirty="0" err="1">
+              <a:rPr lang="en-US" altLang="zh-CN" dirty="0">
                 <a:solidFill>
                   <a:srgbClr val="FF3300"/>
                 </a:solidFill>
               </a:rPr>
               <a:t>user_buffer_offset</a:t>
             </a:r>
-            <a:endParaRPr lang="en-US" altLang="zh-CN" dirty="0">
-              <a:solidFill>
-                <a:srgbClr val="FF3300"/>
-              </a:solidFill>
-            </a:endParaRPr>
           </a:p>
           <a:p>
             <a:endParaRPr lang="en-US" altLang="zh-CN" dirty="0" smtClean="0"/>

--- a/技术分享.pptx
+++ b/技术分享.pptx
@@ -5,10 +5,10 @@
     <p:sldMasterId id="2147483840" r:id="rId2"/>
   </p:sldMasterIdLst>
   <p:notesMasterIdLst>
-    <p:notesMasterId r:id="rId30"/>
+    <p:notesMasterId r:id="rId32"/>
   </p:notesMasterIdLst>
   <p:handoutMasterIdLst>
-    <p:handoutMasterId r:id="rId31"/>
+    <p:handoutMasterId r:id="rId33"/>
   </p:handoutMasterIdLst>
   <p:sldIdLst>
     <p:sldId id="256" r:id="rId3"/>
@@ -28,16 +28,18 @@
     <p:sldId id="279" r:id="rId17"/>
     <p:sldId id="281" r:id="rId18"/>
     <p:sldId id="282" r:id="rId19"/>
-    <p:sldId id="271" r:id="rId20"/>
-    <p:sldId id="258" r:id="rId21"/>
-    <p:sldId id="266" r:id="rId22"/>
-    <p:sldId id="260" r:id="rId23"/>
-    <p:sldId id="259" r:id="rId24"/>
-    <p:sldId id="261" r:id="rId25"/>
-    <p:sldId id="262" r:id="rId26"/>
-    <p:sldId id="263" r:id="rId27"/>
-    <p:sldId id="264" r:id="rId28"/>
-    <p:sldId id="265" r:id="rId29"/>
+    <p:sldId id="283" r:id="rId20"/>
+    <p:sldId id="284" r:id="rId21"/>
+    <p:sldId id="271" r:id="rId22"/>
+    <p:sldId id="258" r:id="rId23"/>
+    <p:sldId id="266" r:id="rId24"/>
+    <p:sldId id="260" r:id="rId25"/>
+    <p:sldId id="259" r:id="rId26"/>
+    <p:sldId id="261" r:id="rId27"/>
+    <p:sldId id="262" r:id="rId28"/>
+    <p:sldId id="263" r:id="rId29"/>
+    <p:sldId id="264" r:id="rId30"/>
+    <p:sldId id="265" r:id="rId31"/>
   </p:sldIdLst>
   <p:sldSz cx="12192000" cy="6858000"/>
   <p:notesSz cx="6858000" cy="9144000"/>
@@ -138,7 +140,7 @@
   </p:defaultTextStyle>
   <p:extLst>
     <p:ext uri="{EFAFB233-063F-42B5-8137-9DF3F51BA10A}">
-      <p15:sldGuideLst xmlns:p15="http://schemas.microsoft.com/office/powerpoint/2012/main">
+      <p15:sldGuideLst xmlns:p15="http://schemas.microsoft.com/office/powerpoint/2012/main" xmlns="">
         <p15:guide id="1" orient="horz" pos="2160">
           <p15:clr>
             <a:srgbClr val="A4A3A4"/>
@@ -152,14 +154,14 @@
       </p15:sldGuideLst>
     </p:ext>
     <p:ext uri="{2D200454-40CA-4A62-9FC3-DE9A4176ACB9}">
-      <p15:notesGuideLst xmlns:p15="http://schemas.microsoft.com/office/powerpoint/2012/main"/>
+      <p15:notesGuideLst xmlns:p15="http://schemas.microsoft.com/office/powerpoint/2012/main" xmlns=""/>
     </p:ext>
   </p:extLst>
 </p:presentation>
 </file>
 
 <file path=ppt/charts/chart1.xml><?xml version="1.0" encoding="utf-8"?>
-<c:chartSpace xmlns:c="http://schemas.openxmlformats.org/drawingml/2006/chart" xmlns:a="http://schemas.openxmlformats.org/drawingml/2006/main" xmlns:r="http://schemas.openxmlformats.org/officeDocument/2006/relationships" xmlns:c16r2="http://schemas.microsoft.com/office/drawing/2015/06/chart">
+<c:chartSpace xmlns:c="http://schemas.openxmlformats.org/drawingml/2006/chart" xmlns:a="http://schemas.openxmlformats.org/drawingml/2006/main" xmlns:r="http://schemas.openxmlformats.org/officeDocument/2006/relationships">
   <c:date1904 val="0"/>
   <c:lang val="zh-CN"/>
   <c:roundedCorners val="0"/>
@@ -267,7 +269,7 @@
               </c:numCache>
             </c:numRef>
           </c:val>
-          <c:extLst>
+          <c:extLst xmlns:c16r2="http://schemas.microsoft.com/office/drawing/2015/06/chart">
             <c:ext xmlns:c16="http://schemas.microsoft.com/office/drawing/2014/chart" uri="{C3380CC4-5D6E-409C-BE32-E72D297353CC}">
               <c16:uniqueId val="{00000000-9CF1-46E0-92FA-61E49B3C3B06}"/>
             </c:ext>
@@ -361,7 +363,7 @@
               </c:numCache>
             </c:numRef>
           </c:val>
-          <c:extLst>
+          <c:extLst xmlns:c16r2="http://schemas.microsoft.com/office/drawing/2015/06/chart">
             <c:ext xmlns:c16="http://schemas.microsoft.com/office/drawing/2014/chart" uri="{C3380CC4-5D6E-409C-BE32-E72D297353CC}">
               <c16:uniqueId val="{00000001-9CF1-46E0-92FA-61E49B3C3B06}"/>
             </c:ext>
@@ -455,7 +457,7 @@
               </c:numCache>
             </c:numRef>
           </c:val>
-          <c:extLst>
+          <c:extLst xmlns:c16r2="http://schemas.microsoft.com/office/drawing/2015/06/chart">
             <c:ext xmlns:c16="http://schemas.microsoft.com/office/drawing/2014/chart" uri="{C3380CC4-5D6E-409C-BE32-E72D297353CC}">
               <c16:uniqueId val="{00000002-9CF1-46E0-92FA-61E49B3C3B06}"/>
             </c:ext>
@@ -471,11 +473,11 @@
         </c:dLbls>
         <c:gapWidth val="355"/>
         <c:overlap val="-70"/>
-        <c:axId val="285196656"/>
-        <c:axId val="285196096"/>
+        <c:axId val="68125440"/>
+        <c:axId val="68126976"/>
       </c:barChart>
       <c:catAx>
-        <c:axId val="285196656"/>
+        <c:axId val="68125440"/>
         <c:scaling>
           <c:orientation val="minMax"/>
         </c:scaling>
@@ -518,7 +520,7 @@
             <a:endParaRPr lang="zh-CN"/>
           </a:p>
         </c:txPr>
-        <c:crossAx val="285196096"/>
+        <c:crossAx val="68126976"/>
         <c:crosses val="autoZero"/>
         <c:auto val="1"/>
         <c:lblAlgn val="ctr"/>
@@ -526,7 +528,7 @@
         <c:noMultiLvlLbl val="0"/>
       </c:catAx>
       <c:valAx>
-        <c:axId val="285196096"/>
+        <c:axId val="68126976"/>
         <c:scaling>
           <c:orientation val="minMax"/>
         </c:scaling>
@@ -563,7 +565,7 @@
             <a:endParaRPr lang="zh-CN"/>
           </a:p>
         </c:txPr>
-        <c:crossAx val="285196656"/>
+        <c:crossAx val="68125440"/>
         <c:crosses val="autoZero"/>
         <c:crossBetween val="between"/>
       </c:valAx>
@@ -631,7 +633,7 @@
       <a:endParaRPr lang="zh-CN"/>
     </a:p>
   </c:txPr>
-  <c:externalData r:id="rId3">
+  <c:externalData r:id="rId1">
     <c:autoUpdate val="0"/>
   </c:externalData>
 </c:chartSpace>
@@ -4407,7 +4409,7 @@
           <a:p>
             <a:fld id="{DE71268B-8AC2-4239-8FAF-7C144C210720}" type="datetimeFigureOut">
               <a:rPr lang="en-US" altLang="zh-CN"/>
-              <a:t>2/19/2017</a:t>
+              <a:t>2/21/2017</a:t>
             </a:fld>
             <a:endParaRPr lang="zh-CN"/>
           </a:p>
@@ -4571,7 +4573,7 @@
           </a:lstStyle>
           <a:p>
             <a:fld id="{F5AD8362-6D63-40AC-BAA9-90C3AE6D5875}" type="datetimeFigureOut">
-              <a:t>2017/2/19</a:t>
+              <a:t>2017/2/21</a:t>
             </a:fld>
             <a:endParaRPr lang="zh-CN"/>
           </a:p>
@@ -5363,7 +5365,7 @@
           <a:lstStyle/>
           <a:p>
             <a:fld id="{5F4E5243-F52A-4D37-9694-EB26C6C31910}" type="datetime1">
-              <a:t>2017/2/19</a:t>
+              <a:t>2017/2/21</a:t>
             </a:fld>
             <a:endParaRPr lang="zh-CN"/>
           </a:p>
@@ -5560,7 +5562,7 @@
           <a:lstStyle/>
           <a:p>
             <a:fld id="{3A77B6E1-634A-48DC-9E8B-D894023267EF}" type="datetime1">
-              <a:t>2017/2/19</a:t>
+              <a:t>2017/2/21</a:t>
             </a:fld>
             <a:endParaRPr lang="zh-CN"/>
           </a:p>
@@ -5751,7 +5753,7 @@
           <a:lstStyle/>
           <a:p>
             <a:fld id="{7B2D3E9E-A95C-48F2-B4BF-A71542E0BE9A}" type="datetime1">
-              <a:t>2017/2/19</a:t>
+              <a:t>2017/2/21</a:t>
             </a:fld>
             <a:endParaRPr lang="zh-CN"/>
           </a:p>
@@ -6083,7 +6085,7 @@
           <a:lstStyle/>
           <a:p>
             <a:fld id="{A50F84E2-2D7A-43CF-AC90-352A289A783A}" type="datetime1">
-              <a:t>2017/2/19</a:t>
+              <a:t>2017/2/21</a:t>
             </a:fld>
             <a:endParaRPr lang="zh-CN"/>
           </a:p>
@@ -6392,7 +6394,7 @@
           <a:lstStyle/>
           <a:p>
             <a:fld id="{F12952B5-7A2F-4CC8-B7CE-9234E21C2837}" type="datetime1">
-              <a:t>2017/2/19</a:t>
+              <a:t>2017/2/21</a:t>
             </a:fld>
             <a:endParaRPr lang="zh-CN"/>
           </a:p>
@@ -6818,7 +6820,7 @@
           <a:lstStyle/>
           <a:p>
             <a:fld id="{CE1DA07A-9201-4B4B-BAF2-015AFA30F520}" type="datetime1">
-              <a:t>2017/2/19</a:t>
+              <a:t>2017/2/21</a:t>
             </a:fld>
             <a:endParaRPr lang="zh-CN"/>
           </a:p>
@@ -6953,7 +6955,7 @@
           <a:lstStyle/>
           <a:p>
             <a:fld id="{73D7E00A-486F-4252-8B1D-E32645521F49}" type="datetime1">
-              <a:t>2017/2/19</a:t>
+              <a:t>2017/2/21</a:t>
             </a:fld>
             <a:endParaRPr lang="zh-CN"/>
           </a:p>
@@ -7150,7 +7152,7 @@
           <a:lstStyle/>
           <a:p>
             <a:fld id="{8DDF5F92-E675-4B36-9A60-69A962A68675}" type="datetime1">
-              <a:t>2017/2/19</a:t>
+              <a:t>2017/2/21</a:t>
             </a:fld>
             <a:endParaRPr lang="zh-CN"/>
           </a:p>
@@ -7456,7 +7458,7 @@
           <a:lstStyle/>
           <a:p>
             <a:fld id="{AF6E2C9B-5FA2-460D-9BE7-B0812FC2A6FF}" type="datetime1">
-              <a:t>2017/2/19</a:t>
+              <a:t>2017/2/21</a:t>
             </a:fld>
             <a:endParaRPr lang="zh-CN"/>
           </a:p>
@@ -7747,7 +7749,7 @@
           <a:lstStyle/>
           <a:p>
             <a:fld id="{1D374940-A916-4C8B-9648-02A2D3898F9E}" type="datetime1">
-              <a:t>2017/2/19</a:t>
+              <a:t>2017/2/21</a:t>
             </a:fld>
             <a:endParaRPr lang="zh-CN"/>
           </a:p>
@@ -8186,7 +8188,7 @@
             <a:fld id="{5586B75A-687E-405C-8A0B-8D00578BA2C3}" type="datetime1">
               <a:rPr lang="en-US" altLang="zh-CN" smtClean="0"/>
               <a:pPr/>
-              <a:t>2/19/2017</a:t>
+              <a:t>2/21/2017</a:t>
             </a:fld>
             <a:endParaRPr lang="zh-CN" altLang="en-US"/>
           </a:p>
@@ -8623,7 +8625,7 @@
   </p:txStyles>
   <p:extLst mod="1">
     <p:ext uri="{27BBF7A9-308A-43DC-89C8-2F10F3537804}">
-      <p15:sldGuideLst xmlns:p15="http://schemas.microsoft.com/office/powerpoint/2012/main">
+      <p15:sldGuideLst xmlns:p15="http://schemas.microsoft.com/office/powerpoint/2012/main" xmlns="">
         <p15:guide id="1" orient="horz" pos="2160">
           <p15:clr>
             <a:srgbClr val="F26B43"/>
@@ -9567,7 +9569,11 @@
           <a:p>
             <a:r>
               <a:rPr lang="zh-CN" altLang="en-US" dirty="0" smtClean="0"/>
-              <a:t>做了三件事：</a:t>
+              <a:t>做三</a:t>
+            </a:r>
+            <a:r>
+              <a:rPr lang="zh-CN" altLang="en-US" dirty="0" smtClean="0"/>
+              <a:t>件事：</a:t>
             </a:r>
             <a:endParaRPr lang="en-US" altLang="zh-CN" dirty="0" smtClean="0"/>
           </a:p>
@@ -9712,26 +9718,56 @@
       </p:grpSpPr>
       <p:pic>
         <p:nvPicPr>
-          <p:cNvPr id="6" name="图片 5"/>
+          <p:cNvPr id="1028" name="Picture 4"/>
           <p:cNvPicPr>
-            <a:picLocks noChangeAspect="1"/>
+            <a:picLocks noChangeAspect="1" noChangeArrowheads="1"/>
           </p:cNvPicPr>
           <p:nvPr/>
         </p:nvPicPr>
         <p:blipFill>
-          <a:blip r:embed="rId2"/>
+          <a:blip r:embed="rId2">
+            <a:extLst>
+              <a:ext uri="{28A0092B-C50C-407E-A947-70E740481C1C}">
+                <a14:useLocalDpi xmlns:a14="http://schemas.microsoft.com/office/drawing/2010/main" val="0"/>
+              </a:ext>
+            </a:extLst>
+          </a:blip>
+          <a:srcRect/>
           <a:stretch>
             <a:fillRect/>
           </a:stretch>
         </p:blipFill>
-        <p:spPr>
+        <p:spPr bwMode="auto">
           <a:xfrm>
-            <a:off x="0" y="-1"/>
-            <a:ext cx="12192000" cy="7064523"/>
+            <a:off x="0" y="0"/>
+            <a:ext cx="12235962" cy="6858000"/>
           </a:xfrm>
           <a:prstGeom prst="rect">
             <a:avLst/>
           </a:prstGeom>
+          <a:noFill/>
+          <a:ln>
+            <a:noFill/>
+          </a:ln>
+          <a:extLst>
+            <a:ext uri="{909E8E84-426E-40DD-AFC4-6F175D3DCCD1}">
+              <a14:hiddenFill xmlns:a14="http://schemas.microsoft.com/office/drawing/2010/main">
+                <a:solidFill>
+                  <a:schemeClr val="accent1"/>
+                </a:solidFill>
+              </a14:hiddenFill>
+            </a:ext>
+            <a:ext uri="{91240B29-F687-4F45-9708-019B960494DF}">
+              <a14:hiddenLine xmlns:a14="http://schemas.microsoft.com/office/drawing/2010/main" w="9525">
+                <a:solidFill>
+                  <a:schemeClr val="tx1"/>
+                </a:solidFill>
+                <a:miter lim="800000"/>
+                <a:headEnd/>
+                <a:tailEnd/>
+              </a14:hiddenLine>
+            </a:ext>
+          </a:extLst>
         </p:spPr>
       </p:pic>
     </p:spTree>
@@ -9799,9 +9835,10 @@
           <a:lstStyle/>
           <a:p>
             <a:r>
-              <a:rPr lang="zh-CN" dirty="0"/>
-              <a:t>标题和内容版式与列表</a:t>
-            </a:r>
+              <a:rPr lang="en-US" altLang="zh-CN" dirty="0" smtClean="0"/>
+              <a:t>binder_mmap()</a:t>
+            </a:r>
+            <a:endParaRPr lang="zh-CN" altLang="en-US" dirty="0"/>
           </a:p>
         </p:txBody>
       </p:sp>
@@ -9821,28 +9858,78 @@
           <a:lstStyle/>
           <a:p>
             <a:r>
-              <a:rPr lang="zh-CN" dirty="0"/>
-              <a:t>在此处添加第一个要点</a:t>
-            </a:r>
-          </a:p>
-          <a:p>
-            <a:r>
-              <a:rPr lang="zh-CN" dirty="0"/>
-              <a:t>在此处添加第二个要点</a:t>
-            </a:r>
-          </a:p>
-          <a:p>
-            <a:r>
-              <a:rPr lang="zh-CN" dirty="0"/>
-              <a:t>在此处添加第三个要点</a:t>
-            </a:r>
+              <a:rPr lang="zh-CN" altLang="en-US" dirty="0" smtClean="0"/>
+              <a:t>做三</a:t>
+            </a:r>
+            <a:r>
+              <a:rPr lang="zh-CN" altLang="en-US" dirty="0" smtClean="0"/>
+              <a:t>件事：</a:t>
+            </a:r>
+            <a:endParaRPr lang="en-US" altLang="zh-CN" dirty="0" smtClean="0"/>
+          </a:p>
+          <a:p>
+            <a:pPr marL="502920" indent="-457200">
+              <a:buFont typeface="+mj-lt"/>
+              <a:buAutoNum type="arabicPeriod"/>
+            </a:pPr>
+            <a:r>
+              <a:rPr lang="zh-CN" altLang="en-US" dirty="0"/>
+              <a:t>分</a:t>
+            </a:r>
+            <a:r>
+              <a:rPr lang="zh-CN" altLang="en-US" dirty="0" smtClean="0"/>
+              <a:t>配</a:t>
+            </a:r>
+            <a:r>
+              <a:rPr lang="en-US" altLang="zh-CN" dirty="0" smtClean="0"/>
+              <a:t>binder</a:t>
+            </a:r>
+            <a:r>
+              <a:rPr lang="zh-CN" altLang="en-US" dirty="0" smtClean="0"/>
+              <a:t>内存</a:t>
+            </a:r>
+            <a:endParaRPr lang="en-US" altLang="zh-CN" dirty="0" smtClean="0"/>
+          </a:p>
+          <a:p>
+            <a:pPr marL="502920" indent="-457200">
+              <a:buFont typeface="+mj-lt"/>
+              <a:buAutoNum type="arabicPeriod"/>
+            </a:pPr>
+            <a:r>
+              <a:rPr lang="zh-CN" altLang="en-US" dirty="0" smtClean="0"/>
+              <a:t>将这块内存同时映射到内核空间和用户空间</a:t>
+            </a:r>
+            <a:endParaRPr lang="en-US" altLang="zh-CN" dirty="0"/>
+          </a:p>
+          <a:p>
+            <a:pPr marL="502920" indent="-457200">
+              <a:buFont typeface="+mj-lt"/>
+              <a:buAutoNum type="arabicPeriod"/>
+            </a:pPr>
+            <a:r>
+              <a:rPr lang="zh-CN" altLang="en-US" dirty="0" smtClean="0"/>
+              <a:t>将内核空间和用户空间的地址差值记录在</a:t>
+            </a:r>
+            <a:r>
+              <a:rPr lang="nn-NO" altLang="zh-CN" dirty="0"/>
+              <a:t>proc-&gt;</a:t>
+            </a:r>
+            <a:r>
+              <a:rPr lang="nn-NO" altLang="zh-CN" dirty="0" smtClean="0"/>
+              <a:t>user_buffer_offset</a:t>
+            </a:r>
+            <a:r>
+              <a:rPr lang="zh-CN" altLang="en-US" dirty="0" smtClean="0"/>
+              <a:t>中</a:t>
+            </a:r>
+            <a:endParaRPr lang="zh-CN" altLang="en-US" dirty="0"/>
           </a:p>
         </p:txBody>
       </p:sp>
     </p:spTree>
     <p:extLst>
       <p:ext uri="{BB962C8B-B14F-4D97-AF65-F5344CB8AC3E}">
-        <p14:creationId xmlns:p14="http://schemas.microsoft.com/office/powerpoint/2010/main" val="3374295295"/>
+        <p14:creationId xmlns:p14="http://schemas.microsoft.com/office/powerpoint/2010/main" val="4092597444"/>
       </p:ext>
     </p:extLst>
   </p:cSld>
@@ -9888,57 +9975,64 @@
           <a:chExt cx="0" cy="0"/>
         </a:xfrm>
       </p:grpSpPr>
-      <p:sp>
-        <p:nvSpPr>
-          <p:cNvPr id="2" name="标题 1"/>
-          <p:cNvSpPr>
-            <a:spLocks noGrp="1"/>
-          </p:cNvSpPr>
-          <p:nvPr>
-            <p:ph type="title"/>
-          </p:nvPr>
-        </p:nvSpPr>
-        <p:spPr/>
-        <p:txBody>
-          <a:bodyPr/>
-          <a:lstStyle/>
-          <a:p>
-            <a:r>
-              <a:rPr lang="zh-CN"/>
-              <a:t>标题和内容版式与图表</a:t>
-            </a:r>
-          </a:p>
-        </p:txBody>
-      </p:sp>
-      <p:graphicFrame>
-        <p:nvGraphicFramePr>
-          <p:cNvPr id="6" name="内容占位符 5"/>
-          <p:cNvGraphicFramePr>
-            <a:graphicFrameLocks noGrp="1"/>
-          </p:cNvGraphicFramePr>
-          <p:nvPr>
-            <p:ph idx="1"/>
-            <p:extLst>
-              <p:ext uri="{D42A27DB-BD31-4B8C-83A1-F6EECF244321}">
-                <p14:modId xmlns:p14="http://schemas.microsoft.com/office/powerpoint/2010/main" val="1698860746"/>
-              </p:ext>
-            </p:extLst>
-          </p:nvPr>
-        </p:nvGraphicFramePr>
-        <p:xfrm>
-          <a:off x="1341438" y="1573213"/>
-          <a:ext cx="9510712" cy="4141787"/>
-        </p:xfrm>
-        <a:graphic>
-          <a:graphicData uri="http://schemas.openxmlformats.org/drawingml/2006/chart">
-            <c:chart xmlns:c="http://schemas.openxmlformats.org/drawingml/2006/chart" xmlns:r="http://schemas.openxmlformats.org/officeDocument/2006/relationships" r:id="rId2"/>
-          </a:graphicData>
-        </a:graphic>
-      </p:graphicFrame>
+      <p:pic>
+        <p:nvPicPr>
+          <p:cNvPr id="2052" name="Picture 4"/>
+          <p:cNvPicPr>
+            <a:picLocks noChangeAspect="1" noChangeArrowheads="1"/>
+          </p:cNvPicPr>
+          <p:nvPr/>
+        </p:nvPicPr>
+        <p:blipFill>
+          <a:blip r:embed="rId2">
+            <a:extLst>
+              <a:ext uri="{28A0092B-C50C-407E-A947-70E740481C1C}">
+                <a14:useLocalDpi xmlns:a14="http://schemas.microsoft.com/office/drawing/2010/main" val="0"/>
+              </a:ext>
+            </a:extLst>
+          </a:blip>
+          <a:srcRect/>
+          <a:stretch>
+            <a:fillRect/>
+          </a:stretch>
+        </p:blipFill>
+        <p:spPr bwMode="auto">
+          <a:xfrm>
+            <a:off x="0" y="-1"/>
+            <a:ext cx="12192000" cy="6985545"/>
+          </a:xfrm>
+          <a:prstGeom prst="rect">
+            <a:avLst/>
+          </a:prstGeom>
+          <a:noFill/>
+          <a:ln>
+            <a:noFill/>
+          </a:ln>
+          <a:extLst>
+            <a:ext uri="{909E8E84-426E-40DD-AFC4-6F175D3DCCD1}">
+              <a14:hiddenFill xmlns:a14="http://schemas.microsoft.com/office/drawing/2010/main">
+                <a:solidFill>
+                  <a:schemeClr val="accent1"/>
+                </a:solidFill>
+              </a14:hiddenFill>
+            </a:ext>
+            <a:ext uri="{91240B29-F687-4F45-9708-019B960494DF}">
+              <a14:hiddenLine xmlns:a14="http://schemas.microsoft.com/office/drawing/2010/main" w="9525">
+                <a:solidFill>
+                  <a:schemeClr val="tx1"/>
+                </a:solidFill>
+                <a:miter lim="800000"/>
+                <a:headEnd/>
+                <a:tailEnd/>
+              </a14:hiddenLine>
+            </a:ext>
+          </a:extLst>
+        </p:spPr>
+      </p:pic>
     </p:spTree>
     <p:extLst>
       <p:ext uri="{BB962C8B-B14F-4D97-AF65-F5344CB8AC3E}">
-        <p14:creationId xmlns:p14="http://schemas.microsoft.com/office/powerpoint/2010/main" val="2578687163"/>
+        <p14:creationId xmlns:p14="http://schemas.microsoft.com/office/powerpoint/2010/main" val="3315741349"/>
       </p:ext>
     </p:extLst>
   </p:cSld>
@@ -10028,14 +10122,30 @@
           <a:p>
             <a:r>
               <a:rPr lang="zh-CN" altLang="en-US" dirty="0" smtClean="0"/>
-              <a:t>高效。进程直接的数据传输只需一次内存拷贝</a:t>
+              <a:t>高</a:t>
+            </a:r>
+            <a:r>
+              <a:rPr lang="zh-CN" altLang="en-US" dirty="0" smtClean="0"/>
+              <a:t>效。进</a:t>
+            </a:r>
+            <a:r>
+              <a:rPr lang="zh-CN" altLang="en-US" dirty="0" smtClean="0"/>
+              <a:t>程直接的数据传输只需一次内存拷贝</a:t>
             </a:r>
             <a:endParaRPr lang="en-US" altLang="zh-CN" dirty="0" smtClean="0"/>
           </a:p>
           <a:p>
             <a:r>
               <a:rPr lang="zh-CN" altLang="en-US" dirty="0" smtClean="0"/>
-              <a:t>安全。通信数据携带</a:t>
+              <a:t>安</a:t>
+            </a:r>
+            <a:r>
+              <a:rPr lang="zh-CN" altLang="en-US" dirty="0" smtClean="0"/>
+              <a:t>全。通</a:t>
+            </a:r>
+            <a:r>
+              <a:rPr lang="zh-CN" altLang="en-US" dirty="0" smtClean="0"/>
+              <a:t>信数据携带</a:t>
             </a:r>
             <a:r>
               <a:rPr lang="en-US" altLang="zh-CN" dirty="0" smtClean="0"/>
@@ -10154,6 +10264,207 @@
           <a:p>
             <a:r>
               <a:rPr lang="zh-CN" dirty="0"/>
+              <a:t>标题和内容版式与列表</a:t>
+            </a:r>
+          </a:p>
+        </p:txBody>
+      </p:sp>
+      <p:sp>
+        <p:nvSpPr>
+          <p:cNvPr id="3" name="内容占位符 2"/>
+          <p:cNvSpPr>
+            <a:spLocks noGrp="1"/>
+          </p:cNvSpPr>
+          <p:nvPr>
+            <p:ph idx="1"/>
+          </p:nvPr>
+        </p:nvSpPr>
+        <p:spPr/>
+        <p:txBody>
+          <a:bodyPr/>
+          <a:lstStyle/>
+          <a:p>
+            <a:r>
+              <a:rPr lang="zh-CN" dirty="0"/>
+              <a:t>在此处添加第一个要点</a:t>
+            </a:r>
+          </a:p>
+          <a:p>
+            <a:r>
+              <a:rPr lang="zh-CN" dirty="0"/>
+              <a:t>在此处添加第二个要点</a:t>
+            </a:r>
+          </a:p>
+          <a:p>
+            <a:r>
+              <a:rPr lang="zh-CN" dirty="0"/>
+              <a:t>在此处添加第三个要点</a:t>
+            </a:r>
+          </a:p>
+        </p:txBody>
+      </p:sp>
+    </p:spTree>
+    <p:extLst>
+      <p:ext uri="{BB962C8B-B14F-4D97-AF65-F5344CB8AC3E}">
+        <p14:creationId xmlns:p14="http://schemas.microsoft.com/office/powerpoint/2010/main" val="3374295295"/>
+      </p:ext>
+    </p:extLst>
+  </p:cSld>
+  <p:clrMapOvr>
+    <a:masterClrMapping/>
+  </p:clrMapOvr>
+  <mc:AlternateContent xmlns:mc="http://schemas.openxmlformats.org/markup-compatibility/2006" xmlns:p14="http://schemas.microsoft.com/office/powerpoint/2010/main">
+    <mc:Choice Requires="p14">
+      <p:transition spd="med" p14:dur="700">
+        <p:fade/>
+      </p:transition>
+    </mc:Choice>
+    <mc:Fallback xmlns="">
+      <p:transition spd="med">
+        <p:fade/>
+      </p:transition>
+    </mc:Fallback>
+  </mc:AlternateContent>
+  <p:timing>
+    <p:tnLst>
+      <p:par>
+        <p:cTn id="1" dur="indefinite" restart="never" nodeType="tmRoot"/>
+      </p:par>
+    </p:tnLst>
+  </p:timing>
+</p:sld>
+</file>
+
+<file path=ppt/slides/slide21.xml><?xml version="1.0" encoding="utf-8"?>
+<p:sld xmlns:a="http://schemas.openxmlformats.org/drawingml/2006/main" xmlns:r="http://schemas.openxmlformats.org/officeDocument/2006/relationships" xmlns:p="http://schemas.openxmlformats.org/presentationml/2006/main">
+  <p:cSld>
+    <p:spTree>
+      <p:nvGrpSpPr>
+        <p:cNvPr id="1" name=""/>
+        <p:cNvGrpSpPr/>
+        <p:nvPr/>
+      </p:nvGrpSpPr>
+      <p:grpSpPr>
+        <a:xfrm>
+          <a:off x="0" y="0"/>
+          <a:ext cx="0" cy="0"/>
+          <a:chOff x="0" y="0"/>
+          <a:chExt cx="0" cy="0"/>
+        </a:xfrm>
+      </p:grpSpPr>
+      <p:sp>
+        <p:nvSpPr>
+          <p:cNvPr id="2" name="标题 1"/>
+          <p:cNvSpPr>
+            <a:spLocks noGrp="1"/>
+          </p:cNvSpPr>
+          <p:nvPr>
+            <p:ph type="title"/>
+          </p:nvPr>
+        </p:nvSpPr>
+        <p:spPr/>
+        <p:txBody>
+          <a:bodyPr/>
+          <a:lstStyle/>
+          <a:p>
+            <a:r>
+              <a:rPr lang="zh-CN"/>
+              <a:t>标题和内容版式与图表</a:t>
+            </a:r>
+          </a:p>
+        </p:txBody>
+      </p:sp>
+      <p:graphicFrame>
+        <p:nvGraphicFramePr>
+          <p:cNvPr id="6" name="内容占位符 5"/>
+          <p:cNvGraphicFramePr>
+            <a:graphicFrameLocks noGrp="1"/>
+          </p:cNvGraphicFramePr>
+          <p:nvPr>
+            <p:ph idx="1"/>
+            <p:extLst>
+              <p:ext uri="{D42A27DB-BD31-4B8C-83A1-F6EECF244321}">
+                <p14:modId xmlns:p14="http://schemas.microsoft.com/office/powerpoint/2010/main" val="1698860746"/>
+              </p:ext>
+            </p:extLst>
+          </p:nvPr>
+        </p:nvGraphicFramePr>
+        <p:xfrm>
+          <a:off x="1341438" y="1573213"/>
+          <a:ext cx="9510712" cy="4141787"/>
+        </p:xfrm>
+        <a:graphic>
+          <a:graphicData uri="http://schemas.openxmlformats.org/drawingml/2006/chart">
+            <c:chart xmlns:c="http://schemas.openxmlformats.org/drawingml/2006/chart" xmlns:r="http://schemas.openxmlformats.org/officeDocument/2006/relationships" r:id="rId2"/>
+          </a:graphicData>
+        </a:graphic>
+      </p:graphicFrame>
+    </p:spTree>
+    <p:extLst>
+      <p:ext uri="{BB962C8B-B14F-4D97-AF65-F5344CB8AC3E}">
+        <p14:creationId xmlns:p14="http://schemas.microsoft.com/office/powerpoint/2010/main" val="2578687163"/>
+      </p:ext>
+    </p:extLst>
+  </p:cSld>
+  <p:clrMapOvr>
+    <a:masterClrMapping/>
+  </p:clrMapOvr>
+  <mc:AlternateContent xmlns:mc="http://schemas.openxmlformats.org/markup-compatibility/2006" xmlns:p14="http://schemas.microsoft.com/office/powerpoint/2010/main">
+    <mc:Choice Requires="p14">
+      <p:transition spd="med" p14:dur="700">
+        <p:fade/>
+      </p:transition>
+    </mc:Choice>
+    <mc:Fallback xmlns="">
+      <p:transition spd="med">
+        <p:fade/>
+      </p:transition>
+    </mc:Fallback>
+  </mc:AlternateContent>
+  <p:timing>
+    <p:tnLst>
+      <p:par>
+        <p:cTn id="1" dur="indefinite" restart="never" nodeType="tmRoot"/>
+      </p:par>
+    </p:tnLst>
+  </p:timing>
+</p:sld>
+</file>
+
+<file path=ppt/slides/slide22.xml><?xml version="1.0" encoding="utf-8"?>
+<p:sld xmlns:a="http://schemas.openxmlformats.org/drawingml/2006/main" xmlns:r="http://schemas.openxmlformats.org/officeDocument/2006/relationships" xmlns:p="http://schemas.openxmlformats.org/presentationml/2006/main">
+  <p:cSld>
+    <p:spTree>
+      <p:nvGrpSpPr>
+        <p:cNvPr id="1" name=""/>
+        <p:cNvGrpSpPr/>
+        <p:nvPr/>
+      </p:nvGrpSpPr>
+      <p:grpSpPr>
+        <a:xfrm>
+          <a:off x="0" y="0"/>
+          <a:ext cx="0" cy="0"/>
+          <a:chOff x="0" y="0"/>
+          <a:chExt cx="0" cy="0"/>
+        </a:xfrm>
+      </p:grpSpPr>
+      <p:sp>
+        <p:nvSpPr>
+          <p:cNvPr id="2" name="标题 1"/>
+          <p:cNvSpPr>
+            <a:spLocks noGrp="1"/>
+          </p:cNvSpPr>
+          <p:nvPr>
+            <p:ph type="title"/>
+          </p:nvPr>
+        </p:nvSpPr>
+        <p:spPr/>
+        <p:txBody>
+          <a:bodyPr/>
+          <a:lstStyle/>
+          <a:p>
+            <a:r>
+              <a:rPr lang="zh-CN" dirty="0"/>
               <a:t>图片与标题版式</a:t>
             </a:r>
           </a:p>
@@ -10238,7 +10549,7 @@
 </p:sld>
 </file>
 
-<file path=ppt/slides/slide21.xml><?xml version="1.0" encoding="utf-8"?>
+<file path=ppt/slides/slide23.xml><?xml version="1.0" encoding="utf-8"?>
 <p:sld xmlns:a="http://schemas.openxmlformats.org/drawingml/2006/main" xmlns:r="http://schemas.openxmlformats.org/officeDocument/2006/relationships" xmlns:p="http://schemas.openxmlformats.org/presentationml/2006/main">
   <p:cSld>
     <p:spTree>
@@ -10340,21 +10651,21 @@
                 <a:gridCol w="1524000">
                   <a:extLst>
                     <a:ext uri="{9D8B030D-6E8A-4147-A177-3AD203B41FA5}">
-                      <a16:colId xmlns:a16="http://schemas.microsoft.com/office/drawing/2014/main" val="20000"/>
+                      <a16:colId xmlns:a16="http://schemas.microsoft.com/office/drawing/2014/main" xmlns="" val="20000"/>
                     </a:ext>
                   </a:extLst>
                 </a:gridCol>
                 <a:gridCol w="1524000">
                   <a:extLst>
                     <a:ext uri="{9D8B030D-6E8A-4147-A177-3AD203B41FA5}">
-                      <a16:colId xmlns:a16="http://schemas.microsoft.com/office/drawing/2014/main" val="20001"/>
+                      <a16:colId xmlns:a16="http://schemas.microsoft.com/office/drawing/2014/main" xmlns="" val="20001"/>
                     </a:ext>
                   </a:extLst>
                 </a:gridCol>
                 <a:gridCol w="1524000">
                   <a:extLst>
                     <a:ext uri="{9D8B030D-6E8A-4147-A177-3AD203B41FA5}">
-                      <a16:colId xmlns:a16="http://schemas.microsoft.com/office/drawing/2014/main" val="20002"/>
+                      <a16:colId xmlns:a16="http://schemas.microsoft.com/office/drawing/2014/main" xmlns="" val="20002"/>
                     </a:ext>
                   </a:extLst>
                 </a:gridCol>
@@ -10409,7 +10720,7 @@
                 </a:tc>
                 <a:extLst>
                   <a:ext uri="{0D108BD9-81ED-4DB2-BD59-A6C34878D82A}">
-                    <a16:rowId xmlns:a16="http://schemas.microsoft.com/office/drawing/2014/main" val="10000"/>
+                    <a16:rowId xmlns:a16="http://schemas.microsoft.com/office/drawing/2014/main" xmlns="" val="10000"/>
                   </a:ext>
                 </a:extLst>
               </a:tr>
@@ -10466,7 +10777,7 @@
                 </a:tc>
                 <a:extLst>
                   <a:ext uri="{0D108BD9-81ED-4DB2-BD59-A6C34878D82A}">
-                    <a16:rowId xmlns:a16="http://schemas.microsoft.com/office/drawing/2014/main" val="10001"/>
+                    <a16:rowId xmlns:a16="http://schemas.microsoft.com/office/drawing/2014/main" xmlns="" val="10001"/>
                   </a:ext>
                 </a:extLst>
               </a:tr>
@@ -10523,7 +10834,7 @@
                 </a:tc>
                 <a:extLst>
                   <a:ext uri="{0D108BD9-81ED-4DB2-BD59-A6C34878D82A}">
-                    <a16:rowId xmlns:a16="http://schemas.microsoft.com/office/drawing/2014/main" val="10002"/>
+                    <a16:rowId xmlns:a16="http://schemas.microsoft.com/office/drawing/2014/main" xmlns="" val="10002"/>
                   </a:ext>
                 </a:extLst>
               </a:tr>
@@ -10580,7 +10891,7 @@
                 </a:tc>
                 <a:extLst>
                   <a:ext uri="{0D108BD9-81ED-4DB2-BD59-A6C34878D82A}">
-                    <a16:rowId xmlns:a16="http://schemas.microsoft.com/office/drawing/2014/main" val="10003"/>
+                    <a16:rowId xmlns:a16="http://schemas.microsoft.com/office/drawing/2014/main" xmlns="" val="10003"/>
                   </a:ext>
                 </a:extLst>
               </a:tr>
@@ -10620,7 +10931,7 @@
 </p:sld>
 </file>
 
-<file path=ppt/slides/slide22.xml><?xml version="1.0" encoding="utf-8"?>
+<file path=ppt/slides/slide24.xml><?xml version="1.0" encoding="utf-8"?>
 <p:sld xmlns:a="http://schemas.openxmlformats.org/drawingml/2006/main" xmlns:r="http://schemas.openxmlformats.org/officeDocument/2006/relationships" xmlns:p="http://schemas.openxmlformats.org/presentationml/2006/main">
   <p:cSld>
     <p:spTree>
@@ -10750,7 +11061,7 @@
 </p:sld>
 </file>
 
-<file path=ppt/slides/slide23.xml><?xml version="1.0" encoding="utf-8"?>
+<file path=ppt/slides/slide25.xml><?xml version="1.0" encoding="utf-8"?>
 <p:sld xmlns:a="http://schemas.openxmlformats.org/drawingml/2006/main" xmlns:r="http://schemas.openxmlformats.org/officeDocument/2006/relationships" xmlns:p="http://schemas.openxmlformats.org/presentationml/2006/main">
   <p:cSld>
     <p:spTree>
@@ -10837,7 +11148,7 @@
 </p:sld>
 </file>
 
-<file path=ppt/slides/slide24.xml><?xml version="1.0" encoding="utf-8"?>
+<file path=ppt/slides/slide26.xml><?xml version="1.0" encoding="utf-8"?>
 <p:sld xmlns:a="http://schemas.openxmlformats.org/drawingml/2006/main" xmlns:r="http://schemas.openxmlformats.org/officeDocument/2006/relationships" xmlns:p="http://schemas.openxmlformats.org/presentationml/2006/main">
   <p:cSld>
     <p:spTree>
@@ -10981,7 +11292,7 @@
 </p:sld>
 </file>
 
-<file path=ppt/slides/slide25.xml><?xml version="1.0" encoding="utf-8"?>
+<file path=ppt/slides/slide27.xml><?xml version="1.0" encoding="utf-8"?>
 <p:sld xmlns:a="http://schemas.openxmlformats.org/drawingml/2006/main" xmlns:r="http://schemas.openxmlformats.org/officeDocument/2006/relationships" xmlns:p="http://schemas.openxmlformats.org/presentationml/2006/main">
   <p:cSld>
     <p:spTree>
@@ -11049,7 +11360,7 @@
 </p:sld>
 </file>
 
-<file path=ppt/slides/slide26.xml><?xml version="1.0" encoding="utf-8"?>
+<file path=ppt/slides/slide28.xml><?xml version="1.0" encoding="utf-8"?>
 <p:sld xmlns:a="http://schemas.openxmlformats.org/drawingml/2006/main" xmlns:r="http://schemas.openxmlformats.org/officeDocument/2006/relationships" xmlns:p="http://schemas.openxmlformats.org/presentationml/2006/main">
   <p:cSld>
     <p:spTree>
@@ -11098,7 +11409,7 @@
 </p:sld>
 </file>
 
-<file path=ppt/slides/slide27.xml><?xml version="1.0" encoding="utf-8"?>
+<file path=ppt/slides/slide29.xml><?xml version="1.0" encoding="utf-8"?>
 <p:sld xmlns:a="http://schemas.openxmlformats.org/drawingml/2006/main" xmlns:r="http://schemas.openxmlformats.org/officeDocument/2006/relationships" xmlns:p="http://schemas.openxmlformats.org/presentationml/2006/main">
   <p:cSld>
     <p:spTree>
@@ -11292,15 +11603,7 @@
                   <a:srgbClr val="0070C0"/>
                 </a:solidFill>
               </a:rPr>
-              <a:t>int sum = someObject.add</a:t>
-            </a:r>
-            <a:r>
-              <a:rPr lang="en-US" altLang="zh-CN" dirty="0" smtClean="0">
-                <a:solidFill>
-                  <a:srgbClr val="0070C0"/>
-                </a:solidFill>
-              </a:rPr>
-              <a:t>( 2, 3)</a:t>
+              <a:t>int sum = someObject.add( 2, 3)</a:t>
             </a:r>
           </a:p>
           <a:p>
@@ -11733,11 +12036,7 @@
             </a:r>
             <a:r>
               <a:rPr lang="zh-CN" altLang="en-US" dirty="0" smtClean="0"/>
-              <a:t>与</a:t>
-            </a:r>
-            <a:r>
-              <a:rPr lang="zh-CN" altLang="en-US" dirty="0" smtClean="0"/>
-              <a:t>用户空间交互</a:t>
+              <a:t>与用户空间交互</a:t>
             </a:r>
             <a:endParaRPr lang="en-US" altLang="zh-CN" dirty="0" smtClean="0"/>
           </a:p>

--- a/技术分享.pptx
+++ b/技术分享.pptx
@@ -5,10 +5,10 @@
     <p:sldMasterId id="2147483840" r:id="rId2"/>
   </p:sldMasterIdLst>
   <p:notesMasterIdLst>
-    <p:notesMasterId r:id="rId32"/>
+    <p:notesMasterId r:id="rId38"/>
   </p:notesMasterIdLst>
   <p:handoutMasterIdLst>
-    <p:handoutMasterId r:id="rId33"/>
+    <p:handoutMasterId r:id="rId39"/>
   </p:handoutMasterIdLst>
   <p:sldIdLst>
     <p:sldId id="256" r:id="rId3"/>
@@ -23,23 +23,29 @@
     <p:sldId id="275" r:id="rId12"/>
     <p:sldId id="276" r:id="rId13"/>
     <p:sldId id="269" r:id="rId14"/>
-    <p:sldId id="280" r:id="rId15"/>
-    <p:sldId id="278" r:id="rId16"/>
-    <p:sldId id="279" r:id="rId17"/>
-    <p:sldId id="281" r:id="rId18"/>
-    <p:sldId id="282" r:id="rId19"/>
-    <p:sldId id="283" r:id="rId20"/>
-    <p:sldId id="284" r:id="rId21"/>
-    <p:sldId id="271" r:id="rId22"/>
-    <p:sldId id="258" r:id="rId23"/>
-    <p:sldId id="266" r:id="rId24"/>
-    <p:sldId id="260" r:id="rId25"/>
-    <p:sldId id="259" r:id="rId26"/>
-    <p:sldId id="261" r:id="rId27"/>
-    <p:sldId id="262" r:id="rId28"/>
-    <p:sldId id="263" r:id="rId29"/>
-    <p:sldId id="264" r:id="rId30"/>
-    <p:sldId id="265" r:id="rId31"/>
+    <p:sldId id="285" r:id="rId15"/>
+    <p:sldId id="286" r:id="rId16"/>
+    <p:sldId id="287" r:id="rId17"/>
+    <p:sldId id="280" r:id="rId18"/>
+    <p:sldId id="278" r:id="rId19"/>
+    <p:sldId id="279" r:id="rId20"/>
+    <p:sldId id="281" r:id="rId21"/>
+    <p:sldId id="282" r:id="rId22"/>
+    <p:sldId id="283" r:id="rId23"/>
+    <p:sldId id="284" r:id="rId24"/>
+    <p:sldId id="271" r:id="rId25"/>
+    <p:sldId id="289" r:id="rId26"/>
+    <p:sldId id="290" r:id="rId27"/>
+    <p:sldId id="288" r:id="rId28"/>
+    <p:sldId id="258" r:id="rId29"/>
+    <p:sldId id="266" r:id="rId30"/>
+    <p:sldId id="260" r:id="rId31"/>
+    <p:sldId id="259" r:id="rId32"/>
+    <p:sldId id="261" r:id="rId33"/>
+    <p:sldId id="262" r:id="rId34"/>
+    <p:sldId id="263" r:id="rId35"/>
+    <p:sldId id="264" r:id="rId36"/>
+    <p:sldId id="265" r:id="rId37"/>
   </p:sldIdLst>
   <p:sldSz cx="12192000" cy="6858000"/>
   <p:notesSz cx="6858000" cy="9144000"/>
@@ -140,7 +146,7 @@
   </p:defaultTextStyle>
   <p:extLst>
     <p:ext uri="{EFAFB233-063F-42B5-8137-9DF3F51BA10A}">
-      <p15:sldGuideLst xmlns:p15="http://schemas.microsoft.com/office/powerpoint/2012/main" xmlns="">
+      <p15:sldGuideLst xmlns="" xmlns:p15="http://schemas.microsoft.com/office/powerpoint/2012/main">
         <p15:guide id="1" orient="horz" pos="2160">
           <p15:clr>
             <a:srgbClr val="A4A3A4"/>
@@ -154,7 +160,7 @@
       </p15:sldGuideLst>
     </p:ext>
     <p:ext uri="{2D200454-40CA-4A62-9FC3-DE9A4176ACB9}">
-      <p15:notesGuideLst xmlns:p15="http://schemas.microsoft.com/office/powerpoint/2012/main" xmlns=""/>
+      <p15:notesGuideLst xmlns="" xmlns:p15="http://schemas.microsoft.com/office/powerpoint/2012/main"/>
     </p:ext>
   </p:extLst>
 </p:presentation>
@@ -473,11 +479,11 @@
         </c:dLbls>
         <c:gapWidth val="355"/>
         <c:overlap val="-70"/>
-        <c:axId val="68125440"/>
-        <c:axId val="68126976"/>
+        <c:axId val="42776064"/>
+        <c:axId val="42777600"/>
       </c:barChart>
       <c:catAx>
-        <c:axId val="68125440"/>
+        <c:axId val="42776064"/>
         <c:scaling>
           <c:orientation val="minMax"/>
         </c:scaling>
@@ -520,7 +526,7 @@
             <a:endParaRPr lang="zh-CN"/>
           </a:p>
         </c:txPr>
-        <c:crossAx val="68126976"/>
+        <c:crossAx val="42777600"/>
         <c:crosses val="autoZero"/>
         <c:auto val="1"/>
         <c:lblAlgn val="ctr"/>
@@ -528,7 +534,7 @@
         <c:noMultiLvlLbl val="0"/>
       </c:catAx>
       <c:valAx>
-        <c:axId val="68126976"/>
+        <c:axId val="42777600"/>
         <c:scaling>
           <c:orientation val="minMax"/>
         </c:scaling>
@@ -565,7 +571,7 @@
             <a:endParaRPr lang="zh-CN"/>
           </a:p>
         </c:txPr>
-        <c:crossAx val="68125440"/>
+        <c:crossAx val="42776064"/>
         <c:crosses val="autoZero"/>
         <c:crossBetween val="between"/>
       </c:valAx>
@@ -4409,7 +4415,7 @@
           <a:p>
             <a:fld id="{DE71268B-8AC2-4239-8FAF-7C144C210720}" type="datetimeFigureOut">
               <a:rPr lang="en-US" altLang="zh-CN"/>
-              <a:t>2/21/2017</a:t>
+              <a:t>2/22/2017</a:t>
             </a:fld>
             <a:endParaRPr lang="zh-CN"/>
           </a:p>
@@ -4573,7 +4579,7 @@
           </a:lstStyle>
           <a:p>
             <a:fld id="{F5AD8362-6D63-40AC-BAA9-90C3AE6D5875}" type="datetimeFigureOut">
-              <a:t>2017/2/21</a:t>
+              <a:t>2017/2/22</a:t>
             </a:fld>
             <a:endParaRPr lang="zh-CN"/>
           </a:p>
@@ -5365,7 +5371,7 @@
           <a:lstStyle/>
           <a:p>
             <a:fld id="{5F4E5243-F52A-4D37-9694-EB26C6C31910}" type="datetime1">
-              <a:t>2017/2/21</a:t>
+              <a:t>2017/2/22</a:t>
             </a:fld>
             <a:endParaRPr lang="zh-CN"/>
           </a:p>
@@ -5562,7 +5568,7 @@
           <a:lstStyle/>
           <a:p>
             <a:fld id="{3A77B6E1-634A-48DC-9E8B-D894023267EF}" type="datetime1">
-              <a:t>2017/2/21</a:t>
+              <a:t>2017/2/22</a:t>
             </a:fld>
             <a:endParaRPr lang="zh-CN"/>
           </a:p>
@@ -5753,7 +5759,7 @@
           <a:lstStyle/>
           <a:p>
             <a:fld id="{7B2D3E9E-A95C-48F2-B4BF-A71542E0BE9A}" type="datetime1">
-              <a:t>2017/2/21</a:t>
+              <a:t>2017/2/22</a:t>
             </a:fld>
             <a:endParaRPr lang="zh-CN"/>
           </a:p>
@@ -6085,7 +6091,7 @@
           <a:lstStyle/>
           <a:p>
             <a:fld id="{A50F84E2-2D7A-43CF-AC90-352A289A783A}" type="datetime1">
-              <a:t>2017/2/21</a:t>
+              <a:t>2017/2/22</a:t>
             </a:fld>
             <a:endParaRPr lang="zh-CN"/>
           </a:p>
@@ -6394,7 +6400,7 @@
           <a:lstStyle/>
           <a:p>
             <a:fld id="{F12952B5-7A2F-4CC8-B7CE-9234E21C2837}" type="datetime1">
-              <a:t>2017/2/21</a:t>
+              <a:t>2017/2/22</a:t>
             </a:fld>
             <a:endParaRPr lang="zh-CN"/>
           </a:p>
@@ -6820,7 +6826,7 @@
           <a:lstStyle/>
           <a:p>
             <a:fld id="{CE1DA07A-9201-4B4B-BAF2-015AFA30F520}" type="datetime1">
-              <a:t>2017/2/21</a:t>
+              <a:t>2017/2/22</a:t>
             </a:fld>
             <a:endParaRPr lang="zh-CN"/>
           </a:p>
@@ -6955,7 +6961,7 @@
           <a:lstStyle/>
           <a:p>
             <a:fld id="{73D7E00A-486F-4252-8B1D-E32645521F49}" type="datetime1">
-              <a:t>2017/2/21</a:t>
+              <a:t>2017/2/22</a:t>
             </a:fld>
             <a:endParaRPr lang="zh-CN"/>
           </a:p>
@@ -7152,7 +7158,7 @@
           <a:lstStyle/>
           <a:p>
             <a:fld id="{8DDF5F92-E675-4B36-9A60-69A962A68675}" type="datetime1">
-              <a:t>2017/2/21</a:t>
+              <a:t>2017/2/22</a:t>
             </a:fld>
             <a:endParaRPr lang="zh-CN"/>
           </a:p>
@@ -7458,7 +7464,7 @@
           <a:lstStyle/>
           <a:p>
             <a:fld id="{AF6E2C9B-5FA2-460D-9BE7-B0812FC2A6FF}" type="datetime1">
-              <a:t>2017/2/21</a:t>
+              <a:t>2017/2/22</a:t>
             </a:fld>
             <a:endParaRPr lang="zh-CN"/>
           </a:p>
@@ -7749,7 +7755,7 @@
           <a:lstStyle/>
           <a:p>
             <a:fld id="{1D374940-A916-4C8B-9648-02A2D3898F9E}" type="datetime1">
-              <a:t>2017/2/21</a:t>
+              <a:t>2017/2/22</a:t>
             </a:fld>
             <a:endParaRPr lang="zh-CN"/>
           </a:p>
@@ -8188,7 +8194,7 @@
             <a:fld id="{5586B75A-687E-405C-8A0B-8D00578BA2C3}" type="datetime1">
               <a:rPr lang="en-US" altLang="zh-CN" smtClean="0"/>
               <a:pPr/>
-              <a:t>2/21/2017</a:t>
+              <a:t>2/22/2017</a:t>
             </a:fld>
             <a:endParaRPr lang="zh-CN" altLang="en-US"/>
           </a:p>
@@ -8625,7 +8631,7 @@
   </p:txStyles>
   <p:extLst mod="1">
     <p:ext uri="{27BBF7A9-308A-43DC-89C8-2F10F3537804}">
-      <p15:sldGuideLst xmlns:p15="http://schemas.microsoft.com/office/powerpoint/2012/main" xmlns="">
+      <p15:sldGuideLst xmlns="" xmlns:p15="http://schemas.microsoft.com/office/powerpoint/2012/main">
         <p15:guide id="1" orient="horz" pos="2160">
           <p15:clr>
             <a:srgbClr val="F26B43"/>
@@ -8806,8 +8812,8 @@
         </p:blipFill>
         <p:spPr>
           <a:xfrm>
-            <a:off x="1586168" y="52252"/>
-            <a:ext cx="9019664" cy="6753497"/>
+            <a:off x="2198389" y="105006"/>
+            <a:ext cx="7795223" cy="5836694"/>
           </a:xfrm>
           <a:prstGeom prst="rect">
             <a:avLst/>
@@ -8879,8 +8885,8 @@
         </p:blipFill>
         <p:spPr>
           <a:xfrm>
-            <a:off x="431928" y="342560"/>
-            <a:ext cx="11328144" cy="6172880"/>
+            <a:off x="1076145" y="342560"/>
+            <a:ext cx="10039710" cy="5470792"/>
           </a:xfrm>
           <a:prstGeom prst="rect">
             <a:avLst/>
@@ -9029,23 +9035,58 @@
             <a:endParaRPr lang="en-US" altLang="zh-CN" dirty="0" smtClean="0"/>
           </a:p>
           <a:p>
+            <a:pPr marL="45720" indent="0">
+              <a:buNone/>
+            </a:pPr>
             <a:r>
               <a:rPr lang="zh-CN" altLang="en-US" dirty="0" smtClean="0"/>
-              <a:t>可类比</a:t>
-            </a:r>
-            <a:r>
-              <a:rPr lang="en-US" altLang="zh-CN" dirty="0" smtClean="0"/>
+              <a:t>   </a:t>
+            </a:r>
+            <a:r>
+              <a:rPr lang="zh-CN" altLang="en-US" dirty="0" smtClean="0">
+                <a:solidFill>
+                  <a:srgbClr val="00B0F0"/>
+                </a:solidFill>
+              </a:rPr>
+              <a:t>可</a:t>
+            </a:r>
+            <a:r>
+              <a:rPr lang="zh-CN" altLang="en-US" dirty="0" smtClean="0">
+                <a:solidFill>
+                  <a:srgbClr val="00B0F0"/>
+                </a:solidFill>
+              </a:rPr>
+              <a:t>类比</a:t>
+            </a:r>
+            <a:r>
+              <a:rPr lang="en-US" altLang="zh-CN" dirty="0" smtClean="0">
+                <a:solidFill>
+                  <a:srgbClr val="00B0F0"/>
+                </a:solidFill>
+              </a:rPr>
               <a:t>Java</a:t>
             </a:r>
             <a:r>
-              <a:rPr lang="zh-CN" altLang="en-US" dirty="0" smtClean="0"/>
+              <a:rPr lang="zh-CN" altLang="en-US" dirty="0" smtClean="0">
+                <a:solidFill>
+                  <a:srgbClr val="00B0F0"/>
+                </a:solidFill>
+              </a:rPr>
               <a:t>中的</a:t>
             </a:r>
             <a:r>
-              <a:rPr lang="en-US" altLang="zh-CN" dirty="0"/>
+              <a:rPr lang="en-US" altLang="zh-CN" dirty="0">
+                <a:solidFill>
+                  <a:srgbClr val="00B0F0"/>
+                </a:solidFill>
+              </a:rPr>
               <a:t>ArrayBlockingQueue</a:t>
             </a:r>
-            <a:endParaRPr lang="zh-CN" dirty="0"/>
+            <a:endParaRPr lang="zh-CN" dirty="0">
+              <a:solidFill>
+                <a:srgbClr val="00B0F0"/>
+              </a:solidFill>
+            </a:endParaRPr>
           </a:p>
         </p:txBody>
       </p:sp>
@@ -9119,7 +9160,7 @@
             </a:r>
             <a:r>
               <a:rPr lang="zh-CN" altLang="en-US" dirty="0" smtClean="0"/>
-              <a:t>驱动接口</a:t>
+              <a:t>通信模型</a:t>
             </a:r>
             <a:endParaRPr lang="zh-CN" altLang="en-US" dirty="0"/>
           </a:p>
@@ -9135,37 +9176,21 @@
             <p:ph idx="1"/>
           </p:nvPr>
         </p:nvSpPr>
-        <p:spPr/>
+        <p:spPr>
+          <a:xfrm>
+            <a:off x="1341616" y="1572769"/>
+            <a:ext cx="9509760" cy="4449962"/>
+          </a:xfrm>
+        </p:spPr>
         <p:txBody>
-          <a:bodyPr/>
+          <a:bodyPr>
+            <a:normAutofit lnSpcReduction="10000"/>
+          </a:bodyPr>
           <a:lstStyle/>
           <a:p>
             <a:r>
               <a:rPr lang="zh-CN" altLang="en-US" dirty="0" smtClean="0"/>
-              <a:t>应用程序通过标准的</a:t>
-            </a:r>
-            <a:r>
-              <a:rPr lang="en-US" altLang="zh-CN" dirty="0" smtClean="0"/>
-              <a:t>Linux</a:t>
-            </a:r>
-            <a:r>
-              <a:rPr lang="zh-CN" altLang="en-US" dirty="0" smtClean="0"/>
-              <a:t>文件系统接口与</a:t>
-            </a:r>
-            <a:r>
-              <a:rPr lang="en-US" altLang="zh-CN" dirty="0" smtClean="0"/>
-              <a:t>binder</a:t>
-            </a:r>
-            <a:r>
-              <a:rPr lang="zh-CN" altLang="en-US" dirty="0" smtClean="0"/>
-              <a:t>驱动交互</a:t>
-            </a:r>
-            <a:endParaRPr lang="en-US" altLang="zh-CN" dirty="0" smtClean="0"/>
-          </a:p>
-          <a:p>
-            <a:r>
-              <a:rPr lang="zh-CN" altLang="en-US" dirty="0" smtClean="0"/>
-              <a:t>文件系统接口：</a:t>
+              <a:t>通信角色：</a:t>
             </a:r>
             <a:endParaRPr lang="en-US" altLang="zh-CN" dirty="0" smtClean="0"/>
           </a:p>
@@ -9175,40 +9200,32 @@
               <a:buAutoNum type="arabicPeriod"/>
             </a:pPr>
             <a:r>
-              <a:rPr lang="en-US" altLang="zh-CN" dirty="0" smtClean="0">
+              <a:rPr lang="en-US" altLang="zh-CN" sz="1600" dirty="0" smtClean="0">
                 <a:solidFill>
-                  <a:srgbClr val="FF9900"/>
+                  <a:srgbClr val="00B0F0"/>
                 </a:solidFill>
               </a:rPr>
-              <a:t>open() – </a:t>
-            </a:r>
-            <a:r>
-              <a:rPr lang="zh-CN" altLang="en-US" dirty="0" smtClean="0">
+              <a:t>Server – </a:t>
+            </a:r>
+            <a:r>
+              <a:rPr lang="zh-CN" altLang="en-US" sz="1600" dirty="0">
                 <a:solidFill>
-                  <a:srgbClr val="FF9900"/>
+                  <a:srgbClr val="00B0F0"/>
                 </a:solidFill>
               </a:rPr>
-              <a:t>打开</a:t>
-            </a:r>
-            <a:r>
-              <a:rPr lang="en-US" altLang="zh-CN" dirty="0" smtClean="0">
+              <a:t>相</a:t>
+            </a:r>
+            <a:r>
+              <a:rPr lang="zh-CN" altLang="en-US" sz="1600" dirty="0" smtClean="0">
                 <a:solidFill>
-                  <a:srgbClr val="FF9900"/>
+                  <a:srgbClr val="00B0F0"/>
                 </a:solidFill>
               </a:rPr>
-              <a:t>binder</a:t>
-            </a:r>
-            <a:r>
-              <a:rPr lang="zh-CN" altLang="en-US" dirty="0" smtClean="0">
-                <a:solidFill>
-                  <a:srgbClr val="FF9900"/>
-                </a:solidFill>
-              </a:rPr>
-              <a:t>驱动</a:t>
-            </a:r>
-            <a:endParaRPr lang="en-US" altLang="zh-CN" dirty="0" smtClean="0">
+              <a:t>当于服务端</a:t>
+            </a:r>
+            <a:endParaRPr lang="en-US" altLang="zh-CN" sz="1600" dirty="0" smtClean="0">
               <a:solidFill>
-                <a:srgbClr val="FF9900"/>
+                <a:srgbClr val="00B0F0"/>
               </a:solidFill>
             </a:endParaRPr>
           </a:p>
@@ -9218,24 +9235,24 @@
               <a:buAutoNum type="arabicPeriod"/>
             </a:pPr>
             <a:r>
-              <a:rPr lang="en-US" altLang="zh-CN" dirty="0" smtClean="0">
+              <a:rPr lang="en-US" altLang="zh-CN" sz="1600" dirty="0" smtClean="0">
                 <a:solidFill>
-                  <a:srgbClr val="FF9900"/>
+                  <a:srgbClr val="00B0F0"/>
                 </a:solidFill>
               </a:rPr>
-              <a:t>mmap() – </a:t>
-            </a:r>
-            <a:r>
-              <a:rPr lang="zh-CN" altLang="en-US" dirty="0" smtClean="0">
+              <a:t>Client – </a:t>
+            </a:r>
+            <a:r>
+              <a:rPr lang="zh-CN" altLang="en-US" sz="1600" dirty="0" smtClean="0">
                 <a:solidFill>
-                  <a:srgbClr val="FF9900"/>
+                  <a:srgbClr val="00B0F0"/>
                 </a:solidFill>
               </a:rPr>
-              <a:t>分配内核缓存区，并进行内存映射</a:t>
-            </a:r>
-            <a:endParaRPr lang="en-US" altLang="zh-CN" dirty="0" smtClean="0">
+              <a:t>相对于于客户端</a:t>
+            </a:r>
+            <a:endParaRPr lang="en-US" altLang="zh-CN" sz="1600" dirty="0" smtClean="0">
               <a:solidFill>
-                <a:srgbClr val="FF9900"/>
+                <a:srgbClr val="00B0F0"/>
               </a:solidFill>
             </a:endParaRPr>
           </a:p>
@@ -9245,24 +9262,24 @@
               <a:buAutoNum type="arabicPeriod"/>
             </a:pPr>
             <a:r>
-              <a:rPr lang="en-US" altLang="zh-CN" dirty="0" smtClean="0">
+              <a:rPr lang="en-US" altLang="zh-CN" sz="1600" dirty="0" smtClean="0">
                 <a:solidFill>
-                  <a:srgbClr val="FF9900"/>
+                  <a:srgbClr val="00B0F0"/>
                 </a:solidFill>
               </a:rPr>
-              <a:t>ioctl() – </a:t>
-            </a:r>
-            <a:r>
-              <a:rPr lang="zh-CN" altLang="en-US" dirty="0" smtClean="0">
+              <a:t>ServiceManager – </a:t>
+            </a:r>
+            <a:r>
+              <a:rPr lang="zh-CN" altLang="en-US" sz="1600" dirty="0" smtClean="0">
                 <a:solidFill>
-                  <a:srgbClr val="FF9900"/>
+                  <a:srgbClr val="00B0F0"/>
                 </a:solidFill>
               </a:rPr>
-              <a:t>进行数据读写</a:t>
-            </a:r>
-            <a:endParaRPr lang="en-US" altLang="zh-CN" dirty="0" smtClean="0">
+              <a:t>相对于域名服务器</a:t>
+            </a:r>
+            <a:endParaRPr lang="en-US" altLang="zh-CN" sz="1600" dirty="0" smtClean="0">
               <a:solidFill>
-                <a:srgbClr val="FF9900"/>
+                <a:srgbClr val="00B0F0"/>
               </a:solidFill>
             </a:endParaRPr>
           </a:p>
@@ -9272,32 +9289,65 @@
               <a:buAutoNum type="arabicPeriod"/>
             </a:pPr>
             <a:r>
-              <a:rPr lang="en-US" altLang="zh-CN" dirty="0" smtClean="0">
+              <a:rPr lang="en-US" altLang="zh-CN" sz="1600" dirty="0" smtClean="0">
                 <a:solidFill>
-                  <a:schemeClr val="bg1">
-                    <a:lumMod val="50000"/>
-                  </a:schemeClr>
+                  <a:srgbClr val="00B0F0"/>
                 </a:solidFill>
               </a:rPr>
-              <a:t>read() – </a:t>
-            </a:r>
-            <a:r>
-              <a:rPr lang="zh-CN" altLang="en-US" dirty="0" smtClean="0">
+              <a:t>Binder Driver – </a:t>
+            </a:r>
+            <a:r>
+              <a:rPr lang="zh-CN" altLang="en-US" sz="1600" dirty="0">
                 <a:solidFill>
-                  <a:schemeClr val="bg1">
-                    <a:lumMod val="50000"/>
-                  </a:schemeClr>
+                  <a:srgbClr val="00B0F0"/>
                 </a:solidFill>
               </a:rPr>
-              <a:t>读数据</a:t>
-            </a:r>
-            <a:endParaRPr lang="en-US" altLang="zh-CN" dirty="0" smtClean="0">
+              <a:t>负</a:t>
+            </a:r>
+            <a:r>
+              <a:rPr lang="zh-CN" altLang="en-US" sz="1600" dirty="0" smtClean="0">
+                <a:solidFill>
+                  <a:srgbClr val="00B0F0"/>
+                </a:solidFill>
+              </a:rPr>
+              <a:t>责路由（</a:t>
+            </a:r>
+            <a:r>
+              <a:rPr lang="en-US" altLang="zh-CN" sz="1600" dirty="0" smtClean="0">
+                <a:solidFill>
+                  <a:srgbClr val="00B0F0"/>
+                </a:solidFill>
+              </a:rPr>
+              <a:t>IP</a:t>
+            </a:r>
+            <a:r>
+              <a:rPr lang="zh-CN" altLang="en-US" sz="1600" dirty="0" smtClean="0">
+                <a:solidFill>
+                  <a:srgbClr val="00B0F0"/>
+                </a:solidFill>
+              </a:rPr>
+              <a:t>层、数据链路层、物理层）</a:t>
+            </a:r>
+            <a:endParaRPr lang="en-US" altLang="zh-CN" sz="1600" dirty="0" smtClean="0">
               <a:solidFill>
-                <a:schemeClr val="bg1">
-                  <a:lumMod val="50000"/>
-                </a:schemeClr>
+                <a:srgbClr val="00B0F0"/>
               </a:solidFill>
             </a:endParaRPr>
+          </a:p>
+          <a:p>
+            <a:r>
+              <a:rPr lang="zh-CN" altLang="en-US" dirty="0"/>
+              <a:t>通</a:t>
+            </a:r>
+            <a:r>
+              <a:rPr lang="zh-CN" altLang="en-US" dirty="0"/>
+              <a:t>信流程</a:t>
+            </a:r>
+            <a:r>
+              <a:rPr lang="zh-CN" altLang="en-US" dirty="0" smtClean="0"/>
+              <a:t>：</a:t>
+            </a:r>
+            <a:endParaRPr lang="en-US" altLang="zh-CN" dirty="0" smtClean="0"/>
           </a:p>
           <a:p>
             <a:pPr marL="502920" indent="-457200">
@@ -9305,39 +9355,282 @@
               <a:buAutoNum type="arabicPeriod"/>
             </a:pPr>
             <a:r>
-              <a:rPr lang="en-US" altLang="zh-CN" dirty="0" smtClean="0">
+              <a:rPr lang="en-US" altLang="zh-CN" sz="1600" dirty="0" smtClean="0">
                 <a:solidFill>
-                  <a:schemeClr val="bg1">
-                    <a:lumMod val="50000"/>
-                  </a:schemeClr>
+                  <a:srgbClr val="00B0F0"/>
                 </a:solidFill>
               </a:rPr>
-              <a:t>write() – </a:t>
-            </a:r>
-            <a:r>
-              <a:rPr lang="zh-CN" altLang="en-US" dirty="0" smtClean="0">
+              <a:t>ServiceManager</a:t>
+            </a:r>
+            <a:r>
+              <a:rPr lang="zh-CN" altLang="en-US" sz="1600" dirty="0">
                 <a:solidFill>
-                  <a:schemeClr val="bg1">
-                    <a:lumMod val="50000"/>
-                  </a:schemeClr>
+                  <a:srgbClr val="00B0F0"/>
                 </a:solidFill>
               </a:rPr>
-              <a:t>写数据</a:t>
-            </a:r>
-            <a:endParaRPr lang="zh-CN" altLang="en-US" dirty="0">
+              <a:t>随系统启动后</a:t>
+            </a:r>
+            <a:r>
+              <a:rPr lang="zh-CN" altLang="en-US" sz="1600" dirty="0" smtClean="0">
+                <a:solidFill>
+                  <a:srgbClr val="00B0F0"/>
+                </a:solidFill>
+              </a:rPr>
+              <a:t>，运行在</a:t>
+            </a:r>
+            <a:r>
+              <a:rPr lang="en-US" altLang="zh-CN" sz="1600" dirty="0" smtClean="0">
+                <a:solidFill>
+                  <a:srgbClr val="00B0F0"/>
+                </a:solidFill>
+              </a:rPr>
+              <a:t>system</a:t>
+            </a:r>
+            <a:r>
+              <a:rPr lang="zh-CN" altLang="en-US" sz="1600" dirty="0" smtClean="0">
+                <a:solidFill>
+                  <a:srgbClr val="00B0F0"/>
+                </a:solidFill>
+              </a:rPr>
+              <a:t>进程中，等</a:t>
+            </a:r>
+            <a:r>
+              <a:rPr lang="zh-CN" altLang="en-US" sz="1600" dirty="0">
+                <a:solidFill>
+                  <a:srgbClr val="00B0F0"/>
+                </a:solidFill>
+              </a:rPr>
+              <a:t>待</a:t>
+            </a:r>
+            <a:r>
+              <a:rPr lang="en-US" altLang="zh-CN" sz="1600" dirty="0">
+                <a:solidFill>
+                  <a:srgbClr val="00B0F0"/>
+                </a:solidFill>
+              </a:rPr>
+              <a:t>Client</a:t>
+            </a:r>
+            <a:r>
+              <a:rPr lang="zh-CN" altLang="en-US" sz="1600" dirty="0">
+                <a:solidFill>
+                  <a:srgbClr val="00B0F0"/>
+                </a:solidFill>
+              </a:rPr>
+              <a:t>的请</a:t>
+            </a:r>
+            <a:r>
+              <a:rPr lang="zh-CN" altLang="en-US" sz="1600" dirty="0" smtClean="0">
+                <a:solidFill>
+                  <a:srgbClr val="00B0F0"/>
+                </a:solidFill>
+              </a:rPr>
+              <a:t>求</a:t>
+            </a:r>
+            <a:endParaRPr lang="en-US" altLang="zh-CN" sz="1600" dirty="0" smtClean="0">
               <a:solidFill>
-                <a:schemeClr val="bg1">
-                  <a:lumMod val="50000"/>
-                </a:schemeClr>
+                <a:srgbClr val="00B0F0"/>
               </a:solidFill>
             </a:endParaRPr>
+          </a:p>
+          <a:p>
+            <a:pPr marL="502920" indent="-457200">
+              <a:buFont typeface="+mj-lt"/>
+              <a:buAutoNum type="arabicPeriod"/>
+            </a:pPr>
+            <a:r>
+              <a:rPr lang="en-US" altLang="zh-CN" sz="1600" dirty="0">
+                <a:solidFill>
+                  <a:srgbClr val="00B0F0"/>
+                </a:solidFill>
+              </a:rPr>
+              <a:t>Server</a:t>
+            </a:r>
+            <a:r>
+              <a:rPr lang="zh-CN" altLang="en-US" sz="1600" dirty="0">
+                <a:solidFill>
+                  <a:srgbClr val="00B0F0"/>
+                </a:solidFill>
+              </a:rPr>
+              <a:t>启动</a:t>
+            </a:r>
+            <a:r>
+              <a:rPr lang="zh-CN" altLang="en-US" sz="1600" dirty="0" smtClean="0">
+                <a:solidFill>
+                  <a:srgbClr val="00B0F0"/>
+                </a:solidFill>
+              </a:rPr>
+              <a:t>后把</a:t>
+            </a:r>
+            <a:r>
+              <a:rPr lang="zh-CN" altLang="en-US" sz="1600" dirty="0">
+                <a:solidFill>
+                  <a:srgbClr val="00B0F0"/>
+                </a:solidFill>
+              </a:rPr>
+              <a:t>自己注册到</a:t>
+            </a:r>
+            <a:r>
+              <a:rPr lang="en-US" altLang="zh-CN" sz="1600" dirty="0" smtClean="0">
+                <a:solidFill>
+                  <a:srgbClr val="00B0F0"/>
+                </a:solidFill>
+              </a:rPr>
+              <a:t>ServiceManager</a:t>
+            </a:r>
+            <a:r>
+              <a:rPr lang="zh-CN" altLang="en-US" sz="1600" dirty="0" smtClean="0">
+                <a:solidFill>
+                  <a:srgbClr val="00B0F0"/>
+                </a:solidFill>
+              </a:rPr>
+              <a:t>中</a:t>
+            </a:r>
+            <a:endParaRPr lang="en-US" altLang="zh-CN" sz="1600" dirty="0" smtClean="0">
+              <a:solidFill>
+                <a:srgbClr val="00B0F0"/>
+              </a:solidFill>
+            </a:endParaRPr>
+          </a:p>
+          <a:p>
+            <a:pPr marL="502920" indent="-457200">
+              <a:buFont typeface="+mj-lt"/>
+              <a:buAutoNum type="arabicPeriod"/>
+            </a:pPr>
+            <a:r>
+              <a:rPr lang="en-US" altLang="zh-CN" sz="1600" dirty="0" smtClean="0">
+                <a:solidFill>
+                  <a:srgbClr val="00B0F0"/>
+                </a:solidFill>
+              </a:rPr>
+              <a:t>Client</a:t>
+            </a:r>
+            <a:r>
+              <a:rPr lang="zh-CN" altLang="en-US" sz="1600" dirty="0" smtClean="0">
+                <a:solidFill>
+                  <a:srgbClr val="00B0F0"/>
+                </a:solidFill>
+              </a:rPr>
+              <a:t>向</a:t>
+            </a:r>
+            <a:r>
+              <a:rPr lang="en-US" altLang="zh-CN" sz="1600" dirty="0" smtClean="0">
+                <a:solidFill>
+                  <a:srgbClr val="00B0F0"/>
+                </a:solidFill>
+              </a:rPr>
+              <a:t>ServiceManager</a:t>
+            </a:r>
+            <a:r>
+              <a:rPr lang="zh-CN" altLang="en-US" sz="1600" dirty="0" smtClean="0">
+                <a:solidFill>
+                  <a:srgbClr val="00B0F0"/>
+                </a:solidFill>
+              </a:rPr>
+              <a:t>查询，得到</a:t>
+            </a:r>
+            <a:r>
+              <a:rPr lang="en-US" altLang="zh-CN" sz="1600" dirty="0" smtClean="0">
+                <a:solidFill>
+                  <a:srgbClr val="00B0F0"/>
+                </a:solidFill>
+              </a:rPr>
+              <a:t>Server</a:t>
+            </a:r>
+            <a:r>
+              <a:rPr lang="zh-CN" altLang="en-US" sz="1600" dirty="0" smtClean="0">
+                <a:solidFill>
+                  <a:srgbClr val="00B0F0"/>
+                </a:solidFill>
+              </a:rPr>
+              <a:t>的代理</a:t>
+            </a:r>
+            <a:endParaRPr lang="en-US" altLang="zh-CN" sz="1600" dirty="0" smtClean="0">
+              <a:solidFill>
+                <a:srgbClr val="00B0F0"/>
+              </a:solidFill>
+            </a:endParaRPr>
+          </a:p>
+          <a:p>
+            <a:pPr marL="502920" indent="-457200">
+              <a:buFont typeface="+mj-lt"/>
+              <a:buAutoNum type="arabicPeriod"/>
+            </a:pPr>
+            <a:r>
+              <a:rPr lang="en-US" altLang="zh-CN" sz="1600" dirty="0" smtClean="0">
+                <a:solidFill>
+                  <a:srgbClr val="00B0F0"/>
+                </a:solidFill>
+              </a:rPr>
+              <a:t>Client</a:t>
+            </a:r>
+            <a:r>
+              <a:rPr lang="zh-CN" altLang="en-US" sz="1600" dirty="0" smtClean="0">
+                <a:solidFill>
+                  <a:srgbClr val="00B0F0"/>
+                </a:solidFill>
+              </a:rPr>
+              <a:t>通过</a:t>
+            </a:r>
+            <a:r>
+              <a:rPr lang="en-US" altLang="zh-CN" sz="1600" dirty="0" smtClean="0">
+                <a:solidFill>
+                  <a:srgbClr val="00B0F0"/>
+                </a:solidFill>
+              </a:rPr>
+              <a:t>Server</a:t>
+            </a:r>
+            <a:r>
+              <a:rPr lang="zh-CN" altLang="en-US" sz="1600" dirty="0" smtClean="0">
+                <a:solidFill>
+                  <a:srgbClr val="00B0F0"/>
+                </a:solidFill>
+              </a:rPr>
+              <a:t>的代理和</a:t>
+            </a:r>
+            <a:r>
+              <a:rPr lang="en-US" altLang="zh-CN" sz="1600" dirty="0" smtClean="0">
+                <a:solidFill>
+                  <a:srgbClr val="00B0F0"/>
+                </a:solidFill>
+              </a:rPr>
+              <a:t>Server</a:t>
+            </a:r>
+            <a:r>
+              <a:rPr lang="zh-CN" altLang="en-US" sz="1600" dirty="0" smtClean="0">
+                <a:solidFill>
+                  <a:srgbClr val="00B0F0"/>
+                </a:solidFill>
+              </a:rPr>
+              <a:t>通信</a:t>
+            </a:r>
+            <a:endParaRPr lang="en-US" altLang="zh-CN" sz="1600" dirty="0" smtClean="0">
+              <a:solidFill>
+                <a:srgbClr val="00B0F0"/>
+              </a:solidFill>
+            </a:endParaRPr>
+          </a:p>
+          <a:p>
+            <a:pPr marL="502920" indent="-457200">
+              <a:buFont typeface="+mj-lt"/>
+              <a:buAutoNum type="arabicPeriod"/>
+            </a:pPr>
+            <a:endParaRPr lang="en-US" altLang="zh-CN" sz="1600" dirty="0"/>
+          </a:p>
+          <a:p>
+            <a:pPr marL="45720" indent="0">
+              <a:buNone/>
+            </a:pPr>
+            <a:endParaRPr lang="en-US" altLang="zh-CN" dirty="0" smtClean="0"/>
+          </a:p>
+          <a:p>
+            <a:endParaRPr lang="zh-CN" altLang="en-US" dirty="0"/>
           </a:p>
         </p:txBody>
       </p:sp>
     </p:spTree>
     <p:extLst>
       <p:ext uri="{BB962C8B-B14F-4D97-AF65-F5344CB8AC3E}">
-        <p14:creationId xmlns:p14="http://schemas.microsoft.com/office/powerpoint/2010/main" val="7259544"/>
+        <p14:creationId xmlns:p14="http://schemas.microsoft.com/office/powerpoint/2010/main" val="2373211607"/>
       </p:ext>
     </p:extLst>
   </p:cSld>
@@ -9385,6 +9678,530 @@
       </p:grpSpPr>
       <p:pic>
         <p:nvPicPr>
+          <p:cNvPr id="2051" name="Picture 3"/>
+          <p:cNvPicPr>
+            <a:picLocks noChangeAspect="1" noChangeArrowheads="1"/>
+          </p:cNvPicPr>
+          <p:nvPr/>
+        </p:nvPicPr>
+        <p:blipFill>
+          <a:blip r:embed="rId2">
+            <a:extLst>
+              <a:ext uri="{28A0092B-C50C-407E-A947-70E740481C1C}">
+                <a14:useLocalDpi xmlns:a14="http://schemas.microsoft.com/office/drawing/2010/main" val="0"/>
+              </a:ext>
+            </a:extLst>
+          </a:blip>
+          <a:srcRect/>
+          <a:stretch>
+            <a:fillRect/>
+          </a:stretch>
+        </p:blipFill>
+        <p:spPr bwMode="auto">
+          <a:xfrm>
+            <a:off x="1499516" y="228600"/>
+            <a:ext cx="9192968" cy="5466969"/>
+          </a:xfrm>
+          <a:prstGeom prst="rect">
+            <a:avLst/>
+          </a:prstGeom>
+          <a:noFill/>
+          <a:ln>
+            <a:noFill/>
+          </a:ln>
+          <a:effectLst/>
+          <a:extLst>
+            <a:ext uri="{909E8E84-426E-40DD-AFC4-6F175D3DCCD1}">
+              <a14:hiddenFill xmlns:a14="http://schemas.microsoft.com/office/drawing/2010/main">
+                <a:solidFill>
+                  <a:schemeClr val="accent1"/>
+                </a:solidFill>
+              </a14:hiddenFill>
+            </a:ext>
+            <a:ext uri="{91240B29-F687-4F45-9708-019B960494DF}">
+              <a14:hiddenLine xmlns:a14="http://schemas.microsoft.com/office/drawing/2010/main" w="9525">
+                <a:solidFill>
+                  <a:schemeClr val="tx1"/>
+                </a:solidFill>
+                <a:miter lim="800000"/>
+                <a:headEnd/>
+                <a:tailEnd/>
+              </a14:hiddenLine>
+            </a:ext>
+            <a:ext uri="{AF507438-7753-43E0-B8FC-AC1667EBCBE1}">
+              <a14:hiddenEffects xmlns:a14="http://schemas.microsoft.com/office/drawing/2010/main">
+                <a:effectLst>
+                  <a:outerShdw dist="35921" dir="2700000" algn="ctr" rotWithShape="0">
+                    <a:schemeClr val="bg2"/>
+                  </a:outerShdw>
+                </a:effectLst>
+              </a14:hiddenEffects>
+            </a:ext>
+          </a:extLst>
+        </p:spPr>
+      </p:pic>
+    </p:spTree>
+    <p:extLst>
+      <p:ext uri="{BB962C8B-B14F-4D97-AF65-F5344CB8AC3E}">
+        <p14:creationId xmlns:p14="http://schemas.microsoft.com/office/powerpoint/2010/main" val="484708984"/>
+      </p:ext>
+    </p:extLst>
+  </p:cSld>
+  <p:clrMapOvr>
+    <a:masterClrMapping/>
+  </p:clrMapOvr>
+  <mc:AlternateContent xmlns:mc="http://schemas.openxmlformats.org/markup-compatibility/2006" xmlns:p14="http://schemas.microsoft.com/office/powerpoint/2010/main">
+    <mc:Choice Requires="p14">
+      <p:transition spd="med" p14:dur="700">
+        <p:fade/>
+      </p:transition>
+    </mc:Choice>
+    <mc:Fallback xmlns="">
+      <p:transition spd="med">
+        <p:fade/>
+      </p:transition>
+    </mc:Fallback>
+  </mc:AlternateContent>
+</p:sld>
+</file>
+
+<file path=ppt/slides/slide15.xml><?xml version="1.0" encoding="utf-8"?>
+<p:sld xmlns:a="http://schemas.openxmlformats.org/drawingml/2006/main" xmlns:r="http://schemas.openxmlformats.org/officeDocument/2006/relationships" xmlns:p="http://schemas.openxmlformats.org/presentationml/2006/main">
+  <p:cSld>
+    <p:spTree>
+      <p:nvGrpSpPr>
+        <p:cNvPr id="1" name=""/>
+        <p:cNvGrpSpPr/>
+        <p:nvPr/>
+      </p:nvGrpSpPr>
+      <p:grpSpPr>
+        <a:xfrm>
+          <a:off x="0" y="0"/>
+          <a:ext cx="0" cy="0"/>
+          <a:chOff x="0" y="0"/>
+          <a:chExt cx="0" cy="0"/>
+        </a:xfrm>
+      </p:grpSpPr>
+      <p:sp>
+        <p:nvSpPr>
+          <p:cNvPr id="2" name="标题 1"/>
+          <p:cNvSpPr>
+            <a:spLocks noGrp="1"/>
+          </p:cNvSpPr>
+          <p:nvPr>
+            <p:ph type="title"/>
+          </p:nvPr>
+        </p:nvSpPr>
+        <p:spPr/>
+        <p:txBody>
+          <a:bodyPr/>
+          <a:lstStyle/>
+          <a:p>
+            <a:r>
+              <a:rPr lang="en-US" altLang="zh-CN" dirty="0" smtClean="0"/>
+              <a:t>Binder</a:t>
+            </a:r>
+            <a:r>
+              <a:rPr lang="zh-CN" altLang="en-US" dirty="0" smtClean="0"/>
+              <a:t>在各层的表示</a:t>
+            </a:r>
+            <a:endParaRPr lang="zh-CN" altLang="en-US" dirty="0"/>
+          </a:p>
+        </p:txBody>
+      </p:sp>
+      <p:pic>
+        <p:nvPicPr>
+          <p:cNvPr id="4098" name="Picture 2"/>
+          <p:cNvPicPr>
+            <a:picLocks noChangeAspect="1" noChangeArrowheads="1"/>
+          </p:cNvPicPr>
+          <p:nvPr/>
+        </p:nvPicPr>
+        <p:blipFill>
+          <a:blip r:embed="rId2">
+            <a:extLst>
+              <a:ext uri="{28A0092B-C50C-407E-A947-70E740481C1C}">
+                <a14:useLocalDpi xmlns:a14="http://schemas.microsoft.com/office/drawing/2010/main" val="0"/>
+              </a:ext>
+            </a:extLst>
+          </a:blip>
+          <a:srcRect/>
+          <a:stretch>
+            <a:fillRect/>
+          </a:stretch>
+        </p:blipFill>
+        <p:spPr bwMode="auto">
+          <a:xfrm>
+            <a:off x="2937251" y="1685251"/>
+            <a:ext cx="6317498" cy="4293518"/>
+          </a:xfrm>
+          <a:prstGeom prst="rect">
+            <a:avLst/>
+          </a:prstGeom>
+          <a:noFill/>
+          <a:ln>
+            <a:noFill/>
+          </a:ln>
+          <a:effectLst/>
+          <a:extLst>
+            <a:ext uri="{909E8E84-426E-40DD-AFC4-6F175D3DCCD1}">
+              <a14:hiddenFill xmlns:a14="http://schemas.microsoft.com/office/drawing/2010/main">
+                <a:solidFill>
+                  <a:schemeClr val="accent1"/>
+                </a:solidFill>
+              </a14:hiddenFill>
+            </a:ext>
+            <a:ext uri="{91240B29-F687-4F45-9708-019B960494DF}">
+              <a14:hiddenLine xmlns:a14="http://schemas.microsoft.com/office/drawing/2010/main" w="9525">
+                <a:solidFill>
+                  <a:schemeClr val="tx1"/>
+                </a:solidFill>
+                <a:miter lim="800000"/>
+                <a:headEnd/>
+                <a:tailEnd/>
+              </a14:hiddenLine>
+            </a:ext>
+            <a:ext uri="{AF507438-7753-43E0-B8FC-AC1667EBCBE1}">
+              <a14:hiddenEffects xmlns:a14="http://schemas.microsoft.com/office/drawing/2010/main">
+                <a:effectLst>
+                  <a:outerShdw dist="35921" dir="2700000" algn="ctr" rotWithShape="0">
+                    <a:schemeClr val="bg2"/>
+                  </a:outerShdw>
+                </a:effectLst>
+              </a14:hiddenEffects>
+            </a:ext>
+          </a:extLst>
+        </p:spPr>
+      </p:pic>
+    </p:spTree>
+    <p:extLst>
+      <p:ext uri="{BB962C8B-B14F-4D97-AF65-F5344CB8AC3E}">
+        <p14:creationId xmlns:p14="http://schemas.microsoft.com/office/powerpoint/2010/main" val="47493259"/>
+      </p:ext>
+    </p:extLst>
+  </p:cSld>
+  <p:clrMapOvr>
+    <a:masterClrMapping/>
+  </p:clrMapOvr>
+  <mc:AlternateContent xmlns:mc="http://schemas.openxmlformats.org/markup-compatibility/2006" xmlns:p14="http://schemas.microsoft.com/office/powerpoint/2010/main">
+    <mc:Choice Requires="p14">
+      <p:transition spd="med" p14:dur="700">
+        <p:fade/>
+      </p:transition>
+    </mc:Choice>
+    <mc:Fallback xmlns="">
+      <p:transition spd="med">
+        <p:fade/>
+      </p:transition>
+    </mc:Fallback>
+  </mc:AlternateContent>
+</p:sld>
+</file>
+
+<file path=ppt/slides/slide16.xml><?xml version="1.0" encoding="utf-8"?>
+<p:sld xmlns:a="http://schemas.openxmlformats.org/drawingml/2006/main" xmlns:r="http://schemas.openxmlformats.org/officeDocument/2006/relationships" xmlns:p="http://schemas.openxmlformats.org/presentationml/2006/main">
+  <p:cSld>
+    <p:spTree>
+      <p:nvGrpSpPr>
+        <p:cNvPr id="1" name=""/>
+        <p:cNvGrpSpPr/>
+        <p:nvPr/>
+      </p:nvGrpSpPr>
+      <p:grpSpPr>
+        <a:xfrm>
+          <a:off x="0" y="0"/>
+          <a:ext cx="0" cy="0"/>
+          <a:chOff x="0" y="0"/>
+          <a:chExt cx="0" cy="0"/>
+        </a:xfrm>
+      </p:grpSpPr>
+      <p:sp>
+        <p:nvSpPr>
+          <p:cNvPr id="2" name="标题 1"/>
+          <p:cNvSpPr>
+            <a:spLocks noGrp="1"/>
+          </p:cNvSpPr>
+          <p:nvPr>
+            <p:ph type="title"/>
+          </p:nvPr>
+        </p:nvSpPr>
+        <p:spPr/>
+        <p:txBody>
+          <a:bodyPr/>
+          <a:lstStyle/>
+          <a:p>
+            <a:r>
+              <a:rPr lang="en-US" altLang="zh-CN" dirty="0" smtClean="0"/>
+              <a:t>Binder</a:t>
+            </a:r>
+            <a:r>
+              <a:rPr lang="zh-CN" altLang="en-US" dirty="0" smtClean="0"/>
+              <a:t>驱动接口</a:t>
+            </a:r>
+            <a:endParaRPr lang="zh-CN" altLang="en-US" dirty="0"/>
+          </a:p>
+        </p:txBody>
+      </p:sp>
+      <p:sp>
+        <p:nvSpPr>
+          <p:cNvPr id="3" name="内容占位符 2"/>
+          <p:cNvSpPr>
+            <a:spLocks noGrp="1"/>
+          </p:cNvSpPr>
+          <p:nvPr>
+            <p:ph idx="1"/>
+          </p:nvPr>
+        </p:nvSpPr>
+        <p:spPr/>
+        <p:txBody>
+          <a:bodyPr/>
+          <a:lstStyle/>
+          <a:p>
+            <a:r>
+              <a:rPr lang="zh-CN" altLang="en-US" dirty="0" smtClean="0"/>
+              <a:t>应用程序通过标准的</a:t>
+            </a:r>
+            <a:r>
+              <a:rPr lang="en-US" altLang="zh-CN" dirty="0" smtClean="0"/>
+              <a:t>Linux</a:t>
+            </a:r>
+            <a:r>
+              <a:rPr lang="zh-CN" altLang="en-US" dirty="0" smtClean="0"/>
+              <a:t>文件系统接口与</a:t>
+            </a:r>
+            <a:r>
+              <a:rPr lang="en-US" altLang="zh-CN" dirty="0" smtClean="0"/>
+              <a:t>binder</a:t>
+            </a:r>
+            <a:r>
+              <a:rPr lang="zh-CN" altLang="en-US" dirty="0" smtClean="0"/>
+              <a:t>驱动交互</a:t>
+            </a:r>
+            <a:endParaRPr lang="en-US" altLang="zh-CN" dirty="0" smtClean="0"/>
+          </a:p>
+          <a:p>
+            <a:r>
+              <a:rPr lang="zh-CN" altLang="en-US" dirty="0" smtClean="0"/>
+              <a:t>文件系统接口：</a:t>
+            </a:r>
+            <a:endParaRPr lang="en-US" altLang="zh-CN" dirty="0" smtClean="0"/>
+          </a:p>
+          <a:p>
+            <a:pPr marL="502920" indent="-457200">
+              <a:buFont typeface="+mj-lt"/>
+              <a:buAutoNum type="arabicPeriod"/>
+            </a:pPr>
+            <a:r>
+              <a:rPr lang="en-US" altLang="zh-CN" dirty="0" smtClean="0">
+                <a:solidFill>
+                  <a:srgbClr val="FF9900"/>
+                </a:solidFill>
+              </a:rPr>
+              <a:t>open() – </a:t>
+            </a:r>
+            <a:r>
+              <a:rPr lang="zh-CN" altLang="en-US" dirty="0" smtClean="0">
+                <a:solidFill>
+                  <a:srgbClr val="FF9900"/>
+                </a:solidFill>
+              </a:rPr>
+              <a:t>打开</a:t>
+            </a:r>
+            <a:r>
+              <a:rPr lang="en-US" altLang="zh-CN" dirty="0" smtClean="0">
+                <a:solidFill>
+                  <a:srgbClr val="FF9900"/>
+                </a:solidFill>
+              </a:rPr>
+              <a:t>binder</a:t>
+            </a:r>
+            <a:r>
+              <a:rPr lang="zh-CN" altLang="en-US" dirty="0" smtClean="0">
+                <a:solidFill>
+                  <a:srgbClr val="FF9900"/>
+                </a:solidFill>
+              </a:rPr>
+              <a:t>驱动</a:t>
+            </a:r>
+            <a:endParaRPr lang="en-US" altLang="zh-CN" dirty="0" smtClean="0">
+              <a:solidFill>
+                <a:srgbClr val="FF9900"/>
+              </a:solidFill>
+            </a:endParaRPr>
+          </a:p>
+          <a:p>
+            <a:pPr marL="502920" indent="-457200">
+              <a:buFont typeface="+mj-lt"/>
+              <a:buAutoNum type="arabicPeriod"/>
+            </a:pPr>
+            <a:r>
+              <a:rPr lang="en-US" altLang="zh-CN" dirty="0" smtClean="0">
+                <a:solidFill>
+                  <a:srgbClr val="FF9900"/>
+                </a:solidFill>
+              </a:rPr>
+              <a:t>mmap() – </a:t>
+            </a:r>
+            <a:r>
+              <a:rPr lang="zh-CN" altLang="en-US" dirty="0" smtClean="0">
+                <a:solidFill>
+                  <a:srgbClr val="FF9900"/>
+                </a:solidFill>
+              </a:rPr>
+              <a:t>分配内核缓存区，并进行内存映射</a:t>
+            </a:r>
+            <a:endParaRPr lang="en-US" altLang="zh-CN" dirty="0" smtClean="0">
+              <a:solidFill>
+                <a:srgbClr val="FF9900"/>
+              </a:solidFill>
+            </a:endParaRPr>
+          </a:p>
+          <a:p>
+            <a:pPr marL="502920" indent="-457200">
+              <a:buFont typeface="+mj-lt"/>
+              <a:buAutoNum type="arabicPeriod"/>
+            </a:pPr>
+            <a:r>
+              <a:rPr lang="en-US" altLang="zh-CN" dirty="0" smtClean="0">
+                <a:solidFill>
+                  <a:srgbClr val="FF9900"/>
+                </a:solidFill>
+              </a:rPr>
+              <a:t>ioctl() – </a:t>
+            </a:r>
+            <a:r>
+              <a:rPr lang="zh-CN" altLang="en-US" dirty="0" smtClean="0">
+                <a:solidFill>
+                  <a:srgbClr val="FF9900"/>
+                </a:solidFill>
+              </a:rPr>
+              <a:t>进行数据读写</a:t>
+            </a:r>
+            <a:endParaRPr lang="en-US" altLang="zh-CN" dirty="0" smtClean="0">
+              <a:solidFill>
+                <a:srgbClr val="FF9900"/>
+              </a:solidFill>
+            </a:endParaRPr>
+          </a:p>
+          <a:p>
+            <a:pPr marL="502920" indent="-457200">
+              <a:buFont typeface="+mj-lt"/>
+              <a:buAutoNum type="arabicPeriod"/>
+            </a:pPr>
+            <a:r>
+              <a:rPr lang="en-US" altLang="zh-CN" dirty="0" smtClean="0">
+                <a:solidFill>
+                  <a:schemeClr val="bg1">
+                    <a:lumMod val="50000"/>
+                  </a:schemeClr>
+                </a:solidFill>
+              </a:rPr>
+              <a:t>read() – </a:t>
+            </a:r>
+            <a:r>
+              <a:rPr lang="zh-CN" altLang="en-US" dirty="0" smtClean="0">
+                <a:solidFill>
+                  <a:schemeClr val="bg1">
+                    <a:lumMod val="50000"/>
+                  </a:schemeClr>
+                </a:solidFill>
+              </a:rPr>
+              <a:t>读数据</a:t>
+            </a:r>
+            <a:endParaRPr lang="en-US" altLang="zh-CN" dirty="0" smtClean="0">
+              <a:solidFill>
+                <a:schemeClr val="bg1">
+                  <a:lumMod val="50000"/>
+                </a:schemeClr>
+              </a:solidFill>
+            </a:endParaRPr>
+          </a:p>
+          <a:p>
+            <a:pPr marL="502920" indent="-457200">
+              <a:buFont typeface="+mj-lt"/>
+              <a:buAutoNum type="arabicPeriod"/>
+            </a:pPr>
+            <a:r>
+              <a:rPr lang="en-US" altLang="zh-CN" dirty="0" smtClean="0">
+                <a:solidFill>
+                  <a:schemeClr val="bg1">
+                    <a:lumMod val="50000"/>
+                  </a:schemeClr>
+                </a:solidFill>
+              </a:rPr>
+              <a:t>write() – </a:t>
+            </a:r>
+            <a:r>
+              <a:rPr lang="zh-CN" altLang="en-US" dirty="0" smtClean="0">
+                <a:solidFill>
+                  <a:schemeClr val="bg1">
+                    <a:lumMod val="50000"/>
+                  </a:schemeClr>
+                </a:solidFill>
+              </a:rPr>
+              <a:t>写数据</a:t>
+            </a:r>
+            <a:endParaRPr lang="zh-CN" altLang="en-US" dirty="0">
+              <a:solidFill>
+                <a:schemeClr val="bg1">
+                  <a:lumMod val="50000"/>
+                </a:schemeClr>
+              </a:solidFill>
+            </a:endParaRPr>
+          </a:p>
+        </p:txBody>
+      </p:sp>
+    </p:spTree>
+    <p:extLst>
+      <p:ext uri="{BB962C8B-B14F-4D97-AF65-F5344CB8AC3E}">
+        <p14:creationId xmlns:p14="http://schemas.microsoft.com/office/powerpoint/2010/main" val="7259544"/>
+      </p:ext>
+    </p:extLst>
+  </p:cSld>
+  <p:clrMapOvr>
+    <a:masterClrMapping/>
+  </p:clrMapOvr>
+  <mc:AlternateContent xmlns:mc="http://schemas.openxmlformats.org/markup-compatibility/2006" xmlns:p14="http://schemas.microsoft.com/office/powerpoint/2010/main">
+    <mc:Choice Requires="p14">
+      <p:transition spd="med" p14:dur="700">
+        <p:fade/>
+      </p:transition>
+    </mc:Choice>
+    <mc:Fallback xmlns="">
+      <p:transition spd="med">
+        <p:fade/>
+      </p:transition>
+    </mc:Fallback>
+  </mc:AlternateContent>
+  <p:timing>
+    <p:tnLst>
+      <p:par>
+        <p:cTn id="1" dur="indefinite" restart="never" nodeType="tmRoot"/>
+      </p:par>
+    </p:tnLst>
+  </p:timing>
+</p:sld>
+</file>
+
+<file path=ppt/slides/slide17.xml><?xml version="1.0" encoding="utf-8"?>
+<p:sld xmlns:a="http://schemas.openxmlformats.org/drawingml/2006/main" xmlns:r="http://schemas.openxmlformats.org/officeDocument/2006/relationships" xmlns:p="http://schemas.openxmlformats.org/presentationml/2006/main">
+  <p:cSld>
+    <p:spTree>
+      <p:nvGrpSpPr>
+        <p:cNvPr id="1" name=""/>
+        <p:cNvGrpSpPr/>
+        <p:nvPr/>
+      </p:nvGrpSpPr>
+      <p:grpSpPr>
+        <a:xfrm>
+          <a:off x="0" y="0"/>
+          <a:ext cx="0" cy="0"/>
+          <a:chOff x="0" y="0"/>
+          <a:chExt cx="0" cy="0"/>
+        </a:xfrm>
+      </p:grpSpPr>
+      <p:pic>
+        <p:nvPicPr>
           <p:cNvPr id="5" name="图片 4"/>
           <p:cNvPicPr>
             <a:picLocks noChangeAspect="1"/>
@@ -9399,8 +10216,8 @@
         </p:blipFill>
         <p:spPr>
           <a:xfrm>
-            <a:off x="2166425" y="282895"/>
-            <a:ext cx="7920110" cy="6341015"/>
+            <a:off x="2558855" y="282895"/>
+            <a:ext cx="7074290" cy="5663833"/>
           </a:xfrm>
           <a:prstGeom prst="rect">
             <a:avLst/>
@@ -9439,7 +10256,7 @@
 </p:sld>
 </file>
 
-<file path=ppt/slides/slide15.xml><?xml version="1.0" encoding="utf-8"?>
+<file path=ppt/slides/slide18.xml><?xml version="1.0" encoding="utf-8"?>
 <p:sld xmlns:a="http://schemas.openxmlformats.org/drawingml/2006/main" xmlns:r="http://schemas.openxmlformats.org/officeDocument/2006/relationships" xmlns:p="http://schemas.openxmlformats.org/presentationml/2006/main">
   <p:cSld>
     <p:spTree>
@@ -9512,7 +10329,7 @@
 </p:sld>
 </file>
 
-<file path=ppt/slides/slide16.xml><?xml version="1.0" encoding="utf-8"?>
+<file path=ppt/slides/slide19.xml><?xml version="1.0" encoding="utf-8"?>
 <p:sld xmlns:a="http://schemas.openxmlformats.org/drawingml/2006/main" xmlns:r="http://schemas.openxmlformats.org/officeDocument/2006/relationships" xmlns:p="http://schemas.openxmlformats.org/presentationml/2006/main">
   <p:cSld>
     <p:spTree>
@@ -9569,11 +10386,7 @@
           <a:p>
             <a:r>
               <a:rPr lang="zh-CN" altLang="en-US" dirty="0" smtClean="0"/>
-              <a:t>做三</a:t>
-            </a:r>
-            <a:r>
-              <a:rPr lang="zh-CN" altLang="en-US" dirty="0" smtClean="0"/>
-              <a:t>件事：</a:t>
+              <a:t>做三件事：</a:t>
             </a:r>
             <a:endParaRPr lang="en-US" altLang="zh-CN" dirty="0" smtClean="0"/>
           </a:p>
@@ -9699,7 +10512,160 @@
 </p:sld>
 </file>
 
-<file path=ppt/slides/slide17.xml><?xml version="1.0" encoding="utf-8"?>
+<file path=ppt/slides/slide2.xml><?xml version="1.0" encoding="utf-8"?>
+<p:sld xmlns:a="http://schemas.openxmlformats.org/drawingml/2006/main" xmlns:r="http://schemas.openxmlformats.org/officeDocument/2006/relationships" xmlns:p="http://schemas.openxmlformats.org/presentationml/2006/main">
+  <p:cSld>
+    <p:spTree>
+      <p:nvGrpSpPr>
+        <p:cNvPr id="1" name=""/>
+        <p:cNvGrpSpPr/>
+        <p:nvPr/>
+      </p:nvGrpSpPr>
+      <p:grpSpPr>
+        <a:xfrm>
+          <a:off x="0" y="0"/>
+          <a:ext cx="0" cy="0"/>
+          <a:chOff x="0" y="0"/>
+          <a:chExt cx="0" cy="0"/>
+        </a:xfrm>
+      </p:grpSpPr>
+      <p:sp>
+        <p:nvSpPr>
+          <p:cNvPr id="2" name="标题 1"/>
+          <p:cNvSpPr>
+            <a:spLocks noGrp="1"/>
+          </p:cNvSpPr>
+          <p:nvPr>
+            <p:ph type="title"/>
+          </p:nvPr>
+        </p:nvSpPr>
+        <p:spPr/>
+        <p:txBody>
+          <a:bodyPr/>
+          <a:lstStyle/>
+          <a:p>
+            <a:r>
+              <a:rPr lang="en-US" altLang="zh-CN" dirty="0" smtClean="0"/>
+              <a:t>Binder</a:t>
+            </a:r>
+            <a:r>
+              <a:rPr lang="zh-CN" altLang="en-US" dirty="0" smtClean="0"/>
+              <a:t>通信机制特点</a:t>
+            </a:r>
+            <a:endParaRPr lang="zh-CN" altLang="en-US" dirty="0"/>
+          </a:p>
+        </p:txBody>
+      </p:sp>
+      <p:sp>
+        <p:nvSpPr>
+          <p:cNvPr id="3" name="内容占位符 2"/>
+          <p:cNvSpPr>
+            <a:spLocks noGrp="1"/>
+          </p:cNvSpPr>
+          <p:nvPr>
+            <p:ph idx="1"/>
+          </p:nvPr>
+        </p:nvSpPr>
+        <p:spPr/>
+        <p:txBody>
+          <a:bodyPr/>
+          <a:lstStyle/>
+          <a:p>
+            <a:r>
+              <a:rPr lang="zh-CN" altLang="en-US" dirty="0" smtClean="0"/>
+              <a:t>高效。进程直接的数据传输只需一次内存拷贝</a:t>
+            </a:r>
+            <a:endParaRPr lang="en-US" altLang="zh-CN" dirty="0" smtClean="0"/>
+          </a:p>
+          <a:p>
+            <a:r>
+              <a:rPr lang="zh-CN" altLang="en-US" dirty="0" smtClean="0"/>
+              <a:t>安全。通信数据携带</a:t>
+            </a:r>
+            <a:r>
+              <a:rPr lang="en-US" altLang="zh-CN" dirty="0" smtClean="0"/>
+              <a:t>pid</a:t>
+            </a:r>
+            <a:r>
+              <a:rPr lang="zh-CN" altLang="en-US" dirty="0" smtClean="0"/>
+              <a:t>和</a:t>
+            </a:r>
+            <a:r>
+              <a:rPr lang="en-US" altLang="zh-CN" dirty="0" smtClean="0"/>
+              <a:t>uid</a:t>
+            </a:r>
+            <a:r>
+              <a:rPr lang="zh-CN" altLang="en-US" dirty="0" smtClean="0"/>
+              <a:t>，方便接收进程做权限控制</a:t>
+            </a:r>
+            <a:endParaRPr lang="en-US" altLang="zh-CN" dirty="0" smtClean="0"/>
+          </a:p>
+          <a:p>
+            <a:r>
+              <a:rPr lang="zh-CN" altLang="en-US" dirty="0" smtClean="0"/>
+              <a:t>面向对象。提供了一种进程间</a:t>
+            </a:r>
+            <a:r>
+              <a:rPr lang="en-US" altLang="zh-CN" dirty="0" smtClean="0"/>
+              <a:t>RPC</a:t>
+            </a:r>
+            <a:r>
+              <a:rPr lang="zh-CN" altLang="en-US" dirty="0" smtClean="0"/>
+              <a:t>（</a:t>
+            </a:r>
+            <a:r>
+              <a:rPr lang="en-US" altLang="zh-CN" dirty="0" smtClean="0"/>
+              <a:t>Remote </a:t>
+            </a:r>
+            <a:r>
+              <a:rPr lang="en-US" altLang="zh-CN" dirty="0"/>
+              <a:t>Procedure </a:t>
+            </a:r>
+            <a:r>
+              <a:rPr lang="en-US" altLang="zh-CN" dirty="0" smtClean="0"/>
+              <a:t>Call</a:t>
+            </a:r>
+            <a:r>
+              <a:rPr lang="zh-CN" altLang="en-US" dirty="0" smtClean="0"/>
+              <a:t>）机制</a:t>
+            </a:r>
+            <a:endParaRPr lang="zh-CN" altLang="en-US" dirty="0"/>
+          </a:p>
+        </p:txBody>
+      </p:sp>
+    </p:spTree>
+    <p:extLst>
+      <p:ext uri="{BB962C8B-B14F-4D97-AF65-F5344CB8AC3E}">
+        <p14:creationId xmlns:p14="http://schemas.microsoft.com/office/powerpoint/2010/main" val="1943903244"/>
+      </p:ext>
+    </p:extLst>
+  </p:cSld>
+  <p:clrMapOvr>
+    <a:masterClrMapping/>
+  </p:clrMapOvr>
+  <mc:AlternateContent xmlns:mc="http://schemas.openxmlformats.org/markup-compatibility/2006" xmlns:p14="http://schemas.microsoft.com/office/powerpoint/2010/main">
+    <mc:Choice Requires="p14">
+      <p:transition spd="med" p14:dur="700">
+        <p:fade/>
+      </p:transition>
+    </mc:Choice>
+    <mc:Fallback xmlns="">
+      <p:transition spd="med">
+        <p:fade/>
+      </p:transition>
+    </mc:Fallback>
+  </mc:AlternateContent>
+  <p:timing>
+    <p:tnLst>
+      <p:par>
+        <p:cTn id="1" dur="indefinite" restart="never" nodeType="tmRoot"/>
+      </p:par>
+    </p:tnLst>
+  </p:timing>
+</p:sld>
+</file>
+
+<file path=ppt/slides/slide20.xml><?xml version="1.0" encoding="utf-8"?>
 <p:sld xmlns:a="http://schemas.openxmlformats.org/drawingml/2006/main" xmlns:r="http://schemas.openxmlformats.org/officeDocument/2006/relationships" xmlns:p="http://schemas.openxmlformats.org/presentationml/2006/main">
   <p:cSld>
     <p:spTree>
@@ -9802,7 +10768,7 @@
 </p:sld>
 </file>
 
-<file path=ppt/slides/slide18.xml><?xml version="1.0" encoding="utf-8"?>
+<file path=ppt/slides/slide21.xml><?xml version="1.0" encoding="utf-8"?>
 <p:sld xmlns:a="http://schemas.openxmlformats.org/drawingml/2006/main" xmlns:r="http://schemas.openxmlformats.org/officeDocument/2006/relationships" xmlns:p="http://schemas.openxmlformats.org/presentationml/2006/main">
   <p:cSld>
     <p:spTree>
@@ -9859,11 +10825,7 @@
           <a:p>
             <a:r>
               <a:rPr lang="zh-CN" altLang="en-US" dirty="0" smtClean="0"/>
-              <a:t>做三</a:t>
-            </a:r>
-            <a:r>
-              <a:rPr lang="zh-CN" altLang="en-US" dirty="0" smtClean="0"/>
-              <a:t>件事：</a:t>
+              <a:t>做三件事：</a:t>
             </a:r>
             <a:endParaRPr lang="en-US" altLang="zh-CN" dirty="0" smtClean="0"/>
           </a:p>
@@ -9958,7 +10920,7 @@
 </p:sld>
 </file>
 
-<file path=ppt/slides/slide19.xml><?xml version="1.0" encoding="utf-8"?>
+<file path=ppt/slides/slide22.xml><?xml version="1.0" encoding="utf-8"?>
 <p:sld xmlns:a="http://schemas.openxmlformats.org/drawingml/2006/main" xmlns:r="http://schemas.openxmlformats.org/officeDocument/2006/relationships" xmlns:p="http://schemas.openxmlformats.org/presentationml/2006/main">
   <p:cSld>
     <p:spTree>
@@ -10061,7 +11023,7 @@
 </p:sld>
 </file>
 
-<file path=ppt/slides/slide2.xml><?xml version="1.0" encoding="utf-8"?>
+<file path=ppt/slides/slide23.xml><?xml version="1.0" encoding="utf-8"?>
 <p:sld xmlns:a="http://schemas.openxmlformats.org/drawingml/2006/main" xmlns:r="http://schemas.openxmlformats.org/officeDocument/2006/relationships" xmlns:p="http://schemas.openxmlformats.org/presentationml/2006/main">
   <p:cSld>
     <p:spTree>
@@ -10099,9 +11061,9 @@
             </a:r>
             <a:r>
               <a:rPr lang="zh-CN" altLang="en-US" dirty="0" smtClean="0"/>
-              <a:t>通信机制特点</a:t>
-            </a:r>
-            <a:endParaRPr lang="zh-CN" altLang="en-US" dirty="0"/>
+              <a:t>通信流程</a:t>
+            </a:r>
+            <a:endParaRPr lang="zh-CN" dirty="0"/>
           </a:p>
         </p:txBody>
       </p:sp>
@@ -10120,186 +11082,98 @@
           <a:bodyPr/>
           <a:lstStyle/>
           <a:p>
+            <a:pPr marL="502920" indent="-457200">
+              <a:buFont typeface="+mj-lt"/>
+              <a:buAutoNum type="arabicPeriod"/>
+            </a:pPr>
+            <a:r>
+              <a:rPr lang="en-US" altLang="zh-CN" dirty="0" smtClean="0"/>
+              <a:t>ServiceManager</a:t>
+            </a:r>
             <a:r>
               <a:rPr lang="zh-CN" altLang="en-US" dirty="0" smtClean="0"/>
-              <a:t>高</a:t>
+              <a:t>的启动过程</a:t>
+            </a:r>
+            <a:endParaRPr lang="zh-CN" dirty="0"/>
+          </a:p>
+          <a:p>
+            <a:pPr marL="502920" indent="-457200">
+              <a:buFont typeface="+mj-lt"/>
+              <a:buAutoNum type="arabicPeriod"/>
+            </a:pPr>
+            <a:r>
+              <a:rPr lang="en-US" altLang="zh-CN" dirty="0" smtClean="0"/>
+              <a:t>ServiceManager</a:t>
             </a:r>
             <a:r>
               <a:rPr lang="zh-CN" altLang="en-US" dirty="0" smtClean="0"/>
-              <a:t>效。进</a:t>
+              <a:t>代理对象的获取过程</a:t>
+            </a:r>
+            <a:endParaRPr lang="zh-CN" dirty="0"/>
+          </a:p>
+          <a:p>
+            <a:pPr marL="502920" indent="-457200">
+              <a:buFont typeface="+mj-lt"/>
+              <a:buAutoNum type="arabicPeriod"/>
+            </a:pPr>
+            <a:r>
+              <a:rPr lang="en-US" altLang="zh-CN" dirty="0" smtClean="0"/>
+              <a:t>Service</a:t>
             </a:r>
             <a:r>
               <a:rPr lang="zh-CN" altLang="en-US" dirty="0" smtClean="0"/>
-              <a:t>程直接的数据传输只需一次内存拷贝</a:t>
+              <a:t>的注册过程</a:t>
             </a:r>
             <a:endParaRPr lang="en-US" altLang="zh-CN" dirty="0" smtClean="0"/>
           </a:p>
           <a:p>
+            <a:pPr marL="502920" indent="-457200">
+              <a:buFont typeface="+mj-lt"/>
+              <a:buAutoNum type="arabicPeriod"/>
+            </a:pPr>
+            <a:r>
+              <a:rPr lang="en-US" altLang="zh-CN" dirty="0" smtClean="0"/>
+              <a:t>Service</a:t>
+            </a:r>
             <a:r>
               <a:rPr lang="zh-CN" altLang="en-US" dirty="0" smtClean="0"/>
-              <a:t>安</a:t>
+              <a:t>代理对象的查询过程</a:t>
+            </a:r>
+            <a:endParaRPr lang="en-US" altLang="zh-CN" dirty="0" smtClean="0"/>
+          </a:p>
+          <a:p>
+            <a:pPr marL="502920" indent="-457200">
+              <a:buFont typeface="+mj-lt"/>
+              <a:buAutoNum type="arabicPeriod"/>
+            </a:pPr>
+            <a:r>
+              <a:rPr lang="en-US" altLang="zh-CN" dirty="0" smtClean="0"/>
+              <a:t>Client</a:t>
             </a:r>
             <a:r>
               <a:rPr lang="zh-CN" altLang="en-US" dirty="0" smtClean="0"/>
-              <a:t>全。通</a:t>
+              <a:t>通过</a:t>
+            </a:r>
+            <a:r>
+              <a:rPr lang="en-US" altLang="zh-CN" dirty="0" smtClean="0"/>
+              <a:t>Service</a:t>
             </a:r>
             <a:r>
               <a:rPr lang="zh-CN" altLang="en-US" dirty="0" smtClean="0"/>
-              <a:t>信数据携带</a:t>
+              <a:t>代理对象向</a:t>
             </a:r>
             <a:r>
               <a:rPr lang="en-US" altLang="zh-CN" dirty="0" smtClean="0"/>
-              <a:t>pid</a:t>
+              <a:t>Service</a:t>
             </a:r>
             <a:r>
               <a:rPr lang="zh-CN" altLang="en-US" dirty="0" smtClean="0"/>
-              <a:t>和</a:t>
-            </a:r>
-            <a:r>
-              <a:rPr lang="en-US" altLang="zh-CN" dirty="0" smtClean="0"/>
-              <a:t>uid</a:t>
-            </a:r>
-            <a:r>
-              <a:rPr lang="zh-CN" altLang="en-US" dirty="0" smtClean="0"/>
-              <a:t>，方便接收进程做权限控制</a:t>
+              <a:t>发送消息的过程</a:t>
             </a:r>
             <a:endParaRPr lang="en-US" altLang="zh-CN" dirty="0" smtClean="0"/>
           </a:p>
           <a:p>
-            <a:r>
-              <a:rPr lang="zh-CN" altLang="en-US" dirty="0" smtClean="0"/>
-              <a:t>面向对象。提供了一种进程间</a:t>
-            </a:r>
-            <a:r>
-              <a:rPr lang="en-US" altLang="zh-CN" dirty="0" smtClean="0"/>
-              <a:t>RPC</a:t>
-            </a:r>
-            <a:r>
-              <a:rPr lang="zh-CN" altLang="en-US" dirty="0" smtClean="0"/>
-              <a:t>（</a:t>
-            </a:r>
-            <a:r>
-              <a:rPr lang="en-US" altLang="zh-CN" dirty="0" smtClean="0"/>
-              <a:t>Remote </a:t>
-            </a:r>
-            <a:r>
-              <a:rPr lang="en-US" altLang="zh-CN" dirty="0"/>
-              <a:t>Procedure </a:t>
-            </a:r>
-            <a:r>
-              <a:rPr lang="en-US" altLang="zh-CN" dirty="0" smtClean="0"/>
-              <a:t>Call</a:t>
-            </a:r>
-            <a:r>
-              <a:rPr lang="zh-CN" altLang="en-US" dirty="0" smtClean="0"/>
-              <a:t>）机制</a:t>
-            </a:r>
-            <a:endParaRPr lang="zh-CN" altLang="en-US" dirty="0"/>
-          </a:p>
-        </p:txBody>
-      </p:sp>
-    </p:spTree>
-    <p:extLst>
-      <p:ext uri="{BB962C8B-B14F-4D97-AF65-F5344CB8AC3E}">
-        <p14:creationId xmlns:p14="http://schemas.microsoft.com/office/powerpoint/2010/main" val="1943903244"/>
-      </p:ext>
-    </p:extLst>
-  </p:cSld>
-  <p:clrMapOvr>
-    <a:masterClrMapping/>
-  </p:clrMapOvr>
-  <mc:AlternateContent xmlns:mc="http://schemas.openxmlformats.org/markup-compatibility/2006" xmlns:p14="http://schemas.microsoft.com/office/powerpoint/2010/main">
-    <mc:Choice Requires="p14">
-      <p:transition spd="med" p14:dur="700">
-        <p:fade/>
-      </p:transition>
-    </mc:Choice>
-    <mc:Fallback xmlns="">
-      <p:transition spd="med">
-        <p:fade/>
-      </p:transition>
-    </mc:Fallback>
-  </mc:AlternateContent>
-  <p:timing>
-    <p:tnLst>
-      <p:par>
-        <p:cTn id="1" dur="indefinite" restart="never" nodeType="tmRoot"/>
-      </p:par>
-    </p:tnLst>
-  </p:timing>
-</p:sld>
-</file>
-
-<file path=ppt/slides/slide20.xml><?xml version="1.0" encoding="utf-8"?>
-<p:sld xmlns:a="http://schemas.openxmlformats.org/drawingml/2006/main" xmlns:r="http://schemas.openxmlformats.org/officeDocument/2006/relationships" xmlns:p="http://schemas.openxmlformats.org/presentationml/2006/main">
-  <p:cSld>
-    <p:spTree>
-      <p:nvGrpSpPr>
-        <p:cNvPr id="1" name=""/>
-        <p:cNvGrpSpPr/>
-        <p:nvPr/>
-      </p:nvGrpSpPr>
-      <p:grpSpPr>
-        <a:xfrm>
-          <a:off x="0" y="0"/>
-          <a:ext cx="0" cy="0"/>
-          <a:chOff x="0" y="0"/>
-          <a:chExt cx="0" cy="0"/>
-        </a:xfrm>
-      </p:grpSpPr>
-      <p:sp>
-        <p:nvSpPr>
-          <p:cNvPr id="2" name="标题 1"/>
-          <p:cNvSpPr>
-            <a:spLocks noGrp="1"/>
-          </p:cNvSpPr>
-          <p:nvPr>
-            <p:ph type="title"/>
-          </p:nvPr>
-        </p:nvSpPr>
-        <p:spPr/>
-        <p:txBody>
-          <a:bodyPr/>
-          <a:lstStyle/>
-          <a:p>
-            <a:r>
-              <a:rPr lang="zh-CN" dirty="0"/>
-              <a:t>标题和内容版式与列表</a:t>
-            </a:r>
-          </a:p>
-        </p:txBody>
-      </p:sp>
-      <p:sp>
-        <p:nvSpPr>
-          <p:cNvPr id="3" name="内容占位符 2"/>
-          <p:cNvSpPr>
-            <a:spLocks noGrp="1"/>
-          </p:cNvSpPr>
-          <p:nvPr>
-            <p:ph idx="1"/>
-          </p:nvPr>
-        </p:nvSpPr>
-        <p:spPr/>
-        <p:txBody>
-          <a:bodyPr/>
-          <a:lstStyle/>
-          <a:p>
-            <a:r>
-              <a:rPr lang="zh-CN" dirty="0"/>
-              <a:t>在此处添加第一个要点</a:t>
-            </a:r>
-          </a:p>
-          <a:p>
-            <a:r>
-              <a:rPr lang="zh-CN" dirty="0"/>
-              <a:t>在此处添加第二个要点</a:t>
-            </a:r>
-          </a:p>
-          <a:p>
-            <a:r>
-              <a:rPr lang="zh-CN" dirty="0"/>
-              <a:t>在此处添加第三个要点</a:t>
-            </a:r>
+            <a:endParaRPr lang="zh-CN" dirty="0"/>
           </a:p>
         </p:txBody>
       </p:sp>
@@ -10335,7 +11209,405 @@
 </p:sld>
 </file>
 
-<file path=ppt/slides/slide21.xml><?xml version="1.0" encoding="utf-8"?>
+<file path=ppt/slides/slide24.xml><?xml version="1.0" encoding="utf-8"?>
+<p:sld xmlns:a="http://schemas.openxmlformats.org/drawingml/2006/main" xmlns:r="http://schemas.openxmlformats.org/officeDocument/2006/relationships" xmlns:p="http://schemas.openxmlformats.org/presentationml/2006/main">
+  <p:cSld>
+    <p:spTree>
+      <p:nvGrpSpPr>
+        <p:cNvPr id="1" name=""/>
+        <p:cNvGrpSpPr/>
+        <p:nvPr/>
+      </p:nvGrpSpPr>
+      <p:grpSpPr>
+        <a:xfrm>
+          <a:off x="0" y="0"/>
+          <a:ext cx="0" cy="0"/>
+          <a:chOff x="0" y="0"/>
+          <a:chExt cx="0" cy="0"/>
+        </a:xfrm>
+      </p:grpSpPr>
+      <p:sp>
+        <p:nvSpPr>
+          <p:cNvPr id="2" name="标题 1"/>
+          <p:cNvSpPr>
+            <a:spLocks noGrp="1"/>
+          </p:cNvSpPr>
+          <p:nvPr>
+            <p:ph type="title"/>
+          </p:nvPr>
+        </p:nvSpPr>
+        <p:spPr/>
+        <p:txBody>
+          <a:bodyPr/>
+          <a:lstStyle/>
+          <a:p>
+            <a:r>
+              <a:rPr lang="en-US" altLang="zh-CN" dirty="0" smtClean="0"/>
+              <a:t>ServiceManager</a:t>
+            </a:r>
+            <a:r>
+              <a:rPr lang="zh-CN" altLang="en-US" dirty="0" smtClean="0"/>
+              <a:t>启动流程</a:t>
+            </a:r>
+            <a:endParaRPr lang="zh-CN" altLang="en-US" dirty="0"/>
+          </a:p>
+        </p:txBody>
+      </p:sp>
+      <p:sp>
+        <p:nvSpPr>
+          <p:cNvPr id="3" name="内容占位符 2"/>
+          <p:cNvSpPr>
+            <a:spLocks noGrp="1"/>
+          </p:cNvSpPr>
+          <p:nvPr>
+            <p:ph idx="1"/>
+          </p:nvPr>
+        </p:nvSpPr>
+        <p:spPr/>
+        <p:txBody>
+          <a:bodyPr/>
+          <a:lstStyle/>
+          <a:p>
+            <a:pPr marL="502920" indent="-457200">
+              <a:buFont typeface="+mj-lt"/>
+              <a:buAutoNum type="arabicPeriod"/>
+            </a:pPr>
+            <a:r>
+              <a:rPr lang="zh-CN" altLang="en-US" dirty="0" smtClean="0"/>
+              <a:t>打开</a:t>
+            </a:r>
+            <a:r>
+              <a:rPr lang="en-US" altLang="zh-CN" dirty="0" smtClean="0"/>
+              <a:t>binder</a:t>
+            </a:r>
+            <a:r>
+              <a:rPr lang="zh-CN" altLang="en-US" dirty="0" smtClean="0"/>
+              <a:t>驱动</a:t>
+            </a:r>
+            <a:endParaRPr lang="en-US" altLang="zh-CN" dirty="0" smtClean="0"/>
+          </a:p>
+          <a:p>
+            <a:pPr marL="502920" indent="-457200">
+              <a:buFont typeface="+mj-lt"/>
+              <a:buAutoNum type="arabicPeriod"/>
+            </a:pPr>
+            <a:r>
+              <a:rPr lang="zh-CN" altLang="en-US" dirty="0"/>
+              <a:t>告</a:t>
+            </a:r>
+            <a:r>
+              <a:rPr lang="zh-CN" altLang="en-US" dirty="0" smtClean="0"/>
+              <a:t>诉</a:t>
+            </a:r>
+            <a:r>
+              <a:rPr lang="en-US" altLang="zh-CN" dirty="0" smtClean="0"/>
+              <a:t>binder </a:t>
+            </a:r>
+            <a:r>
+              <a:rPr lang="zh-CN" altLang="en-US" dirty="0"/>
+              <a:t>驱</a:t>
+            </a:r>
+            <a:r>
+              <a:rPr lang="zh-CN" altLang="en-US" dirty="0" smtClean="0"/>
+              <a:t>动，我要成为</a:t>
+            </a:r>
+            <a:r>
+              <a:rPr lang="en-US" altLang="zh-CN" dirty="0" smtClean="0"/>
+              <a:t>ServiceManager</a:t>
+            </a:r>
+          </a:p>
+          <a:p>
+            <a:pPr marL="502920" indent="-457200">
+              <a:buFont typeface="+mj-lt"/>
+              <a:buAutoNum type="arabicPeriod"/>
+            </a:pPr>
+            <a:r>
+              <a:rPr lang="zh-CN" altLang="en-US" dirty="0"/>
+              <a:t>阻</a:t>
+            </a:r>
+            <a:r>
+              <a:rPr lang="zh-CN" altLang="en-US" dirty="0" smtClean="0"/>
+              <a:t>塞，等待</a:t>
+            </a:r>
+            <a:r>
+              <a:rPr lang="en-US" altLang="zh-CN" dirty="0" smtClean="0"/>
+              <a:t>Client</a:t>
+            </a:r>
+            <a:r>
+              <a:rPr lang="zh-CN" altLang="en-US" dirty="0" smtClean="0"/>
+              <a:t>的请求</a:t>
+            </a:r>
+            <a:endParaRPr lang="zh-CN" altLang="en-US" dirty="0"/>
+          </a:p>
+        </p:txBody>
+      </p:sp>
+    </p:spTree>
+    <p:extLst>
+      <p:ext uri="{BB962C8B-B14F-4D97-AF65-F5344CB8AC3E}">
+        <p14:creationId xmlns:p14="http://schemas.microsoft.com/office/powerpoint/2010/main" val="1061403370"/>
+      </p:ext>
+    </p:extLst>
+  </p:cSld>
+  <p:clrMapOvr>
+    <a:masterClrMapping/>
+  </p:clrMapOvr>
+  <mc:AlternateContent xmlns:mc="http://schemas.openxmlformats.org/markup-compatibility/2006" xmlns:p14="http://schemas.microsoft.com/office/powerpoint/2010/main">
+    <mc:Choice Requires="p14">
+      <p:transition spd="med" p14:dur="700">
+        <p:fade/>
+      </p:transition>
+    </mc:Choice>
+    <mc:Fallback xmlns="">
+      <p:transition spd="med">
+        <p:fade/>
+      </p:transition>
+    </mc:Fallback>
+  </mc:AlternateContent>
+</p:sld>
+</file>
+
+<file path=ppt/slides/slide25.xml><?xml version="1.0" encoding="utf-8"?>
+<p:sld xmlns:a="http://schemas.openxmlformats.org/drawingml/2006/main" xmlns:r="http://schemas.openxmlformats.org/officeDocument/2006/relationships" xmlns:p="http://schemas.openxmlformats.org/presentationml/2006/main">
+  <p:cSld>
+    <p:spTree>
+      <p:nvGrpSpPr>
+        <p:cNvPr id="1" name=""/>
+        <p:cNvGrpSpPr/>
+        <p:nvPr/>
+      </p:nvGrpSpPr>
+      <p:grpSpPr>
+        <a:xfrm>
+          <a:off x="0" y="0"/>
+          <a:ext cx="0" cy="0"/>
+          <a:chOff x="0" y="0"/>
+          <a:chExt cx="0" cy="0"/>
+        </a:xfrm>
+      </p:grpSpPr>
+      <p:sp>
+        <p:nvSpPr>
+          <p:cNvPr id="2" name="标题 1"/>
+          <p:cNvSpPr>
+            <a:spLocks noGrp="1"/>
+          </p:cNvSpPr>
+          <p:nvPr>
+            <p:ph type="title"/>
+          </p:nvPr>
+        </p:nvSpPr>
+        <p:spPr/>
+        <p:txBody>
+          <a:bodyPr/>
+          <a:lstStyle/>
+          <a:p>
+            <a:r>
+              <a:rPr lang="en-US" altLang="zh-CN" dirty="0" smtClean="0"/>
+              <a:t>Service</a:t>
+            </a:r>
+            <a:r>
+              <a:rPr lang="zh-CN" altLang="en-US" dirty="0" smtClean="0"/>
+              <a:t>的注册过程</a:t>
+            </a:r>
+            <a:endParaRPr lang="zh-CN" altLang="en-US" dirty="0"/>
+          </a:p>
+        </p:txBody>
+      </p:sp>
+      <p:sp>
+        <p:nvSpPr>
+          <p:cNvPr id="3" name="内容占位符 2"/>
+          <p:cNvSpPr>
+            <a:spLocks noGrp="1"/>
+          </p:cNvSpPr>
+          <p:nvPr>
+            <p:ph idx="1"/>
+          </p:nvPr>
+        </p:nvSpPr>
+        <p:spPr/>
+        <p:txBody>
+          <a:bodyPr/>
+          <a:lstStyle/>
+          <a:p>
+            <a:r>
+              <a:rPr lang="zh-CN" altLang="en-US" dirty="0" smtClean="0"/>
+              <a:t>每一个</a:t>
+            </a:r>
+            <a:r>
+              <a:rPr lang="en-US" altLang="zh-CN" dirty="0" smtClean="0"/>
+              <a:t>Service</a:t>
+            </a:r>
+            <a:r>
+              <a:rPr lang="zh-CN" altLang="en-US" dirty="0" smtClean="0"/>
+              <a:t>都有一个唯一标识</a:t>
+            </a:r>
+            <a:r>
+              <a:rPr lang="en-US" altLang="zh-CN" dirty="0"/>
+              <a:t> </a:t>
+            </a:r>
+            <a:r>
+              <a:rPr lang="en-US" altLang="zh-CN" dirty="0" smtClean="0"/>
+              <a:t>— handle</a:t>
+            </a:r>
+            <a:r>
+              <a:rPr lang="zh-CN" altLang="en-US" dirty="0" smtClean="0"/>
+              <a:t>，</a:t>
+            </a:r>
+            <a:r>
+              <a:rPr lang="en-US" altLang="zh-CN" dirty="0" smtClean="0"/>
+              <a:t>ServiceManager</a:t>
+            </a:r>
+            <a:r>
+              <a:rPr lang="zh-CN" altLang="en-US" dirty="0" smtClean="0"/>
+              <a:t>的</a:t>
+            </a:r>
+            <a:r>
+              <a:rPr lang="en-US" altLang="zh-CN" dirty="0" smtClean="0"/>
+              <a:t>handle = 0</a:t>
+            </a:r>
+          </a:p>
+          <a:p>
+            <a:r>
+              <a:rPr lang="zh-CN" altLang="en-US" dirty="0"/>
+              <a:t>每一</a:t>
+            </a:r>
+            <a:r>
+              <a:rPr lang="zh-CN" altLang="en-US" dirty="0" smtClean="0"/>
+              <a:t>个</a:t>
+            </a:r>
+            <a:r>
+              <a:rPr lang="en-US" altLang="zh-CN" dirty="0" smtClean="0"/>
+              <a:t>Service</a:t>
+            </a:r>
+            <a:r>
+              <a:rPr lang="zh-CN" altLang="en-US" dirty="0" smtClean="0"/>
+              <a:t>代理的成员变量中都含有成员变量</a:t>
+            </a:r>
+            <a:r>
+              <a:rPr lang="en-US" altLang="zh-CN" dirty="0" smtClean="0"/>
+              <a:t>handle</a:t>
+            </a:r>
+            <a:r>
+              <a:rPr lang="zh-CN" altLang="en-US" dirty="0" smtClean="0"/>
+              <a:t>，指向它代理的服务</a:t>
+            </a:r>
+            <a:endParaRPr lang="en-US" altLang="zh-CN" dirty="0" smtClean="0"/>
+          </a:p>
+          <a:p>
+            <a:r>
+              <a:rPr lang="zh-CN" altLang="en-US" dirty="0"/>
+              <a:t>数</a:t>
+            </a:r>
+            <a:r>
+              <a:rPr lang="zh-CN" altLang="en-US" dirty="0" smtClean="0"/>
+              <a:t>据包格式</a:t>
+            </a:r>
+            <a:endParaRPr lang="zh-CN" altLang="en-US" dirty="0"/>
+          </a:p>
+        </p:txBody>
+      </p:sp>
+    </p:spTree>
+    <p:extLst>
+      <p:ext uri="{BB962C8B-B14F-4D97-AF65-F5344CB8AC3E}">
+        <p14:creationId xmlns:p14="http://schemas.microsoft.com/office/powerpoint/2010/main" val="1401306754"/>
+      </p:ext>
+    </p:extLst>
+  </p:cSld>
+  <p:clrMapOvr>
+    <a:masterClrMapping/>
+  </p:clrMapOvr>
+  <mc:AlternateContent xmlns:mc="http://schemas.openxmlformats.org/markup-compatibility/2006" xmlns:p14="http://schemas.microsoft.com/office/powerpoint/2010/main">
+    <mc:Choice Requires="p14">
+      <p:transition spd="med" p14:dur="700">
+        <p:fade/>
+      </p:transition>
+    </mc:Choice>
+    <mc:Fallback xmlns="">
+      <p:transition spd="med">
+        <p:fade/>
+      </p:transition>
+    </mc:Fallback>
+  </mc:AlternateContent>
+</p:sld>
+</file>
+
+<file path=ppt/slides/slide26.xml><?xml version="1.0" encoding="utf-8"?>
+<p:sld xmlns:a="http://schemas.openxmlformats.org/drawingml/2006/main" xmlns:r="http://schemas.openxmlformats.org/officeDocument/2006/relationships" xmlns:p="http://schemas.openxmlformats.org/presentationml/2006/main">
+  <p:cSld>
+    <p:spTree>
+      <p:nvGrpSpPr>
+        <p:cNvPr id="1" name=""/>
+        <p:cNvGrpSpPr/>
+        <p:nvPr/>
+      </p:nvGrpSpPr>
+      <p:grpSpPr>
+        <a:xfrm>
+          <a:off x="0" y="0"/>
+          <a:ext cx="0" cy="0"/>
+          <a:chOff x="0" y="0"/>
+          <a:chExt cx="0" cy="0"/>
+        </a:xfrm>
+      </p:grpSpPr>
+      <p:sp>
+        <p:nvSpPr>
+          <p:cNvPr id="2" name="标题 1"/>
+          <p:cNvSpPr>
+            <a:spLocks noGrp="1"/>
+          </p:cNvSpPr>
+          <p:nvPr>
+            <p:ph type="title"/>
+          </p:nvPr>
+        </p:nvSpPr>
+        <p:spPr/>
+        <p:txBody>
+          <a:bodyPr/>
+          <a:lstStyle/>
+          <a:p>
+            <a:endParaRPr lang="zh-CN" altLang="en-US"/>
+          </a:p>
+        </p:txBody>
+      </p:sp>
+      <p:sp>
+        <p:nvSpPr>
+          <p:cNvPr id="3" name="内容占位符 2"/>
+          <p:cNvSpPr>
+            <a:spLocks noGrp="1"/>
+          </p:cNvSpPr>
+          <p:nvPr>
+            <p:ph idx="1"/>
+          </p:nvPr>
+        </p:nvSpPr>
+        <p:spPr/>
+        <p:txBody>
+          <a:bodyPr/>
+          <a:lstStyle/>
+          <a:p>
+            <a:endParaRPr lang="zh-CN" altLang="en-US"/>
+          </a:p>
+        </p:txBody>
+      </p:sp>
+    </p:spTree>
+    <p:extLst>
+      <p:ext uri="{BB962C8B-B14F-4D97-AF65-F5344CB8AC3E}">
+        <p14:creationId xmlns:p14="http://schemas.microsoft.com/office/powerpoint/2010/main" val="609872264"/>
+      </p:ext>
+    </p:extLst>
+  </p:cSld>
+  <p:clrMapOvr>
+    <a:masterClrMapping/>
+  </p:clrMapOvr>
+  <mc:AlternateContent xmlns:mc="http://schemas.openxmlformats.org/markup-compatibility/2006" xmlns:p14="http://schemas.microsoft.com/office/powerpoint/2010/main">
+    <mc:Choice Requires="p14">
+      <p:transition spd="med" p14:dur="700">
+        <p:fade/>
+      </p:transition>
+    </mc:Choice>
+    <mc:Fallback xmlns="">
+      <p:transition spd="med">
+        <p:fade/>
+      </p:transition>
+    </mc:Fallback>
+  </mc:AlternateContent>
+</p:sld>
+</file>
+
+<file path=ppt/slides/slide27.xml><?xml version="1.0" encoding="utf-8"?>
 <p:sld xmlns:a="http://schemas.openxmlformats.org/drawingml/2006/main" xmlns:r="http://schemas.openxmlformats.org/officeDocument/2006/relationships" xmlns:p="http://schemas.openxmlformats.org/presentationml/2006/main">
   <p:cSld>
     <p:spTree>
@@ -10431,7 +11703,7 @@
 </p:sld>
 </file>
 
-<file path=ppt/slides/slide22.xml><?xml version="1.0" encoding="utf-8"?>
+<file path=ppt/slides/slide28.xml><?xml version="1.0" encoding="utf-8"?>
 <p:sld xmlns:a="http://schemas.openxmlformats.org/drawingml/2006/main" xmlns:r="http://schemas.openxmlformats.org/officeDocument/2006/relationships" xmlns:p="http://schemas.openxmlformats.org/presentationml/2006/main">
   <p:cSld>
     <p:spTree>
@@ -10549,7 +11821,7 @@
 </p:sld>
 </file>
 
-<file path=ppt/slides/slide23.xml><?xml version="1.0" encoding="utf-8"?>
+<file path=ppt/slides/slide29.xml><?xml version="1.0" encoding="utf-8"?>
 <p:sld xmlns:a="http://schemas.openxmlformats.org/drawingml/2006/main" xmlns:r="http://schemas.openxmlformats.org/officeDocument/2006/relationships" xmlns:p="http://schemas.openxmlformats.org/presentationml/2006/main">
   <p:cSld>
     <p:spTree>
@@ -10651,21 +11923,21 @@
                 <a:gridCol w="1524000">
                   <a:extLst>
                     <a:ext uri="{9D8B030D-6E8A-4147-A177-3AD203B41FA5}">
-                      <a16:colId xmlns:a16="http://schemas.microsoft.com/office/drawing/2014/main" xmlns="" val="20000"/>
+                      <a16:colId xmlns="" xmlns:a16="http://schemas.microsoft.com/office/drawing/2014/main" val="20000"/>
                     </a:ext>
                   </a:extLst>
                 </a:gridCol>
                 <a:gridCol w="1524000">
                   <a:extLst>
                     <a:ext uri="{9D8B030D-6E8A-4147-A177-3AD203B41FA5}">
-                      <a16:colId xmlns:a16="http://schemas.microsoft.com/office/drawing/2014/main" xmlns="" val="20001"/>
+                      <a16:colId xmlns="" xmlns:a16="http://schemas.microsoft.com/office/drawing/2014/main" val="20001"/>
                     </a:ext>
                   </a:extLst>
                 </a:gridCol>
                 <a:gridCol w="1524000">
                   <a:extLst>
                     <a:ext uri="{9D8B030D-6E8A-4147-A177-3AD203B41FA5}">
-                      <a16:colId xmlns:a16="http://schemas.microsoft.com/office/drawing/2014/main" xmlns="" val="20002"/>
+                      <a16:colId xmlns="" xmlns:a16="http://schemas.microsoft.com/office/drawing/2014/main" val="20002"/>
                     </a:ext>
                   </a:extLst>
                 </a:gridCol>
@@ -10720,7 +11992,7 @@
                 </a:tc>
                 <a:extLst>
                   <a:ext uri="{0D108BD9-81ED-4DB2-BD59-A6C34878D82A}">
-                    <a16:rowId xmlns:a16="http://schemas.microsoft.com/office/drawing/2014/main" xmlns="" val="10000"/>
+                    <a16:rowId xmlns="" xmlns:a16="http://schemas.microsoft.com/office/drawing/2014/main" val="10000"/>
                   </a:ext>
                 </a:extLst>
               </a:tr>
@@ -10777,7 +12049,7 @@
                 </a:tc>
                 <a:extLst>
                   <a:ext uri="{0D108BD9-81ED-4DB2-BD59-A6C34878D82A}">
-                    <a16:rowId xmlns:a16="http://schemas.microsoft.com/office/drawing/2014/main" xmlns="" val="10001"/>
+                    <a16:rowId xmlns="" xmlns:a16="http://schemas.microsoft.com/office/drawing/2014/main" val="10001"/>
                   </a:ext>
                 </a:extLst>
               </a:tr>
@@ -10834,7 +12106,7 @@
                 </a:tc>
                 <a:extLst>
                   <a:ext uri="{0D108BD9-81ED-4DB2-BD59-A6C34878D82A}">
-                    <a16:rowId xmlns:a16="http://schemas.microsoft.com/office/drawing/2014/main" xmlns="" val="10002"/>
+                    <a16:rowId xmlns="" xmlns:a16="http://schemas.microsoft.com/office/drawing/2014/main" val="10002"/>
                   </a:ext>
                 </a:extLst>
               </a:tr>
@@ -10891,7 +12163,7 @@
                 </a:tc>
                 <a:extLst>
                   <a:ext uri="{0D108BD9-81ED-4DB2-BD59-A6C34878D82A}">
-                    <a16:rowId xmlns:a16="http://schemas.microsoft.com/office/drawing/2014/main" xmlns="" val="10003"/>
+                    <a16:rowId xmlns="" xmlns:a16="http://schemas.microsoft.com/office/drawing/2014/main" val="10003"/>
                   </a:ext>
                 </a:extLst>
               </a:tr>
@@ -10903,590 +12175,6 @@
     <p:extLst>
       <p:ext uri="{BB962C8B-B14F-4D97-AF65-F5344CB8AC3E}">
         <p14:creationId xmlns:p14="http://schemas.microsoft.com/office/powerpoint/2010/main" val="1952036268"/>
-      </p:ext>
-    </p:extLst>
-  </p:cSld>
-  <p:clrMapOvr>
-    <a:masterClrMapping/>
-  </p:clrMapOvr>
-  <mc:AlternateContent xmlns:mc="http://schemas.openxmlformats.org/markup-compatibility/2006" xmlns:p14="http://schemas.microsoft.com/office/powerpoint/2010/main">
-    <mc:Choice Requires="p14">
-      <p:transition spd="med" p14:dur="700">
-        <p:fade/>
-      </p:transition>
-    </mc:Choice>
-    <mc:Fallback xmlns="">
-      <p:transition spd="med">
-        <p:fade/>
-      </p:transition>
-    </mc:Fallback>
-  </mc:AlternateContent>
-  <p:timing>
-    <p:tnLst>
-      <p:par>
-        <p:cTn id="1" dur="indefinite" restart="never" nodeType="tmRoot"/>
-      </p:par>
-    </p:tnLst>
-  </p:timing>
-</p:sld>
-</file>
-
-<file path=ppt/slides/slide24.xml><?xml version="1.0" encoding="utf-8"?>
-<p:sld xmlns:a="http://schemas.openxmlformats.org/drawingml/2006/main" xmlns:r="http://schemas.openxmlformats.org/officeDocument/2006/relationships" xmlns:p="http://schemas.openxmlformats.org/presentationml/2006/main">
-  <p:cSld>
-    <p:spTree>
-      <p:nvGrpSpPr>
-        <p:cNvPr id="1" name=""/>
-        <p:cNvGrpSpPr/>
-        <p:nvPr/>
-      </p:nvGrpSpPr>
-      <p:grpSpPr>
-        <a:xfrm>
-          <a:off x="0" y="0"/>
-          <a:ext cx="0" cy="0"/>
-          <a:chOff x="0" y="0"/>
-          <a:chExt cx="0" cy="0"/>
-        </a:xfrm>
-      </p:grpSpPr>
-      <p:sp>
-        <p:nvSpPr>
-          <p:cNvPr id="2" name="标题 1"/>
-          <p:cNvSpPr>
-            <a:spLocks noGrp="1"/>
-          </p:cNvSpPr>
-          <p:nvPr>
-            <p:ph type="title"/>
-          </p:nvPr>
-        </p:nvSpPr>
-        <p:spPr/>
-        <p:txBody>
-          <a:bodyPr/>
-          <a:lstStyle/>
-          <a:p>
-            <a:r>
-              <a:rPr lang="zh-CN"/>
-              <a:t>两栏内容版式与 SmartArt</a:t>
-            </a:r>
-          </a:p>
-        </p:txBody>
-      </p:sp>
-      <p:sp>
-        <p:nvSpPr>
-          <p:cNvPr id="3" name="内容占位符 2"/>
-          <p:cNvSpPr>
-            <a:spLocks noGrp="1"/>
-          </p:cNvSpPr>
-          <p:nvPr>
-            <p:ph sz="half" idx="1"/>
-          </p:nvPr>
-        </p:nvSpPr>
-        <p:spPr/>
-        <p:txBody>
-          <a:bodyPr/>
-          <a:lstStyle/>
-          <a:p>
-            <a:r>
-              <a:rPr lang="zh-CN"/>
-              <a:t>此处为第一个要点</a:t>
-            </a:r>
-          </a:p>
-          <a:p>
-            <a:r>
-              <a:rPr lang="zh-CN"/>
-              <a:t>此处为第二个要点</a:t>
-            </a:r>
-          </a:p>
-          <a:p>
-            <a:r>
-              <a:rPr lang="zh-CN"/>
-              <a:t>此处为第三个要点</a:t>
-            </a:r>
-          </a:p>
-        </p:txBody>
-      </p:sp>
-      <p:graphicFrame>
-        <p:nvGraphicFramePr>
-          <p:cNvPr id="7" name="内容占位符 6" descr="互连圆环" title="SmartArt"/>
-          <p:cNvGraphicFramePr>
-            <a:graphicFrameLocks noGrp="1"/>
-          </p:cNvGraphicFramePr>
-          <p:nvPr>
-            <p:ph sz="half" idx="2"/>
-            <p:extLst>
-              <p:ext uri="{D42A27DB-BD31-4B8C-83A1-F6EECF244321}">
-                <p14:modId xmlns:p14="http://schemas.microsoft.com/office/powerpoint/2010/main" val="1025077792"/>
-              </p:ext>
-            </p:extLst>
-          </p:nvPr>
-        </p:nvGraphicFramePr>
-        <p:xfrm>
-          <a:off x="6278563" y="1573213"/>
-          <a:ext cx="4572000" cy="4141787"/>
-        </p:xfrm>
-        <a:graphic>
-          <a:graphicData uri="http://schemas.openxmlformats.org/drawingml/2006/diagram">
-            <dgm:relIds xmlns:dgm="http://schemas.openxmlformats.org/drawingml/2006/diagram" xmlns:r="http://schemas.openxmlformats.org/officeDocument/2006/relationships" r:dm="rId2" r:lo="rId3" r:qs="rId4" r:cs="rId5"/>
-          </a:graphicData>
-        </a:graphic>
-      </p:graphicFrame>
-    </p:spTree>
-    <p:extLst>
-      <p:ext uri="{BB962C8B-B14F-4D97-AF65-F5344CB8AC3E}">
-        <p14:creationId xmlns:p14="http://schemas.microsoft.com/office/powerpoint/2010/main" val="1441075798"/>
-      </p:ext>
-    </p:extLst>
-  </p:cSld>
-  <p:clrMapOvr>
-    <a:masterClrMapping/>
-  </p:clrMapOvr>
-  <mc:AlternateContent xmlns:mc="http://schemas.openxmlformats.org/markup-compatibility/2006" xmlns:p14="http://schemas.microsoft.com/office/powerpoint/2010/main">
-    <mc:Choice Requires="p14">
-      <p:transition spd="med" p14:dur="700">
-        <p:fade/>
-      </p:transition>
-    </mc:Choice>
-    <mc:Fallback xmlns="">
-      <p:transition spd="med">
-        <p:fade/>
-      </p:transition>
-    </mc:Fallback>
-  </mc:AlternateContent>
-  <p:timing>
-    <p:tnLst>
-      <p:par>
-        <p:cTn id="1" dur="indefinite" restart="never" nodeType="tmRoot"/>
-      </p:par>
-    </p:tnLst>
-  </p:timing>
-</p:sld>
-</file>
-
-<file path=ppt/slides/slide25.xml><?xml version="1.0" encoding="utf-8"?>
-<p:sld xmlns:a="http://schemas.openxmlformats.org/drawingml/2006/main" xmlns:r="http://schemas.openxmlformats.org/officeDocument/2006/relationships" xmlns:p="http://schemas.openxmlformats.org/presentationml/2006/main">
-  <p:cSld>
-    <p:spTree>
-      <p:nvGrpSpPr>
-        <p:cNvPr id="1" name=""/>
-        <p:cNvGrpSpPr/>
-        <p:nvPr/>
-      </p:nvGrpSpPr>
-      <p:grpSpPr>
-        <a:xfrm>
-          <a:off x="0" y="0"/>
-          <a:ext cx="0" cy="0"/>
-          <a:chOff x="0" y="0"/>
-          <a:chExt cx="0" cy="0"/>
-        </a:xfrm>
-      </p:grpSpPr>
-      <p:sp>
-        <p:nvSpPr>
-          <p:cNvPr id="2" name="标题 1"/>
-          <p:cNvSpPr>
-            <a:spLocks noGrp="1"/>
-          </p:cNvSpPr>
-          <p:nvPr>
-            <p:ph type="title"/>
-          </p:nvPr>
-        </p:nvSpPr>
-        <p:spPr/>
-        <p:txBody>
-          <a:bodyPr/>
-          <a:lstStyle/>
-          <a:p>
-            <a:endParaRPr lang="zh-CN" dirty="0"/>
-          </a:p>
-        </p:txBody>
-      </p:sp>
-      <p:sp>
-        <p:nvSpPr>
-          <p:cNvPr id="3" name="文本占位符 2"/>
-          <p:cNvSpPr>
-            <a:spLocks noGrp="1"/>
-          </p:cNvSpPr>
-          <p:nvPr>
-            <p:ph type="body" idx="1"/>
-          </p:nvPr>
-        </p:nvSpPr>
-        <p:spPr/>
-        <p:txBody>
-          <a:bodyPr/>
-          <a:lstStyle/>
-          <a:p>
-            <a:endParaRPr lang="zh-CN" dirty="0"/>
-          </a:p>
-        </p:txBody>
-      </p:sp>
-    </p:spTree>
-    <p:extLst>
-      <p:ext uri="{BB962C8B-B14F-4D97-AF65-F5344CB8AC3E}">
-        <p14:creationId xmlns:p14="http://schemas.microsoft.com/office/powerpoint/2010/main" val="2255057593"/>
-      </p:ext>
-    </p:extLst>
-  </p:cSld>
-  <p:clrMapOvr>
-    <a:masterClrMapping/>
-  </p:clrMapOvr>
-  <mc:AlternateContent xmlns:mc="http://schemas.openxmlformats.org/markup-compatibility/2006" xmlns:p14="http://schemas.microsoft.com/office/powerpoint/2010/main">
-    <mc:Choice Requires="p14">
-      <p:transition spd="med" p14:dur="700">
-        <p:fade/>
-      </p:transition>
-    </mc:Choice>
-    <mc:Fallback xmlns="">
-      <p:transition spd="med">
-        <p:fade/>
-      </p:transition>
-    </mc:Fallback>
-  </mc:AlternateContent>
-  <p:timing>
-    <p:tnLst>
-      <p:par>
-        <p:cTn id="1" dur="indefinite" restart="never" nodeType="tmRoot"/>
-      </p:par>
-    </p:tnLst>
-  </p:timing>
-</p:sld>
-</file>
-
-<file path=ppt/slides/slide26.xml><?xml version="1.0" encoding="utf-8"?>
-<p:sld xmlns:a="http://schemas.openxmlformats.org/drawingml/2006/main" xmlns:r="http://schemas.openxmlformats.org/officeDocument/2006/relationships" xmlns:p="http://schemas.openxmlformats.org/presentationml/2006/main">
-  <p:cSld>
-    <p:spTree>
-      <p:nvGrpSpPr>
-        <p:cNvPr id="1" name=""/>
-        <p:cNvGrpSpPr/>
-        <p:nvPr/>
-      </p:nvGrpSpPr>
-      <p:grpSpPr>
-        <a:xfrm>
-          <a:off x="0" y="0"/>
-          <a:ext cx="0" cy="0"/>
-          <a:chOff x="0" y="0"/>
-          <a:chExt cx="0" cy="0"/>
-        </a:xfrm>
-      </p:grpSpPr>
-      <p:sp>
-        <p:nvSpPr>
-          <p:cNvPr id="2" name="文本占位符 1"/>
-          <p:cNvSpPr>
-            <a:spLocks noGrp="1"/>
-          </p:cNvSpPr>
-          <p:nvPr>
-            <p:ph type="body" idx="1"/>
-          </p:nvPr>
-        </p:nvSpPr>
-        <p:spPr/>
-        <p:txBody>
-          <a:bodyPr/>
-          <a:lstStyle/>
-          <a:p>
-            <a:endParaRPr lang="zh-CN"/>
-          </a:p>
-        </p:txBody>
-      </p:sp>
-      <p:sp>
-        <p:nvSpPr>
-          <p:cNvPr id="3" name="内容占位符 2"/>
-          <p:cNvSpPr>
-            <a:spLocks noGrp="1"/>
-          </p:cNvSpPr>
-          <p:nvPr>
-            <p:ph sz="half" idx="2"/>
-          </p:nvPr>
-        </p:nvSpPr>
-        <p:spPr/>
-        <p:txBody>
-          <a:bodyPr/>
-          <a:lstStyle/>
-          <a:p>
-            <a:endParaRPr lang="zh-CN"/>
-          </a:p>
-        </p:txBody>
-      </p:sp>
-      <p:sp>
-        <p:nvSpPr>
-          <p:cNvPr id="4" name="文本占位符 3"/>
-          <p:cNvSpPr>
-            <a:spLocks noGrp="1"/>
-          </p:cNvSpPr>
-          <p:nvPr>
-            <p:ph type="body" sz="quarter" idx="3"/>
-          </p:nvPr>
-        </p:nvSpPr>
-        <p:spPr/>
-        <p:txBody>
-          <a:bodyPr/>
-          <a:lstStyle/>
-          <a:p>
-            <a:endParaRPr lang="zh-CN"/>
-          </a:p>
-        </p:txBody>
-      </p:sp>
-      <p:sp>
-        <p:nvSpPr>
-          <p:cNvPr id="5" name="内容占位符 4"/>
-          <p:cNvSpPr>
-            <a:spLocks noGrp="1"/>
-          </p:cNvSpPr>
-          <p:nvPr>
-            <p:ph sz="quarter" idx="4"/>
-          </p:nvPr>
-        </p:nvSpPr>
-        <p:spPr/>
-        <p:txBody>
-          <a:bodyPr/>
-          <a:lstStyle/>
-          <a:p>
-            <a:endParaRPr lang="zh-CN"/>
-          </a:p>
-        </p:txBody>
-      </p:sp>
-      <p:sp>
-        <p:nvSpPr>
-          <p:cNvPr id="6" name="标题 5"/>
-          <p:cNvSpPr>
-            <a:spLocks noGrp="1"/>
-          </p:cNvSpPr>
-          <p:nvPr>
-            <p:ph type="title"/>
-          </p:nvPr>
-        </p:nvSpPr>
-        <p:spPr/>
-        <p:txBody>
-          <a:bodyPr/>
-          <a:lstStyle/>
-          <a:p>
-            <a:endParaRPr lang="zh-CN" dirty="0"/>
-          </a:p>
-        </p:txBody>
-      </p:sp>
-    </p:spTree>
-    <p:extLst>
-      <p:ext uri="{BB962C8B-B14F-4D97-AF65-F5344CB8AC3E}">
-        <p14:creationId xmlns:p14="http://schemas.microsoft.com/office/powerpoint/2010/main" val="212726890"/>
-      </p:ext>
-    </p:extLst>
-  </p:cSld>
-  <p:clrMapOvr>
-    <a:masterClrMapping/>
-  </p:clrMapOvr>
-  <mc:AlternateContent xmlns:mc="http://schemas.openxmlformats.org/markup-compatibility/2006" xmlns:p14="http://schemas.microsoft.com/office/powerpoint/2010/main">
-    <mc:Choice Requires="p14">
-      <p:transition spd="med" p14:dur="700">
-        <p:fade/>
-      </p:transition>
-    </mc:Choice>
-    <mc:Fallback xmlns="">
-      <p:transition spd="med">
-        <p:fade/>
-      </p:transition>
-    </mc:Fallback>
-  </mc:AlternateContent>
-  <p:timing>
-    <p:tnLst>
-      <p:par>
-        <p:cTn id="1" dur="indefinite" restart="never" nodeType="tmRoot"/>
-      </p:par>
-    </p:tnLst>
-  </p:timing>
-</p:sld>
-</file>
-
-<file path=ppt/slides/slide27.xml><?xml version="1.0" encoding="utf-8"?>
-<p:sld xmlns:a="http://schemas.openxmlformats.org/drawingml/2006/main" xmlns:r="http://schemas.openxmlformats.org/officeDocument/2006/relationships" xmlns:p="http://schemas.openxmlformats.org/presentationml/2006/main">
-  <p:cSld>
-    <p:spTree>
-      <p:nvGrpSpPr>
-        <p:cNvPr id="1" name=""/>
-        <p:cNvGrpSpPr/>
-        <p:nvPr/>
-      </p:nvGrpSpPr>
-      <p:grpSpPr>
-        <a:xfrm>
-          <a:off x="0" y="0"/>
-          <a:ext cx="0" cy="0"/>
-          <a:chOff x="0" y="0"/>
-          <a:chExt cx="0" cy="0"/>
-        </a:xfrm>
-      </p:grpSpPr>
-      <p:sp>
-        <p:nvSpPr>
-          <p:cNvPr id="2" name="标题 1"/>
-          <p:cNvSpPr>
-            <a:spLocks noGrp="1"/>
-          </p:cNvSpPr>
-          <p:nvPr>
-            <p:ph type="title"/>
-          </p:nvPr>
-        </p:nvSpPr>
-        <p:spPr/>
-        <p:txBody>
-          <a:bodyPr/>
-          <a:lstStyle/>
-          <a:p>
-            <a:endParaRPr lang="zh-CN" dirty="0"/>
-          </a:p>
-        </p:txBody>
-      </p:sp>
-    </p:spTree>
-    <p:extLst>
-      <p:ext uri="{BB962C8B-B14F-4D97-AF65-F5344CB8AC3E}">
-        <p14:creationId xmlns:p14="http://schemas.microsoft.com/office/powerpoint/2010/main" val="1689357796"/>
-      </p:ext>
-    </p:extLst>
-  </p:cSld>
-  <p:clrMapOvr>
-    <a:masterClrMapping/>
-  </p:clrMapOvr>
-  <mc:AlternateContent xmlns:mc="http://schemas.openxmlformats.org/markup-compatibility/2006" xmlns:p14="http://schemas.microsoft.com/office/powerpoint/2010/main">
-    <mc:Choice Requires="p14">
-      <p:transition spd="med" p14:dur="700">
-        <p:fade/>
-      </p:transition>
-    </mc:Choice>
-    <mc:Fallback xmlns="">
-      <p:transition spd="med">
-        <p:fade/>
-      </p:transition>
-    </mc:Fallback>
-  </mc:AlternateContent>
-  <p:timing>
-    <p:tnLst>
-      <p:par>
-        <p:cTn id="1" dur="indefinite" restart="never" nodeType="tmRoot"/>
-      </p:par>
-    </p:tnLst>
-  </p:timing>
-</p:sld>
-</file>
-
-<file path=ppt/slides/slide28.xml><?xml version="1.0" encoding="utf-8"?>
-<p:sld xmlns:a="http://schemas.openxmlformats.org/drawingml/2006/main" xmlns:r="http://schemas.openxmlformats.org/officeDocument/2006/relationships" xmlns:p="http://schemas.openxmlformats.org/presentationml/2006/main">
-  <p:cSld>
-    <p:spTree>
-      <p:nvGrpSpPr>
-        <p:cNvPr id="1" name=""/>
-        <p:cNvGrpSpPr/>
-        <p:nvPr/>
-      </p:nvGrpSpPr>
-      <p:grpSpPr>
-        <a:xfrm>
-          <a:off x="0" y="0"/>
-          <a:ext cx="0" cy="0"/>
-          <a:chOff x="0" y="0"/>
-          <a:chExt cx="0" cy="0"/>
-        </a:xfrm>
-      </p:grpSpPr>
-    </p:spTree>
-    <p:extLst>
-      <p:ext uri="{BB962C8B-B14F-4D97-AF65-F5344CB8AC3E}">
-        <p14:creationId xmlns:p14="http://schemas.microsoft.com/office/powerpoint/2010/main" val="428241947"/>
-      </p:ext>
-    </p:extLst>
-  </p:cSld>
-  <p:clrMapOvr>
-    <a:masterClrMapping/>
-  </p:clrMapOvr>
-  <mc:AlternateContent xmlns:mc="http://schemas.openxmlformats.org/markup-compatibility/2006" xmlns:p14="http://schemas.microsoft.com/office/powerpoint/2010/main">
-    <mc:Choice Requires="p14">
-      <p:transition spd="med" p14:dur="700">
-        <p:fade/>
-      </p:transition>
-    </mc:Choice>
-    <mc:Fallback xmlns="">
-      <p:transition spd="med">
-        <p:fade/>
-      </p:transition>
-    </mc:Fallback>
-  </mc:AlternateContent>
-  <p:timing>
-    <p:tnLst>
-      <p:par>
-        <p:cTn id="1" dur="indefinite" restart="never" nodeType="tmRoot"/>
-      </p:par>
-    </p:tnLst>
-  </p:timing>
-</p:sld>
-</file>
-
-<file path=ppt/slides/slide29.xml><?xml version="1.0" encoding="utf-8"?>
-<p:sld xmlns:a="http://schemas.openxmlformats.org/drawingml/2006/main" xmlns:r="http://schemas.openxmlformats.org/officeDocument/2006/relationships" xmlns:p="http://schemas.openxmlformats.org/presentationml/2006/main">
-  <p:cSld>
-    <p:spTree>
-      <p:nvGrpSpPr>
-        <p:cNvPr id="1" name=""/>
-        <p:cNvGrpSpPr/>
-        <p:nvPr/>
-      </p:nvGrpSpPr>
-      <p:grpSpPr>
-        <a:xfrm>
-          <a:off x="0" y="0"/>
-          <a:ext cx="0" cy="0"/>
-          <a:chOff x="0" y="0"/>
-          <a:chExt cx="0" cy="0"/>
-        </a:xfrm>
-      </p:grpSpPr>
-      <p:sp>
-        <p:nvSpPr>
-          <p:cNvPr id="2" name="标题 1"/>
-          <p:cNvSpPr>
-            <a:spLocks noGrp="1"/>
-          </p:cNvSpPr>
-          <p:nvPr>
-            <p:ph type="title"/>
-          </p:nvPr>
-        </p:nvSpPr>
-        <p:spPr/>
-        <p:txBody>
-          <a:bodyPr/>
-          <a:lstStyle/>
-          <a:p>
-            <a:endParaRPr lang="zh-CN" dirty="0"/>
-          </a:p>
-        </p:txBody>
-      </p:sp>
-      <p:sp>
-        <p:nvSpPr>
-          <p:cNvPr id="3" name="内容占位符 2"/>
-          <p:cNvSpPr>
-            <a:spLocks noGrp="1"/>
-          </p:cNvSpPr>
-          <p:nvPr>
-            <p:ph idx="1"/>
-          </p:nvPr>
-        </p:nvSpPr>
-        <p:spPr/>
-        <p:txBody>
-          <a:bodyPr/>
-          <a:lstStyle/>
-          <a:p>
-            <a:endParaRPr lang="zh-CN"/>
-          </a:p>
-        </p:txBody>
-      </p:sp>
-      <p:sp>
-        <p:nvSpPr>
-          <p:cNvPr id="4" name="文本占位符 3"/>
-          <p:cNvSpPr>
-            <a:spLocks noGrp="1"/>
-          </p:cNvSpPr>
-          <p:nvPr>
-            <p:ph type="body" sz="half" idx="2"/>
-          </p:nvPr>
-        </p:nvSpPr>
-        <p:spPr/>
-        <p:txBody>
-          <a:bodyPr/>
-          <a:lstStyle/>
-          <a:p>
-            <a:endParaRPr lang="zh-CN"/>
-          </a:p>
-        </p:txBody>
-      </p:sp>
-    </p:spTree>
-    <p:extLst>
-      <p:ext uri="{BB962C8B-B14F-4D97-AF65-F5344CB8AC3E}">
-        <p14:creationId xmlns:p14="http://schemas.microsoft.com/office/powerpoint/2010/main" val="161801657"/>
       </p:ext>
     </p:extLst>
   </p:cSld>
@@ -11622,10 +12310,18 @@
               <a:buAutoNum type="arabicPeriod"/>
             </a:pPr>
             <a:r>
-              <a:rPr lang="zh-CN" altLang="en-US" sz="1800" dirty="0" smtClean="0"/>
+              <a:rPr lang="zh-CN" altLang="en-US" sz="1800" dirty="0" smtClean="0">
+                <a:solidFill>
+                  <a:srgbClr val="00B0F0"/>
+                </a:solidFill>
+              </a:rPr>
               <a:t>向对象发送消息</a:t>
             </a:r>
-            <a:endParaRPr lang="en-US" altLang="zh-CN" sz="1800" dirty="0" smtClean="0"/>
+            <a:endParaRPr lang="en-US" altLang="zh-CN" sz="1800" dirty="0" smtClean="0">
+              <a:solidFill>
+                <a:srgbClr val="00B0F0"/>
+              </a:solidFill>
+            </a:endParaRPr>
           </a:p>
           <a:p>
             <a:pPr marL="502920" indent="-457200">
@@ -11633,10 +12329,18 @@
               <a:buAutoNum type="arabicPeriod"/>
             </a:pPr>
             <a:r>
-              <a:rPr lang="zh-CN" altLang="en-US" sz="1800" dirty="0" smtClean="0"/>
+              <a:rPr lang="zh-CN" altLang="en-US" sz="1800" dirty="0" smtClean="0">
+                <a:solidFill>
+                  <a:srgbClr val="00B0F0"/>
+                </a:solidFill>
+              </a:rPr>
               <a:t>传参</a:t>
             </a:r>
-            <a:endParaRPr lang="en-US" altLang="zh-CN" sz="1800" dirty="0" smtClean="0"/>
+            <a:endParaRPr lang="en-US" altLang="zh-CN" sz="1800" dirty="0" smtClean="0">
+              <a:solidFill>
+                <a:srgbClr val="00B0F0"/>
+              </a:solidFill>
+            </a:endParaRPr>
           </a:p>
           <a:p>
             <a:pPr marL="502920" indent="-457200">
@@ -11644,10 +12348,18 @@
               <a:buAutoNum type="arabicPeriod"/>
             </a:pPr>
             <a:r>
-              <a:rPr lang="zh-CN" altLang="en-US" sz="1800" dirty="0" smtClean="0"/>
+              <a:rPr lang="zh-CN" altLang="en-US" sz="1800" dirty="0" smtClean="0">
+                <a:solidFill>
+                  <a:srgbClr val="00B0F0"/>
+                </a:solidFill>
+              </a:rPr>
               <a:t>等待方法执行完毕</a:t>
             </a:r>
-            <a:endParaRPr lang="en-US" altLang="zh-CN" sz="1800" dirty="0" smtClean="0"/>
+            <a:endParaRPr lang="en-US" altLang="zh-CN" sz="1800" dirty="0" smtClean="0">
+              <a:solidFill>
+                <a:srgbClr val="00B0F0"/>
+              </a:solidFill>
+            </a:endParaRPr>
           </a:p>
           <a:p>
             <a:pPr marL="502920" indent="-457200">
@@ -11655,10 +12367,18 @@
               <a:buAutoNum type="arabicPeriod"/>
             </a:pPr>
             <a:r>
-              <a:rPr lang="zh-CN" altLang="en-US" sz="1800" dirty="0" smtClean="0"/>
+              <a:rPr lang="zh-CN" altLang="en-US" sz="1800" dirty="0" smtClean="0">
+                <a:solidFill>
+                  <a:srgbClr val="00B0F0"/>
+                </a:solidFill>
+              </a:rPr>
               <a:t>返回结果</a:t>
             </a:r>
-            <a:endParaRPr lang="en-US" altLang="zh-CN" sz="1800" dirty="0" smtClean="0"/>
+            <a:endParaRPr lang="en-US" altLang="zh-CN" sz="1800" dirty="0" smtClean="0">
+              <a:solidFill>
+                <a:srgbClr val="00B0F0"/>
+              </a:solidFill>
+            </a:endParaRPr>
           </a:p>
         </p:txBody>
       </p:sp>
@@ -11666,6 +12386,590 @@
     <p:extLst>
       <p:ext uri="{BB962C8B-B14F-4D97-AF65-F5344CB8AC3E}">
         <p14:creationId xmlns:p14="http://schemas.microsoft.com/office/powerpoint/2010/main" val="3972204760"/>
+      </p:ext>
+    </p:extLst>
+  </p:cSld>
+  <p:clrMapOvr>
+    <a:masterClrMapping/>
+  </p:clrMapOvr>
+  <mc:AlternateContent xmlns:mc="http://schemas.openxmlformats.org/markup-compatibility/2006" xmlns:p14="http://schemas.microsoft.com/office/powerpoint/2010/main">
+    <mc:Choice Requires="p14">
+      <p:transition spd="med" p14:dur="700">
+        <p:fade/>
+      </p:transition>
+    </mc:Choice>
+    <mc:Fallback xmlns="">
+      <p:transition spd="med">
+        <p:fade/>
+      </p:transition>
+    </mc:Fallback>
+  </mc:AlternateContent>
+  <p:timing>
+    <p:tnLst>
+      <p:par>
+        <p:cTn id="1" dur="indefinite" restart="never" nodeType="tmRoot"/>
+      </p:par>
+    </p:tnLst>
+  </p:timing>
+</p:sld>
+</file>
+
+<file path=ppt/slides/slide30.xml><?xml version="1.0" encoding="utf-8"?>
+<p:sld xmlns:a="http://schemas.openxmlformats.org/drawingml/2006/main" xmlns:r="http://schemas.openxmlformats.org/officeDocument/2006/relationships" xmlns:p="http://schemas.openxmlformats.org/presentationml/2006/main">
+  <p:cSld>
+    <p:spTree>
+      <p:nvGrpSpPr>
+        <p:cNvPr id="1" name=""/>
+        <p:cNvGrpSpPr/>
+        <p:nvPr/>
+      </p:nvGrpSpPr>
+      <p:grpSpPr>
+        <a:xfrm>
+          <a:off x="0" y="0"/>
+          <a:ext cx="0" cy="0"/>
+          <a:chOff x="0" y="0"/>
+          <a:chExt cx="0" cy="0"/>
+        </a:xfrm>
+      </p:grpSpPr>
+      <p:sp>
+        <p:nvSpPr>
+          <p:cNvPr id="2" name="标题 1"/>
+          <p:cNvSpPr>
+            <a:spLocks noGrp="1"/>
+          </p:cNvSpPr>
+          <p:nvPr>
+            <p:ph type="title"/>
+          </p:nvPr>
+        </p:nvSpPr>
+        <p:spPr/>
+        <p:txBody>
+          <a:bodyPr/>
+          <a:lstStyle/>
+          <a:p>
+            <a:r>
+              <a:rPr lang="zh-CN"/>
+              <a:t>两栏内容版式与 SmartArt</a:t>
+            </a:r>
+          </a:p>
+        </p:txBody>
+      </p:sp>
+      <p:sp>
+        <p:nvSpPr>
+          <p:cNvPr id="3" name="内容占位符 2"/>
+          <p:cNvSpPr>
+            <a:spLocks noGrp="1"/>
+          </p:cNvSpPr>
+          <p:nvPr>
+            <p:ph sz="half" idx="1"/>
+          </p:nvPr>
+        </p:nvSpPr>
+        <p:spPr/>
+        <p:txBody>
+          <a:bodyPr/>
+          <a:lstStyle/>
+          <a:p>
+            <a:r>
+              <a:rPr lang="zh-CN"/>
+              <a:t>此处为第一个要点</a:t>
+            </a:r>
+          </a:p>
+          <a:p>
+            <a:r>
+              <a:rPr lang="zh-CN"/>
+              <a:t>此处为第二个要点</a:t>
+            </a:r>
+          </a:p>
+          <a:p>
+            <a:r>
+              <a:rPr lang="zh-CN"/>
+              <a:t>此处为第三个要点</a:t>
+            </a:r>
+          </a:p>
+        </p:txBody>
+      </p:sp>
+      <p:graphicFrame>
+        <p:nvGraphicFramePr>
+          <p:cNvPr id="7" name="内容占位符 6" descr="互连圆环" title="SmartArt"/>
+          <p:cNvGraphicFramePr>
+            <a:graphicFrameLocks noGrp="1"/>
+          </p:cNvGraphicFramePr>
+          <p:nvPr>
+            <p:ph sz="half" idx="2"/>
+            <p:extLst>
+              <p:ext uri="{D42A27DB-BD31-4B8C-83A1-F6EECF244321}">
+                <p14:modId xmlns:p14="http://schemas.microsoft.com/office/powerpoint/2010/main" val="1025077792"/>
+              </p:ext>
+            </p:extLst>
+          </p:nvPr>
+        </p:nvGraphicFramePr>
+        <p:xfrm>
+          <a:off x="6278563" y="1573213"/>
+          <a:ext cx="4572000" cy="4141787"/>
+        </p:xfrm>
+        <a:graphic>
+          <a:graphicData uri="http://schemas.openxmlformats.org/drawingml/2006/diagram">
+            <dgm:relIds xmlns:dgm="http://schemas.openxmlformats.org/drawingml/2006/diagram" xmlns:r="http://schemas.openxmlformats.org/officeDocument/2006/relationships" r:dm="rId2" r:lo="rId3" r:qs="rId4" r:cs="rId5"/>
+          </a:graphicData>
+        </a:graphic>
+      </p:graphicFrame>
+    </p:spTree>
+    <p:extLst>
+      <p:ext uri="{BB962C8B-B14F-4D97-AF65-F5344CB8AC3E}">
+        <p14:creationId xmlns:p14="http://schemas.microsoft.com/office/powerpoint/2010/main" val="1441075798"/>
+      </p:ext>
+    </p:extLst>
+  </p:cSld>
+  <p:clrMapOvr>
+    <a:masterClrMapping/>
+  </p:clrMapOvr>
+  <mc:AlternateContent xmlns:mc="http://schemas.openxmlformats.org/markup-compatibility/2006" xmlns:p14="http://schemas.microsoft.com/office/powerpoint/2010/main">
+    <mc:Choice Requires="p14">
+      <p:transition spd="med" p14:dur="700">
+        <p:fade/>
+      </p:transition>
+    </mc:Choice>
+    <mc:Fallback xmlns="">
+      <p:transition spd="med">
+        <p:fade/>
+      </p:transition>
+    </mc:Fallback>
+  </mc:AlternateContent>
+  <p:timing>
+    <p:tnLst>
+      <p:par>
+        <p:cTn id="1" dur="indefinite" restart="never" nodeType="tmRoot"/>
+      </p:par>
+    </p:tnLst>
+  </p:timing>
+</p:sld>
+</file>
+
+<file path=ppt/slides/slide31.xml><?xml version="1.0" encoding="utf-8"?>
+<p:sld xmlns:a="http://schemas.openxmlformats.org/drawingml/2006/main" xmlns:r="http://schemas.openxmlformats.org/officeDocument/2006/relationships" xmlns:p="http://schemas.openxmlformats.org/presentationml/2006/main">
+  <p:cSld>
+    <p:spTree>
+      <p:nvGrpSpPr>
+        <p:cNvPr id="1" name=""/>
+        <p:cNvGrpSpPr/>
+        <p:nvPr/>
+      </p:nvGrpSpPr>
+      <p:grpSpPr>
+        <a:xfrm>
+          <a:off x="0" y="0"/>
+          <a:ext cx="0" cy="0"/>
+          <a:chOff x="0" y="0"/>
+          <a:chExt cx="0" cy="0"/>
+        </a:xfrm>
+      </p:grpSpPr>
+      <p:sp>
+        <p:nvSpPr>
+          <p:cNvPr id="2" name="标题 1"/>
+          <p:cNvSpPr>
+            <a:spLocks noGrp="1"/>
+          </p:cNvSpPr>
+          <p:nvPr>
+            <p:ph type="title"/>
+          </p:nvPr>
+        </p:nvSpPr>
+        <p:spPr/>
+        <p:txBody>
+          <a:bodyPr/>
+          <a:lstStyle/>
+          <a:p>
+            <a:endParaRPr lang="zh-CN" dirty="0"/>
+          </a:p>
+        </p:txBody>
+      </p:sp>
+      <p:sp>
+        <p:nvSpPr>
+          <p:cNvPr id="3" name="文本占位符 2"/>
+          <p:cNvSpPr>
+            <a:spLocks noGrp="1"/>
+          </p:cNvSpPr>
+          <p:nvPr>
+            <p:ph type="body" idx="1"/>
+          </p:nvPr>
+        </p:nvSpPr>
+        <p:spPr/>
+        <p:txBody>
+          <a:bodyPr/>
+          <a:lstStyle/>
+          <a:p>
+            <a:endParaRPr lang="zh-CN" dirty="0"/>
+          </a:p>
+        </p:txBody>
+      </p:sp>
+    </p:spTree>
+    <p:extLst>
+      <p:ext uri="{BB962C8B-B14F-4D97-AF65-F5344CB8AC3E}">
+        <p14:creationId xmlns:p14="http://schemas.microsoft.com/office/powerpoint/2010/main" val="2255057593"/>
+      </p:ext>
+    </p:extLst>
+  </p:cSld>
+  <p:clrMapOvr>
+    <a:masterClrMapping/>
+  </p:clrMapOvr>
+  <mc:AlternateContent xmlns:mc="http://schemas.openxmlformats.org/markup-compatibility/2006" xmlns:p14="http://schemas.microsoft.com/office/powerpoint/2010/main">
+    <mc:Choice Requires="p14">
+      <p:transition spd="med" p14:dur="700">
+        <p:fade/>
+      </p:transition>
+    </mc:Choice>
+    <mc:Fallback xmlns="">
+      <p:transition spd="med">
+        <p:fade/>
+      </p:transition>
+    </mc:Fallback>
+  </mc:AlternateContent>
+  <p:timing>
+    <p:tnLst>
+      <p:par>
+        <p:cTn id="1" dur="indefinite" restart="never" nodeType="tmRoot"/>
+      </p:par>
+    </p:tnLst>
+  </p:timing>
+</p:sld>
+</file>
+
+<file path=ppt/slides/slide32.xml><?xml version="1.0" encoding="utf-8"?>
+<p:sld xmlns:a="http://schemas.openxmlformats.org/drawingml/2006/main" xmlns:r="http://schemas.openxmlformats.org/officeDocument/2006/relationships" xmlns:p="http://schemas.openxmlformats.org/presentationml/2006/main">
+  <p:cSld>
+    <p:spTree>
+      <p:nvGrpSpPr>
+        <p:cNvPr id="1" name=""/>
+        <p:cNvGrpSpPr/>
+        <p:nvPr/>
+      </p:nvGrpSpPr>
+      <p:grpSpPr>
+        <a:xfrm>
+          <a:off x="0" y="0"/>
+          <a:ext cx="0" cy="0"/>
+          <a:chOff x="0" y="0"/>
+          <a:chExt cx="0" cy="0"/>
+        </a:xfrm>
+      </p:grpSpPr>
+      <p:sp>
+        <p:nvSpPr>
+          <p:cNvPr id="2" name="文本占位符 1"/>
+          <p:cNvSpPr>
+            <a:spLocks noGrp="1"/>
+          </p:cNvSpPr>
+          <p:nvPr>
+            <p:ph type="body" idx="1"/>
+          </p:nvPr>
+        </p:nvSpPr>
+        <p:spPr/>
+        <p:txBody>
+          <a:bodyPr/>
+          <a:lstStyle/>
+          <a:p>
+            <a:endParaRPr lang="zh-CN"/>
+          </a:p>
+        </p:txBody>
+      </p:sp>
+      <p:sp>
+        <p:nvSpPr>
+          <p:cNvPr id="3" name="内容占位符 2"/>
+          <p:cNvSpPr>
+            <a:spLocks noGrp="1"/>
+          </p:cNvSpPr>
+          <p:nvPr>
+            <p:ph sz="half" idx="2"/>
+          </p:nvPr>
+        </p:nvSpPr>
+        <p:spPr/>
+        <p:txBody>
+          <a:bodyPr/>
+          <a:lstStyle/>
+          <a:p>
+            <a:endParaRPr lang="zh-CN"/>
+          </a:p>
+        </p:txBody>
+      </p:sp>
+      <p:sp>
+        <p:nvSpPr>
+          <p:cNvPr id="4" name="文本占位符 3"/>
+          <p:cNvSpPr>
+            <a:spLocks noGrp="1"/>
+          </p:cNvSpPr>
+          <p:nvPr>
+            <p:ph type="body" sz="quarter" idx="3"/>
+          </p:nvPr>
+        </p:nvSpPr>
+        <p:spPr/>
+        <p:txBody>
+          <a:bodyPr/>
+          <a:lstStyle/>
+          <a:p>
+            <a:endParaRPr lang="zh-CN"/>
+          </a:p>
+        </p:txBody>
+      </p:sp>
+      <p:sp>
+        <p:nvSpPr>
+          <p:cNvPr id="5" name="内容占位符 4"/>
+          <p:cNvSpPr>
+            <a:spLocks noGrp="1"/>
+          </p:cNvSpPr>
+          <p:nvPr>
+            <p:ph sz="quarter" idx="4"/>
+          </p:nvPr>
+        </p:nvSpPr>
+        <p:spPr/>
+        <p:txBody>
+          <a:bodyPr/>
+          <a:lstStyle/>
+          <a:p>
+            <a:endParaRPr lang="zh-CN"/>
+          </a:p>
+        </p:txBody>
+      </p:sp>
+      <p:sp>
+        <p:nvSpPr>
+          <p:cNvPr id="6" name="标题 5"/>
+          <p:cNvSpPr>
+            <a:spLocks noGrp="1"/>
+          </p:cNvSpPr>
+          <p:nvPr>
+            <p:ph type="title"/>
+          </p:nvPr>
+        </p:nvSpPr>
+        <p:spPr/>
+        <p:txBody>
+          <a:bodyPr/>
+          <a:lstStyle/>
+          <a:p>
+            <a:endParaRPr lang="zh-CN" dirty="0"/>
+          </a:p>
+        </p:txBody>
+      </p:sp>
+    </p:spTree>
+    <p:extLst>
+      <p:ext uri="{BB962C8B-B14F-4D97-AF65-F5344CB8AC3E}">
+        <p14:creationId xmlns:p14="http://schemas.microsoft.com/office/powerpoint/2010/main" val="212726890"/>
+      </p:ext>
+    </p:extLst>
+  </p:cSld>
+  <p:clrMapOvr>
+    <a:masterClrMapping/>
+  </p:clrMapOvr>
+  <mc:AlternateContent xmlns:mc="http://schemas.openxmlformats.org/markup-compatibility/2006" xmlns:p14="http://schemas.microsoft.com/office/powerpoint/2010/main">
+    <mc:Choice Requires="p14">
+      <p:transition spd="med" p14:dur="700">
+        <p:fade/>
+      </p:transition>
+    </mc:Choice>
+    <mc:Fallback xmlns="">
+      <p:transition spd="med">
+        <p:fade/>
+      </p:transition>
+    </mc:Fallback>
+  </mc:AlternateContent>
+  <p:timing>
+    <p:tnLst>
+      <p:par>
+        <p:cTn id="1" dur="indefinite" restart="never" nodeType="tmRoot"/>
+      </p:par>
+    </p:tnLst>
+  </p:timing>
+</p:sld>
+</file>
+
+<file path=ppt/slides/slide33.xml><?xml version="1.0" encoding="utf-8"?>
+<p:sld xmlns:a="http://schemas.openxmlformats.org/drawingml/2006/main" xmlns:r="http://schemas.openxmlformats.org/officeDocument/2006/relationships" xmlns:p="http://schemas.openxmlformats.org/presentationml/2006/main">
+  <p:cSld>
+    <p:spTree>
+      <p:nvGrpSpPr>
+        <p:cNvPr id="1" name=""/>
+        <p:cNvGrpSpPr/>
+        <p:nvPr/>
+      </p:nvGrpSpPr>
+      <p:grpSpPr>
+        <a:xfrm>
+          <a:off x="0" y="0"/>
+          <a:ext cx="0" cy="0"/>
+          <a:chOff x="0" y="0"/>
+          <a:chExt cx="0" cy="0"/>
+        </a:xfrm>
+      </p:grpSpPr>
+      <p:sp>
+        <p:nvSpPr>
+          <p:cNvPr id="2" name="标题 1"/>
+          <p:cNvSpPr>
+            <a:spLocks noGrp="1"/>
+          </p:cNvSpPr>
+          <p:nvPr>
+            <p:ph type="title"/>
+          </p:nvPr>
+        </p:nvSpPr>
+        <p:spPr/>
+        <p:txBody>
+          <a:bodyPr/>
+          <a:lstStyle/>
+          <a:p>
+            <a:endParaRPr lang="zh-CN" dirty="0"/>
+          </a:p>
+        </p:txBody>
+      </p:sp>
+    </p:spTree>
+    <p:extLst>
+      <p:ext uri="{BB962C8B-B14F-4D97-AF65-F5344CB8AC3E}">
+        <p14:creationId xmlns:p14="http://schemas.microsoft.com/office/powerpoint/2010/main" val="1689357796"/>
+      </p:ext>
+    </p:extLst>
+  </p:cSld>
+  <p:clrMapOvr>
+    <a:masterClrMapping/>
+  </p:clrMapOvr>
+  <mc:AlternateContent xmlns:mc="http://schemas.openxmlformats.org/markup-compatibility/2006" xmlns:p14="http://schemas.microsoft.com/office/powerpoint/2010/main">
+    <mc:Choice Requires="p14">
+      <p:transition spd="med" p14:dur="700">
+        <p:fade/>
+      </p:transition>
+    </mc:Choice>
+    <mc:Fallback xmlns="">
+      <p:transition spd="med">
+        <p:fade/>
+      </p:transition>
+    </mc:Fallback>
+  </mc:AlternateContent>
+  <p:timing>
+    <p:tnLst>
+      <p:par>
+        <p:cTn id="1" dur="indefinite" restart="never" nodeType="tmRoot"/>
+      </p:par>
+    </p:tnLst>
+  </p:timing>
+</p:sld>
+</file>
+
+<file path=ppt/slides/slide34.xml><?xml version="1.0" encoding="utf-8"?>
+<p:sld xmlns:a="http://schemas.openxmlformats.org/drawingml/2006/main" xmlns:r="http://schemas.openxmlformats.org/officeDocument/2006/relationships" xmlns:p="http://schemas.openxmlformats.org/presentationml/2006/main">
+  <p:cSld>
+    <p:spTree>
+      <p:nvGrpSpPr>
+        <p:cNvPr id="1" name=""/>
+        <p:cNvGrpSpPr/>
+        <p:nvPr/>
+      </p:nvGrpSpPr>
+      <p:grpSpPr>
+        <a:xfrm>
+          <a:off x="0" y="0"/>
+          <a:ext cx="0" cy="0"/>
+          <a:chOff x="0" y="0"/>
+          <a:chExt cx="0" cy="0"/>
+        </a:xfrm>
+      </p:grpSpPr>
+    </p:spTree>
+    <p:extLst>
+      <p:ext uri="{BB962C8B-B14F-4D97-AF65-F5344CB8AC3E}">
+        <p14:creationId xmlns:p14="http://schemas.microsoft.com/office/powerpoint/2010/main" val="428241947"/>
+      </p:ext>
+    </p:extLst>
+  </p:cSld>
+  <p:clrMapOvr>
+    <a:masterClrMapping/>
+  </p:clrMapOvr>
+  <mc:AlternateContent xmlns:mc="http://schemas.openxmlformats.org/markup-compatibility/2006" xmlns:p14="http://schemas.microsoft.com/office/powerpoint/2010/main">
+    <mc:Choice Requires="p14">
+      <p:transition spd="med" p14:dur="700">
+        <p:fade/>
+      </p:transition>
+    </mc:Choice>
+    <mc:Fallback xmlns="">
+      <p:transition spd="med">
+        <p:fade/>
+      </p:transition>
+    </mc:Fallback>
+  </mc:AlternateContent>
+  <p:timing>
+    <p:tnLst>
+      <p:par>
+        <p:cTn id="1" dur="indefinite" restart="never" nodeType="tmRoot"/>
+      </p:par>
+    </p:tnLst>
+  </p:timing>
+</p:sld>
+</file>
+
+<file path=ppt/slides/slide35.xml><?xml version="1.0" encoding="utf-8"?>
+<p:sld xmlns:a="http://schemas.openxmlformats.org/drawingml/2006/main" xmlns:r="http://schemas.openxmlformats.org/officeDocument/2006/relationships" xmlns:p="http://schemas.openxmlformats.org/presentationml/2006/main">
+  <p:cSld>
+    <p:spTree>
+      <p:nvGrpSpPr>
+        <p:cNvPr id="1" name=""/>
+        <p:cNvGrpSpPr/>
+        <p:nvPr/>
+      </p:nvGrpSpPr>
+      <p:grpSpPr>
+        <a:xfrm>
+          <a:off x="0" y="0"/>
+          <a:ext cx="0" cy="0"/>
+          <a:chOff x="0" y="0"/>
+          <a:chExt cx="0" cy="0"/>
+        </a:xfrm>
+      </p:grpSpPr>
+      <p:sp>
+        <p:nvSpPr>
+          <p:cNvPr id="2" name="标题 1"/>
+          <p:cNvSpPr>
+            <a:spLocks noGrp="1"/>
+          </p:cNvSpPr>
+          <p:nvPr>
+            <p:ph type="title"/>
+          </p:nvPr>
+        </p:nvSpPr>
+        <p:spPr/>
+        <p:txBody>
+          <a:bodyPr/>
+          <a:lstStyle/>
+          <a:p>
+            <a:endParaRPr lang="zh-CN" dirty="0"/>
+          </a:p>
+        </p:txBody>
+      </p:sp>
+      <p:sp>
+        <p:nvSpPr>
+          <p:cNvPr id="3" name="内容占位符 2"/>
+          <p:cNvSpPr>
+            <a:spLocks noGrp="1"/>
+          </p:cNvSpPr>
+          <p:nvPr>
+            <p:ph idx="1"/>
+          </p:nvPr>
+        </p:nvSpPr>
+        <p:spPr/>
+        <p:txBody>
+          <a:bodyPr/>
+          <a:lstStyle/>
+          <a:p>
+            <a:endParaRPr lang="zh-CN"/>
+          </a:p>
+        </p:txBody>
+      </p:sp>
+      <p:sp>
+        <p:nvSpPr>
+          <p:cNvPr id="4" name="文本占位符 3"/>
+          <p:cNvSpPr>
+            <a:spLocks noGrp="1"/>
+          </p:cNvSpPr>
+          <p:nvPr>
+            <p:ph type="body" sz="half" idx="2"/>
+          </p:nvPr>
+        </p:nvSpPr>
+        <p:spPr/>
+        <p:txBody>
+          <a:bodyPr/>
+          <a:lstStyle/>
+          <a:p>
+            <a:endParaRPr lang="zh-CN"/>
+          </a:p>
+        </p:txBody>
+      </p:sp>
+    </p:spTree>
+    <p:extLst>
+      <p:ext uri="{BB962C8B-B14F-4D97-AF65-F5344CB8AC3E}">
+        <p14:creationId xmlns:p14="http://schemas.microsoft.com/office/powerpoint/2010/main" val="161801657"/>
       </p:ext>
     </p:extLst>
   </p:cSld>
@@ -11727,8 +13031,8 @@
         </p:blipFill>
         <p:spPr>
           <a:xfrm>
-            <a:off x="1488447" y="537608"/>
-            <a:ext cx="9215107" cy="6320391"/>
+            <a:off x="1749478" y="282640"/>
+            <a:ext cx="8693045" cy="5962323"/>
           </a:xfrm>
           <a:prstGeom prst="rect">
             <a:avLst/>
@@ -12114,8 +13418,8 @@
         </p:blipFill>
         <p:spPr>
           <a:xfrm>
-            <a:off x="1689946" y="110134"/>
-            <a:ext cx="8812108" cy="6637733"/>
+            <a:off x="2232692" y="110134"/>
+            <a:ext cx="7726616" cy="5820085"/>
           </a:xfrm>
           <a:prstGeom prst="rect">
             <a:avLst/>
@@ -12187,8 +13491,8 @@
         </p:blipFill>
         <p:spPr>
           <a:xfrm>
-            <a:off x="2085703" y="117566"/>
-            <a:ext cx="8020595" cy="6682544"/>
+            <a:off x="2566852" y="117567"/>
+            <a:ext cx="7058296" cy="5880782"/>
           </a:xfrm>
           <a:prstGeom prst="rect">
             <a:avLst/>

--- a/技术分享.pptx
+++ b/技术分享.pptx
@@ -5,10 +5,10 @@
     <p:sldMasterId id="2147483840" r:id="rId2"/>
   </p:sldMasterIdLst>
   <p:notesMasterIdLst>
-    <p:notesMasterId r:id="rId38"/>
+    <p:notesMasterId r:id="rId35"/>
   </p:notesMasterIdLst>
   <p:handoutMasterIdLst>
-    <p:handoutMasterId r:id="rId39"/>
+    <p:handoutMasterId r:id="rId36"/>
   </p:handoutMasterIdLst>
   <p:sldIdLst>
     <p:sldId id="256" r:id="rId3"/>
@@ -17,35 +17,32 @@
     <p:sldId id="277" r:id="rId6"/>
     <p:sldId id="267" r:id="rId7"/>
     <p:sldId id="257" r:id="rId8"/>
-    <p:sldId id="268" r:id="rId9"/>
-    <p:sldId id="270" r:id="rId10"/>
+    <p:sldId id="297" r:id="rId9"/>
+    <p:sldId id="298" r:id="rId10"/>
     <p:sldId id="274" r:id="rId11"/>
-    <p:sldId id="275" r:id="rId12"/>
-    <p:sldId id="276" r:id="rId13"/>
+    <p:sldId id="299" r:id="rId12"/>
+    <p:sldId id="300" r:id="rId13"/>
     <p:sldId id="269" r:id="rId14"/>
     <p:sldId id="285" r:id="rId15"/>
-    <p:sldId id="286" r:id="rId16"/>
+    <p:sldId id="303" r:id="rId16"/>
     <p:sldId id="287" r:id="rId17"/>
     <p:sldId id="280" r:id="rId18"/>
-    <p:sldId id="278" r:id="rId19"/>
-    <p:sldId id="279" r:id="rId20"/>
+    <p:sldId id="301" r:id="rId19"/>
+    <p:sldId id="302" r:id="rId20"/>
     <p:sldId id="281" r:id="rId21"/>
     <p:sldId id="282" r:id="rId22"/>
-    <p:sldId id="283" r:id="rId23"/>
-    <p:sldId id="284" r:id="rId24"/>
-    <p:sldId id="271" r:id="rId25"/>
-    <p:sldId id="289" r:id="rId26"/>
-    <p:sldId id="290" r:id="rId27"/>
-    <p:sldId id="288" r:id="rId28"/>
-    <p:sldId id="258" r:id="rId29"/>
-    <p:sldId id="266" r:id="rId30"/>
-    <p:sldId id="260" r:id="rId31"/>
-    <p:sldId id="259" r:id="rId32"/>
-    <p:sldId id="261" r:id="rId33"/>
-    <p:sldId id="262" r:id="rId34"/>
-    <p:sldId id="263" r:id="rId35"/>
-    <p:sldId id="264" r:id="rId36"/>
-    <p:sldId id="265" r:id="rId37"/>
+    <p:sldId id="294" r:id="rId23"/>
+    <p:sldId id="283" r:id="rId24"/>
+    <p:sldId id="284" r:id="rId25"/>
+    <p:sldId id="271" r:id="rId26"/>
+    <p:sldId id="289" r:id="rId27"/>
+    <p:sldId id="290" r:id="rId28"/>
+    <p:sldId id="291" r:id="rId29"/>
+    <p:sldId id="292" r:id="rId30"/>
+    <p:sldId id="293" r:id="rId31"/>
+    <p:sldId id="295" r:id="rId32"/>
+    <p:sldId id="296" r:id="rId33"/>
+    <p:sldId id="266" r:id="rId34"/>
   </p:sldIdLst>
   <p:sldSz cx="12192000" cy="6858000"/>
   <p:notesSz cx="6858000" cy="9144000"/>
@@ -164,4173 +161,6 @@
     </p:ext>
   </p:extLst>
 </p:presentation>
-</file>
-
-<file path=ppt/charts/chart1.xml><?xml version="1.0" encoding="utf-8"?>
-<c:chartSpace xmlns:c="http://schemas.openxmlformats.org/drawingml/2006/chart" xmlns:a="http://schemas.openxmlformats.org/drawingml/2006/main" xmlns:r="http://schemas.openxmlformats.org/officeDocument/2006/relationships">
-  <c:date1904 val="0"/>
-  <c:lang val="zh-CN"/>
-  <c:roundedCorners val="0"/>
-  <mc:AlternateContent xmlns:mc="http://schemas.openxmlformats.org/markup-compatibility/2006">
-    <mc:Choice xmlns:c14="http://schemas.microsoft.com/office/drawing/2007/8/2/chart" Requires="c14">
-      <c14:style val="102"/>
-    </mc:Choice>
-    <mc:Fallback>
-      <c:style val="2"/>
-    </mc:Fallback>
-  </mc:AlternateContent>
-  <c:chart>
-    <c:autoTitleDeleted val="1"/>
-    <c:plotArea>
-      <c:layout/>
-      <c:barChart>
-        <c:barDir val="col"/>
-        <c:grouping val="clustered"/>
-        <c:varyColors val="0"/>
-        <c:ser>
-          <c:idx val="0"/>
-          <c:order val="0"/>
-          <c:tx>
-            <c:strRef>
-              <c:f>Sheet1!$B$1</c:f>
-              <c:strCache>
-                <c:ptCount val="1"/>
-                <c:pt idx="0">
-                  <c:v>系列 1</c:v>
-                </c:pt>
-              </c:strCache>
-            </c:strRef>
-          </c:tx>
-          <c:spPr>
-            <a:gradFill flip="none" rotWithShape="1">
-              <a:gsLst>
-                <a:gs pos="0">
-                  <a:schemeClr val="accent1"/>
-                </a:gs>
-                <a:gs pos="75000">
-                  <a:schemeClr val="accent1">
-                    <a:lumMod val="60000"/>
-                    <a:lumOff val="40000"/>
-                  </a:schemeClr>
-                </a:gs>
-                <a:gs pos="51000">
-                  <a:schemeClr val="accent1">
-                    <a:alpha val="75000"/>
-                  </a:schemeClr>
-                </a:gs>
-                <a:gs pos="100000">
-                  <a:schemeClr val="accent1">
-                    <a:lumMod val="20000"/>
-                    <a:lumOff val="80000"/>
-                    <a:alpha val="15000"/>
-                  </a:schemeClr>
-                </a:gs>
-              </a:gsLst>
-              <a:lin ang="5400000" scaled="0"/>
-            </a:gradFill>
-            <a:ln>
-              <a:noFill/>
-            </a:ln>
-            <a:effectLst/>
-          </c:spPr>
-          <c:invertIfNegative val="0"/>
-          <c:cat>
-            <c:strRef>
-              <c:f>Sheet1!$A$2:$A$5</c:f>
-              <c:strCache>
-                <c:ptCount val="4"/>
-                <c:pt idx="0">
-                  <c:v>类别 1</c:v>
-                </c:pt>
-                <c:pt idx="1">
-                  <c:v>类别 2</c:v>
-                </c:pt>
-                <c:pt idx="2">
-                  <c:v>类别 3</c:v>
-                </c:pt>
-                <c:pt idx="3">
-                  <c:v>类别 4</c:v>
-                </c:pt>
-              </c:strCache>
-            </c:strRef>
-          </c:cat>
-          <c:val>
-            <c:numRef>
-              <c:f>Sheet1!$B$2:$B$5</c:f>
-              <c:numCache>
-                <c:formatCode>General</c:formatCode>
-                <c:ptCount val="4"/>
-                <c:pt idx="0">
-                  <c:v>4.3</c:v>
-                </c:pt>
-                <c:pt idx="1">
-                  <c:v>2.5</c:v>
-                </c:pt>
-                <c:pt idx="2">
-                  <c:v>3.5</c:v>
-                </c:pt>
-                <c:pt idx="3">
-                  <c:v>4.5</c:v>
-                </c:pt>
-              </c:numCache>
-            </c:numRef>
-          </c:val>
-          <c:extLst xmlns:c16r2="http://schemas.microsoft.com/office/drawing/2015/06/chart">
-            <c:ext xmlns:c16="http://schemas.microsoft.com/office/drawing/2014/chart" uri="{C3380CC4-5D6E-409C-BE32-E72D297353CC}">
-              <c16:uniqueId val="{00000000-9CF1-46E0-92FA-61E49B3C3B06}"/>
-            </c:ext>
-          </c:extLst>
-        </c:ser>
-        <c:ser>
-          <c:idx val="1"/>
-          <c:order val="1"/>
-          <c:tx>
-            <c:strRef>
-              <c:f>Sheet1!$C$1</c:f>
-              <c:strCache>
-                <c:ptCount val="1"/>
-                <c:pt idx="0">
-                  <c:v>系列 2</c:v>
-                </c:pt>
-              </c:strCache>
-            </c:strRef>
-          </c:tx>
-          <c:spPr>
-            <a:gradFill flip="none" rotWithShape="1">
-              <a:gsLst>
-                <a:gs pos="0">
-                  <a:schemeClr val="accent2"/>
-                </a:gs>
-                <a:gs pos="75000">
-                  <a:schemeClr val="accent2">
-                    <a:lumMod val="60000"/>
-                    <a:lumOff val="40000"/>
-                  </a:schemeClr>
-                </a:gs>
-                <a:gs pos="51000">
-                  <a:schemeClr val="accent2">
-                    <a:alpha val="75000"/>
-                  </a:schemeClr>
-                </a:gs>
-                <a:gs pos="100000">
-                  <a:schemeClr val="accent2">
-                    <a:lumMod val="20000"/>
-                    <a:lumOff val="80000"/>
-                    <a:alpha val="15000"/>
-                  </a:schemeClr>
-                </a:gs>
-              </a:gsLst>
-              <a:lin ang="5400000" scaled="0"/>
-            </a:gradFill>
-            <a:ln>
-              <a:noFill/>
-            </a:ln>
-            <a:effectLst/>
-          </c:spPr>
-          <c:invertIfNegative val="0"/>
-          <c:cat>
-            <c:strRef>
-              <c:f>Sheet1!$A$2:$A$5</c:f>
-              <c:strCache>
-                <c:ptCount val="4"/>
-                <c:pt idx="0">
-                  <c:v>类别 1</c:v>
-                </c:pt>
-                <c:pt idx="1">
-                  <c:v>类别 2</c:v>
-                </c:pt>
-                <c:pt idx="2">
-                  <c:v>类别 3</c:v>
-                </c:pt>
-                <c:pt idx="3">
-                  <c:v>类别 4</c:v>
-                </c:pt>
-              </c:strCache>
-            </c:strRef>
-          </c:cat>
-          <c:val>
-            <c:numRef>
-              <c:f>Sheet1!$C$2:$C$5</c:f>
-              <c:numCache>
-                <c:formatCode>General</c:formatCode>
-                <c:ptCount val="4"/>
-                <c:pt idx="0">
-                  <c:v>2.4</c:v>
-                </c:pt>
-                <c:pt idx="1">
-                  <c:v>4.4000000000000004</c:v>
-                </c:pt>
-                <c:pt idx="2">
-                  <c:v>1.8</c:v>
-                </c:pt>
-                <c:pt idx="3">
-                  <c:v>2.8</c:v>
-                </c:pt>
-              </c:numCache>
-            </c:numRef>
-          </c:val>
-          <c:extLst xmlns:c16r2="http://schemas.microsoft.com/office/drawing/2015/06/chart">
-            <c:ext xmlns:c16="http://schemas.microsoft.com/office/drawing/2014/chart" uri="{C3380CC4-5D6E-409C-BE32-E72D297353CC}">
-              <c16:uniqueId val="{00000001-9CF1-46E0-92FA-61E49B3C3B06}"/>
-            </c:ext>
-          </c:extLst>
-        </c:ser>
-        <c:ser>
-          <c:idx val="2"/>
-          <c:order val="2"/>
-          <c:tx>
-            <c:strRef>
-              <c:f>Sheet1!$D$1</c:f>
-              <c:strCache>
-                <c:ptCount val="1"/>
-                <c:pt idx="0">
-                  <c:v>系列 3</c:v>
-                </c:pt>
-              </c:strCache>
-            </c:strRef>
-          </c:tx>
-          <c:spPr>
-            <a:gradFill flip="none" rotWithShape="1">
-              <a:gsLst>
-                <a:gs pos="0">
-                  <a:schemeClr val="accent3"/>
-                </a:gs>
-                <a:gs pos="75000">
-                  <a:schemeClr val="accent3">
-                    <a:lumMod val="60000"/>
-                    <a:lumOff val="40000"/>
-                  </a:schemeClr>
-                </a:gs>
-                <a:gs pos="51000">
-                  <a:schemeClr val="accent3">
-                    <a:alpha val="75000"/>
-                  </a:schemeClr>
-                </a:gs>
-                <a:gs pos="100000">
-                  <a:schemeClr val="accent3">
-                    <a:lumMod val="20000"/>
-                    <a:lumOff val="80000"/>
-                    <a:alpha val="15000"/>
-                  </a:schemeClr>
-                </a:gs>
-              </a:gsLst>
-              <a:lin ang="5400000" scaled="0"/>
-            </a:gradFill>
-            <a:ln>
-              <a:noFill/>
-            </a:ln>
-            <a:effectLst/>
-          </c:spPr>
-          <c:invertIfNegative val="0"/>
-          <c:cat>
-            <c:strRef>
-              <c:f>Sheet1!$A$2:$A$5</c:f>
-              <c:strCache>
-                <c:ptCount val="4"/>
-                <c:pt idx="0">
-                  <c:v>类别 1</c:v>
-                </c:pt>
-                <c:pt idx="1">
-                  <c:v>类别 2</c:v>
-                </c:pt>
-                <c:pt idx="2">
-                  <c:v>类别 3</c:v>
-                </c:pt>
-                <c:pt idx="3">
-                  <c:v>类别 4</c:v>
-                </c:pt>
-              </c:strCache>
-            </c:strRef>
-          </c:cat>
-          <c:val>
-            <c:numRef>
-              <c:f>Sheet1!$D$2:$D$5</c:f>
-              <c:numCache>
-                <c:formatCode>General</c:formatCode>
-                <c:ptCount val="4"/>
-                <c:pt idx="0">
-                  <c:v>2</c:v>
-                </c:pt>
-                <c:pt idx="1">
-                  <c:v>2</c:v>
-                </c:pt>
-                <c:pt idx="2">
-                  <c:v>3</c:v>
-                </c:pt>
-                <c:pt idx="3">
-                  <c:v>5</c:v>
-                </c:pt>
-              </c:numCache>
-            </c:numRef>
-          </c:val>
-          <c:extLst xmlns:c16r2="http://schemas.microsoft.com/office/drawing/2015/06/chart">
-            <c:ext xmlns:c16="http://schemas.microsoft.com/office/drawing/2014/chart" uri="{C3380CC4-5D6E-409C-BE32-E72D297353CC}">
-              <c16:uniqueId val="{00000002-9CF1-46E0-92FA-61E49B3C3B06}"/>
-            </c:ext>
-          </c:extLst>
-        </c:ser>
-        <c:dLbls>
-          <c:showLegendKey val="0"/>
-          <c:showVal val="0"/>
-          <c:showCatName val="0"/>
-          <c:showSerName val="0"/>
-          <c:showPercent val="0"/>
-          <c:showBubbleSize val="0"/>
-        </c:dLbls>
-        <c:gapWidth val="355"/>
-        <c:overlap val="-70"/>
-        <c:axId val="42776064"/>
-        <c:axId val="42777600"/>
-      </c:barChart>
-      <c:catAx>
-        <c:axId val="42776064"/>
-        <c:scaling>
-          <c:orientation val="minMax"/>
-        </c:scaling>
-        <c:delete val="0"/>
-        <c:axPos val="b"/>
-        <c:numFmt formatCode="General" sourceLinked="1"/>
-        <c:majorTickMark val="none"/>
-        <c:minorTickMark val="none"/>
-        <c:tickLblPos val="nextTo"/>
-        <c:spPr>
-          <a:noFill/>
-          <a:ln w="9525" cap="flat" cmpd="sng" algn="ctr">
-            <a:solidFill>
-              <a:schemeClr val="tx1">
-                <a:lumMod val="15000"/>
-                <a:lumOff val="85000"/>
-              </a:schemeClr>
-            </a:solidFill>
-            <a:round/>
-          </a:ln>
-          <a:effectLst/>
-        </c:spPr>
-        <c:txPr>
-          <a:bodyPr rot="-60000000" spcFirstLastPara="1" vertOverflow="ellipsis" vert="horz" wrap="square" anchor="ctr" anchorCtr="1"/>
-          <a:lstStyle/>
-          <a:p>
-            <a:pPr>
-              <a:defRPr sz="1197" b="0" i="0" u="none" strike="noStrike" kern="1200" baseline="0">
-                <a:solidFill>
-                  <a:schemeClr val="tx1">
-                    <a:lumMod val="65000"/>
-                    <a:lumOff val="35000"/>
-                  </a:schemeClr>
-                </a:solidFill>
-                <a:latin typeface="微软雅黑" panose="020B0503020204020204" pitchFamily="34" charset="-122"/>
-                <a:ea typeface="微软雅黑" panose="020B0503020204020204" pitchFamily="34" charset="-122"/>
-                <a:cs typeface="+mn-cs"/>
-              </a:defRPr>
-            </a:pPr>
-            <a:endParaRPr lang="zh-CN"/>
-          </a:p>
-        </c:txPr>
-        <c:crossAx val="42777600"/>
-        <c:crosses val="autoZero"/>
-        <c:auto val="1"/>
-        <c:lblAlgn val="ctr"/>
-        <c:lblOffset val="100"/>
-        <c:noMultiLvlLbl val="0"/>
-      </c:catAx>
-      <c:valAx>
-        <c:axId val="42777600"/>
-        <c:scaling>
-          <c:orientation val="minMax"/>
-        </c:scaling>
-        <c:delete val="0"/>
-        <c:axPos val="l"/>
-        <c:numFmt formatCode="General" sourceLinked="1"/>
-        <c:majorTickMark val="none"/>
-        <c:minorTickMark val="none"/>
-        <c:tickLblPos val="nextTo"/>
-        <c:spPr>
-          <a:noFill/>
-          <a:ln>
-            <a:noFill/>
-          </a:ln>
-          <a:effectLst/>
-        </c:spPr>
-        <c:txPr>
-          <a:bodyPr rot="-60000000" spcFirstLastPara="1" vertOverflow="ellipsis" vert="horz" wrap="square" anchor="ctr" anchorCtr="1"/>
-          <a:lstStyle/>
-          <a:p>
-            <a:pPr>
-              <a:defRPr sz="1197" b="0" i="0" u="none" strike="noStrike" kern="1200" baseline="0">
-                <a:solidFill>
-                  <a:schemeClr val="tx1">
-                    <a:lumMod val="65000"/>
-                    <a:lumOff val="35000"/>
-                  </a:schemeClr>
-                </a:solidFill>
-                <a:latin typeface="微软雅黑" panose="020B0503020204020204" pitchFamily="34" charset="-122"/>
-                <a:ea typeface="微软雅黑" panose="020B0503020204020204" pitchFamily="34" charset="-122"/>
-                <a:cs typeface="+mn-cs"/>
-              </a:defRPr>
-            </a:pPr>
-            <a:endParaRPr lang="zh-CN"/>
-          </a:p>
-        </c:txPr>
-        <c:crossAx val="42776064"/>
-        <c:crosses val="autoZero"/>
-        <c:crossBetween val="between"/>
-      </c:valAx>
-      <c:spPr>
-        <a:noFill/>
-        <a:ln>
-          <a:noFill/>
-        </a:ln>
-        <a:effectLst/>
-      </c:spPr>
-    </c:plotArea>
-    <c:legend>
-      <c:legendPos val="b"/>
-      <c:layout/>
-      <c:overlay val="0"/>
-      <c:spPr>
-        <a:noFill/>
-        <a:ln>
-          <a:noFill/>
-        </a:ln>
-        <a:effectLst/>
-      </c:spPr>
-      <c:txPr>
-        <a:bodyPr rot="0" spcFirstLastPara="1" vertOverflow="ellipsis" vert="horz" wrap="square" anchor="ctr" anchorCtr="1"/>
-        <a:lstStyle/>
-        <a:p>
-          <a:pPr>
-            <a:defRPr sz="1197" b="0" i="0" u="none" strike="noStrike" kern="1200" baseline="0">
-              <a:solidFill>
-                <a:schemeClr val="tx1">
-                  <a:lumMod val="65000"/>
-                  <a:lumOff val="35000"/>
-                </a:schemeClr>
-              </a:solidFill>
-              <a:latin typeface="微软雅黑" panose="020B0503020204020204" pitchFamily="34" charset="-122"/>
-              <a:ea typeface="微软雅黑" panose="020B0503020204020204" pitchFamily="34" charset="-122"/>
-              <a:cs typeface="+mn-cs"/>
-            </a:defRPr>
-          </a:pPr>
-          <a:endParaRPr lang="zh-CN"/>
-        </a:p>
-      </c:txPr>
-    </c:legend>
-    <c:plotVisOnly val="1"/>
-    <c:dispBlanksAs val="gap"/>
-    <c:showDLblsOverMax val="0"/>
-  </c:chart>
-  <c:spPr>
-    <a:noFill/>
-    <a:ln>
-      <a:noFill/>
-    </a:ln>
-    <a:effectLst/>
-  </c:spPr>
-  <c:txPr>
-    <a:bodyPr/>
-    <a:lstStyle/>
-    <a:p>
-      <a:pPr>
-        <a:defRPr>
-          <a:latin typeface="微软雅黑" panose="020B0503020204020204" pitchFamily="34" charset="-122"/>
-          <a:ea typeface="微软雅黑" panose="020B0503020204020204" pitchFamily="34" charset="-122"/>
-        </a:defRPr>
-      </a:pPr>
-      <a:endParaRPr lang="zh-CN"/>
-    </a:p>
-  </c:txPr>
-  <c:externalData r:id="rId1">
-    <c:autoUpdate val="0"/>
-  </c:externalData>
-</c:chartSpace>
-</file>
-
-<file path=ppt/charts/colors1.xml><?xml version="1.0" encoding="utf-8"?>
-<cs:colorStyle xmlns:cs="http://schemas.microsoft.com/office/drawing/2012/chartStyle" xmlns:a="http://schemas.openxmlformats.org/drawingml/2006/main" meth="cycle" id="10">
-  <a:schemeClr val="accent1"/>
-  <a:schemeClr val="accent2"/>
-  <a:schemeClr val="accent3"/>
-  <a:schemeClr val="accent4"/>
-  <a:schemeClr val="accent5"/>
-  <a:schemeClr val="accent6"/>
-  <cs:variation/>
-  <cs:variation>
-    <a:lumMod val="60000"/>
-  </cs:variation>
-  <cs:variation>
-    <a:lumMod val="80000"/>
-    <a:lumOff val="20000"/>
-  </cs:variation>
-  <cs:variation>
-    <a:lumMod val="80000"/>
-  </cs:variation>
-  <cs:variation>
-    <a:lumMod val="60000"/>
-    <a:lumOff val="40000"/>
-  </cs:variation>
-  <cs:variation>
-    <a:lumMod val="50000"/>
-  </cs:variation>
-  <cs:variation>
-    <a:lumMod val="70000"/>
-    <a:lumOff val="30000"/>
-  </cs:variation>
-  <cs:variation>
-    <a:lumMod val="70000"/>
-  </cs:variation>
-  <cs:variation>
-    <a:lumMod val="50000"/>
-    <a:lumOff val="50000"/>
-  </cs:variation>
-</cs:colorStyle>
-</file>
-
-<file path=ppt/charts/style1.xml><?xml version="1.0" encoding="utf-8"?>
-<cs:chartStyle xmlns:cs="http://schemas.microsoft.com/office/drawing/2012/chartStyle" xmlns:a="http://schemas.openxmlformats.org/drawingml/2006/main" id="210">
-  <cs:axisTitle>
-    <cs:lnRef idx="0"/>
-    <cs:fillRef idx="0"/>
-    <cs:effectRef idx="0"/>
-    <cs:fontRef idx="minor">
-      <a:schemeClr val="tx1">
-        <a:lumMod val="65000"/>
-        <a:lumOff val="35000"/>
-      </a:schemeClr>
-    </cs:fontRef>
-    <cs:defRPr sz="1197" kern="1200" cap="all"/>
-  </cs:axisTitle>
-  <cs:categoryAxis>
-    <cs:lnRef idx="0"/>
-    <cs:fillRef idx="0"/>
-    <cs:effectRef idx="0"/>
-    <cs:fontRef idx="minor">
-      <a:schemeClr val="tx1">
-        <a:lumMod val="65000"/>
-        <a:lumOff val="35000"/>
-      </a:schemeClr>
-    </cs:fontRef>
-    <cs:spPr>
-      <a:ln w="9525" cap="flat" cmpd="sng" algn="ctr">
-        <a:solidFill>
-          <a:schemeClr val="tx1">
-            <a:lumMod val="15000"/>
-            <a:lumOff val="85000"/>
-          </a:schemeClr>
-        </a:solidFill>
-        <a:round/>
-      </a:ln>
-    </cs:spPr>
-    <cs:defRPr sz="1197" kern="1200"/>
-  </cs:categoryAxis>
-  <cs:chartArea mods="allowNoFillOverride allowNoLineOverride">
-    <cs:lnRef idx="0"/>
-    <cs:fillRef idx="0"/>
-    <cs:effectRef idx="0"/>
-    <cs:fontRef idx="minor">
-      <a:schemeClr val="dk1"/>
-    </cs:fontRef>
-    <cs:spPr>
-      <a:solidFill>
-        <a:schemeClr val="bg1"/>
-      </a:solidFill>
-      <a:ln w="9525" cap="flat" cmpd="sng" algn="ctr">
-        <a:solidFill>
-          <a:schemeClr val="tx1">
-            <a:lumMod val="15000"/>
-            <a:lumOff val="85000"/>
-          </a:schemeClr>
-        </a:solidFill>
-        <a:round/>
-      </a:ln>
-    </cs:spPr>
-    <cs:defRPr sz="1197" kern="1200"/>
-  </cs:chartArea>
-  <cs:dataLabel>
-    <cs:lnRef idx="0"/>
-    <cs:fillRef idx="0"/>
-    <cs:effectRef idx="0"/>
-    <cs:fontRef idx="minor">
-      <a:schemeClr val="tx1">
-        <a:lumMod val="75000"/>
-        <a:lumOff val="25000"/>
-      </a:schemeClr>
-    </cs:fontRef>
-    <cs:defRPr sz="1197" kern="1200"/>
-  </cs:dataLabel>
-  <cs:dataLabelCallout>
-    <cs:lnRef idx="0"/>
-    <cs:fillRef idx="0"/>
-    <cs:effectRef idx="0"/>
-    <cs:fontRef idx="minor">
-      <a:schemeClr val="bg1"/>
-    </cs:fontRef>
-    <cs:spPr>
-      <a:solidFill>
-        <a:schemeClr val="tx1">
-          <a:lumMod val="50000"/>
-          <a:lumOff val="50000"/>
-        </a:schemeClr>
-      </a:solidFill>
-    </cs:spPr>
-    <cs:defRPr sz="1197" kern="1200"/>
-    <cs:bodyPr rot="0" spcFirstLastPara="1" vertOverflow="clip" horzOverflow="clip" vert="horz" wrap="square" lIns="36576" tIns="18288" rIns="36576" bIns="18288" anchor="ctr" anchorCtr="1">
-      <a:spAutoFit/>
-    </cs:bodyPr>
-  </cs:dataLabelCallout>
-  <cs:dataPoint>
-    <cs:lnRef idx="0"/>
-    <cs:fillRef idx="0">
-      <cs:styleClr val="auto"/>
-    </cs:fillRef>
-    <cs:effectRef idx="0"/>
-    <cs:fontRef idx="minor">
-      <a:schemeClr val="dk1"/>
-    </cs:fontRef>
-    <cs:spPr>
-      <a:gradFill flip="none" rotWithShape="1">
-        <a:gsLst>
-          <a:gs pos="0">
-            <a:schemeClr val="phClr"/>
-          </a:gs>
-          <a:gs pos="75000">
-            <a:schemeClr val="phClr">
-              <a:lumMod val="60000"/>
-              <a:lumOff val="40000"/>
-            </a:schemeClr>
-          </a:gs>
-          <a:gs pos="51000">
-            <a:schemeClr val="phClr">
-              <a:alpha val="75000"/>
-            </a:schemeClr>
-          </a:gs>
-          <a:gs pos="100000">
-            <a:schemeClr val="phClr">
-              <a:lumMod val="20000"/>
-              <a:lumOff val="80000"/>
-              <a:alpha val="15000"/>
-            </a:schemeClr>
-          </a:gs>
-        </a:gsLst>
-        <a:lin ang="5400000" scaled="0"/>
-      </a:gradFill>
-    </cs:spPr>
-  </cs:dataPoint>
-  <cs:dataPoint3D>
-    <cs:lnRef idx="0"/>
-    <cs:fillRef idx="0">
-      <cs:styleClr val="auto"/>
-    </cs:fillRef>
-    <cs:effectRef idx="0"/>
-    <cs:fontRef idx="minor">
-      <a:schemeClr val="dk1"/>
-    </cs:fontRef>
-    <cs:spPr>
-      <a:gradFill flip="none" rotWithShape="1">
-        <a:gsLst>
-          <a:gs pos="0">
-            <a:schemeClr val="phClr"/>
-          </a:gs>
-          <a:gs pos="75000">
-            <a:schemeClr val="phClr">
-              <a:lumMod val="60000"/>
-              <a:lumOff val="40000"/>
-            </a:schemeClr>
-          </a:gs>
-          <a:gs pos="51000">
-            <a:schemeClr val="phClr">
-              <a:alpha val="75000"/>
-            </a:schemeClr>
-          </a:gs>
-          <a:gs pos="100000">
-            <a:schemeClr val="phClr">
-              <a:lumMod val="20000"/>
-              <a:lumOff val="80000"/>
-              <a:alpha val="15000"/>
-            </a:schemeClr>
-          </a:gs>
-        </a:gsLst>
-        <a:lin ang="5400000" scaled="0"/>
-      </a:gradFill>
-    </cs:spPr>
-  </cs:dataPoint3D>
-  <cs:dataPointLine>
-    <cs:lnRef idx="0">
-      <cs:styleClr val="auto"/>
-    </cs:lnRef>
-    <cs:fillRef idx="0"/>
-    <cs:effectRef idx="0"/>
-    <cs:fontRef idx="minor">
-      <a:schemeClr val="dk1"/>
-    </cs:fontRef>
-    <cs:spPr>
-      <a:ln w="28575" cap="rnd">
-        <a:solidFill>
-          <a:schemeClr val="phClr"/>
-        </a:solidFill>
-        <a:round/>
-      </a:ln>
-    </cs:spPr>
-  </cs:dataPointLine>
-  <cs:dataPointMarker>
-    <cs:lnRef idx="0">
-      <cs:styleClr val="auto"/>
-    </cs:lnRef>
-    <cs:fillRef idx="0">
-      <cs:styleClr val="auto"/>
-    </cs:fillRef>
-    <cs:effectRef idx="0"/>
-    <cs:fontRef idx="minor">
-      <a:schemeClr val="dk1"/>
-    </cs:fontRef>
-    <cs:spPr>
-      <a:gradFill flip="none" rotWithShape="1">
-        <a:gsLst>
-          <a:gs pos="0">
-            <a:schemeClr val="phClr"/>
-          </a:gs>
-          <a:gs pos="75000">
-            <a:schemeClr val="phClr">
-              <a:lumMod val="60000"/>
-              <a:lumOff val="40000"/>
-            </a:schemeClr>
-          </a:gs>
-          <a:gs pos="51000">
-            <a:schemeClr val="phClr">
-              <a:alpha val="75000"/>
-            </a:schemeClr>
-          </a:gs>
-          <a:gs pos="100000">
-            <a:schemeClr val="phClr">
-              <a:lumMod val="20000"/>
-              <a:lumOff val="80000"/>
-              <a:alpha val="15000"/>
-            </a:schemeClr>
-          </a:gs>
-        </a:gsLst>
-        <a:lin ang="5400000" scaled="0"/>
-      </a:gradFill>
-      <a:ln w="9525" cap="flat" cmpd="sng" algn="ctr">
-        <a:solidFill>
-          <a:schemeClr val="phClr">
-            <a:shade val="95000"/>
-          </a:schemeClr>
-        </a:solidFill>
-        <a:round/>
-      </a:ln>
-    </cs:spPr>
-  </cs:dataPointMarker>
-  <cs:dataPointMarkerLayout symbol="circle" size="6"/>
-  <cs:dataPointWireframe>
-    <cs:lnRef idx="0">
-      <cs:styleClr val="auto"/>
-    </cs:lnRef>
-    <cs:fillRef idx="0"/>
-    <cs:effectRef idx="0"/>
-    <cs:fontRef idx="minor">
-      <a:schemeClr val="dk1"/>
-    </cs:fontRef>
-    <cs:spPr>
-      <a:ln w="9525" cap="rnd">
-        <a:solidFill>
-          <a:schemeClr val="phClr"/>
-        </a:solidFill>
-        <a:round/>
-      </a:ln>
-    </cs:spPr>
-  </cs:dataPointWireframe>
-  <cs:dataTable>
-    <cs:lnRef idx="0"/>
-    <cs:fillRef idx="0"/>
-    <cs:effectRef idx="0"/>
-    <cs:fontRef idx="minor">
-      <a:schemeClr val="tx1">
-        <a:lumMod val="65000"/>
-        <a:lumOff val="35000"/>
-      </a:schemeClr>
-    </cs:fontRef>
-    <cs:spPr>
-      <a:ln w="9525">
-        <a:solidFill>
-          <a:schemeClr val="tx1">
-            <a:lumMod val="15000"/>
-            <a:lumOff val="85000"/>
-          </a:schemeClr>
-        </a:solidFill>
-      </a:ln>
-    </cs:spPr>
-    <cs:defRPr sz="1197" kern="1200"/>
-  </cs:dataTable>
-  <cs:downBar>
-    <cs:lnRef idx="0"/>
-    <cs:fillRef idx="0"/>
-    <cs:effectRef idx="0"/>
-    <cs:fontRef idx="minor">
-      <a:schemeClr val="dk1"/>
-    </cs:fontRef>
-    <cs:spPr>
-      <a:solidFill>
-        <a:schemeClr val="dk1">
-          <a:lumMod val="75000"/>
-          <a:lumOff val="25000"/>
-        </a:schemeClr>
-      </a:solidFill>
-      <a:ln w="9525">
-        <a:solidFill>
-          <a:schemeClr val="tx1">
-            <a:lumMod val="65000"/>
-            <a:lumOff val="35000"/>
-          </a:schemeClr>
-        </a:solidFill>
-      </a:ln>
-    </cs:spPr>
-  </cs:downBar>
-  <cs:dropLine>
-    <cs:lnRef idx="0"/>
-    <cs:fillRef idx="0"/>
-    <cs:effectRef idx="0"/>
-    <cs:fontRef idx="minor">
-      <a:schemeClr val="dk1"/>
-    </cs:fontRef>
-    <cs:spPr>
-      <a:ln w="9525">
-        <a:solidFill>
-          <a:schemeClr val="tx1">
-            <a:lumMod val="35000"/>
-            <a:lumOff val="65000"/>
-          </a:schemeClr>
-        </a:solidFill>
-      </a:ln>
-    </cs:spPr>
-  </cs:dropLine>
-  <cs:errorBar>
-    <cs:lnRef idx="0"/>
-    <cs:fillRef idx="0"/>
-    <cs:effectRef idx="0"/>
-    <cs:fontRef idx="minor">
-      <a:schemeClr val="dk1"/>
-    </cs:fontRef>
-    <cs:spPr>
-      <a:ln w="9525" cap="flat" cmpd="sng" algn="ctr">
-        <a:solidFill>
-          <a:schemeClr val="tx1">
-            <a:lumMod val="65000"/>
-            <a:lumOff val="35000"/>
-          </a:schemeClr>
-        </a:solidFill>
-        <a:round/>
-      </a:ln>
-    </cs:spPr>
-  </cs:errorBar>
-  <cs:floor>
-    <cs:lnRef idx="0"/>
-    <cs:fillRef idx="0"/>
-    <cs:effectRef idx="0"/>
-    <cs:fontRef idx="minor">
-      <a:schemeClr val="dk1"/>
-    </cs:fontRef>
-  </cs:floor>
-  <cs:gridlineMajor>
-    <cs:lnRef idx="0"/>
-    <cs:fillRef idx="0"/>
-    <cs:effectRef idx="0"/>
-    <cs:fontRef idx="minor">
-      <a:schemeClr val="dk1"/>
-    </cs:fontRef>
-    <cs:spPr>
-      <a:ln w="9525" cap="flat" cmpd="sng" algn="ctr">
-        <a:gradFill>
-          <a:gsLst>
-            <a:gs pos="100000">
-              <a:schemeClr val="tx1">
-                <a:lumMod val="5000"/>
-                <a:lumOff val="95000"/>
-              </a:schemeClr>
-            </a:gs>
-            <a:gs pos="0">
-              <a:schemeClr val="tx1">
-                <a:lumMod val="25000"/>
-                <a:lumOff val="75000"/>
-              </a:schemeClr>
-            </a:gs>
-          </a:gsLst>
-          <a:lin ang="5400000" scaled="0"/>
-        </a:gradFill>
-        <a:round/>
-      </a:ln>
-    </cs:spPr>
-  </cs:gridlineMajor>
-  <cs:gridlineMinor>
-    <cs:lnRef idx="0"/>
-    <cs:fillRef idx="0"/>
-    <cs:effectRef idx="0"/>
-    <cs:fontRef idx="minor">
-      <a:schemeClr val="dk1"/>
-    </cs:fontRef>
-    <cs:spPr>
-      <a:ln w="9525" cap="flat" cmpd="sng" algn="ctr">
-        <a:gradFill>
-          <a:gsLst>
-            <a:gs pos="100000">
-              <a:schemeClr val="tx1">
-                <a:lumMod val="5000"/>
-                <a:lumOff val="95000"/>
-              </a:schemeClr>
-            </a:gs>
-            <a:gs pos="0">
-              <a:schemeClr val="tx1">
-                <a:lumMod val="25000"/>
-                <a:lumOff val="75000"/>
-              </a:schemeClr>
-            </a:gs>
-          </a:gsLst>
-          <a:lin ang="5400000" scaled="0"/>
-        </a:gradFill>
-        <a:round/>
-      </a:ln>
-    </cs:spPr>
-  </cs:gridlineMinor>
-  <cs:hiLoLine>
-    <cs:lnRef idx="0"/>
-    <cs:fillRef idx="0"/>
-    <cs:effectRef idx="0"/>
-    <cs:fontRef idx="minor">
-      <a:schemeClr val="dk1"/>
-    </cs:fontRef>
-    <cs:spPr>
-      <a:ln w="9525">
-        <a:solidFill>
-          <a:schemeClr val="tx1">
-            <a:lumMod val="50000"/>
-            <a:lumOff val="50000"/>
-          </a:schemeClr>
-        </a:solidFill>
-      </a:ln>
-    </cs:spPr>
-  </cs:hiLoLine>
-  <cs:leaderLine>
-    <cs:lnRef idx="0"/>
-    <cs:fillRef idx="0"/>
-    <cs:effectRef idx="0"/>
-    <cs:fontRef idx="minor">
-      <a:schemeClr val="dk1"/>
-    </cs:fontRef>
-    <cs:spPr>
-      <a:ln w="9525">
-        <a:solidFill>
-          <a:schemeClr val="tx1">
-            <a:lumMod val="35000"/>
-            <a:lumOff val="65000"/>
-          </a:schemeClr>
-        </a:solidFill>
-      </a:ln>
-    </cs:spPr>
-  </cs:leaderLine>
-  <cs:legend>
-    <cs:lnRef idx="0"/>
-    <cs:fillRef idx="0"/>
-    <cs:effectRef idx="0"/>
-    <cs:fontRef idx="minor">
-      <a:schemeClr val="tx1">
-        <a:lumMod val="65000"/>
-        <a:lumOff val="35000"/>
-      </a:schemeClr>
-    </cs:fontRef>
-    <cs:defRPr sz="1197" kern="1200"/>
-  </cs:legend>
-  <cs:plotArea mods="allowNoFillOverride allowNoLineOverride">
-    <cs:lnRef idx="0"/>
-    <cs:fillRef idx="0"/>
-    <cs:effectRef idx="0"/>
-    <cs:fontRef idx="minor">
-      <a:schemeClr val="dk1"/>
-    </cs:fontRef>
-  </cs:plotArea>
-  <cs:plotArea3D mods="allowNoFillOverride allowNoLineOverride">
-    <cs:lnRef idx="0"/>
-    <cs:fillRef idx="0"/>
-    <cs:effectRef idx="0"/>
-    <cs:fontRef idx="minor">
-      <a:schemeClr val="dk1"/>
-    </cs:fontRef>
-  </cs:plotArea3D>
-  <cs:seriesAxis>
-    <cs:lnRef idx="0"/>
-    <cs:fillRef idx="0"/>
-    <cs:effectRef idx="0"/>
-    <cs:fontRef idx="minor">
-      <a:schemeClr val="tx1">
-        <a:lumMod val="65000"/>
-        <a:lumOff val="35000"/>
-      </a:schemeClr>
-    </cs:fontRef>
-    <cs:spPr>
-      <a:ln w="9525" cap="flat" cmpd="sng" algn="ctr">
-        <a:solidFill>
-          <a:schemeClr val="tx1">
-            <a:lumMod val="15000"/>
-            <a:lumOff val="85000"/>
-          </a:schemeClr>
-        </a:solidFill>
-        <a:round/>
-        <a:headEnd type="none" w="sm" len="sm"/>
-        <a:tailEnd type="none" w="sm" len="sm"/>
-      </a:ln>
-    </cs:spPr>
-    <cs:defRPr sz="1197" kern="1200"/>
-  </cs:seriesAxis>
-  <cs:seriesLine>
-    <cs:lnRef idx="0"/>
-    <cs:fillRef idx="0"/>
-    <cs:effectRef idx="0"/>
-    <cs:fontRef idx="minor">
-      <a:schemeClr val="dk1"/>
-    </cs:fontRef>
-    <cs:spPr>
-      <a:ln w="9525">
-        <a:solidFill>
-          <a:schemeClr val="tx1">
-            <a:lumMod val="35000"/>
-            <a:lumOff val="65000"/>
-          </a:schemeClr>
-        </a:solidFill>
-        <a:round/>
-      </a:ln>
-    </cs:spPr>
-  </cs:seriesLine>
-  <cs:title>
-    <cs:lnRef idx="0"/>
-    <cs:fillRef idx="0"/>
-    <cs:effectRef idx="0"/>
-    <cs:fontRef idx="minor">
-      <a:schemeClr val="tx1">
-        <a:lumMod val="65000"/>
-        <a:lumOff val="35000"/>
-      </a:schemeClr>
-    </cs:fontRef>
-    <cs:defRPr sz="2200" b="1" kern="1200" cap="all" spc="50" baseline="0"/>
-  </cs:title>
-  <cs:trendline>
-    <cs:lnRef idx="0">
-      <cs:styleClr val="auto"/>
-    </cs:lnRef>
-    <cs:fillRef idx="0"/>
-    <cs:effectRef idx="0"/>
-    <cs:fontRef idx="minor">
-      <a:schemeClr val="dk1"/>
-    </cs:fontRef>
-    <cs:spPr>
-      <a:ln w="9525" cap="rnd">
-        <a:solidFill>
-          <a:schemeClr val="phClr"/>
-        </a:solidFill>
-      </a:ln>
-    </cs:spPr>
-  </cs:trendline>
-  <cs:trendlineLabel>
-    <cs:lnRef idx="0"/>
-    <cs:fillRef idx="0"/>
-    <cs:effectRef idx="0"/>
-    <cs:fontRef idx="minor">
-      <a:schemeClr val="tx1">
-        <a:lumMod val="65000"/>
-        <a:lumOff val="35000"/>
-      </a:schemeClr>
-    </cs:fontRef>
-    <cs:defRPr sz="1197" kern="1200"/>
-  </cs:trendlineLabel>
-  <cs:upBar>
-    <cs:lnRef idx="0"/>
-    <cs:fillRef idx="0"/>
-    <cs:effectRef idx="0"/>
-    <cs:fontRef idx="minor">
-      <a:schemeClr val="dk1"/>
-    </cs:fontRef>
-    <cs:spPr>
-      <a:solidFill>
-        <a:schemeClr val="lt1"/>
-      </a:solidFill>
-      <a:ln w="9525">
-        <a:solidFill>
-          <a:schemeClr val="tx1">
-            <a:lumMod val="65000"/>
-            <a:lumOff val="35000"/>
-          </a:schemeClr>
-        </a:solidFill>
-      </a:ln>
-    </cs:spPr>
-  </cs:upBar>
-  <cs:valueAxis>
-    <cs:lnRef idx="0"/>
-    <cs:fillRef idx="0"/>
-    <cs:effectRef idx="0"/>
-    <cs:fontRef idx="minor">
-      <a:schemeClr val="tx1">
-        <a:lumMod val="65000"/>
-        <a:lumOff val="35000"/>
-      </a:schemeClr>
-    </cs:fontRef>
-    <cs:defRPr sz="1197" kern="1200"/>
-  </cs:valueAxis>
-  <cs:wall>
-    <cs:lnRef idx="0"/>
-    <cs:fillRef idx="0"/>
-    <cs:effectRef idx="0"/>
-    <cs:fontRef idx="minor">
-      <a:schemeClr val="dk1"/>
-    </cs:fontRef>
-  </cs:wall>
-</cs:chartStyle>
-</file>
-
-<file path=ppt/diagrams/colors1.xml><?xml version="1.0" encoding="utf-8"?>
-<dgm:colorsDef xmlns:dgm="http://schemas.openxmlformats.org/drawingml/2006/diagram" xmlns:a="http://schemas.openxmlformats.org/drawingml/2006/main" uniqueId="urn:microsoft.com/office/officeart/2005/8/colors/accent2_2">
-  <dgm:title val=""/>
-  <dgm:desc val=""/>
-  <dgm:catLst>
-    <dgm:cat type="accent2" pri="11200"/>
-  </dgm:catLst>
-  <dgm:styleLbl name="node0">
-    <dgm:fillClrLst meth="repeat">
-      <a:schemeClr val="accent2"/>
-    </dgm:fillClrLst>
-    <dgm:linClrLst meth="repeat">
-      <a:schemeClr val="lt1"/>
-    </dgm:linClrLst>
-    <dgm:effectClrLst/>
-    <dgm:txLinClrLst/>
-    <dgm:txFillClrLst/>
-    <dgm:txEffectClrLst/>
-  </dgm:styleLbl>
-  <dgm:styleLbl name="node1">
-    <dgm:fillClrLst meth="repeat">
-      <a:schemeClr val="accent2"/>
-    </dgm:fillClrLst>
-    <dgm:linClrLst meth="repeat">
-      <a:schemeClr val="lt1"/>
-    </dgm:linClrLst>
-    <dgm:effectClrLst/>
-    <dgm:txLinClrLst/>
-    <dgm:txFillClrLst/>
-    <dgm:txEffectClrLst/>
-  </dgm:styleLbl>
-  <dgm:styleLbl name="alignNode1">
-    <dgm:fillClrLst meth="repeat">
-      <a:schemeClr val="accent2"/>
-    </dgm:fillClrLst>
-    <dgm:linClrLst meth="repeat">
-      <a:schemeClr val="accent2"/>
-    </dgm:linClrLst>
-    <dgm:effectClrLst/>
-    <dgm:txLinClrLst/>
-    <dgm:txFillClrLst/>
-    <dgm:txEffectClrLst/>
-  </dgm:styleLbl>
-  <dgm:styleLbl name="lnNode1">
-    <dgm:fillClrLst meth="repeat">
-      <a:schemeClr val="accent2"/>
-    </dgm:fillClrLst>
-    <dgm:linClrLst meth="repeat">
-      <a:schemeClr val="lt1"/>
-    </dgm:linClrLst>
-    <dgm:effectClrLst/>
-    <dgm:txLinClrLst/>
-    <dgm:txFillClrLst/>
-    <dgm:txEffectClrLst/>
-  </dgm:styleLbl>
-  <dgm:styleLbl name="vennNode1">
-    <dgm:fillClrLst meth="repeat">
-      <a:schemeClr val="accent2">
-        <a:alpha val="50000"/>
-      </a:schemeClr>
-    </dgm:fillClrLst>
-    <dgm:linClrLst meth="repeat">
-      <a:schemeClr val="lt1"/>
-    </dgm:linClrLst>
-    <dgm:effectClrLst/>
-    <dgm:txLinClrLst/>
-    <dgm:txFillClrLst/>
-    <dgm:txEffectClrLst/>
-  </dgm:styleLbl>
-  <dgm:styleLbl name="node2">
-    <dgm:fillClrLst meth="repeat">
-      <a:schemeClr val="accent2"/>
-    </dgm:fillClrLst>
-    <dgm:linClrLst meth="repeat">
-      <a:schemeClr val="lt1"/>
-    </dgm:linClrLst>
-    <dgm:effectClrLst/>
-    <dgm:txLinClrLst/>
-    <dgm:txFillClrLst/>
-    <dgm:txEffectClrLst/>
-  </dgm:styleLbl>
-  <dgm:styleLbl name="node3">
-    <dgm:fillClrLst meth="repeat">
-      <a:schemeClr val="accent2"/>
-    </dgm:fillClrLst>
-    <dgm:linClrLst meth="repeat">
-      <a:schemeClr val="lt1"/>
-    </dgm:linClrLst>
-    <dgm:effectClrLst/>
-    <dgm:txLinClrLst/>
-    <dgm:txFillClrLst/>
-    <dgm:txEffectClrLst/>
-  </dgm:styleLbl>
-  <dgm:styleLbl name="node4">
-    <dgm:fillClrLst meth="repeat">
-      <a:schemeClr val="accent2"/>
-    </dgm:fillClrLst>
-    <dgm:linClrLst meth="repeat">
-      <a:schemeClr val="lt1"/>
-    </dgm:linClrLst>
-    <dgm:effectClrLst/>
-    <dgm:txLinClrLst/>
-    <dgm:txFillClrLst/>
-    <dgm:txEffectClrLst/>
-  </dgm:styleLbl>
-  <dgm:styleLbl name="fgImgPlace1">
-    <dgm:fillClrLst meth="repeat">
-      <a:schemeClr val="accent2">
-        <a:tint val="50000"/>
-      </a:schemeClr>
-    </dgm:fillClrLst>
-    <dgm:linClrLst meth="repeat">
-      <a:schemeClr val="lt1"/>
-    </dgm:linClrLst>
-    <dgm:effectClrLst/>
-    <dgm:txLinClrLst/>
-    <dgm:txFillClrLst meth="repeat">
-      <a:schemeClr val="lt1"/>
-    </dgm:txFillClrLst>
-    <dgm:txEffectClrLst/>
-  </dgm:styleLbl>
-  <dgm:styleLbl name="alignImgPlace1">
-    <dgm:fillClrLst meth="repeat">
-      <a:schemeClr val="accent2">
-        <a:tint val="50000"/>
-      </a:schemeClr>
-    </dgm:fillClrLst>
-    <dgm:linClrLst meth="repeat">
-      <a:schemeClr val="lt1"/>
-    </dgm:linClrLst>
-    <dgm:effectClrLst/>
-    <dgm:txLinClrLst/>
-    <dgm:txFillClrLst meth="repeat">
-      <a:schemeClr val="lt1"/>
-    </dgm:txFillClrLst>
-    <dgm:txEffectClrLst/>
-  </dgm:styleLbl>
-  <dgm:styleLbl name="bgImgPlace1">
-    <dgm:fillClrLst meth="repeat">
-      <a:schemeClr val="accent2">
-        <a:tint val="50000"/>
-      </a:schemeClr>
-    </dgm:fillClrLst>
-    <dgm:linClrLst meth="repeat">
-      <a:schemeClr val="lt1"/>
-    </dgm:linClrLst>
-    <dgm:effectClrLst/>
-    <dgm:txLinClrLst/>
-    <dgm:txFillClrLst meth="repeat">
-      <a:schemeClr val="lt1"/>
-    </dgm:txFillClrLst>
-    <dgm:txEffectClrLst/>
-  </dgm:styleLbl>
-  <dgm:styleLbl name="sibTrans2D1">
-    <dgm:fillClrLst meth="repeat">
-      <a:schemeClr val="accent2">
-        <a:tint val="60000"/>
-      </a:schemeClr>
-    </dgm:fillClrLst>
-    <dgm:linClrLst meth="repeat">
-      <a:schemeClr val="accent2">
-        <a:tint val="60000"/>
-      </a:schemeClr>
-    </dgm:linClrLst>
-    <dgm:effectClrLst/>
-    <dgm:txLinClrLst/>
-    <dgm:txFillClrLst/>
-    <dgm:txEffectClrLst/>
-  </dgm:styleLbl>
-  <dgm:styleLbl name="fgSibTrans2D1">
-    <dgm:fillClrLst meth="repeat">
-      <a:schemeClr val="accent2">
-        <a:tint val="60000"/>
-      </a:schemeClr>
-    </dgm:fillClrLst>
-    <dgm:linClrLst meth="repeat">
-      <a:schemeClr val="accent2">
-        <a:tint val="60000"/>
-      </a:schemeClr>
-    </dgm:linClrLst>
-    <dgm:effectClrLst/>
-    <dgm:txLinClrLst/>
-    <dgm:txFillClrLst/>
-    <dgm:txEffectClrLst/>
-  </dgm:styleLbl>
-  <dgm:styleLbl name="bgSibTrans2D1">
-    <dgm:fillClrLst meth="repeat">
-      <a:schemeClr val="accent2">
-        <a:tint val="60000"/>
-      </a:schemeClr>
-    </dgm:fillClrLst>
-    <dgm:linClrLst meth="repeat">
-      <a:schemeClr val="accent2">
-        <a:tint val="60000"/>
-      </a:schemeClr>
-    </dgm:linClrLst>
-    <dgm:effectClrLst/>
-    <dgm:txLinClrLst/>
-    <dgm:txFillClrLst/>
-    <dgm:txEffectClrLst/>
-  </dgm:styleLbl>
-  <dgm:styleLbl name="sibTrans1D1">
-    <dgm:fillClrLst meth="repeat">
-      <a:schemeClr val="accent2"/>
-    </dgm:fillClrLst>
-    <dgm:linClrLst meth="repeat">
-      <a:schemeClr val="accent2"/>
-    </dgm:linClrLst>
-    <dgm:effectClrLst/>
-    <dgm:txLinClrLst/>
-    <dgm:txFillClrLst meth="repeat">
-      <a:schemeClr val="tx1"/>
-    </dgm:txFillClrLst>
-    <dgm:txEffectClrLst/>
-  </dgm:styleLbl>
-  <dgm:styleLbl name="callout">
-    <dgm:fillClrLst meth="repeat">
-      <a:schemeClr val="accent2"/>
-    </dgm:fillClrLst>
-    <dgm:linClrLst meth="repeat">
-      <a:schemeClr val="accent2">
-        <a:tint val="50000"/>
-      </a:schemeClr>
-    </dgm:linClrLst>
-    <dgm:effectClrLst/>
-    <dgm:txLinClrLst/>
-    <dgm:txFillClrLst meth="repeat">
-      <a:schemeClr val="tx1"/>
-    </dgm:txFillClrLst>
-    <dgm:txEffectClrLst/>
-  </dgm:styleLbl>
-  <dgm:styleLbl name="asst0">
-    <dgm:fillClrLst meth="repeat">
-      <a:schemeClr val="accent2"/>
-    </dgm:fillClrLst>
-    <dgm:linClrLst meth="repeat">
-      <a:schemeClr val="lt1"/>
-    </dgm:linClrLst>
-    <dgm:effectClrLst/>
-    <dgm:txLinClrLst/>
-    <dgm:txFillClrLst/>
-    <dgm:txEffectClrLst/>
-  </dgm:styleLbl>
-  <dgm:styleLbl name="asst1">
-    <dgm:fillClrLst meth="repeat">
-      <a:schemeClr val="accent2"/>
-    </dgm:fillClrLst>
-    <dgm:linClrLst meth="repeat">
-      <a:schemeClr val="lt1"/>
-    </dgm:linClrLst>
-    <dgm:effectClrLst/>
-    <dgm:txLinClrLst/>
-    <dgm:txFillClrLst/>
-    <dgm:txEffectClrLst/>
-  </dgm:styleLbl>
-  <dgm:styleLbl name="asst2">
-    <dgm:fillClrLst meth="repeat">
-      <a:schemeClr val="accent2"/>
-    </dgm:fillClrLst>
-    <dgm:linClrLst meth="repeat">
-      <a:schemeClr val="lt1"/>
-    </dgm:linClrLst>
-    <dgm:effectClrLst/>
-    <dgm:txLinClrLst/>
-    <dgm:txFillClrLst/>
-    <dgm:txEffectClrLst/>
-  </dgm:styleLbl>
-  <dgm:styleLbl name="asst3">
-    <dgm:fillClrLst meth="repeat">
-      <a:schemeClr val="accent2"/>
-    </dgm:fillClrLst>
-    <dgm:linClrLst meth="repeat">
-      <a:schemeClr val="lt1"/>
-    </dgm:linClrLst>
-    <dgm:effectClrLst/>
-    <dgm:txLinClrLst/>
-    <dgm:txFillClrLst/>
-    <dgm:txEffectClrLst/>
-  </dgm:styleLbl>
-  <dgm:styleLbl name="asst4">
-    <dgm:fillClrLst meth="repeat">
-      <a:schemeClr val="accent2"/>
-    </dgm:fillClrLst>
-    <dgm:linClrLst meth="repeat">
-      <a:schemeClr val="lt1"/>
-    </dgm:linClrLst>
-    <dgm:effectClrLst/>
-    <dgm:txLinClrLst/>
-    <dgm:txFillClrLst/>
-    <dgm:txEffectClrLst/>
-  </dgm:styleLbl>
-  <dgm:styleLbl name="parChTrans2D1">
-    <dgm:fillClrLst meth="repeat">
-      <a:schemeClr val="accent2">
-        <a:tint val="60000"/>
-      </a:schemeClr>
-    </dgm:fillClrLst>
-    <dgm:linClrLst meth="repeat">
-      <a:schemeClr val="accent2">
-        <a:tint val="60000"/>
-      </a:schemeClr>
-    </dgm:linClrLst>
-    <dgm:effectClrLst/>
-    <dgm:txLinClrLst/>
-    <dgm:txFillClrLst meth="repeat">
-      <a:schemeClr val="lt1"/>
-    </dgm:txFillClrLst>
-    <dgm:txEffectClrLst/>
-  </dgm:styleLbl>
-  <dgm:styleLbl name="parChTrans2D2">
-    <dgm:fillClrLst meth="repeat">
-      <a:schemeClr val="accent2"/>
-    </dgm:fillClrLst>
-    <dgm:linClrLst meth="repeat">
-      <a:schemeClr val="accent2"/>
-    </dgm:linClrLst>
-    <dgm:effectClrLst/>
-    <dgm:txLinClrLst/>
-    <dgm:txFillClrLst meth="repeat">
-      <a:schemeClr val="lt1"/>
-    </dgm:txFillClrLst>
-    <dgm:txEffectClrLst/>
-  </dgm:styleLbl>
-  <dgm:styleLbl name="parChTrans2D3">
-    <dgm:fillClrLst meth="repeat">
-      <a:schemeClr val="accent2"/>
-    </dgm:fillClrLst>
-    <dgm:linClrLst meth="repeat">
-      <a:schemeClr val="accent2"/>
-    </dgm:linClrLst>
-    <dgm:effectClrLst/>
-    <dgm:txLinClrLst/>
-    <dgm:txFillClrLst meth="repeat">
-      <a:schemeClr val="lt1"/>
-    </dgm:txFillClrLst>
-    <dgm:txEffectClrLst/>
-  </dgm:styleLbl>
-  <dgm:styleLbl name="parChTrans2D4">
-    <dgm:fillClrLst meth="repeat">
-      <a:schemeClr val="accent2"/>
-    </dgm:fillClrLst>
-    <dgm:linClrLst meth="repeat">
-      <a:schemeClr val="accent2"/>
-    </dgm:linClrLst>
-    <dgm:effectClrLst/>
-    <dgm:txLinClrLst/>
-    <dgm:txFillClrLst meth="repeat">
-      <a:schemeClr val="lt1"/>
-    </dgm:txFillClrLst>
-    <dgm:txEffectClrLst/>
-  </dgm:styleLbl>
-  <dgm:styleLbl name="parChTrans1D1">
-    <dgm:fillClrLst meth="repeat">
-      <a:schemeClr val="accent2"/>
-    </dgm:fillClrLst>
-    <dgm:linClrLst meth="repeat">
-      <a:schemeClr val="accent2">
-        <a:shade val="60000"/>
-      </a:schemeClr>
-    </dgm:linClrLst>
-    <dgm:effectClrLst/>
-    <dgm:txLinClrLst/>
-    <dgm:txFillClrLst meth="repeat">
-      <a:schemeClr val="tx1"/>
-    </dgm:txFillClrLst>
-    <dgm:txEffectClrLst/>
-  </dgm:styleLbl>
-  <dgm:styleLbl name="parChTrans1D2">
-    <dgm:fillClrLst meth="repeat">
-      <a:schemeClr val="accent2"/>
-    </dgm:fillClrLst>
-    <dgm:linClrLst meth="repeat">
-      <a:schemeClr val="accent2">
-        <a:shade val="60000"/>
-      </a:schemeClr>
-    </dgm:linClrLst>
-    <dgm:effectClrLst/>
-    <dgm:txLinClrLst/>
-    <dgm:txFillClrLst meth="repeat">
-      <a:schemeClr val="tx1"/>
-    </dgm:txFillClrLst>
-    <dgm:txEffectClrLst/>
-  </dgm:styleLbl>
-  <dgm:styleLbl name="parChTrans1D3">
-    <dgm:fillClrLst meth="repeat">
-      <a:schemeClr val="accent2"/>
-    </dgm:fillClrLst>
-    <dgm:linClrLst meth="repeat">
-      <a:schemeClr val="accent2">
-        <a:shade val="80000"/>
-      </a:schemeClr>
-    </dgm:linClrLst>
-    <dgm:effectClrLst/>
-    <dgm:txLinClrLst/>
-    <dgm:txFillClrLst meth="repeat">
-      <a:schemeClr val="tx1"/>
-    </dgm:txFillClrLst>
-    <dgm:txEffectClrLst/>
-  </dgm:styleLbl>
-  <dgm:styleLbl name="parChTrans1D4">
-    <dgm:fillClrLst meth="repeat">
-      <a:schemeClr val="accent2"/>
-    </dgm:fillClrLst>
-    <dgm:linClrLst meth="repeat">
-      <a:schemeClr val="accent2">
-        <a:shade val="80000"/>
-      </a:schemeClr>
-    </dgm:linClrLst>
-    <dgm:effectClrLst/>
-    <dgm:txLinClrLst/>
-    <dgm:txFillClrLst meth="repeat">
-      <a:schemeClr val="tx1"/>
-    </dgm:txFillClrLst>
-    <dgm:txEffectClrLst/>
-  </dgm:styleLbl>
-  <dgm:styleLbl name="fgAcc1">
-    <dgm:fillClrLst meth="repeat">
-      <a:schemeClr val="lt1">
-        <a:alpha val="90000"/>
-      </a:schemeClr>
-    </dgm:fillClrLst>
-    <dgm:linClrLst meth="repeat">
-      <a:schemeClr val="accent2"/>
-    </dgm:linClrLst>
-    <dgm:effectClrLst/>
-    <dgm:txLinClrLst/>
-    <dgm:txFillClrLst meth="repeat">
-      <a:schemeClr val="dk1"/>
-    </dgm:txFillClrLst>
-    <dgm:txEffectClrLst/>
-  </dgm:styleLbl>
-  <dgm:styleLbl name="conFgAcc1">
-    <dgm:fillClrLst meth="repeat">
-      <a:schemeClr val="lt1">
-        <a:alpha val="90000"/>
-      </a:schemeClr>
-    </dgm:fillClrLst>
-    <dgm:linClrLst meth="repeat">
-      <a:schemeClr val="accent2"/>
-    </dgm:linClrLst>
-    <dgm:effectClrLst/>
-    <dgm:txLinClrLst/>
-    <dgm:txFillClrLst meth="repeat">
-      <a:schemeClr val="dk1"/>
-    </dgm:txFillClrLst>
-    <dgm:txEffectClrLst/>
-  </dgm:styleLbl>
-  <dgm:styleLbl name="alignAcc1">
-    <dgm:fillClrLst meth="repeat">
-      <a:schemeClr val="lt1">
-        <a:alpha val="90000"/>
-      </a:schemeClr>
-    </dgm:fillClrLst>
-    <dgm:linClrLst meth="repeat">
-      <a:schemeClr val="accent2"/>
-    </dgm:linClrLst>
-    <dgm:effectClrLst/>
-    <dgm:txLinClrLst/>
-    <dgm:txFillClrLst meth="repeat">
-      <a:schemeClr val="dk1"/>
-    </dgm:txFillClrLst>
-    <dgm:txEffectClrLst/>
-  </dgm:styleLbl>
-  <dgm:styleLbl name="trAlignAcc1">
-    <dgm:fillClrLst meth="repeat">
-      <a:schemeClr val="lt1">
-        <a:alpha val="40000"/>
-      </a:schemeClr>
-    </dgm:fillClrLst>
-    <dgm:linClrLst meth="repeat">
-      <a:schemeClr val="accent2"/>
-    </dgm:linClrLst>
-    <dgm:effectClrLst/>
-    <dgm:txLinClrLst/>
-    <dgm:txFillClrLst meth="repeat">
-      <a:schemeClr val="dk1"/>
-    </dgm:txFillClrLst>
-    <dgm:txEffectClrLst/>
-  </dgm:styleLbl>
-  <dgm:styleLbl name="bgAcc1">
-    <dgm:fillClrLst meth="repeat">
-      <a:schemeClr val="lt1">
-        <a:alpha val="90000"/>
-      </a:schemeClr>
-    </dgm:fillClrLst>
-    <dgm:linClrLst meth="repeat">
-      <a:schemeClr val="accent2"/>
-    </dgm:linClrLst>
-    <dgm:effectClrLst/>
-    <dgm:txLinClrLst/>
-    <dgm:txFillClrLst meth="repeat">
-      <a:schemeClr val="dk1"/>
-    </dgm:txFillClrLst>
-    <dgm:txEffectClrLst/>
-  </dgm:styleLbl>
-  <dgm:styleLbl name="solidFgAcc1">
-    <dgm:fillClrLst meth="repeat">
-      <a:schemeClr val="lt1"/>
-    </dgm:fillClrLst>
-    <dgm:linClrLst meth="repeat">
-      <a:schemeClr val="accent2"/>
-    </dgm:linClrLst>
-    <dgm:effectClrLst/>
-    <dgm:txLinClrLst/>
-    <dgm:txFillClrLst meth="repeat">
-      <a:schemeClr val="dk1"/>
-    </dgm:txFillClrLst>
-    <dgm:txEffectClrLst/>
-  </dgm:styleLbl>
-  <dgm:styleLbl name="solidAlignAcc1">
-    <dgm:fillClrLst meth="repeat">
-      <a:schemeClr val="lt1"/>
-    </dgm:fillClrLst>
-    <dgm:linClrLst meth="repeat">
-      <a:schemeClr val="accent2"/>
-    </dgm:linClrLst>
-    <dgm:effectClrLst/>
-    <dgm:txLinClrLst/>
-    <dgm:txFillClrLst meth="repeat">
-      <a:schemeClr val="dk1"/>
-    </dgm:txFillClrLst>
-    <dgm:txEffectClrLst/>
-  </dgm:styleLbl>
-  <dgm:styleLbl name="solidBgAcc1">
-    <dgm:fillClrLst meth="repeat">
-      <a:schemeClr val="lt1"/>
-    </dgm:fillClrLst>
-    <dgm:linClrLst meth="repeat">
-      <a:schemeClr val="accent2"/>
-    </dgm:linClrLst>
-    <dgm:effectClrLst/>
-    <dgm:txLinClrLst/>
-    <dgm:txFillClrLst meth="repeat">
-      <a:schemeClr val="dk1"/>
-    </dgm:txFillClrLst>
-    <dgm:txEffectClrLst/>
-  </dgm:styleLbl>
-  <dgm:styleLbl name="fgAccFollowNode1">
-    <dgm:fillClrLst meth="repeat">
-      <a:schemeClr val="accent2">
-        <a:alpha val="90000"/>
-        <a:tint val="40000"/>
-      </a:schemeClr>
-    </dgm:fillClrLst>
-    <dgm:linClrLst meth="repeat">
-      <a:schemeClr val="accent2">
-        <a:alpha val="90000"/>
-        <a:tint val="40000"/>
-      </a:schemeClr>
-    </dgm:linClrLst>
-    <dgm:effectClrLst/>
-    <dgm:txLinClrLst/>
-    <dgm:txFillClrLst meth="repeat">
-      <a:schemeClr val="dk1"/>
-    </dgm:txFillClrLst>
-    <dgm:txEffectClrLst/>
-  </dgm:styleLbl>
-  <dgm:styleLbl name="alignAccFollowNode1">
-    <dgm:fillClrLst meth="repeat">
-      <a:schemeClr val="accent2">
-        <a:alpha val="90000"/>
-        <a:tint val="40000"/>
-      </a:schemeClr>
-    </dgm:fillClrLst>
-    <dgm:linClrLst meth="repeat">
-      <a:schemeClr val="accent2">
-        <a:alpha val="90000"/>
-        <a:tint val="40000"/>
-      </a:schemeClr>
-    </dgm:linClrLst>
-    <dgm:effectClrLst/>
-    <dgm:txLinClrLst/>
-    <dgm:txFillClrLst meth="repeat">
-      <a:schemeClr val="dk1"/>
-    </dgm:txFillClrLst>
-    <dgm:txEffectClrLst/>
-  </dgm:styleLbl>
-  <dgm:styleLbl name="bgAccFollowNode1">
-    <dgm:fillClrLst meth="repeat">
-      <a:schemeClr val="accent2">
-        <a:alpha val="90000"/>
-        <a:tint val="40000"/>
-      </a:schemeClr>
-    </dgm:fillClrLst>
-    <dgm:linClrLst meth="repeat">
-      <a:schemeClr val="accent2">
-        <a:alpha val="90000"/>
-        <a:tint val="40000"/>
-      </a:schemeClr>
-    </dgm:linClrLst>
-    <dgm:effectClrLst/>
-    <dgm:txLinClrLst/>
-    <dgm:txFillClrLst meth="repeat">
-      <a:schemeClr val="dk1"/>
-    </dgm:txFillClrLst>
-    <dgm:txEffectClrLst/>
-  </dgm:styleLbl>
-  <dgm:styleLbl name="fgAcc0">
-    <dgm:fillClrLst meth="repeat">
-      <a:schemeClr val="lt1">
-        <a:alpha val="90000"/>
-      </a:schemeClr>
-    </dgm:fillClrLst>
-    <dgm:linClrLst meth="repeat">
-      <a:schemeClr val="accent2"/>
-    </dgm:linClrLst>
-    <dgm:effectClrLst/>
-    <dgm:txLinClrLst/>
-    <dgm:txFillClrLst meth="repeat">
-      <a:schemeClr val="dk1"/>
-    </dgm:txFillClrLst>
-    <dgm:txEffectClrLst/>
-  </dgm:styleLbl>
-  <dgm:styleLbl name="fgAcc2">
-    <dgm:fillClrLst meth="repeat">
-      <a:schemeClr val="lt1">
-        <a:alpha val="90000"/>
-      </a:schemeClr>
-    </dgm:fillClrLst>
-    <dgm:linClrLst meth="repeat">
-      <a:schemeClr val="accent2"/>
-    </dgm:linClrLst>
-    <dgm:effectClrLst/>
-    <dgm:txLinClrLst/>
-    <dgm:txFillClrLst meth="repeat">
-      <a:schemeClr val="dk1"/>
-    </dgm:txFillClrLst>
-    <dgm:txEffectClrLst/>
-  </dgm:styleLbl>
-  <dgm:styleLbl name="fgAcc3">
-    <dgm:fillClrLst meth="repeat">
-      <a:schemeClr val="lt1">
-        <a:alpha val="90000"/>
-      </a:schemeClr>
-    </dgm:fillClrLst>
-    <dgm:linClrLst meth="repeat">
-      <a:schemeClr val="accent2"/>
-    </dgm:linClrLst>
-    <dgm:effectClrLst/>
-    <dgm:txLinClrLst/>
-    <dgm:txFillClrLst meth="repeat">
-      <a:schemeClr val="dk1"/>
-    </dgm:txFillClrLst>
-    <dgm:txEffectClrLst/>
-  </dgm:styleLbl>
-  <dgm:styleLbl name="fgAcc4">
-    <dgm:fillClrLst meth="repeat">
-      <a:schemeClr val="lt1">
-        <a:alpha val="90000"/>
-      </a:schemeClr>
-    </dgm:fillClrLst>
-    <dgm:linClrLst meth="repeat">
-      <a:schemeClr val="accent2"/>
-    </dgm:linClrLst>
-    <dgm:effectClrLst/>
-    <dgm:txLinClrLst/>
-    <dgm:txFillClrLst meth="repeat">
-      <a:schemeClr val="dk1"/>
-    </dgm:txFillClrLst>
-    <dgm:txEffectClrLst/>
-  </dgm:styleLbl>
-  <dgm:styleLbl name="bgShp">
-    <dgm:fillClrLst meth="repeat">
-      <a:schemeClr val="accent2">
-        <a:tint val="40000"/>
-      </a:schemeClr>
-    </dgm:fillClrLst>
-    <dgm:linClrLst meth="repeat">
-      <a:schemeClr val="accent2"/>
-    </dgm:linClrLst>
-    <dgm:effectClrLst/>
-    <dgm:txLinClrLst/>
-    <dgm:txFillClrLst meth="repeat">
-      <a:schemeClr val="dk1"/>
-    </dgm:txFillClrLst>
-    <dgm:txEffectClrLst/>
-  </dgm:styleLbl>
-  <dgm:styleLbl name="dkBgShp">
-    <dgm:fillClrLst meth="repeat">
-      <a:schemeClr val="accent2">
-        <a:shade val="80000"/>
-      </a:schemeClr>
-    </dgm:fillClrLst>
-    <dgm:linClrLst meth="repeat">
-      <a:schemeClr val="accent2"/>
-    </dgm:linClrLst>
-    <dgm:effectClrLst/>
-    <dgm:txLinClrLst/>
-    <dgm:txFillClrLst meth="repeat">
-      <a:schemeClr val="lt1"/>
-    </dgm:txFillClrLst>
-    <dgm:txEffectClrLst/>
-  </dgm:styleLbl>
-  <dgm:styleLbl name="trBgShp">
-    <dgm:fillClrLst meth="repeat">
-      <a:schemeClr val="accent2">
-        <a:tint val="50000"/>
-        <a:alpha val="40000"/>
-      </a:schemeClr>
-    </dgm:fillClrLst>
-    <dgm:linClrLst meth="repeat">
-      <a:schemeClr val="accent2"/>
-    </dgm:linClrLst>
-    <dgm:effectClrLst/>
-    <dgm:txLinClrLst/>
-    <dgm:txFillClrLst meth="repeat">
-      <a:schemeClr val="lt1"/>
-    </dgm:txFillClrLst>
-    <dgm:txEffectClrLst/>
-  </dgm:styleLbl>
-  <dgm:styleLbl name="fgShp">
-    <dgm:fillClrLst meth="repeat">
-      <a:schemeClr val="accent2">
-        <a:tint val="60000"/>
-      </a:schemeClr>
-    </dgm:fillClrLst>
-    <dgm:linClrLst meth="repeat">
-      <a:schemeClr val="lt1"/>
-    </dgm:linClrLst>
-    <dgm:effectClrLst/>
-    <dgm:txLinClrLst/>
-    <dgm:txFillClrLst meth="repeat">
-      <a:schemeClr val="dk1"/>
-    </dgm:txFillClrLst>
-    <dgm:txEffectClrLst/>
-  </dgm:styleLbl>
-  <dgm:styleLbl name="revTx">
-    <dgm:fillClrLst meth="repeat">
-      <a:schemeClr val="lt1">
-        <a:alpha val="0"/>
-      </a:schemeClr>
-    </dgm:fillClrLst>
-    <dgm:linClrLst meth="repeat">
-      <a:schemeClr val="dk1">
-        <a:alpha val="0"/>
-      </a:schemeClr>
-    </dgm:linClrLst>
-    <dgm:effectClrLst/>
-    <dgm:txLinClrLst/>
-    <dgm:txFillClrLst meth="repeat">
-      <a:schemeClr val="tx1"/>
-    </dgm:txFillClrLst>
-    <dgm:txEffectClrLst/>
-  </dgm:styleLbl>
-</dgm:colorsDef>
-</file>
-
-<file path=ppt/diagrams/data1.xml><?xml version="1.0" encoding="utf-8"?>
-<dgm:dataModel xmlns:dgm="http://schemas.openxmlformats.org/drawingml/2006/diagram" xmlns:a="http://schemas.openxmlformats.org/drawingml/2006/main">
-  <dgm:ptLst>
-    <dgm:pt modelId="{466784C9-C352-4A3A-AB4F-E73B7EFE7116}" type="doc">
-      <dgm:prSet loTypeId="urn:microsoft.com/office/officeart/2005/8/layout/rings+Icon#1" loCatId="relationship" qsTypeId="urn:microsoft.com/office/officeart/2005/8/quickstyle/simple4" qsCatId="simple" csTypeId="urn:microsoft.com/office/officeart/2005/8/colors/accent2_2" csCatId="accent2" phldr="1"/>
-      <dgm:spPr/>
-    </dgm:pt>
-    <dgm:pt modelId="{EC38E271-73CD-4D7B-A66B-861CA7488EC7}">
-      <dgm:prSet phldrT="[文本]"/>
-      <dgm:spPr/>
-      <dgm:t>
-        <a:bodyPr/>
-        <a:lstStyle/>
-        <a:p>
-          <a:r>
-            <a:rPr lang="zh-CN" dirty="0">
-              <a:latin typeface="微软雅黑" panose="020B0503020204020204" pitchFamily="34" charset="-122"/>
-              <a:ea typeface="微软雅黑" panose="020B0503020204020204" pitchFamily="34" charset="-122"/>
-            </a:rPr>
-            <a:t>组 </a:t>
-          </a:r>
-          <a:endParaRPr lang="en-US" altLang="zh-CN" dirty="0" smtClean="0">
-            <a:latin typeface="微软雅黑" panose="020B0503020204020204" pitchFamily="34" charset="-122"/>
-            <a:ea typeface="微软雅黑" panose="020B0503020204020204" pitchFamily="34" charset="-122"/>
-          </a:endParaRPr>
-        </a:p>
-        <a:p>
-          <a:r>
-            <a:rPr lang="zh-CN" dirty="0" smtClean="0">
-              <a:latin typeface="微软雅黑" panose="020B0503020204020204" pitchFamily="34" charset="-122"/>
-              <a:ea typeface="微软雅黑" panose="020B0503020204020204" pitchFamily="34" charset="-122"/>
-            </a:rPr>
-            <a:t>A</a:t>
-          </a:r>
-          <a:endParaRPr lang="zh-CN" dirty="0">
-            <a:latin typeface="微软雅黑" panose="020B0503020204020204" pitchFamily="34" charset="-122"/>
-            <a:ea typeface="微软雅黑" panose="020B0503020204020204" pitchFamily="34" charset="-122"/>
-          </a:endParaRPr>
-        </a:p>
-      </dgm:t>
-    </dgm:pt>
-    <dgm:pt modelId="{0EA99F19-5B2F-4C1C-9650-BC734B55276C}" type="parTrans" cxnId="{6635741C-801F-47A2-A3AF-03D68A077957}">
-      <dgm:prSet/>
-      <dgm:spPr/>
-      <dgm:t>
-        <a:bodyPr/>
-        <a:lstStyle/>
-        <a:p>
-          <a:endParaRPr lang="zh-CN">
-            <a:latin typeface="微软雅黑" panose="020B0503020204020204" pitchFamily="34" charset="-122"/>
-            <a:ea typeface="微软雅黑" panose="020B0503020204020204" pitchFamily="34" charset="-122"/>
-          </a:endParaRPr>
-        </a:p>
-      </dgm:t>
-    </dgm:pt>
-    <dgm:pt modelId="{E4286A04-4462-4767-ADE1-E306C144DD1F}" type="sibTrans" cxnId="{6635741C-801F-47A2-A3AF-03D68A077957}">
-      <dgm:prSet/>
-      <dgm:spPr/>
-      <dgm:t>
-        <a:bodyPr/>
-        <a:lstStyle/>
-        <a:p>
-          <a:endParaRPr lang="zh-CN">
-            <a:latin typeface="微软雅黑" panose="020B0503020204020204" pitchFamily="34" charset="-122"/>
-            <a:ea typeface="微软雅黑" panose="020B0503020204020204" pitchFamily="34" charset="-122"/>
-          </a:endParaRPr>
-        </a:p>
-      </dgm:t>
-    </dgm:pt>
-    <dgm:pt modelId="{56C32169-1400-436F-A8EC-619B9C7E6936}">
-      <dgm:prSet phldrT="[文本]"/>
-      <dgm:spPr/>
-      <dgm:t>
-        <a:bodyPr/>
-        <a:lstStyle/>
-        <a:p>
-          <a:r>
-            <a:rPr lang="zh-CN" dirty="0">
-              <a:latin typeface="微软雅黑" panose="020B0503020204020204" pitchFamily="34" charset="-122"/>
-              <a:ea typeface="微软雅黑" panose="020B0503020204020204" pitchFamily="34" charset="-122"/>
-            </a:rPr>
-            <a:t>组 </a:t>
-          </a:r>
-          <a:endParaRPr lang="en-US" altLang="zh-CN" dirty="0" smtClean="0">
-            <a:latin typeface="微软雅黑" panose="020B0503020204020204" pitchFamily="34" charset="-122"/>
-            <a:ea typeface="微软雅黑" panose="020B0503020204020204" pitchFamily="34" charset="-122"/>
-          </a:endParaRPr>
-        </a:p>
-        <a:p>
-          <a:r>
-            <a:rPr lang="zh-CN" dirty="0" smtClean="0">
-              <a:latin typeface="微软雅黑" panose="020B0503020204020204" pitchFamily="34" charset="-122"/>
-              <a:ea typeface="微软雅黑" panose="020B0503020204020204" pitchFamily="34" charset="-122"/>
-            </a:rPr>
-            <a:t> </a:t>
-          </a:r>
-          <a:r>
-            <a:rPr lang="zh-CN" dirty="0">
-              <a:latin typeface="微软雅黑" panose="020B0503020204020204" pitchFamily="34" charset="-122"/>
-              <a:ea typeface="微软雅黑" panose="020B0503020204020204" pitchFamily="34" charset="-122"/>
-            </a:rPr>
-            <a:t>B</a:t>
-          </a:r>
-        </a:p>
-      </dgm:t>
-    </dgm:pt>
-    <dgm:pt modelId="{206CD43D-A52D-4932-884E-340EA7F3FF6B}" type="parTrans" cxnId="{DFCD2E9B-B722-40E1-AA2E-87695AFE660E}">
-      <dgm:prSet/>
-      <dgm:spPr/>
-      <dgm:t>
-        <a:bodyPr/>
-        <a:lstStyle/>
-        <a:p>
-          <a:endParaRPr lang="zh-CN">
-            <a:latin typeface="微软雅黑" panose="020B0503020204020204" pitchFamily="34" charset="-122"/>
-            <a:ea typeface="微软雅黑" panose="020B0503020204020204" pitchFamily="34" charset="-122"/>
-          </a:endParaRPr>
-        </a:p>
-      </dgm:t>
-    </dgm:pt>
-    <dgm:pt modelId="{C0CE6C8E-CD32-48F9-8A54-7675A2CF02D0}" type="sibTrans" cxnId="{DFCD2E9B-B722-40E1-AA2E-87695AFE660E}">
-      <dgm:prSet/>
-      <dgm:spPr/>
-      <dgm:t>
-        <a:bodyPr/>
-        <a:lstStyle/>
-        <a:p>
-          <a:endParaRPr lang="zh-CN">
-            <a:latin typeface="微软雅黑" panose="020B0503020204020204" pitchFamily="34" charset="-122"/>
-            <a:ea typeface="微软雅黑" panose="020B0503020204020204" pitchFamily="34" charset="-122"/>
-          </a:endParaRPr>
-        </a:p>
-      </dgm:t>
-    </dgm:pt>
-    <dgm:pt modelId="{459EC89A-47B8-4868-BBE9-9476FBD4735E}">
-      <dgm:prSet phldrT="[文本]"/>
-      <dgm:spPr/>
-      <dgm:t>
-        <a:bodyPr/>
-        <a:lstStyle/>
-        <a:p>
-          <a:r>
-            <a:rPr lang="zh-CN" dirty="0">
-              <a:latin typeface="微软雅黑" panose="020B0503020204020204" pitchFamily="34" charset="-122"/>
-              <a:ea typeface="微软雅黑" panose="020B0503020204020204" pitchFamily="34" charset="-122"/>
-            </a:rPr>
-            <a:t>组 </a:t>
-          </a:r>
-          <a:endParaRPr lang="en-US" altLang="zh-CN" dirty="0" smtClean="0">
-            <a:latin typeface="微软雅黑" panose="020B0503020204020204" pitchFamily="34" charset="-122"/>
-            <a:ea typeface="微软雅黑" panose="020B0503020204020204" pitchFamily="34" charset="-122"/>
-          </a:endParaRPr>
-        </a:p>
-        <a:p>
-          <a:r>
-            <a:rPr lang="zh-CN" dirty="0" smtClean="0">
-              <a:latin typeface="微软雅黑" panose="020B0503020204020204" pitchFamily="34" charset="-122"/>
-              <a:ea typeface="微软雅黑" panose="020B0503020204020204" pitchFamily="34" charset="-122"/>
-            </a:rPr>
-            <a:t>C</a:t>
-          </a:r>
-          <a:endParaRPr lang="zh-CN" dirty="0">
-            <a:latin typeface="微软雅黑" panose="020B0503020204020204" pitchFamily="34" charset="-122"/>
-            <a:ea typeface="微软雅黑" panose="020B0503020204020204" pitchFamily="34" charset="-122"/>
-          </a:endParaRPr>
-        </a:p>
-      </dgm:t>
-    </dgm:pt>
-    <dgm:pt modelId="{3B7A3293-3A0C-4891-99E7-141D50C0301C}" type="parTrans" cxnId="{C70F4E87-7751-4AB2-A73D-197D003AD2F4}">
-      <dgm:prSet/>
-      <dgm:spPr/>
-      <dgm:t>
-        <a:bodyPr/>
-        <a:lstStyle/>
-        <a:p>
-          <a:endParaRPr lang="zh-CN">
-            <a:latin typeface="微软雅黑" panose="020B0503020204020204" pitchFamily="34" charset="-122"/>
-            <a:ea typeface="微软雅黑" panose="020B0503020204020204" pitchFamily="34" charset="-122"/>
-          </a:endParaRPr>
-        </a:p>
-      </dgm:t>
-    </dgm:pt>
-    <dgm:pt modelId="{D3368E72-87E7-49A6-B731-AD2AC3EA2532}" type="sibTrans" cxnId="{C70F4E87-7751-4AB2-A73D-197D003AD2F4}">
-      <dgm:prSet/>
-      <dgm:spPr/>
-      <dgm:t>
-        <a:bodyPr/>
-        <a:lstStyle/>
-        <a:p>
-          <a:endParaRPr lang="zh-CN">
-            <a:latin typeface="微软雅黑" panose="020B0503020204020204" pitchFamily="34" charset="-122"/>
-            <a:ea typeface="微软雅黑" panose="020B0503020204020204" pitchFamily="34" charset="-122"/>
-          </a:endParaRPr>
-        </a:p>
-      </dgm:t>
-    </dgm:pt>
-    <dgm:pt modelId="{6EDA52E5-A2A7-435F-9246-0D388ED0D00A}" type="pres">
-      <dgm:prSet presAssocID="{466784C9-C352-4A3A-AB4F-E73B7EFE7116}" presName="Name0" presStyleCnt="0">
-        <dgm:presLayoutVars>
-          <dgm:chMax val="7"/>
-          <dgm:dir/>
-          <dgm:resizeHandles val="exact"/>
-        </dgm:presLayoutVars>
-      </dgm:prSet>
-      <dgm:spPr/>
-    </dgm:pt>
-    <dgm:pt modelId="{073C0186-C529-47F6-9A3F-AC54F3EC1A71}" type="pres">
-      <dgm:prSet presAssocID="{466784C9-C352-4A3A-AB4F-E73B7EFE7116}" presName="ellipse1" presStyleLbl="vennNode1" presStyleIdx="0" presStyleCnt="3">
-        <dgm:presLayoutVars>
-          <dgm:bulletEnabled val="1"/>
-        </dgm:presLayoutVars>
-      </dgm:prSet>
-      <dgm:spPr/>
-      <dgm:t>
-        <a:bodyPr/>
-        <a:lstStyle/>
-        <a:p>
-          <a:endParaRPr lang="zh-CN"/>
-        </a:p>
-      </dgm:t>
-    </dgm:pt>
-    <dgm:pt modelId="{B34614A2-1392-4E77-BDA0-2BEA4D89C2F7}" type="pres">
-      <dgm:prSet presAssocID="{466784C9-C352-4A3A-AB4F-E73B7EFE7116}" presName="ellipse2" presStyleLbl="vennNode1" presStyleIdx="1" presStyleCnt="3">
-        <dgm:presLayoutVars>
-          <dgm:bulletEnabled val="1"/>
-        </dgm:presLayoutVars>
-      </dgm:prSet>
-      <dgm:spPr/>
-      <dgm:t>
-        <a:bodyPr/>
-        <a:lstStyle/>
-        <a:p>
-          <a:endParaRPr lang="zh-CN"/>
-        </a:p>
-      </dgm:t>
-    </dgm:pt>
-    <dgm:pt modelId="{2D81501D-F97C-4215-9373-9F01E07C91FE}" type="pres">
-      <dgm:prSet presAssocID="{466784C9-C352-4A3A-AB4F-E73B7EFE7116}" presName="ellipse3" presStyleLbl="vennNode1" presStyleIdx="2" presStyleCnt="3">
-        <dgm:presLayoutVars>
-          <dgm:bulletEnabled val="1"/>
-        </dgm:presLayoutVars>
-      </dgm:prSet>
-      <dgm:spPr/>
-      <dgm:t>
-        <a:bodyPr/>
-        <a:lstStyle/>
-        <a:p>
-          <a:endParaRPr lang="zh-CN"/>
-        </a:p>
-      </dgm:t>
-    </dgm:pt>
-  </dgm:ptLst>
-  <dgm:cxnLst>
-    <dgm:cxn modelId="{6635741C-801F-47A2-A3AF-03D68A077957}" srcId="{466784C9-C352-4A3A-AB4F-E73B7EFE7116}" destId="{EC38E271-73CD-4D7B-A66B-861CA7488EC7}" srcOrd="0" destOrd="0" parTransId="{0EA99F19-5B2F-4C1C-9650-BC734B55276C}" sibTransId="{E4286A04-4462-4767-ADE1-E306C144DD1F}"/>
-    <dgm:cxn modelId="{5E608FEA-395A-446E-AE17-CB6CF05A8788}" type="presOf" srcId="{EC38E271-73CD-4D7B-A66B-861CA7488EC7}" destId="{073C0186-C529-47F6-9A3F-AC54F3EC1A71}" srcOrd="0" destOrd="0" presId="urn:microsoft.com/office/officeart/2005/8/layout/rings+Icon#1"/>
-    <dgm:cxn modelId="{F5AC7BFA-D3B8-4821-9948-783EC7196B29}" type="presOf" srcId="{56C32169-1400-436F-A8EC-619B9C7E6936}" destId="{B34614A2-1392-4E77-BDA0-2BEA4D89C2F7}" srcOrd="0" destOrd="0" presId="urn:microsoft.com/office/officeart/2005/8/layout/rings+Icon#1"/>
-    <dgm:cxn modelId="{C70F4E87-7751-4AB2-A73D-197D003AD2F4}" srcId="{466784C9-C352-4A3A-AB4F-E73B7EFE7116}" destId="{459EC89A-47B8-4868-BBE9-9476FBD4735E}" srcOrd="2" destOrd="0" parTransId="{3B7A3293-3A0C-4891-99E7-141D50C0301C}" sibTransId="{D3368E72-87E7-49A6-B731-AD2AC3EA2532}"/>
-    <dgm:cxn modelId="{29AA74D2-84E1-48EC-8E00-BBF044D53BCE}" type="presOf" srcId="{466784C9-C352-4A3A-AB4F-E73B7EFE7116}" destId="{6EDA52E5-A2A7-435F-9246-0D388ED0D00A}" srcOrd="0" destOrd="0" presId="urn:microsoft.com/office/officeart/2005/8/layout/rings+Icon#1"/>
-    <dgm:cxn modelId="{CDDBB908-DA88-4E73-98AC-B93F027CF084}" type="presOf" srcId="{459EC89A-47B8-4868-BBE9-9476FBD4735E}" destId="{2D81501D-F97C-4215-9373-9F01E07C91FE}" srcOrd="0" destOrd="0" presId="urn:microsoft.com/office/officeart/2005/8/layout/rings+Icon#1"/>
-    <dgm:cxn modelId="{DFCD2E9B-B722-40E1-AA2E-87695AFE660E}" srcId="{466784C9-C352-4A3A-AB4F-E73B7EFE7116}" destId="{56C32169-1400-436F-A8EC-619B9C7E6936}" srcOrd="1" destOrd="0" parTransId="{206CD43D-A52D-4932-884E-340EA7F3FF6B}" sibTransId="{C0CE6C8E-CD32-48F9-8A54-7675A2CF02D0}"/>
-    <dgm:cxn modelId="{DBE26B54-7079-4FFC-87E1-3554F7051E35}" type="presParOf" srcId="{6EDA52E5-A2A7-435F-9246-0D388ED0D00A}" destId="{073C0186-C529-47F6-9A3F-AC54F3EC1A71}" srcOrd="0" destOrd="0" presId="urn:microsoft.com/office/officeart/2005/8/layout/rings+Icon#1"/>
-    <dgm:cxn modelId="{D6408F6A-19A4-403D-A1B1-2FB7672E934D}" type="presParOf" srcId="{6EDA52E5-A2A7-435F-9246-0D388ED0D00A}" destId="{B34614A2-1392-4E77-BDA0-2BEA4D89C2F7}" srcOrd="1" destOrd="0" presId="urn:microsoft.com/office/officeart/2005/8/layout/rings+Icon#1"/>
-    <dgm:cxn modelId="{E3EED042-9059-4857-A024-B8C959786EE0}" type="presParOf" srcId="{6EDA52E5-A2A7-435F-9246-0D388ED0D00A}" destId="{2D81501D-F97C-4215-9373-9F01E07C91FE}" srcOrd="2" destOrd="0" presId="urn:microsoft.com/office/officeart/2005/8/layout/rings+Icon#1"/>
-  </dgm:cxnLst>
-  <dgm:bg/>
-  <dgm:whole/>
-  <dgm:extLst>
-    <a:ext uri="http://schemas.microsoft.com/office/drawing/2008/diagram">
-      <dsp:dataModelExt xmlns:dsp="http://schemas.microsoft.com/office/drawing/2008/diagram" relId="rId6" minVer="http://schemas.openxmlformats.org/drawingml/2006/diagram"/>
-    </a:ext>
-  </dgm:extLst>
-</dgm:dataModel>
-</file>
-
-<file path=ppt/diagrams/drawing1.xml><?xml version="1.0" encoding="utf-8"?>
-<dsp:drawing xmlns:dgm="http://schemas.openxmlformats.org/drawingml/2006/diagram" xmlns:dsp="http://schemas.microsoft.com/office/drawing/2008/diagram" xmlns:a="http://schemas.openxmlformats.org/drawingml/2006/main">
-  <dsp:spTree>
-    <dsp:nvGrpSpPr>
-      <dsp:cNvPr id="0" name=""/>
-      <dsp:cNvGrpSpPr/>
-    </dsp:nvGrpSpPr>
-    <dsp:grpSpPr/>
-    <dsp:sp modelId="{073C0186-C529-47F6-9A3F-AC54F3EC1A71}">
-      <dsp:nvSpPr>
-        <dsp:cNvPr id="0" name=""/>
-        <dsp:cNvSpPr/>
-      </dsp:nvSpPr>
-      <dsp:spPr>
-        <a:xfrm>
-          <a:off x="0" y="192658"/>
-          <a:ext cx="2253538" cy="2253506"/>
-        </a:xfrm>
-        <a:prstGeom prst="ellipse">
-          <a:avLst/>
-        </a:prstGeom>
-        <a:gradFill rotWithShape="0">
-          <a:gsLst>
-            <a:gs pos="0">
-              <a:schemeClr val="accent2">
-                <a:alpha val="50000"/>
-                <a:hueOff val="0"/>
-                <a:satOff val="0"/>
-                <a:lumOff val="0"/>
-                <a:alphaOff val="0"/>
-                <a:satMod val="103000"/>
-                <a:lumMod val="118000"/>
-              </a:schemeClr>
-            </a:gs>
-            <a:gs pos="50000">
-              <a:schemeClr val="accent2">
-                <a:alpha val="50000"/>
-                <a:hueOff val="0"/>
-                <a:satOff val="0"/>
-                <a:lumOff val="0"/>
-                <a:alphaOff val="0"/>
-                <a:satMod val="89000"/>
-                <a:lumMod val="91000"/>
-              </a:schemeClr>
-            </a:gs>
-            <a:gs pos="100000">
-              <a:schemeClr val="accent2">
-                <a:alpha val="50000"/>
-                <a:hueOff val="0"/>
-                <a:satOff val="0"/>
-                <a:lumOff val="0"/>
-                <a:alphaOff val="0"/>
-                <a:lumMod val="69000"/>
-              </a:schemeClr>
-            </a:gs>
-          </a:gsLst>
-          <a:lin ang="5400000" scaled="0"/>
-        </a:gradFill>
-        <a:ln>
-          <a:noFill/>
-        </a:ln>
-        <a:effectLst/>
-      </dsp:spPr>
-      <dsp:style>
-        <a:lnRef idx="0">
-          <a:scrgbClr r="0" g="0" b="0"/>
-        </a:lnRef>
-        <a:fillRef idx="3">
-          <a:scrgbClr r="0" g="0" b="0"/>
-        </a:fillRef>
-        <a:effectRef idx="0">
-          <a:scrgbClr r="0" g="0" b="0"/>
-        </a:effectRef>
-        <a:fontRef idx="minor">
-          <a:schemeClr val="tx1"/>
-        </a:fontRef>
-      </dsp:style>
-      <dsp:txBody>
-        <a:bodyPr spcFirstLastPara="0" vert="horz" wrap="square" lIns="106680" tIns="106680" rIns="106680" bIns="106680" numCol="1" spcCol="1270" anchor="ctr" anchorCtr="0">
-          <a:noAutofit/>
-        </a:bodyPr>
-        <a:lstStyle/>
-        <a:p>
-          <a:pPr lvl="0" algn="ctr" defTabSz="1244600">
-            <a:lnSpc>
-              <a:spcPct val="90000"/>
-            </a:lnSpc>
-            <a:spcBef>
-              <a:spcPct val="0"/>
-            </a:spcBef>
-            <a:spcAft>
-              <a:spcPct val="35000"/>
-            </a:spcAft>
-          </a:pPr>
-          <a:r>
-            <a:rPr lang="zh-CN" sz="2800" kern="1200" dirty="0">
-              <a:latin typeface="微软雅黑" panose="020B0503020204020204" pitchFamily="34" charset="-122"/>
-              <a:ea typeface="微软雅黑" panose="020B0503020204020204" pitchFamily="34" charset="-122"/>
-            </a:rPr>
-            <a:t>组 </a:t>
-          </a:r>
-          <a:endParaRPr lang="en-US" altLang="zh-CN" sz="2800" kern="1200" dirty="0" smtClean="0">
-            <a:latin typeface="微软雅黑" panose="020B0503020204020204" pitchFamily="34" charset="-122"/>
-            <a:ea typeface="微软雅黑" panose="020B0503020204020204" pitchFamily="34" charset="-122"/>
-          </a:endParaRPr>
-        </a:p>
-        <a:p>
-          <a:pPr lvl="0" algn="ctr" defTabSz="1244600">
-            <a:lnSpc>
-              <a:spcPct val="90000"/>
-            </a:lnSpc>
-            <a:spcBef>
-              <a:spcPct val="0"/>
-            </a:spcBef>
-            <a:spcAft>
-              <a:spcPct val="35000"/>
-            </a:spcAft>
-          </a:pPr>
-          <a:r>
-            <a:rPr lang="zh-CN" sz="2800" kern="1200" dirty="0" smtClean="0">
-              <a:latin typeface="微软雅黑" panose="020B0503020204020204" pitchFamily="34" charset="-122"/>
-              <a:ea typeface="微软雅黑" panose="020B0503020204020204" pitchFamily="34" charset="-122"/>
-            </a:rPr>
-            <a:t>A</a:t>
-          </a:r>
-          <a:endParaRPr lang="zh-CN" sz="2800" kern="1200" dirty="0">
-            <a:latin typeface="微软雅黑" panose="020B0503020204020204" pitchFamily="34" charset="-122"/>
-            <a:ea typeface="微软雅黑" panose="020B0503020204020204" pitchFamily="34" charset="-122"/>
-          </a:endParaRPr>
-        </a:p>
-      </dsp:txBody>
-      <dsp:txXfrm>
-        <a:off x="330023" y="522676"/>
-        <a:ext cx="1593492" cy="1593470"/>
-      </dsp:txXfrm>
-    </dsp:sp>
-    <dsp:sp modelId="{B34614A2-1392-4E77-BDA0-2BEA4D89C2F7}">
-      <dsp:nvSpPr>
-        <dsp:cNvPr id="0" name=""/>
-        <dsp:cNvSpPr/>
-      </dsp:nvSpPr>
-      <dsp:spPr>
-        <a:xfrm>
-          <a:off x="1159916" y="1695622"/>
-          <a:ext cx="2253538" cy="2253506"/>
-        </a:xfrm>
-        <a:prstGeom prst="ellipse">
-          <a:avLst/>
-        </a:prstGeom>
-        <a:gradFill rotWithShape="0">
-          <a:gsLst>
-            <a:gs pos="0">
-              <a:schemeClr val="accent2">
-                <a:alpha val="50000"/>
-                <a:hueOff val="0"/>
-                <a:satOff val="0"/>
-                <a:lumOff val="0"/>
-                <a:alphaOff val="0"/>
-                <a:satMod val="103000"/>
-                <a:lumMod val="118000"/>
-              </a:schemeClr>
-            </a:gs>
-            <a:gs pos="50000">
-              <a:schemeClr val="accent2">
-                <a:alpha val="50000"/>
-                <a:hueOff val="0"/>
-                <a:satOff val="0"/>
-                <a:lumOff val="0"/>
-                <a:alphaOff val="0"/>
-                <a:satMod val="89000"/>
-                <a:lumMod val="91000"/>
-              </a:schemeClr>
-            </a:gs>
-            <a:gs pos="100000">
-              <a:schemeClr val="accent2">
-                <a:alpha val="50000"/>
-                <a:hueOff val="0"/>
-                <a:satOff val="0"/>
-                <a:lumOff val="0"/>
-                <a:alphaOff val="0"/>
-                <a:lumMod val="69000"/>
-              </a:schemeClr>
-            </a:gs>
-          </a:gsLst>
-          <a:lin ang="5400000" scaled="0"/>
-        </a:gradFill>
-        <a:ln>
-          <a:noFill/>
-        </a:ln>
-        <a:effectLst/>
-      </dsp:spPr>
-      <dsp:style>
-        <a:lnRef idx="0">
-          <a:scrgbClr r="0" g="0" b="0"/>
-        </a:lnRef>
-        <a:fillRef idx="3">
-          <a:scrgbClr r="0" g="0" b="0"/>
-        </a:fillRef>
-        <a:effectRef idx="0">
-          <a:scrgbClr r="0" g="0" b="0"/>
-        </a:effectRef>
-        <a:fontRef idx="minor">
-          <a:schemeClr val="tx1"/>
-        </a:fontRef>
-      </dsp:style>
-      <dsp:txBody>
-        <a:bodyPr spcFirstLastPara="0" vert="horz" wrap="square" lIns="106680" tIns="106680" rIns="106680" bIns="106680" numCol="1" spcCol="1270" anchor="ctr" anchorCtr="0">
-          <a:noAutofit/>
-        </a:bodyPr>
-        <a:lstStyle/>
-        <a:p>
-          <a:pPr lvl="0" algn="ctr" defTabSz="1244600">
-            <a:lnSpc>
-              <a:spcPct val="90000"/>
-            </a:lnSpc>
-            <a:spcBef>
-              <a:spcPct val="0"/>
-            </a:spcBef>
-            <a:spcAft>
-              <a:spcPct val="35000"/>
-            </a:spcAft>
-          </a:pPr>
-          <a:r>
-            <a:rPr lang="zh-CN" sz="2800" kern="1200" dirty="0">
-              <a:latin typeface="微软雅黑" panose="020B0503020204020204" pitchFamily="34" charset="-122"/>
-              <a:ea typeface="微软雅黑" panose="020B0503020204020204" pitchFamily="34" charset="-122"/>
-            </a:rPr>
-            <a:t>组 </a:t>
-          </a:r>
-          <a:endParaRPr lang="en-US" altLang="zh-CN" sz="2800" kern="1200" dirty="0" smtClean="0">
-            <a:latin typeface="微软雅黑" panose="020B0503020204020204" pitchFamily="34" charset="-122"/>
-            <a:ea typeface="微软雅黑" panose="020B0503020204020204" pitchFamily="34" charset="-122"/>
-          </a:endParaRPr>
-        </a:p>
-        <a:p>
-          <a:pPr lvl="0" algn="ctr" defTabSz="1244600">
-            <a:lnSpc>
-              <a:spcPct val="90000"/>
-            </a:lnSpc>
-            <a:spcBef>
-              <a:spcPct val="0"/>
-            </a:spcBef>
-            <a:spcAft>
-              <a:spcPct val="35000"/>
-            </a:spcAft>
-          </a:pPr>
-          <a:r>
-            <a:rPr lang="zh-CN" sz="2800" kern="1200" dirty="0" smtClean="0">
-              <a:latin typeface="微软雅黑" panose="020B0503020204020204" pitchFamily="34" charset="-122"/>
-              <a:ea typeface="微软雅黑" panose="020B0503020204020204" pitchFamily="34" charset="-122"/>
-            </a:rPr>
-            <a:t> </a:t>
-          </a:r>
-          <a:r>
-            <a:rPr lang="zh-CN" sz="2800" kern="1200" dirty="0">
-              <a:latin typeface="微软雅黑" panose="020B0503020204020204" pitchFamily="34" charset="-122"/>
-              <a:ea typeface="微软雅黑" panose="020B0503020204020204" pitchFamily="34" charset="-122"/>
-            </a:rPr>
-            <a:t>B</a:t>
-          </a:r>
-        </a:p>
-      </dsp:txBody>
-      <dsp:txXfrm>
-        <a:off x="1489939" y="2025640"/>
-        <a:ext cx="1593492" cy="1593470"/>
-      </dsp:txXfrm>
-    </dsp:sp>
-    <dsp:sp modelId="{2D81501D-F97C-4215-9373-9F01E07C91FE}">
-      <dsp:nvSpPr>
-        <dsp:cNvPr id="0" name=""/>
-        <dsp:cNvSpPr/>
-      </dsp:nvSpPr>
-      <dsp:spPr>
-        <a:xfrm>
-          <a:off x="2318461" y="192658"/>
-          <a:ext cx="2253538" cy="2253506"/>
-        </a:xfrm>
-        <a:prstGeom prst="ellipse">
-          <a:avLst/>
-        </a:prstGeom>
-        <a:gradFill rotWithShape="0">
-          <a:gsLst>
-            <a:gs pos="0">
-              <a:schemeClr val="accent2">
-                <a:alpha val="50000"/>
-                <a:hueOff val="0"/>
-                <a:satOff val="0"/>
-                <a:lumOff val="0"/>
-                <a:alphaOff val="0"/>
-                <a:satMod val="103000"/>
-                <a:lumMod val="118000"/>
-              </a:schemeClr>
-            </a:gs>
-            <a:gs pos="50000">
-              <a:schemeClr val="accent2">
-                <a:alpha val="50000"/>
-                <a:hueOff val="0"/>
-                <a:satOff val="0"/>
-                <a:lumOff val="0"/>
-                <a:alphaOff val="0"/>
-                <a:satMod val="89000"/>
-                <a:lumMod val="91000"/>
-              </a:schemeClr>
-            </a:gs>
-            <a:gs pos="100000">
-              <a:schemeClr val="accent2">
-                <a:alpha val="50000"/>
-                <a:hueOff val="0"/>
-                <a:satOff val="0"/>
-                <a:lumOff val="0"/>
-                <a:alphaOff val="0"/>
-                <a:lumMod val="69000"/>
-              </a:schemeClr>
-            </a:gs>
-          </a:gsLst>
-          <a:lin ang="5400000" scaled="0"/>
-        </a:gradFill>
-        <a:ln>
-          <a:noFill/>
-        </a:ln>
-        <a:effectLst/>
-      </dsp:spPr>
-      <dsp:style>
-        <a:lnRef idx="0">
-          <a:scrgbClr r="0" g="0" b="0"/>
-        </a:lnRef>
-        <a:fillRef idx="3">
-          <a:scrgbClr r="0" g="0" b="0"/>
-        </a:fillRef>
-        <a:effectRef idx="0">
-          <a:scrgbClr r="0" g="0" b="0"/>
-        </a:effectRef>
-        <a:fontRef idx="minor">
-          <a:schemeClr val="tx1"/>
-        </a:fontRef>
-      </dsp:style>
-      <dsp:txBody>
-        <a:bodyPr spcFirstLastPara="0" vert="horz" wrap="square" lIns="106680" tIns="106680" rIns="106680" bIns="106680" numCol="1" spcCol="1270" anchor="ctr" anchorCtr="0">
-          <a:noAutofit/>
-        </a:bodyPr>
-        <a:lstStyle/>
-        <a:p>
-          <a:pPr lvl="0" algn="ctr" defTabSz="1244600">
-            <a:lnSpc>
-              <a:spcPct val="90000"/>
-            </a:lnSpc>
-            <a:spcBef>
-              <a:spcPct val="0"/>
-            </a:spcBef>
-            <a:spcAft>
-              <a:spcPct val="35000"/>
-            </a:spcAft>
-          </a:pPr>
-          <a:r>
-            <a:rPr lang="zh-CN" sz="2800" kern="1200" dirty="0">
-              <a:latin typeface="微软雅黑" panose="020B0503020204020204" pitchFamily="34" charset="-122"/>
-              <a:ea typeface="微软雅黑" panose="020B0503020204020204" pitchFamily="34" charset="-122"/>
-            </a:rPr>
-            <a:t>组 </a:t>
-          </a:r>
-          <a:endParaRPr lang="en-US" altLang="zh-CN" sz="2800" kern="1200" dirty="0" smtClean="0">
-            <a:latin typeface="微软雅黑" panose="020B0503020204020204" pitchFamily="34" charset="-122"/>
-            <a:ea typeface="微软雅黑" panose="020B0503020204020204" pitchFamily="34" charset="-122"/>
-          </a:endParaRPr>
-        </a:p>
-        <a:p>
-          <a:pPr lvl="0" algn="ctr" defTabSz="1244600">
-            <a:lnSpc>
-              <a:spcPct val="90000"/>
-            </a:lnSpc>
-            <a:spcBef>
-              <a:spcPct val="0"/>
-            </a:spcBef>
-            <a:spcAft>
-              <a:spcPct val="35000"/>
-            </a:spcAft>
-          </a:pPr>
-          <a:r>
-            <a:rPr lang="zh-CN" sz="2800" kern="1200" dirty="0" smtClean="0">
-              <a:latin typeface="微软雅黑" panose="020B0503020204020204" pitchFamily="34" charset="-122"/>
-              <a:ea typeface="微软雅黑" panose="020B0503020204020204" pitchFamily="34" charset="-122"/>
-            </a:rPr>
-            <a:t>C</a:t>
-          </a:r>
-          <a:endParaRPr lang="zh-CN" sz="2800" kern="1200" dirty="0">
-            <a:latin typeface="微软雅黑" panose="020B0503020204020204" pitchFamily="34" charset="-122"/>
-            <a:ea typeface="微软雅黑" panose="020B0503020204020204" pitchFamily="34" charset="-122"/>
-          </a:endParaRPr>
-        </a:p>
-      </dsp:txBody>
-      <dsp:txXfrm>
-        <a:off x="2648484" y="522676"/>
-        <a:ext cx="1593492" cy="1593470"/>
-      </dsp:txXfrm>
-    </dsp:sp>
-  </dsp:spTree>
-</dsp:drawing>
-</file>
-
-<file path=ppt/diagrams/layout1.xml><?xml version="1.0" encoding="utf-8"?>
-<dgm:layoutDef xmlns:dgm="http://schemas.openxmlformats.org/drawingml/2006/diagram" xmlns:a="http://schemas.openxmlformats.org/drawingml/2006/main" uniqueId="urn:microsoft.com/office/officeart/2005/8/layout/rings+Icon#1">
-  <dgm:title val="互连圆环"/>
-  <dgm:desc val="用于显示重叠或互相关联的想法或概念。前七行的 1 级文本对应一个圆环。不使用的文本不出现，但是在切换版式后仍然可用。  "/>
-  <dgm:catLst>
-    <dgm:cat type="relationship" pri="32000"/>
-    <dgm:cat type="officeonline" pri="6000"/>
-  </dgm:catLst>
-  <dgm:sampData useDef="1">
-    <dgm:dataModel>
-      <dgm:ptLst/>
-      <dgm:bg/>
-      <dgm:whole/>
-    </dgm:dataModel>
-  </dgm:sampData>
-  <dgm:styleData>
-    <dgm:dataModel>
-      <dgm:ptLst>
-        <dgm:pt modelId="0" type="doc"/>
-        <dgm:pt modelId="10"/>
-        <dgm:pt modelId="20"/>
-      </dgm:ptLst>
-      <dgm:cxnLst>
-        <dgm:cxn modelId="30" srcId="0" destId="10" srcOrd="0" destOrd="0"/>
-        <dgm:cxn modelId="40" srcId="0" destId="20" srcOrd="1" destOrd="0"/>
-      </dgm:cxnLst>
-      <dgm:bg/>
-      <dgm:whole/>
-    </dgm:dataModel>
-  </dgm:styleData>
-  <dgm:clrData>
-    <dgm:dataModel>
-      <dgm:ptLst>
-        <dgm:pt modelId="0" type="doc"/>
-        <dgm:pt modelId="10"/>
-        <dgm:pt modelId="20"/>
-        <dgm:pt modelId="30"/>
-        <dgm:pt modelId="40"/>
-      </dgm:ptLst>
-      <dgm:cxnLst>
-        <dgm:cxn modelId="50" srcId="0" destId="10" srcOrd="0" destOrd="0"/>
-        <dgm:cxn modelId="60" srcId="0" destId="20" srcOrd="1" destOrd="0"/>
-        <dgm:cxn modelId="70" srcId="0" destId="30" srcOrd="2" destOrd="0"/>
-        <dgm:cxn modelId="80" srcId="0" destId="40" srcOrd="2" destOrd="0"/>
-      </dgm:cxnLst>
-      <dgm:bg/>
-      <dgm:whole/>
-    </dgm:dataModel>
-  </dgm:clrData>
-  <dgm:layoutNode name="Name0">
-    <dgm:varLst>
-      <dgm:chMax val="7"/>
-      <dgm:dir/>
-      <dgm:resizeHandles val="exact"/>
-    </dgm:varLst>
-    <dgm:choose name="Name1">
-      <dgm:if name="Name2" axis="ch" ptType="node" func="cnt" op="lt" val="1">
-        <dgm:alg type="composite"/>
-        <dgm:shape xmlns:r="http://schemas.openxmlformats.org/officeDocument/2006/relationships" r:blip="">
-          <dgm:adjLst/>
-        </dgm:shape>
-        <dgm:presOf/>
-        <dgm:constrLst/>
-        <dgm:ruleLst/>
-      </dgm:if>
-      <dgm:if name="Name3" axis="ch" ptType="node" func="cnt" op="equ" val="1">
-        <dgm:alg type="composite">
-          <dgm:param type="ar" val="1"/>
-        </dgm:alg>
-        <dgm:shape xmlns:r="http://schemas.openxmlformats.org/officeDocument/2006/relationships" r:blip="">
-          <dgm:adjLst/>
-        </dgm:shape>
-        <dgm:presOf/>
-        <dgm:constrLst>
-          <dgm:constr type="primFontSz" for="des" ptType="node" op="equ" val="65"/>
-          <dgm:constr type="l" for="ch" forName="ellipse1" refType="w" fact="0"/>
-          <dgm:constr type="t" for="ch" forName="ellipse1" refType="h" fact="0"/>
-          <dgm:constr type="w" for="ch" forName="ellipse1" refType="w"/>
-          <dgm:constr type="h" for="ch" forName="ellipse1" refType="h"/>
-        </dgm:constrLst>
-      </dgm:if>
-      <dgm:if name="Name4" axis="ch" ptType="node" func="cnt" op="equ" val="2">
-        <dgm:alg type="composite">
-          <dgm:param type="ar" val="0.9086"/>
-        </dgm:alg>
-        <dgm:shape xmlns:r="http://schemas.openxmlformats.org/officeDocument/2006/relationships" r:blip="">
-          <dgm:adjLst/>
-        </dgm:shape>
-        <dgm:presOf/>
-        <dgm:constrLst>
-          <dgm:constr type="primFontSz" for="des" ptType="node" op="equ" val="65"/>
-          <dgm:constr type="l" for="ch" forName="ellipse1" refType="w" fact="0"/>
-          <dgm:constr type="t" for="ch" forName="ellipse1" refType="h" fact="0"/>
-          <dgm:constr type="w" for="ch" forName="ellipse1" refType="w" fact="0.6602"/>
-          <dgm:constr type="h" for="ch" forName="ellipse1" refType="h" fact="0.5999"/>
-          <dgm:constr type="l" for="ch" forName="ellipse2" refType="w" fact="0.3398"/>
-          <dgm:constr type="t" for="ch" forName="ellipse2" refType="h" fact="0.4001"/>
-          <dgm:constr type="w" for="ch" forName="ellipse2" refType="w" fact="0.6602"/>
-          <dgm:constr type="h" for="ch" forName="ellipse2" refType="h" fact="0.5999"/>
-        </dgm:constrLst>
-      </dgm:if>
-      <dgm:if name="Name5" axis="ch" ptType="node" func="cnt" op="equ" val="3">
-        <dgm:alg type="composite">
-          <dgm:param type="ar" val="1.2171"/>
-        </dgm:alg>
-        <dgm:shape xmlns:r="http://schemas.openxmlformats.org/officeDocument/2006/relationships" r:blip="">
-          <dgm:adjLst/>
-        </dgm:shape>
-        <dgm:presOf/>
-        <dgm:constrLst>
-          <dgm:constr type="primFontSz" for="des" ptType="node" op="equ" val="65"/>
-          <dgm:constr type="l" for="ch" forName="ellipse1" refType="w" fact="0"/>
-          <dgm:constr type="t" for="ch" forName="ellipse1" refType="h" fact="0"/>
-          <dgm:constr type="w" for="ch" forName="ellipse1" refType="w" fact="0.4929"/>
-          <dgm:constr type="h" for="ch" forName="ellipse1" refType="h" fact="0.5999"/>
-          <dgm:constr type="l" for="ch" forName="ellipse2" refType="w" fact="0.2537"/>
-          <dgm:constr type="t" for="ch" forName="ellipse2" refType="h" fact="0.4001"/>
-          <dgm:constr type="w" for="ch" forName="ellipse2" refType="w" fact="0.4929"/>
-          <dgm:constr type="h" for="ch" forName="ellipse2" refType="h" fact="0.5999"/>
-          <dgm:constr type="l" for="ch" forName="ellipse3" refType="w" fact="0.5071"/>
-          <dgm:constr type="t" for="ch" forName="ellipse3" refType="h" fact="0"/>
-          <dgm:constr type="w" for="ch" forName="ellipse3" refType="w" fact="0.4929"/>
-          <dgm:constr type="h" for="ch" forName="ellipse3" refType="h" fact="0.5999"/>
-        </dgm:constrLst>
-      </dgm:if>
-      <dgm:if name="Name6" axis="ch" ptType="node" func="cnt" op="equ" val="4">
-        <dgm:alg type="composite">
-          <dgm:param type="ar" val="1.5255"/>
-        </dgm:alg>
-        <dgm:shape xmlns:r="http://schemas.openxmlformats.org/officeDocument/2006/relationships" r:blip="">
-          <dgm:adjLst/>
-        </dgm:shape>
-        <dgm:presOf/>
-        <dgm:constrLst>
-          <dgm:constr type="primFontSz" for="des" ptType="node" op="equ" val="65"/>
-          <dgm:constr type="l" for="ch" forName="ellipse1" refType="w" fact="0"/>
-          <dgm:constr type="t" for="ch" forName="ellipse1" refType="h" fact="0"/>
-          <dgm:constr type="w" for="ch" forName="ellipse1" refType="w" fact="0.3932"/>
-          <dgm:constr type="h" for="ch" forName="ellipse1" refType="h" fact="0.5999"/>
-          <dgm:constr type="l" for="ch" forName="ellipse2" refType="w" fact="0.2023"/>
-          <dgm:constr type="t" for="ch" forName="ellipse2" refType="h" fact="0.4001"/>
-          <dgm:constr type="w" for="ch" forName="ellipse2" refType="w" fact="0.3932"/>
-          <dgm:constr type="h" for="ch" forName="ellipse2" refType="h" fact="0.5999"/>
-          <dgm:constr type="l" for="ch" forName="ellipse3" refType="w" fact="0.4045"/>
-          <dgm:constr type="t" for="ch" forName="ellipse3" refType="h" fact="0"/>
-          <dgm:constr type="w" for="ch" forName="ellipse3" refType="w" fact="0.3932"/>
-          <dgm:constr type="h" for="ch" forName="ellipse3" refType="h" fact="0.5999"/>
-          <dgm:constr type="l" for="ch" forName="ellipse4" refType="w" fact="0.6068"/>
-          <dgm:constr type="t" for="ch" forName="ellipse4" refType="h" fact="0.4001"/>
-          <dgm:constr type="w" for="ch" forName="ellipse4" refType="w" fact="0.3932"/>
-          <dgm:constr type="h" for="ch" forName="ellipse4" refType="h" fact="0.5999"/>
-        </dgm:constrLst>
-      </dgm:if>
-      <dgm:if name="Name7" axis="ch" ptType="node" func="cnt" op="equ" val="5">
-        <dgm:alg type="composite">
-          <dgm:param type="ar" val="1.834"/>
-        </dgm:alg>
-        <dgm:shape xmlns:r="http://schemas.openxmlformats.org/officeDocument/2006/relationships" r:blip="">
-          <dgm:adjLst/>
-        </dgm:shape>
-        <dgm:presOf/>
-        <dgm:constrLst>
-          <dgm:constr type="primFontSz" for="des" ptType="node" op="equ" val="65"/>
-          <dgm:constr type="l" for="ch" forName="ellipse1" refType="w" fact="0"/>
-          <dgm:constr type="t" for="ch" forName="ellipse1" refType="h" fact="0"/>
-          <dgm:constr type="w" for="ch" forName="ellipse1" refType="w" fact="0.3271"/>
-          <dgm:constr type="h" for="ch" forName="ellipse1" refType="h" fact="0.5999"/>
-          <dgm:constr type="l" for="ch" forName="ellipse2" refType="w" fact="0.1682"/>
-          <dgm:constr type="t" for="ch" forName="ellipse2" refType="h" fact="0.4001"/>
-          <dgm:constr type="w" for="ch" forName="ellipse2" refType="w" fact="0.3271"/>
-          <dgm:constr type="h" for="ch" forName="ellipse2" refType="h" fact="0.5999"/>
-          <dgm:constr type="l" for="ch" forName="ellipse3" refType="w" fact="0.3365"/>
-          <dgm:constr type="t" for="ch" forName="ellipse3" refType="h" fact="0"/>
-          <dgm:constr type="w" for="ch" forName="ellipse3" refType="w" fact="0.3271"/>
-          <dgm:constr type="h" for="ch" forName="ellipse3" refType="h" fact="0.5999"/>
-          <dgm:constr type="l" for="ch" forName="ellipse4" refType="w" fact="0.5047"/>
-          <dgm:constr type="t" for="ch" forName="ellipse4" refType="h" fact="0.4001"/>
-          <dgm:constr type="w" for="ch" forName="ellipse4" refType="w" fact="0.3271"/>
-          <dgm:constr type="h" for="ch" forName="ellipse4" refType="h" fact="0.5999"/>
-          <dgm:constr type="l" for="ch" forName="ellipse5" refType="w" fact="0.6729"/>
-          <dgm:constr type="t" for="ch" forName="ellipse5" refType="h" fact="0"/>
-          <dgm:constr type="w" for="ch" forName="ellipse5" refType="w" fact="0.3271"/>
-          <dgm:constr type="h" for="ch" forName="ellipse5" refType="h" fact="0.5999"/>
-        </dgm:constrLst>
-      </dgm:if>
-      <dgm:if name="Name8" axis="ch" ptType="node" func="cnt" op="equ" val="6">
-        <dgm:alg type="composite">
-          <dgm:param type="ar" val="2.1873"/>
-        </dgm:alg>
-        <dgm:shape xmlns:r="http://schemas.openxmlformats.org/officeDocument/2006/relationships" r:blip="">
-          <dgm:adjLst/>
-        </dgm:shape>
-        <dgm:presOf/>
-        <dgm:constrLst>
-          <dgm:constr type="primFontSz" for="des" ptType="node" op="equ" val="65"/>
-          <dgm:constr type="l" for="ch" forName="ellipse1" refType="w" fact="0"/>
-          <dgm:constr type="t" for="ch" forName="ellipse1" refType="h" fact="0"/>
-          <dgm:constr type="w" for="ch" forName="ellipse1" refType="w" fact="0.278"/>
-          <dgm:constr type="h" for="ch" forName="ellipse1" refType="h" fact="0.6081"/>
-          <dgm:constr type="l" for="ch" forName="ellipse2" refType="w" fact="0.1444"/>
-          <dgm:constr type="t" for="ch" forName="ellipse2" refType="h" fact="0.3919"/>
-          <dgm:constr type="w" for="ch" forName="ellipse2" refType="w" fact="0.278"/>
-          <dgm:constr type="h" for="ch" forName="ellipse2" refType="h" fact="0.6081"/>
-          <dgm:constr type="l" for="ch" forName="ellipse3" refType="w" fact="0.2888"/>
-          <dgm:constr type="t" for="ch" forName="ellipse3" refType="h" fact="0"/>
-          <dgm:constr type="w" for="ch" forName="ellipse3" refType="w" fact="0.278"/>
-          <dgm:constr type="h" for="ch" forName="ellipse3" refType="h" fact="0.6081"/>
-          <dgm:constr type="l" for="ch" forName="ellipse4" refType="w" fact="0.4332"/>
-          <dgm:constr type="t" for="ch" forName="ellipse4" refType="h" fact="0.3919"/>
-          <dgm:constr type="w" for="ch" forName="ellipse4" refType="w" fact="0.278"/>
-          <dgm:constr type="h" for="ch" forName="ellipse4" refType="h" fact="0.6081"/>
-          <dgm:constr type="l" for="ch" forName="ellipse5" refType="w" fact="0.5776"/>
-          <dgm:constr type="t" for="ch" forName="ellipse5" refType="h" fact="0"/>
-          <dgm:constr type="w" for="ch" forName="ellipse5" refType="w" fact="0.278"/>
-          <dgm:constr type="h" for="ch" forName="ellipse5" refType="h" fact="0.6081"/>
-          <dgm:constr type="l" for="ch" forName="ellipse6" refType="w" fact="0.722"/>
-          <dgm:constr type="t" for="ch" forName="ellipse6" refType="h" fact="0.3919"/>
-          <dgm:constr type="w" for="ch" forName="ellipse6" refType="w" fact="0.278"/>
-          <dgm:constr type="h" for="ch" forName="ellipse6" refType="h" fact="0.6081"/>
-        </dgm:constrLst>
-      </dgm:if>
-      <dgm:else name="Name9">
-        <dgm:alg type="composite">
-          <dgm:param type="ar" val="2.3466"/>
-        </dgm:alg>
-        <dgm:shape xmlns:r="http://schemas.openxmlformats.org/officeDocument/2006/relationships" r:blip="">
-          <dgm:adjLst/>
-        </dgm:shape>
-        <dgm:presOf/>
-        <dgm:constrLst>
-          <dgm:constr type="primFontSz" for="des" ptType="node" op="equ" val="65"/>
-          <dgm:constr type="l" for="ch" forName="ellipse1" refType="w" fact="0"/>
-          <dgm:constr type="t" for="ch" forName="ellipse1" refType="h" fact="0"/>
-          <dgm:constr type="w" for="ch" forName="ellipse1" refType="w" fact="0.2455"/>
-          <dgm:constr type="h" for="ch" forName="ellipse1" refType="h" fact="0.5761"/>
-          <dgm:constr type="l" for="ch" forName="ellipse2" refType="w" fact="0.1257"/>
-          <dgm:constr type="t" for="ch" forName="ellipse2" refType="h" fact="0.4239"/>
-          <dgm:constr type="w" for="ch" forName="ellipse2" refType="w" fact="0.2455"/>
-          <dgm:constr type="h" for="ch" forName="ellipse2" refType="h" fact="0.5761"/>
-          <dgm:constr type="l" for="ch" forName="ellipse3" refType="w" fact="0.2515"/>
-          <dgm:constr type="t" for="ch" forName="ellipse3" refType="h" fact="0"/>
-          <dgm:constr type="w" for="ch" forName="ellipse3" refType="w" fact="0.2455"/>
-          <dgm:constr type="h" for="ch" forName="ellipse3" refType="h" fact="0.5761"/>
-          <dgm:constr type="l" for="ch" forName="ellipse4" refType="w" fact="0.3772"/>
-          <dgm:constr type="t" for="ch" forName="ellipse4" refType="h" fact="0.4239"/>
-          <dgm:constr type="w" for="ch" forName="ellipse4" refType="w" fact="0.2455"/>
-          <dgm:constr type="h" for="ch" forName="ellipse4" refType="h" fact="0.5761"/>
-          <dgm:constr type="l" for="ch" forName="ellipse5" refType="w" fact="0.503"/>
-          <dgm:constr type="t" for="ch" forName="ellipse5" refType="h" fact="0"/>
-          <dgm:constr type="w" for="ch" forName="ellipse5" refType="w" fact="0.2455"/>
-          <dgm:constr type="h" for="ch" forName="ellipse5" refType="h" fact="0.5761"/>
-          <dgm:constr type="l" for="ch" forName="ellipse6" refType="w" fact="0.6287"/>
-          <dgm:constr type="t" for="ch" forName="ellipse6" refType="h" fact="0.4239"/>
-          <dgm:constr type="w" for="ch" forName="ellipse6" refType="w" fact="0.2455"/>
-          <dgm:constr type="h" for="ch" forName="ellipse6" refType="h" fact="0.5761"/>
-          <dgm:constr type="l" for="ch" forName="ellipse7" refType="w" fact="0.7545"/>
-          <dgm:constr type="t" for="ch" forName="ellipse7" refType="h" fact="0"/>
-          <dgm:constr type="w" for="ch" forName="ellipse7" refType="w" fact="0.2455"/>
-          <dgm:constr type="h" for="ch" forName="ellipse7" refType="h" fact="0.5761"/>
-        </dgm:constrLst>
-      </dgm:else>
-    </dgm:choose>
-    <dgm:choose name="Name10">
-      <dgm:if name="Name11" axis="ch" ptType="node" func="cnt" op="gte" val="1">
-        <dgm:layoutNode name="ellipse1" styleLbl="vennNode1">
-          <dgm:varLst>
-            <dgm:bulletEnabled val="1"/>
-          </dgm:varLst>
-          <dgm:alg type="tx"/>
-          <dgm:shape xmlns:r="http://schemas.openxmlformats.org/officeDocument/2006/relationships" type="ellipse" r:blip="">
-            <dgm:adjLst/>
-          </dgm:shape>
-          <dgm:choose name="Name12">
-            <dgm:if name="Name13" func="var" arg="dir" op="equ" val="norm">
-              <dgm:presOf axis="ch desOrSelf" ptType="node node" st="1 1" cnt="1 0"/>
-            </dgm:if>
-            <dgm:else name="Name14">
-              <dgm:choose name="Name15">
-                <dgm:if name="Name16" axis="ch" ptType="node" func="cnt" op="equ" val="1">
-                  <dgm:presOf axis="ch desOrSelf" ptType="node node" st="1 1" cnt="1 0"/>
-                </dgm:if>
-                <dgm:if name="Name17" axis="ch" ptType="node" func="cnt" op="equ" val="2">
-                  <dgm:presOf axis="ch desOrSelf" ptType="node node" st="2 1" cnt="1 0"/>
-                </dgm:if>
-                <dgm:if name="Name18" axis="ch" ptType="node" func="cnt" op="equ" val="3">
-                  <dgm:presOf axis="ch desOrSelf" ptType="node node" st="3 1" cnt="1 0"/>
-                </dgm:if>
-                <dgm:if name="Name19" axis="ch" ptType="node" func="cnt" op="equ" val="4">
-                  <dgm:presOf axis="ch desOrSelf" ptType="node node" st="4 1" cnt="1 0"/>
-                </dgm:if>
-                <dgm:if name="Name20" axis="ch" ptType="node" func="cnt" op="equ" val="5">
-                  <dgm:presOf axis="ch desOrSelf" ptType="node node" st="5 1" cnt="1 0"/>
-                </dgm:if>
-                <dgm:if name="Name21" axis="ch" ptType="node" func="cnt" op="equ" val="6">
-                  <dgm:presOf axis="ch desOrSelf" ptType="node node" st="6 1" cnt="1 0"/>
-                </dgm:if>
-                <dgm:if name="Name22" axis="ch" ptType="node" func="cnt" op="gte" val="7">
-                  <dgm:presOf axis="ch desOrSelf" ptType="node node" st="7 1" cnt="1 0"/>
-                </dgm:if>
-                <dgm:else name="Name23"/>
-              </dgm:choose>
-            </dgm:else>
-          </dgm:choose>
-          <dgm:constrLst>
-            <dgm:constr type="lMarg" refType="primFontSz" fact="0.3"/>
-            <dgm:constr type="rMarg" refType="primFontSz" fact="0.3"/>
-            <dgm:constr type="tMarg" refType="primFontSz" fact="0.3"/>
-            <dgm:constr type="bMarg" refType="primFontSz" fact="0.3"/>
-          </dgm:constrLst>
-          <dgm:ruleLst>
-            <dgm:rule type="primFontSz" val="5" fact="NaN" max="NaN"/>
-          </dgm:ruleLst>
-        </dgm:layoutNode>
-      </dgm:if>
-      <dgm:else name="Name24"/>
-    </dgm:choose>
-    <dgm:choose name="Name25">
-      <dgm:if name="Name26" axis="ch" ptType="node" func="cnt" op="gte" val="2">
-        <dgm:layoutNode name="ellipse2" styleLbl="vennNode1">
-          <dgm:varLst>
-            <dgm:bulletEnabled val="1"/>
-          </dgm:varLst>
-          <dgm:alg type="tx"/>
-          <dgm:choose name="Name27">
-            <dgm:if name="Name28" func="var" arg="dir" op="equ" val="norm">
-              <dgm:shape xmlns:r="http://schemas.openxmlformats.org/officeDocument/2006/relationships" type="ellipse" r:blip="">
-                <dgm:adjLst/>
-              </dgm:shape>
-              <dgm:presOf axis="ch desOrSelf" ptType="node node" st="2 1" cnt="1 0"/>
-            </dgm:if>
-            <dgm:else name="Name29">
-              <dgm:shape xmlns:r="http://schemas.openxmlformats.org/officeDocument/2006/relationships" type="ellipse" r:blip="" zOrderOff="-2">
-                <dgm:adjLst/>
-              </dgm:shape>
-              <dgm:choose name="Name30">
-                <dgm:if name="Name31" axis="ch" ptType="node" func="cnt" op="equ" val="2">
-                  <dgm:presOf axis="ch desOrSelf" ptType="node node" st="1 1" cnt="1 0"/>
-                </dgm:if>
-                <dgm:if name="Name32" axis="ch" ptType="node" func="cnt" op="equ" val="3">
-                  <dgm:presOf axis="ch desOrSelf" ptType="node node" st="2 1" cnt="1 0"/>
-                </dgm:if>
-                <dgm:if name="Name33" axis="ch" ptType="node" func="cnt" op="equ" val="4">
-                  <dgm:presOf axis="ch desOrSelf" ptType="node node" st="3 1" cnt="1 0"/>
-                </dgm:if>
-                <dgm:if name="Name34" axis="ch" ptType="node" func="cnt" op="equ" val="5">
-                  <dgm:presOf axis="ch desOrSelf" ptType="node node" st="4 1" cnt="1 0"/>
-                </dgm:if>
-                <dgm:if name="Name35" axis="ch" ptType="node" func="cnt" op="equ" val="6">
-                  <dgm:presOf axis="ch desOrSelf" ptType="node node" st="5 1" cnt="1 0"/>
-                </dgm:if>
-                <dgm:if name="Name36" axis="ch" ptType="node" func="cnt" op="gte" val="7">
-                  <dgm:presOf axis="ch desOrSelf" ptType="node node" st="6 1" cnt="1 0"/>
-                </dgm:if>
-                <dgm:else name="Name37"/>
-              </dgm:choose>
-            </dgm:else>
-          </dgm:choose>
-          <dgm:constrLst>
-            <dgm:constr type="lMarg" refType="primFontSz" fact="0.3"/>
-            <dgm:constr type="rMarg" refType="primFontSz" fact="0.3"/>
-            <dgm:constr type="tMarg" refType="primFontSz" fact="0.3"/>
-            <dgm:constr type="bMarg" refType="primFontSz" fact="0.3"/>
-          </dgm:constrLst>
-          <dgm:ruleLst>
-            <dgm:rule type="primFontSz" val="5" fact="NaN" max="NaN"/>
-          </dgm:ruleLst>
-        </dgm:layoutNode>
-      </dgm:if>
-      <dgm:else name="Name38"/>
-    </dgm:choose>
-    <dgm:choose name="Name39">
-      <dgm:if name="Name40" axis="ch" ptType="node" func="cnt" op="gte" val="3">
-        <dgm:layoutNode name="ellipse3" styleLbl="vennNode1">
-          <dgm:varLst>
-            <dgm:bulletEnabled val="1"/>
-          </dgm:varLst>
-          <dgm:alg type="tx"/>
-          <dgm:shape xmlns:r="http://schemas.openxmlformats.org/officeDocument/2006/relationships" type="ellipse" r:blip="">
-            <dgm:adjLst/>
-          </dgm:shape>
-          <dgm:choose name="Name41">
-            <dgm:if name="Name42" func="var" arg="dir" op="equ" val="norm">
-              <dgm:shape xmlns:r="http://schemas.openxmlformats.org/officeDocument/2006/relationships" type="ellipse" r:blip="">
-                <dgm:adjLst/>
-              </dgm:shape>
-              <dgm:presOf axis="ch desOrSelf" ptType="node node" st="3 1" cnt="1 0"/>
-            </dgm:if>
-            <dgm:else name="Name43">
-              <dgm:shape xmlns:r="http://schemas.openxmlformats.org/officeDocument/2006/relationships" type="ellipse" r:blip="" zOrderOff="-4">
-                <dgm:adjLst/>
-              </dgm:shape>
-              <dgm:choose name="Name44">
-                <dgm:if name="Name45" axis="ch" ptType="node" func="cnt" op="equ" val="3">
-                  <dgm:presOf axis="ch desOrSelf" ptType="node node" st="1 1" cnt="1 0"/>
-                </dgm:if>
-                <dgm:if name="Name46" axis="ch" ptType="node" func="cnt" op="equ" val="4">
-                  <dgm:presOf axis="ch desOrSelf" ptType="node node" st="2 1" cnt="1 0"/>
-                </dgm:if>
-                <dgm:if name="Name47" axis="ch" ptType="node" func="cnt" op="equ" val="5">
-                  <dgm:presOf axis="ch desOrSelf" ptType="node node" st="3 1" cnt="1 0"/>
-                </dgm:if>
-                <dgm:if name="Name48" axis="ch" ptType="node" func="cnt" op="equ" val="6">
-                  <dgm:presOf axis="ch desOrSelf" ptType="node node" st="4 1" cnt="1 0"/>
-                </dgm:if>
-                <dgm:if name="Name49" axis="ch" ptType="node" func="cnt" op="gte" val="7">
-                  <dgm:presOf axis="ch desOrSelf" ptType="node node" st="5 1" cnt="1 0"/>
-                </dgm:if>
-                <dgm:else name="Name50"/>
-              </dgm:choose>
-            </dgm:else>
-          </dgm:choose>
-          <dgm:constrLst>
-            <dgm:constr type="lMarg" refType="primFontSz" fact="0.3"/>
-            <dgm:constr type="rMarg" refType="primFontSz" fact="0.3"/>
-            <dgm:constr type="tMarg" refType="primFontSz" fact="0.3"/>
-            <dgm:constr type="bMarg" refType="primFontSz" fact="0.3"/>
-          </dgm:constrLst>
-          <dgm:ruleLst>
-            <dgm:rule type="primFontSz" val="5" fact="NaN" max="NaN"/>
-          </dgm:ruleLst>
-        </dgm:layoutNode>
-      </dgm:if>
-      <dgm:else name="Name51"/>
-    </dgm:choose>
-    <dgm:choose name="Name52">
-      <dgm:if name="Name53" axis="ch" ptType="node" func="cnt" op="gte" val="4">
-        <dgm:layoutNode name="ellipse4" styleLbl="vennNode1">
-          <dgm:varLst>
-            <dgm:bulletEnabled val="1"/>
-          </dgm:varLst>
-          <dgm:alg type="tx"/>
-          <dgm:choose name="Name54">
-            <dgm:if name="Name55" func="var" arg="dir" op="equ" val="norm">
-              <dgm:shape xmlns:r="http://schemas.openxmlformats.org/officeDocument/2006/relationships" type="ellipse" r:blip="">
-                <dgm:adjLst/>
-              </dgm:shape>
-              <dgm:presOf axis="ch desOrSelf" ptType="node node" st="4 1" cnt="1 0"/>
-            </dgm:if>
-            <dgm:else name="Name56">
-              <dgm:shape xmlns:r="http://schemas.openxmlformats.org/officeDocument/2006/relationships" type="ellipse" r:blip="" zOrderOff="-6">
-                <dgm:adjLst/>
-              </dgm:shape>
-              <dgm:choose name="Name57">
-                <dgm:if name="Name58" axis="ch" ptType="node" func="cnt" op="equ" val="4">
-                  <dgm:presOf axis="ch desOrSelf" ptType="node node" st="1 1" cnt="1 0"/>
-                </dgm:if>
-                <dgm:if name="Name59" axis="ch" ptType="node" func="cnt" op="equ" val="5">
-                  <dgm:presOf axis="ch desOrSelf" ptType="node node" st="2 1" cnt="1 0"/>
-                </dgm:if>
-                <dgm:if name="Name60" axis="ch" ptType="node" func="cnt" op="equ" val="6">
-                  <dgm:presOf axis="ch desOrSelf" ptType="node node" st="3 1" cnt="1 0"/>
-                </dgm:if>
-                <dgm:if name="Name61" axis="ch" ptType="node" func="cnt" op="gte" val="7">
-                  <dgm:presOf axis="ch desOrSelf" ptType="node node" st="4 1" cnt="1 0"/>
-                </dgm:if>
-                <dgm:else name="Name62"/>
-              </dgm:choose>
-            </dgm:else>
-          </dgm:choose>
-          <dgm:constrLst>
-            <dgm:constr type="lMarg" refType="primFontSz" fact="0.3"/>
-            <dgm:constr type="rMarg" refType="primFontSz" fact="0.3"/>
-            <dgm:constr type="tMarg" refType="primFontSz" fact="0.3"/>
-            <dgm:constr type="bMarg" refType="primFontSz" fact="0.3"/>
-          </dgm:constrLst>
-          <dgm:ruleLst>
-            <dgm:rule type="primFontSz" val="5" fact="NaN" max="NaN"/>
-          </dgm:ruleLst>
-        </dgm:layoutNode>
-      </dgm:if>
-      <dgm:else name="Name63"/>
-    </dgm:choose>
-    <dgm:choose name="Name64">
-      <dgm:if name="Name65" axis="ch" ptType="node" func="cnt" op="gte" val="5">
-        <dgm:layoutNode name="ellipse5" styleLbl="vennNode1">
-          <dgm:varLst>
-            <dgm:bulletEnabled val="1"/>
-          </dgm:varLst>
-          <dgm:alg type="tx"/>
-          <dgm:choose name="Name66">
-            <dgm:if name="Name67" func="var" arg="dir" op="equ" val="norm">
-              <dgm:shape xmlns:r="http://schemas.openxmlformats.org/officeDocument/2006/relationships" type="ellipse" r:blip="">
-                <dgm:adjLst/>
-              </dgm:shape>
-              <dgm:presOf axis="ch desOrSelf" ptType="node node" st="5 1" cnt="1 0"/>
-            </dgm:if>
-            <dgm:else name="Name68">
-              <dgm:shape xmlns:r="http://schemas.openxmlformats.org/officeDocument/2006/relationships" type="ellipse" r:blip="" zOrderOff="-8">
-                <dgm:adjLst/>
-              </dgm:shape>
-              <dgm:choose name="Name69">
-                <dgm:if name="Name70" axis="ch" ptType="node" func="cnt" op="equ" val="5">
-                  <dgm:presOf axis="ch desOrSelf" ptType="node node" st="1 1" cnt="1 0"/>
-                </dgm:if>
-                <dgm:if name="Name71" axis="ch" ptType="node" func="cnt" op="equ" val="6">
-                  <dgm:presOf axis="ch desOrSelf" ptType="node node" st="2 1" cnt="1 0"/>
-                </dgm:if>
-                <dgm:if name="Name72" axis="ch" ptType="node" func="cnt" op="gte" val="7">
-                  <dgm:presOf axis="ch desOrSelf" ptType="node node" st="3 1" cnt="1 0"/>
-                </dgm:if>
-                <dgm:else name="Name73"/>
-              </dgm:choose>
-            </dgm:else>
-          </dgm:choose>
-          <dgm:constrLst>
-            <dgm:constr type="lMarg" refType="primFontSz" fact="0.3"/>
-            <dgm:constr type="rMarg" refType="primFontSz" fact="0.3"/>
-            <dgm:constr type="tMarg" refType="primFontSz" fact="0.3"/>
-            <dgm:constr type="bMarg" refType="primFontSz" fact="0.3"/>
-          </dgm:constrLst>
-          <dgm:ruleLst>
-            <dgm:rule type="primFontSz" val="5" fact="NaN" max="NaN"/>
-          </dgm:ruleLst>
-        </dgm:layoutNode>
-      </dgm:if>
-      <dgm:else name="Name74"/>
-    </dgm:choose>
-    <dgm:choose name="Name75">
-      <dgm:if name="Name76" axis="ch" ptType="node" func="cnt" op="gte" val="6">
-        <dgm:layoutNode name="ellipse6" styleLbl="vennNode1">
-          <dgm:varLst>
-            <dgm:bulletEnabled val="1"/>
-          </dgm:varLst>
-          <dgm:alg type="tx"/>
-          <dgm:choose name="Name77">
-            <dgm:if name="Name78" func="var" arg="dir" op="equ" val="norm">
-              <dgm:shape xmlns:r="http://schemas.openxmlformats.org/officeDocument/2006/relationships" type="ellipse" r:blip="">
-                <dgm:adjLst/>
-              </dgm:shape>
-              <dgm:presOf axis="ch desOrSelf" ptType="node node" st="6 1" cnt="1 0"/>
-            </dgm:if>
-            <dgm:else name="Name79">
-              <dgm:shape xmlns:r="http://schemas.openxmlformats.org/officeDocument/2006/relationships" type="ellipse" r:blip="" zOrderOff="-10">
-                <dgm:adjLst/>
-              </dgm:shape>
-              <dgm:choose name="Name80">
-                <dgm:if name="Name81" axis="ch" ptType="node" func="cnt" op="equ" val="6">
-                  <dgm:presOf axis="ch desOrSelf" ptType="node node" st="1 1" cnt="1 0"/>
-                </dgm:if>
-                <dgm:if name="Name82" axis="ch" ptType="node" func="cnt" op="gte" val="7">
-                  <dgm:presOf axis="ch desOrSelf" ptType="node node" st="2 1" cnt="1 0"/>
-                </dgm:if>
-                <dgm:else name="Name83"/>
-              </dgm:choose>
-            </dgm:else>
-          </dgm:choose>
-          <dgm:constrLst>
-            <dgm:constr type="lMarg" refType="primFontSz" fact="0.3"/>
-            <dgm:constr type="rMarg" refType="primFontSz" fact="0.3"/>
-            <dgm:constr type="tMarg" refType="primFontSz" fact="0.3"/>
-            <dgm:constr type="bMarg" refType="primFontSz" fact="0.3"/>
-          </dgm:constrLst>
-          <dgm:ruleLst>
-            <dgm:rule type="primFontSz" val="5" fact="NaN" max="NaN"/>
-          </dgm:ruleLst>
-        </dgm:layoutNode>
-      </dgm:if>
-      <dgm:else name="Name84"/>
-    </dgm:choose>
-    <dgm:choose name="Name85">
-      <dgm:if name="Name86" axis="ch" ptType="node" func="cnt" op="gte" val="7">
-        <dgm:layoutNode name="ellipse7" styleLbl="vennNode1">
-          <dgm:varLst>
-            <dgm:bulletEnabled val="1"/>
-          </dgm:varLst>
-          <dgm:alg type="tx"/>
-          <dgm:choose name="Name87">
-            <dgm:if name="Name88" func="var" arg="dir" op="equ" val="norm">
-              <dgm:shape xmlns:r="http://schemas.openxmlformats.org/officeDocument/2006/relationships" type="ellipse" r:blip="">
-                <dgm:adjLst/>
-              </dgm:shape>
-              <dgm:presOf axis="ch desOrSelf" ptType="node node" st="7 1" cnt="1 0"/>
-            </dgm:if>
-            <dgm:else name="Name89">
-              <dgm:shape xmlns:r="http://schemas.openxmlformats.org/officeDocument/2006/relationships" type="ellipse" r:blip="" zOrderOff="-12">
-                <dgm:adjLst/>
-              </dgm:shape>
-              <dgm:presOf axis="ch desOrSelf" ptType="node node" st="1 1" cnt="1 0"/>
-            </dgm:else>
-          </dgm:choose>
-          <dgm:constrLst>
-            <dgm:constr type="lMarg" refType="primFontSz" fact="0.3"/>
-            <dgm:constr type="rMarg" refType="primFontSz" fact="0.3"/>
-            <dgm:constr type="tMarg" refType="primFontSz" fact="0.3"/>
-            <dgm:constr type="bMarg" refType="primFontSz" fact="0.3"/>
-          </dgm:constrLst>
-          <dgm:ruleLst>
-            <dgm:rule type="primFontSz" val="5" fact="NaN" max="NaN"/>
-          </dgm:ruleLst>
-        </dgm:layoutNode>
-      </dgm:if>
-      <dgm:else name="Name90"/>
-    </dgm:choose>
-  </dgm:layoutNode>
-</dgm:layoutDef>
-</file>
-
-<file path=ppt/diagrams/quickStyle1.xml><?xml version="1.0" encoding="utf-8"?>
-<dgm:styleDef xmlns:dgm="http://schemas.openxmlformats.org/drawingml/2006/diagram" xmlns:a="http://schemas.openxmlformats.org/drawingml/2006/main" uniqueId="urn:microsoft.com/office/officeart/2005/8/quickstyle/simple4">
-  <dgm:title val=""/>
-  <dgm:desc val=""/>
-  <dgm:catLst>
-    <dgm:cat type="simple" pri="10400"/>
-  </dgm:catLst>
-  <dgm:scene3d>
-    <a:camera prst="orthographicFront"/>
-    <a:lightRig rig="threePt" dir="t"/>
-  </dgm:scene3d>
-  <dgm:styleLbl name="node0">
-    <dgm:scene3d>
-      <a:camera prst="orthographicFront"/>
-      <a:lightRig rig="threePt" dir="t"/>
-    </dgm:scene3d>
-    <dgm:sp3d/>
-    <dgm:txPr/>
-    <dgm:style>
-      <a:lnRef idx="0">
-        <a:scrgbClr r="0" g="0" b="0"/>
-      </a:lnRef>
-      <a:fillRef idx="3">
-        <a:scrgbClr r="0" g="0" b="0"/>
-      </a:fillRef>
-      <a:effectRef idx="2">
-        <a:scrgbClr r="0" g="0" b="0"/>
-      </a:effectRef>
-      <a:fontRef idx="minor">
-        <a:schemeClr val="lt1"/>
-      </a:fontRef>
-    </dgm:style>
-  </dgm:styleLbl>
-  <dgm:styleLbl name="lnNode1">
-    <dgm:scene3d>
-      <a:camera prst="orthographicFront"/>
-      <a:lightRig rig="threePt" dir="t"/>
-    </dgm:scene3d>
-    <dgm:sp3d/>
-    <dgm:txPr/>
-    <dgm:style>
-      <a:lnRef idx="1">
-        <a:scrgbClr r="0" g="0" b="0"/>
-      </a:lnRef>
-      <a:fillRef idx="3">
-        <a:scrgbClr r="0" g="0" b="0"/>
-      </a:fillRef>
-      <a:effectRef idx="2">
-        <a:scrgbClr r="0" g="0" b="0"/>
-      </a:effectRef>
-      <a:fontRef idx="minor">
-        <a:schemeClr val="lt1"/>
-      </a:fontRef>
-    </dgm:style>
-  </dgm:styleLbl>
-  <dgm:styleLbl name="vennNode1">
-    <dgm:scene3d>
-      <a:camera prst="orthographicFront"/>
-      <a:lightRig rig="threePt" dir="t"/>
-    </dgm:scene3d>
-    <dgm:sp3d/>
-    <dgm:txPr/>
-    <dgm:style>
-      <a:lnRef idx="0">
-        <a:scrgbClr r="0" g="0" b="0"/>
-      </a:lnRef>
-      <a:fillRef idx="3">
-        <a:scrgbClr r="0" g="0" b="0"/>
-      </a:fillRef>
-      <a:effectRef idx="0">
-        <a:scrgbClr r="0" g="0" b="0"/>
-      </a:effectRef>
-      <a:fontRef idx="minor">
-        <a:schemeClr val="tx1"/>
-      </a:fontRef>
-    </dgm:style>
-  </dgm:styleLbl>
-  <dgm:styleLbl name="alignNode1">
-    <dgm:scene3d>
-      <a:camera prst="orthographicFront"/>
-      <a:lightRig rig="threePt" dir="t"/>
-    </dgm:scene3d>
-    <dgm:sp3d/>
-    <dgm:txPr/>
-    <dgm:style>
-      <a:lnRef idx="1">
-        <a:scrgbClr r="0" g="0" b="0"/>
-      </a:lnRef>
-      <a:fillRef idx="3">
-        <a:scrgbClr r="0" g="0" b="0"/>
-      </a:fillRef>
-      <a:effectRef idx="2">
-        <a:scrgbClr r="0" g="0" b="0"/>
-      </a:effectRef>
-      <a:fontRef idx="minor">
-        <a:schemeClr val="lt1"/>
-      </a:fontRef>
-    </dgm:style>
-  </dgm:styleLbl>
-  <dgm:styleLbl name="node1">
-    <dgm:scene3d>
-      <a:camera prst="orthographicFront"/>
-      <a:lightRig rig="threePt" dir="t"/>
-    </dgm:scene3d>
-    <dgm:sp3d/>
-    <dgm:txPr/>
-    <dgm:style>
-      <a:lnRef idx="0">
-        <a:scrgbClr r="0" g="0" b="0"/>
-      </a:lnRef>
-      <a:fillRef idx="3">
-        <a:scrgbClr r="0" g="0" b="0"/>
-      </a:fillRef>
-      <a:effectRef idx="2">
-        <a:scrgbClr r="0" g="0" b="0"/>
-      </a:effectRef>
-      <a:fontRef idx="minor">
-        <a:schemeClr val="lt1"/>
-      </a:fontRef>
-    </dgm:style>
-  </dgm:styleLbl>
-  <dgm:styleLbl name="node2">
-    <dgm:scene3d>
-      <a:camera prst="orthographicFront"/>
-      <a:lightRig rig="threePt" dir="t"/>
-    </dgm:scene3d>
-    <dgm:sp3d/>
-    <dgm:txPr/>
-    <dgm:style>
-      <a:lnRef idx="0">
-        <a:scrgbClr r="0" g="0" b="0"/>
-      </a:lnRef>
-      <a:fillRef idx="3">
-        <a:scrgbClr r="0" g="0" b="0"/>
-      </a:fillRef>
-      <a:effectRef idx="2">
-        <a:scrgbClr r="0" g="0" b="0"/>
-      </a:effectRef>
-      <a:fontRef idx="minor">
-        <a:schemeClr val="lt1"/>
-      </a:fontRef>
-    </dgm:style>
-  </dgm:styleLbl>
-  <dgm:styleLbl name="node3">
-    <dgm:scene3d>
-      <a:camera prst="orthographicFront"/>
-      <a:lightRig rig="threePt" dir="t"/>
-    </dgm:scene3d>
-    <dgm:sp3d/>
-    <dgm:txPr/>
-    <dgm:style>
-      <a:lnRef idx="0">
-        <a:scrgbClr r="0" g="0" b="0"/>
-      </a:lnRef>
-      <a:fillRef idx="3">
-        <a:scrgbClr r="0" g="0" b="0"/>
-      </a:fillRef>
-      <a:effectRef idx="2">
-        <a:scrgbClr r="0" g="0" b="0"/>
-      </a:effectRef>
-      <a:fontRef idx="minor">
-        <a:schemeClr val="lt1"/>
-      </a:fontRef>
-    </dgm:style>
-  </dgm:styleLbl>
-  <dgm:styleLbl name="node4">
-    <dgm:scene3d>
-      <a:camera prst="orthographicFront"/>
-      <a:lightRig rig="threePt" dir="t"/>
-    </dgm:scene3d>
-    <dgm:sp3d/>
-    <dgm:txPr/>
-    <dgm:style>
-      <a:lnRef idx="0">
-        <a:scrgbClr r="0" g="0" b="0"/>
-      </a:lnRef>
-      <a:fillRef idx="3">
-        <a:scrgbClr r="0" g="0" b="0"/>
-      </a:fillRef>
-      <a:effectRef idx="2">
-        <a:scrgbClr r="0" g="0" b="0"/>
-      </a:effectRef>
-      <a:fontRef idx="minor">
-        <a:schemeClr val="lt1"/>
-      </a:fontRef>
-    </dgm:style>
-  </dgm:styleLbl>
-  <dgm:styleLbl name="fgImgPlace1">
-    <dgm:scene3d>
-      <a:camera prst="orthographicFront"/>
-      <a:lightRig rig="threePt" dir="t"/>
-    </dgm:scene3d>
-    <dgm:sp3d/>
-    <dgm:txPr/>
-    <dgm:style>
-      <a:lnRef idx="0">
-        <a:scrgbClr r="0" g="0" b="0"/>
-      </a:lnRef>
-      <a:fillRef idx="1">
-        <a:scrgbClr r="0" g="0" b="0"/>
-      </a:fillRef>
-      <a:effectRef idx="2">
-        <a:scrgbClr r="0" g="0" b="0"/>
-      </a:effectRef>
-      <a:fontRef idx="minor"/>
-    </dgm:style>
-  </dgm:styleLbl>
-  <dgm:styleLbl name="alignImgPlace1">
-    <dgm:scene3d>
-      <a:camera prst="orthographicFront"/>
-      <a:lightRig rig="threePt" dir="t"/>
-    </dgm:scene3d>
-    <dgm:sp3d/>
-    <dgm:txPr/>
-    <dgm:style>
-      <a:lnRef idx="0">
-        <a:scrgbClr r="0" g="0" b="0"/>
-      </a:lnRef>
-      <a:fillRef idx="1">
-        <a:scrgbClr r="0" g="0" b="0"/>
-      </a:fillRef>
-      <a:effectRef idx="2">
-        <a:scrgbClr r="0" g="0" b="0"/>
-      </a:effectRef>
-      <a:fontRef idx="minor"/>
-    </dgm:style>
-  </dgm:styleLbl>
-  <dgm:styleLbl name="bgImgPlace1">
-    <dgm:scene3d>
-      <a:camera prst="orthographicFront"/>
-      <a:lightRig rig="threePt" dir="t"/>
-    </dgm:scene3d>
-    <dgm:sp3d/>
-    <dgm:txPr/>
-    <dgm:style>
-      <a:lnRef idx="0">
-        <a:scrgbClr r="0" g="0" b="0"/>
-      </a:lnRef>
-      <a:fillRef idx="1">
-        <a:scrgbClr r="0" g="0" b="0"/>
-      </a:fillRef>
-      <a:effectRef idx="2">
-        <a:scrgbClr r="0" g="0" b="0"/>
-      </a:effectRef>
-      <a:fontRef idx="minor"/>
-    </dgm:style>
-  </dgm:styleLbl>
-  <dgm:styleLbl name="sibTrans2D1">
-    <dgm:scene3d>
-      <a:camera prst="orthographicFront"/>
-      <a:lightRig rig="threePt" dir="t"/>
-    </dgm:scene3d>
-    <dgm:sp3d/>
-    <dgm:txPr/>
-    <dgm:style>
-      <a:lnRef idx="0">
-        <a:scrgbClr r="0" g="0" b="0"/>
-      </a:lnRef>
-      <a:fillRef idx="3">
-        <a:scrgbClr r="0" g="0" b="0"/>
-      </a:fillRef>
-      <a:effectRef idx="2">
-        <a:scrgbClr r="0" g="0" b="0"/>
-      </a:effectRef>
-      <a:fontRef idx="minor">
-        <a:schemeClr val="lt1"/>
-      </a:fontRef>
-    </dgm:style>
-  </dgm:styleLbl>
-  <dgm:styleLbl name="fgSibTrans2D1">
-    <dgm:scene3d>
-      <a:camera prst="orthographicFront"/>
-      <a:lightRig rig="threePt" dir="t"/>
-    </dgm:scene3d>
-    <dgm:sp3d/>
-    <dgm:txPr/>
-    <dgm:style>
-      <a:lnRef idx="0">
-        <a:scrgbClr r="0" g="0" b="0"/>
-      </a:lnRef>
-      <a:fillRef idx="3">
-        <a:scrgbClr r="0" g="0" b="0"/>
-      </a:fillRef>
-      <a:effectRef idx="2">
-        <a:scrgbClr r="0" g="0" b="0"/>
-      </a:effectRef>
-      <a:fontRef idx="minor">
-        <a:schemeClr val="lt1"/>
-      </a:fontRef>
-    </dgm:style>
-  </dgm:styleLbl>
-  <dgm:styleLbl name="bgSibTrans2D1">
-    <dgm:scene3d>
-      <a:camera prst="orthographicFront"/>
-      <a:lightRig rig="threePt" dir="t"/>
-    </dgm:scene3d>
-    <dgm:sp3d/>
-    <dgm:txPr/>
-    <dgm:style>
-      <a:lnRef idx="0">
-        <a:scrgbClr r="0" g="0" b="0"/>
-      </a:lnRef>
-      <a:fillRef idx="3">
-        <a:scrgbClr r="0" g="0" b="0"/>
-      </a:fillRef>
-      <a:effectRef idx="2">
-        <a:scrgbClr r="0" g="0" b="0"/>
-      </a:effectRef>
-      <a:fontRef idx="minor">
-        <a:schemeClr val="lt1"/>
-      </a:fontRef>
-    </dgm:style>
-  </dgm:styleLbl>
-  <dgm:styleLbl name="sibTrans1D1">
-    <dgm:scene3d>
-      <a:camera prst="orthographicFront"/>
-      <a:lightRig rig="threePt" dir="t"/>
-    </dgm:scene3d>
-    <dgm:sp3d/>
-    <dgm:txPr/>
-    <dgm:style>
-      <a:lnRef idx="1">
-        <a:scrgbClr r="0" g="0" b="0"/>
-      </a:lnRef>
-      <a:fillRef idx="0">
-        <a:scrgbClr r="0" g="0" b="0"/>
-      </a:fillRef>
-      <a:effectRef idx="0">
-        <a:scrgbClr r="0" g="0" b="0"/>
-      </a:effectRef>
-      <a:fontRef idx="minor"/>
-    </dgm:style>
-  </dgm:styleLbl>
-  <dgm:styleLbl name="callout">
-    <dgm:scene3d>
-      <a:camera prst="orthographicFront"/>
-      <a:lightRig rig="threePt" dir="t"/>
-    </dgm:scene3d>
-    <dgm:sp3d/>
-    <dgm:txPr/>
-    <dgm:style>
-      <a:lnRef idx="2">
-        <a:scrgbClr r="0" g="0" b="0"/>
-      </a:lnRef>
-      <a:fillRef idx="1">
-        <a:scrgbClr r="0" g="0" b="0"/>
-      </a:fillRef>
-      <a:effectRef idx="1">
-        <a:scrgbClr r="0" g="0" b="0"/>
-      </a:effectRef>
-      <a:fontRef idx="minor"/>
-    </dgm:style>
-  </dgm:styleLbl>
-  <dgm:styleLbl name="asst0">
-    <dgm:scene3d>
-      <a:camera prst="orthographicFront"/>
-      <a:lightRig rig="threePt" dir="t"/>
-    </dgm:scene3d>
-    <dgm:sp3d/>
-    <dgm:txPr/>
-    <dgm:style>
-      <a:lnRef idx="0">
-        <a:scrgbClr r="0" g="0" b="0"/>
-      </a:lnRef>
-      <a:fillRef idx="3">
-        <a:scrgbClr r="0" g="0" b="0"/>
-      </a:fillRef>
-      <a:effectRef idx="2">
-        <a:scrgbClr r="0" g="0" b="0"/>
-      </a:effectRef>
-      <a:fontRef idx="minor">
-        <a:schemeClr val="lt1"/>
-      </a:fontRef>
-    </dgm:style>
-  </dgm:styleLbl>
-  <dgm:styleLbl name="asst1">
-    <dgm:scene3d>
-      <a:camera prst="orthographicFront"/>
-      <a:lightRig rig="threePt" dir="t"/>
-    </dgm:scene3d>
-    <dgm:sp3d/>
-    <dgm:txPr/>
-    <dgm:style>
-      <a:lnRef idx="0">
-        <a:scrgbClr r="0" g="0" b="0"/>
-      </a:lnRef>
-      <a:fillRef idx="3">
-        <a:scrgbClr r="0" g="0" b="0"/>
-      </a:fillRef>
-      <a:effectRef idx="2">
-        <a:scrgbClr r="0" g="0" b="0"/>
-      </a:effectRef>
-      <a:fontRef idx="minor">
-        <a:schemeClr val="lt1"/>
-      </a:fontRef>
-    </dgm:style>
-  </dgm:styleLbl>
-  <dgm:styleLbl name="asst2">
-    <dgm:scene3d>
-      <a:camera prst="orthographicFront"/>
-      <a:lightRig rig="threePt" dir="t"/>
-    </dgm:scene3d>
-    <dgm:sp3d/>
-    <dgm:txPr/>
-    <dgm:style>
-      <a:lnRef idx="0">
-        <a:scrgbClr r="0" g="0" b="0"/>
-      </a:lnRef>
-      <a:fillRef idx="3">
-        <a:scrgbClr r="0" g="0" b="0"/>
-      </a:fillRef>
-      <a:effectRef idx="2">
-        <a:scrgbClr r="0" g="0" b="0"/>
-      </a:effectRef>
-      <a:fontRef idx="minor">
-        <a:schemeClr val="lt1"/>
-      </a:fontRef>
-    </dgm:style>
-  </dgm:styleLbl>
-  <dgm:styleLbl name="asst3">
-    <dgm:scene3d>
-      <a:camera prst="orthographicFront"/>
-      <a:lightRig rig="threePt" dir="t"/>
-    </dgm:scene3d>
-    <dgm:sp3d/>
-    <dgm:txPr/>
-    <dgm:style>
-      <a:lnRef idx="0">
-        <a:scrgbClr r="0" g="0" b="0"/>
-      </a:lnRef>
-      <a:fillRef idx="3">
-        <a:scrgbClr r="0" g="0" b="0"/>
-      </a:fillRef>
-      <a:effectRef idx="2">
-        <a:scrgbClr r="0" g="0" b="0"/>
-      </a:effectRef>
-      <a:fontRef idx="minor">
-        <a:schemeClr val="lt1"/>
-      </a:fontRef>
-    </dgm:style>
-  </dgm:styleLbl>
-  <dgm:styleLbl name="asst4">
-    <dgm:scene3d>
-      <a:camera prst="orthographicFront"/>
-      <a:lightRig rig="threePt" dir="t"/>
-    </dgm:scene3d>
-    <dgm:sp3d/>
-    <dgm:txPr/>
-    <dgm:style>
-      <a:lnRef idx="0">
-        <a:scrgbClr r="0" g="0" b="0"/>
-      </a:lnRef>
-      <a:fillRef idx="3">
-        <a:scrgbClr r="0" g="0" b="0"/>
-      </a:fillRef>
-      <a:effectRef idx="2">
-        <a:scrgbClr r="0" g="0" b="0"/>
-      </a:effectRef>
-      <a:fontRef idx="minor">
-        <a:schemeClr val="lt1"/>
-      </a:fontRef>
-    </dgm:style>
-  </dgm:styleLbl>
-  <dgm:styleLbl name="parChTrans2D1">
-    <dgm:scene3d>
-      <a:camera prst="orthographicFront"/>
-      <a:lightRig rig="threePt" dir="t"/>
-    </dgm:scene3d>
-    <dgm:sp3d/>
-    <dgm:txPr/>
-    <dgm:style>
-      <a:lnRef idx="0">
-        <a:scrgbClr r="0" g="0" b="0"/>
-      </a:lnRef>
-      <a:fillRef idx="3">
-        <a:scrgbClr r="0" g="0" b="0"/>
-      </a:fillRef>
-      <a:effectRef idx="2">
-        <a:scrgbClr r="0" g="0" b="0"/>
-      </a:effectRef>
-      <a:fontRef idx="minor">
-        <a:schemeClr val="lt1"/>
-      </a:fontRef>
-    </dgm:style>
-  </dgm:styleLbl>
-  <dgm:styleLbl name="parChTrans2D2">
-    <dgm:scene3d>
-      <a:camera prst="orthographicFront"/>
-      <a:lightRig rig="threePt" dir="t"/>
-    </dgm:scene3d>
-    <dgm:sp3d/>
-    <dgm:txPr/>
-    <dgm:style>
-      <a:lnRef idx="0">
-        <a:scrgbClr r="0" g="0" b="0"/>
-      </a:lnRef>
-      <a:fillRef idx="3">
-        <a:scrgbClr r="0" g="0" b="0"/>
-      </a:fillRef>
-      <a:effectRef idx="2">
-        <a:scrgbClr r="0" g="0" b="0"/>
-      </a:effectRef>
-      <a:fontRef idx="minor">
-        <a:schemeClr val="lt1"/>
-      </a:fontRef>
-    </dgm:style>
-  </dgm:styleLbl>
-  <dgm:styleLbl name="parChTrans2D3">
-    <dgm:scene3d>
-      <a:camera prst="orthographicFront"/>
-      <a:lightRig rig="threePt" dir="t"/>
-    </dgm:scene3d>
-    <dgm:sp3d/>
-    <dgm:txPr/>
-    <dgm:style>
-      <a:lnRef idx="1">
-        <a:scrgbClr r="0" g="0" b="0"/>
-      </a:lnRef>
-      <a:fillRef idx="3">
-        <a:scrgbClr r="0" g="0" b="0"/>
-      </a:fillRef>
-      <a:effectRef idx="2">
-        <a:scrgbClr r="0" g="0" b="0"/>
-      </a:effectRef>
-      <a:fontRef idx="minor">
-        <a:schemeClr val="lt1"/>
-      </a:fontRef>
-    </dgm:style>
-  </dgm:styleLbl>
-  <dgm:styleLbl name="parChTrans2D4">
-    <dgm:scene3d>
-      <a:camera prst="orthographicFront"/>
-      <a:lightRig rig="threePt" dir="t"/>
-    </dgm:scene3d>
-    <dgm:sp3d/>
-    <dgm:txPr/>
-    <dgm:style>
-      <a:lnRef idx="1">
-        <a:scrgbClr r="0" g="0" b="0"/>
-      </a:lnRef>
-      <a:fillRef idx="3">
-        <a:scrgbClr r="0" g="0" b="0"/>
-      </a:fillRef>
-      <a:effectRef idx="2">
-        <a:scrgbClr r="0" g="0" b="0"/>
-      </a:effectRef>
-      <a:fontRef idx="minor">
-        <a:schemeClr val="lt1"/>
-      </a:fontRef>
-    </dgm:style>
-  </dgm:styleLbl>
-  <dgm:styleLbl name="parChTrans1D1">
-    <dgm:scene3d>
-      <a:camera prst="orthographicFront"/>
-      <a:lightRig rig="threePt" dir="t"/>
-    </dgm:scene3d>
-    <dgm:sp3d/>
-    <dgm:txPr/>
-    <dgm:style>
-      <a:lnRef idx="1">
-        <a:scrgbClr r="0" g="0" b="0"/>
-      </a:lnRef>
-      <a:fillRef idx="0">
-        <a:scrgbClr r="0" g="0" b="0"/>
-      </a:fillRef>
-      <a:effectRef idx="0">
-        <a:scrgbClr r="0" g="0" b="0"/>
-      </a:effectRef>
-      <a:fontRef idx="minor"/>
-    </dgm:style>
-  </dgm:styleLbl>
-  <dgm:styleLbl name="parChTrans1D2">
-    <dgm:scene3d>
-      <a:camera prst="orthographicFront"/>
-      <a:lightRig rig="threePt" dir="t"/>
-    </dgm:scene3d>
-    <dgm:sp3d/>
-    <dgm:txPr/>
-    <dgm:style>
-      <a:lnRef idx="1">
-        <a:scrgbClr r="0" g="0" b="0"/>
-      </a:lnRef>
-      <a:fillRef idx="0">
-        <a:scrgbClr r="0" g="0" b="0"/>
-      </a:fillRef>
-      <a:effectRef idx="0">
-        <a:scrgbClr r="0" g="0" b="0"/>
-      </a:effectRef>
-      <a:fontRef idx="minor"/>
-    </dgm:style>
-  </dgm:styleLbl>
-  <dgm:styleLbl name="parChTrans1D3">
-    <dgm:scene3d>
-      <a:camera prst="orthographicFront"/>
-      <a:lightRig rig="threePt" dir="t"/>
-    </dgm:scene3d>
-    <dgm:sp3d/>
-    <dgm:txPr/>
-    <dgm:style>
-      <a:lnRef idx="1">
-        <a:scrgbClr r="0" g="0" b="0"/>
-      </a:lnRef>
-      <a:fillRef idx="0">
-        <a:scrgbClr r="0" g="0" b="0"/>
-      </a:fillRef>
-      <a:effectRef idx="0">
-        <a:scrgbClr r="0" g="0" b="0"/>
-      </a:effectRef>
-      <a:fontRef idx="minor"/>
-    </dgm:style>
-  </dgm:styleLbl>
-  <dgm:styleLbl name="parChTrans1D4">
-    <dgm:scene3d>
-      <a:camera prst="orthographicFront"/>
-      <a:lightRig rig="threePt" dir="t"/>
-    </dgm:scene3d>
-    <dgm:sp3d/>
-    <dgm:txPr/>
-    <dgm:style>
-      <a:lnRef idx="1">
-        <a:scrgbClr r="0" g="0" b="0"/>
-      </a:lnRef>
-      <a:fillRef idx="0">
-        <a:scrgbClr r="0" g="0" b="0"/>
-      </a:fillRef>
-      <a:effectRef idx="0">
-        <a:scrgbClr r="0" g="0" b="0"/>
-      </a:effectRef>
-      <a:fontRef idx="minor"/>
-    </dgm:style>
-  </dgm:styleLbl>
-  <dgm:styleLbl name="fgAcc1">
-    <dgm:scene3d>
-      <a:camera prst="orthographicFront"/>
-      <a:lightRig rig="threePt" dir="t"/>
-    </dgm:scene3d>
-    <dgm:sp3d/>
-    <dgm:txPr/>
-    <dgm:style>
-      <a:lnRef idx="1">
-        <a:scrgbClr r="0" g="0" b="0"/>
-      </a:lnRef>
-      <a:fillRef idx="1">
-        <a:scrgbClr r="0" g="0" b="0"/>
-      </a:fillRef>
-      <a:effectRef idx="0">
-        <a:scrgbClr r="0" g="0" b="0"/>
-      </a:effectRef>
-      <a:fontRef idx="minor"/>
-    </dgm:style>
-  </dgm:styleLbl>
-  <dgm:styleLbl name="conFgAcc1">
-    <dgm:scene3d>
-      <a:camera prst="orthographicFront"/>
-      <a:lightRig rig="threePt" dir="t"/>
-    </dgm:scene3d>
-    <dgm:sp3d/>
-    <dgm:txPr/>
-    <dgm:style>
-      <a:lnRef idx="1">
-        <a:scrgbClr r="0" g="0" b="0"/>
-      </a:lnRef>
-      <a:fillRef idx="1">
-        <a:scrgbClr r="0" g="0" b="0"/>
-      </a:fillRef>
-      <a:effectRef idx="0">
-        <a:scrgbClr r="0" g="0" b="0"/>
-      </a:effectRef>
-      <a:fontRef idx="minor"/>
-    </dgm:style>
-  </dgm:styleLbl>
-  <dgm:styleLbl name="alignAcc1">
-    <dgm:scene3d>
-      <a:camera prst="orthographicFront"/>
-      <a:lightRig rig="threePt" dir="t"/>
-    </dgm:scene3d>
-    <dgm:sp3d/>
-    <dgm:txPr/>
-    <dgm:style>
-      <a:lnRef idx="1">
-        <a:scrgbClr r="0" g="0" b="0"/>
-      </a:lnRef>
-      <a:fillRef idx="1">
-        <a:scrgbClr r="0" g="0" b="0"/>
-      </a:fillRef>
-      <a:effectRef idx="0">
-        <a:scrgbClr r="0" g="0" b="0"/>
-      </a:effectRef>
-      <a:fontRef idx="minor"/>
-    </dgm:style>
-  </dgm:styleLbl>
-  <dgm:styleLbl name="trAlignAcc1">
-    <dgm:scene3d>
-      <a:camera prst="orthographicFront"/>
-      <a:lightRig rig="threePt" dir="t"/>
-    </dgm:scene3d>
-    <dgm:sp3d/>
-    <dgm:txPr/>
-    <dgm:style>
-      <a:lnRef idx="1">
-        <a:scrgbClr r="0" g="0" b="0"/>
-      </a:lnRef>
-      <a:fillRef idx="1">
-        <a:scrgbClr r="0" g="0" b="0"/>
-      </a:fillRef>
-      <a:effectRef idx="0">
-        <a:scrgbClr r="0" g="0" b="0"/>
-      </a:effectRef>
-      <a:fontRef idx="minor"/>
-    </dgm:style>
-  </dgm:styleLbl>
-  <dgm:styleLbl name="bgAcc1">
-    <dgm:scene3d>
-      <a:camera prst="orthographicFront"/>
-      <a:lightRig rig="threePt" dir="t"/>
-    </dgm:scene3d>
-    <dgm:sp3d/>
-    <dgm:txPr/>
-    <dgm:style>
-      <a:lnRef idx="1">
-        <a:scrgbClr r="0" g="0" b="0"/>
-      </a:lnRef>
-      <a:fillRef idx="1">
-        <a:scrgbClr r="0" g="0" b="0"/>
-      </a:fillRef>
-      <a:effectRef idx="0">
-        <a:scrgbClr r="0" g="0" b="0"/>
-      </a:effectRef>
-      <a:fontRef idx="minor"/>
-    </dgm:style>
-  </dgm:styleLbl>
-  <dgm:styleLbl name="solidFgAcc1">
-    <dgm:scene3d>
-      <a:camera prst="orthographicFront"/>
-      <a:lightRig rig="threePt" dir="t"/>
-    </dgm:scene3d>
-    <dgm:sp3d/>
-    <dgm:txPr/>
-    <dgm:style>
-      <a:lnRef idx="1">
-        <a:scrgbClr r="0" g="0" b="0"/>
-      </a:lnRef>
-      <a:fillRef idx="1">
-        <a:scrgbClr r="0" g="0" b="0"/>
-      </a:fillRef>
-      <a:effectRef idx="0">
-        <a:scrgbClr r="0" g="0" b="0"/>
-      </a:effectRef>
-      <a:fontRef idx="minor"/>
-    </dgm:style>
-  </dgm:styleLbl>
-  <dgm:styleLbl name="solidAlignAcc1">
-    <dgm:scene3d>
-      <a:camera prst="orthographicFront"/>
-      <a:lightRig rig="threePt" dir="t"/>
-    </dgm:scene3d>
-    <dgm:sp3d/>
-    <dgm:txPr/>
-    <dgm:style>
-      <a:lnRef idx="1">
-        <a:scrgbClr r="0" g="0" b="0"/>
-      </a:lnRef>
-      <a:fillRef idx="1">
-        <a:scrgbClr r="0" g="0" b="0"/>
-      </a:fillRef>
-      <a:effectRef idx="0">
-        <a:scrgbClr r="0" g="0" b="0"/>
-      </a:effectRef>
-      <a:fontRef idx="minor"/>
-    </dgm:style>
-  </dgm:styleLbl>
-  <dgm:styleLbl name="solidBgAcc1">
-    <dgm:scene3d>
-      <a:camera prst="orthographicFront"/>
-      <a:lightRig rig="threePt" dir="t"/>
-    </dgm:scene3d>
-    <dgm:sp3d/>
-    <dgm:txPr/>
-    <dgm:style>
-      <a:lnRef idx="1">
-        <a:scrgbClr r="0" g="0" b="0"/>
-      </a:lnRef>
-      <a:fillRef idx="1">
-        <a:scrgbClr r="0" g="0" b="0"/>
-      </a:fillRef>
-      <a:effectRef idx="0">
-        <a:scrgbClr r="0" g="0" b="0"/>
-      </a:effectRef>
-      <a:fontRef idx="minor"/>
-    </dgm:style>
-  </dgm:styleLbl>
-  <dgm:styleLbl name="fgAccFollowNode1">
-    <dgm:scene3d>
-      <a:camera prst="orthographicFront"/>
-      <a:lightRig rig="threePt" dir="t"/>
-    </dgm:scene3d>
-    <dgm:sp3d/>
-    <dgm:txPr/>
-    <dgm:style>
-      <a:lnRef idx="1">
-        <a:scrgbClr r="0" g="0" b="0"/>
-      </a:lnRef>
-      <a:fillRef idx="1">
-        <a:scrgbClr r="0" g="0" b="0"/>
-      </a:fillRef>
-      <a:effectRef idx="0">
-        <a:scrgbClr r="0" g="0" b="0"/>
-      </a:effectRef>
-      <a:fontRef idx="minor"/>
-    </dgm:style>
-  </dgm:styleLbl>
-  <dgm:styleLbl name="alignAccFollowNode1">
-    <dgm:scene3d>
-      <a:camera prst="orthographicFront"/>
-      <a:lightRig rig="threePt" dir="t"/>
-    </dgm:scene3d>
-    <dgm:sp3d/>
-    <dgm:txPr/>
-    <dgm:style>
-      <a:lnRef idx="1">
-        <a:scrgbClr r="0" g="0" b="0"/>
-      </a:lnRef>
-      <a:fillRef idx="1">
-        <a:scrgbClr r="0" g="0" b="0"/>
-      </a:fillRef>
-      <a:effectRef idx="0">
-        <a:scrgbClr r="0" g="0" b="0"/>
-      </a:effectRef>
-      <a:fontRef idx="minor"/>
-    </dgm:style>
-  </dgm:styleLbl>
-  <dgm:styleLbl name="bgAccFollowNode1">
-    <dgm:scene3d>
-      <a:camera prst="orthographicFront"/>
-      <a:lightRig rig="threePt" dir="t"/>
-    </dgm:scene3d>
-    <dgm:sp3d/>
-    <dgm:txPr/>
-    <dgm:style>
-      <a:lnRef idx="1">
-        <a:scrgbClr r="0" g="0" b="0"/>
-      </a:lnRef>
-      <a:fillRef idx="1">
-        <a:scrgbClr r="0" g="0" b="0"/>
-      </a:fillRef>
-      <a:effectRef idx="0">
-        <a:scrgbClr r="0" g="0" b="0"/>
-      </a:effectRef>
-      <a:fontRef idx="minor"/>
-    </dgm:style>
-  </dgm:styleLbl>
-  <dgm:styleLbl name="fgAcc0">
-    <dgm:scene3d>
-      <a:camera prst="orthographicFront"/>
-      <a:lightRig rig="threePt" dir="t"/>
-    </dgm:scene3d>
-    <dgm:sp3d/>
-    <dgm:txPr/>
-    <dgm:style>
-      <a:lnRef idx="1">
-        <a:scrgbClr r="0" g="0" b="0"/>
-      </a:lnRef>
-      <a:fillRef idx="1">
-        <a:scrgbClr r="0" g="0" b="0"/>
-      </a:fillRef>
-      <a:effectRef idx="0">
-        <a:scrgbClr r="0" g="0" b="0"/>
-      </a:effectRef>
-      <a:fontRef idx="minor"/>
-    </dgm:style>
-  </dgm:styleLbl>
-  <dgm:styleLbl name="fgAcc2">
-    <dgm:scene3d>
-      <a:camera prst="orthographicFront"/>
-      <a:lightRig rig="threePt" dir="t"/>
-    </dgm:scene3d>
-    <dgm:sp3d/>
-    <dgm:txPr/>
-    <dgm:style>
-      <a:lnRef idx="1">
-        <a:scrgbClr r="0" g="0" b="0"/>
-      </a:lnRef>
-      <a:fillRef idx="1">
-        <a:scrgbClr r="0" g="0" b="0"/>
-      </a:fillRef>
-      <a:effectRef idx="0">
-        <a:scrgbClr r="0" g="0" b="0"/>
-      </a:effectRef>
-      <a:fontRef idx="minor"/>
-    </dgm:style>
-  </dgm:styleLbl>
-  <dgm:styleLbl name="fgAcc3">
-    <dgm:scene3d>
-      <a:camera prst="orthographicFront"/>
-      <a:lightRig rig="threePt" dir="t"/>
-    </dgm:scene3d>
-    <dgm:sp3d/>
-    <dgm:txPr/>
-    <dgm:style>
-      <a:lnRef idx="1">
-        <a:scrgbClr r="0" g="0" b="0"/>
-      </a:lnRef>
-      <a:fillRef idx="1">
-        <a:scrgbClr r="0" g="0" b="0"/>
-      </a:fillRef>
-      <a:effectRef idx="0">
-        <a:scrgbClr r="0" g="0" b="0"/>
-      </a:effectRef>
-      <a:fontRef idx="minor"/>
-    </dgm:style>
-  </dgm:styleLbl>
-  <dgm:styleLbl name="fgAcc4">
-    <dgm:scene3d>
-      <a:camera prst="orthographicFront"/>
-      <a:lightRig rig="threePt" dir="t"/>
-    </dgm:scene3d>
-    <dgm:sp3d/>
-    <dgm:txPr/>
-    <dgm:style>
-      <a:lnRef idx="1">
-        <a:scrgbClr r="0" g="0" b="0"/>
-      </a:lnRef>
-      <a:fillRef idx="1">
-        <a:scrgbClr r="0" g="0" b="0"/>
-      </a:fillRef>
-      <a:effectRef idx="0">
-        <a:scrgbClr r="0" g="0" b="0"/>
-      </a:effectRef>
-      <a:fontRef idx="minor"/>
-    </dgm:style>
-  </dgm:styleLbl>
-  <dgm:styleLbl name="bgShp">
-    <dgm:scene3d>
-      <a:camera prst="orthographicFront"/>
-      <a:lightRig rig="threePt" dir="t"/>
-    </dgm:scene3d>
-    <dgm:sp3d/>
-    <dgm:txPr/>
-    <dgm:style>
-      <a:lnRef idx="0">
-        <a:scrgbClr r="0" g="0" b="0"/>
-      </a:lnRef>
-      <a:fillRef idx="1">
-        <a:scrgbClr r="0" g="0" b="0"/>
-      </a:fillRef>
-      <a:effectRef idx="2">
-        <a:scrgbClr r="0" g="0" b="0"/>
-      </a:effectRef>
-      <a:fontRef idx="minor"/>
-    </dgm:style>
-  </dgm:styleLbl>
-  <dgm:styleLbl name="dkBgShp">
-    <dgm:scene3d>
-      <a:camera prst="orthographicFront"/>
-      <a:lightRig rig="threePt" dir="t"/>
-    </dgm:scene3d>
-    <dgm:sp3d/>
-    <dgm:txPr/>
-    <dgm:style>
-      <a:lnRef idx="0">
-        <a:scrgbClr r="0" g="0" b="0"/>
-      </a:lnRef>
-      <a:fillRef idx="1">
-        <a:scrgbClr r="0" g="0" b="0"/>
-      </a:fillRef>
-      <a:effectRef idx="2">
-        <a:scrgbClr r="0" g="0" b="0"/>
-      </a:effectRef>
-      <a:fontRef idx="minor"/>
-    </dgm:style>
-  </dgm:styleLbl>
-  <dgm:styleLbl name="trBgShp">
-    <dgm:scene3d>
-      <a:camera prst="orthographicFront"/>
-      <a:lightRig rig="threePt" dir="t"/>
-    </dgm:scene3d>
-    <dgm:sp3d/>
-    <dgm:txPr/>
-    <dgm:style>
-      <a:lnRef idx="0">
-        <a:scrgbClr r="0" g="0" b="0"/>
-      </a:lnRef>
-      <a:fillRef idx="1">
-        <a:scrgbClr r="0" g="0" b="0"/>
-      </a:fillRef>
-      <a:effectRef idx="0">
-        <a:scrgbClr r="0" g="0" b="0"/>
-      </a:effectRef>
-      <a:fontRef idx="minor"/>
-    </dgm:style>
-  </dgm:styleLbl>
-  <dgm:styleLbl name="fgShp">
-    <dgm:scene3d>
-      <a:camera prst="orthographicFront"/>
-      <a:lightRig rig="threePt" dir="t"/>
-    </dgm:scene3d>
-    <dgm:sp3d/>
-    <dgm:txPr/>
-    <dgm:style>
-      <a:lnRef idx="0">
-        <a:scrgbClr r="0" g="0" b="0"/>
-      </a:lnRef>
-      <a:fillRef idx="3">
-        <a:scrgbClr r="0" g="0" b="0"/>
-      </a:fillRef>
-      <a:effectRef idx="2">
-        <a:scrgbClr r="0" g="0" b="0"/>
-      </a:effectRef>
-      <a:fontRef idx="minor"/>
-    </dgm:style>
-  </dgm:styleLbl>
-  <dgm:styleLbl name="revTx">
-    <dgm:scene3d>
-      <a:camera prst="orthographicFront"/>
-      <a:lightRig rig="threePt" dir="t"/>
-    </dgm:scene3d>
-    <dgm:sp3d/>
-    <dgm:txPr/>
-    <dgm:style>
-      <a:lnRef idx="0">
-        <a:scrgbClr r="0" g="0" b="0"/>
-      </a:lnRef>
-      <a:fillRef idx="0">
-        <a:scrgbClr r="0" g="0" b="0"/>
-      </a:fillRef>
-      <a:effectRef idx="0">
-        <a:scrgbClr r="0" g="0" b="0"/>
-      </a:effectRef>
-      <a:fontRef idx="minor"/>
-    </dgm:style>
-  </dgm:styleLbl>
-</dgm:styleDef>
 </file>
 
 <file path=ppt/handoutMasters/handoutMaster1.xml><?xml version="1.0" encoding="utf-8"?>
@@ -8796,34 +4626,103 @@
           <a:chExt cx="0" cy="0"/>
         </a:xfrm>
       </p:grpSpPr>
+      <p:sp>
+        <p:nvSpPr>
+          <p:cNvPr id="2" name="标题 1"/>
+          <p:cNvSpPr>
+            <a:spLocks noGrp="1"/>
+          </p:cNvSpPr>
+          <p:nvPr>
+            <p:ph type="title"/>
+          </p:nvPr>
+        </p:nvSpPr>
+        <p:spPr/>
+        <p:txBody>
+          <a:bodyPr/>
+          <a:lstStyle/>
+          <a:p>
+            <a:r>
+              <a:rPr lang="en-US" altLang="zh-CN" dirty="0" smtClean="0"/>
+              <a:t>Binder</a:t>
+            </a:r>
+            <a:r>
+              <a:rPr lang="zh-CN" altLang="en-US" dirty="0" smtClean="0"/>
+              <a:t>内存映射</a:t>
+            </a:r>
+            <a:endParaRPr lang="zh-CN" altLang="en-US" dirty="0"/>
+          </a:p>
+        </p:txBody>
+      </p:sp>
       <p:pic>
         <p:nvPicPr>
-          <p:cNvPr id="4" name="图片 3"/>
+          <p:cNvPr id="15362" name="Picture 2"/>
           <p:cNvPicPr>
-            <a:picLocks noChangeAspect="1"/>
+            <a:picLocks noGrp="1" noChangeAspect="1" noChangeArrowheads="1"/>
           </p:cNvPicPr>
-          <p:nvPr/>
+          <p:nvPr>
+            <p:ph idx="1"/>
+          </p:nvPr>
         </p:nvPicPr>
         <p:blipFill>
-          <a:blip r:embed="rId2"/>
+          <a:blip r:embed="rId2">
+            <a:extLst>
+              <a:ext uri="{28A0092B-C50C-407E-A947-70E740481C1C}">
+                <a14:useLocalDpi xmlns:a14="http://schemas.microsoft.com/office/drawing/2010/main" val="0"/>
+              </a:ext>
+            </a:extLst>
+          </a:blip>
+          <a:srcRect/>
           <a:stretch>
             <a:fillRect/>
           </a:stretch>
         </p:blipFill>
-        <p:spPr>
+        <p:spPr bwMode="auto">
           <a:xfrm>
-            <a:off x="2198389" y="105006"/>
-            <a:ext cx="7795223" cy="5836694"/>
+            <a:off x="2993225" y="1414957"/>
+            <a:ext cx="6205550" cy="4651735"/>
           </a:xfrm>
           <a:prstGeom prst="rect">
             <a:avLst/>
           </a:prstGeom>
+          <a:noFill/>
+          <a:ln>
+            <a:noFill/>
+          </a:ln>
+          <a:effectLst/>
+          <a:extLst>
+            <a:ext uri="{909E8E84-426E-40DD-AFC4-6F175D3DCCD1}">
+              <a14:hiddenFill xmlns:a14="http://schemas.microsoft.com/office/drawing/2010/main">
+                <a:solidFill>
+                  <a:schemeClr val="accent1"/>
+                </a:solidFill>
+              </a14:hiddenFill>
+            </a:ext>
+            <a:ext uri="{91240B29-F687-4F45-9708-019B960494DF}">
+              <a14:hiddenLine xmlns:a14="http://schemas.microsoft.com/office/drawing/2010/main" w="9525">
+                <a:solidFill>
+                  <a:schemeClr val="tx1"/>
+                </a:solidFill>
+                <a:miter lim="800000"/>
+                <a:headEnd/>
+                <a:tailEnd/>
+              </a14:hiddenLine>
+            </a:ext>
+            <a:ext uri="{AF507438-7753-43E0-B8FC-AC1667EBCBE1}">
+              <a14:hiddenEffects xmlns:a14="http://schemas.microsoft.com/office/drawing/2010/main">
+                <a:effectLst>
+                  <a:outerShdw dist="35921" dir="2700000" algn="ctr" rotWithShape="0">
+                    <a:schemeClr val="bg2"/>
+                  </a:outerShdw>
+                </a:effectLst>
+              </a14:hiddenEffects>
+            </a:ext>
+          </a:extLst>
         </p:spPr>
       </p:pic>
     </p:spTree>
     <p:extLst>
       <p:ext uri="{BB962C8B-B14F-4D97-AF65-F5344CB8AC3E}">
-        <p14:creationId xmlns:p14="http://schemas.microsoft.com/office/powerpoint/2010/main" val="4202588182"/>
+        <p14:creationId xmlns:p14="http://schemas.microsoft.com/office/powerpoint/2010/main" val="815939854"/>
       </p:ext>
     </p:extLst>
   </p:cSld>
@@ -8842,13 +4741,6 @@
       </p:transition>
     </mc:Fallback>
   </mc:AlternateContent>
-  <p:timing>
-    <p:tnLst>
-      <p:par>
-        <p:cTn id="1" dur="indefinite" restart="never" nodeType="tmRoot"/>
-      </p:par>
-    </p:tnLst>
-  </p:timing>
 </p:sld>
 </file>
 
@@ -8869,34 +4761,103 @@
           <a:chExt cx="0" cy="0"/>
         </a:xfrm>
       </p:grpSpPr>
+      <p:sp>
+        <p:nvSpPr>
+          <p:cNvPr id="2" name="标题 1"/>
+          <p:cNvSpPr>
+            <a:spLocks noGrp="1"/>
+          </p:cNvSpPr>
+          <p:nvPr>
+            <p:ph type="title"/>
+          </p:nvPr>
+        </p:nvSpPr>
+        <p:spPr/>
+        <p:txBody>
+          <a:bodyPr/>
+          <a:lstStyle/>
+          <a:p>
+            <a:r>
+              <a:rPr lang="en-US" altLang="zh-CN" dirty="0" smtClean="0"/>
+              <a:t>Binder</a:t>
+            </a:r>
+            <a:r>
+              <a:rPr lang="zh-CN" altLang="en-US" dirty="0" smtClean="0"/>
+              <a:t>数据拷贝</a:t>
+            </a:r>
+            <a:endParaRPr lang="zh-CN" altLang="en-US" dirty="0"/>
+          </a:p>
+        </p:txBody>
+      </p:sp>
       <p:pic>
         <p:nvPicPr>
-          <p:cNvPr id="3" name="图片 2"/>
+          <p:cNvPr id="16386" name="Picture 2"/>
           <p:cNvPicPr>
-            <a:picLocks noChangeAspect="1"/>
+            <a:picLocks noGrp="1" noChangeAspect="1" noChangeArrowheads="1"/>
           </p:cNvPicPr>
-          <p:nvPr/>
+          <p:nvPr>
+            <p:ph idx="1"/>
+          </p:nvPr>
         </p:nvPicPr>
         <p:blipFill>
-          <a:blip r:embed="rId2"/>
+          <a:blip r:embed="rId2">
+            <a:extLst>
+              <a:ext uri="{28A0092B-C50C-407E-A947-70E740481C1C}">
+                <a14:useLocalDpi xmlns:a14="http://schemas.microsoft.com/office/drawing/2010/main" val="0"/>
+              </a:ext>
+            </a:extLst>
+          </a:blip>
+          <a:srcRect/>
           <a:stretch>
             <a:fillRect/>
           </a:stretch>
         </p:blipFill>
-        <p:spPr>
+        <p:spPr bwMode="auto">
           <a:xfrm>
-            <a:off x="1076145" y="342560"/>
-            <a:ext cx="10039710" cy="5470792"/>
+            <a:off x="2300924" y="1573213"/>
+            <a:ext cx="7591739" cy="4141787"/>
           </a:xfrm>
           <a:prstGeom prst="rect">
             <a:avLst/>
           </a:prstGeom>
+          <a:noFill/>
+          <a:ln>
+            <a:noFill/>
+          </a:ln>
+          <a:effectLst/>
+          <a:extLst>
+            <a:ext uri="{909E8E84-426E-40DD-AFC4-6F175D3DCCD1}">
+              <a14:hiddenFill xmlns:a14="http://schemas.microsoft.com/office/drawing/2010/main">
+                <a:solidFill>
+                  <a:schemeClr val="accent1"/>
+                </a:solidFill>
+              </a14:hiddenFill>
+            </a:ext>
+            <a:ext uri="{91240B29-F687-4F45-9708-019B960494DF}">
+              <a14:hiddenLine xmlns:a14="http://schemas.microsoft.com/office/drawing/2010/main" w="9525">
+                <a:solidFill>
+                  <a:schemeClr val="tx1"/>
+                </a:solidFill>
+                <a:miter lim="800000"/>
+                <a:headEnd/>
+                <a:tailEnd/>
+              </a14:hiddenLine>
+            </a:ext>
+            <a:ext uri="{AF507438-7753-43E0-B8FC-AC1667EBCBE1}">
+              <a14:hiddenEffects xmlns:a14="http://schemas.microsoft.com/office/drawing/2010/main">
+                <a:effectLst>
+                  <a:outerShdw dist="35921" dir="2700000" algn="ctr" rotWithShape="0">
+                    <a:schemeClr val="bg2"/>
+                  </a:outerShdw>
+                </a:effectLst>
+              </a14:hiddenEffects>
+            </a:ext>
+          </a:extLst>
         </p:spPr>
       </p:pic>
     </p:spTree>
     <p:extLst>
       <p:ext uri="{BB962C8B-B14F-4D97-AF65-F5344CB8AC3E}">
-        <p14:creationId xmlns:p14="http://schemas.microsoft.com/office/powerpoint/2010/main" val="555609853"/>
+        <p14:creationId xmlns:p14="http://schemas.microsoft.com/office/powerpoint/2010/main" val="3744015756"/>
       </p:ext>
     </p:extLst>
   </p:cSld>
@@ -8915,13 +4876,6 @@
       </p:transition>
     </mc:Fallback>
   </mc:AlternateContent>
-  <p:timing>
-    <p:tnLst>
-      <p:par>
-        <p:cTn id="1" dur="indefinite" restart="never" nodeType="tmRoot"/>
-      </p:par>
-    </p:tnLst>
-  </p:timing>
 </p:sld>
 </file>
 
@@ -8997,7 +4951,19 @@
             </a:r>
             <a:r>
               <a:rPr lang="en-US" altLang="zh-CN" dirty="0" smtClean="0"/>
-              <a:t>wait_event_interruptible(wait_queue_head_t </a:t>
+              <a:t>wait_event_interruptible(</a:t>
+            </a:r>
+            <a:r>
+              <a:rPr lang="en-US" altLang="zh-CN" dirty="0" err="1" smtClean="0"/>
+              <a:t>wait_queue_head_t</a:t>
+            </a:r>
+            <a:r>
+              <a:rPr lang="en-US" altLang="zh-CN" dirty="0" smtClean="0"/>
+              <a:t> </a:t>
+            </a:r>
+            <a:r>
+              <a:rPr lang="en-US" altLang="zh-CN" dirty="0" smtClean="0"/>
+              <a:t> </a:t>
             </a:r>
             <a:r>
               <a:rPr lang="zh-CN" altLang="en-US" dirty="0" smtClean="0"/>
@@ -9023,7 +4989,23 @@
             </a:r>
             <a:r>
               <a:rPr lang="en-US" altLang="zh-CN" dirty="0"/>
-              <a:t>wake_up_interruptible(wait_queue_head_t *queue</a:t>
+              <a:t>wake_up_interruptible(</a:t>
+            </a:r>
+            <a:r>
+              <a:rPr lang="en-US" altLang="zh-CN" dirty="0" err="1"/>
+              <a:t>wait_queue_head_t</a:t>
+            </a:r>
+            <a:r>
+              <a:rPr lang="en-US" altLang="zh-CN" dirty="0"/>
+              <a:t> </a:t>
+            </a:r>
+            <a:r>
+              <a:rPr lang="en-US" altLang="zh-CN" dirty="0" smtClean="0"/>
+              <a:t> *</a:t>
+            </a:r>
+            <a:r>
+              <a:rPr lang="en-US" altLang="zh-CN" dirty="0"/>
+              <a:t>queue</a:t>
             </a:r>
             <a:r>
               <a:rPr lang="en-US" altLang="zh-CN" dirty="0" smtClean="0"/>
@@ -9676,13 +5658,42 @@
           <a:chExt cx="0" cy="0"/>
         </a:xfrm>
       </p:grpSpPr>
+      <p:sp>
+        <p:nvSpPr>
+          <p:cNvPr id="2" name="标题 1"/>
+          <p:cNvSpPr>
+            <a:spLocks noGrp="1"/>
+          </p:cNvSpPr>
+          <p:nvPr>
+            <p:ph type="title"/>
+          </p:nvPr>
+        </p:nvSpPr>
+        <p:spPr/>
+        <p:txBody>
+          <a:bodyPr/>
+          <a:lstStyle/>
+          <a:p>
+            <a:r>
+              <a:rPr lang="en-US" altLang="zh-CN" dirty="0" smtClean="0"/>
+              <a:t>Binder</a:t>
+            </a:r>
+            <a:r>
+              <a:rPr lang="zh-CN" altLang="en-US" dirty="0" smtClean="0"/>
+              <a:t>通信模型示意图</a:t>
+            </a:r>
+            <a:endParaRPr lang="zh-CN" altLang="en-US" dirty="0"/>
+          </a:p>
+        </p:txBody>
+      </p:sp>
       <p:pic>
         <p:nvPicPr>
-          <p:cNvPr id="2051" name="Picture 3"/>
+          <p:cNvPr id="19458" name="Picture 2"/>
           <p:cNvPicPr>
-            <a:picLocks noChangeAspect="1" noChangeArrowheads="1"/>
+            <a:picLocks noGrp="1" noChangeAspect="1" noChangeArrowheads="1"/>
           </p:cNvPicPr>
-          <p:nvPr/>
+          <p:nvPr>
+            <p:ph idx="1"/>
+          </p:nvPr>
         </p:nvPicPr>
         <p:blipFill>
           <a:blip r:embed="rId2">
@@ -9699,8 +5710,8 @@
         </p:blipFill>
         <p:spPr bwMode="auto">
           <a:xfrm>
-            <a:off x="1499516" y="228600"/>
-            <a:ext cx="9192968" cy="5466969"/>
+            <a:off x="2366449" y="1573213"/>
+            <a:ext cx="7459102" cy="4431933"/>
           </a:xfrm>
           <a:prstGeom prst="rect">
             <a:avLst/>
@@ -9743,7 +5754,7 @@
     </p:spTree>
     <p:extLst>
       <p:ext uri="{BB962C8B-B14F-4D97-AF65-F5344CB8AC3E}">
-        <p14:creationId xmlns:p14="http://schemas.microsoft.com/office/powerpoint/2010/main" val="484708984"/>
+        <p14:creationId xmlns:p14="http://schemas.microsoft.com/office/powerpoint/2010/main" val="1594273508"/>
       </p:ext>
     </p:extLst>
   </p:cSld>
@@ -10200,34 +6211,99 @@
           <a:chExt cx="0" cy="0"/>
         </a:xfrm>
       </p:grpSpPr>
+      <p:sp>
+        <p:nvSpPr>
+          <p:cNvPr id="2" name="标题 1"/>
+          <p:cNvSpPr>
+            <a:spLocks noGrp="1"/>
+          </p:cNvSpPr>
+          <p:nvPr>
+            <p:ph type="title"/>
+          </p:nvPr>
+        </p:nvSpPr>
+        <p:spPr/>
+        <p:txBody>
+          <a:bodyPr/>
+          <a:lstStyle/>
+          <a:p>
+            <a:r>
+              <a:rPr lang="zh-CN" altLang="en-US" dirty="0" smtClean="0"/>
+              <a:t>文件系统接口</a:t>
+            </a:r>
+            <a:endParaRPr lang="zh-CN" altLang="en-US" dirty="0"/>
+          </a:p>
+        </p:txBody>
+      </p:sp>
       <p:pic>
         <p:nvPicPr>
-          <p:cNvPr id="5" name="图片 4"/>
+          <p:cNvPr id="17410" name="Picture 2"/>
           <p:cNvPicPr>
-            <a:picLocks noChangeAspect="1"/>
+            <a:picLocks noGrp="1" noChangeAspect="1" noChangeArrowheads="1"/>
           </p:cNvPicPr>
-          <p:nvPr/>
+          <p:nvPr>
+            <p:ph idx="1"/>
+          </p:nvPr>
         </p:nvPicPr>
         <p:blipFill>
-          <a:blip r:embed="rId2"/>
+          <a:blip r:embed="rId2">
+            <a:extLst>
+              <a:ext uri="{28A0092B-C50C-407E-A947-70E740481C1C}">
+                <a14:useLocalDpi xmlns:a14="http://schemas.microsoft.com/office/drawing/2010/main" val="0"/>
+              </a:ext>
+            </a:extLst>
+          </a:blip>
+          <a:srcRect/>
           <a:stretch>
             <a:fillRect/>
           </a:stretch>
         </p:blipFill>
-        <p:spPr>
+        <p:spPr bwMode="auto">
           <a:xfrm>
-            <a:off x="2558855" y="282895"/>
-            <a:ext cx="7074290" cy="5663833"/>
+            <a:off x="3342965" y="1573213"/>
+            <a:ext cx="5506070" cy="4414349"/>
           </a:xfrm>
           <a:prstGeom prst="rect">
             <a:avLst/>
           </a:prstGeom>
+          <a:noFill/>
+          <a:ln>
+            <a:noFill/>
+          </a:ln>
+          <a:effectLst/>
+          <a:extLst>
+            <a:ext uri="{909E8E84-426E-40DD-AFC4-6F175D3DCCD1}">
+              <a14:hiddenFill xmlns:a14="http://schemas.microsoft.com/office/drawing/2010/main">
+                <a:solidFill>
+                  <a:schemeClr val="accent1"/>
+                </a:solidFill>
+              </a14:hiddenFill>
+            </a:ext>
+            <a:ext uri="{91240B29-F687-4F45-9708-019B960494DF}">
+              <a14:hiddenLine xmlns:a14="http://schemas.microsoft.com/office/drawing/2010/main" w="9525">
+                <a:solidFill>
+                  <a:schemeClr val="tx1"/>
+                </a:solidFill>
+                <a:miter lim="800000"/>
+                <a:headEnd/>
+                <a:tailEnd/>
+              </a14:hiddenLine>
+            </a:ext>
+            <a:ext uri="{AF507438-7753-43E0-B8FC-AC1667EBCBE1}">
+              <a14:hiddenEffects xmlns:a14="http://schemas.microsoft.com/office/drawing/2010/main">
+                <a:effectLst>
+                  <a:outerShdw dist="35921" dir="2700000" algn="ctr" rotWithShape="0">
+                    <a:schemeClr val="bg2"/>
+                  </a:outerShdw>
+                </a:effectLst>
+              </a14:hiddenEffects>
+            </a:ext>
+          </a:extLst>
         </p:spPr>
       </p:pic>
     </p:spTree>
     <p:extLst>
       <p:ext uri="{BB962C8B-B14F-4D97-AF65-F5344CB8AC3E}">
-        <p14:creationId xmlns:p14="http://schemas.microsoft.com/office/powerpoint/2010/main" val="2743847717"/>
+        <p14:creationId xmlns:p14="http://schemas.microsoft.com/office/powerpoint/2010/main" val="475142942"/>
       </p:ext>
     </p:extLst>
   </p:cSld>
@@ -10246,13 +6322,6 @@
       </p:transition>
     </mc:Fallback>
   </mc:AlternateContent>
-  <p:timing>
-    <p:tnLst>
-      <p:par>
-        <p:cTn id="1" dur="indefinite" restart="never" nodeType="tmRoot"/>
-      </p:par>
-    </p:tnLst>
-  </p:timing>
 </p:sld>
 </file>
 
@@ -10273,34 +6342,103 @@
           <a:chExt cx="0" cy="0"/>
         </a:xfrm>
       </p:grpSpPr>
+      <p:sp>
+        <p:nvSpPr>
+          <p:cNvPr id="2" name="标题 1"/>
+          <p:cNvSpPr>
+            <a:spLocks noGrp="1"/>
+          </p:cNvSpPr>
+          <p:nvPr>
+            <p:ph type="title"/>
+          </p:nvPr>
+        </p:nvSpPr>
+        <p:spPr/>
+        <p:txBody>
+          <a:bodyPr/>
+          <a:lstStyle/>
+          <a:p>
+            <a:r>
+              <a:rPr lang="zh-CN" altLang="en-US" dirty="0"/>
+              <a:t>面向对</a:t>
+            </a:r>
+            <a:r>
+              <a:rPr lang="zh-CN" altLang="en-US" dirty="0" smtClean="0"/>
+              <a:t>象角度</a:t>
+            </a:r>
+            <a:endParaRPr lang="zh-CN" altLang="en-US" dirty="0"/>
+          </a:p>
+        </p:txBody>
+      </p:sp>
       <p:pic>
         <p:nvPicPr>
-          <p:cNvPr id="10" name="图片 9"/>
+          <p:cNvPr id="18434" name="Picture 2"/>
           <p:cNvPicPr>
-            <a:picLocks noChangeAspect="1"/>
+            <a:picLocks noGrp="1" noChangeAspect="1" noChangeArrowheads="1"/>
           </p:cNvPicPr>
-          <p:nvPr/>
+          <p:nvPr>
+            <p:ph idx="1"/>
+          </p:nvPr>
         </p:nvPicPr>
         <p:blipFill>
-          <a:blip r:embed="rId2"/>
+          <a:blip r:embed="rId2">
+            <a:extLst>
+              <a:ext uri="{28A0092B-C50C-407E-A947-70E740481C1C}">
+                <a14:useLocalDpi xmlns:a14="http://schemas.microsoft.com/office/drawing/2010/main" val="0"/>
+              </a:ext>
+            </a:extLst>
+          </a:blip>
+          <a:srcRect/>
           <a:stretch>
             <a:fillRect/>
           </a:stretch>
         </p:blipFill>
-        <p:spPr>
+        <p:spPr bwMode="auto">
           <a:xfrm>
-            <a:off x="1364926" y="196948"/>
-            <a:ext cx="9462149" cy="5618129"/>
+            <a:off x="2388071" y="1573213"/>
+            <a:ext cx="7415859" cy="4405556"/>
           </a:xfrm>
           <a:prstGeom prst="rect">
             <a:avLst/>
           </a:prstGeom>
+          <a:noFill/>
+          <a:ln>
+            <a:noFill/>
+          </a:ln>
+          <a:effectLst/>
+          <a:extLst>
+            <a:ext uri="{909E8E84-426E-40DD-AFC4-6F175D3DCCD1}">
+              <a14:hiddenFill xmlns:a14="http://schemas.microsoft.com/office/drawing/2010/main">
+                <a:solidFill>
+                  <a:schemeClr val="accent1"/>
+                </a:solidFill>
+              </a14:hiddenFill>
+            </a:ext>
+            <a:ext uri="{91240B29-F687-4F45-9708-019B960494DF}">
+              <a14:hiddenLine xmlns:a14="http://schemas.microsoft.com/office/drawing/2010/main" w="9525">
+                <a:solidFill>
+                  <a:schemeClr val="tx1"/>
+                </a:solidFill>
+                <a:miter lim="800000"/>
+                <a:headEnd/>
+                <a:tailEnd/>
+              </a14:hiddenLine>
+            </a:ext>
+            <a:ext uri="{AF507438-7753-43E0-B8FC-AC1667EBCBE1}">
+              <a14:hiddenEffects xmlns:a14="http://schemas.microsoft.com/office/drawing/2010/main">
+                <a:effectLst>
+                  <a:outerShdw dist="35921" dir="2700000" algn="ctr" rotWithShape="0">
+                    <a:schemeClr val="bg2"/>
+                  </a:outerShdw>
+                </a:effectLst>
+              </a14:hiddenEffects>
+            </a:ext>
+          </a:extLst>
         </p:spPr>
       </p:pic>
     </p:spTree>
     <p:extLst>
       <p:ext uri="{BB962C8B-B14F-4D97-AF65-F5344CB8AC3E}">
-        <p14:creationId xmlns:p14="http://schemas.microsoft.com/office/powerpoint/2010/main" val="843667706"/>
+        <p14:creationId xmlns:p14="http://schemas.microsoft.com/office/powerpoint/2010/main" val="499153907"/>
       </p:ext>
     </p:extLst>
   </p:cSld>
@@ -10319,13 +6457,6 @@
       </p:transition>
     </mc:Fallback>
   </mc:AlternateContent>
-  <p:timing>
-    <p:tnLst>
-      <p:par>
-        <p:cTn id="1" dur="indefinite" restart="never" nodeType="tmRoot"/>
-      </p:par>
-    </p:tnLst>
-  </p:timing>
 </p:sld>
 </file>
 
@@ -10573,14 +6704,42 @@
           <a:p>
             <a:r>
               <a:rPr lang="zh-CN" altLang="en-US" dirty="0" smtClean="0"/>
-              <a:t>高效。进程直接的数据传输只需一次内存拷贝</a:t>
+              <a:t>高效。进</a:t>
+            </a:r>
+            <a:r>
+              <a:rPr lang="zh-CN" altLang="en-US" dirty="0" smtClean="0"/>
+              <a:t>程</a:t>
+            </a:r>
+            <a:r>
+              <a:rPr lang="zh-CN" altLang="en-US" dirty="0"/>
+              <a:t>之间</a:t>
+            </a:r>
+            <a:r>
+              <a:rPr lang="zh-CN" altLang="en-US" dirty="0" smtClean="0"/>
+              <a:t>的</a:t>
+            </a:r>
+            <a:r>
+              <a:rPr lang="zh-CN" altLang="en-US" dirty="0" smtClean="0"/>
+              <a:t>数据传输只需一次内存拷贝</a:t>
             </a:r>
             <a:endParaRPr lang="en-US" altLang="zh-CN" dirty="0" smtClean="0"/>
           </a:p>
           <a:p>
             <a:r>
               <a:rPr lang="zh-CN" altLang="en-US" dirty="0" smtClean="0"/>
-              <a:t>安全。通信数据携带</a:t>
+              <a:t>安全</a:t>
+            </a:r>
+            <a:r>
+              <a:rPr lang="zh-CN" altLang="en-US" dirty="0" smtClean="0"/>
+              <a:t>。数据包由</a:t>
+            </a:r>
+            <a:r>
+              <a:rPr lang="zh-CN" altLang="en-US" dirty="0" smtClean="0">
+                <a:solidFill>
+                  <a:srgbClr val="FF6600"/>
+                </a:solidFill>
+              </a:rPr>
+              <a:t>内核写入</a:t>
             </a:r>
             <a:r>
               <a:rPr lang="en-US" altLang="zh-CN" dirty="0" smtClean="0"/>
@@ -10802,6 +6961,141 @@
           <a:p>
             <a:r>
               <a:rPr lang="en-US" altLang="zh-CN" dirty="0" smtClean="0"/>
+              <a:t>Binder</a:t>
+            </a:r>
+            <a:r>
+              <a:rPr lang="zh-CN" altLang="en-US" dirty="0" smtClean="0"/>
+              <a:t>节点示意图</a:t>
+            </a:r>
+            <a:endParaRPr lang="zh-CN" altLang="en-US" dirty="0"/>
+          </a:p>
+        </p:txBody>
+      </p:sp>
+      <p:pic>
+        <p:nvPicPr>
+          <p:cNvPr id="11266" name="Picture 2"/>
+          <p:cNvPicPr>
+            <a:picLocks noGrp="1" noChangeAspect="1" noChangeArrowheads="1"/>
+          </p:cNvPicPr>
+          <p:nvPr>
+            <p:ph idx="1"/>
+          </p:nvPr>
+        </p:nvPicPr>
+        <p:blipFill>
+          <a:blip r:embed="rId2">
+            <a:extLst>
+              <a:ext uri="{28A0092B-C50C-407E-A947-70E740481C1C}">
+                <a14:useLocalDpi xmlns:a14="http://schemas.microsoft.com/office/drawing/2010/main" val="0"/>
+              </a:ext>
+            </a:extLst>
+          </a:blip>
+          <a:srcRect/>
+          <a:stretch>
+            <a:fillRect/>
+          </a:stretch>
+        </p:blipFill>
+        <p:spPr bwMode="auto">
+          <a:xfrm>
+            <a:off x="3104811" y="1573213"/>
+            <a:ext cx="5982379" cy="4440725"/>
+          </a:xfrm>
+          <a:prstGeom prst="rect">
+            <a:avLst/>
+          </a:prstGeom>
+          <a:noFill/>
+          <a:ln>
+            <a:noFill/>
+          </a:ln>
+          <a:effectLst/>
+          <a:extLst>
+            <a:ext uri="{909E8E84-426E-40DD-AFC4-6F175D3DCCD1}">
+              <a14:hiddenFill xmlns:a14="http://schemas.microsoft.com/office/drawing/2010/main">
+                <a:solidFill>
+                  <a:schemeClr val="accent1"/>
+                </a:solidFill>
+              </a14:hiddenFill>
+            </a:ext>
+            <a:ext uri="{91240B29-F687-4F45-9708-019B960494DF}">
+              <a14:hiddenLine xmlns:a14="http://schemas.microsoft.com/office/drawing/2010/main" w="9525">
+                <a:solidFill>
+                  <a:schemeClr val="tx1"/>
+                </a:solidFill>
+                <a:miter lim="800000"/>
+                <a:headEnd/>
+                <a:tailEnd/>
+              </a14:hiddenLine>
+            </a:ext>
+            <a:ext uri="{AF507438-7753-43E0-B8FC-AC1667EBCBE1}">
+              <a14:hiddenEffects xmlns:a14="http://schemas.microsoft.com/office/drawing/2010/main">
+                <a:effectLst>
+                  <a:outerShdw dist="35921" dir="2700000" algn="ctr" rotWithShape="0">
+                    <a:schemeClr val="bg2"/>
+                  </a:outerShdw>
+                </a:effectLst>
+              </a14:hiddenEffects>
+            </a:ext>
+          </a:extLst>
+        </p:spPr>
+      </p:pic>
+    </p:spTree>
+    <p:extLst>
+      <p:ext uri="{BB962C8B-B14F-4D97-AF65-F5344CB8AC3E}">
+        <p14:creationId xmlns:p14="http://schemas.microsoft.com/office/powerpoint/2010/main" val="2422274281"/>
+      </p:ext>
+    </p:extLst>
+  </p:cSld>
+  <p:clrMapOvr>
+    <a:masterClrMapping/>
+  </p:clrMapOvr>
+  <mc:AlternateContent xmlns:mc="http://schemas.openxmlformats.org/markup-compatibility/2006" xmlns:p14="http://schemas.microsoft.com/office/powerpoint/2010/main">
+    <mc:Choice Requires="p14">
+      <p:transition spd="med" p14:dur="700">
+        <p:fade/>
+      </p:transition>
+    </mc:Choice>
+    <mc:Fallback xmlns="">
+      <p:transition spd="med">
+        <p:fade/>
+      </p:transition>
+    </mc:Fallback>
+  </mc:AlternateContent>
+</p:sld>
+</file>
+
+<file path=ppt/slides/slide22.xml><?xml version="1.0" encoding="utf-8"?>
+<p:sld xmlns:a="http://schemas.openxmlformats.org/drawingml/2006/main" xmlns:r="http://schemas.openxmlformats.org/officeDocument/2006/relationships" xmlns:p="http://schemas.openxmlformats.org/presentationml/2006/main">
+  <p:cSld>
+    <p:spTree>
+      <p:nvGrpSpPr>
+        <p:cNvPr id="1" name=""/>
+        <p:cNvGrpSpPr/>
+        <p:nvPr/>
+      </p:nvGrpSpPr>
+      <p:grpSpPr>
+        <a:xfrm>
+          <a:off x="0" y="0"/>
+          <a:ext cx="0" cy="0"/>
+          <a:chOff x="0" y="0"/>
+          <a:chExt cx="0" cy="0"/>
+        </a:xfrm>
+      </p:grpSpPr>
+      <p:sp>
+        <p:nvSpPr>
+          <p:cNvPr id="2" name="标题 1"/>
+          <p:cNvSpPr>
+            <a:spLocks noGrp="1"/>
+          </p:cNvSpPr>
+          <p:nvPr>
+            <p:ph type="title"/>
+          </p:nvPr>
+        </p:nvSpPr>
+        <p:spPr/>
+        <p:txBody>
+          <a:bodyPr/>
+          <a:lstStyle/>
+          <a:p>
+            <a:r>
+              <a:rPr lang="en-US" altLang="zh-CN" dirty="0" smtClean="0"/>
               <a:t>binder_mmap()</a:t>
             </a:r>
             <a:endParaRPr lang="zh-CN" altLang="en-US" dirty="0"/>
@@ -10920,7 +7214,7 @@
 </p:sld>
 </file>
 
-<file path=ppt/slides/slide22.xml><?xml version="1.0" encoding="utf-8"?>
+<file path=ppt/slides/slide23.xml><?xml version="1.0" encoding="utf-8"?>
 <p:sld xmlns:a="http://schemas.openxmlformats.org/drawingml/2006/main" xmlns:r="http://schemas.openxmlformats.org/officeDocument/2006/relationships" xmlns:p="http://schemas.openxmlformats.org/presentationml/2006/main">
   <p:cSld>
     <p:spTree>
@@ -11023,7 +7317,7 @@
 </p:sld>
 </file>
 
-<file path=ppt/slides/slide23.xml><?xml version="1.0" encoding="utf-8"?>
+<file path=ppt/slides/slide24.xml><?xml version="1.0" encoding="utf-8"?>
 <p:sld xmlns:a="http://schemas.openxmlformats.org/drawingml/2006/main" xmlns:r="http://schemas.openxmlformats.org/officeDocument/2006/relationships" xmlns:p="http://schemas.openxmlformats.org/presentationml/2006/main">
   <p:cSld>
     <p:spTree>
@@ -11209,163 +7503,6 @@
 </p:sld>
 </file>
 
-<file path=ppt/slides/slide24.xml><?xml version="1.0" encoding="utf-8"?>
-<p:sld xmlns:a="http://schemas.openxmlformats.org/drawingml/2006/main" xmlns:r="http://schemas.openxmlformats.org/officeDocument/2006/relationships" xmlns:p="http://schemas.openxmlformats.org/presentationml/2006/main">
-  <p:cSld>
-    <p:spTree>
-      <p:nvGrpSpPr>
-        <p:cNvPr id="1" name=""/>
-        <p:cNvGrpSpPr/>
-        <p:nvPr/>
-      </p:nvGrpSpPr>
-      <p:grpSpPr>
-        <a:xfrm>
-          <a:off x="0" y="0"/>
-          <a:ext cx="0" cy="0"/>
-          <a:chOff x="0" y="0"/>
-          <a:chExt cx="0" cy="0"/>
-        </a:xfrm>
-      </p:grpSpPr>
-      <p:sp>
-        <p:nvSpPr>
-          <p:cNvPr id="2" name="标题 1"/>
-          <p:cNvSpPr>
-            <a:spLocks noGrp="1"/>
-          </p:cNvSpPr>
-          <p:nvPr>
-            <p:ph type="title"/>
-          </p:nvPr>
-        </p:nvSpPr>
-        <p:spPr/>
-        <p:txBody>
-          <a:bodyPr/>
-          <a:lstStyle/>
-          <a:p>
-            <a:r>
-              <a:rPr lang="en-US" altLang="zh-CN" dirty="0" smtClean="0"/>
-              <a:t>ServiceManager</a:t>
-            </a:r>
-            <a:r>
-              <a:rPr lang="zh-CN" altLang="en-US" dirty="0" smtClean="0"/>
-              <a:t>启动流程</a:t>
-            </a:r>
-            <a:endParaRPr lang="zh-CN" altLang="en-US" dirty="0"/>
-          </a:p>
-        </p:txBody>
-      </p:sp>
-      <p:sp>
-        <p:nvSpPr>
-          <p:cNvPr id="3" name="内容占位符 2"/>
-          <p:cNvSpPr>
-            <a:spLocks noGrp="1"/>
-          </p:cNvSpPr>
-          <p:nvPr>
-            <p:ph idx="1"/>
-          </p:nvPr>
-        </p:nvSpPr>
-        <p:spPr/>
-        <p:txBody>
-          <a:bodyPr/>
-          <a:lstStyle/>
-          <a:p>
-            <a:pPr marL="502920" indent="-457200">
-              <a:buFont typeface="+mj-lt"/>
-              <a:buAutoNum type="arabicPeriod"/>
-            </a:pPr>
-            <a:r>
-              <a:rPr lang="zh-CN" altLang="en-US" dirty="0" smtClean="0"/>
-              <a:t>打开</a:t>
-            </a:r>
-            <a:r>
-              <a:rPr lang="en-US" altLang="zh-CN" dirty="0" smtClean="0"/>
-              <a:t>binder</a:t>
-            </a:r>
-            <a:r>
-              <a:rPr lang="zh-CN" altLang="en-US" dirty="0" smtClean="0"/>
-              <a:t>驱动</a:t>
-            </a:r>
-            <a:endParaRPr lang="en-US" altLang="zh-CN" dirty="0" smtClean="0"/>
-          </a:p>
-          <a:p>
-            <a:pPr marL="502920" indent="-457200">
-              <a:buFont typeface="+mj-lt"/>
-              <a:buAutoNum type="arabicPeriod"/>
-            </a:pPr>
-            <a:r>
-              <a:rPr lang="zh-CN" altLang="en-US" dirty="0"/>
-              <a:t>告</a:t>
-            </a:r>
-            <a:r>
-              <a:rPr lang="zh-CN" altLang="en-US" dirty="0" smtClean="0"/>
-              <a:t>诉</a:t>
-            </a:r>
-            <a:r>
-              <a:rPr lang="en-US" altLang="zh-CN" dirty="0" smtClean="0"/>
-              <a:t>binder </a:t>
-            </a:r>
-            <a:r>
-              <a:rPr lang="zh-CN" altLang="en-US" dirty="0"/>
-              <a:t>驱</a:t>
-            </a:r>
-            <a:r>
-              <a:rPr lang="zh-CN" altLang="en-US" dirty="0" smtClean="0"/>
-              <a:t>动，我要成为</a:t>
-            </a:r>
-            <a:r>
-              <a:rPr lang="en-US" altLang="zh-CN" dirty="0" smtClean="0"/>
-              <a:t>ServiceManager</a:t>
-            </a:r>
-          </a:p>
-          <a:p>
-            <a:pPr marL="502920" indent="-457200">
-              <a:buFont typeface="+mj-lt"/>
-              <a:buAutoNum type="arabicPeriod"/>
-            </a:pPr>
-            <a:r>
-              <a:rPr lang="zh-CN" altLang="en-US" dirty="0"/>
-              <a:t>阻</a:t>
-            </a:r>
-            <a:r>
-              <a:rPr lang="zh-CN" altLang="en-US" dirty="0" smtClean="0"/>
-              <a:t>塞，等待</a:t>
-            </a:r>
-            <a:r>
-              <a:rPr lang="en-US" altLang="zh-CN" dirty="0" smtClean="0"/>
-              <a:t>Client</a:t>
-            </a:r>
-            <a:r>
-              <a:rPr lang="zh-CN" altLang="en-US" dirty="0" smtClean="0"/>
-              <a:t>的请求</a:t>
-            </a:r>
-            <a:endParaRPr lang="zh-CN" altLang="en-US" dirty="0"/>
-          </a:p>
-        </p:txBody>
-      </p:sp>
-    </p:spTree>
-    <p:extLst>
-      <p:ext uri="{BB962C8B-B14F-4D97-AF65-F5344CB8AC3E}">
-        <p14:creationId xmlns:p14="http://schemas.microsoft.com/office/powerpoint/2010/main" val="1061403370"/>
-      </p:ext>
-    </p:extLst>
-  </p:cSld>
-  <p:clrMapOvr>
-    <a:masterClrMapping/>
-  </p:clrMapOvr>
-  <mc:AlternateContent xmlns:mc="http://schemas.openxmlformats.org/markup-compatibility/2006" xmlns:p14="http://schemas.microsoft.com/office/powerpoint/2010/main">
-    <mc:Choice Requires="p14">
-      <p:transition spd="med" p14:dur="700">
-        <p:fade/>
-      </p:transition>
-    </mc:Choice>
-    <mc:Fallback xmlns="">
-      <p:transition spd="med">
-        <p:fade/>
-      </p:transition>
-    </mc:Fallback>
-  </mc:AlternateContent>
-</p:sld>
-</file>
-
 <file path=ppt/slides/slide25.xml><?xml version="1.0" encoding="utf-8"?>
 <p:sld xmlns:a="http://schemas.openxmlformats.org/drawingml/2006/main" xmlns:r="http://schemas.openxmlformats.org/officeDocument/2006/relationships" xmlns:p="http://schemas.openxmlformats.org/presentationml/2006/main">
   <p:cSld>
@@ -11400,11 +7537,11 @@
           <a:p>
             <a:r>
               <a:rPr lang="en-US" altLang="zh-CN" dirty="0" smtClean="0"/>
-              <a:t>Service</a:t>
-            </a:r>
-            <a:r>
-              <a:rPr lang="zh-CN" altLang="en-US" dirty="0" smtClean="0"/>
-              <a:t>的注册过程</a:t>
+              <a:t>ServiceManager</a:t>
+            </a:r>
+            <a:r>
+              <a:rPr lang="zh-CN" altLang="en-US" dirty="0" smtClean="0"/>
+              <a:t>启动流程</a:t>
             </a:r>
             <a:endParaRPr lang="zh-CN" altLang="en-US" dirty="0"/>
           </a:p>
@@ -11425,78 +7562,74 @@
           <a:bodyPr/>
           <a:lstStyle/>
           <a:p>
-            <a:r>
-              <a:rPr lang="zh-CN" altLang="en-US" dirty="0" smtClean="0"/>
-              <a:t>每一个</a:t>
+            <a:pPr marL="502920" indent="-457200">
+              <a:buFont typeface="+mj-lt"/>
+              <a:buAutoNum type="arabicPeriod"/>
+            </a:pPr>
+            <a:r>
+              <a:rPr lang="zh-CN" altLang="en-US" dirty="0" smtClean="0"/>
+              <a:t>打开</a:t>
             </a:r>
             <a:r>
               <a:rPr lang="en-US" altLang="zh-CN" dirty="0" smtClean="0"/>
-              <a:t>Service</a:t>
-            </a:r>
-            <a:r>
-              <a:rPr lang="zh-CN" altLang="en-US" dirty="0" smtClean="0"/>
-              <a:t>都有一个唯一标识</a:t>
-            </a:r>
-            <a:r>
-              <a:rPr lang="en-US" altLang="zh-CN" dirty="0"/>
-              <a:t> </a:t>
+              <a:t>binder</a:t>
+            </a:r>
+            <a:r>
+              <a:rPr lang="zh-CN" altLang="en-US" dirty="0" smtClean="0"/>
+              <a:t>驱动</a:t>
+            </a:r>
+            <a:endParaRPr lang="en-US" altLang="zh-CN" dirty="0" smtClean="0"/>
+          </a:p>
+          <a:p>
+            <a:pPr marL="502920" indent="-457200">
+              <a:buFont typeface="+mj-lt"/>
+              <a:buAutoNum type="arabicPeriod"/>
+            </a:pPr>
+            <a:r>
+              <a:rPr lang="zh-CN" altLang="en-US" dirty="0"/>
+              <a:t>告</a:t>
+            </a:r>
+            <a:r>
+              <a:rPr lang="zh-CN" altLang="en-US" dirty="0" smtClean="0"/>
+              <a:t>诉</a:t>
             </a:r>
             <a:r>
               <a:rPr lang="en-US" altLang="zh-CN" dirty="0" smtClean="0"/>
-              <a:t>— handle</a:t>
-            </a:r>
-            <a:r>
-              <a:rPr lang="zh-CN" altLang="en-US" dirty="0" smtClean="0"/>
-              <a:t>，</a:t>
+              <a:t>binder </a:t>
+            </a:r>
+            <a:r>
+              <a:rPr lang="zh-CN" altLang="en-US" dirty="0"/>
+              <a:t>驱</a:t>
+            </a:r>
+            <a:r>
+              <a:rPr lang="zh-CN" altLang="en-US" dirty="0" smtClean="0"/>
+              <a:t>动，我要成为</a:t>
             </a:r>
             <a:r>
               <a:rPr lang="en-US" altLang="zh-CN" dirty="0" smtClean="0"/>
               <a:t>ServiceManager</a:t>
             </a:r>
-            <a:r>
-              <a:rPr lang="zh-CN" altLang="en-US" dirty="0" smtClean="0"/>
-              <a:t>的</a:t>
+          </a:p>
+          <a:p>
+            <a:pPr marL="502920" indent="-457200">
+              <a:buFont typeface="+mj-lt"/>
+              <a:buAutoNum type="arabicPeriod"/>
+            </a:pPr>
+            <a:r>
+              <a:rPr lang="zh-CN" altLang="en-US" dirty="0"/>
+              <a:t>阻</a:t>
+            </a:r>
+            <a:r>
+              <a:rPr lang="zh-CN" altLang="en-US" dirty="0" smtClean="0"/>
+              <a:t>塞，等待</a:t>
             </a:r>
             <a:r>
               <a:rPr lang="en-US" altLang="zh-CN" dirty="0" smtClean="0"/>
-              <a:t>handle = 0</a:t>
-            </a:r>
-          </a:p>
-          <a:p>
-            <a:r>
-              <a:rPr lang="zh-CN" altLang="en-US" dirty="0"/>
-              <a:t>每一</a:t>
-            </a:r>
-            <a:r>
-              <a:rPr lang="zh-CN" altLang="en-US" dirty="0" smtClean="0"/>
-              <a:t>个</a:t>
-            </a:r>
-            <a:r>
-              <a:rPr lang="en-US" altLang="zh-CN" dirty="0" smtClean="0"/>
-              <a:t>Service</a:t>
-            </a:r>
-            <a:r>
-              <a:rPr lang="zh-CN" altLang="en-US" dirty="0" smtClean="0"/>
-              <a:t>代理的成员变量中都含有成员变量</a:t>
-            </a:r>
-            <a:r>
-              <a:rPr lang="en-US" altLang="zh-CN" dirty="0" smtClean="0"/>
-              <a:t>handle</a:t>
-            </a:r>
-            <a:r>
-              <a:rPr lang="zh-CN" altLang="en-US" dirty="0" smtClean="0"/>
-              <a:t>，指向它代理的服务</a:t>
-            </a:r>
-            <a:endParaRPr lang="en-US" altLang="zh-CN" dirty="0" smtClean="0"/>
-          </a:p>
-          <a:p>
-            <a:r>
-              <a:rPr lang="zh-CN" altLang="en-US" dirty="0"/>
-              <a:t>数</a:t>
-            </a:r>
-            <a:r>
-              <a:rPr lang="zh-CN" altLang="en-US" dirty="0" smtClean="0"/>
-              <a:t>据包格式</a:t>
+              <a:t>Client</a:t>
+            </a:r>
+            <a:r>
+              <a:rPr lang="zh-CN" altLang="en-US" dirty="0" smtClean="0"/>
+              <a:t>的请求</a:t>
             </a:r>
             <a:endParaRPr lang="zh-CN" altLang="en-US" dirty="0"/>
           </a:p>
@@ -11505,7 +7638,7 @@
     </p:spTree>
     <p:extLst>
       <p:ext uri="{BB962C8B-B14F-4D97-AF65-F5344CB8AC3E}">
-        <p14:creationId xmlns:p14="http://schemas.microsoft.com/office/powerpoint/2010/main" val="1401306754"/>
+        <p14:creationId xmlns:p14="http://schemas.microsoft.com/office/powerpoint/2010/main" val="1061403370"/>
       </p:ext>
     </p:extLst>
   </p:cSld>
@@ -11559,7 +7692,23 @@
           <a:bodyPr/>
           <a:lstStyle/>
           <a:p>
-            <a:endParaRPr lang="zh-CN" altLang="en-US"/>
+            <a:r>
+              <a:rPr lang="en-US" altLang="zh-CN" dirty="0" smtClean="0"/>
+              <a:t>Client</a:t>
+            </a:r>
+            <a:r>
+              <a:rPr lang="zh-CN" altLang="en-US" dirty="0" smtClean="0"/>
+              <a:t>调用</a:t>
+            </a:r>
+            <a:r>
+              <a:rPr lang="en-US" altLang="zh-CN" dirty="0" smtClean="0"/>
+              <a:t>Service</a:t>
+            </a:r>
+            <a:r>
+              <a:rPr lang="zh-CN" altLang="en-US" dirty="0" smtClean="0"/>
+              <a:t>的过程</a:t>
+            </a:r>
+            <a:endParaRPr lang="zh-CN" altLang="en-US" dirty="0"/>
           </a:p>
         </p:txBody>
       </p:sp>
@@ -11578,6 +7727,369 @@
           <a:bodyPr/>
           <a:lstStyle/>
           <a:p>
+            <a:r>
+              <a:rPr lang="zh-CN" altLang="en-US" dirty="0" smtClean="0"/>
+              <a:t>每一个</a:t>
+            </a:r>
+            <a:r>
+              <a:rPr lang="en-US" altLang="zh-CN" dirty="0" smtClean="0"/>
+              <a:t>Service</a:t>
+            </a:r>
+            <a:r>
+              <a:rPr lang="zh-CN" altLang="en-US" dirty="0" smtClean="0"/>
+              <a:t>都有一个唯一标识</a:t>
+            </a:r>
+            <a:r>
+              <a:rPr lang="en-US" altLang="zh-CN" dirty="0"/>
+              <a:t> </a:t>
+            </a:r>
+            <a:r>
+              <a:rPr lang="en-US" altLang="zh-CN" dirty="0" smtClean="0"/>
+              <a:t>— handle</a:t>
+            </a:r>
+            <a:r>
+              <a:rPr lang="zh-CN" altLang="en-US" dirty="0" smtClean="0"/>
+              <a:t>（</a:t>
+            </a:r>
+            <a:r>
+              <a:rPr lang="en-US" altLang="zh-CN" dirty="0" smtClean="0"/>
+              <a:t>ip : port</a:t>
+            </a:r>
+            <a:r>
+              <a:rPr lang="zh-CN" altLang="en-US" dirty="0" smtClean="0"/>
+              <a:t>），</a:t>
+            </a:r>
+            <a:r>
+              <a:rPr lang="en-US" altLang="zh-CN" dirty="0" smtClean="0"/>
+              <a:t>ServiceManager</a:t>
+            </a:r>
+            <a:r>
+              <a:rPr lang="zh-CN" altLang="en-US" dirty="0" smtClean="0"/>
+              <a:t>的</a:t>
+            </a:r>
+            <a:r>
+              <a:rPr lang="en-US" altLang="zh-CN" dirty="0" smtClean="0"/>
+              <a:t>handle = 0</a:t>
+            </a:r>
+          </a:p>
+          <a:p>
+            <a:r>
+              <a:rPr lang="zh-CN" altLang="en-US" dirty="0"/>
+              <a:t>每一</a:t>
+            </a:r>
+            <a:r>
+              <a:rPr lang="zh-CN" altLang="en-US" dirty="0" smtClean="0"/>
+              <a:t>个</a:t>
+            </a:r>
+            <a:r>
+              <a:rPr lang="en-US" altLang="zh-CN" dirty="0" smtClean="0"/>
+              <a:t>Service</a:t>
+            </a:r>
+            <a:r>
+              <a:rPr lang="zh-CN" altLang="en-US" dirty="0" smtClean="0"/>
+              <a:t>代理的成员变量中都含有成员变量</a:t>
+            </a:r>
+            <a:r>
+              <a:rPr lang="en-US" altLang="zh-CN" dirty="0" smtClean="0"/>
+              <a:t>handle</a:t>
+            </a:r>
+            <a:r>
+              <a:rPr lang="zh-CN" altLang="en-US" dirty="0" smtClean="0"/>
+              <a:t>，指向它代理的服务</a:t>
+            </a:r>
+            <a:endParaRPr lang="en-US" altLang="zh-CN" dirty="0" smtClean="0"/>
+          </a:p>
+          <a:p>
+            <a:r>
+              <a:rPr lang="zh-CN" altLang="en-US" dirty="0"/>
+              <a:t>数</a:t>
+            </a:r>
+            <a:r>
+              <a:rPr lang="zh-CN" altLang="en-US" dirty="0" smtClean="0"/>
+              <a:t>据包格式：</a:t>
+            </a:r>
+            <a:endParaRPr lang="en-US" altLang="zh-CN" dirty="0" smtClean="0"/>
+          </a:p>
+          <a:p>
+            <a:pPr marL="388620" indent="-342900">
+              <a:buFont typeface="+mj-lt"/>
+              <a:buAutoNum type="arabicPeriod"/>
+            </a:pPr>
+            <a:r>
+              <a:rPr lang="en-US" altLang="zh-CN" sz="1600" dirty="0" smtClean="0">
+                <a:solidFill>
+                  <a:srgbClr val="00B0F0"/>
+                </a:solidFill>
+              </a:rPr>
+              <a:t>handle – </a:t>
+            </a:r>
+            <a:r>
+              <a:rPr lang="zh-CN" altLang="en-US" sz="1600" dirty="0" smtClean="0">
+                <a:solidFill>
+                  <a:srgbClr val="00B0F0"/>
+                </a:solidFill>
+              </a:rPr>
+              <a:t>哪个服务</a:t>
+            </a:r>
+            <a:endParaRPr lang="en-US" altLang="zh-CN" sz="1600" dirty="0" smtClean="0">
+              <a:solidFill>
+                <a:srgbClr val="00B0F0"/>
+              </a:solidFill>
+            </a:endParaRPr>
+          </a:p>
+          <a:p>
+            <a:pPr marL="388620" indent="-342900">
+              <a:buFont typeface="+mj-lt"/>
+              <a:buAutoNum type="arabicPeriod"/>
+            </a:pPr>
+            <a:r>
+              <a:rPr lang="en-US" altLang="zh-CN" sz="1600" dirty="0" smtClean="0">
+                <a:solidFill>
+                  <a:srgbClr val="00B0F0"/>
+                </a:solidFill>
+              </a:rPr>
+              <a:t>code – </a:t>
+            </a:r>
+            <a:r>
+              <a:rPr lang="zh-CN" altLang="en-US" sz="1600" dirty="0" smtClean="0">
+                <a:solidFill>
+                  <a:srgbClr val="00B0F0"/>
+                </a:solidFill>
+              </a:rPr>
+              <a:t>哪个方法</a:t>
+            </a:r>
+            <a:endParaRPr lang="en-US" altLang="zh-CN" sz="1600" dirty="0" smtClean="0">
+              <a:solidFill>
+                <a:srgbClr val="00B0F0"/>
+              </a:solidFill>
+            </a:endParaRPr>
+          </a:p>
+          <a:p>
+            <a:pPr marL="388620" indent="-342900">
+              <a:buFont typeface="+mj-lt"/>
+              <a:buAutoNum type="arabicPeriod"/>
+            </a:pPr>
+            <a:r>
+              <a:rPr lang="en-US" altLang="zh-CN" sz="1600" dirty="0" smtClean="0">
+                <a:solidFill>
+                  <a:srgbClr val="00B0F0"/>
+                </a:solidFill>
+              </a:rPr>
+              <a:t>data – </a:t>
+            </a:r>
+            <a:r>
+              <a:rPr lang="zh-CN" altLang="en-US" sz="1600" dirty="0" smtClean="0">
+                <a:solidFill>
+                  <a:srgbClr val="00B0F0"/>
+                </a:solidFill>
+              </a:rPr>
+              <a:t>要发送的数据</a:t>
+            </a:r>
+            <a:endParaRPr lang="en-US" altLang="zh-CN" sz="1600" dirty="0" smtClean="0">
+              <a:solidFill>
+                <a:srgbClr val="00B0F0"/>
+              </a:solidFill>
+            </a:endParaRPr>
+          </a:p>
+          <a:p>
+            <a:pPr marL="388620" indent="-342900">
+              <a:buFont typeface="+mj-lt"/>
+              <a:buAutoNum type="arabicPeriod"/>
+            </a:pPr>
+            <a:r>
+              <a:rPr lang="zh-CN" altLang="en-US" sz="1600" dirty="0">
+                <a:solidFill>
+                  <a:srgbClr val="00B0F0"/>
+                </a:solidFill>
+              </a:rPr>
+              <a:t>协</a:t>
+            </a:r>
+            <a:r>
+              <a:rPr lang="zh-CN" altLang="en-US" sz="1600" dirty="0" smtClean="0">
+                <a:solidFill>
+                  <a:srgbClr val="00B0F0"/>
+                </a:solidFill>
+              </a:rPr>
+              <a:t>议 </a:t>
+            </a:r>
+            <a:r>
+              <a:rPr lang="en-US" altLang="zh-CN" sz="1600" dirty="0" smtClean="0">
+                <a:solidFill>
+                  <a:srgbClr val="00B0F0"/>
+                </a:solidFill>
+              </a:rPr>
+              <a:t>– </a:t>
+            </a:r>
+            <a:r>
+              <a:rPr lang="zh-CN" altLang="en-US" sz="1600" dirty="0" smtClean="0">
+                <a:solidFill>
+                  <a:srgbClr val="00B0F0"/>
+                </a:solidFill>
+              </a:rPr>
+              <a:t>要做的操作</a:t>
+            </a:r>
+            <a:endParaRPr lang="zh-CN" altLang="en-US" sz="1600" dirty="0">
+              <a:solidFill>
+                <a:srgbClr val="00B0F0"/>
+              </a:solidFill>
+            </a:endParaRPr>
+          </a:p>
+        </p:txBody>
+      </p:sp>
+      <p:pic>
+        <p:nvPicPr>
+          <p:cNvPr id="7170" name="Picture 2"/>
+          <p:cNvPicPr>
+            <a:picLocks noChangeAspect="1" noChangeArrowheads="1"/>
+          </p:cNvPicPr>
+          <p:nvPr/>
+        </p:nvPicPr>
+        <p:blipFill>
+          <a:blip r:embed="rId2">
+            <a:extLst>
+              <a:ext uri="{28A0092B-C50C-407E-A947-70E740481C1C}">
+                <a14:useLocalDpi xmlns:a14="http://schemas.microsoft.com/office/drawing/2010/main" val="0"/>
+              </a:ext>
+            </a:extLst>
+          </a:blip>
+          <a:srcRect/>
+          <a:stretch>
+            <a:fillRect/>
+          </a:stretch>
+        </p:blipFill>
+        <p:spPr bwMode="auto">
+          <a:xfrm>
+            <a:off x="4245952" y="3087567"/>
+            <a:ext cx="2838450" cy="2933700"/>
+          </a:xfrm>
+          <a:prstGeom prst="rect">
+            <a:avLst/>
+          </a:prstGeom>
+          <a:noFill/>
+          <a:ln>
+            <a:noFill/>
+          </a:ln>
+          <a:extLst>
+            <a:ext uri="{909E8E84-426E-40DD-AFC4-6F175D3DCCD1}">
+              <a14:hiddenFill xmlns:a14="http://schemas.microsoft.com/office/drawing/2010/main">
+                <a:solidFill>
+                  <a:schemeClr val="accent1"/>
+                </a:solidFill>
+              </a14:hiddenFill>
+            </a:ext>
+            <a:ext uri="{91240B29-F687-4F45-9708-019B960494DF}">
+              <a14:hiddenLine xmlns:a14="http://schemas.microsoft.com/office/drawing/2010/main" w="9525">
+                <a:solidFill>
+                  <a:schemeClr val="tx1"/>
+                </a:solidFill>
+                <a:miter lim="800000"/>
+                <a:headEnd/>
+                <a:tailEnd/>
+              </a14:hiddenLine>
+            </a:ext>
+          </a:extLst>
+        </p:spPr>
+      </p:pic>
+      <p:pic>
+        <p:nvPicPr>
+          <p:cNvPr id="7174" name="Picture 6"/>
+          <p:cNvPicPr>
+            <a:picLocks noChangeAspect="1" noChangeArrowheads="1"/>
+          </p:cNvPicPr>
+          <p:nvPr/>
+        </p:nvPicPr>
+        <p:blipFill>
+          <a:blip r:embed="rId3">
+            <a:extLst>
+              <a:ext uri="{28A0092B-C50C-407E-A947-70E740481C1C}">
+                <a14:useLocalDpi xmlns:a14="http://schemas.microsoft.com/office/drawing/2010/main" val="0"/>
+              </a:ext>
+            </a:extLst>
+          </a:blip>
+          <a:srcRect/>
+          <a:stretch>
+            <a:fillRect/>
+          </a:stretch>
+        </p:blipFill>
+        <p:spPr bwMode="auto">
+          <a:xfrm>
+            <a:off x="8550275" y="3324959"/>
+            <a:ext cx="3324225" cy="1343025"/>
+          </a:xfrm>
+          <a:prstGeom prst="rect">
+            <a:avLst/>
+          </a:prstGeom>
+          <a:noFill/>
+          <a:ln>
+            <a:noFill/>
+          </a:ln>
+          <a:effectLst/>
+          <a:extLst>
+            <a:ext uri="{909E8E84-426E-40DD-AFC4-6F175D3DCCD1}">
+              <a14:hiddenFill xmlns:a14="http://schemas.microsoft.com/office/drawing/2010/main">
+                <a:solidFill>
+                  <a:schemeClr val="accent1"/>
+                </a:solidFill>
+              </a14:hiddenFill>
+            </a:ext>
+            <a:ext uri="{91240B29-F687-4F45-9708-019B960494DF}">
+              <a14:hiddenLine xmlns:a14="http://schemas.microsoft.com/office/drawing/2010/main" w="9525">
+                <a:solidFill>
+                  <a:schemeClr val="tx1"/>
+                </a:solidFill>
+                <a:miter lim="800000"/>
+                <a:headEnd/>
+                <a:tailEnd/>
+              </a14:hiddenLine>
+            </a:ext>
+            <a:ext uri="{AF507438-7753-43E0-B8FC-AC1667EBCBE1}">
+              <a14:hiddenEffects xmlns:a14="http://schemas.microsoft.com/office/drawing/2010/main">
+                <a:effectLst>
+                  <a:outerShdw dist="35921" dir="2700000" algn="ctr" rotWithShape="0">
+                    <a:schemeClr val="bg2"/>
+                  </a:outerShdw>
+                </a:effectLst>
+              </a14:hiddenEffects>
+            </a:ext>
+          </a:extLst>
+        </p:spPr>
+      </p:pic>
+      <p:sp>
+        <p:nvSpPr>
+          <p:cNvPr id="6" name="右箭头 5"/>
+          <p:cNvSpPr/>
+          <p:nvPr/>
+        </p:nvSpPr>
+        <p:spPr>
+          <a:xfrm>
+            <a:off x="6941283" y="4245581"/>
+            <a:ext cx="1521069" cy="227869"/>
+          </a:xfrm>
+          <a:prstGeom prst="rightArrow">
+            <a:avLst/>
+          </a:prstGeom>
+        </p:spPr>
+        <p:style>
+          <a:lnRef idx="2">
+            <a:schemeClr val="accent2">
+              <a:shade val="50000"/>
+            </a:schemeClr>
+          </a:lnRef>
+          <a:fillRef idx="1">
+            <a:schemeClr val="accent2"/>
+          </a:fillRef>
+          <a:effectRef idx="0">
+            <a:schemeClr val="accent2"/>
+          </a:effectRef>
+          <a:fontRef idx="minor">
+            <a:schemeClr val="lt1"/>
+          </a:fontRef>
+        </p:style>
+        <p:txBody>
+          <a:bodyPr rtlCol="0" anchor="ctr"/>
+          <a:lstStyle/>
+          <a:p>
+            <a:pPr algn="ctr"/>
             <a:endParaRPr lang="zh-CN" altLang="en-US"/>
           </a:p>
         </p:txBody>
@@ -11585,7 +8097,7 @@
     </p:spTree>
     <p:extLst>
       <p:ext uri="{BB962C8B-B14F-4D97-AF65-F5344CB8AC3E}">
-        <p14:creationId xmlns:p14="http://schemas.microsoft.com/office/powerpoint/2010/main" val="609872264"/>
+        <p14:creationId xmlns:p14="http://schemas.microsoft.com/office/powerpoint/2010/main" val="1401306754"/>
       </p:ext>
     </p:extLst>
   </p:cSld>
@@ -11640,41 +8152,87 @@
           <a:lstStyle/>
           <a:p>
             <a:r>
-              <a:rPr lang="zh-CN"/>
-              <a:t>标题和内容版式与图表</a:t>
-            </a:r>
-          </a:p>
-        </p:txBody>
-      </p:sp>
-      <p:graphicFrame>
-        <p:nvGraphicFramePr>
-          <p:cNvPr id="6" name="内容占位符 5"/>
-          <p:cNvGraphicFramePr>
-            <a:graphicFrameLocks noGrp="1"/>
-          </p:cNvGraphicFramePr>
+              <a:rPr lang="en-US" altLang="zh-CN" dirty="0" smtClean="0"/>
+              <a:t>Binder</a:t>
+            </a:r>
+            <a:r>
+              <a:rPr lang="zh-CN" altLang="en-US" dirty="0" smtClean="0"/>
+              <a:t>数据发送过程</a:t>
+            </a:r>
+            <a:endParaRPr lang="zh-CN" altLang="en-US" dirty="0"/>
+          </a:p>
+        </p:txBody>
+      </p:sp>
+      <p:pic>
+        <p:nvPicPr>
+          <p:cNvPr id="8194" name="Picture 2"/>
+          <p:cNvPicPr>
+            <a:picLocks noGrp="1" noChangeAspect="1" noChangeArrowheads="1"/>
+          </p:cNvPicPr>
           <p:nvPr>
             <p:ph idx="1"/>
-            <p:extLst>
-              <p:ext uri="{D42A27DB-BD31-4B8C-83A1-F6EECF244321}">
-                <p14:modId xmlns:p14="http://schemas.microsoft.com/office/powerpoint/2010/main" val="1698860746"/>
-              </p:ext>
-            </p:extLst>
-          </p:nvPr>
-        </p:nvGraphicFramePr>
-        <p:xfrm>
-          <a:off x="1341438" y="1573213"/>
-          <a:ext cx="9510712" cy="4141787"/>
-        </p:xfrm>
-        <a:graphic>
-          <a:graphicData uri="http://schemas.openxmlformats.org/drawingml/2006/chart">
-            <c:chart xmlns:c="http://schemas.openxmlformats.org/drawingml/2006/chart" xmlns:r="http://schemas.openxmlformats.org/officeDocument/2006/relationships" r:id="rId2"/>
-          </a:graphicData>
-        </a:graphic>
-      </p:graphicFrame>
+          </p:nvPr>
+        </p:nvPicPr>
+        <p:blipFill>
+          <a:blip r:embed="rId2">
+            <a:extLst>
+              <a:ext uri="{28A0092B-C50C-407E-A947-70E740481C1C}">
+                <a14:useLocalDpi xmlns:a14="http://schemas.microsoft.com/office/drawing/2010/main" val="0"/>
+              </a:ext>
+            </a:extLst>
+          </a:blip>
+          <a:srcRect/>
+          <a:stretch>
+            <a:fillRect/>
+          </a:stretch>
+        </p:blipFill>
+        <p:spPr bwMode="auto">
+          <a:xfrm>
+            <a:off x="2245589" y="1687509"/>
+            <a:ext cx="7700823" cy="4141787"/>
+          </a:xfrm>
+          <a:prstGeom prst="rect">
+            <a:avLst/>
+          </a:prstGeom>
+          <a:noFill/>
+          <a:ln>
+            <a:noFill/>
+          </a:ln>
+          <a:effectLst/>
+          <a:extLst>
+            <a:ext uri="{909E8E84-426E-40DD-AFC4-6F175D3DCCD1}">
+              <a14:hiddenFill xmlns:a14="http://schemas.microsoft.com/office/drawing/2010/main">
+                <a:solidFill>
+                  <a:schemeClr val="accent1"/>
+                </a:solidFill>
+              </a14:hiddenFill>
+            </a:ext>
+            <a:ext uri="{91240B29-F687-4F45-9708-019B960494DF}">
+              <a14:hiddenLine xmlns:a14="http://schemas.microsoft.com/office/drawing/2010/main" w="9525">
+                <a:solidFill>
+                  <a:schemeClr val="tx1"/>
+                </a:solidFill>
+                <a:miter lim="800000"/>
+                <a:headEnd/>
+                <a:tailEnd/>
+              </a14:hiddenLine>
+            </a:ext>
+            <a:ext uri="{AF507438-7753-43E0-B8FC-AC1667EBCBE1}">
+              <a14:hiddenEffects xmlns:a14="http://schemas.microsoft.com/office/drawing/2010/main">
+                <a:effectLst>
+                  <a:outerShdw dist="35921" dir="2700000" algn="ctr" rotWithShape="0">
+                    <a:schemeClr val="bg2"/>
+                  </a:outerShdw>
+                </a:effectLst>
+              </a14:hiddenEffects>
+            </a:ext>
+          </a:extLst>
+        </p:spPr>
+      </p:pic>
     </p:spTree>
     <p:extLst>
       <p:ext uri="{BB962C8B-B14F-4D97-AF65-F5344CB8AC3E}">
-        <p14:creationId xmlns:p14="http://schemas.microsoft.com/office/powerpoint/2010/main" val="2578687163"/>
+        <p14:creationId xmlns:p14="http://schemas.microsoft.com/office/powerpoint/2010/main" val="53836365"/>
       </p:ext>
     </p:extLst>
   </p:cSld>
@@ -11693,13 +8251,6 @@
       </p:transition>
     </mc:Fallback>
   </mc:AlternateContent>
-  <p:timing>
-    <p:tnLst>
-      <p:par>
-        <p:cTn id="1" dur="indefinite" restart="never" nodeType="tmRoot"/>
-      </p:par>
-    </p:tnLst>
-  </p:timing>
 </p:sld>
 </file>
 
@@ -11736,46 +8287,29 @@
           <a:lstStyle/>
           <a:p>
             <a:r>
-              <a:rPr lang="zh-CN" dirty="0"/>
-              <a:t>图片与标题版式</a:t>
-            </a:r>
-          </a:p>
-        </p:txBody>
-      </p:sp>
-      <p:sp>
-        <p:nvSpPr>
-          <p:cNvPr id="4" name="文本占位符 3"/>
-          <p:cNvSpPr>
-            <a:spLocks noGrp="1"/>
-          </p:cNvSpPr>
-          <p:nvPr>
-            <p:ph type="body" sz="half" idx="2"/>
-          </p:nvPr>
-        </p:nvSpPr>
-        <p:spPr/>
-        <p:txBody>
-          <a:bodyPr/>
-          <a:lstStyle/>
-          <a:p>
-            <a:r>
-              <a:rPr lang="zh-CN"/>
-              <a:t>标题</a:t>
-            </a:r>
+              <a:rPr lang="en-US" altLang="zh-CN" dirty="0" smtClean="0"/>
+              <a:t>Binder</a:t>
+            </a:r>
+            <a:r>
+              <a:rPr lang="zh-CN" altLang="en-US" dirty="0" smtClean="0"/>
+              <a:t>类继承关系</a:t>
+            </a:r>
+            <a:endParaRPr lang="zh-CN" altLang="en-US" dirty="0"/>
           </a:p>
         </p:txBody>
       </p:sp>
       <p:pic>
         <p:nvPicPr>
-          <p:cNvPr id="7" name="图片占位符 6" descr="白色沙滩上的花朵、海星和贝壳的特写" title="Beach photo"/>
+          <p:cNvPr id="9219" name="Picture 3"/>
           <p:cNvPicPr>
-            <a:picLocks noGrp="1" noChangeAspect="1"/>
+            <a:picLocks noGrp="1" noChangeAspect="1" noChangeArrowheads="1"/>
           </p:cNvPicPr>
           <p:nvPr>
-            <p:ph type="pic" idx="1"/>
+            <p:ph idx="1"/>
           </p:nvPr>
         </p:nvPicPr>
         <p:blipFill>
-          <a:blip r:embed="rId2" cstate="print">
+          <a:blip r:embed="rId2">
             <a:extLst>
               <a:ext uri="{28A0092B-C50C-407E-A947-70E740481C1C}">
                 <a14:useLocalDpi xmlns:a14="http://schemas.microsoft.com/office/drawing/2010/main" val="0"/>
@@ -11787,12 +8321,53 @@
             <a:fillRect/>
           </a:stretch>
         </p:blipFill>
-        <p:spPr/>
+        <p:spPr bwMode="auto">
+          <a:xfrm>
+            <a:off x="3114331" y="1573213"/>
+            <a:ext cx="5963338" cy="4423141"/>
+          </a:xfrm>
+          <a:prstGeom prst="rect">
+            <a:avLst/>
+          </a:prstGeom>
+          <a:noFill/>
+          <a:ln>
+            <a:noFill/>
+          </a:ln>
+          <a:effectLst/>
+          <a:extLst>
+            <a:ext uri="{909E8E84-426E-40DD-AFC4-6F175D3DCCD1}">
+              <a14:hiddenFill xmlns:a14="http://schemas.microsoft.com/office/drawing/2010/main">
+                <a:solidFill>
+                  <a:schemeClr val="accent1"/>
+                </a:solidFill>
+              </a14:hiddenFill>
+            </a:ext>
+            <a:ext uri="{91240B29-F687-4F45-9708-019B960494DF}">
+              <a14:hiddenLine xmlns:a14="http://schemas.microsoft.com/office/drawing/2010/main" w="9525">
+                <a:solidFill>
+                  <a:schemeClr val="tx1"/>
+                </a:solidFill>
+                <a:miter lim="800000"/>
+                <a:headEnd/>
+                <a:tailEnd/>
+              </a14:hiddenLine>
+            </a:ext>
+            <a:ext uri="{AF507438-7753-43E0-B8FC-AC1667EBCBE1}">
+              <a14:hiddenEffects xmlns:a14="http://schemas.microsoft.com/office/drawing/2010/main">
+                <a:effectLst>
+                  <a:outerShdw dist="35921" dir="2700000" algn="ctr" rotWithShape="0">
+                    <a:schemeClr val="bg2"/>
+                  </a:outerShdw>
+                </a:effectLst>
+              </a14:hiddenEffects>
+            </a:ext>
+          </a:extLst>
+        </p:spPr>
       </p:pic>
     </p:spTree>
     <p:extLst>
       <p:ext uri="{BB962C8B-B14F-4D97-AF65-F5344CB8AC3E}">
-        <p14:creationId xmlns:p14="http://schemas.microsoft.com/office/powerpoint/2010/main" val="361883921"/>
+        <p14:creationId xmlns:p14="http://schemas.microsoft.com/office/powerpoint/2010/main" val="3090098004"/>
       </p:ext>
     </p:extLst>
   </p:cSld>
@@ -11811,13 +8386,6 @@
       </p:transition>
     </mc:Fallback>
   </mc:AlternateContent>
-  <p:timing>
-    <p:tnLst>
-      <p:par>
-        <p:cTn id="1" dur="indefinite" restart="never" nodeType="tmRoot"/>
-      </p:par>
-    </p:tnLst>
-  </p:timing>
 </p:sld>
 </file>
 
@@ -11854,327 +8422,83 @@
           <a:lstStyle/>
           <a:p>
             <a:r>
-              <a:rPr lang="zh-CN" dirty="0"/>
-              <a:t>两栏内容版式与表格</a:t>
-            </a:r>
-          </a:p>
-        </p:txBody>
-      </p:sp>
-      <p:sp>
-        <p:nvSpPr>
-          <p:cNvPr id="3" name="内容占位符 2"/>
-          <p:cNvSpPr>
-            <a:spLocks noGrp="1"/>
-          </p:cNvSpPr>
-          <p:nvPr>
-            <p:ph sz="half" idx="1"/>
-          </p:nvPr>
-        </p:nvSpPr>
-        <p:spPr/>
-        <p:txBody>
-          <a:bodyPr/>
-          <a:lstStyle/>
-          <a:p>
-            <a:r>
-              <a:rPr lang="zh-CN" dirty="0"/>
-              <a:t>此处为第一个要点</a:t>
-            </a:r>
-          </a:p>
-          <a:p>
-            <a:r>
-              <a:rPr lang="zh-CN" dirty="0"/>
-              <a:t>此处为第二个要点</a:t>
-            </a:r>
-          </a:p>
-          <a:p>
-            <a:r>
-              <a:rPr lang="zh-CN" dirty="0"/>
-              <a:t>此处为第三个要点</a:t>
-            </a:r>
-          </a:p>
-        </p:txBody>
-      </p:sp>
-      <p:graphicFrame>
-        <p:nvGraphicFramePr>
-          <p:cNvPr id="5" name="内容占位符 4" descr="示例表格（3 列，4 行）" title="Table"/>
-          <p:cNvGraphicFramePr>
-            <a:graphicFrameLocks noGrp="1"/>
-          </p:cNvGraphicFramePr>
-          <p:nvPr>
-            <p:ph sz="half" idx="2"/>
-            <p:extLst>
-              <p:ext uri="{D42A27DB-BD31-4B8C-83A1-F6EECF244321}">
-                <p14:modId xmlns:p14="http://schemas.microsoft.com/office/powerpoint/2010/main" val="2121433311"/>
-              </p:ext>
-            </p:extLst>
-          </p:nvPr>
-        </p:nvGraphicFramePr>
-        <p:xfrm>
-          <a:off x="6278563" y="1573213"/>
-          <a:ext cx="4572000" cy="2230160"/>
-        </p:xfrm>
-        <a:graphic>
-          <a:graphicData uri="http://schemas.openxmlformats.org/drawingml/2006/table">
-            <a:tbl>
-              <a:tblPr firstRow="1" bandRow="1">
-                <a:tableStyleId>{18603FDC-E32A-4AB5-989C-0864C3EAD2B8}</a:tableStyleId>
-              </a:tblPr>
-              <a:tblGrid>
-                <a:gridCol w="1524000">
-                  <a:extLst>
-                    <a:ext uri="{9D8B030D-6E8A-4147-A177-3AD203B41FA5}">
-                      <a16:colId xmlns="" xmlns:a16="http://schemas.microsoft.com/office/drawing/2014/main" val="20000"/>
-                    </a:ext>
-                  </a:extLst>
-                </a:gridCol>
-                <a:gridCol w="1524000">
-                  <a:extLst>
-                    <a:ext uri="{9D8B030D-6E8A-4147-A177-3AD203B41FA5}">
-                      <a16:colId xmlns="" xmlns:a16="http://schemas.microsoft.com/office/drawing/2014/main" val="20001"/>
-                    </a:ext>
-                  </a:extLst>
-                </a:gridCol>
-                <a:gridCol w="1524000">
-                  <a:extLst>
-                    <a:ext uri="{9D8B030D-6E8A-4147-A177-3AD203B41FA5}">
-                      <a16:colId xmlns="" xmlns:a16="http://schemas.microsoft.com/office/drawing/2014/main" val="20002"/>
-                    </a:ext>
-                  </a:extLst>
-                </a:gridCol>
-              </a:tblGrid>
-              <a:tr h="557540">
-                <a:tc>
-                  <a:txBody>
-                    <a:bodyPr/>
-                    <a:lstStyle/>
-                    <a:p>
-                      <a:endParaRPr lang="zh-CN" dirty="0">
-                        <a:latin typeface="微软雅黑" panose="020B0503020204020204" pitchFamily="34" charset="-122"/>
-                        <a:ea typeface="微软雅黑" panose="020B0503020204020204" pitchFamily="34" charset="-122"/>
-                      </a:endParaRPr>
-                    </a:p>
-                  </a:txBody>
-                  <a:tcPr anchor="ctr"/>
-                </a:tc>
-                <a:tc>
-                  <a:txBody>
-                    <a:bodyPr/>
-                    <a:lstStyle/>
-                    <a:p>
-                      <a:pPr algn="ctr"/>
-                      <a:r>
-                        <a:rPr lang="zh-CN" dirty="0">
-                          <a:latin typeface="微软雅黑" panose="020B0503020204020204" pitchFamily="34" charset="-122"/>
-                          <a:ea typeface="微软雅黑" panose="020B0503020204020204" pitchFamily="34" charset="-122"/>
-                        </a:rPr>
-                        <a:t>组 A</a:t>
-                      </a:r>
-                    </a:p>
-                  </a:txBody>
-                  <a:tcPr anchor="ctr"/>
-                </a:tc>
-                <a:tc>
-                  <a:txBody>
-                    <a:bodyPr/>
-                    <a:lstStyle/>
-                    <a:p>
-                      <a:pPr algn="ctr"/>
-                      <a:r>
-                        <a:rPr lang="zh-CN">
-                          <a:latin typeface="微软雅黑" panose="020B0503020204020204" pitchFamily="34" charset="-122"/>
-                          <a:ea typeface="微软雅黑" panose="020B0503020204020204" pitchFamily="34" charset="-122"/>
-                        </a:rPr>
-                        <a:t>组  B</a:t>
-                      </a:r>
-                    </a:p>
-                  </a:txBody>
-                  <a:tcPr anchor="ctr"/>
-                </a:tc>
-                <a:extLst>
-                  <a:ext uri="{0D108BD9-81ED-4DB2-BD59-A6C34878D82A}">
-                    <a16:rowId xmlns="" xmlns:a16="http://schemas.microsoft.com/office/drawing/2014/main" val="10000"/>
-                  </a:ext>
-                </a:extLst>
-              </a:tr>
-              <a:tr h="557540">
-                <a:tc>
-                  <a:txBody>
-                    <a:bodyPr/>
-                    <a:lstStyle/>
-                    <a:p>
-                      <a:r>
-                        <a:rPr lang="zh-CN">
-                          <a:latin typeface="微软雅黑" panose="020B0503020204020204" pitchFamily="34" charset="-122"/>
-                          <a:ea typeface="微软雅黑" panose="020B0503020204020204" pitchFamily="34" charset="-122"/>
-                        </a:rPr>
-                        <a:t>类 1</a:t>
-                      </a:r>
-                    </a:p>
-                  </a:txBody>
-                  <a:tcPr anchor="ctr"/>
-                </a:tc>
-                <a:tc>
-                  <a:txBody>
-                    <a:bodyPr/>
-                    <a:lstStyle/>
-                    <a:p>
-                      <a:pPr algn="ctr"/>
-                      <a:r>
-                        <a:rPr lang="zh-CN">
-                          <a:latin typeface="微软雅黑" panose="020B0503020204020204" pitchFamily="34" charset="-122"/>
-                          <a:ea typeface="微软雅黑" panose="020B0503020204020204" pitchFamily="34" charset="-122"/>
-                        </a:rPr>
-                        <a:t>82</a:t>
-                      </a:r>
-                    </a:p>
-                  </a:txBody>
-                  <a:tcPr anchor="ctr"/>
-                </a:tc>
-                <a:tc>
-                  <a:txBody>
-                    <a:bodyPr/>
-                    <a:lstStyle/>
-                    <a:p>
-                      <a:pPr algn="ctr"/>
-                      <a:r>
-                        <a:rPr lang="zh-CN">
-                          <a:latin typeface="微软雅黑" panose="020B0503020204020204" pitchFamily="34" charset="-122"/>
-                          <a:ea typeface="微软雅黑" panose="020B0503020204020204" pitchFamily="34" charset="-122"/>
-                        </a:rPr>
-                        <a:t>95</a:t>
-                      </a:r>
-                    </a:p>
-                  </a:txBody>
-                  <a:tcPr anchor="ctr"/>
-                </a:tc>
-                <a:extLst>
-                  <a:ext uri="{0D108BD9-81ED-4DB2-BD59-A6C34878D82A}">
-                    <a16:rowId xmlns="" xmlns:a16="http://schemas.microsoft.com/office/drawing/2014/main" val="10001"/>
-                  </a:ext>
-                </a:extLst>
-              </a:tr>
-              <a:tr h="557540">
-                <a:tc>
-                  <a:txBody>
-                    <a:bodyPr/>
-                    <a:lstStyle/>
-                    <a:p>
-                      <a:r>
-                        <a:rPr lang="zh-CN">
-                          <a:latin typeface="微软雅黑" panose="020B0503020204020204" pitchFamily="34" charset="-122"/>
-                          <a:ea typeface="微软雅黑" panose="020B0503020204020204" pitchFamily="34" charset="-122"/>
-                        </a:rPr>
-                        <a:t>类 2</a:t>
-                      </a:r>
-                    </a:p>
-                  </a:txBody>
-                  <a:tcPr anchor="ctr"/>
-                </a:tc>
-                <a:tc>
-                  <a:txBody>
-                    <a:bodyPr/>
-                    <a:lstStyle/>
-                    <a:p>
-                      <a:pPr algn="ctr"/>
-                      <a:r>
-                        <a:rPr lang="zh-CN">
-                          <a:latin typeface="微软雅黑" panose="020B0503020204020204" pitchFamily="34" charset="-122"/>
-                          <a:ea typeface="微软雅黑" panose="020B0503020204020204" pitchFamily="34" charset="-122"/>
-                        </a:rPr>
-                        <a:t>76</a:t>
-                      </a:r>
-                    </a:p>
-                  </a:txBody>
-                  <a:tcPr anchor="ctr"/>
-                </a:tc>
-                <a:tc>
-                  <a:txBody>
-                    <a:bodyPr/>
-                    <a:lstStyle/>
-                    <a:p>
-                      <a:pPr algn="ctr"/>
-                      <a:r>
-                        <a:rPr lang="zh-CN">
-                          <a:latin typeface="微软雅黑" panose="020B0503020204020204" pitchFamily="34" charset="-122"/>
-                          <a:ea typeface="微软雅黑" panose="020B0503020204020204" pitchFamily="34" charset="-122"/>
-                        </a:rPr>
-                        <a:t>88</a:t>
-                      </a:r>
-                    </a:p>
-                  </a:txBody>
-                  <a:tcPr anchor="ctr"/>
-                </a:tc>
-                <a:extLst>
-                  <a:ext uri="{0D108BD9-81ED-4DB2-BD59-A6C34878D82A}">
-                    <a16:rowId xmlns="" xmlns:a16="http://schemas.microsoft.com/office/drawing/2014/main" val="10002"/>
-                  </a:ext>
-                </a:extLst>
-              </a:tr>
-              <a:tr h="557540">
-                <a:tc>
-                  <a:txBody>
-                    <a:bodyPr/>
-                    <a:lstStyle/>
-                    <a:p>
-                      <a:r>
-                        <a:rPr lang="zh-CN">
-                          <a:latin typeface="微软雅黑" panose="020B0503020204020204" pitchFamily="34" charset="-122"/>
-                          <a:ea typeface="微软雅黑" panose="020B0503020204020204" pitchFamily="34" charset="-122"/>
-                        </a:rPr>
-                        <a:t>类 3</a:t>
-                      </a:r>
-                    </a:p>
-                  </a:txBody>
-                  <a:tcPr anchor="ctr"/>
-                </a:tc>
-                <a:tc>
-                  <a:txBody>
-                    <a:bodyPr/>
-                    <a:lstStyle/>
-                    <a:p>
-                      <a:pPr algn="ctr"/>
-                      <a:r>
-                        <a:rPr lang="zh-CN">
-                          <a:latin typeface="微软雅黑" panose="020B0503020204020204" pitchFamily="34" charset="-122"/>
-                          <a:ea typeface="微软雅黑" panose="020B0503020204020204" pitchFamily="34" charset="-122"/>
-                        </a:rPr>
-                        <a:t>84</a:t>
-                      </a:r>
-                    </a:p>
-                  </a:txBody>
-                  <a:tcPr anchor="ctr"/>
-                </a:tc>
-                <a:tc>
-                  <a:txBody>
-                    <a:bodyPr/>
-                    <a:lstStyle/>
-                    <a:p>
-                      <a:pPr algn="ctr"/>
-                      <a:r>
-                        <a:rPr lang="zh-CN" dirty="0">
-                          <a:latin typeface="微软雅黑" panose="020B0503020204020204" pitchFamily="34" charset="-122"/>
-                          <a:ea typeface="微软雅黑" panose="020B0503020204020204" pitchFamily="34" charset="-122"/>
-                        </a:rPr>
-                        <a:t>90</a:t>
-                      </a:r>
-                    </a:p>
-                  </a:txBody>
-                  <a:tcPr anchor="ctr"/>
-                </a:tc>
-                <a:extLst>
-                  <a:ext uri="{0D108BD9-81ED-4DB2-BD59-A6C34878D82A}">
-                    <a16:rowId xmlns="" xmlns:a16="http://schemas.microsoft.com/office/drawing/2014/main" val="10003"/>
-                  </a:ext>
-                </a:extLst>
-              </a:tr>
-            </a:tbl>
-          </a:graphicData>
-        </a:graphic>
-      </p:graphicFrame>
+              <a:rPr lang="zh-CN" altLang="en-US" dirty="0" smtClean="0"/>
+              <a:t>数据包路由</a:t>
+            </a:r>
+            <a:endParaRPr lang="zh-CN" altLang="en-US" dirty="0"/>
+          </a:p>
+        </p:txBody>
+      </p:sp>
+      <p:pic>
+        <p:nvPicPr>
+          <p:cNvPr id="10242" name="Picture 2"/>
+          <p:cNvPicPr>
+            <a:picLocks noGrp="1" noChangeAspect="1" noChangeArrowheads="1"/>
+          </p:cNvPicPr>
+          <p:nvPr>
+            <p:ph idx="1"/>
+          </p:nvPr>
+        </p:nvPicPr>
+        <p:blipFill>
+          <a:blip r:embed="rId2">
+            <a:extLst>
+              <a:ext uri="{28A0092B-C50C-407E-A947-70E740481C1C}">
+                <a14:useLocalDpi xmlns:a14="http://schemas.microsoft.com/office/drawing/2010/main" val="0"/>
+              </a:ext>
+            </a:extLst>
+          </a:blip>
+          <a:srcRect/>
+          <a:stretch>
+            <a:fillRect/>
+          </a:stretch>
+        </p:blipFill>
+        <p:spPr bwMode="auto">
+          <a:xfrm>
+            <a:off x="2422991" y="1573213"/>
+            <a:ext cx="7347606" cy="4141787"/>
+          </a:xfrm>
+          <a:prstGeom prst="rect">
+            <a:avLst/>
+          </a:prstGeom>
+          <a:noFill/>
+          <a:ln>
+            <a:noFill/>
+          </a:ln>
+          <a:effectLst/>
+          <a:extLst>
+            <a:ext uri="{909E8E84-426E-40DD-AFC4-6F175D3DCCD1}">
+              <a14:hiddenFill xmlns:a14="http://schemas.microsoft.com/office/drawing/2010/main">
+                <a:solidFill>
+                  <a:schemeClr val="accent1"/>
+                </a:solidFill>
+              </a14:hiddenFill>
+            </a:ext>
+            <a:ext uri="{91240B29-F687-4F45-9708-019B960494DF}">
+              <a14:hiddenLine xmlns:a14="http://schemas.microsoft.com/office/drawing/2010/main" w="9525">
+                <a:solidFill>
+                  <a:schemeClr val="tx1"/>
+                </a:solidFill>
+                <a:miter lim="800000"/>
+                <a:headEnd/>
+                <a:tailEnd/>
+              </a14:hiddenLine>
+            </a:ext>
+            <a:ext uri="{AF507438-7753-43E0-B8FC-AC1667EBCBE1}">
+              <a14:hiddenEffects xmlns:a14="http://schemas.microsoft.com/office/drawing/2010/main">
+                <a:effectLst>
+                  <a:outerShdw dist="35921" dir="2700000" algn="ctr" rotWithShape="0">
+                    <a:schemeClr val="bg2"/>
+                  </a:outerShdw>
+                </a:effectLst>
+              </a14:hiddenEffects>
+            </a:ext>
+          </a:extLst>
+        </p:spPr>
+      </p:pic>
     </p:spTree>
     <p:extLst>
       <p:ext uri="{BB962C8B-B14F-4D97-AF65-F5344CB8AC3E}">
-        <p14:creationId xmlns:p14="http://schemas.microsoft.com/office/powerpoint/2010/main" val="1952036268"/>
+        <p14:creationId xmlns:p14="http://schemas.microsoft.com/office/powerpoint/2010/main" val="941219692"/>
       </p:ext>
     </p:extLst>
   </p:cSld>
@@ -12193,13 +8517,6 @@
       </p:transition>
     </mc:Fallback>
   </mc:AlternateContent>
-  <p:timing>
-    <p:tnLst>
-      <p:par>
-        <p:cTn id="1" dur="indefinite" restart="never" nodeType="tmRoot"/>
-      </p:par>
-    </p:tnLst>
-  </p:timing>
 </p:sld>
 </file>
 
@@ -12276,8 +8593,20 @@
           </a:p>
           <a:p>
             <a:r>
-              <a:rPr lang="zh-CN" altLang="en-US" dirty="0" smtClean="0"/>
-              <a:t>同一个进程调用：</a:t>
+              <a:rPr lang="zh-CN" altLang="en-US" dirty="0"/>
+              <a:t>普</a:t>
+            </a:r>
+            <a:r>
+              <a:rPr lang="zh-CN" altLang="en-US" dirty="0" smtClean="0"/>
+              <a:t>通过程</a:t>
+            </a:r>
+            <a:r>
+              <a:rPr lang="zh-CN" altLang="en-US" dirty="0" smtClean="0"/>
+              <a:t>调</a:t>
+            </a:r>
+            <a:r>
+              <a:rPr lang="zh-CN" altLang="en-US" dirty="0" smtClean="0"/>
+              <a:t>用：</a:t>
             </a:r>
             <a:endParaRPr lang="en-US" altLang="zh-CN" dirty="0" smtClean="0"/>
           </a:p>
@@ -12447,9 +8776,14 @@
           <a:lstStyle/>
           <a:p>
             <a:r>
-              <a:rPr lang="zh-CN"/>
-              <a:t>两栏内容版式与 SmartArt</a:t>
-            </a:r>
+              <a:rPr lang="en-US" altLang="zh-CN" dirty="0" smtClean="0"/>
+              <a:t>Binder</a:t>
+            </a:r>
+            <a:r>
+              <a:rPr lang="zh-CN" altLang="en-US" dirty="0" smtClean="0"/>
+              <a:t>对传输数据大小的限制</a:t>
+            </a:r>
+            <a:endParaRPr lang="zh-CN" altLang="en-US" dirty="0"/>
           </a:p>
         </p:txBody>
       </p:sp>
@@ -12460,7 +8794,7 @@
             <a:spLocks noGrp="1"/>
           </p:cNvSpPr>
           <p:nvPr>
-            <p:ph sz="half" idx="1"/>
+            <p:ph idx="1"/>
           </p:nvPr>
         </p:nvSpPr>
         <p:spPr/>
@@ -12469,53 +8803,61 @@
           <a:lstStyle/>
           <a:p>
             <a:r>
-              <a:rPr lang="zh-CN"/>
-              <a:t>此处为第一个要点</a:t>
-            </a:r>
-          </a:p>
-          <a:p>
-            <a:r>
-              <a:rPr lang="zh-CN"/>
-              <a:t>此处为第二个要点</a:t>
-            </a:r>
-          </a:p>
-          <a:p>
-            <a:r>
-              <a:rPr lang="zh-CN"/>
-              <a:t>此处为第三个要点</a:t>
-            </a:r>
-          </a:p>
-        </p:txBody>
-      </p:sp>
-      <p:graphicFrame>
-        <p:nvGraphicFramePr>
-          <p:cNvPr id="7" name="内容占位符 6" descr="互连圆环" title="SmartArt"/>
-          <p:cNvGraphicFramePr>
-            <a:graphicFrameLocks noGrp="1"/>
-          </p:cNvGraphicFramePr>
-          <p:nvPr>
-            <p:ph sz="half" idx="2"/>
-            <p:extLst>
-              <p:ext uri="{D42A27DB-BD31-4B8C-83A1-F6EECF244321}">
-                <p14:modId xmlns:p14="http://schemas.microsoft.com/office/powerpoint/2010/main" val="1025077792"/>
-              </p:ext>
-            </p:extLst>
-          </p:nvPr>
-        </p:nvGraphicFramePr>
-        <p:xfrm>
-          <a:off x="6278563" y="1573213"/>
-          <a:ext cx="4572000" cy="4141787"/>
-        </p:xfrm>
-        <a:graphic>
-          <a:graphicData uri="http://schemas.openxmlformats.org/drawingml/2006/diagram">
-            <dgm:relIds xmlns:dgm="http://schemas.openxmlformats.org/drawingml/2006/diagram" xmlns:r="http://schemas.openxmlformats.org/officeDocument/2006/relationships" r:dm="rId2" r:lo="rId3" r:qs="rId4" r:cs="rId5"/>
-          </a:graphicData>
-        </a:graphic>
-      </p:graphicFrame>
+              <a:rPr lang="zh-CN" altLang="en-US" dirty="0" smtClean="0"/>
+              <a:t>数据大小限制：</a:t>
+            </a:r>
+            <a:r>
+              <a:rPr lang="en-US" altLang="zh-CN" dirty="0" smtClean="0"/>
+              <a:t>1M – 8K = 1016K</a:t>
+            </a:r>
+          </a:p>
+          <a:p>
+            <a:r>
+              <a:rPr lang="zh-CN" altLang="en-US" dirty="0"/>
+              <a:t>超</a:t>
+            </a:r>
+            <a:r>
+              <a:rPr lang="zh-CN" altLang="en-US" dirty="0" smtClean="0"/>
+              <a:t>出这个大小将抛异常：</a:t>
+            </a:r>
+            <a:r>
+              <a:rPr lang="en-US" altLang="zh-CN" dirty="0"/>
+              <a:t> </a:t>
+            </a:r>
+            <a:r>
+              <a:rPr lang="en-US" altLang="zh-CN" dirty="0" smtClean="0"/>
+              <a:t>TransactionTooLargeException</a:t>
+            </a:r>
+          </a:p>
+          <a:p>
+            <a:r>
+              <a:rPr lang="zh-CN" altLang="en-US" dirty="0">
+                <a:solidFill>
+                  <a:srgbClr val="FF6600"/>
+                </a:solidFill>
+              </a:rPr>
+              <a:t>怎</a:t>
+            </a:r>
+            <a:r>
+              <a:rPr lang="zh-CN" altLang="en-US" dirty="0" smtClean="0">
+                <a:solidFill>
+                  <a:srgbClr val="FF6600"/>
+                </a:solidFill>
+              </a:rPr>
+              <a:t>么跨进程传输大数据？</a:t>
+            </a:r>
+            <a:endParaRPr lang="zh-CN" altLang="en-US" dirty="0">
+              <a:solidFill>
+                <a:srgbClr val="FF6600"/>
+              </a:solidFill>
+            </a:endParaRPr>
+          </a:p>
+        </p:txBody>
+      </p:sp>
     </p:spTree>
     <p:extLst>
       <p:ext uri="{BB962C8B-B14F-4D97-AF65-F5344CB8AC3E}">
-        <p14:creationId xmlns:p14="http://schemas.microsoft.com/office/powerpoint/2010/main" val="1441075798"/>
+        <p14:creationId xmlns:p14="http://schemas.microsoft.com/office/powerpoint/2010/main" val="774023347"/>
       </p:ext>
     </p:extLst>
   </p:cSld>
@@ -12534,13 +8876,6 @@
       </p:transition>
     </mc:Fallback>
   </mc:AlternateContent>
-  <p:timing>
-    <p:tnLst>
-      <p:par>
-        <p:cTn id="1" dur="indefinite" restart="never" nodeType="tmRoot"/>
-      </p:par>
-    </p:tnLst>
-  </p:timing>
 </p:sld>
 </file>
 
@@ -12576,33 +8911,84 @@
           <a:bodyPr/>
           <a:lstStyle/>
           <a:p>
-            <a:endParaRPr lang="zh-CN" dirty="0"/>
-          </a:p>
-        </p:txBody>
-      </p:sp>
-      <p:sp>
-        <p:nvSpPr>
-          <p:cNvPr id="3" name="文本占位符 2"/>
-          <p:cNvSpPr>
-            <a:spLocks noGrp="1"/>
-          </p:cNvSpPr>
-          <p:nvPr>
-            <p:ph type="body" idx="1"/>
-          </p:nvPr>
-        </p:nvSpPr>
-        <p:spPr/>
-        <p:txBody>
-          <a:bodyPr/>
-          <a:lstStyle/>
-          <a:p>
-            <a:endParaRPr lang="zh-CN" dirty="0"/>
-          </a:p>
-        </p:txBody>
-      </p:sp>
+            <a:r>
+              <a:rPr lang="zh-CN" altLang="en-US" dirty="0" smtClean="0"/>
+              <a:t>匿名共享内存原理</a:t>
+            </a:r>
+            <a:endParaRPr lang="zh-CN" altLang="en-US" dirty="0"/>
+          </a:p>
+        </p:txBody>
+      </p:sp>
+      <p:pic>
+        <p:nvPicPr>
+          <p:cNvPr id="12290" name="Picture 2"/>
+          <p:cNvPicPr>
+            <a:picLocks noGrp="1" noChangeAspect="1" noChangeArrowheads="1"/>
+          </p:cNvPicPr>
+          <p:nvPr>
+            <p:ph idx="1"/>
+          </p:nvPr>
+        </p:nvPicPr>
+        <p:blipFill>
+          <a:blip r:embed="rId2">
+            <a:extLst>
+              <a:ext uri="{28A0092B-C50C-407E-A947-70E740481C1C}">
+                <a14:useLocalDpi xmlns:a14="http://schemas.microsoft.com/office/drawing/2010/main" val="0"/>
+              </a:ext>
+            </a:extLst>
+          </a:blip>
+          <a:srcRect/>
+          <a:stretch>
+            <a:fillRect/>
+          </a:stretch>
+        </p:blipFill>
+        <p:spPr bwMode="auto">
+          <a:xfrm>
+            <a:off x="2825765" y="1546837"/>
+            <a:ext cx="6540470" cy="4461244"/>
+          </a:xfrm>
+          <a:prstGeom prst="rect">
+            <a:avLst/>
+          </a:prstGeom>
+          <a:noFill/>
+          <a:ln>
+            <a:noFill/>
+          </a:ln>
+          <a:effectLst/>
+          <a:extLst>
+            <a:ext uri="{909E8E84-426E-40DD-AFC4-6F175D3DCCD1}">
+              <a14:hiddenFill xmlns:a14="http://schemas.microsoft.com/office/drawing/2010/main">
+                <a:solidFill>
+                  <a:schemeClr val="accent1"/>
+                </a:solidFill>
+              </a14:hiddenFill>
+            </a:ext>
+            <a:ext uri="{91240B29-F687-4F45-9708-019B960494DF}">
+              <a14:hiddenLine xmlns:a14="http://schemas.microsoft.com/office/drawing/2010/main" w="9525">
+                <a:solidFill>
+                  <a:schemeClr val="tx1"/>
+                </a:solidFill>
+                <a:miter lim="800000"/>
+                <a:headEnd/>
+                <a:tailEnd/>
+              </a14:hiddenLine>
+            </a:ext>
+            <a:ext uri="{AF507438-7753-43E0-B8FC-AC1667EBCBE1}">
+              <a14:hiddenEffects xmlns:a14="http://schemas.microsoft.com/office/drawing/2010/main">
+                <a:effectLst>
+                  <a:outerShdw dist="35921" dir="2700000" algn="ctr" rotWithShape="0">
+                    <a:schemeClr val="bg2"/>
+                  </a:outerShdw>
+                </a:effectLst>
+              </a14:hiddenEffects>
+            </a:ext>
+          </a:extLst>
+        </p:spPr>
+      </p:pic>
     </p:spTree>
     <p:extLst>
       <p:ext uri="{BB962C8B-B14F-4D97-AF65-F5344CB8AC3E}">
-        <p14:creationId xmlns:p14="http://schemas.microsoft.com/office/powerpoint/2010/main" val="2255057593"/>
+        <p14:creationId xmlns:p14="http://schemas.microsoft.com/office/powerpoint/2010/main" val="2161442711"/>
       </p:ext>
     </p:extLst>
   </p:cSld>
@@ -12621,13 +9007,6 @@
       </p:transition>
     </mc:Fallback>
   </mc:AlternateContent>
-  <p:timing>
-    <p:tnLst>
-      <p:par>
-        <p:cTn id="1" dur="indefinite" restart="never" nodeType="tmRoot"/>
-      </p:par>
-    </p:tnLst>
-  </p:timing>
 </p:sld>
 </file>
 
@@ -12650,12 +9029,12 @@
       </p:grpSpPr>
       <p:sp>
         <p:nvSpPr>
-          <p:cNvPr id="2" name="文本占位符 1"/>
-          <p:cNvSpPr>
-            <a:spLocks noGrp="1"/>
-          </p:cNvSpPr>
-          <p:nvPr>
-            <p:ph type="body" idx="1"/>
+          <p:cNvPr id="2" name="标题 1"/>
+          <p:cNvSpPr>
+            <a:spLocks noGrp="1"/>
+          </p:cNvSpPr>
+          <p:nvPr>
+            <p:ph type="title"/>
           </p:nvPr>
         </p:nvSpPr>
         <p:spPr/>
@@ -12663,313 +9042,47 @@
           <a:bodyPr/>
           <a:lstStyle/>
           <a:p>
-            <a:endParaRPr lang="zh-CN"/>
-          </a:p>
-        </p:txBody>
-      </p:sp>
-      <p:sp>
-        <p:nvSpPr>
-          <p:cNvPr id="3" name="内容占位符 2"/>
-          <p:cNvSpPr>
-            <a:spLocks noGrp="1"/>
-          </p:cNvSpPr>
-          <p:nvPr>
-            <p:ph sz="half" idx="2"/>
-          </p:nvPr>
-        </p:nvSpPr>
+            <a:r>
+              <a:rPr lang="en-US" altLang="zh-CN" dirty="0" smtClean="0"/>
+              <a:t>Thank you </a:t>
+            </a:r>
+            <a:r>
+              <a:rPr lang="en-US" altLang="zh-CN" dirty="0" smtClean="0"/>
+              <a:t>!</a:t>
+            </a:r>
+            <a:endParaRPr lang="zh-CN" dirty="0"/>
+          </a:p>
+        </p:txBody>
+      </p:sp>
+      <p:pic>
+        <p:nvPicPr>
+          <p:cNvPr id="7" name="图片占位符 6" descr="白色沙滩上的花朵、海星和贝壳的特写" title="Beach photo"/>
+          <p:cNvPicPr>
+            <a:picLocks noGrp="1" noChangeAspect="1"/>
+          </p:cNvPicPr>
+          <p:nvPr>
+            <p:ph type="pic" idx="1"/>
+          </p:nvPr>
+        </p:nvPicPr>
+        <p:blipFill>
+          <a:blip r:embed="rId2" cstate="print">
+            <a:extLst>
+              <a:ext uri="{28A0092B-C50C-407E-A947-70E740481C1C}">
+                <a14:useLocalDpi xmlns:a14="http://schemas.microsoft.com/office/drawing/2010/main" val="0"/>
+              </a:ext>
+            </a:extLst>
+          </a:blip>
+          <a:srcRect/>
+          <a:stretch>
+            <a:fillRect/>
+          </a:stretch>
+        </p:blipFill>
         <p:spPr/>
-        <p:txBody>
-          <a:bodyPr/>
-          <a:lstStyle/>
-          <a:p>
-            <a:endParaRPr lang="zh-CN"/>
-          </a:p>
-        </p:txBody>
-      </p:sp>
-      <p:sp>
-        <p:nvSpPr>
-          <p:cNvPr id="4" name="文本占位符 3"/>
-          <p:cNvSpPr>
-            <a:spLocks noGrp="1"/>
-          </p:cNvSpPr>
-          <p:nvPr>
-            <p:ph type="body" sz="quarter" idx="3"/>
-          </p:nvPr>
-        </p:nvSpPr>
-        <p:spPr/>
-        <p:txBody>
-          <a:bodyPr/>
-          <a:lstStyle/>
-          <a:p>
-            <a:endParaRPr lang="zh-CN"/>
-          </a:p>
-        </p:txBody>
-      </p:sp>
-      <p:sp>
-        <p:nvSpPr>
-          <p:cNvPr id="5" name="内容占位符 4"/>
-          <p:cNvSpPr>
-            <a:spLocks noGrp="1"/>
-          </p:cNvSpPr>
-          <p:nvPr>
-            <p:ph sz="quarter" idx="4"/>
-          </p:nvPr>
-        </p:nvSpPr>
-        <p:spPr/>
-        <p:txBody>
-          <a:bodyPr/>
-          <a:lstStyle/>
-          <a:p>
-            <a:endParaRPr lang="zh-CN"/>
-          </a:p>
-        </p:txBody>
-      </p:sp>
-      <p:sp>
-        <p:nvSpPr>
-          <p:cNvPr id="6" name="标题 5"/>
-          <p:cNvSpPr>
-            <a:spLocks noGrp="1"/>
-          </p:cNvSpPr>
-          <p:nvPr>
-            <p:ph type="title"/>
-          </p:nvPr>
-        </p:nvSpPr>
-        <p:spPr/>
-        <p:txBody>
-          <a:bodyPr/>
-          <a:lstStyle/>
-          <a:p>
-            <a:endParaRPr lang="zh-CN" dirty="0"/>
-          </a:p>
-        </p:txBody>
-      </p:sp>
+      </p:pic>
     </p:spTree>
     <p:extLst>
       <p:ext uri="{BB962C8B-B14F-4D97-AF65-F5344CB8AC3E}">
-        <p14:creationId xmlns:p14="http://schemas.microsoft.com/office/powerpoint/2010/main" val="212726890"/>
-      </p:ext>
-    </p:extLst>
-  </p:cSld>
-  <p:clrMapOvr>
-    <a:masterClrMapping/>
-  </p:clrMapOvr>
-  <mc:AlternateContent xmlns:mc="http://schemas.openxmlformats.org/markup-compatibility/2006" xmlns:p14="http://schemas.microsoft.com/office/powerpoint/2010/main">
-    <mc:Choice Requires="p14">
-      <p:transition spd="med" p14:dur="700">
-        <p:fade/>
-      </p:transition>
-    </mc:Choice>
-    <mc:Fallback xmlns="">
-      <p:transition spd="med">
-        <p:fade/>
-      </p:transition>
-    </mc:Fallback>
-  </mc:AlternateContent>
-  <p:timing>
-    <p:tnLst>
-      <p:par>
-        <p:cTn id="1" dur="indefinite" restart="never" nodeType="tmRoot"/>
-      </p:par>
-    </p:tnLst>
-  </p:timing>
-</p:sld>
-</file>
-
-<file path=ppt/slides/slide33.xml><?xml version="1.0" encoding="utf-8"?>
-<p:sld xmlns:a="http://schemas.openxmlformats.org/drawingml/2006/main" xmlns:r="http://schemas.openxmlformats.org/officeDocument/2006/relationships" xmlns:p="http://schemas.openxmlformats.org/presentationml/2006/main">
-  <p:cSld>
-    <p:spTree>
-      <p:nvGrpSpPr>
-        <p:cNvPr id="1" name=""/>
-        <p:cNvGrpSpPr/>
-        <p:nvPr/>
-      </p:nvGrpSpPr>
-      <p:grpSpPr>
-        <a:xfrm>
-          <a:off x="0" y="0"/>
-          <a:ext cx="0" cy="0"/>
-          <a:chOff x="0" y="0"/>
-          <a:chExt cx="0" cy="0"/>
-        </a:xfrm>
-      </p:grpSpPr>
-      <p:sp>
-        <p:nvSpPr>
-          <p:cNvPr id="2" name="标题 1"/>
-          <p:cNvSpPr>
-            <a:spLocks noGrp="1"/>
-          </p:cNvSpPr>
-          <p:nvPr>
-            <p:ph type="title"/>
-          </p:nvPr>
-        </p:nvSpPr>
-        <p:spPr/>
-        <p:txBody>
-          <a:bodyPr/>
-          <a:lstStyle/>
-          <a:p>
-            <a:endParaRPr lang="zh-CN" dirty="0"/>
-          </a:p>
-        </p:txBody>
-      </p:sp>
-    </p:spTree>
-    <p:extLst>
-      <p:ext uri="{BB962C8B-B14F-4D97-AF65-F5344CB8AC3E}">
-        <p14:creationId xmlns:p14="http://schemas.microsoft.com/office/powerpoint/2010/main" val="1689357796"/>
-      </p:ext>
-    </p:extLst>
-  </p:cSld>
-  <p:clrMapOvr>
-    <a:masterClrMapping/>
-  </p:clrMapOvr>
-  <mc:AlternateContent xmlns:mc="http://schemas.openxmlformats.org/markup-compatibility/2006" xmlns:p14="http://schemas.microsoft.com/office/powerpoint/2010/main">
-    <mc:Choice Requires="p14">
-      <p:transition spd="med" p14:dur="700">
-        <p:fade/>
-      </p:transition>
-    </mc:Choice>
-    <mc:Fallback xmlns="">
-      <p:transition spd="med">
-        <p:fade/>
-      </p:transition>
-    </mc:Fallback>
-  </mc:AlternateContent>
-  <p:timing>
-    <p:tnLst>
-      <p:par>
-        <p:cTn id="1" dur="indefinite" restart="never" nodeType="tmRoot"/>
-      </p:par>
-    </p:tnLst>
-  </p:timing>
-</p:sld>
-</file>
-
-<file path=ppt/slides/slide34.xml><?xml version="1.0" encoding="utf-8"?>
-<p:sld xmlns:a="http://schemas.openxmlformats.org/drawingml/2006/main" xmlns:r="http://schemas.openxmlformats.org/officeDocument/2006/relationships" xmlns:p="http://schemas.openxmlformats.org/presentationml/2006/main">
-  <p:cSld>
-    <p:spTree>
-      <p:nvGrpSpPr>
-        <p:cNvPr id="1" name=""/>
-        <p:cNvGrpSpPr/>
-        <p:nvPr/>
-      </p:nvGrpSpPr>
-      <p:grpSpPr>
-        <a:xfrm>
-          <a:off x="0" y="0"/>
-          <a:ext cx="0" cy="0"/>
-          <a:chOff x="0" y="0"/>
-          <a:chExt cx="0" cy="0"/>
-        </a:xfrm>
-      </p:grpSpPr>
-    </p:spTree>
-    <p:extLst>
-      <p:ext uri="{BB962C8B-B14F-4D97-AF65-F5344CB8AC3E}">
-        <p14:creationId xmlns:p14="http://schemas.microsoft.com/office/powerpoint/2010/main" val="428241947"/>
-      </p:ext>
-    </p:extLst>
-  </p:cSld>
-  <p:clrMapOvr>
-    <a:masterClrMapping/>
-  </p:clrMapOvr>
-  <mc:AlternateContent xmlns:mc="http://schemas.openxmlformats.org/markup-compatibility/2006" xmlns:p14="http://schemas.microsoft.com/office/powerpoint/2010/main">
-    <mc:Choice Requires="p14">
-      <p:transition spd="med" p14:dur="700">
-        <p:fade/>
-      </p:transition>
-    </mc:Choice>
-    <mc:Fallback xmlns="">
-      <p:transition spd="med">
-        <p:fade/>
-      </p:transition>
-    </mc:Fallback>
-  </mc:AlternateContent>
-  <p:timing>
-    <p:tnLst>
-      <p:par>
-        <p:cTn id="1" dur="indefinite" restart="never" nodeType="tmRoot"/>
-      </p:par>
-    </p:tnLst>
-  </p:timing>
-</p:sld>
-</file>
-
-<file path=ppt/slides/slide35.xml><?xml version="1.0" encoding="utf-8"?>
-<p:sld xmlns:a="http://schemas.openxmlformats.org/drawingml/2006/main" xmlns:r="http://schemas.openxmlformats.org/officeDocument/2006/relationships" xmlns:p="http://schemas.openxmlformats.org/presentationml/2006/main">
-  <p:cSld>
-    <p:spTree>
-      <p:nvGrpSpPr>
-        <p:cNvPr id="1" name=""/>
-        <p:cNvGrpSpPr/>
-        <p:nvPr/>
-      </p:nvGrpSpPr>
-      <p:grpSpPr>
-        <a:xfrm>
-          <a:off x="0" y="0"/>
-          <a:ext cx="0" cy="0"/>
-          <a:chOff x="0" y="0"/>
-          <a:chExt cx="0" cy="0"/>
-        </a:xfrm>
-      </p:grpSpPr>
-      <p:sp>
-        <p:nvSpPr>
-          <p:cNvPr id="2" name="标题 1"/>
-          <p:cNvSpPr>
-            <a:spLocks noGrp="1"/>
-          </p:cNvSpPr>
-          <p:nvPr>
-            <p:ph type="title"/>
-          </p:nvPr>
-        </p:nvSpPr>
-        <p:spPr/>
-        <p:txBody>
-          <a:bodyPr/>
-          <a:lstStyle/>
-          <a:p>
-            <a:endParaRPr lang="zh-CN" dirty="0"/>
-          </a:p>
-        </p:txBody>
-      </p:sp>
-      <p:sp>
-        <p:nvSpPr>
-          <p:cNvPr id="3" name="内容占位符 2"/>
-          <p:cNvSpPr>
-            <a:spLocks noGrp="1"/>
-          </p:cNvSpPr>
-          <p:nvPr>
-            <p:ph idx="1"/>
-          </p:nvPr>
-        </p:nvSpPr>
-        <p:spPr/>
-        <p:txBody>
-          <a:bodyPr/>
-          <a:lstStyle/>
-          <a:p>
-            <a:endParaRPr lang="zh-CN"/>
-          </a:p>
-        </p:txBody>
-      </p:sp>
-      <p:sp>
-        <p:nvSpPr>
-          <p:cNvPr id="4" name="文本占位符 3"/>
-          <p:cNvSpPr>
-            <a:spLocks noGrp="1"/>
-          </p:cNvSpPr>
-          <p:nvPr>
-            <p:ph type="body" sz="half" idx="2"/>
-          </p:nvPr>
-        </p:nvSpPr>
-        <p:spPr/>
-        <p:txBody>
-          <a:bodyPr/>
-          <a:lstStyle/>
-          <a:p>
-            <a:endParaRPr lang="zh-CN"/>
-          </a:p>
-        </p:txBody>
-      </p:sp>
-    </p:spTree>
-    <p:extLst>
-      <p:ext uri="{BB962C8B-B14F-4D97-AF65-F5344CB8AC3E}">
-        <p14:creationId xmlns:p14="http://schemas.microsoft.com/office/powerpoint/2010/main" val="161801657"/>
+        <p14:creationId xmlns:p14="http://schemas.microsoft.com/office/powerpoint/2010/main" val="361883921"/>
       </p:ext>
     </p:extLst>
   </p:cSld>
@@ -13149,7 +9262,11 @@
           <a:p>
             <a:r>
               <a:rPr lang="zh-CN" altLang="en-US" dirty="0" smtClean="0"/>
-              <a:t>进程间通知机制</a:t>
+              <a:t>进程间通知机</a:t>
+            </a:r>
+            <a:r>
+              <a:rPr lang="zh-CN" altLang="en-US" dirty="0" smtClean="0"/>
+              <a:t>制</a:t>
             </a:r>
             <a:r>
               <a:rPr lang="en-US" altLang="zh-CN" dirty="0" smtClean="0"/>
@@ -13340,7 +9457,19 @@
             </a:r>
             <a:r>
               <a:rPr lang="zh-CN" altLang="en-US" dirty="0" smtClean="0"/>
-              <a:t>与用户空间交互</a:t>
+              <a:t>与用户空</a:t>
+            </a:r>
+            <a:r>
+              <a:rPr lang="zh-CN" altLang="en-US" dirty="0" smtClean="0"/>
+              <a:t>间</a:t>
+            </a:r>
+            <a:r>
+              <a:rPr lang="zh-CN" altLang="en-US" dirty="0"/>
+              <a:t>进</a:t>
+            </a:r>
+            <a:r>
+              <a:rPr lang="zh-CN" altLang="en-US" dirty="0" smtClean="0"/>
+              <a:t>行数据传输</a:t>
             </a:r>
             <a:endParaRPr lang="en-US" altLang="zh-CN" dirty="0" smtClean="0"/>
           </a:p>
@@ -13402,34 +9531,103 @@
           <a:chExt cx="0" cy="0"/>
         </a:xfrm>
       </p:grpSpPr>
+      <p:sp>
+        <p:nvSpPr>
+          <p:cNvPr id="2" name="标题 1"/>
+          <p:cNvSpPr>
+            <a:spLocks noGrp="1"/>
+          </p:cNvSpPr>
+          <p:nvPr>
+            <p:ph type="title"/>
+          </p:nvPr>
+        </p:nvSpPr>
+        <p:spPr/>
+        <p:txBody>
+          <a:bodyPr/>
+          <a:lstStyle/>
+          <a:p>
+            <a:r>
+              <a:rPr lang="zh-CN" altLang="en-US" dirty="0"/>
+              <a:t>内</a:t>
+            </a:r>
+            <a:r>
+              <a:rPr lang="zh-CN" altLang="en-US" dirty="0" smtClean="0"/>
+              <a:t>核空间和用户空间</a:t>
+            </a:r>
+            <a:endParaRPr lang="zh-CN" altLang="en-US" dirty="0"/>
+          </a:p>
+        </p:txBody>
+      </p:sp>
       <p:pic>
         <p:nvPicPr>
-          <p:cNvPr id="8" name="图片 7"/>
+          <p:cNvPr id="13314" name="Picture 2"/>
           <p:cNvPicPr>
-            <a:picLocks noChangeAspect="1"/>
+            <a:picLocks noGrp="1" noChangeAspect="1" noChangeArrowheads="1"/>
           </p:cNvPicPr>
-          <p:nvPr/>
+          <p:nvPr>
+            <p:ph idx="1"/>
+          </p:nvPr>
         </p:nvPicPr>
         <p:blipFill>
-          <a:blip r:embed="rId2"/>
+          <a:blip r:embed="rId2">
+            <a:extLst>
+              <a:ext uri="{28A0092B-C50C-407E-A947-70E740481C1C}">
+                <a14:useLocalDpi xmlns:a14="http://schemas.microsoft.com/office/drawing/2010/main" val="0"/>
+              </a:ext>
+            </a:extLst>
+          </a:blip>
+          <a:srcRect/>
           <a:stretch>
             <a:fillRect/>
           </a:stretch>
         </p:blipFill>
-        <p:spPr>
+        <p:spPr bwMode="auto">
           <a:xfrm>
-            <a:off x="2232692" y="110134"/>
-            <a:ext cx="7726616" cy="5820085"/>
+            <a:off x="3077876" y="1467708"/>
+            <a:ext cx="6036248" cy="4546229"/>
           </a:xfrm>
           <a:prstGeom prst="rect">
             <a:avLst/>
           </a:prstGeom>
+          <a:noFill/>
+          <a:ln>
+            <a:noFill/>
+          </a:ln>
+          <a:effectLst/>
+          <a:extLst>
+            <a:ext uri="{909E8E84-426E-40DD-AFC4-6F175D3DCCD1}">
+              <a14:hiddenFill xmlns:a14="http://schemas.microsoft.com/office/drawing/2010/main">
+                <a:solidFill>
+                  <a:schemeClr val="accent1"/>
+                </a:solidFill>
+              </a14:hiddenFill>
+            </a:ext>
+            <a:ext uri="{91240B29-F687-4F45-9708-019B960494DF}">
+              <a14:hiddenLine xmlns:a14="http://schemas.microsoft.com/office/drawing/2010/main" w="9525">
+                <a:solidFill>
+                  <a:schemeClr val="tx1"/>
+                </a:solidFill>
+                <a:miter lim="800000"/>
+                <a:headEnd/>
+                <a:tailEnd/>
+              </a14:hiddenLine>
+            </a:ext>
+            <a:ext uri="{AF507438-7753-43E0-B8FC-AC1667EBCBE1}">
+              <a14:hiddenEffects xmlns:a14="http://schemas.microsoft.com/office/drawing/2010/main">
+                <a:effectLst>
+                  <a:outerShdw dist="35921" dir="2700000" algn="ctr" rotWithShape="0">
+                    <a:schemeClr val="bg2"/>
+                  </a:outerShdw>
+                </a:effectLst>
+              </a14:hiddenEffects>
+            </a:ext>
+          </a:extLst>
         </p:spPr>
       </p:pic>
     </p:spTree>
     <p:extLst>
       <p:ext uri="{BB962C8B-B14F-4D97-AF65-F5344CB8AC3E}">
-        <p14:creationId xmlns:p14="http://schemas.microsoft.com/office/powerpoint/2010/main" val="400386541"/>
+        <p14:creationId xmlns:p14="http://schemas.microsoft.com/office/powerpoint/2010/main" val="3667901126"/>
       </p:ext>
     </p:extLst>
   </p:cSld>
@@ -13448,13 +9646,6 @@
       </p:transition>
     </mc:Fallback>
   </mc:AlternateContent>
-  <p:timing>
-    <p:tnLst>
-      <p:par>
-        <p:cTn id="1" dur="indefinite" restart="never" nodeType="tmRoot"/>
-      </p:par>
-    </p:tnLst>
-  </p:timing>
 </p:sld>
 </file>
 
@@ -13475,34 +9666,99 @@
           <a:chExt cx="0" cy="0"/>
         </a:xfrm>
       </p:grpSpPr>
+      <p:sp>
+        <p:nvSpPr>
+          <p:cNvPr id="2" name="标题 1"/>
+          <p:cNvSpPr>
+            <a:spLocks noGrp="1"/>
+          </p:cNvSpPr>
+          <p:nvPr>
+            <p:ph type="title"/>
+          </p:nvPr>
+        </p:nvSpPr>
+        <p:spPr/>
+        <p:txBody>
+          <a:bodyPr/>
+          <a:lstStyle/>
+          <a:p>
+            <a:r>
+              <a:rPr lang="zh-CN" altLang="en-US" dirty="0" smtClean="0"/>
+              <a:t>进程间数据拷贝</a:t>
+            </a:r>
+            <a:endParaRPr lang="zh-CN" altLang="en-US" dirty="0"/>
+          </a:p>
+        </p:txBody>
+      </p:sp>
       <p:pic>
         <p:nvPicPr>
-          <p:cNvPr id="5" name="图片 4"/>
+          <p:cNvPr id="14338" name="Picture 2"/>
           <p:cNvPicPr>
-            <a:picLocks noChangeAspect="1"/>
+            <a:picLocks noGrp="1" noChangeAspect="1" noChangeArrowheads="1"/>
           </p:cNvPicPr>
-          <p:nvPr/>
+          <p:nvPr>
+            <p:ph idx="1"/>
+          </p:nvPr>
         </p:nvPicPr>
         <p:blipFill>
-          <a:blip r:embed="rId2"/>
+          <a:blip r:embed="rId2">
+            <a:extLst>
+              <a:ext uri="{28A0092B-C50C-407E-A947-70E740481C1C}">
+                <a14:useLocalDpi xmlns:a14="http://schemas.microsoft.com/office/drawing/2010/main" val="0"/>
+              </a:ext>
+            </a:extLst>
+          </a:blip>
+          <a:srcRect/>
           <a:stretch>
             <a:fillRect/>
           </a:stretch>
         </p:blipFill>
-        <p:spPr>
+        <p:spPr bwMode="auto">
           <a:xfrm>
-            <a:off x="2566852" y="117567"/>
-            <a:ext cx="7058296" cy="5880782"/>
+            <a:off x="3347446" y="1458916"/>
+            <a:ext cx="5497109" cy="4580925"/>
           </a:xfrm>
           <a:prstGeom prst="rect">
             <a:avLst/>
           </a:prstGeom>
+          <a:noFill/>
+          <a:ln>
+            <a:noFill/>
+          </a:ln>
+          <a:effectLst/>
+          <a:extLst>
+            <a:ext uri="{909E8E84-426E-40DD-AFC4-6F175D3DCCD1}">
+              <a14:hiddenFill xmlns:a14="http://schemas.microsoft.com/office/drawing/2010/main">
+                <a:solidFill>
+                  <a:schemeClr val="accent1"/>
+                </a:solidFill>
+              </a14:hiddenFill>
+            </a:ext>
+            <a:ext uri="{91240B29-F687-4F45-9708-019B960494DF}">
+              <a14:hiddenLine xmlns:a14="http://schemas.microsoft.com/office/drawing/2010/main" w="9525">
+                <a:solidFill>
+                  <a:schemeClr val="tx1"/>
+                </a:solidFill>
+                <a:miter lim="800000"/>
+                <a:headEnd/>
+                <a:tailEnd/>
+              </a14:hiddenLine>
+            </a:ext>
+            <a:ext uri="{AF507438-7753-43E0-B8FC-AC1667EBCBE1}">
+              <a14:hiddenEffects xmlns:a14="http://schemas.microsoft.com/office/drawing/2010/main">
+                <a:effectLst>
+                  <a:outerShdw dist="35921" dir="2700000" algn="ctr" rotWithShape="0">
+                    <a:schemeClr val="bg2"/>
+                  </a:outerShdw>
+                </a:effectLst>
+              </a14:hiddenEffects>
+            </a:ext>
+          </a:extLst>
         </p:spPr>
       </p:pic>
     </p:spTree>
     <p:extLst>
       <p:ext uri="{BB962C8B-B14F-4D97-AF65-F5344CB8AC3E}">
-        <p14:creationId xmlns:p14="http://schemas.microsoft.com/office/powerpoint/2010/main" val="1652966190"/>
+        <p14:creationId xmlns:p14="http://schemas.microsoft.com/office/powerpoint/2010/main" val="3220689408"/>
       </p:ext>
     </p:extLst>
   </p:cSld>
@@ -13521,13 +9777,6 @@
       </p:transition>
     </mc:Fallback>
   </mc:AlternateContent>
-  <p:timing>
-    <p:tnLst>
-      <p:par>
-        <p:cTn id="1" dur="indefinite" restart="never" nodeType="tmRoot"/>
-      </p:par>
-    </p:tnLst>
-  </p:timing>
 </p:sld>
 </file>
 

--- a/技术分享.pptx
+++ b/技术分享.pptx
@@ -5,10 +5,10 @@
     <p:sldMasterId id="2147483840" r:id="rId2"/>
   </p:sldMasterIdLst>
   <p:notesMasterIdLst>
-    <p:notesMasterId r:id="rId35"/>
+    <p:notesMasterId r:id="rId36"/>
   </p:notesMasterIdLst>
   <p:handoutMasterIdLst>
-    <p:handoutMasterId r:id="rId36"/>
+    <p:handoutMasterId r:id="rId37"/>
   </p:handoutMasterIdLst>
   <p:sldIdLst>
     <p:sldId id="256" r:id="rId3"/>
@@ -41,8 +41,9 @@
     <p:sldId id="292" r:id="rId30"/>
     <p:sldId id="293" r:id="rId31"/>
     <p:sldId id="295" r:id="rId32"/>
-    <p:sldId id="296" r:id="rId33"/>
-    <p:sldId id="266" r:id="rId34"/>
+    <p:sldId id="304" r:id="rId33"/>
+    <p:sldId id="296" r:id="rId34"/>
+    <p:sldId id="266" r:id="rId35"/>
   </p:sldIdLst>
   <p:sldSz cx="12192000" cy="6858000"/>
   <p:notesSz cx="6858000" cy="9144000"/>
@@ -4577,6 +4578,49 @@
           </a:p>
         </p:txBody>
       </p:sp>
+      <p:sp>
+        <p:nvSpPr>
+          <p:cNvPr id="4" name="TextBox 3"/>
+          <p:cNvSpPr txBox="1"/>
+          <p:nvPr/>
+        </p:nvSpPr>
+        <p:spPr>
+          <a:xfrm>
+            <a:off x="10175577" y="4721470"/>
+            <a:ext cx="697627" cy="369332"/>
+          </a:xfrm>
+          <a:prstGeom prst="rect">
+            <a:avLst/>
+          </a:prstGeom>
+          <a:noFill/>
+        </p:spPr>
+        <p:txBody>
+          <a:bodyPr wrap="none" rtlCol="0">
+            <a:spAutoFit/>
+          </a:bodyPr>
+          <a:lstStyle/>
+          <a:p>
+            <a:pPr>
+              <a:lnSpc>
+                <a:spcPct val="90000"/>
+              </a:lnSpc>
+            </a:pPr>
+            <a:r>
+              <a:rPr lang="zh-CN" altLang="en-US" sz="2000" dirty="0" smtClean="0">
+                <a:solidFill>
+                  <a:schemeClr val="accent2"/>
+                </a:solidFill>
+              </a:rPr>
+              <a:t>高卓</a:t>
+            </a:r>
+            <a:endParaRPr lang="zh-CN" altLang="en-US" sz="2000" dirty="0">
+              <a:solidFill>
+                <a:schemeClr val="accent2"/>
+              </a:solidFill>
+            </a:endParaRPr>
+          </a:p>
+        </p:txBody>
+      </p:sp>
     </p:spTree>
     <p:extLst>
       <p:ext uri="{BB962C8B-B14F-4D97-AF65-F5344CB8AC3E}">
@@ -8846,9 +8890,73 @@
               </a:rPr>
               <a:t>么跨进程传输大数据？</a:t>
             </a:r>
+            <a:endParaRPr lang="en-US" altLang="zh-CN" dirty="0" smtClean="0">
+              <a:solidFill>
+                <a:srgbClr val="FF6600"/>
+              </a:solidFill>
+            </a:endParaRPr>
+          </a:p>
+          <a:p>
+            <a:pPr marL="45720" indent="0">
+              <a:buNone/>
+            </a:pPr>
+            <a:r>
+              <a:rPr lang="zh-CN" altLang="en-US" dirty="0" smtClean="0">
+                <a:solidFill>
+                  <a:srgbClr val="00B050"/>
+                </a:solidFill>
+              </a:rPr>
+              <a:t>答案：</a:t>
+            </a:r>
+            <a:endParaRPr lang="en-US" altLang="zh-CN" dirty="0" smtClean="0">
+              <a:solidFill>
+                <a:srgbClr val="00B050"/>
+              </a:solidFill>
+            </a:endParaRPr>
+          </a:p>
+          <a:p>
+            <a:pPr marL="502920" indent="-457200">
+              <a:buFont typeface="+mj-lt"/>
+              <a:buAutoNum type="arabicPeriod"/>
+            </a:pPr>
+            <a:r>
+              <a:rPr lang="zh-CN" altLang="en-US" dirty="0" smtClean="0">
+                <a:solidFill>
+                  <a:srgbClr val="00B050"/>
+                </a:solidFill>
+              </a:rPr>
+              <a:t>匿名共享内存</a:t>
+            </a:r>
+            <a:endParaRPr lang="en-US" altLang="zh-CN" dirty="0" smtClean="0">
+              <a:solidFill>
+                <a:srgbClr val="00B050"/>
+              </a:solidFill>
+            </a:endParaRPr>
+          </a:p>
+          <a:p>
+            <a:pPr marL="502920" indent="-457200">
+              <a:buFont typeface="+mj-lt"/>
+              <a:buAutoNum type="arabicPeriod"/>
+            </a:pPr>
+            <a:r>
+              <a:rPr lang="en-US" altLang="zh-CN" dirty="0" smtClean="0">
+                <a:solidFill>
+                  <a:srgbClr val="00B050"/>
+                </a:solidFill>
+              </a:rPr>
+              <a:t>ContentProvider</a:t>
+            </a:r>
+            <a:r>
+              <a:rPr lang="zh-CN" altLang="en-US" dirty="0" smtClean="0">
+                <a:solidFill>
+                  <a:srgbClr val="00B050"/>
+                </a:solidFill>
+              </a:rPr>
+              <a:t>（底层也是通过匿名共享内存实现）</a:t>
+            </a:r>
             <a:endParaRPr lang="zh-CN" altLang="en-US" dirty="0">
               <a:solidFill>
-                <a:srgbClr val="FF6600"/>
+                <a:srgbClr val="00B050"/>
               </a:solidFill>
             </a:endParaRPr>
           </a:p>
@@ -8912,6 +9020,131 @@
           <a:lstStyle/>
           <a:p>
             <a:r>
+              <a:rPr lang="en-US" altLang="zh-CN" dirty="0" smtClean="0"/>
+              <a:t>Binder</a:t>
+            </a:r>
+            <a:r>
+              <a:rPr lang="zh-CN" altLang="en-US" dirty="0" smtClean="0"/>
+              <a:t>内核缓存区大小</a:t>
+            </a:r>
+            <a:endParaRPr lang="zh-CN" altLang="en-US" dirty="0"/>
+          </a:p>
+        </p:txBody>
+      </p:sp>
+      <p:pic>
+        <p:nvPicPr>
+          <p:cNvPr id="20483" name="Picture 3"/>
+          <p:cNvPicPr>
+            <a:picLocks noGrp="1" noChangeAspect="1" noChangeArrowheads="1"/>
+          </p:cNvPicPr>
+          <p:nvPr>
+            <p:ph idx="1"/>
+          </p:nvPr>
+        </p:nvPicPr>
+        <p:blipFill>
+          <a:blip r:embed="rId2">
+            <a:extLst>
+              <a:ext uri="{28A0092B-C50C-407E-A947-70E740481C1C}">
+                <a14:useLocalDpi xmlns:a14="http://schemas.microsoft.com/office/drawing/2010/main" val="0"/>
+              </a:ext>
+            </a:extLst>
+          </a:blip>
+          <a:srcRect/>
+          <a:stretch>
+            <a:fillRect/>
+          </a:stretch>
+        </p:blipFill>
+        <p:spPr bwMode="auto">
+          <a:xfrm>
+            <a:off x="1480466" y="1775375"/>
+            <a:ext cx="8494093" cy="3403294"/>
+          </a:xfrm>
+          <a:prstGeom prst="rect">
+            <a:avLst/>
+          </a:prstGeom>
+          <a:noFill/>
+          <a:ln>
+            <a:noFill/>
+          </a:ln>
+          <a:extLst>
+            <a:ext uri="{909E8E84-426E-40DD-AFC4-6F175D3DCCD1}">
+              <a14:hiddenFill xmlns:a14="http://schemas.microsoft.com/office/drawing/2010/main">
+                <a:solidFill>
+                  <a:schemeClr val="accent1"/>
+                </a:solidFill>
+              </a14:hiddenFill>
+            </a:ext>
+            <a:ext uri="{91240B29-F687-4F45-9708-019B960494DF}">
+              <a14:hiddenLine xmlns:a14="http://schemas.microsoft.com/office/drawing/2010/main" w="9525">
+                <a:solidFill>
+                  <a:schemeClr val="tx1"/>
+                </a:solidFill>
+                <a:miter lim="800000"/>
+                <a:headEnd/>
+                <a:tailEnd/>
+              </a14:hiddenLine>
+            </a:ext>
+          </a:extLst>
+        </p:spPr>
+      </p:pic>
+    </p:spTree>
+    <p:extLst>
+      <p:ext uri="{BB962C8B-B14F-4D97-AF65-F5344CB8AC3E}">
+        <p14:creationId xmlns:p14="http://schemas.microsoft.com/office/powerpoint/2010/main" val="3328010905"/>
+      </p:ext>
+    </p:extLst>
+  </p:cSld>
+  <p:clrMapOvr>
+    <a:masterClrMapping/>
+  </p:clrMapOvr>
+  <mc:AlternateContent xmlns:mc="http://schemas.openxmlformats.org/markup-compatibility/2006" xmlns:p14="http://schemas.microsoft.com/office/powerpoint/2010/main">
+    <mc:Choice Requires="p14">
+      <p:transition spd="med" p14:dur="700">
+        <p:fade/>
+      </p:transition>
+    </mc:Choice>
+    <mc:Fallback xmlns="">
+      <p:transition spd="med">
+        <p:fade/>
+      </p:transition>
+    </mc:Fallback>
+  </mc:AlternateContent>
+</p:sld>
+</file>
+
+<file path=ppt/slides/slide32.xml><?xml version="1.0" encoding="utf-8"?>
+<p:sld xmlns:a="http://schemas.openxmlformats.org/drawingml/2006/main" xmlns:r="http://schemas.openxmlformats.org/officeDocument/2006/relationships" xmlns:p="http://schemas.openxmlformats.org/presentationml/2006/main">
+  <p:cSld>
+    <p:spTree>
+      <p:nvGrpSpPr>
+        <p:cNvPr id="1" name=""/>
+        <p:cNvGrpSpPr/>
+        <p:nvPr/>
+      </p:nvGrpSpPr>
+      <p:grpSpPr>
+        <a:xfrm>
+          <a:off x="0" y="0"/>
+          <a:ext cx="0" cy="0"/>
+          <a:chOff x="0" y="0"/>
+          <a:chExt cx="0" cy="0"/>
+        </a:xfrm>
+      </p:grpSpPr>
+      <p:sp>
+        <p:nvSpPr>
+          <p:cNvPr id="2" name="标题 1"/>
+          <p:cNvSpPr>
+            <a:spLocks noGrp="1"/>
+          </p:cNvSpPr>
+          <p:nvPr>
+            <p:ph type="title"/>
+          </p:nvPr>
+        </p:nvSpPr>
+        <p:spPr/>
+        <p:txBody>
+          <a:bodyPr/>
+          <a:lstStyle/>
+          <a:p>
+            <a:r>
               <a:rPr lang="zh-CN" altLang="en-US" dirty="0" smtClean="0"/>
               <a:t>匿名共享内存原理</a:t>
             </a:r>
@@ -9010,7 +9243,7 @@
 </p:sld>
 </file>
 
-<file path=ppt/slides/slide32.xml><?xml version="1.0" encoding="utf-8"?>
+<file path=ppt/slides/slide33.xml><?xml version="1.0" encoding="utf-8"?>
 <p:sld xmlns:a="http://schemas.openxmlformats.org/drawingml/2006/main" xmlns:r="http://schemas.openxmlformats.org/officeDocument/2006/relationships" xmlns:p="http://schemas.openxmlformats.org/presentationml/2006/main">
   <p:cSld>
     <p:spTree>
